--- a/help/data-sheets/assets/OnlineSupportDatasheet.pptx
+++ b/help/data-sheets/assets/OnlineSupportDatasheet.pptx
@@ -255,7 +255,7 @@
           <a:p>
             <a:fld id="{A438815C-EDE5-F947-A55F-7634403F36C4}" type="datetimeFigureOut">
               <a:rPr lang="en-US" smtClean="0"/>
-              <a:t>9/22/2021</a:t>
+              <a:t>10/1/2021</a:t>
             </a:fld>
             <a:endParaRPr lang="en-US"/>
           </a:p>
@@ -878,7 +878,7 @@
           <a:p>
             <a:fld id="{1D8BD707-D9CF-40AE-B4C6-C98DA3205C09}" type="datetimeFigureOut">
               <a:rPr lang="en-US"/>
-              <a:t>9/22/2021</a:t>
+              <a:t>10/1/2021</a:t>
             </a:fld>
             <a:endParaRPr lang="en-US"/>
           </a:p>
@@ -1062,7 +1062,7 @@
           <a:p>
             <a:fld id="{1D8BD707-D9CF-40AE-B4C6-C98DA3205C09}" type="datetimeFigureOut">
               <a:rPr lang="en-US"/>
-              <a:t>9/22/2021</a:t>
+              <a:t>10/1/2021</a:t>
             </a:fld>
             <a:endParaRPr lang="en-US"/>
           </a:p>
@@ -1364,7 +1364,7 @@
           <a:p>
             <a:fld id="{1D8BD707-D9CF-40AE-B4C6-C98DA3205C09}" type="datetimeFigureOut">
               <a:rPr lang="en-US"/>
-              <a:t>9/22/2021</a:t>
+              <a:t>10/1/2021</a:t>
             </a:fld>
             <a:endParaRPr lang="en-US"/>
           </a:p>
@@ -1640,7 +1640,7 @@
               </a:spcBef>
             </a:pPr>
             <a:r>
-              <a:rPr sz="1400" b="1" u="heavy" spc="10" dirty="0">
+              <a:rPr lang="es-ES" sz="1400" b="1" u="heavy">
                 <a:solidFill>
                   <a:srgbClr val="020302"/>
                 </a:solidFill>
@@ -1652,87 +1652,8 @@
                 <a:latin typeface="Adobe Clean"/>
                 <a:cs typeface="Adobe Clean"/>
               </a:rPr>
-              <a:t>Service </a:t>
+              <a:t>Destinatarios de nivel de servicio: Respuesta inicial</a:t>
             </a:r>
-            <a:r>
-              <a:rPr sz="1400" b="1" u="heavy" spc="-10" dirty="0">
-                <a:solidFill>
-                  <a:srgbClr val="020302"/>
-                </a:solidFill>
-                <a:uFill>
-                  <a:solidFill>
-                    <a:srgbClr val="020302"/>
-                  </a:solidFill>
-                </a:uFill>
-                <a:latin typeface="Adobe Clean"/>
-                <a:cs typeface="Adobe Clean"/>
-              </a:rPr>
-              <a:t>Level </a:t>
-            </a:r>
-            <a:r>
-              <a:rPr sz="1400" b="1" u="heavy" spc="-45" dirty="0">
-                <a:solidFill>
-                  <a:srgbClr val="020302"/>
-                </a:solidFill>
-                <a:uFill>
-                  <a:solidFill>
-                    <a:srgbClr val="020302"/>
-                  </a:solidFill>
-                </a:uFill>
-                <a:latin typeface="Adobe Clean"/>
-                <a:cs typeface="Adobe Clean"/>
-              </a:rPr>
-              <a:t>Targets: </a:t>
-            </a:r>
-            <a:r>
-              <a:rPr sz="1400" b="1" u="heavy" spc="-10" dirty="0">
-                <a:solidFill>
-                  <a:srgbClr val="020302"/>
-                </a:solidFill>
-                <a:uFill>
-                  <a:solidFill>
-                    <a:srgbClr val="020302"/>
-                  </a:solidFill>
-                </a:uFill>
-                <a:latin typeface="Adobe Clean"/>
-                <a:cs typeface="Adobe Clean"/>
-              </a:rPr>
-              <a:t>Initial</a:t>
-            </a:r>
-            <a:r>
-              <a:rPr sz="1400" b="1" u="heavy" spc="-140" dirty="0">
-                <a:solidFill>
-                  <a:srgbClr val="020302"/>
-                </a:solidFill>
-                <a:uFill>
-                  <a:solidFill>
-                    <a:srgbClr val="020302"/>
-                  </a:solidFill>
-                </a:uFill>
-                <a:latin typeface="Adobe Clean"/>
-                <a:cs typeface="Adobe Clean"/>
-              </a:rPr>
-              <a:t> </a:t>
-            </a:r>
-            <a:r>
-              <a:rPr sz="1400" b="1" u="heavy" spc="-15" dirty="0">
-                <a:solidFill>
-                  <a:srgbClr val="020302"/>
-                </a:solidFill>
-                <a:uFill>
-                  <a:solidFill>
-                    <a:srgbClr val="020302"/>
-                  </a:solidFill>
-                </a:uFill>
-                <a:latin typeface="Adobe Clean"/>
-                <a:cs typeface="Adobe Clean"/>
-              </a:rPr>
-              <a:t>Response</a:t>
-            </a:r>
-            <a:endParaRPr sz="1400" dirty="0">
-              <a:latin typeface="Adobe Clean"/>
-              <a:cs typeface="Adobe Clean"/>
-            </a:endParaRPr>
           </a:p>
         </p:txBody>
       </p:sp>
@@ -1795,7 +1716,7 @@
               </a:spcBef>
             </a:pPr>
             <a:r>
-              <a:rPr lang="en-US" sz="1200" b="1" dirty="0">
+              <a:rPr lang="es-ES" sz="1200" b="1" dirty="0">
                 <a:solidFill>
                   <a:schemeClr val="bg1"/>
                 </a:solidFill>
@@ -1803,7 +1724,7 @@
               <a:t>Online</a:t>
             </a:r>
             <a:r>
-              <a:rPr lang="en-US" sz="1200" dirty="0">
+              <a:rPr lang="es-ES" sz="1200" dirty="0">
                 <a:solidFill>
                   <a:schemeClr val="bg1"/>
                 </a:solidFill>
@@ -1812,7 +1733,7 @@
               <a:t> | Business | Enterprise | Elite</a:t>
             </a:r>
             <a:br>
-              <a:rPr lang="en-US" sz="900" dirty="0">
+              <a:rPr lang="es-ES" sz="900" dirty="0">
                 <a:solidFill>
                   <a:schemeClr val="bg1"/>
                 </a:solidFill>
@@ -1820,16 +1741,52 @@
               </a:rPr>
             </a:br>
             <a:r>
-              <a:rPr lang="en-US" sz="900" dirty="0">
+              <a:rPr lang="es-ES" sz="900" dirty="0">
                 <a:solidFill>
                   <a:schemeClr val="bg1"/>
                 </a:solidFill>
                 <a:latin typeface="Adobe Clean SemiLight" panose="020B0403020404020204" pitchFamily="34" charset="0"/>
               </a:rPr>
-              <a:t>Adobe provides a comprehensive range of technical resources to help support your business included as part of your Experience Cloud license subscription. Online support includes access to personalized learning paths and monitored community forums via the Adobe Experience League. You can take advantage of our detailed and in-depth technical product documentation and current release notes published on </a:t>
+              <a:t>Adobe ofrece una amplia variedad de recursos técnicos para ayudar a su negocio, incluidos como parte de su suscripción de licencia de </a:t>
             </a:r>
             <a:r>
-              <a:rPr lang="en-US" sz="900" u="sng" dirty="0">
+              <a:rPr lang="es-ES" sz="900" dirty="0" err="1">
+                <a:solidFill>
+                  <a:schemeClr val="bg1"/>
+                </a:solidFill>
+                <a:latin typeface="Adobe Clean SemiLight" panose="020B0403020404020204" pitchFamily="34" charset="0"/>
+              </a:rPr>
+              <a:t>Experience</a:t>
+            </a:r>
+            <a:r>
+              <a:rPr lang="es-ES" sz="900" dirty="0">
+                <a:solidFill>
+                  <a:schemeClr val="bg1"/>
+                </a:solidFill>
+                <a:latin typeface="Adobe Clean SemiLight" panose="020B0403020404020204" pitchFamily="34" charset="0"/>
+              </a:rPr>
+              <a:t> Cloud. El paquete ONLINE incluye acceso a rutas de aprendizaje personalizadas y foros de la comunidad monitorizados a través de Adobe </a:t>
+            </a:r>
+            <a:r>
+              <a:rPr lang="es-ES" sz="900" dirty="0" err="1">
+                <a:solidFill>
+                  <a:schemeClr val="bg1"/>
+                </a:solidFill>
+                <a:latin typeface="Adobe Clean SemiLight" panose="020B0403020404020204" pitchFamily="34" charset="0"/>
+              </a:rPr>
+              <a:t>Experience</a:t>
+            </a:r>
+            <a:r>
+              <a:rPr lang="es-ES" sz="900" dirty="0">
+                <a:solidFill>
+                  <a:schemeClr val="bg1"/>
+                </a:solidFill>
+                <a:latin typeface="Adobe Clean SemiLight" panose="020B0403020404020204" pitchFamily="34" charset="0"/>
+              </a:rPr>
+              <a:t> League. Puede disfrutar de la documentación técnica completa y detallada sobre productos y notas de la versión actual publicadas en </a:t>
+            </a:r>
+            <a:r>
+              <a:rPr lang="es-ES" sz="900" u="sng" dirty="0">
                 <a:solidFill>
                   <a:schemeClr val="bg1"/>
                 </a:solidFill>
@@ -1845,21 +1802,14 @@
               <a:t>http://www.adobe.com</a:t>
             </a:r>
             <a:r>
-              <a:rPr lang="en-US" sz="900" dirty="0">
+              <a:rPr lang="es-ES" sz="900" dirty="0">
                 <a:solidFill>
                   <a:schemeClr val="bg1"/>
                 </a:solidFill>
                 <a:latin typeface="Adobe Clean SemiLight" panose="020B0403020404020204" pitchFamily="34" charset="0"/>
               </a:rPr>
-              <a:t> Our Online package also includes access to our technical support teams for any critical P1 product issues via telephone to help protect your business at the most critical times as well as providing the ability to log lower priority requests for assistance via support web portal.</a:t>
+              <a:t> Nuestro paquete ONLINE también incluye el acceso a nuestros equipos de soporte técnico para problemas de producto de prioridad 1 por vía telefónica para proteger su negocio en los momentos más importantes. Además, podrá registrar solicitudes de prioridad más baja a través del portal de soporte web.</a:t>
             </a:r>
-            <a:endParaRPr lang="en-US" sz="900" dirty="0">
-              <a:solidFill>
-                <a:schemeClr val="bg1"/>
-              </a:solidFill>
-              <a:latin typeface="Adobe Clean Light" panose="020B0303020404020204" pitchFamily="34" charset="0"/>
-              <a:cs typeface="AdobeClean-Light"/>
-            </a:endParaRPr>
           </a:p>
         </p:txBody>
       </p:sp>
@@ -1901,14 +1851,14 @@
           <p:nvPr>
             <p:extLst>
               <p:ext uri="{D42A27DB-BD31-4B8C-83A1-F6EECF244321}">
-                <p14:modId xmlns:p14="http://schemas.microsoft.com/office/powerpoint/2010/main" val="1019627915"/>
+                <p14:modId xmlns:p14="http://schemas.microsoft.com/office/powerpoint/2010/main" val="175049833"/>
               </p:ext>
             </p:extLst>
           </p:nvPr>
         </p:nvGraphicFramePr>
         <p:xfrm>
           <a:off x="0" y="1938946"/>
-          <a:ext cx="7705343" cy="5227197"/>
+          <a:ext cx="7705343" cy="5220295"/>
         </p:xfrm>
         <a:graphic>
           <a:graphicData uri="http://schemas.openxmlformats.org/drawingml/2006/table">
@@ -1967,7 +1917,7 @@
                   </a:extLst>
                 </a:gridCol>
               </a:tblGrid>
-              <a:tr h="218820">
+              <a:tr h="353430">
                 <a:tc gridSpan="2">
                   <a:txBody>
                     <a:bodyPr/>
@@ -2002,39 +1952,15 @@
                         </a:spcBef>
                       </a:pPr>
                       <a:r>
-                        <a:rPr sz="900" spc="0" dirty="0">
+                        <a:rPr lang="es-ES" sz="900">
                           <a:solidFill>
                             <a:srgbClr val="404040"/>
                           </a:solidFill>
                           <a:latin typeface="Adobe Clean"/>
                           <a:cs typeface="Adobe Clean"/>
                         </a:rPr>
-                        <a:t>Online</a:t>
+                        <a:t>Soporte Online</a:t>
                       </a:r>
-                      <a:r>
-                        <a:rPr lang="en-US" sz="900" spc="0" dirty="0">
-                          <a:solidFill>
-                            <a:srgbClr val="404040"/>
-                          </a:solidFill>
-                          <a:latin typeface="Adobe Clean"/>
-                          <a:cs typeface="Adobe Clean"/>
-                        </a:rPr>
-                        <a:t> </a:t>
-                      </a:r>
-                      <a:r>
-                        <a:rPr sz="900" spc="0" dirty="0">
-                          <a:solidFill>
-                            <a:srgbClr val="404040"/>
-                          </a:solidFill>
-                          <a:latin typeface="Adobe Clean"/>
-                          <a:cs typeface="Adobe Clean"/>
-                        </a:rPr>
-                        <a:t>Support</a:t>
-                      </a:r>
-                      <a:endParaRPr sz="900" spc="0" dirty="0">
-                        <a:latin typeface="Adobe Clean"/>
-                        <a:cs typeface="Adobe Clean"/>
-                      </a:endParaRPr>
                     </a:p>
                   </a:txBody>
                   <a:tcPr marL="0" marR="0" marT="7620" marB="0" anchor="ctr">
@@ -2069,39 +1995,15 @@
                         </a:spcBef>
                       </a:pPr>
                       <a:r>
-                        <a:rPr sz="900" spc="0" dirty="0">
+                        <a:rPr lang="es-ES" sz="900">
                           <a:solidFill>
                             <a:srgbClr val="FFFFFF"/>
                           </a:solidFill>
                           <a:latin typeface="Adobe Clean"/>
                           <a:cs typeface="Adobe Clean"/>
                         </a:rPr>
-                        <a:t>Business</a:t>
+                        <a:t>Soporte Business</a:t>
                       </a:r>
-                      <a:r>
-                        <a:rPr lang="en-US" sz="900" spc="0" dirty="0">
-                          <a:solidFill>
-                            <a:srgbClr val="FFFFFF"/>
-                          </a:solidFill>
-                          <a:latin typeface="Adobe Clean"/>
-                          <a:cs typeface="Adobe Clean"/>
-                        </a:rPr>
-                        <a:t> </a:t>
-                      </a:r>
-                      <a:r>
-                        <a:rPr sz="900" spc="0" dirty="0">
-                          <a:solidFill>
-                            <a:srgbClr val="FFFFFF"/>
-                          </a:solidFill>
-                          <a:latin typeface="Adobe Clean"/>
-                          <a:cs typeface="Adobe Clean"/>
-                        </a:rPr>
-                        <a:t>Support</a:t>
-                      </a:r>
-                      <a:endParaRPr sz="900" spc="0" dirty="0">
-                        <a:latin typeface="Adobe Clean"/>
-                        <a:cs typeface="Adobe Clean"/>
-                      </a:endParaRPr>
                     </a:p>
                   </a:txBody>
                   <a:tcPr marL="0" marR="0" marT="7620" marB="0" anchor="ctr">
@@ -2142,19 +2044,15 @@
                         </a:spcBef>
                       </a:pPr>
                       <a:r>
-                        <a:rPr lang="en-US" sz="900" spc="0" dirty="0">
+                        <a:rPr lang="es-ES" sz="900">
                           <a:solidFill>
                             <a:srgbClr val="FFFFFF"/>
                           </a:solidFill>
                           <a:latin typeface="Adobe Clean"/>
                           <a:cs typeface="Adobe Clean"/>
                         </a:rPr>
-                        <a:t>Enterprise Support</a:t>
+                        <a:t>Soporte Enterprise</a:t>
                       </a:r>
-                      <a:endParaRPr sz="900" spc="0" dirty="0">
-                        <a:latin typeface="Adobe Clean"/>
-                        <a:cs typeface="Adobe Clean"/>
-                      </a:endParaRPr>
                     </a:p>
                   </a:txBody>
                   <a:tcPr marL="0" marR="0" marT="7620" marB="0" anchor="ctr">
@@ -2195,39 +2093,15 @@
                         </a:spcBef>
                       </a:pPr>
                       <a:r>
-                        <a:rPr sz="900" spc="-20" dirty="0">
+                        <a:rPr lang="es-ES" sz="900">
                           <a:solidFill>
                             <a:srgbClr val="FFFFFF"/>
                           </a:solidFill>
                           <a:latin typeface="Adobe Clean"/>
                           <a:cs typeface="Adobe Clean"/>
                         </a:rPr>
-                        <a:t>Enterprise</a:t>
+                        <a:t>Soporte Enterprise</a:t>
                       </a:r>
-                      <a:r>
-                        <a:rPr lang="en-US" sz="900" spc="-20" dirty="0">
-                          <a:solidFill>
-                            <a:srgbClr val="FFFFFF"/>
-                          </a:solidFill>
-                          <a:latin typeface="Adobe Clean"/>
-                          <a:cs typeface="Adobe Clean"/>
-                        </a:rPr>
-                        <a:t> </a:t>
-                      </a:r>
-                      <a:r>
-                        <a:rPr sz="900" spc="-20" dirty="0">
-                          <a:solidFill>
-                            <a:srgbClr val="FFFFFF"/>
-                          </a:solidFill>
-                          <a:latin typeface="Adobe Clean"/>
-                          <a:cs typeface="Adobe Clean"/>
-                        </a:rPr>
-                        <a:t>Support</a:t>
-                      </a:r>
-                      <a:endParaRPr sz="900" dirty="0">
-                        <a:latin typeface="Adobe Clean"/>
-                        <a:cs typeface="Adobe Clean"/>
-                      </a:endParaRPr>
                     </a:p>
                   </a:txBody>
                   <a:tcPr marL="0" marR="0" marT="7620" marB="0" anchor="ctr">
@@ -2268,39 +2142,15 @@
                         </a:spcBef>
                       </a:pPr>
                       <a:r>
-                        <a:rPr sz="900" spc="0" dirty="0">
+                        <a:rPr lang="es-ES" sz="900">
                           <a:solidFill>
                             <a:srgbClr val="FFFFFF"/>
                           </a:solidFill>
                           <a:latin typeface="Adobe Clean"/>
                           <a:cs typeface="Adobe Clean"/>
                         </a:rPr>
-                        <a:t>Elite</a:t>
+                        <a:t>Soporte Elite</a:t>
                       </a:r>
-                      <a:r>
-                        <a:rPr lang="en-US" sz="900" spc="0" dirty="0">
-                          <a:solidFill>
-                            <a:srgbClr val="FFFFFF"/>
-                          </a:solidFill>
-                          <a:latin typeface="Adobe Clean"/>
-                          <a:cs typeface="Adobe Clean"/>
-                        </a:rPr>
-                        <a:t> </a:t>
-                      </a:r>
-                      <a:r>
-                        <a:rPr sz="900" spc="0" dirty="0">
-                          <a:solidFill>
-                            <a:srgbClr val="FFFFFF"/>
-                          </a:solidFill>
-                          <a:latin typeface="Adobe Clean"/>
-                          <a:cs typeface="Adobe Clean"/>
-                        </a:rPr>
-                        <a:t>Support</a:t>
-                      </a:r>
-                      <a:endParaRPr sz="900" spc="0" dirty="0">
-                        <a:latin typeface="Adobe Clean"/>
-                        <a:cs typeface="Adobe Clean"/>
-                      </a:endParaRPr>
                     </a:p>
                   </a:txBody>
                   <a:tcPr marL="0" marR="0" marT="7620" marB="0" anchor="ctr">
@@ -2327,7 +2177,7 @@
                   </a:ext>
                 </a:extLst>
               </a:tr>
-              <a:tr h="0">
+              <a:tr h="353430">
                 <a:tc gridSpan="2">
                   <a:txBody>
                     <a:bodyPr/>
@@ -2353,7 +2203,7 @@
                     <a:bodyPr/>
                     <a:lstStyle/>
                     <a:p>
-                      <a:pPr marL="255904" marR="248920" indent="-25400">
+                      <a:pPr marL="255904" marR="248920" indent="-25400" algn="l" rtl="0">
                         <a:lnSpc>
                           <a:spcPct val="100000"/>
                         </a:lnSpc>
@@ -2407,29 +2257,15 @@
                         </a:spcBef>
                       </a:pPr>
                       <a:r>
-                        <a:rPr lang="en-US" sz="800" i="1" spc="0" dirty="0">
+                        <a:rPr lang="es-ES" sz="800" i="1">
                           <a:solidFill>
                             <a:srgbClr val="FFFFFF"/>
                           </a:solidFill>
                           <a:latin typeface="Adobe Clean"/>
                           <a:cs typeface="Adobe Clean"/>
                         </a:rPr>
-                        <a:t>Paid</a:t>
+                        <a:t>Niveles de soporte de pago ($)</a:t>
                       </a:r>
-                      <a:r>
-                        <a:rPr sz="800" i="1" spc="0" dirty="0">
-                          <a:solidFill>
-                            <a:srgbClr val="FFFFFF"/>
-                          </a:solidFill>
-                          <a:latin typeface="Adobe Clean"/>
-                          <a:cs typeface="Adobe Clean"/>
-                        </a:rPr>
-                        <a:t> Support Levels($)</a:t>
-                      </a:r>
-                      <a:endParaRPr sz="800" spc="0" dirty="0">
-                        <a:latin typeface="Adobe Clean"/>
-                        <a:cs typeface="Adobe Clean"/>
-                      </a:endParaRPr>
                     </a:p>
                   </a:txBody>
                   <a:tcPr marL="0" marR="0" marT="82550" marB="0" anchor="ctr">
@@ -2501,7 +2337,7 @@
                   </a:ext>
                 </a:extLst>
               </a:tr>
-              <a:tr h="264424">
+              <a:tr h="249845">
                 <a:tc rowSpan="3">
                   <a:txBody>
                     <a:bodyPr/>
@@ -2516,22 +2352,15 @@
                         </a:spcBef>
                       </a:pPr>
                       <a:r>
-                        <a:rPr lang="en-US" sz="1000" b="1" i="0" spc="0" dirty="0">
+                        <a:rPr lang="es-ES" sz="1000" b="1" i="0">
                           <a:solidFill>
                             <a:schemeClr val="bg1"/>
                           </a:solidFill>
                           <a:latin typeface="Adobe Clean" panose="020B0503020404020204" pitchFamily="34" charset="0"/>
                           <a:cs typeface="AdobeClean-Light"/>
                         </a:rPr>
-                        <a:t>Assigned Experts</a:t>
+                        <a:t>Expertos asignados</a:t>
                       </a:r>
-                      <a:endParaRPr sz="1000" b="1" i="0" spc="0" dirty="0">
-                        <a:solidFill>
-                          <a:schemeClr val="bg1"/>
-                        </a:solidFill>
-                        <a:latin typeface="Adobe Clean" panose="020B0503020404020204" pitchFamily="34" charset="0"/>
-                        <a:cs typeface="AdobeClean-Light"/>
-                      </a:endParaRPr>
                     </a:p>
                   </a:txBody>
                   <a:tcPr marL="0" marR="0" marT="58419" marB="0" anchor="ctr">
@@ -2578,19 +2407,15 @@
                         </a:spcBef>
                       </a:pPr>
                       <a:r>
-                        <a:rPr sz="900" spc="0" dirty="0">
+                        <a:rPr lang="es-ES" sz="900">
                           <a:solidFill>
                             <a:srgbClr val="020302"/>
                           </a:solidFill>
                           <a:latin typeface="AdobeClean-Light"/>
                           <a:cs typeface="AdobeClean-Light"/>
                         </a:rPr>
-                        <a:t>Account Support Lead</a:t>
+                        <a:t>Responsable de la asistencia técnica de la cuenta</a:t>
                       </a:r>
-                      <a:endParaRPr sz="900" spc="0" dirty="0">
-                        <a:latin typeface="AdobeClean-Light"/>
-                        <a:cs typeface="AdobeClean-Light"/>
-                      </a:endParaRPr>
                     </a:p>
                   </a:txBody>
                   <a:tcPr marL="0" marR="0" marT="58419" marB="0">
@@ -2619,7 +2444,7 @@
                     <a:bodyPr/>
                     <a:lstStyle/>
                     <a:p>
-                      <a:pPr>
+                      <a:pPr algn="l" rtl="0">
                         <a:lnSpc>
                           <a:spcPct val="100000"/>
                         </a:lnSpc>
@@ -2664,7 +2489,7 @@
                         </a:spcBef>
                       </a:pPr>
                       <a:r>
-                        <a:rPr sz="900" spc="0" dirty="0">
+                        <a:rPr lang="es-ES" sz="900">
                           <a:solidFill>
                             <a:srgbClr val="020302"/>
                           </a:solidFill>
@@ -2673,10 +2498,6 @@
                         </a:rPr>
                         <a:t></a:t>
                       </a:r>
-                      <a:endParaRPr sz="900" spc="0" dirty="0">
-                        <a:latin typeface="Wingdings"/>
-                        <a:cs typeface="Wingdings"/>
-                      </a:endParaRPr>
                     </a:p>
                   </a:txBody>
                   <a:tcPr marL="0" marR="0" marT="59690" marB="0">
@@ -2693,7 +2514,7 @@
                     <a:bodyPr/>
                     <a:lstStyle/>
                     <a:p>
-                      <a:pPr algn="ctr">
+                      <a:pPr algn="l" rtl="0">
                         <a:lnSpc>
                           <a:spcPct val="100000"/>
                         </a:lnSpc>
@@ -2724,7 +2545,7 @@
                     <a:bodyPr/>
                     <a:lstStyle/>
                     <a:p>
-                      <a:pPr>
+                      <a:pPr algn="l" rtl="0">
                         <a:lnSpc>
                           <a:spcPct val="100000"/>
                         </a:lnSpc>
@@ -2749,7 +2570,7 @@
                     <a:bodyPr/>
                     <a:lstStyle/>
                     <a:p>
-                      <a:pPr>
+                      <a:pPr algn="l" rtl="0">
                         <a:lnSpc>
                           <a:spcPct val="100000"/>
                         </a:lnSpc>
@@ -2781,13 +2602,13 @@
                   </a:ext>
                 </a:extLst>
               </a:tr>
-              <a:tr h="264424">
+              <a:tr h="249845">
                 <a:tc vMerge="1">
                   <a:txBody>
                     <a:bodyPr/>
                     <a:lstStyle/>
                     <a:p>
-                      <a:pPr marL="50800">
+                      <a:pPr marL="50800" algn="l" rtl="0">
                         <a:lnSpc>
                           <a:spcPct val="100000"/>
                         </a:lnSpc>
@@ -2833,19 +2654,15 @@
                         </a:spcBef>
                       </a:pPr>
                       <a:r>
-                        <a:rPr sz="900" spc="0" dirty="0">
+                        <a:rPr lang="es-ES" sz="900">
                           <a:solidFill>
                             <a:srgbClr val="020302"/>
                           </a:solidFill>
                           <a:latin typeface="AdobeClean-Light"/>
                           <a:cs typeface="AdobeClean-Light"/>
                         </a:rPr>
-                        <a:t>Named Support Engineer</a:t>
+                        <a:t>Ingeniero de asistencia técnica especializado</a:t>
                       </a:r>
-                      <a:endParaRPr sz="900" spc="0" dirty="0">
-                        <a:latin typeface="AdobeClean-Light"/>
-                        <a:cs typeface="AdobeClean-Light"/>
-                      </a:endParaRPr>
                     </a:p>
                   </a:txBody>
                   <a:tcPr marL="0" marR="0" marT="58419" marB="0">
@@ -2868,7 +2685,7 @@
                     <a:bodyPr/>
                     <a:lstStyle/>
                     <a:p>
-                      <a:pPr>
+                      <a:pPr algn="l" rtl="0">
                         <a:lnSpc>
                           <a:spcPct val="100000"/>
                         </a:lnSpc>
@@ -2898,7 +2715,7 @@
                     <a:bodyPr/>
                     <a:lstStyle/>
                     <a:p>
-                      <a:pPr>
+                      <a:pPr algn="l" rtl="0">
                         <a:lnSpc>
                           <a:spcPct val="100000"/>
                         </a:lnSpc>
@@ -2916,7 +2733,7 @@
                     <a:bodyPr/>
                     <a:lstStyle/>
                     <a:p>
-                      <a:pPr>
+                      <a:pPr algn="l" rtl="0">
                         <a:lnSpc>
                           <a:spcPct val="100000"/>
                         </a:lnSpc>
@@ -2943,7 +2760,7 @@
                         </a:spcBef>
                       </a:pPr>
                       <a:r>
-                        <a:rPr sz="900" spc="0" dirty="0">
+                        <a:rPr lang="es-ES" sz="900">
                           <a:solidFill>
                             <a:srgbClr val="020302"/>
                           </a:solidFill>
@@ -2952,10 +2769,6 @@
                         </a:rPr>
                         <a:t></a:t>
                       </a:r>
-                      <a:endParaRPr sz="900" spc="0" dirty="0">
-                        <a:latin typeface="Wingdings"/>
-                        <a:cs typeface="Wingdings"/>
-                      </a:endParaRPr>
                     </a:p>
                   </a:txBody>
                   <a:tcPr marL="0" marR="0" marT="59055" marB="0"/>
@@ -2974,7 +2787,7 @@
                         </a:spcBef>
                       </a:pPr>
                       <a:r>
-                        <a:rPr sz="900" spc="0" dirty="0">
+                        <a:rPr lang="es-ES" sz="900">
                           <a:solidFill>
                             <a:srgbClr val="020302"/>
                           </a:solidFill>
@@ -2983,10 +2796,6 @@
                         </a:rPr>
                         <a:t></a:t>
                       </a:r>
-                      <a:endParaRPr sz="900" spc="0" dirty="0">
-                        <a:latin typeface="Wingdings"/>
-                        <a:cs typeface="Wingdings"/>
-                      </a:endParaRPr>
                     </a:p>
                   </a:txBody>
                   <a:tcPr marL="0" marR="0" marT="59055" marB="0">
@@ -3004,13 +2813,13 @@
                   </a:ext>
                 </a:extLst>
               </a:tr>
-              <a:tr h="264424">
+              <a:tr h="249845">
                 <a:tc vMerge="1">
                   <a:txBody>
                     <a:bodyPr/>
                     <a:lstStyle/>
                     <a:p>
-                      <a:pPr marL="50800">
+                      <a:pPr marL="50800" algn="l" rtl="0">
                         <a:lnSpc>
                           <a:spcPct val="100000"/>
                         </a:lnSpc>
@@ -3068,19 +2877,15 @@
                         </a:spcBef>
                       </a:pPr>
                       <a:r>
-                        <a:rPr sz="900" spc="0" dirty="0">
+                        <a:rPr lang="es-ES" sz="900">
                           <a:solidFill>
                             <a:srgbClr val="020302"/>
                           </a:solidFill>
                           <a:latin typeface="AdobeClean-Light"/>
                           <a:cs typeface="AdobeClean-Light"/>
                         </a:rPr>
-                        <a:t>Technical Account Manager</a:t>
+                        <a:t>Gestor técnico de cuentas</a:t>
                       </a:r>
-                      <a:endParaRPr sz="900" spc="0" dirty="0">
-                        <a:latin typeface="AdobeClean-Light"/>
-                        <a:cs typeface="AdobeClean-Light"/>
-                      </a:endParaRPr>
                     </a:p>
                   </a:txBody>
                   <a:tcPr marL="0" marR="0" marT="63500" marB="0">
@@ -3109,7 +2914,7 @@
                     <a:bodyPr/>
                     <a:lstStyle/>
                     <a:p>
-                      <a:pPr>
+                      <a:pPr algn="l" rtl="0">
                         <a:lnSpc>
                           <a:spcPct val="100000"/>
                         </a:lnSpc>
@@ -3145,7 +2950,7 @@
                     <a:bodyPr/>
                     <a:lstStyle/>
                     <a:p>
-                      <a:pPr>
+                      <a:pPr algn="l" rtl="0">
                         <a:lnSpc>
                           <a:spcPct val="100000"/>
                         </a:lnSpc>
@@ -3170,7 +2975,7 @@
                     <a:bodyPr/>
                     <a:lstStyle/>
                     <a:p>
-                      <a:pPr>
+                      <a:pPr algn="l" rtl="0">
                         <a:lnSpc>
                           <a:spcPct val="100000"/>
                         </a:lnSpc>
@@ -3198,7 +3003,7 @@
                     <a:bodyPr/>
                     <a:lstStyle/>
                     <a:p>
-                      <a:pPr>
+                      <a:pPr algn="l" rtl="0">
                         <a:lnSpc>
                           <a:spcPct val="100000"/>
                         </a:lnSpc>
@@ -3232,7 +3037,7 @@
                         </a:spcBef>
                       </a:pPr>
                       <a:r>
-                        <a:rPr sz="900" spc="0" dirty="0">
+                        <a:rPr lang="es-ES" sz="900">
                           <a:solidFill>
                             <a:srgbClr val="020302"/>
                           </a:solidFill>
@@ -3241,10 +3046,6 @@
                         </a:rPr>
                         <a:t></a:t>
                       </a:r>
-                      <a:endParaRPr sz="900" spc="0">
-                        <a:latin typeface="Wingdings"/>
-                        <a:cs typeface="Wingdings"/>
-                      </a:endParaRPr>
                     </a:p>
                   </a:txBody>
                   <a:tcPr marL="0" marR="0" marT="64135" marB="0">
@@ -3268,7 +3069,7 @@
                   </a:ext>
                 </a:extLst>
               </a:tr>
-              <a:tr h="264424">
+              <a:tr h="249845">
                 <a:tc rowSpan="12">
                   <a:txBody>
                     <a:bodyPr/>
@@ -3283,22 +3084,15 @@
                         </a:spcBef>
                       </a:pPr>
                       <a:r>
-                        <a:rPr lang="en-US" sz="1000" b="1" i="0" spc="0" dirty="0">
+                        <a:rPr lang="es-ES" sz="1000" b="1" i="0">
                           <a:solidFill>
                             <a:schemeClr val="bg1"/>
                           </a:solidFill>
                           <a:latin typeface="Adobe Clean" panose="020B0503020404020204" pitchFamily="34" charset="0"/>
                           <a:cs typeface="AdobeClean-Light"/>
                         </a:rPr>
-                        <a:t>Support Services</a:t>
+                        <a:t>Servicios de soporte</a:t>
                       </a:r>
-                      <a:endParaRPr sz="1000" b="1" i="0" spc="0" dirty="0">
-                        <a:solidFill>
-                          <a:schemeClr val="bg1"/>
-                        </a:solidFill>
-                        <a:latin typeface="Adobe Clean" panose="020B0503020404020204" pitchFamily="34" charset="0"/>
-                        <a:cs typeface="AdobeClean-Light"/>
-                      </a:endParaRPr>
                     </a:p>
                   </a:txBody>
                   <a:tcPr marL="0" marR="0" marT="57150" marB="0" anchor="ctr">
@@ -3354,29 +3148,15 @@
                         </a:spcBef>
                       </a:pPr>
                       <a:r>
-                        <a:rPr lang="en-US" sz="900" spc="0" dirty="0">
+                        <a:rPr lang="es-ES" sz="900">
                           <a:solidFill>
                             <a:srgbClr val="020302"/>
                           </a:solidFill>
                           <a:latin typeface="AdobeClean-Light"/>
                           <a:cs typeface="AdobeClean-Light"/>
                         </a:rPr>
-                        <a:t>Online </a:t>
+                        <a:t>Soporte Online</a:t>
                       </a:r>
-                      <a:r>
-                        <a:rPr sz="900" spc="0" dirty="0">
-                          <a:solidFill>
-                            <a:srgbClr val="020302"/>
-                          </a:solidFill>
-                          <a:latin typeface="AdobeClean-Light"/>
-                          <a:cs typeface="AdobeClean-Light"/>
-                        </a:rPr>
-                        <a:t> Support</a:t>
-                      </a:r>
-                      <a:endParaRPr sz="900" spc="0" dirty="0">
-                        <a:latin typeface="AdobeClean-Light"/>
-                        <a:cs typeface="AdobeClean-Light"/>
-                      </a:endParaRPr>
                     </a:p>
                   </a:txBody>
                   <a:tcPr marL="0" marR="0" marT="57150" marB="0">
@@ -3414,19 +3194,15 @@
                         </a:spcBef>
                       </a:pPr>
                       <a:r>
-                        <a:rPr sz="800" spc="0" dirty="0">
+                        <a:rPr lang="es-ES" sz="800">
                           <a:solidFill>
                             <a:srgbClr val="020302"/>
                           </a:solidFill>
                           <a:latin typeface="AdobeClean-Light"/>
                           <a:cs typeface="AdobeClean-Light"/>
                         </a:rPr>
-                        <a:t>Business hours</a:t>
+                        <a:t>Horario de trabajo</a:t>
                       </a:r>
-                      <a:endParaRPr sz="800" spc="0" dirty="0">
-                        <a:latin typeface="AdobeClean-Light"/>
-                        <a:cs typeface="AdobeClean-Light"/>
-                      </a:endParaRPr>
                     </a:p>
                   </a:txBody>
                   <a:tcPr marL="0" marR="0" marT="67945" marB="0">
@@ -3463,19 +3239,15 @@
                         </a:spcBef>
                       </a:pPr>
                       <a:r>
-                        <a:rPr sz="800" spc="0" dirty="0">
+                        <a:rPr lang="es-ES" sz="800">
                           <a:solidFill>
                             <a:srgbClr val="020302"/>
                           </a:solidFill>
                           <a:latin typeface="AdobeClean-Light"/>
                           <a:cs typeface="AdobeClean-Light"/>
                         </a:rPr>
-                        <a:t>Business hours</a:t>
+                        <a:t>Horario de trabajo</a:t>
                       </a:r>
-                      <a:endParaRPr sz="800" spc="0" dirty="0">
-                        <a:latin typeface="AdobeClean-Light"/>
-                        <a:cs typeface="AdobeClean-Light"/>
-                      </a:endParaRPr>
                     </a:p>
                   </a:txBody>
                   <a:tcPr marL="0" marR="0" marT="67945" marB="0">
@@ -3492,7 +3264,7 @@
                     <a:bodyPr/>
                     <a:lstStyle/>
                     <a:p>
-                      <a:pPr algn="ctr">
+                      <a:pPr algn="l" rtl="0">
                         <a:lnSpc>
                           <a:spcPct val="100000"/>
                         </a:lnSpc>
@@ -3532,19 +3304,15 @@
                         </a:spcBef>
                       </a:pPr>
                       <a:r>
-                        <a:rPr sz="800" spc="0" dirty="0">
+                        <a:rPr lang="es-ES" sz="800">
                           <a:solidFill>
                             <a:srgbClr val="020302"/>
                           </a:solidFill>
                           <a:latin typeface="AdobeClean-Light"/>
                           <a:cs typeface="AdobeClean-Light"/>
                         </a:rPr>
-                        <a:t>24X5</a:t>
+                        <a:t>24x5</a:t>
                       </a:r>
-                      <a:endParaRPr sz="800" spc="0">
-                        <a:latin typeface="AdobeClean-Light"/>
-                        <a:cs typeface="AdobeClean-Light"/>
-                      </a:endParaRPr>
                     </a:p>
                   </a:txBody>
                   <a:tcPr marL="0" marR="0" marT="67945" marB="0">
@@ -3570,19 +3338,15 @@
                         </a:spcBef>
                       </a:pPr>
                       <a:r>
-                        <a:rPr sz="800" spc="0" dirty="0">
+                        <a:rPr lang="es-ES" sz="800">
                           <a:solidFill>
                             <a:srgbClr val="020302"/>
                           </a:solidFill>
                           <a:latin typeface="AdobeClean-Light"/>
                           <a:cs typeface="AdobeClean-Light"/>
                         </a:rPr>
-                        <a:t>24X5</a:t>
+                        <a:t>24x5</a:t>
                       </a:r>
-                      <a:endParaRPr sz="800" spc="0" dirty="0">
-                        <a:latin typeface="AdobeClean-Light"/>
-                        <a:cs typeface="AdobeClean-Light"/>
-                      </a:endParaRPr>
                     </a:p>
                   </a:txBody>
                   <a:tcPr marL="0" marR="0" marT="67945" marB="0">
@@ -3606,13 +3370,13 @@
                   </a:ext>
                 </a:extLst>
               </a:tr>
-              <a:tr h="264424">
+              <a:tr h="249845">
                 <a:tc vMerge="1">
                   <a:txBody>
                     <a:bodyPr/>
                     <a:lstStyle/>
                     <a:p>
-                      <a:pPr marL="50800">
+                      <a:pPr marL="50800" algn="l" rtl="0">
                         <a:lnSpc>
                           <a:spcPct val="100000"/>
                         </a:lnSpc>
@@ -3661,39 +3425,15 @@
                         </a:spcBef>
                       </a:pPr>
                       <a:r>
-                        <a:rPr sz="900" spc="0" dirty="0">
+                        <a:rPr lang="es-ES" sz="900">
                           <a:solidFill>
                             <a:srgbClr val="020302"/>
                           </a:solidFill>
                           <a:latin typeface="AdobeClean-Light"/>
                           <a:cs typeface="AdobeClean-Light"/>
                         </a:rPr>
-                        <a:t>24x7</a:t>
+                        <a:t>Soporte con problemas P1 24 x 7 x 365</a:t>
                       </a:r>
-                      <a:r>
-                        <a:rPr lang="en-US" sz="900" spc="0" dirty="0">
-                          <a:solidFill>
-                            <a:srgbClr val="020302"/>
-                          </a:solidFill>
-                          <a:latin typeface="AdobeClean-Light"/>
-                          <a:cs typeface="AdobeClean-Light"/>
-                        </a:rPr>
-                        <a:t>x365</a:t>
-                      </a:r>
-                      <a:r>
-                        <a:rPr sz="900" spc="0" dirty="0">
-                          <a:solidFill>
-                            <a:srgbClr val="020302"/>
-                          </a:solidFill>
-                          <a:latin typeface="AdobeClean-Light"/>
-                          <a:cs typeface="AdobeClean-Light"/>
-                        </a:rPr>
-                        <a:t> P1 Issue Support</a:t>
-                      </a:r>
-                      <a:endParaRPr sz="900" spc="0" dirty="0">
-                        <a:latin typeface="AdobeClean-Light"/>
-                        <a:cs typeface="AdobeClean-Light"/>
-                      </a:endParaRPr>
                     </a:p>
                   </a:txBody>
                   <a:tcPr marL="0" marR="0" marT="57785" marB="0">
@@ -3725,7 +3465,7 @@
                         </a:spcBef>
                       </a:pPr>
                       <a:r>
-                        <a:rPr sz="900" spc="0" dirty="0">
+                        <a:rPr lang="es-ES" sz="900">
                           <a:solidFill>
                             <a:srgbClr val="020302"/>
                           </a:solidFill>
@@ -3734,10 +3474,6 @@
                         </a:rPr>
                         <a:t></a:t>
                       </a:r>
-                      <a:endParaRPr sz="900" spc="0">
-                        <a:latin typeface="Wingdings"/>
-                        <a:cs typeface="Wingdings"/>
-                      </a:endParaRPr>
                     </a:p>
                   </a:txBody>
                   <a:tcPr marL="0" marR="0" marT="58419" marB="0">
@@ -3768,7 +3504,7 @@
                         </a:spcBef>
                       </a:pPr>
                       <a:r>
-                        <a:rPr sz="900" spc="0" dirty="0">
+                        <a:rPr lang="es-ES" sz="900">
                           <a:solidFill>
                             <a:srgbClr val="020302"/>
                           </a:solidFill>
@@ -3777,10 +3513,6 @@
                         </a:rPr>
                         <a:t></a:t>
                       </a:r>
-                      <a:endParaRPr sz="900" spc="0">
-                        <a:latin typeface="Wingdings"/>
-                        <a:cs typeface="Wingdings"/>
-                      </a:endParaRPr>
                     </a:p>
                   </a:txBody>
                   <a:tcPr marL="0" marR="0" marT="58419" marB="0"/>
@@ -3790,7 +3522,7 @@
                     <a:bodyPr/>
                     <a:lstStyle/>
                     <a:p>
-                      <a:pPr algn="ctr">
+                      <a:pPr algn="l" rtl="0">
                         <a:lnSpc>
                           <a:spcPct val="100000"/>
                         </a:lnSpc>
@@ -3820,7 +3552,7 @@
                         </a:spcBef>
                       </a:pPr>
                       <a:r>
-                        <a:rPr sz="900" spc="0" dirty="0">
+                        <a:rPr lang="es-ES" sz="900">
                           <a:solidFill>
                             <a:srgbClr val="020302"/>
                           </a:solidFill>
@@ -3829,10 +3561,6 @@
                         </a:rPr>
                         <a:t></a:t>
                       </a:r>
-                      <a:endParaRPr sz="900" spc="0">
-                        <a:latin typeface="Wingdings"/>
-                        <a:cs typeface="Wingdings"/>
-                      </a:endParaRPr>
                     </a:p>
                   </a:txBody>
                   <a:tcPr marL="0" marR="0" marT="58419" marB="0"/>
@@ -3851,7 +3579,7 @@
                         </a:spcBef>
                       </a:pPr>
                       <a:r>
-                        <a:rPr sz="900" spc="0" dirty="0">
+                        <a:rPr lang="es-ES" sz="900">
                           <a:solidFill>
                             <a:srgbClr val="020302"/>
                           </a:solidFill>
@@ -3860,10 +3588,6 @@
                         </a:rPr>
                         <a:t></a:t>
                       </a:r>
-                      <a:endParaRPr sz="900" spc="0">
-                        <a:latin typeface="Wingdings"/>
-                        <a:cs typeface="Wingdings"/>
-                      </a:endParaRPr>
                     </a:p>
                   </a:txBody>
                   <a:tcPr marL="0" marR="0" marT="58419" marB="0">
@@ -3881,13 +3605,13 @@
                   </a:ext>
                 </a:extLst>
               </a:tr>
-              <a:tr h="264424">
+              <a:tr h="249845">
                 <a:tc vMerge="1">
                   <a:txBody>
                     <a:bodyPr/>
                     <a:lstStyle/>
                     <a:p>
-                      <a:pPr marL="50800">
+                      <a:pPr marL="50800" algn="l" rtl="0">
                         <a:lnSpc>
                           <a:spcPct val="100000"/>
                         </a:lnSpc>
@@ -3936,19 +3660,15 @@
                         </a:spcBef>
                       </a:pPr>
                       <a:r>
-                        <a:rPr lang="en-US" sz="900" spc="0" dirty="0">
+                        <a:rPr lang="es-ES" sz="900">
                           <a:solidFill>
                             <a:srgbClr val="020302"/>
                           </a:solidFill>
                           <a:latin typeface="AdobeClean-Light"/>
                           <a:cs typeface="AdobeClean-Light"/>
                         </a:rPr>
-                        <a:t>Named Support Contacts (per product)</a:t>
+                        <a:t>Contactos de soporte particulares (por producto)</a:t>
                       </a:r>
-                      <a:endParaRPr sz="900" spc="0" dirty="0">
-                        <a:latin typeface="AdobeClean-Light"/>
-                        <a:cs typeface="AdobeClean-Light"/>
-                      </a:endParaRPr>
                     </a:p>
                   </a:txBody>
                   <a:tcPr marL="0" marR="0" marT="57785" marB="0">
@@ -3980,7 +3700,7 @@
                         </a:spcBef>
                       </a:pPr>
                       <a:r>
-                        <a:rPr sz="900" spc="0" dirty="0">
+                        <a:rPr lang="es-ES" sz="900">
                           <a:solidFill>
                             <a:srgbClr val="020302"/>
                           </a:solidFill>
@@ -3989,10 +3709,6 @@
                         </a:rPr>
                         <a:t>4</a:t>
                       </a:r>
-                      <a:endParaRPr sz="900" spc="0" dirty="0">
-                        <a:latin typeface="AdobeClean-Light"/>
-                        <a:cs typeface="AdobeClean-Light"/>
-                      </a:endParaRPr>
                     </a:p>
                   </a:txBody>
                   <a:tcPr marL="0" marR="0" marT="57785" marB="0">
@@ -4023,7 +3739,7 @@
                         </a:spcBef>
                       </a:pPr>
                       <a:r>
-                        <a:rPr sz="900" spc="0" dirty="0">
+                        <a:rPr lang="es-ES" sz="900">
                           <a:solidFill>
                             <a:srgbClr val="020302"/>
                           </a:solidFill>
@@ -4032,10 +3748,6 @@
                         </a:rPr>
                         <a:t>6</a:t>
                       </a:r>
-                      <a:endParaRPr sz="900" spc="0">
-                        <a:latin typeface="AdobeClean-Light"/>
-                        <a:cs typeface="AdobeClean-Light"/>
-                      </a:endParaRPr>
                     </a:p>
                   </a:txBody>
                   <a:tcPr marL="0" marR="0" marT="57785" marB="0"/>
@@ -4045,7 +3757,7 @@
                     <a:bodyPr/>
                     <a:lstStyle/>
                     <a:p>
-                      <a:pPr algn="ctr">
+                      <a:pPr algn="l" rtl="0">
                         <a:lnSpc>
                           <a:spcPct val="100000"/>
                         </a:lnSpc>
@@ -4075,7 +3787,7 @@
                         </a:spcBef>
                       </a:pPr>
                       <a:r>
-                        <a:rPr sz="900" spc="0" dirty="0">
+                        <a:rPr lang="es-ES" sz="900">
                           <a:solidFill>
                             <a:srgbClr val="020302"/>
                           </a:solidFill>
@@ -4084,10 +3796,6 @@
                         </a:rPr>
                         <a:t>10</a:t>
                       </a:r>
-                      <a:endParaRPr sz="900" spc="0">
-                        <a:latin typeface="AdobeClean-Light"/>
-                        <a:cs typeface="AdobeClean-Light"/>
-                      </a:endParaRPr>
                     </a:p>
                   </a:txBody>
                   <a:tcPr marL="0" marR="0" marT="57785" marB="0"/>
@@ -4106,7 +3814,7 @@
                         </a:spcBef>
                       </a:pPr>
                       <a:r>
-                        <a:rPr sz="900" spc="0" dirty="0">
+                        <a:rPr lang="es-ES" sz="900">
                           <a:solidFill>
                             <a:srgbClr val="020302"/>
                           </a:solidFill>
@@ -4115,10 +3823,6 @@
                         </a:rPr>
                         <a:t>15</a:t>
                       </a:r>
-                      <a:endParaRPr sz="900" spc="0">
-                        <a:latin typeface="AdobeClean-Light"/>
-                        <a:cs typeface="AdobeClean-Light"/>
-                      </a:endParaRPr>
                     </a:p>
                   </a:txBody>
                   <a:tcPr marL="0" marR="0" marT="57785" marB="0">
@@ -4136,13 +3840,13 @@
                   </a:ext>
                 </a:extLst>
               </a:tr>
-              <a:tr h="264424">
+              <a:tr h="249845">
                 <a:tc vMerge="1">
                   <a:txBody>
                     <a:bodyPr/>
                     <a:lstStyle/>
                     <a:p>
-                      <a:pPr marL="50800">
+                      <a:pPr marL="50800" algn="l" rtl="0">
                         <a:lnSpc>
                           <a:spcPct val="100000"/>
                         </a:lnSpc>
@@ -4191,19 +3895,15 @@
                         </a:spcBef>
                       </a:pPr>
                       <a:r>
-                        <a:rPr lang="en-US" sz="900" spc="0" dirty="0">
+                        <a:rPr lang="es-ES" sz="900">
                           <a:solidFill>
                             <a:srgbClr val="020302"/>
                           </a:solidFill>
                           <a:latin typeface="AdobeClean-Light"/>
                           <a:cs typeface="AdobeClean-Light"/>
                         </a:rPr>
-                        <a:t>Live Telephone Support</a:t>
+                        <a:t>Asistencia telefónica en directo</a:t>
                       </a:r>
-                      <a:endParaRPr sz="900" spc="0" dirty="0">
-                        <a:latin typeface="AdobeClean-Light"/>
-                        <a:cs typeface="AdobeClean-Light"/>
-                      </a:endParaRPr>
                     </a:p>
                   </a:txBody>
                   <a:tcPr marL="0" marR="0" marT="57785" marB="0">
@@ -4226,7 +3926,7 @@
                     <a:bodyPr/>
                     <a:lstStyle/>
                     <a:p>
-                      <a:pPr>
+                      <a:pPr algn="l" rtl="0">
                         <a:lnSpc>
                           <a:spcPct val="100000"/>
                         </a:lnSpc>
@@ -4265,7 +3965,7 @@
                         </a:spcBef>
                       </a:pPr>
                       <a:r>
-                        <a:rPr sz="900" spc="0" dirty="0">
+                        <a:rPr lang="es-ES" sz="900">
                           <a:solidFill>
                             <a:srgbClr val="020302"/>
                           </a:solidFill>
@@ -4274,10 +3974,6 @@
                         </a:rPr>
                         <a:t></a:t>
                       </a:r>
-                      <a:endParaRPr sz="900" spc="0">
-                        <a:latin typeface="Wingdings"/>
-                        <a:cs typeface="Wingdings"/>
-                      </a:endParaRPr>
                     </a:p>
                   </a:txBody>
                   <a:tcPr marL="0" marR="0" marT="59054" marB="0"/>
@@ -4287,7 +3983,7 @@
                     <a:bodyPr/>
                     <a:lstStyle/>
                     <a:p>
-                      <a:pPr algn="ctr">
+                      <a:pPr algn="l" rtl="0">
                         <a:lnSpc>
                           <a:spcPct val="100000"/>
                         </a:lnSpc>
@@ -4317,7 +4013,7 @@
                         </a:spcBef>
                       </a:pPr>
                       <a:r>
-                        <a:rPr sz="900" spc="0" dirty="0">
+                        <a:rPr lang="es-ES" sz="900">
                           <a:solidFill>
                             <a:srgbClr val="020302"/>
                           </a:solidFill>
@@ -4326,10 +4022,6 @@
                         </a:rPr>
                         <a:t></a:t>
                       </a:r>
-                      <a:endParaRPr sz="900" spc="0">
-                        <a:latin typeface="Wingdings"/>
-                        <a:cs typeface="Wingdings"/>
-                      </a:endParaRPr>
                     </a:p>
                   </a:txBody>
                   <a:tcPr marL="0" marR="0" marT="59054" marB="0"/>
@@ -4348,7 +4040,7 @@
                         </a:spcBef>
                       </a:pPr>
                       <a:r>
-                        <a:rPr sz="900" spc="0" dirty="0">
+                        <a:rPr lang="es-ES" sz="900">
                           <a:solidFill>
                             <a:srgbClr val="020302"/>
                           </a:solidFill>
@@ -4357,10 +4049,6 @@
                         </a:rPr>
                         <a:t></a:t>
                       </a:r>
-                      <a:endParaRPr sz="900" spc="0">
-                        <a:latin typeface="Wingdings"/>
-                        <a:cs typeface="Wingdings"/>
-                      </a:endParaRPr>
                     </a:p>
                   </a:txBody>
                   <a:tcPr marL="0" marR="0" marT="59054" marB="0">
@@ -4378,13 +4066,13 @@
                   </a:ext>
                 </a:extLst>
               </a:tr>
-              <a:tr h="264424">
+              <a:tr h="249845">
                 <a:tc vMerge="1">
                   <a:txBody>
                     <a:bodyPr/>
                     <a:lstStyle/>
                     <a:p>
-                      <a:pPr marL="50800">
+                      <a:pPr marL="50800" algn="l" rtl="0">
                         <a:lnSpc>
                           <a:spcPct val="100000"/>
                         </a:lnSpc>
@@ -4433,19 +4121,15 @@
                         </a:spcBef>
                       </a:pPr>
                       <a:r>
-                        <a:rPr sz="900" spc="0" dirty="0">
+                        <a:rPr lang="es-ES" sz="900">
                           <a:solidFill>
                             <a:srgbClr val="020302"/>
                           </a:solidFill>
                           <a:latin typeface="AdobeClean-Light"/>
                           <a:cs typeface="AdobeClean-Light"/>
                         </a:rPr>
-                        <a:t>Escalation Management</a:t>
+                        <a:t>Administración de la escalabilidad</a:t>
                       </a:r>
-                      <a:endParaRPr sz="900" spc="0" dirty="0">
-                        <a:latin typeface="AdobeClean-Light"/>
-                        <a:cs typeface="AdobeClean-Light"/>
-                      </a:endParaRPr>
                     </a:p>
                   </a:txBody>
                   <a:tcPr marL="0" marR="0" marT="58419" marB="0">
@@ -4468,7 +4152,7 @@
                     <a:bodyPr/>
                     <a:lstStyle/>
                     <a:p>
-                      <a:pPr>
+                      <a:pPr algn="l" rtl="0">
                         <a:lnSpc>
                           <a:spcPct val="100000"/>
                         </a:lnSpc>
@@ -4507,7 +4191,7 @@
                         </a:spcBef>
                       </a:pPr>
                       <a:r>
-                        <a:rPr sz="900" spc="0" dirty="0">
+                        <a:rPr lang="es-ES" sz="900">
                           <a:solidFill>
                             <a:srgbClr val="020302"/>
                           </a:solidFill>
@@ -4516,10 +4200,6 @@
                         </a:rPr>
                         <a:t></a:t>
                       </a:r>
-                      <a:endParaRPr sz="900" spc="0" dirty="0">
-                        <a:latin typeface="Wingdings"/>
-                        <a:cs typeface="Wingdings"/>
-                      </a:endParaRPr>
                     </a:p>
                   </a:txBody>
                   <a:tcPr marL="0" marR="0" marT="59690" marB="0"/>
@@ -4529,7 +4209,7 @@
                     <a:bodyPr/>
                     <a:lstStyle/>
                     <a:p>
-                      <a:pPr algn="ctr">
+                      <a:pPr algn="l" rtl="0">
                         <a:lnSpc>
                           <a:spcPct val="100000"/>
                         </a:lnSpc>
@@ -4559,7 +4239,7 @@
                         </a:spcBef>
                       </a:pPr>
                       <a:r>
-                        <a:rPr sz="900" spc="0" dirty="0">
+                        <a:rPr lang="es-ES" sz="900">
                           <a:solidFill>
                             <a:srgbClr val="020302"/>
                           </a:solidFill>
@@ -4568,10 +4248,6 @@
                         </a:rPr>
                         <a:t></a:t>
                       </a:r>
-                      <a:endParaRPr sz="900" spc="0">
-                        <a:latin typeface="Wingdings"/>
-                        <a:cs typeface="Wingdings"/>
-                      </a:endParaRPr>
                     </a:p>
                   </a:txBody>
                   <a:tcPr marL="0" marR="0" marT="59690" marB="0"/>
@@ -4590,7 +4266,7 @@
                         </a:spcBef>
                       </a:pPr>
                       <a:r>
-                        <a:rPr sz="900" spc="0" dirty="0">
+                        <a:rPr lang="es-ES" sz="900">
                           <a:solidFill>
                             <a:srgbClr val="020302"/>
                           </a:solidFill>
@@ -4599,10 +4275,6 @@
                         </a:rPr>
                         <a:t></a:t>
                       </a:r>
-                      <a:endParaRPr sz="900" spc="0" dirty="0">
-                        <a:latin typeface="Wingdings"/>
-                        <a:cs typeface="Wingdings"/>
-                      </a:endParaRPr>
                     </a:p>
                   </a:txBody>
                   <a:tcPr marL="0" marR="0" marT="59690" marB="0">
@@ -4620,13 +4292,13 @@
                   </a:ext>
                 </a:extLst>
               </a:tr>
-              <a:tr h="264424">
+              <a:tr h="249845">
                 <a:tc vMerge="1">
                   <a:txBody>
                     <a:bodyPr/>
                     <a:lstStyle/>
                     <a:p>
-                      <a:pPr marL="50800">
+                      <a:pPr marL="50800" algn="l" rtl="0">
                         <a:lnSpc>
                           <a:spcPct val="100000"/>
                         </a:lnSpc>
@@ -4675,19 +4347,15 @@
                         </a:spcBef>
                       </a:pPr>
                       <a:r>
-                        <a:rPr sz="900" spc="0" dirty="0">
+                        <a:rPr lang="es-ES" sz="900">
                           <a:solidFill>
                             <a:srgbClr val="020302"/>
                           </a:solidFill>
                           <a:latin typeface="AdobeClean-Light"/>
                           <a:cs typeface="AdobeClean-Light"/>
                         </a:rPr>
-                        <a:t>Service Reviews  per Year</a:t>
+                        <a:t>Revisiones de servicio al año</a:t>
                       </a:r>
-                      <a:endParaRPr sz="900" spc="0" dirty="0">
-                        <a:latin typeface="AdobeClean-Light"/>
-                        <a:cs typeface="AdobeClean-Light"/>
-                      </a:endParaRPr>
                     </a:p>
                   </a:txBody>
                   <a:tcPr marL="0" marR="0" marT="57150" marB="0">
@@ -4710,7 +4378,7 @@
                     <a:bodyPr/>
                     <a:lstStyle/>
                     <a:p>
-                      <a:pPr>
+                      <a:pPr algn="l" rtl="0">
                         <a:lnSpc>
                           <a:spcPct val="100000"/>
                         </a:lnSpc>
@@ -4740,7 +4408,7 @@
                     <a:bodyPr/>
                     <a:lstStyle/>
                     <a:p>
-                      <a:pPr>
+                      <a:pPr algn="l" rtl="0">
                         <a:lnSpc>
                           <a:spcPct val="100000"/>
                         </a:lnSpc>
@@ -4758,7 +4426,7 @@
                     <a:bodyPr/>
                     <a:lstStyle/>
                     <a:p>
-                      <a:pPr>
+                      <a:pPr algn="l" rtl="0">
                         <a:lnSpc>
                           <a:spcPct val="100000"/>
                         </a:lnSpc>
@@ -4785,7 +4453,7 @@
                         </a:spcBef>
                       </a:pPr>
                       <a:r>
-                        <a:rPr sz="900" spc="0" dirty="0">
+                        <a:rPr lang="es-ES" sz="900">
                           <a:solidFill>
                             <a:srgbClr val="020302"/>
                           </a:solidFill>
@@ -4794,10 +4462,6 @@
                         </a:rPr>
                         <a:t>2</a:t>
                       </a:r>
-                      <a:endParaRPr sz="900" spc="0" dirty="0">
-                        <a:latin typeface="AdobeClean-Light"/>
-                        <a:cs typeface="AdobeClean-Light"/>
-                      </a:endParaRPr>
                     </a:p>
                   </a:txBody>
                   <a:tcPr marL="0" marR="0" marT="57150" marB="0"/>
@@ -4816,7 +4480,7 @@
                         </a:spcBef>
                       </a:pPr>
                       <a:r>
-                        <a:rPr sz="900" spc="0" dirty="0">
+                        <a:rPr lang="es-ES" sz="900">
                           <a:solidFill>
                             <a:srgbClr val="020302"/>
                           </a:solidFill>
@@ -4825,10 +4489,6 @@
                         </a:rPr>
                         <a:t>4</a:t>
                       </a:r>
-                      <a:endParaRPr sz="900" spc="0" dirty="0">
-                        <a:latin typeface="AdobeClean-Light"/>
-                        <a:cs typeface="AdobeClean-Light"/>
-                      </a:endParaRPr>
                     </a:p>
                   </a:txBody>
                   <a:tcPr marL="0" marR="0" marT="57150" marB="0">
@@ -4846,7 +4506,7 @@
                   </a:ext>
                 </a:extLst>
               </a:tr>
-              <a:tr h="264424">
+              <a:tr h="249845">
                 <a:tc vMerge="1">
                   <a:txBody>
                     <a:bodyPr/>
@@ -4871,16 +4531,12 @@
                         </a:spcBef>
                       </a:pPr>
                       <a:r>
-                        <a:rPr lang="en-US" sz="900" spc="0" dirty="0">
+                        <a:rPr lang="es-ES" sz="900">
                           <a:latin typeface="AdobeClean-Light"/>
                           <a:cs typeface="AdobeClean-Light"/>
                         </a:rPr>
-                        <a:t>Expert Sessions per Year</a:t>
+                        <a:t>Sesiones con expertos al año</a:t>
                       </a:r>
-                      <a:endParaRPr sz="900" spc="0" dirty="0">
-                        <a:latin typeface="AdobeClean-Light"/>
-                        <a:cs typeface="AdobeClean-Light"/>
-                      </a:endParaRPr>
                     </a:p>
                   </a:txBody>
                   <a:tcPr marL="0" marR="0" marT="57150" marB="0">
@@ -4909,7 +4565,7 @@
                     <a:bodyPr/>
                     <a:lstStyle/>
                     <a:p>
-                      <a:pPr>
+                      <a:pPr algn="l" rtl="0">
                         <a:lnSpc>
                           <a:spcPct val="100000"/>
                         </a:lnSpc>
@@ -4942,7 +4598,7 @@
                     <a:bodyPr/>
                     <a:lstStyle/>
                     <a:p>
-                      <a:pPr>
+                      <a:pPr algn="l" rtl="0">
                         <a:lnSpc>
                           <a:spcPct val="100000"/>
                         </a:lnSpc>
@@ -4979,16 +4635,12 @@
                         </a:spcBef>
                       </a:pPr>
                       <a:r>
-                        <a:rPr lang="en-US" sz="900" spc="0" dirty="0">
+                        <a:rPr lang="es-ES" sz="900">
                           <a:latin typeface="AdobeClean-Light"/>
                           <a:cs typeface="AdobeClean-Light"/>
                         </a:rPr>
                         <a:t>2</a:t>
                       </a:r>
-                      <a:endParaRPr sz="900" spc="0" dirty="0">
-                        <a:latin typeface="AdobeClean-Light"/>
-                        <a:cs typeface="AdobeClean-Light"/>
-                      </a:endParaRPr>
                     </a:p>
                   </a:txBody>
                   <a:tcPr marL="0" marR="0" marT="57150" marB="0"/>
@@ -5007,16 +4659,12 @@
                         </a:spcBef>
                       </a:pPr>
                       <a:r>
-                        <a:rPr lang="en-US" sz="900" spc="0" dirty="0">
+                        <a:rPr lang="es-ES" sz="900">
                           <a:latin typeface="AdobeClean-Light"/>
                           <a:cs typeface="AdobeClean-Light"/>
                         </a:rPr>
                         <a:t>4</a:t>
                       </a:r>
-                      <a:endParaRPr sz="900" spc="0" dirty="0">
-                        <a:latin typeface="AdobeClean-Light"/>
-                        <a:cs typeface="AdobeClean-Light"/>
-                      </a:endParaRPr>
                     </a:p>
                   </a:txBody>
                   <a:tcPr marL="0" marR="0" marT="57150" marB="0">
@@ -5034,7 +4682,7 @@
                   </a:ext>
                 </a:extLst>
               </a:tr>
-              <a:tr h="264424">
+              <a:tr h="249845">
                 <a:tc vMerge="1">
                   <a:txBody>
                     <a:bodyPr/>
@@ -5059,16 +4707,12 @@
                         </a:spcBef>
                       </a:pPr>
                       <a:r>
-                        <a:rPr lang="en-US" sz="900" spc="0" dirty="0">
+                        <a:rPr lang="es-ES" sz="900">
                           <a:latin typeface="AdobeClean-Light"/>
                           <a:cs typeface="AdobeClean-Light"/>
                         </a:rPr>
-                        <a:t>Case Reviews</a:t>
+                        <a:t>Reseñas de casos</a:t>
                       </a:r>
-                      <a:endParaRPr sz="900" spc="0" dirty="0">
-                        <a:latin typeface="AdobeClean-Light"/>
-                        <a:cs typeface="AdobeClean-Light"/>
-                      </a:endParaRPr>
                     </a:p>
                   </a:txBody>
                   <a:tcPr marL="0" marR="0" marT="57150" marB="0">
@@ -5097,7 +4741,7 @@
                     <a:bodyPr/>
                     <a:lstStyle/>
                     <a:p>
-                      <a:pPr>
+                      <a:pPr algn="l" rtl="0">
                         <a:lnSpc>
                           <a:spcPct val="100000"/>
                         </a:lnSpc>
@@ -5130,7 +4774,7 @@
                     <a:bodyPr/>
                     <a:lstStyle/>
                     <a:p>
-                      <a:pPr>
+                      <a:pPr algn="l" rtl="0">
                         <a:lnSpc>
                           <a:spcPct val="100000"/>
                         </a:lnSpc>
@@ -5176,7 +4820,7 @@
                         <a:defRPr/>
                       </a:pPr>
                       <a:r>
-                        <a:rPr lang="en-US" sz="900" spc="0" dirty="0">
+                        <a:rPr lang="es-ES" sz="900">
                           <a:solidFill>
                             <a:srgbClr val="020302"/>
                           </a:solidFill>
@@ -5185,10 +4829,6 @@
                         </a:rPr>
                         <a:t></a:t>
                       </a:r>
-                      <a:endParaRPr lang="en-US" sz="900" spc="0" dirty="0">
-                        <a:latin typeface="Wingdings"/>
-                        <a:cs typeface="Wingdings"/>
-                      </a:endParaRPr>
                     </a:p>
                   </a:txBody>
                   <a:tcPr marL="0" marR="0" marT="57150" marB="0"/>
@@ -5216,7 +4856,7 @@
                         <a:defRPr/>
                       </a:pPr>
                       <a:r>
-                        <a:rPr lang="en-US" sz="900" spc="0">
+                        <a:rPr lang="es-ES" sz="900">
                           <a:solidFill>
                             <a:srgbClr val="020302"/>
                           </a:solidFill>
@@ -5225,10 +4865,6 @@
                         </a:rPr>
                         <a:t></a:t>
                       </a:r>
-                      <a:endParaRPr lang="en-US" sz="900" spc="0" dirty="0">
-                        <a:latin typeface="Wingdings"/>
-                        <a:cs typeface="Wingdings"/>
-                      </a:endParaRPr>
                     </a:p>
                   </a:txBody>
                   <a:tcPr marL="0" marR="0" marT="57150" marB="0">
@@ -5246,13 +4882,13 @@
                   </a:ext>
                 </a:extLst>
               </a:tr>
-              <a:tr h="264424">
+              <a:tr h="249845">
                 <a:tc vMerge="1">
                   <a:txBody>
                     <a:bodyPr/>
                     <a:lstStyle/>
                     <a:p>
-                      <a:pPr marL="48895">
+                      <a:pPr marL="48895" algn="l" rtl="0">
                         <a:lnSpc>
                           <a:spcPct val="100000"/>
                         </a:lnSpc>
@@ -5301,19 +4937,15 @@
                         </a:spcBef>
                       </a:pPr>
                       <a:r>
-                        <a:rPr sz="900" spc="0" dirty="0">
+                        <a:rPr lang="es-ES" sz="900">
                           <a:solidFill>
                             <a:srgbClr val="020302"/>
                           </a:solidFill>
                           <a:latin typeface="AdobeClean-Light"/>
                           <a:cs typeface="AdobeClean-Light"/>
                         </a:rPr>
-                        <a:t>Event Management</a:t>
+                        <a:t>Gestión de eventos</a:t>
                       </a:r>
-                      <a:endParaRPr sz="900" spc="0" dirty="0">
-                        <a:latin typeface="AdobeClean-Light"/>
-                        <a:cs typeface="AdobeClean-Light"/>
-                      </a:endParaRPr>
                     </a:p>
                   </a:txBody>
                   <a:tcPr marL="0" marR="0" marT="58419" marB="0">
@@ -5336,7 +4968,7 @@
                     <a:bodyPr/>
                     <a:lstStyle/>
                     <a:p>
-                      <a:pPr>
+                      <a:pPr algn="l" rtl="0">
                         <a:lnSpc>
                           <a:spcPct val="100000"/>
                         </a:lnSpc>
@@ -5366,7 +4998,7 @@
                     <a:bodyPr/>
                     <a:lstStyle/>
                     <a:p>
-                      <a:pPr>
+                      <a:pPr algn="l" rtl="0">
                         <a:lnSpc>
                           <a:spcPct val="100000"/>
                         </a:lnSpc>
@@ -5384,7 +5016,7 @@
                     <a:bodyPr/>
                     <a:lstStyle/>
                     <a:p>
-                      <a:pPr>
+                      <a:pPr algn="l" rtl="0">
                         <a:lnSpc>
                           <a:spcPct val="100000"/>
                         </a:lnSpc>
@@ -5402,7 +5034,7 @@
                     <a:bodyPr/>
                     <a:lstStyle/>
                     <a:p>
-                      <a:pPr>
+                      <a:pPr algn="l" rtl="0">
                         <a:lnSpc>
                           <a:spcPct val="100000"/>
                         </a:lnSpc>
@@ -5429,7 +5061,7 @@
                         </a:spcBef>
                       </a:pPr>
                       <a:r>
-                        <a:rPr sz="900" spc="0" dirty="0">
+                        <a:rPr lang="es-ES" sz="900">
                           <a:solidFill>
                             <a:srgbClr val="020302"/>
                           </a:solidFill>
@@ -5438,10 +5070,6 @@
                         </a:rPr>
                         <a:t></a:t>
                       </a:r>
-                      <a:endParaRPr sz="900" spc="0" dirty="0">
-                        <a:latin typeface="Wingdings"/>
-                        <a:cs typeface="Wingdings"/>
-                      </a:endParaRPr>
                     </a:p>
                   </a:txBody>
                   <a:tcPr marL="0" marR="0" marT="59055" marB="0">
@@ -5459,13 +5087,13 @@
                   </a:ext>
                 </a:extLst>
               </a:tr>
-              <a:tr h="264424">
+              <a:tr h="249845">
                 <a:tc vMerge="1">
                   <a:txBody>
                     <a:bodyPr/>
                     <a:lstStyle/>
                     <a:p>
-                      <a:pPr marL="48895">
+                      <a:pPr marL="48895" algn="l" rtl="0">
                         <a:lnSpc>
                           <a:spcPct val="100000"/>
                         </a:lnSpc>
@@ -5523,49 +5151,15 @@
                         </a:spcBef>
                       </a:pPr>
                       <a:r>
-                        <a:rPr sz="900" spc="0" dirty="0">
+                        <a:rPr lang="es-ES" sz="900">
                           <a:solidFill>
                             <a:srgbClr val="020302"/>
                           </a:solidFill>
                           <a:latin typeface="AdobeClean-Light"/>
                           <a:cs typeface="AdobeClean-Light"/>
                         </a:rPr>
-                        <a:t>Environment</a:t>
+                        <a:t>Revisión, mantenimiento y monitorización del entorno,</a:t>
                       </a:r>
-                      <a:r>
-                        <a:rPr lang="en-US" sz="900" spc="0" dirty="0">
-                          <a:solidFill>
-                            <a:srgbClr val="020302"/>
-                          </a:solidFill>
-                          <a:latin typeface="AdobeClean-Light"/>
-                          <a:cs typeface="AdobeClean-Light"/>
-                        </a:rPr>
-                        <a:t> </a:t>
-                      </a:r>
-                      <a:r>
-                        <a:rPr sz="900" spc="0" dirty="0">
-                          <a:solidFill>
-                            <a:srgbClr val="020302"/>
-                          </a:solidFill>
-                          <a:latin typeface="AdobeClean-Light"/>
-                          <a:cs typeface="AdobeClean-Light"/>
-                        </a:rPr>
-                        <a:t>Review, Maintenance &amp; Monitoring</a:t>
-                      </a:r>
-                      <a:r>
-                        <a:rPr lang="en-US" sz="900" spc="0" dirty="0">
-                          <a:solidFill>
-                            <a:srgbClr val="020302"/>
-                          </a:solidFill>
-                          <a:latin typeface="AdobeClean-Light"/>
-                          <a:cs typeface="AdobeClean-Light"/>
-                        </a:rPr>
-                        <a:t>,</a:t>
-                      </a:r>
-                      <a:endParaRPr sz="900" spc="0" dirty="0">
-                        <a:latin typeface="AdobeClean-Light"/>
-                        <a:cs typeface="AdobeClean-Light"/>
-                      </a:endParaRPr>
                     </a:p>
                   </a:txBody>
                   <a:tcPr marL="0" marR="0" marT="59055" marB="0">
@@ -5594,7 +5188,7 @@
                     <a:bodyPr/>
                     <a:lstStyle/>
                     <a:p>
-                      <a:pPr>
+                      <a:pPr algn="l" rtl="0">
                         <a:lnSpc>
                           <a:spcPct val="100000"/>
                         </a:lnSpc>
@@ -5627,7 +5221,7 @@
                     <a:bodyPr/>
                     <a:lstStyle/>
                     <a:p>
-                      <a:pPr>
+                      <a:pPr algn="l" rtl="0">
                         <a:lnSpc>
                           <a:spcPct val="100000"/>
                         </a:lnSpc>
@@ -5645,7 +5239,7 @@
                     <a:bodyPr/>
                     <a:lstStyle/>
                     <a:p>
-                      <a:pPr>
+                      <a:pPr algn="l" rtl="0">
                         <a:lnSpc>
                           <a:spcPct val="100000"/>
                         </a:lnSpc>
@@ -5663,7 +5257,7 @@
                     <a:bodyPr/>
                     <a:lstStyle/>
                     <a:p>
-                      <a:pPr>
+                      <a:pPr algn="l" rtl="0">
                         <a:lnSpc>
                           <a:spcPct val="100000"/>
                         </a:lnSpc>
@@ -5690,7 +5284,7 @@
                         </a:spcBef>
                       </a:pPr>
                       <a:r>
-                        <a:rPr sz="900" spc="0" dirty="0">
+                        <a:rPr lang="es-ES" sz="900">
                           <a:solidFill>
                             <a:srgbClr val="020302"/>
                           </a:solidFill>
@@ -5699,10 +5293,6 @@
                         </a:rPr>
                         <a:t></a:t>
                       </a:r>
-                      <a:endParaRPr sz="900" spc="0" dirty="0">
-                        <a:latin typeface="Wingdings"/>
-                        <a:cs typeface="Wingdings"/>
-                      </a:endParaRPr>
                     </a:p>
                   </a:txBody>
                   <a:tcPr marL="0" marR="0" marT="60325" marB="0">
@@ -5720,13 +5310,13 @@
                   </a:ext>
                 </a:extLst>
               </a:tr>
-              <a:tr h="264424">
+              <a:tr h="326432">
                 <a:tc vMerge="1">
                   <a:txBody>
                     <a:bodyPr/>
                     <a:lstStyle/>
                     <a:p>
-                      <a:pPr marL="49530">
+                      <a:pPr marL="49530" algn="l" rtl="0">
                         <a:lnSpc>
                           <a:spcPct val="100000"/>
                         </a:lnSpc>
@@ -5775,19 +5365,15 @@
                         </a:spcBef>
                       </a:pPr>
                       <a:r>
-                        <a:rPr sz="900" spc="0" dirty="0">
+                        <a:rPr lang="es-ES" sz="900" dirty="0">
                           <a:solidFill>
                             <a:srgbClr val="020302"/>
                           </a:solidFill>
                           <a:latin typeface="AdobeClean-Light"/>
                           <a:cs typeface="AdobeClean-Light"/>
                         </a:rPr>
-                        <a:t>Release, Migration, Upgrade &amp; Product Roadmap Review</a:t>
+                        <a:t>Lanzamiento, migración, actualización y revisión de la hoja de ruta del producto</a:t>
                       </a:r>
-                      <a:endParaRPr sz="900" spc="0" dirty="0">
-                        <a:latin typeface="AdobeClean-Light"/>
-                        <a:cs typeface="AdobeClean-Light"/>
-                      </a:endParaRPr>
                     </a:p>
                   </a:txBody>
                   <a:tcPr marL="0" marR="0" marT="63500" marB="0">
@@ -5810,7 +5396,7 @@
                     <a:bodyPr/>
                     <a:lstStyle/>
                     <a:p>
-                      <a:pPr>
+                      <a:pPr algn="l" rtl="0">
                         <a:lnSpc>
                           <a:spcPct val="100000"/>
                         </a:lnSpc>
@@ -5840,7 +5426,7 @@
                     <a:bodyPr/>
                     <a:lstStyle/>
                     <a:p>
-                      <a:pPr>
+                      <a:pPr algn="l" rtl="0">
                         <a:lnSpc>
                           <a:spcPct val="100000"/>
                         </a:lnSpc>
@@ -5858,7 +5444,7 @@
                     <a:bodyPr/>
                     <a:lstStyle/>
                     <a:p>
-                      <a:pPr>
+                      <a:pPr algn="l" rtl="0">
                         <a:lnSpc>
                           <a:spcPct val="100000"/>
                         </a:lnSpc>
@@ -5876,7 +5462,7 @@
                     <a:bodyPr/>
                     <a:lstStyle/>
                     <a:p>
-                      <a:pPr>
+                      <a:pPr algn="l" rtl="0">
                         <a:lnSpc>
                           <a:spcPct val="100000"/>
                         </a:lnSpc>
@@ -5903,7 +5489,7 @@
                         </a:spcBef>
                       </a:pPr>
                       <a:r>
-                        <a:rPr sz="900" spc="0" dirty="0">
+                        <a:rPr lang="es-ES" sz="900">
                           <a:solidFill>
                             <a:srgbClr val="020302"/>
                           </a:solidFill>
@@ -5912,10 +5498,6 @@
                         </a:rPr>
                         <a:t></a:t>
                       </a:r>
-                      <a:endParaRPr sz="900" spc="0">
-                        <a:latin typeface="Wingdings"/>
-                        <a:cs typeface="Wingdings"/>
-                      </a:endParaRPr>
                     </a:p>
                   </a:txBody>
                   <a:tcPr marL="0" marR="0" marT="64135" marB="0">
@@ -5933,13 +5515,13 @@
                   </a:ext>
                 </a:extLst>
               </a:tr>
-              <a:tr h="264424">
+              <a:tr h="330113">
                 <a:tc vMerge="1">
                   <a:txBody>
                     <a:bodyPr/>
                     <a:lstStyle/>
                     <a:p>
-                      <a:pPr marL="49530">
+                      <a:pPr marL="49530" algn="l" rtl="0">
                         <a:lnSpc>
                           <a:spcPct val="100000"/>
                         </a:lnSpc>
@@ -5997,11 +5579,11 @@
                         </a:spcBef>
                       </a:pPr>
                       <a:r>
-                        <a:rPr sz="900" spc="0" dirty="0">
+                        <a:rPr lang="es-ES" sz="900">
                           <a:latin typeface="AdobeClean-Light"/>
                           <a:cs typeface="AdobeClean-Light"/>
                         </a:rPr>
-                        <a:t>Cloud Support Activities – Experience Manager as Cloud</a:t>
+                        <a:t>Actividades de asistencia en la nube: Experience Manager as Cloud</a:t>
                       </a:r>
                     </a:p>
                   </a:txBody>
@@ -6031,7 +5613,7 @@
                     <a:bodyPr/>
                     <a:lstStyle/>
                     <a:p>
-                      <a:pPr>
+                      <a:pPr algn="l" rtl="0">
                         <a:lnSpc>
                           <a:spcPct val="100000"/>
                         </a:lnSpc>
@@ -6067,7 +5649,7 @@
                     <a:bodyPr/>
                     <a:lstStyle/>
                     <a:p>
-                      <a:pPr>
+                      <a:pPr algn="l" rtl="0">
                         <a:lnSpc>
                           <a:spcPct val="100000"/>
                         </a:lnSpc>
@@ -6092,7 +5674,7 @@
                     <a:bodyPr/>
                     <a:lstStyle/>
                     <a:p>
-                      <a:pPr>
+                      <a:pPr algn="l" rtl="0">
                         <a:lnSpc>
                           <a:spcPct val="100000"/>
                         </a:lnSpc>
@@ -6129,7 +5711,7 @@
                         </a:spcBef>
                       </a:pPr>
                       <a:r>
-                        <a:rPr sz="900" spc="0" dirty="0">
+                        <a:rPr lang="es-ES" sz="900">
                           <a:solidFill>
                             <a:srgbClr val="020302"/>
                           </a:solidFill>
@@ -6138,10 +5720,6 @@
                         </a:rPr>
                         <a:t></a:t>
                       </a:r>
-                      <a:endParaRPr sz="900" spc="0" dirty="0">
-                        <a:latin typeface="Wingdings"/>
-                        <a:cs typeface="Wingdings"/>
-                      </a:endParaRPr>
                     </a:p>
                   </a:txBody>
                   <a:tcPr marL="0" marR="0" marT="62230" marB="0">
@@ -6167,7 +5745,7 @@
                         </a:spcBef>
                       </a:pPr>
                       <a:r>
-                        <a:rPr sz="900" spc="0" dirty="0">
+                        <a:rPr lang="es-ES" sz="900">
                           <a:solidFill>
                             <a:srgbClr val="020302"/>
                           </a:solidFill>
@@ -6176,10 +5754,6 @@
                         </a:rPr>
                         <a:t></a:t>
                       </a:r>
-                      <a:endParaRPr sz="900" spc="0" dirty="0">
-                        <a:latin typeface="Wingdings"/>
-                        <a:cs typeface="Wingdings"/>
-                      </a:endParaRPr>
                     </a:p>
                   </a:txBody>
                   <a:tcPr marL="0" marR="0" marT="62230" marB="0">
@@ -6203,7 +5777,7 @@
                   </a:ext>
                 </a:extLst>
               </a:tr>
-              <a:tr h="264424">
+              <a:tr h="249845">
                 <a:tc rowSpan="2">
                   <a:txBody>
                     <a:bodyPr/>
@@ -6218,22 +5792,15 @@
                         </a:spcBef>
                       </a:pPr>
                       <a:r>
-                        <a:rPr lang="en-US" sz="1000" b="1" i="0" spc="0" dirty="0">
+                        <a:rPr lang="es-ES" sz="1000" b="1" i="0">
                           <a:solidFill>
                             <a:schemeClr val="bg1"/>
                           </a:solidFill>
                           <a:latin typeface="Adobe Clean" panose="020B0503020404020204" pitchFamily="34" charset="0"/>
                           <a:cs typeface="AdobeClean-Light"/>
                         </a:rPr>
-                        <a:t>Field Services</a:t>
+                        <a:t>Servicios de campo</a:t>
                       </a:r>
-                      <a:endParaRPr sz="1000" b="1" i="0" spc="0" dirty="0">
-                        <a:solidFill>
-                          <a:schemeClr val="bg1"/>
-                        </a:solidFill>
-                        <a:latin typeface="Adobe Clean" panose="020B0503020404020204" pitchFamily="34" charset="0"/>
-                        <a:cs typeface="AdobeClean-Light"/>
-                      </a:endParaRPr>
                     </a:p>
                   </a:txBody>
                   <a:tcPr marL="0" marR="0" marT="48260" marB="0" anchor="ctr">
@@ -6286,39 +5853,55 @@
                         </a:spcBef>
                       </a:pPr>
                       <a:r>
-                        <a:rPr sz="900" spc="0" dirty="0">
+                        <a:rPr lang="es-ES" sz="900" dirty="0">
                           <a:solidFill>
                             <a:srgbClr val="020302"/>
                           </a:solidFill>
                           <a:latin typeface="AdobeClean-Light"/>
                           <a:cs typeface="AdobeClean-Light"/>
                         </a:rPr>
-                        <a:t>Launch Advisory Services – First Year of </a:t>
+                        <a:t>Servicios de </a:t>
                       </a:r>
                       <a:r>
-                        <a:rPr lang="en-US" sz="900" spc="0" dirty="0">
+                        <a:rPr lang="es-ES" sz="900" dirty="0" err="1">
                           <a:solidFill>
                             <a:srgbClr val="020302"/>
                           </a:solidFill>
                           <a:latin typeface="AdobeClean-Light"/>
                           <a:cs typeface="AdobeClean-Light"/>
                         </a:rPr>
-                        <a:t>a </a:t>
+                        <a:t>Launch</a:t>
                       </a:r>
                       <a:r>
-                        <a:rPr sz="900" spc="0" dirty="0">
+                        <a:rPr lang="es-ES" sz="900" dirty="0">
                           <a:solidFill>
                             <a:srgbClr val="020302"/>
                           </a:solidFill>
                           <a:latin typeface="AdobeClean-Light"/>
                           <a:cs typeface="AdobeClean-Light"/>
                         </a:rPr>
-                        <a:t>new solution</a:t>
+                        <a:t> </a:t>
                       </a:r>
-                      <a:endParaRPr sz="900" spc="0" dirty="0">
-                        <a:latin typeface="AdobeClean-Light"/>
-                        <a:cs typeface="AdobeClean-Light"/>
-                      </a:endParaRPr>
+                      <a:r>
+                        <a:rPr lang="es-ES" sz="900" dirty="0" err="1">
+                          <a:solidFill>
+                            <a:srgbClr val="020302"/>
+                          </a:solidFill>
+                          <a:latin typeface="AdobeClean-Light"/>
+                          <a:cs typeface="AdobeClean-Light"/>
+                        </a:rPr>
+                        <a:t>Advisory</a:t>
+                      </a:r>
+                      <a:r>
+                        <a:rPr lang="es-ES" sz="900" dirty="0">
+                          <a:solidFill>
+                            <a:srgbClr val="020302"/>
+                          </a:solidFill>
+                          <a:latin typeface="AdobeClean-Light"/>
+                          <a:cs typeface="AdobeClean-Light"/>
+                        </a:rPr>
+                        <a:t>: primer año de la nueva solución</a:t>
+                      </a:r>
                     </a:p>
                     <a:p>
                       <a:pPr marL="48260">
@@ -6330,11 +5913,11 @@
                         </a:spcBef>
                       </a:pPr>
                       <a:r>
-                        <a:rPr sz="900" spc="0" dirty="0">
+                        <a:rPr lang="es-ES" sz="900" dirty="0">
                           <a:latin typeface="AdobeClean-Light"/>
                           <a:cs typeface="AdobeClean-Light"/>
                         </a:rPr>
-                        <a:t>Field Service Activities</a:t>
+                        <a:t>Actividades del servicio de campo</a:t>
                       </a:r>
                     </a:p>
                   </a:txBody>
@@ -6370,7 +5953,7 @@
                     <a:bodyPr/>
                     <a:lstStyle/>
                     <a:p>
-                      <a:pPr>
+                      <a:pPr algn="l" rtl="0">
                         <a:lnSpc>
                           <a:spcPct val="100000"/>
                         </a:lnSpc>
@@ -6406,7 +5989,7 @@
                     <a:bodyPr/>
                     <a:lstStyle/>
                     <a:p>
-                      <a:pPr>
+                      <a:pPr algn="l" rtl="0">
                         <a:lnSpc>
                           <a:spcPct val="100000"/>
                         </a:lnSpc>
@@ -6431,7 +6014,7 @@
                     <a:bodyPr/>
                     <a:lstStyle/>
                     <a:p>
-                      <a:pPr>
+                      <a:pPr algn="l" rtl="0">
                         <a:lnSpc>
                           <a:spcPct val="100000"/>
                         </a:lnSpc>
@@ -6468,7 +6051,7 @@
                         </a:spcBef>
                       </a:pPr>
                       <a:r>
-                        <a:rPr sz="900" spc="0" dirty="0">
+                        <a:rPr lang="es-ES" sz="900">
                           <a:solidFill>
                             <a:srgbClr val="020302"/>
                           </a:solidFill>
@@ -6477,10 +6060,6 @@
                         </a:rPr>
                         <a:t></a:t>
                       </a:r>
-                      <a:endParaRPr sz="900" spc="0">
-                        <a:latin typeface="Wingdings"/>
-                        <a:cs typeface="Wingdings"/>
-                      </a:endParaRPr>
                     </a:p>
                   </a:txBody>
                   <a:tcPr marL="0" marR="0" marT="56515" marB="0">
@@ -6506,7 +6085,7 @@
                         </a:spcBef>
                       </a:pPr>
                       <a:r>
-                        <a:rPr sz="900" spc="0" dirty="0">
+                        <a:rPr lang="es-ES" sz="900">
                           <a:solidFill>
                             <a:srgbClr val="020302"/>
                           </a:solidFill>
@@ -6515,10 +6094,6 @@
                         </a:rPr>
                         <a:t></a:t>
                       </a:r>
-                      <a:endParaRPr sz="900" spc="0" dirty="0">
-                        <a:latin typeface="Wingdings"/>
-                        <a:cs typeface="Wingdings"/>
-                      </a:endParaRPr>
                     </a:p>
                   </a:txBody>
                   <a:tcPr marL="0" marR="0" marT="56515" marB="0">
@@ -6542,7 +6117,7 @@
                   </a:ext>
                 </a:extLst>
               </a:tr>
-              <a:tr h="264893">
+              <a:tr h="292571">
                 <a:tc vMerge="1">
                   <a:txBody>
                     <a:bodyPr/>
@@ -6593,7 +6168,7 @@
                     <a:bodyPr/>
                     <a:lstStyle/>
                     <a:p>
-                      <a:pPr>
+                      <a:pPr algn="l" rtl="0">
                         <a:lnSpc>
                           <a:spcPct val="100000"/>
                         </a:lnSpc>
@@ -6629,7 +6204,7 @@
                     <a:bodyPr/>
                     <a:lstStyle/>
                     <a:p>
-                      <a:pPr>
+                      <a:pPr algn="l" rtl="0">
                         <a:lnSpc>
                           <a:spcPct val="100000"/>
                         </a:lnSpc>
@@ -6654,7 +6229,7 @@
                     <a:bodyPr/>
                     <a:lstStyle/>
                     <a:p>
-                      <a:pPr>
+                      <a:pPr algn="l" rtl="0">
                         <a:lnSpc>
                           <a:spcPct val="100000"/>
                         </a:lnSpc>
@@ -6688,7 +6263,7 @@
                         </a:spcBef>
                       </a:pPr>
                       <a:r>
-                        <a:rPr sz="900" spc="0" dirty="0">
+                        <a:rPr lang="es-ES" sz="900">
                           <a:solidFill>
                             <a:srgbClr val="020302"/>
                           </a:solidFill>
@@ -6697,10 +6272,6 @@
                         </a:rPr>
                         <a:t>2</a:t>
                       </a:r>
-                      <a:endParaRPr sz="900" spc="0">
-                        <a:latin typeface="AdobeClean-Light"/>
-                        <a:cs typeface="AdobeClean-Light"/>
-                      </a:endParaRPr>
                     </a:p>
                   </a:txBody>
                   <a:tcPr marL="0" marR="0" marT="50800" marB="0">
@@ -6726,7 +6297,7 @@
                         </a:spcBef>
                       </a:pPr>
                       <a:r>
-                        <a:rPr sz="900" spc="0" dirty="0">
+                        <a:rPr lang="es-ES" sz="900" dirty="0">
                           <a:solidFill>
                             <a:srgbClr val="020302"/>
                           </a:solidFill>
@@ -6735,10 +6306,6 @@
                         </a:rPr>
                         <a:t>4</a:t>
                       </a:r>
-                      <a:endParaRPr sz="900" spc="0" dirty="0">
-                        <a:latin typeface="AdobeClean-Light"/>
-                        <a:cs typeface="AdobeClean-Light"/>
-                      </a:endParaRPr>
                     </a:p>
                   </a:txBody>
                   <a:tcPr marL="0" marR="0" marT="50800" marB="0">
@@ -6800,24 +6367,8 @@
               </a:spcBef>
             </a:pPr>
             <a:r>
-              <a:rPr spc="-5" dirty="0"/>
-              <a:t>©202</a:t>
-            </a:r>
-            <a:r>
-              <a:rPr lang="en-US" spc="-5" dirty="0"/>
-              <a:t>1</a:t>
-            </a:r>
-            <a:r>
-              <a:rPr spc="-5" dirty="0"/>
-              <a:t> Adobe. All Rights Reserved. Adobe</a:t>
-            </a:r>
-            <a:r>
-              <a:rPr spc="60" dirty="0"/>
-              <a:t> </a:t>
-            </a:r>
-            <a:r>
-              <a:rPr spc="-5" dirty="0"/>
-              <a:t>Confidential.</a:t>
+              <a:rPr lang="es-ES"/>
+              <a:t>©2021 Adobe. All Rights Reserved. Adobe Confidential.</a:t>
             </a:r>
           </a:p>
         </p:txBody>
@@ -6831,14 +6382,14 @@
           <p:nvPr>
             <p:extLst>
               <p:ext uri="{D42A27DB-BD31-4B8C-83A1-F6EECF244321}">
-                <p14:modId xmlns:p14="http://schemas.microsoft.com/office/powerpoint/2010/main" val="4076912474"/>
+                <p14:modId xmlns:p14="http://schemas.microsoft.com/office/powerpoint/2010/main" val="1242633093"/>
               </p:ext>
             </p:extLst>
           </p:nvPr>
         </p:nvGraphicFramePr>
         <p:xfrm>
           <a:off x="33527" y="7483227"/>
-          <a:ext cx="7705343" cy="2346573"/>
+          <a:ext cx="7705343" cy="2243657"/>
         </p:xfrm>
         <a:graphic>
           <a:graphicData uri="http://schemas.openxmlformats.org/drawingml/2006/table">
@@ -6898,19 +6449,15 @@
                         </a:spcBef>
                       </a:pPr>
                       <a:r>
-                        <a:rPr sz="900" spc="0" dirty="0">
+                        <a:rPr lang="es-ES" sz="900">
                           <a:solidFill>
                             <a:srgbClr val="020302"/>
                           </a:solidFill>
                           <a:latin typeface="Adobe Clean"/>
                           <a:cs typeface="Adobe Clean"/>
                         </a:rPr>
-                        <a:t>Priority</a:t>
+                        <a:t>Prioridad</a:t>
                       </a:r>
-                      <a:endParaRPr sz="900" spc="0" dirty="0">
-                        <a:latin typeface="Adobe Clean"/>
-                        <a:cs typeface="Adobe Clean"/>
-                      </a:endParaRPr>
                     </a:p>
                   </a:txBody>
                   <a:tcPr marL="0" marR="0" marT="7620" marB="0" anchor="ctr">
@@ -6957,39 +6504,15 @@
                         </a:spcBef>
                       </a:pPr>
                       <a:r>
-                        <a:rPr sz="900" spc="0" dirty="0">
+                        <a:rPr lang="es-ES" sz="900">
                           <a:solidFill>
                             <a:srgbClr val="020302"/>
                           </a:solidFill>
                           <a:latin typeface="Adobe Clean"/>
                           <a:cs typeface="Adobe Clean"/>
                         </a:rPr>
-                        <a:t>Online </a:t>
+                        <a:t>Soporte Online</a:t>
                       </a:r>
-                      <a:r>
-                        <a:rPr lang="en-US" sz="900" spc="0" dirty="0">
-                          <a:solidFill>
-                            <a:srgbClr val="020302"/>
-                          </a:solidFill>
-                          <a:latin typeface="Adobe Clean"/>
-                          <a:cs typeface="Adobe Clean"/>
-                        </a:rPr>
-                        <a:t> </a:t>
-                      </a:r>
-                      <a:r>
-                        <a:rPr sz="900" spc="0" dirty="0">
-                          <a:solidFill>
-                            <a:srgbClr val="020302"/>
-                          </a:solidFill>
-                          <a:latin typeface="Adobe Clean"/>
-                          <a:cs typeface="Adobe Clean"/>
-                        </a:rPr>
-                        <a:t>Support</a:t>
-                      </a:r>
-                      <a:endParaRPr sz="900" spc="0" dirty="0">
-                        <a:latin typeface="Adobe Clean"/>
-                        <a:cs typeface="Adobe Clean"/>
-                      </a:endParaRPr>
                     </a:p>
                   </a:txBody>
                   <a:tcPr marL="0" marR="0" marT="0" marB="0" anchor="ctr">
@@ -7036,39 +6559,15 @@
                         </a:spcBef>
                       </a:pPr>
                       <a:r>
-                        <a:rPr sz="900" spc="0" dirty="0">
+                        <a:rPr lang="es-ES" sz="900">
                           <a:solidFill>
                             <a:srgbClr val="FFFFFF"/>
                           </a:solidFill>
                           <a:latin typeface="Adobe Clean"/>
                           <a:cs typeface="Adobe Clean"/>
                         </a:rPr>
-                        <a:t>Business</a:t>
+                        <a:t>Soporte Business</a:t>
                       </a:r>
-                      <a:r>
-                        <a:rPr lang="en-US" sz="900" spc="0" dirty="0">
-                          <a:solidFill>
-                            <a:srgbClr val="FFFFFF"/>
-                          </a:solidFill>
-                          <a:latin typeface="Adobe Clean"/>
-                          <a:cs typeface="Adobe Clean"/>
-                        </a:rPr>
-                        <a:t> </a:t>
-                      </a:r>
-                      <a:r>
-                        <a:rPr sz="900" spc="0" dirty="0">
-                          <a:solidFill>
-                            <a:srgbClr val="FFFFFF"/>
-                          </a:solidFill>
-                          <a:latin typeface="Adobe Clean"/>
-                          <a:cs typeface="Adobe Clean"/>
-                        </a:rPr>
-                        <a:t>Support</a:t>
-                      </a:r>
-                      <a:endParaRPr sz="900" spc="0" dirty="0">
-                        <a:latin typeface="Adobe Clean"/>
-                        <a:cs typeface="Adobe Clean"/>
-                      </a:endParaRPr>
                     </a:p>
                   </a:txBody>
                   <a:tcPr marL="0" marR="0" marT="0" marB="0" anchor="ctr">
@@ -7115,39 +6614,15 @@
                         </a:spcBef>
                       </a:pPr>
                       <a:r>
-                        <a:rPr sz="900" spc="0" dirty="0">
+                        <a:rPr lang="es-ES" sz="900">
                           <a:solidFill>
                             <a:srgbClr val="FFFFFF"/>
                           </a:solidFill>
                           <a:latin typeface="Adobe Clean"/>
                           <a:cs typeface="Adobe Clean"/>
                         </a:rPr>
-                        <a:t>Enterprise </a:t>
+                        <a:t>Soporte Enterprise</a:t>
                       </a:r>
-                      <a:r>
-                        <a:rPr lang="en-US" sz="900" spc="0" dirty="0">
-                          <a:solidFill>
-                            <a:srgbClr val="FFFFFF"/>
-                          </a:solidFill>
-                          <a:latin typeface="Adobe Clean"/>
-                          <a:cs typeface="Adobe Clean"/>
-                        </a:rPr>
-                        <a:t> </a:t>
-                      </a:r>
-                      <a:r>
-                        <a:rPr sz="900" spc="0" dirty="0">
-                          <a:solidFill>
-                            <a:srgbClr val="FFFFFF"/>
-                          </a:solidFill>
-                          <a:latin typeface="Adobe Clean"/>
-                          <a:cs typeface="Adobe Clean"/>
-                        </a:rPr>
-                        <a:t>Support</a:t>
-                      </a:r>
-                      <a:endParaRPr sz="900" spc="0" dirty="0">
-                        <a:latin typeface="Adobe Clean"/>
-                        <a:cs typeface="Adobe Clean"/>
-                      </a:endParaRPr>
                     </a:p>
                   </a:txBody>
                   <a:tcPr marL="0" marR="0" marT="0" marB="0" anchor="ctr">
@@ -7194,39 +6669,15 @@
                         </a:spcBef>
                       </a:pPr>
                       <a:r>
-                        <a:rPr sz="900" spc="0" dirty="0">
+                        <a:rPr lang="es-ES" sz="900">
                           <a:solidFill>
                             <a:srgbClr val="FFFFFF"/>
                           </a:solidFill>
                           <a:latin typeface="Adobe Clean"/>
                           <a:cs typeface="Adobe Clean"/>
                         </a:rPr>
-                        <a:t>Elite</a:t>
+                        <a:t>Soporte Elite</a:t>
                       </a:r>
-                      <a:r>
-                        <a:rPr lang="en-US" sz="900" spc="0" dirty="0">
-                          <a:solidFill>
-                            <a:srgbClr val="FFFFFF"/>
-                          </a:solidFill>
-                          <a:latin typeface="Adobe Clean"/>
-                          <a:cs typeface="Adobe Clean"/>
-                        </a:rPr>
-                        <a:t> </a:t>
-                      </a:r>
-                      <a:r>
-                        <a:rPr sz="900" spc="0" dirty="0">
-                          <a:solidFill>
-                            <a:srgbClr val="FFFFFF"/>
-                          </a:solidFill>
-                          <a:latin typeface="Adobe Clean"/>
-                          <a:cs typeface="Adobe Clean"/>
-                        </a:rPr>
-                        <a:t>Support</a:t>
-                      </a:r>
-                      <a:endParaRPr sz="900" spc="0" dirty="0">
-                        <a:latin typeface="Adobe Clean"/>
-                        <a:cs typeface="Adobe Clean"/>
-                      </a:endParaRPr>
                     </a:p>
                   </a:txBody>
                   <a:tcPr marL="0" marR="0" marT="0" marB="0" anchor="ctr">
@@ -7280,19 +6731,15 @@
                         </a:spcBef>
                       </a:pPr>
                       <a:r>
-                        <a:rPr sz="900" b="1" spc="0" dirty="0">
+                        <a:rPr lang="es-ES" sz="900" b="1" dirty="0">
                           <a:solidFill>
                             <a:srgbClr val="020302"/>
                           </a:solidFill>
                           <a:latin typeface="Adobe Clean"/>
                           <a:cs typeface="Adobe Clean"/>
                         </a:rPr>
-                        <a:t>PRIORITY 1</a:t>
+                        <a:t>PRIORIDAD 1</a:t>
                       </a:r>
-                      <a:endParaRPr sz="900" spc="0" dirty="0">
-                        <a:latin typeface="Adobe Clean"/>
-                        <a:cs typeface="Adobe Clean"/>
-                      </a:endParaRPr>
                     </a:p>
                     <a:p>
                       <a:pPr marL="50800" marR="387985">
@@ -7304,19 +6751,14 @@
                         </a:spcBef>
                       </a:pPr>
                       <a:r>
-                        <a:rPr lang="en-US" sz="900" b="0" i="0" spc="0" dirty="0">
+                        <a:rPr lang="es-ES" sz="800" b="0" i="0" dirty="0">
                           <a:solidFill>
                             <a:srgbClr val="000000"/>
                           </a:solidFill>
-                          <a:effectLst/>
                           <a:latin typeface="Adobe Clean Light" panose="020B0303020404020204" pitchFamily="34" charset="0"/>
                         </a:rPr>
-                        <a:t>Customer's production business functions are down or have significant data loss or service degradation and immediate attention is required to restore functionality and usability. </a:t>
+                        <a:t>Las funciones empresariales de producción del cliente no están activadas o pierden datos o presentan una degradación del servicio significativa, por lo que se requiere atención inmediata para restaurar la funcionalidad y facilidad de uso. </a:t>
                       </a:r>
-                      <a:endParaRPr sz="900" spc="0" dirty="0">
-                        <a:latin typeface="AdobeClean-Light"/>
-                        <a:cs typeface="AdobeClean-Light"/>
-                      </a:endParaRPr>
                     </a:p>
                   </a:txBody>
                   <a:tcPr marL="0" marR="0" marT="0" marB="0" anchor="ctr">
@@ -7360,79 +6802,15 @@
                         </a:spcBef>
                       </a:pPr>
                       <a:r>
-                        <a:rPr sz="900" spc="0" dirty="0">
+                        <a:rPr lang="es-ES" sz="900" dirty="0">
                           <a:solidFill>
                             <a:srgbClr val="020302"/>
                           </a:solidFill>
                           <a:latin typeface="AdobeClean-Light"/>
                           <a:cs typeface="AdobeClean-Light"/>
                         </a:rPr>
-                        <a:t>24x7</a:t>
+                        <a:t>24x7 /                1 hora</a:t>
                       </a:r>
-                      <a:r>
-                        <a:rPr lang="en-US" sz="900" spc="0" dirty="0">
-                          <a:solidFill>
-                            <a:srgbClr val="020302"/>
-                          </a:solidFill>
-                          <a:latin typeface="AdobeClean-Light"/>
-                          <a:cs typeface="AdobeClean-Light"/>
-                        </a:rPr>
-                        <a:t> </a:t>
-                      </a:r>
-                      <a:r>
-                        <a:rPr sz="900" spc="0" dirty="0">
-                          <a:solidFill>
-                            <a:srgbClr val="020302"/>
-                          </a:solidFill>
-                          <a:latin typeface="AdobeClean-Light"/>
-                          <a:cs typeface="AdobeClean-Light"/>
-                        </a:rPr>
-                        <a:t>/</a:t>
-                      </a:r>
-                      <a:r>
-                        <a:rPr lang="en-US" sz="900" spc="0" dirty="0">
-                          <a:solidFill>
-                            <a:srgbClr val="020302"/>
-                          </a:solidFill>
-                          <a:latin typeface="AdobeClean-Light"/>
-                          <a:cs typeface="AdobeClean-Light"/>
-                        </a:rPr>
-                        <a:t>                </a:t>
-                      </a:r>
-                      <a:r>
-                        <a:rPr sz="900" spc="0" dirty="0">
-                          <a:solidFill>
-                            <a:srgbClr val="020302"/>
-                          </a:solidFill>
-                          <a:latin typeface="AdobeClean-Light"/>
-                          <a:cs typeface="AdobeClean-Light"/>
-                        </a:rPr>
-                        <a:t>1</a:t>
-                      </a:r>
-                      <a:r>
-                        <a:rPr lang="en-US" sz="900" spc="0" dirty="0">
-                          <a:solidFill>
-                            <a:srgbClr val="020302"/>
-                          </a:solidFill>
-                          <a:latin typeface="AdobeClean-Light"/>
-                          <a:cs typeface="AdobeClean-Light"/>
-                        </a:rPr>
-                        <a:t> </a:t>
-                      </a:r>
-                      <a:r>
-                        <a:rPr sz="900" spc="0" dirty="0">
-                          <a:solidFill>
-                            <a:srgbClr val="020302"/>
-                          </a:solidFill>
-                          <a:latin typeface="AdobeClean-Light"/>
-                          <a:cs typeface="AdobeClean-Light"/>
-                        </a:rPr>
-                        <a:t>hour</a:t>
-                      </a:r>
-                      <a:endParaRPr sz="900" spc="0" dirty="0">
-                        <a:latin typeface="AdobeClean-Light"/>
-                        <a:cs typeface="AdobeClean-Light"/>
-                      </a:endParaRPr>
                     </a:p>
                   </a:txBody>
                   <a:tcPr marL="0" marR="0" marT="0" marB="0" anchor="ctr">
@@ -7476,59 +6854,15 @@
                         </a:spcBef>
                       </a:pPr>
                       <a:r>
-                        <a:rPr sz="900" spc="0" dirty="0">
+                        <a:rPr lang="es-ES" sz="900">
                           <a:solidFill>
                             <a:srgbClr val="020302"/>
                           </a:solidFill>
                           <a:latin typeface="AdobeClean-Light"/>
                           <a:cs typeface="AdobeClean-Light"/>
                         </a:rPr>
-                        <a:t>24x7</a:t>
+                        <a:t>24x7 /              1 hora</a:t>
                       </a:r>
-                      <a:r>
-                        <a:rPr lang="en-US" sz="900" spc="0" dirty="0">
-                          <a:solidFill>
-                            <a:srgbClr val="020302"/>
-                          </a:solidFill>
-                          <a:latin typeface="AdobeClean-Light"/>
-                          <a:cs typeface="AdobeClean-Light"/>
-                        </a:rPr>
-                        <a:t> </a:t>
-                      </a:r>
-                      <a:r>
-                        <a:rPr sz="900" spc="0" dirty="0">
-                          <a:solidFill>
-                            <a:srgbClr val="020302"/>
-                          </a:solidFill>
-                          <a:latin typeface="AdobeClean-Light"/>
-                          <a:cs typeface="AdobeClean-Light"/>
-                        </a:rPr>
-                        <a:t>/  </a:t>
-                      </a:r>
-                      <a:r>
-                        <a:rPr lang="en-US" sz="900" spc="0" dirty="0">
-                          <a:solidFill>
-                            <a:srgbClr val="020302"/>
-                          </a:solidFill>
-                          <a:latin typeface="AdobeClean-Light"/>
-                          <a:cs typeface="AdobeClean-Light"/>
-                        </a:rPr>
-                        <a:t>            </a:t>
-                      </a:r>
-                      <a:r>
-                        <a:rPr sz="900" spc="0" dirty="0">
-                          <a:solidFill>
-                            <a:srgbClr val="020302"/>
-                          </a:solidFill>
-                          <a:latin typeface="AdobeClean-Light"/>
-                          <a:cs typeface="AdobeClean-Light"/>
-                        </a:rPr>
-                        <a:t>1 hour</a:t>
-                      </a:r>
-                      <a:endParaRPr sz="900" spc="0" dirty="0">
-                        <a:latin typeface="AdobeClean-Light"/>
-                        <a:cs typeface="AdobeClean-Light"/>
-                      </a:endParaRPr>
                     </a:p>
                   </a:txBody>
                   <a:tcPr marL="0" marR="0" marT="0" marB="0" anchor="ctr">
@@ -7572,59 +6906,15 @@
                         </a:spcBef>
                       </a:pPr>
                       <a:r>
-                        <a:rPr sz="900" spc="0" dirty="0">
+                        <a:rPr lang="es-ES" sz="900">
                           <a:solidFill>
                             <a:srgbClr val="020302"/>
                           </a:solidFill>
                           <a:latin typeface="AdobeClean-Light"/>
                           <a:cs typeface="AdobeClean-Light"/>
                         </a:rPr>
-                        <a:t>24x7 /  </a:t>
+                        <a:t>24x7 /           30 minutos</a:t>
                       </a:r>
-                      <a:r>
-                        <a:rPr lang="en-US" sz="900" spc="0" dirty="0">
-                          <a:solidFill>
-                            <a:srgbClr val="020302"/>
-                          </a:solidFill>
-                          <a:latin typeface="AdobeClean-Light"/>
-                          <a:cs typeface="AdobeClean-Light"/>
-                        </a:rPr>
-                        <a:t>         </a:t>
-                      </a:r>
-                      <a:r>
-                        <a:rPr sz="900" spc="0" dirty="0">
-                          <a:solidFill>
-                            <a:srgbClr val="020302"/>
-                          </a:solidFill>
-                          <a:latin typeface="AdobeClean-Light"/>
-                          <a:cs typeface="AdobeClean-Light"/>
-                        </a:rPr>
-                        <a:t>30</a:t>
-                      </a:r>
-                      <a:r>
-                        <a:rPr lang="en-US" sz="900" spc="0" dirty="0">
-                          <a:solidFill>
-                            <a:srgbClr val="020302"/>
-                          </a:solidFill>
-                          <a:latin typeface="AdobeClean-Light"/>
-                          <a:cs typeface="AdobeClean-Light"/>
-                        </a:rPr>
-                        <a:t> </a:t>
-                      </a:r>
-                      <a:r>
-                        <a:rPr sz="900" spc="0" dirty="0">
-                          <a:solidFill>
-                            <a:srgbClr val="020302"/>
-                          </a:solidFill>
-                          <a:latin typeface="AdobeClean-Light"/>
-                          <a:cs typeface="AdobeClean-Light"/>
-                        </a:rPr>
-                        <a:t>minutes</a:t>
-                      </a:r>
-                      <a:endParaRPr sz="900" spc="0" dirty="0">
-                        <a:latin typeface="AdobeClean-Light"/>
-                        <a:cs typeface="AdobeClean-Light"/>
-                      </a:endParaRPr>
                     </a:p>
                   </a:txBody>
                   <a:tcPr marL="0" marR="0" marT="0" marB="0" anchor="ctr">
@@ -7668,59 +6958,15 @@
                         </a:spcBef>
                       </a:pPr>
                       <a:r>
-                        <a:rPr sz="900" spc="0" dirty="0">
+                        <a:rPr lang="es-ES" sz="900">
                           <a:solidFill>
                             <a:srgbClr val="020302"/>
                           </a:solidFill>
                           <a:latin typeface="AdobeClean-Light"/>
                           <a:cs typeface="AdobeClean-Light"/>
                         </a:rPr>
-                        <a:t>24x7 / </a:t>
+                        <a:t>24x7 /         15 minutos</a:t>
                       </a:r>
-                      <a:r>
-                        <a:rPr lang="en-US" sz="900" spc="0" dirty="0">
-                          <a:solidFill>
-                            <a:srgbClr val="020302"/>
-                          </a:solidFill>
-                          <a:latin typeface="AdobeClean-Light"/>
-                          <a:cs typeface="AdobeClean-Light"/>
-                        </a:rPr>
-                        <a:t>       </a:t>
-                      </a:r>
-                      <a:r>
-                        <a:rPr sz="900" spc="0" dirty="0">
-                          <a:solidFill>
-                            <a:srgbClr val="020302"/>
-                          </a:solidFill>
-                          <a:latin typeface="AdobeClean-Light"/>
-                          <a:cs typeface="AdobeClean-Light"/>
-                        </a:rPr>
-                        <a:t> 15</a:t>
-                      </a:r>
-                      <a:r>
-                        <a:rPr lang="en-US" sz="900" spc="0" dirty="0">
-                          <a:solidFill>
-                            <a:srgbClr val="020302"/>
-                          </a:solidFill>
-                          <a:latin typeface="AdobeClean-Light"/>
-                          <a:cs typeface="AdobeClean-Light"/>
-                        </a:rPr>
-                        <a:t> </a:t>
-                      </a:r>
-                      <a:r>
-                        <a:rPr sz="900" spc="0" dirty="0">
-                          <a:solidFill>
-                            <a:srgbClr val="020302"/>
-                          </a:solidFill>
-                          <a:latin typeface="AdobeClean-Light"/>
-                          <a:cs typeface="AdobeClean-Light"/>
-                        </a:rPr>
-                        <a:t>minutes</a:t>
-                      </a:r>
-                      <a:endParaRPr sz="900" spc="0" dirty="0">
-                        <a:latin typeface="AdobeClean-Light"/>
-                        <a:cs typeface="AdobeClean-Light"/>
-                      </a:endParaRPr>
                     </a:p>
                   </a:txBody>
                   <a:tcPr marL="0" marR="0" marT="0" marB="0" anchor="ctr">
@@ -7771,19 +7017,15 @@
                         </a:spcBef>
                       </a:pPr>
                       <a:r>
-                        <a:rPr sz="900" b="1" spc="0" dirty="0">
+                        <a:rPr lang="es-ES" sz="900" b="1" dirty="0">
                           <a:solidFill>
                             <a:srgbClr val="020302"/>
                           </a:solidFill>
                           <a:latin typeface="Adobe Clean"/>
                           <a:cs typeface="Adobe Clean"/>
                         </a:rPr>
-                        <a:t>PRIORITY 2</a:t>
+                        <a:t>PRIORIDAD 2</a:t>
                       </a:r>
-                      <a:endParaRPr sz="900" spc="0" dirty="0">
-                        <a:latin typeface="Adobe Clean"/>
-                        <a:cs typeface="Adobe Clean"/>
-                      </a:endParaRPr>
                     </a:p>
                     <a:p>
                       <a:pPr marL="50165" marR="203200" indent="0" defTabSz="914400" eaLnBrk="1" fontAlgn="auto" latinLnBrk="0" hangingPunct="1">
@@ -7804,19 +7046,14 @@
                         <a:defRPr/>
                       </a:pPr>
                       <a:r>
-                        <a:rPr lang="en-US" sz="900" b="0" i="0" spc="0" dirty="0">
+                        <a:rPr lang="es-ES" sz="800" b="0" i="0" dirty="0">
                           <a:solidFill>
                             <a:srgbClr val="000000"/>
                           </a:solidFill>
-                          <a:effectLst/>
                           <a:latin typeface="Adobe Clean Light" panose="020B0303020404020204" pitchFamily="34" charset="0"/>
                         </a:rPr>
-                        <a:t>Customer's business functions have major service degradation or potential data loss, or a major feature is impacted </a:t>
+                        <a:t>Las funciones empresariales del cliente presentan una importante degradación del servicio o hay una posible pérdida de datos, o una función clave se está viendo afectada. </a:t>
                       </a:r>
-                      <a:endParaRPr sz="900" b="0" i="0" spc="0" dirty="0">
-                        <a:latin typeface="Adobe Clean Light" panose="020B0303020404020204" pitchFamily="34" charset="0"/>
-                        <a:cs typeface="AdobeClean-Light"/>
-                      </a:endParaRPr>
                     </a:p>
                   </a:txBody>
                   <a:tcPr marL="0" marR="0" marT="0" marB="0" anchor="ctr">
@@ -7860,79 +7097,34 @@
                         </a:spcBef>
                       </a:pPr>
                       <a:r>
-                        <a:rPr sz="900" spc="0" dirty="0">
+                        <a:rPr lang="es-ES" sz="900" dirty="0">
                           <a:solidFill>
                             <a:srgbClr val="020302"/>
                           </a:solidFill>
                           <a:latin typeface="AdobeClean-Light"/>
                           <a:cs typeface="AdobeClean-Light"/>
                         </a:rPr>
-                        <a:t>Business</a:t>
+                        <a:t>Horario de trabajo /  </a:t>
                       </a:r>
-                      <a:r>
-                        <a:rPr lang="en-US" sz="900" spc="0" dirty="0">
+                      <a:br>
+                        <a:rPr lang="sk-SK" sz="900" dirty="0">
                           <a:solidFill>
                             <a:srgbClr val="020302"/>
                           </a:solidFill>
                           <a:latin typeface="AdobeClean-Light"/>
                           <a:cs typeface="AdobeClean-Light"/>
                         </a:rPr>
-                        <a:t> </a:t>
-                      </a:r>
+                      </a:br>
                       <a:r>
-                        <a:rPr sz="900" spc="0" dirty="0">
+                        <a:rPr lang="es-ES" sz="900" dirty="0">
                           <a:solidFill>
                             <a:srgbClr val="020302"/>
                           </a:solidFill>
                           <a:latin typeface="AdobeClean-Light"/>
                           <a:cs typeface="AdobeClean-Light"/>
                         </a:rPr>
-                        <a:t>hours</a:t>
+                        <a:t>4 horas</a:t>
                       </a:r>
-                      <a:r>
-                        <a:rPr lang="en-US" sz="900" spc="0" dirty="0">
-                          <a:solidFill>
-                            <a:srgbClr val="020302"/>
-                          </a:solidFill>
-                          <a:latin typeface="AdobeClean-Light"/>
-                          <a:cs typeface="AdobeClean-Light"/>
-                        </a:rPr>
-                        <a:t> </a:t>
-                      </a:r>
-                      <a:r>
-                        <a:rPr sz="900" spc="0" dirty="0">
-                          <a:solidFill>
-                            <a:srgbClr val="020302"/>
-                          </a:solidFill>
-                          <a:latin typeface="AdobeClean-Light"/>
-                          <a:cs typeface="AdobeClean-Light"/>
-                        </a:rPr>
-                        <a:t>/  </a:t>
-                      </a:r>
-                      <a:r>
-                        <a:rPr lang="en-US" sz="900" spc="0" dirty="0">
-                          <a:solidFill>
-                            <a:srgbClr val="020302"/>
-                          </a:solidFill>
-                          <a:latin typeface="AdobeClean-Light"/>
-                          <a:cs typeface="AdobeClean-Light"/>
-                        </a:rPr>
-                        <a:t>         </a:t>
-                      </a:r>
-                      <a:r>
-                        <a:rPr sz="900" spc="0" dirty="0">
-                          <a:solidFill>
-                            <a:srgbClr val="020302"/>
-                          </a:solidFill>
-                          <a:latin typeface="AdobeClean-Light"/>
-                          <a:cs typeface="AdobeClean-Light"/>
-                        </a:rPr>
-                        <a:t>4 hours</a:t>
-                      </a:r>
-                      <a:endParaRPr sz="900" spc="0" dirty="0">
-                        <a:latin typeface="AdobeClean-Light"/>
-                        <a:cs typeface="AdobeClean-Light"/>
-                      </a:endParaRPr>
                     </a:p>
                   </a:txBody>
                   <a:tcPr marL="0" marR="0" marT="0" marB="0" anchor="ctr">
@@ -7976,79 +7168,34 @@
                         </a:spcBef>
                       </a:pPr>
                       <a:r>
-                        <a:rPr sz="900" spc="0" dirty="0">
+                        <a:rPr lang="es-ES" sz="900" dirty="0">
                           <a:solidFill>
                             <a:srgbClr val="020302"/>
                           </a:solidFill>
                           <a:latin typeface="AdobeClean-Light"/>
                           <a:cs typeface="AdobeClean-Light"/>
                         </a:rPr>
-                        <a:t>Business</a:t>
+                        <a:t>Horario de trabajo / </a:t>
                       </a:r>
-                      <a:r>
-                        <a:rPr lang="en-US" sz="900" spc="0" dirty="0">
+                      <a:br>
+                        <a:rPr lang="sk-SK" sz="900" dirty="0">
                           <a:solidFill>
                             <a:srgbClr val="020302"/>
                           </a:solidFill>
                           <a:latin typeface="AdobeClean-Light"/>
                           <a:cs typeface="AdobeClean-Light"/>
                         </a:rPr>
-                        <a:t> </a:t>
-                      </a:r>
+                      </a:br>
                       <a:r>
-                        <a:rPr sz="900" spc="0" dirty="0">
+                        <a:rPr lang="es-ES" sz="900" dirty="0">
                           <a:solidFill>
                             <a:srgbClr val="020302"/>
                           </a:solidFill>
                           <a:latin typeface="AdobeClean-Light"/>
                           <a:cs typeface="AdobeClean-Light"/>
                         </a:rPr>
-                        <a:t>hours</a:t>
+                        <a:t> 2 horas</a:t>
                       </a:r>
-                      <a:r>
-                        <a:rPr lang="en-US" sz="900" spc="0" dirty="0">
-                          <a:solidFill>
-                            <a:srgbClr val="020302"/>
-                          </a:solidFill>
-                          <a:latin typeface="AdobeClean-Light"/>
-                          <a:cs typeface="AdobeClean-Light"/>
-                        </a:rPr>
-                        <a:t> </a:t>
-                      </a:r>
-                      <a:r>
-                        <a:rPr sz="900" spc="0" dirty="0">
-                          <a:solidFill>
-                            <a:srgbClr val="020302"/>
-                          </a:solidFill>
-                          <a:latin typeface="AdobeClean-Light"/>
-                          <a:cs typeface="AdobeClean-Light"/>
-                        </a:rPr>
-                        <a:t>/  </a:t>
-                      </a:r>
-                      <a:r>
-                        <a:rPr lang="en-US" sz="900" spc="0" dirty="0">
-                          <a:solidFill>
-                            <a:srgbClr val="020302"/>
-                          </a:solidFill>
-                          <a:latin typeface="AdobeClean-Light"/>
-                          <a:cs typeface="AdobeClean-Light"/>
-                        </a:rPr>
-                        <a:t>        </a:t>
-                      </a:r>
-                      <a:r>
-                        <a:rPr sz="900" spc="0" dirty="0">
-                          <a:solidFill>
-                            <a:srgbClr val="020302"/>
-                          </a:solidFill>
-                          <a:latin typeface="AdobeClean-Light"/>
-                          <a:cs typeface="AdobeClean-Light"/>
-                        </a:rPr>
-                        <a:t>2 hours</a:t>
-                      </a:r>
-                      <a:endParaRPr sz="900" spc="0" dirty="0">
-                        <a:latin typeface="AdobeClean-Light"/>
-                        <a:cs typeface="AdobeClean-Light"/>
-                      </a:endParaRPr>
                     </a:p>
                   </a:txBody>
                   <a:tcPr marL="0" marR="0" marT="0" marB="0" anchor="ctr">
@@ -8092,59 +7239,15 @@
                         </a:spcBef>
                       </a:pPr>
                       <a:r>
-                        <a:rPr sz="900" spc="0" dirty="0">
+                        <a:rPr lang="es-ES" sz="900">
                           <a:solidFill>
                             <a:srgbClr val="020302"/>
                           </a:solidFill>
                           <a:latin typeface="AdobeClean-Light"/>
                           <a:cs typeface="AdobeClean-Light"/>
                         </a:rPr>
-                        <a:t>24x5</a:t>
+                        <a:t>24x5 /                1 hora</a:t>
                       </a:r>
-                      <a:r>
-                        <a:rPr lang="en-US" sz="900" spc="0" dirty="0">
-                          <a:solidFill>
-                            <a:srgbClr val="020302"/>
-                          </a:solidFill>
-                          <a:latin typeface="AdobeClean-Light"/>
-                          <a:cs typeface="AdobeClean-Light"/>
-                        </a:rPr>
-                        <a:t> </a:t>
-                      </a:r>
-                      <a:r>
-                        <a:rPr sz="900" spc="0" dirty="0">
-                          <a:solidFill>
-                            <a:srgbClr val="020302"/>
-                          </a:solidFill>
-                          <a:latin typeface="AdobeClean-Light"/>
-                          <a:cs typeface="AdobeClean-Light"/>
-                        </a:rPr>
-                        <a:t>/  </a:t>
-                      </a:r>
-                      <a:r>
-                        <a:rPr lang="en-US" sz="900" spc="0" dirty="0">
-                          <a:solidFill>
-                            <a:srgbClr val="020302"/>
-                          </a:solidFill>
-                          <a:latin typeface="AdobeClean-Light"/>
-                          <a:cs typeface="AdobeClean-Light"/>
-                        </a:rPr>
-                        <a:t>              </a:t>
-                      </a:r>
-                      <a:r>
-                        <a:rPr sz="900" spc="0" dirty="0">
-                          <a:solidFill>
-                            <a:srgbClr val="020302"/>
-                          </a:solidFill>
-                          <a:latin typeface="AdobeClean-Light"/>
-                          <a:cs typeface="AdobeClean-Light"/>
-                        </a:rPr>
-                        <a:t>1 hour</a:t>
-                      </a:r>
-                      <a:endParaRPr sz="900" spc="0" dirty="0">
-                        <a:latin typeface="AdobeClean-Light"/>
-                        <a:cs typeface="AdobeClean-Light"/>
-                      </a:endParaRPr>
                     </a:p>
                   </a:txBody>
                   <a:tcPr marL="0" marR="0" marT="0" marB="0" anchor="ctr">
@@ -8188,59 +7291,15 @@
                         </a:spcBef>
                       </a:pPr>
                       <a:r>
-                        <a:rPr sz="900" spc="0" dirty="0">
+                        <a:rPr lang="es-ES" sz="900">
                           <a:solidFill>
                             <a:srgbClr val="020302"/>
                           </a:solidFill>
                           <a:latin typeface="AdobeClean-Light"/>
                           <a:cs typeface="AdobeClean-Light"/>
                         </a:rPr>
-                        <a:t>24x5 /  </a:t>
+                        <a:t>24x5 /         30 minutos</a:t>
                       </a:r>
-                      <a:r>
-                        <a:rPr lang="en-US" sz="900" spc="0" dirty="0">
-                          <a:solidFill>
-                            <a:srgbClr val="020302"/>
-                          </a:solidFill>
-                          <a:latin typeface="AdobeClean-Light"/>
-                          <a:cs typeface="AdobeClean-Light"/>
-                        </a:rPr>
-                        <a:t>       </a:t>
-                      </a:r>
-                      <a:r>
-                        <a:rPr sz="900" spc="0" dirty="0">
-                          <a:solidFill>
-                            <a:srgbClr val="020302"/>
-                          </a:solidFill>
-                          <a:latin typeface="AdobeClean-Light"/>
-                          <a:cs typeface="AdobeClean-Light"/>
-                        </a:rPr>
-                        <a:t>30</a:t>
-                      </a:r>
-                      <a:r>
-                        <a:rPr lang="en-US" sz="900" spc="0" dirty="0">
-                          <a:solidFill>
-                            <a:srgbClr val="020302"/>
-                          </a:solidFill>
-                          <a:latin typeface="AdobeClean-Light"/>
-                          <a:cs typeface="AdobeClean-Light"/>
-                        </a:rPr>
-                        <a:t> </a:t>
-                      </a:r>
-                      <a:r>
-                        <a:rPr sz="900" spc="0" dirty="0">
-                          <a:solidFill>
-                            <a:srgbClr val="020302"/>
-                          </a:solidFill>
-                          <a:latin typeface="AdobeClean-Light"/>
-                          <a:cs typeface="AdobeClean-Light"/>
-                        </a:rPr>
-                        <a:t>minutes</a:t>
-                      </a:r>
-                      <a:endParaRPr sz="900" spc="0" dirty="0">
-                        <a:latin typeface="AdobeClean-Light"/>
-                        <a:cs typeface="AdobeClean-Light"/>
-                      </a:endParaRPr>
                     </a:p>
                   </a:txBody>
                   <a:tcPr marL="0" marR="0" marT="0" marB="0" anchor="ctr">
@@ -8291,29 +7350,15 @@
                         </a:spcBef>
                       </a:pPr>
                       <a:r>
-                        <a:rPr sz="900" b="1" spc="0" dirty="0">
+                        <a:rPr lang="es-ES" sz="900" b="1" dirty="0">
                           <a:solidFill>
                             <a:srgbClr val="020302"/>
                           </a:solidFill>
                           <a:latin typeface="Adobe Clean"/>
                           <a:cs typeface="Adobe Clean"/>
                         </a:rPr>
-                        <a:t>PRIORITY</a:t>
+                        <a:t>PRIORIDAD 3</a:t>
                       </a:r>
-                      <a:r>
-                        <a:rPr lang="en-US" sz="900" b="1" spc="0" dirty="0">
-                          <a:solidFill>
-                            <a:srgbClr val="020302"/>
-                          </a:solidFill>
-                          <a:latin typeface="Adobe Clean"/>
-                          <a:cs typeface="Adobe Clean"/>
-                        </a:rPr>
-                        <a:t> 3</a:t>
-                      </a:r>
-                      <a:endParaRPr lang="en-US" sz="900" spc="0" dirty="0">
-                        <a:latin typeface="Adobe Clean"/>
-                        <a:cs typeface="Adobe Clean"/>
-                      </a:endParaRPr>
                     </a:p>
                     <a:p>
                       <a:pPr marL="49530" marR="212090" indent="-2540" defTabSz="914400" eaLnBrk="1" fontAlgn="auto" latinLnBrk="0" hangingPunct="1">
@@ -8334,26 +7379,21 @@
                         <a:defRPr/>
                       </a:pPr>
                       <a:r>
-                        <a:rPr kumimoji="0" lang="en-US" sz="900" b="0" i="0" u="none" strike="noStrike" kern="1200" cap="none" spc="0" normalizeH="0" baseline="0" noProof="0" dirty="0">
+                        <a:rPr kumimoji="0" lang="es-ES" sz="800" b="0" i="0" u="none" strike="noStrike" cap="none" normalizeH="0" baseline="0" noProof="0" dirty="0">
                           <a:ln>
                             <a:noFill/>
                           </a:ln>
                           <a:solidFill>
                             <a:srgbClr val="000000"/>
                           </a:solidFill>
-                          <a:effectLst/>
                           <a:uLnTx/>
                           <a:uFillTx/>
                           <a:latin typeface="Adobe Clean Light" panose="020B0303020404020204" pitchFamily="34" charset="0"/>
                           <a:ea typeface="+mn-ea"/>
                           <a:cs typeface="+mn-cs"/>
                         </a:rPr>
-                        <a:t>Customer's business functions have minor service degradation but there exists a solution/workaround allowing business functions to continue normally </a:t>
+                        <a:t>Las funciones empresariales del cliente presentan una menor degradación del servicio, pero existe una solución que permite que las funciones empresariales sigan funcionando con normalidad. </a:t>
                       </a:r>
-                      <a:endParaRPr lang="en-US" sz="900" b="0" i="0" spc="0" dirty="0">
-                        <a:latin typeface="Adobe Clean Light" panose="020B0303020404020204" pitchFamily="34" charset="0"/>
-                        <a:cs typeface="AdobeClean-Light"/>
-                      </a:endParaRPr>
                     </a:p>
                   </a:txBody>
                   <a:tcPr marL="0" marR="0" marT="0" marB="0" anchor="ctr">
@@ -8397,79 +7437,34 @@
                         </a:spcBef>
                       </a:pPr>
                       <a:r>
-                        <a:rPr sz="900" spc="0" dirty="0">
+                        <a:rPr lang="es-ES" sz="900" dirty="0">
                           <a:solidFill>
                             <a:srgbClr val="020302"/>
                           </a:solidFill>
                           <a:latin typeface="AdobeClean-Light"/>
                           <a:cs typeface="AdobeClean-Light"/>
                         </a:rPr>
-                        <a:t>Business</a:t>
+                        <a:t>Horario de trabajo / </a:t>
                       </a:r>
-                      <a:r>
-                        <a:rPr lang="en-US" sz="900" spc="0" dirty="0">
+                      <a:br>
+                        <a:rPr lang="sk-SK" sz="900" dirty="0">
                           <a:solidFill>
                             <a:srgbClr val="020302"/>
                           </a:solidFill>
                           <a:latin typeface="AdobeClean-Light"/>
                           <a:cs typeface="AdobeClean-Light"/>
                         </a:rPr>
-                        <a:t> </a:t>
-                      </a:r>
+                      </a:br>
                       <a:r>
-                        <a:rPr sz="900" spc="0" dirty="0">
+                        <a:rPr lang="es-ES" sz="900" dirty="0">
                           <a:solidFill>
                             <a:srgbClr val="020302"/>
                           </a:solidFill>
                           <a:latin typeface="AdobeClean-Light"/>
                           <a:cs typeface="AdobeClean-Light"/>
                         </a:rPr>
-                        <a:t>hours</a:t>
+                        <a:t>6 horas</a:t>
                       </a:r>
-                      <a:r>
-                        <a:rPr lang="en-US" sz="900" spc="0" dirty="0">
-                          <a:solidFill>
-                            <a:srgbClr val="020302"/>
-                          </a:solidFill>
-                          <a:latin typeface="AdobeClean-Light"/>
-                          <a:cs typeface="AdobeClean-Light"/>
-                        </a:rPr>
-                        <a:t> </a:t>
-                      </a:r>
-                      <a:r>
-                        <a:rPr sz="900" spc="0" dirty="0">
-                          <a:solidFill>
-                            <a:srgbClr val="020302"/>
-                          </a:solidFill>
-                          <a:latin typeface="AdobeClean-Light"/>
-                          <a:cs typeface="AdobeClean-Light"/>
-                        </a:rPr>
-                        <a:t>/  </a:t>
-                      </a:r>
-                      <a:r>
-                        <a:rPr lang="en-US" sz="900" spc="0" dirty="0">
-                          <a:solidFill>
-                            <a:srgbClr val="020302"/>
-                          </a:solidFill>
-                          <a:latin typeface="AdobeClean-Light"/>
-                          <a:cs typeface="AdobeClean-Light"/>
-                        </a:rPr>
-                        <a:t>          </a:t>
-                      </a:r>
-                      <a:r>
-                        <a:rPr sz="900" spc="0" dirty="0">
-                          <a:solidFill>
-                            <a:srgbClr val="020302"/>
-                          </a:solidFill>
-                          <a:latin typeface="AdobeClean-Light"/>
-                          <a:cs typeface="AdobeClean-Light"/>
-                        </a:rPr>
-                        <a:t>6 hours</a:t>
-                      </a:r>
-                      <a:endParaRPr sz="900" spc="0" dirty="0">
-                        <a:latin typeface="AdobeClean-Light"/>
-                        <a:cs typeface="AdobeClean-Light"/>
-                      </a:endParaRPr>
                     </a:p>
                   </a:txBody>
                   <a:tcPr marL="0" marR="0" marT="0" marB="0" anchor="ctr">
@@ -8513,59 +7508,15 @@
                         </a:spcBef>
                       </a:pPr>
                       <a:r>
-                        <a:rPr sz="900" spc="0" dirty="0">
+                        <a:rPr lang="es-ES" sz="900">
                           <a:solidFill>
                             <a:srgbClr val="020302"/>
                           </a:solidFill>
                           <a:latin typeface="AdobeClean-Light"/>
                           <a:cs typeface="AdobeClean-Light"/>
                         </a:rPr>
-                        <a:t>Business</a:t>
+                        <a:t>Horario de trabajo /  4 horas</a:t>
                       </a:r>
-                      <a:r>
-                        <a:rPr lang="en-US" sz="900" spc="0" dirty="0">
-                          <a:solidFill>
-                            <a:srgbClr val="020302"/>
-                          </a:solidFill>
-                          <a:latin typeface="AdobeClean-Light"/>
-                          <a:cs typeface="AdobeClean-Light"/>
-                        </a:rPr>
-                        <a:t> </a:t>
-                      </a:r>
-                      <a:r>
-                        <a:rPr sz="900" spc="0" dirty="0">
-                          <a:solidFill>
-                            <a:srgbClr val="020302"/>
-                          </a:solidFill>
-                          <a:latin typeface="AdobeClean-Light"/>
-                          <a:cs typeface="AdobeClean-Light"/>
-                        </a:rPr>
-                        <a:t>hours</a:t>
-                      </a:r>
-                      <a:r>
-                        <a:rPr lang="en-US" sz="900" spc="0" dirty="0">
-                          <a:solidFill>
-                            <a:srgbClr val="020302"/>
-                          </a:solidFill>
-                          <a:latin typeface="AdobeClean-Light"/>
-                          <a:cs typeface="AdobeClean-Light"/>
-                        </a:rPr>
-                        <a:t> </a:t>
-                      </a:r>
-                      <a:r>
-                        <a:rPr sz="900" spc="0" dirty="0">
-                          <a:solidFill>
-                            <a:srgbClr val="020302"/>
-                          </a:solidFill>
-                          <a:latin typeface="AdobeClean-Light"/>
-                          <a:cs typeface="AdobeClean-Light"/>
-                        </a:rPr>
-                        <a:t>/  4 hours</a:t>
-                      </a:r>
-                      <a:endParaRPr sz="900" spc="0" dirty="0">
-                        <a:latin typeface="AdobeClean-Light"/>
-                        <a:cs typeface="AdobeClean-Light"/>
-                      </a:endParaRPr>
                     </a:p>
                   </a:txBody>
                   <a:tcPr marL="0" marR="0" marT="0" marB="0" anchor="ctr">
@@ -8609,79 +7560,34 @@
                         </a:spcBef>
                       </a:pPr>
                       <a:r>
-                        <a:rPr sz="900" spc="0" dirty="0">
+                        <a:rPr lang="es-ES" sz="900" dirty="0">
                           <a:solidFill>
                             <a:srgbClr val="020302"/>
                           </a:solidFill>
                           <a:latin typeface="AdobeClean-Light"/>
                           <a:cs typeface="AdobeClean-Light"/>
                         </a:rPr>
-                        <a:t>Business</a:t>
+                        <a:t>Horario de trabajo /     </a:t>
                       </a:r>
-                      <a:r>
-                        <a:rPr lang="en-US" sz="900" spc="0" dirty="0">
+                      <a:br>
+                        <a:rPr lang="sk-SK" sz="900" dirty="0">
                           <a:solidFill>
                             <a:srgbClr val="020302"/>
                           </a:solidFill>
                           <a:latin typeface="AdobeClean-Light"/>
                           <a:cs typeface="AdobeClean-Light"/>
                         </a:rPr>
-                        <a:t> </a:t>
-                      </a:r>
+                      </a:br>
                       <a:r>
-                        <a:rPr sz="900" spc="0" dirty="0">
+                        <a:rPr lang="es-ES" sz="900" dirty="0">
                           <a:solidFill>
                             <a:srgbClr val="020302"/>
                           </a:solidFill>
                           <a:latin typeface="AdobeClean-Light"/>
                           <a:cs typeface="AdobeClean-Light"/>
                         </a:rPr>
-                        <a:t>hours</a:t>
+                        <a:t>2 horas</a:t>
                       </a:r>
-                      <a:r>
-                        <a:rPr lang="en-US" sz="900" spc="0" dirty="0">
-                          <a:solidFill>
-                            <a:srgbClr val="020302"/>
-                          </a:solidFill>
-                          <a:latin typeface="AdobeClean-Light"/>
-                          <a:cs typeface="AdobeClean-Light"/>
-                        </a:rPr>
-                        <a:t> </a:t>
-                      </a:r>
-                      <a:r>
-                        <a:rPr sz="900" spc="0" dirty="0">
-                          <a:solidFill>
-                            <a:srgbClr val="020302"/>
-                          </a:solidFill>
-                          <a:latin typeface="AdobeClean-Light"/>
-                          <a:cs typeface="AdobeClean-Light"/>
-                        </a:rPr>
-                        <a:t>/  </a:t>
-                      </a:r>
-                      <a:r>
-                        <a:rPr lang="en-US" sz="900" spc="0" dirty="0">
-                          <a:solidFill>
-                            <a:srgbClr val="020302"/>
-                          </a:solidFill>
-                          <a:latin typeface="AdobeClean-Light"/>
-                          <a:cs typeface="AdobeClean-Light"/>
-                        </a:rPr>
-                        <a:t>   </a:t>
-                      </a:r>
-                      <a:r>
-                        <a:rPr sz="900" spc="0" dirty="0">
-                          <a:solidFill>
-                            <a:srgbClr val="020302"/>
-                          </a:solidFill>
-                          <a:latin typeface="AdobeClean-Light"/>
-                          <a:cs typeface="AdobeClean-Light"/>
-                        </a:rPr>
-                        <a:t>2 hours</a:t>
-                      </a:r>
-                      <a:endParaRPr sz="900" spc="0" dirty="0">
-                        <a:latin typeface="AdobeClean-Light"/>
-                        <a:cs typeface="AdobeClean-Light"/>
-                      </a:endParaRPr>
                     </a:p>
                   </a:txBody>
                   <a:tcPr marL="0" marR="0" marT="0" marB="0" anchor="ctr">
@@ -8725,59 +7631,15 @@
                         </a:spcBef>
                       </a:pPr>
                       <a:r>
-                        <a:rPr sz="900" spc="0" dirty="0">
+                        <a:rPr lang="es-ES" sz="900" dirty="0">
                           <a:solidFill>
                             <a:srgbClr val="020302"/>
                           </a:solidFill>
                           <a:latin typeface="AdobeClean-Light"/>
                           <a:cs typeface="AdobeClean-Light"/>
                         </a:rPr>
-                        <a:t>24x5</a:t>
+                        <a:t>24x5 /              1 hora</a:t>
                       </a:r>
-                      <a:r>
-                        <a:rPr lang="en-US" sz="900" spc="0" dirty="0">
-                          <a:solidFill>
-                            <a:srgbClr val="020302"/>
-                          </a:solidFill>
-                          <a:latin typeface="AdobeClean-Light"/>
-                          <a:cs typeface="AdobeClean-Light"/>
-                        </a:rPr>
-                        <a:t> </a:t>
-                      </a:r>
-                      <a:r>
-                        <a:rPr sz="900" spc="0" dirty="0">
-                          <a:solidFill>
-                            <a:srgbClr val="020302"/>
-                          </a:solidFill>
-                          <a:latin typeface="AdobeClean-Light"/>
-                          <a:cs typeface="AdobeClean-Light"/>
-                        </a:rPr>
-                        <a:t>/  </a:t>
-                      </a:r>
-                      <a:r>
-                        <a:rPr lang="en-US" sz="900" spc="0" dirty="0">
-                          <a:solidFill>
-                            <a:srgbClr val="020302"/>
-                          </a:solidFill>
-                          <a:latin typeface="AdobeClean-Light"/>
-                          <a:cs typeface="AdobeClean-Light"/>
-                        </a:rPr>
-                        <a:t>           </a:t>
-                      </a:r>
-                      <a:r>
-                        <a:rPr sz="900" spc="0" dirty="0">
-                          <a:solidFill>
-                            <a:srgbClr val="020302"/>
-                          </a:solidFill>
-                          <a:latin typeface="AdobeClean-Light"/>
-                          <a:cs typeface="AdobeClean-Light"/>
-                        </a:rPr>
-                        <a:t>1 hour</a:t>
-                      </a:r>
-                      <a:endParaRPr sz="900" spc="0" dirty="0">
-                        <a:latin typeface="AdobeClean-Light"/>
-                        <a:cs typeface="AdobeClean-Light"/>
-                      </a:endParaRPr>
                     </a:p>
                   </a:txBody>
                   <a:tcPr marL="0" marR="0" marT="0" marB="0" anchor="ctr">
@@ -8828,19 +7690,15 @@
                         </a:spcBef>
                       </a:pPr>
                       <a:r>
-                        <a:rPr sz="900" b="1" spc="0" dirty="0">
+                        <a:rPr lang="es-ES" sz="900" b="1" dirty="0">
                           <a:solidFill>
                             <a:srgbClr val="020302"/>
                           </a:solidFill>
                           <a:latin typeface="Adobe Clean"/>
                           <a:cs typeface="Adobe Clean"/>
                         </a:rPr>
-                        <a:t>PRIORITY 4</a:t>
+                        <a:t>PRIORIDAD 4</a:t>
                       </a:r>
-                      <a:endParaRPr sz="900" spc="0" dirty="0">
-                        <a:latin typeface="Adobe Clean"/>
-                        <a:cs typeface="Adobe Clean"/>
-                      </a:endParaRPr>
                     </a:p>
                     <a:p>
                       <a:pPr marL="48895" marR="0" indent="0" defTabSz="914400" eaLnBrk="1" fontAlgn="auto" latinLnBrk="0" hangingPunct="1">
@@ -8861,19 +7719,14 @@
                         <a:defRPr/>
                       </a:pPr>
                       <a:r>
-                        <a:rPr lang="en-US" sz="900" b="0" i="0" spc="0" dirty="0">
+                        <a:rPr lang="es-ES" sz="800" b="0" i="0" dirty="0">
                           <a:solidFill>
                             <a:srgbClr val="000000"/>
                           </a:solidFill>
-                          <a:effectLst/>
                           <a:latin typeface="Adobe Clean Light" panose="020B0303020404020204" pitchFamily="34" charset="0"/>
                         </a:rPr>
-                        <a:t>General question regarding current product functionality or an enhancement request </a:t>
+                        <a:t>Pregunta general sobre la funcionalidad actual del producto o una solicitud de mejora. </a:t>
                       </a:r>
-                      <a:endParaRPr sz="900" b="0" i="0" spc="0" dirty="0">
-                        <a:latin typeface="Adobe Clean Light" panose="020B0303020404020204" pitchFamily="34" charset="0"/>
-                        <a:cs typeface="AdobeClean-Light"/>
-                      </a:endParaRPr>
                     </a:p>
                   </a:txBody>
                   <a:tcPr marL="0" marR="0" marT="0" marB="0" anchor="ctr">
@@ -8917,79 +7770,15 @@
                         </a:spcBef>
                       </a:pPr>
                       <a:r>
-                        <a:rPr sz="900" spc="0" dirty="0">
+                        <a:rPr lang="es-ES" sz="900" dirty="0">
                           <a:solidFill>
                             <a:srgbClr val="020302"/>
                           </a:solidFill>
                           <a:latin typeface="AdobeClean-Light"/>
                           <a:cs typeface="AdobeClean-Light"/>
                         </a:rPr>
-                        <a:t>Business</a:t>
+                        <a:t>Días laborables / 3 días</a:t>
                       </a:r>
-                      <a:r>
-                        <a:rPr lang="en-US" sz="900" spc="0" dirty="0">
-                          <a:solidFill>
-                            <a:srgbClr val="020302"/>
-                          </a:solidFill>
-                          <a:latin typeface="AdobeClean-Light"/>
-                          <a:cs typeface="AdobeClean-Light"/>
-                        </a:rPr>
-                        <a:t> </a:t>
-                      </a:r>
-                      <a:r>
-                        <a:rPr sz="900" spc="0" dirty="0">
-                          <a:solidFill>
-                            <a:srgbClr val="020302"/>
-                          </a:solidFill>
-                          <a:latin typeface="AdobeClean-Light"/>
-                          <a:cs typeface="AdobeClean-Light"/>
-                        </a:rPr>
-                        <a:t>days</a:t>
-                      </a:r>
-                      <a:r>
-                        <a:rPr lang="en-US" sz="900" spc="0" dirty="0">
-                          <a:solidFill>
-                            <a:srgbClr val="020302"/>
-                          </a:solidFill>
-                          <a:latin typeface="AdobeClean-Light"/>
-                          <a:cs typeface="AdobeClean-Light"/>
-                        </a:rPr>
-                        <a:t> </a:t>
-                      </a:r>
-                      <a:r>
-                        <a:rPr sz="900" spc="0" dirty="0">
-                          <a:solidFill>
-                            <a:srgbClr val="020302"/>
-                          </a:solidFill>
-                          <a:latin typeface="AdobeClean-Light"/>
-                          <a:cs typeface="AdobeClean-Light"/>
-                        </a:rPr>
-                        <a:t>/  </a:t>
-                      </a:r>
-                      <a:r>
-                        <a:rPr lang="en-US" sz="900" spc="0" dirty="0">
-                          <a:solidFill>
-                            <a:srgbClr val="020302"/>
-                          </a:solidFill>
-                          <a:latin typeface="AdobeClean-Light"/>
-                          <a:cs typeface="AdobeClean-Light"/>
-                        </a:rPr>
-                        <a:t> </a:t>
-                      </a:r>
-                      <a:r>
-                        <a:rPr sz="900" spc="0" dirty="0">
-                          <a:solidFill>
-                            <a:srgbClr val="020302"/>
-                          </a:solidFill>
-                          <a:latin typeface="AdobeClean-Light"/>
-                          <a:cs typeface="AdobeClean-Light"/>
-                        </a:rPr>
-                        <a:t>3 days</a:t>
-                      </a:r>
-                      <a:endParaRPr sz="900" spc="0" dirty="0">
-                        <a:latin typeface="AdobeClean-Light"/>
-                        <a:cs typeface="AdobeClean-Light"/>
-                      </a:endParaRPr>
                     </a:p>
                   </a:txBody>
                   <a:tcPr marL="0" marR="0" marT="0" marB="0" anchor="ctr">
@@ -9033,79 +7822,15 @@
                         </a:spcBef>
                       </a:pPr>
                       <a:r>
-                        <a:rPr sz="900" spc="0" dirty="0">
+                        <a:rPr lang="es-ES" sz="900">
                           <a:solidFill>
                             <a:srgbClr val="020302"/>
                           </a:solidFill>
                           <a:latin typeface="AdobeClean-Light"/>
                           <a:cs typeface="AdobeClean-Light"/>
                         </a:rPr>
-                        <a:t>Business</a:t>
+                        <a:t>Días laborables /     1 día</a:t>
                       </a:r>
-                      <a:r>
-                        <a:rPr lang="en-US" sz="900" spc="0" dirty="0">
-                          <a:solidFill>
-                            <a:srgbClr val="020302"/>
-                          </a:solidFill>
-                          <a:latin typeface="AdobeClean-Light"/>
-                          <a:cs typeface="AdobeClean-Light"/>
-                        </a:rPr>
-                        <a:t> </a:t>
-                      </a:r>
-                      <a:r>
-                        <a:rPr sz="900" spc="0" dirty="0">
-                          <a:solidFill>
-                            <a:srgbClr val="020302"/>
-                          </a:solidFill>
-                          <a:latin typeface="AdobeClean-Light"/>
-                          <a:cs typeface="AdobeClean-Light"/>
-                        </a:rPr>
-                        <a:t>day</a:t>
-                      </a:r>
-                      <a:r>
-                        <a:rPr lang="en-US" sz="900" spc="0" dirty="0">
-                          <a:solidFill>
-                            <a:srgbClr val="020302"/>
-                          </a:solidFill>
-                          <a:latin typeface="AdobeClean-Light"/>
-                          <a:cs typeface="AdobeClean-Light"/>
-                        </a:rPr>
-                        <a:t> </a:t>
-                      </a:r>
-                      <a:r>
-                        <a:rPr sz="900" spc="0" dirty="0">
-                          <a:solidFill>
-                            <a:srgbClr val="020302"/>
-                          </a:solidFill>
-                          <a:latin typeface="AdobeClean-Light"/>
-                          <a:cs typeface="AdobeClean-Light"/>
-                        </a:rPr>
-                        <a:t>/  </a:t>
-                      </a:r>
-                      <a:r>
-                        <a:rPr lang="en-US" sz="900" spc="0" dirty="0">
-                          <a:solidFill>
-                            <a:srgbClr val="020302"/>
-                          </a:solidFill>
-                          <a:latin typeface="AdobeClean-Light"/>
-                          <a:cs typeface="AdobeClean-Light"/>
-                        </a:rPr>
-                        <a:t>   </a:t>
-                      </a:r>
-                      <a:r>
-                        <a:rPr sz="900" spc="0" dirty="0">
-                          <a:solidFill>
-                            <a:srgbClr val="020302"/>
-                          </a:solidFill>
-                          <a:latin typeface="AdobeClean-Light"/>
-                          <a:cs typeface="AdobeClean-Light"/>
-                        </a:rPr>
-                        <a:t>1 day</a:t>
-                      </a:r>
-                      <a:endParaRPr sz="900" spc="0" dirty="0">
-                        <a:latin typeface="AdobeClean-Light"/>
-                        <a:cs typeface="AdobeClean-Light"/>
-                      </a:endParaRPr>
                     </a:p>
                   </a:txBody>
                   <a:tcPr marL="0" marR="0" marT="0" marB="0" anchor="ctr">
@@ -9149,79 +7874,15 @@
                         </a:spcBef>
                       </a:pPr>
                       <a:r>
-                        <a:rPr sz="900" spc="0" dirty="0">
+                        <a:rPr lang="es-ES" sz="900">
                           <a:solidFill>
                             <a:srgbClr val="020302"/>
                           </a:solidFill>
                           <a:latin typeface="AdobeClean-Light"/>
                           <a:cs typeface="AdobeClean-Light"/>
                         </a:rPr>
-                        <a:t>Business</a:t>
+                        <a:t>Días laborables /      1 día</a:t>
                       </a:r>
-                      <a:r>
-                        <a:rPr lang="en-US" sz="900" spc="0" dirty="0">
-                          <a:solidFill>
-                            <a:srgbClr val="020302"/>
-                          </a:solidFill>
-                          <a:latin typeface="AdobeClean-Light"/>
-                          <a:cs typeface="AdobeClean-Light"/>
-                        </a:rPr>
-                        <a:t> </a:t>
-                      </a:r>
-                      <a:r>
-                        <a:rPr sz="900" spc="0" dirty="0">
-                          <a:solidFill>
-                            <a:srgbClr val="020302"/>
-                          </a:solidFill>
-                          <a:latin typeface="AdobeClean-Light"/>
-                          <a:cs typeface="AdobeClean-Light"/>
-                        </a:rPr>
-                        <a:t>day</a:t>
-                      </a:r>
-                      <a:r>
-                        <a:rPr lang="en-US" sz="900" spc="0" dirty="0">
-                          <a:solidFill>
-                            <a:srgbClr val="020302"/>
-                          </a:solidFill>
-                          <a:latin typeface="AdobeClean-Light"/>
-                          <a:cs typeface="AdobeClean-Light"/>
-                        </a:rPr>
-                        <a:t> </a:t>
-                      </a:r>
-                      <a:r>
-                        <a:rPr sz="900" spc="0" dirty="0">
-                          <a:solidFill>
-                            <a:srgbClr val="020302"/>
-                          </a:solidFill>
-                          <a:latin typeface="AdobeClean-Light"/>
-                          <a:cs typeface="AdobeClean-Light"/>
-                        </a:rPr>
-                        <a:t>/  </a:t>
-                      </a:r>
-                      <a:r>
-                        <a:rPr lang="en-US" sz="900" spc="0" dirty="0">
-                          <a:solidFill>
-                            <a:srgbClr val="020302"/>
-                          </a:solidFill>
-                          <a:latin typeface="AdobeClean-Light"/>
-                          <a:cs typeface="AdobeClean-Light"/>
-                        </a:rPr>
-                        <a:t>    </a:t>
-                      </a:r>
-                      <a:r>
-                        <a:rPr sz="900" spc="0" dirty="0">
-                          <a:solidFill>
-                            <a:srgbClr val="020302"/>
-                          </a:solidFill>
-                          <a:latin typeface="AdobeClean-Light"/>
-                          <a:cs typeface="AdobeClean-Light"/>
-                        </a:rPr>
-                        <a:t>1 day</a:t>
-                      </a:r>
-                      <a:endParaRPr sz="900" spc="0" dirty="0">
-                        <a:latin typeface="AdobeClean-Light"/>
-                        <a:cs typeface="AdobeClean-Light"/>
-                      </a:endParaRPr>
                     </a:p>
                   </a:txBody>
                   <a:tcPr marL="0" marR="0" marT="0" marB="0" anchor="ctr">
@@ -9265,79 +7926,25 @@
                         </a:spcBef>
                       </a:pPr>
                       <a:r>
-                        <a:rPr sz="900" spc="0" dirty="0">
+                        <a:rPr lang="sk-SK" sz="900" dirty="0">
                           <a:solidFill>
                             <a:srgbClr val="020302"/>
                           </a:solidFill>
                           <a:latin typeface="AdobeClean-Light"/>
                           <a:cs typeface="AdobeClean-Light"/>
                         </a:rPr>
-                        <a:t>Business</a:t>
+                        <a:t>  </a:t>
                       </a:r>
                       <a:r>
-                        <a:rPr lang="en-US" sz="900" spc="0" dirty="0">
+                        <a:rPr lang="es-ES" sz="900" dirty="0">
                           <a:solidFill>
                             <a:srgbClr val="020302"/>
                           </a:solidFill>
                           <a:latin typeface="AdobeClean-Light"/>
                           <a:cs typeface="AdobeClean-Light"/>
                         </a:rPr>
-                        <a:t> </a:t>
+                        <a:t>Días laborables /  1 día</a:t>
                       </a:r>
-                      <a:r>
-                        <a:rPr sz="900" spc="0" dirty="0">
-                          <a:solidFill>
-                            <a:srgbClr val="020302"/>
-                          </a:solidFill>
-                          <a:latin typeface="AdobeClean-Light"/>
-                          <a:cs typeface="AdobeClean-Light"/>
-                        </a:rPr>
-                        <a:t>day</a:t>
-                      </a:r>
-                      <a:r>
-                        <a:rPr lang="en-US" sz="900" spc="0" dirty="0">
-                          <a:solidFill>
-                            <a:srgbClr val="020302"/>
-                          </a:solidFill>
-                          <a:latin typeface="AdobeClean-Light"/>
-                          <a:cs typeface="AdobeClean-Light"/>
-                        </a:rPr>
-                        <a:t> </a:t>
-                      </a:r>
-                      <a:r>
-                        <a:rPr sz="900" spc="0" dirty="0">
-                          <a:solidFill>
-                            <a:srgbClr val="020302"/>
-                          </a:solidFill>
-                          <a:latin typeface="AdobeClean-Light"/>
-                          <a:cs typeface="AdobeClean-Light"/>
-                        </a:rPr>
-                        <a:t>/  </a:t>
-                      </a:r>
-                      <a:r>
-                        <a:rPr lang="en-US" sz="900" spc="0" dirty="0">
-                          <a:solidFill>
-                            <a:srgbClr val="020302"/>
-                          </a:solidFill>
-                          <a:latin typeface="AdobeClean-Light"/>
-                          <a:cs typeface="AdobeClean-Light"/>
-                        </a:rPr>
-                        <a:t>   </a:t>
-                      </a:r>
-                      <a:r>
-                        <a:rPr sz="900" spc="0" dirty="0">
-                          <a:solidFill>
-                            <a:srgbClr val="020302"/>
-                          </a:solidFill>
-                          <a:latin typeface="AdobeClean-Light"/>
-                          <a:cs typeface="AdobeClean-Light"/>
-                        </a:rPr>
-                        <a:t>1 day</a:t>
-                      </a:r>
-                      <a:endParaRPr sz="900" spc="0" dirty="0">
-                        <a:latin typeface="AdobeClean-Light"/>
-                        <a:cs typeface="AdobeClean-Light"/>
-                      </a:endParaRPr>
                     </a:p>
                   </a:txBody>
                   <a:tcPr marL="0" marR="0" marT="0" marB="0" anchor="ctr">
@@ -9417,20 +8024,11 @@
               </a:spcBef>
             </a:pPr>
             <a:r>
-              <a:rPr sz="2300" dirty="0">
+              <a:rPr lang="es-ES" sz="2300">
                 <a:latin typeface="Adobe Clean" panose="020B0503020404020204" pitchFamily="34" charset="0"/>
               </a:rPr>
-              <a:t>ADOBE </a:t>
+              <a:t>OFERTA DE ASISTENCIA DE ADOBE</a:t>
             </a:r>
-            <a:r>
-              <a:rPr lang="en-US" sz="2300" dirty="0">
-                <a:latin typeface="Adobe Clean" panose="020B0503020404020204" pitchFamily="34" charset="0"/>
-              </a:rPr>
-              <a:t>SUPPORT OFFERINGS</a:t>
-            </a:r>
-            <a:endParaRPr sz="2300" dirty="0">
-              <a:latin typeface="Adobe Clean" panose="020B0503020404020204" pitchFamily="34" charset="0"/>
-            </a:endParaRPr>
           </a:p>
         </p:txBody>
       </p:sp>
@@ -9463,7 +8061,7 @@
           <a:lstStyle/>
           <a:p>
             <a:r>
-              <a:rPr lang="en-US" sz="700" i="1" dirty="0">
+              <a:rPr lang="es-ES" sz="700" i="1">
                 <a:solidFill>
                   <a:schemeClr val="bg1"/>
                 </a:solidFill>
@@ -9721,436 +8319,32 @@
               </a:spcBef>
             </a:pPr>
             <a:r>
-              <a:rPr lang="en-US" sz="1000" spc="-20" dirty="0">
+              <a:rPr lang="es-ES" sz="1000">
                 <a:solidFill>
                   <a:srgbClr val="020302"/>
                 </a:solidFill>
                 <a:latin typeface="AdobeClean-Light"/>
                 <a:cs typeface="AdobeClean-Light"/>
               </a:rPr>
-              <a:t>Adobe Customer Support offers a</a:t>
+              <a:t>El servicio de asistencia al cliente de Adobe ofrece acceso a recursos en línea para documentación, participación con otros expertos y clientes en prácticas recomendadas y series de seminarios web (horario de oficina) para obtener sugerencias y ver trucos para solucionar problemas. También hay varios canales disponibles</a:t>
             </a:r>
             <a:r>
-              <a:rPr sz="1000" spc="-20" dirty="0">
+              <a:rPr lang="es-ES" sz="1000">
+                <a:latin typeface="AdobeClean-Light"/>
+                <a:cs typeface="AdobeClean-Light"/>
+              </a:rPr>
+              <a:t> </a:t>
+            </a:r>
+            <a:r>
+              <a:rPr lang="es-ES" sz="1000">
                 <a:solidFill>
                   <a:srgbClr val="020302"/>
                 </a:solidFill>
                 <a:latin typeface="AdobeClean-Light"/>
                 <a:cs typeface="AdobeClean-Light"/>
               </a:rPr>
-              <a:t>ccess</a:t>
+              <a:t>para formular preguntas y enviar casos.</a:t>
             </a:r>
-            <a:r>
-              <a:rPr sz="1000" spc="-90" dirty="0">
-                <a:solidFill>
-                  <a:srgbClr val="020302"/>
-                </a:solidFill>
-                <a:latin typeface="AdobeClean-Light"/>
-                <a:cs typeface="AdobeClean-Light"/>
-              </a:rPr>
-              <a:t> </a:t>
-            </a:r>
-            <a:r>
-              <a:rPr sz="1000" spc="-10" dirty="0">
-                <a:solidFill>
-                  <a:srgbClr val="020302"/>
-                </a:solidFill>
-                <a:latin typeface="AdobeClean-Light"/>
-                <a:cs typeface="AdobeClean-Light"/>
-              </a:rPr>
-              <a:t>to</a:t>
-            </a:r>
-            <a:r>
-              <a:rPr sz="1000" spc="10" dirty="0">
-                <a:solidFill>
-                  <a:srgbClr val="020302"/>
-                </a:solidFill>
-                <a:latin typeface="AdobeClean-Light"/>
-                <a:cs typeface="AdobeClean-Light"/>
-              </a:rPr>
-              <a:t> </a:t>
-            </a:r>
-            <a:r>
-              <a:rPr sz="1000" spc="-20" dirty="0">
-                <a:solidFill>
-                  <a:srgbClr val="020302"/>
-                </a:solidFill>
-                <a:latin typeface="AdobeClean-Light"/>
-                <a:cs typeface="AdobeClean-Light"/>
-              </a:rPr>
-              <a:t>online</a:t>
-            </a:r>
-            <a:r>
-              <a:rPr sz="1000" spc="-125" dirty="0">
-                <a:solidFill>
-                  <a:srgbClr val="020302"/>
-                </a:solidFill>
-                <a:latin typeface="AdobeClean-Light"/>
-                <a:cs typeface="AdobeClean-Light"/>
-              </a:rPr>
-              <a:t> </a:t>
-            </a:r>
-            <a:r>
-              <a:rPr sz="1000" spc="-20" dirty="0">
-                <a:solidFill>
-                  <a:srgbClr val="020302"/>
-                </a:solidFill>
-                <a:latin typeface="AdobeClean-Light"/>
-                <a:cs typeface="AdobeClean-Light"/>
-              </a:rPr>
-              <a:t>resources</a:t>
-            </a:r>
-            <a:r>
-              <a:rPr sz="1000" spc="-120" dirty="0">
-                <a:solidFill>
-                  <a:srgbClr val="020302"/>
-                </a:solidFill>
-                <a:latin typeface="AdobeClean-Light"/>
-                <a:cs typeface="AdobeClean-Light"/>
-              </a:rPr>
-              <a:t> </a:t>
-            </a:r>
-            <a:r>
-              <a:rPr sz="1000" spc="-15" dirty="0">
-                <a:solidFill>
-                  <a:srgbClr val="020302"/>
-                </a:solidFill>
-                <a:latin typeface="AdobeClean-Light"/>
-                <a:cs typeface="AdobeClean-Light"/>
-              </a:rPr>
-              <a:t>for</a:t>
-            </a:r>
-            <a:r>
-              <a:rPr sz="1000" spc="-30" dirty="0">
-                <a:solidFill>
-                  <a:srgbClr val="020302"/>
-                </a:solidFill>
-                <a:latin typeface="AdobeClean-Light"/>
-                <a:cs typeface="AdobeClean-Light"/>
-              </a:rPr>
-              <a:t> </a:t>
-            </a:r>
-            <a:r>
-              <a:rPr sz="1000" spc="-15" dirty="0">
-                <a:solidFill>
-                  <a:srgbClr val="020302"/>
-                </a:solidFill>
-                <a:latin typeface="AdobeClean-Light"/>
-                <a:cs typeface="AdobeClean-Light"/>
-              </a:rPr>
-              <a:t>documentation,</a:t>
-            </a:r>
-            <a:r>
-              <a:rPr lang="en-US" sz="1000" spc="-15" dirty="0">
-                <a:solidFill>
-                  <a:srgbClr val="020302"/>
-                </a:solidFill>
-                <a:latin typeface="AdobeClean-Light"/>
-                <a:cs typeface="AdobeClean-Light"/>
-              </a:rPr>
-              <a:t> </a:t>
-            </a:r>
-            <a:r>
-              <a:rPr sz="1000" spc="-15" dirty="0">
-                <a:solidFill>
-                  <a:srgbClr val="020302"/>
-                </a:solidFill>
-                <a:latin typeface="AdobeClean-Light"/>
-                <a:cs typeface="AdobeClean-Light"/>
-              </a:rPr>
-              <a:t>engagement</a:t>
-            </a:r>
-            <a:r>
-              <a:rPr lang="en-US" sz="1000" spc="-15" dirty="0">
-                <a:solidFill>
-                  <a:srgbClr val="020302"/>
-                </a:solidFill>
-                <a:latin typeface="AdobeClean-Light"/>
-                <a:cs typeface="AdobeClean-Light"/>
-              </a:rPr>
-              <a:t> </a:t>
-            </a:r>
-            <a:r>
-              <a:rPr sz="1000" spc="-15" dirty="0">
-                <a:solidFill>
-                  <a:srgbClr val="020302"/>
-                </a:solidFill>
-                <a:latin typeface="AdobeClean-Light"/>
-                <a:cs typeface="AdobeClean-Light"/>
-              </a:rPr>
-              <a:t>with</a:t>
-            </a:r>
-            <a:r>
-              <a:rPr sz="1000" spc="-35" dirty="0">
-                <a:solidFill>
-                  <a:srgbClr val="020302"/>
-                </a:solidFill>
-                <a:latin typeface="AdobeClean-Light"/>
-                <a:cs typeface="AdobeClean-Light"/>
-              </a:rPr>
-              <a:t> </a:t>
-            </a:r>
-            <a:r>
-              <a:rPr sz="1000" spc="-20" dirty="0">
-                <a:solidFill>
-                  <a:srgbClr val="020302"/>
-                </a:solidFill>
-                <a:latin typeface="AdobeClean-Light"/>
-                <a:cs typeface="AdobeClean-Light"/>
-              </a:rPr>
-              <a:t>other experts </a:t>
-            </a:r>
-            <a:r>
-              <a:rPr sz="1000" spc="-15" dirty="0">
-                <a:solidFill>
-                  <a:srgbClr val="020302"/>
-                </a:solidFill>
-                <a:latin typeface="AdobeClean-Light"/>
-                <a:cs typeface="AdobeClean-Light"/>
-              </a:rPr>
-              <a:t>and </a:t>
-            </a:r>
-            <a:r>
-              <a:rPr sz="1000" spc="-20" dirty="0">
-                <a:solidFill>
-                  <a:srgbClr val="020302"/>
-                </a:solidFill>
-                <a:latin typeface="AdobeClean-Light"/>
-                <a:cs typeface="AdobeClean-Light"/>
-              </a:rPr>
-              <a:t>customers </a:t>
-            </a:r>
-            <a:r>
-              <a:rPr sz="1000" spc="-15" dirty="0">
-                <a:solidFill>
-                  <a:srgbClr val="020302"/>
-                </a:solidFill>
-                <a:latin typeface="AdobeClean-Light"/>
-                <a:cs typeface="AdobeClean-Light"/>
-              </a:rPr>
-              <a:t>for best </a:t>
-            </a:r>
-            <a:r>
-              <a:rPr sz="1000" spc="-20" dirty="0">
-                <a:solidFill>
-                  <a:srgbClr val="020302"/>
-                </a:solidFill>
-                <a:latin typeface="AdobeClean-Light"/>
-                <a:cs typeface="AdobeClean-Light"/>
-              </a:rPr>
-              <a:t>practices, </a:t>
-            </a:r>
-            <a:r>
-              <a:rPr sz="1000" spc="-15" dirty="0">
-                <a:solidFill>
-                  <a:srgbClr val="020302"/>
-                </a:solidFill>
-                <a:latin typeface="AdobeClean-Light"/>
-                <a:cs typeface="AdobeClean-Light"/>
-              </a:rPr>
-              <a:t>and </a:t>
-            </a:r>
-            <a:r>
-              <a:rPr sz="1000" spc="-20" dirty="0">
-                <a:solidFill>
-                  <a:srgbClr val="020302"/>
-                </a:solidFill>
-                <a:latin typeface="AdobeClean-Light"/>
-                <a:cs typeface="AdobeClean-Light"/>
-              </a:rPr>
-              <a:t>webinar series (Office  </a:t>
-            </a:r>
-            <a:r>
-              <a:rPr sz="1000" spc="-15" dirty="0">
-                <a:solidFill>
-                  <a:srgbClr val="020302"/>
-                </a:solidFill>
-                <a:latin typeface="AdobeClean-Light"/>
-                <a:cs typeface="AdobeClean-Light"/>
-              </a:rPr>
-              <a:t>Hours) for </a:t>
-            </a:r>
-            <a:r>
-              <a:rPr sz="1000" spc="-20" dirty="0">
-                <a:solidFill>
-                  <a:srgbClr val="020302"/>
-                </a:solidFill>
-                <a:latin typeface="AdobeClean-Light"/>
-                <a:cs typeface="AdobeClean-Light"/>
-              </a:rPr>
-              <a:t>troubleshooting </a:t>
-            </a:r>
-            <a:r>
-              <a:rPr sz="1000" spc="-15" dirty="0">
-                <a:solidFill>
-                  <a:srgbClr val="020302"/>
-                </a:solidFill>
-                <a:latin typeface="AdobeClean-Light"/>
-                <a:cs typeface="AdobeClean-Light"/>
-              </a:rPr>
-              <a:t>tips and </a:t>
-            </a:r>
-            <a:r>
-              <a:rPr sz="1000" spc="-20" dirty="0">
-                <a:solidFill>
-                  <a:srgbClr val="020302"/>
-                </a:solidFill>
-                <a:latin typeface="AdobeClean-Light"/>
-                <a:cs typeface="AdobeClean-Light"/>
-              </a:rPr>
-              <a:t>tricks. Several channels </a:t>
-            </a:r>
-            <a:r>
-              <a:rPr sz="1000" spc="-15" dirty="0">
-                <a:solidFill>
-                  <a:srgbClr val="020302"/>
-                </a:solidFill>
-                <a:latin typeface="AdobeClean-Light"/>
-                <a:cs typeface="AdobeClean-Light"/>
-              </a:rPr>
-              <a:t>are</a:t>
-            </a:r>
-            <a:r>
-              <a:rPr sz="1000" spc="-140" dirty="0">
-                <a:solidFill>
-                  <a:srgbClr val="020302"/>
-                </a:solidFill>
-                <a:latin typeface="AdobeClean-Light"/>
-                <a:cs typeface="AdobeClean-Light"/>
-              </a:rPr>
-              <a:t> </a:t>
-            </a:r>
-            <a:r>
-              <a:rPr sz="1000" spc="-20" dirty="0">
-                <a:solidFill>
-                  <a:srgbClr val="020302"/>
-                </a:solidFill>
-                <a:latin typeface="AdobeClean-Light"/>
-                <a:cs typeface="AdobeClean-Light"/>
-              </a:rPr>
-              <a:t>also</a:t>
-            </a:r>
-            <a:r>
-              <a:rPr lang="en-US" sz="1000" dirty="0">
-                <a:latin typeface="AdobeClean-Light"/>
-                <a:cs typeface="AdobeClean-Light"/>
-              </a:rPr>
-              <a:t> </a:t>
-            </a:r>
-            <a:r>
-              <a:rPr sz="1000" spc="-25" dirty="0">
-                <a:solidFill>
-                  <a:srgbClr val="020302"/>
-                </a:solidFill>
-                <a:latin typeface="AdobeClean-Light"/>
-                <a:cs typeface="AdobeClean-Light"/>
-              </a:rPr>
-              <a:t>available</a:t>
-            </a:r>
-            <a:r>
-              <a:rPr sz="1000" spc="-65" dirty="0">
-                <a:solidFill>
-                  <a:srgbClr val="020302"/>
-                </a:solidFill>
-                <a:latin typeface="AdobeClean-Light"/>
-                <a:cs typeface="AdobeClean-Light"/>
-              </a:rPr>
-              <a:t> </a:t>
-            </a:r>
-            <a:r>
-              <a:rPr sz="1000" spc="-15" dirty="0">
-                <a:solidFill>
-                  <a:srgbClr val="020302"/>
-                </a:solidFill>
-                <a:latin typeface="AdobeClean-Light"/>
-                <a:cs typeface="AdobeClean-Light"/>
-              </a:rPr>
-              <a:t>for</a:t>
-            </a:r>
-            <a:r>
-              <a:rPr sz="1000" spc="-25" dirty="0">
-                <a:solidFill>
-                  <a:srgbClr val="020302"/>
-                </a:solidFill>
-                <a:latin typeface="AdobeClean-Light"/>
-                <a:cs typeface="AdobeClean-Light"/>
-              </a:rPr>
-              <a:t> </a:t>
-            </a:r>
-            <a:r>
-              <a:rPr sz="1000" spc="-20" dirty="0">
-                <a:solidFill>
-                  <a:srgbClr val="020302"/>
-                </a:solidFill>
-                <a:latin typeface="AdobeClean-Light"/>
-                <a:cs typeface="AdobeClean-Light"/>
-              </a:rPr>
-              <a:t>questions</a:t>
-            </a:r>
-            <a:r>
-              <a:rPr sz="1000" spc="-114" dirty="0">
-                <a:solidFill>
-                  <a:srgbClr val="020302"/>
-                </a:solidFill>
-                <a:latin typeface="AdobeClean-Light"/>
-                <a:cs typeface="AdobeClean-Light"/>
-              </a:rPr>
-              <a:t> </a:t>
-            </a:r>
-            <a:r>
-              <a:rPr sz="1000" spc="-15" dirty="0">
-                <a:solidFill>
-                  <a:srgbClr val="020302"/>
-                </a:solidFill>
-                <a:latin typeface="AdobeClean-Light"/>
-                <a:cs typeface="AdobeClean-Light"/>
-              </a:rPr>
-              <a:t>and</a:t>
-            </a:r>
-            <a:r>
-              <a:rPr sz="1000" spc="-45" dirty="0">
-                <a:solidFill>
-                  <a:srgbClr val="020302"/>
-                </a:solidFill>
-                <a:latin typeface="AdobeClean-Light"/>
-                <a:cs typeface="AdobeClean-Light"/>
-              </a:rPr>
-              <a:t> </a:t>
-            </a:r>
-            <a:r>
-              <a:rPr sz="1000" spc="-20" dirty="0">
-                <a:solidFill>
-                  <a:srgbClr val="020302"/>
-                </a:solidFill>
-                <a:latin typeface="AdobeClean-Light"/>
-                <a:cs typeface="AdobeClean-Light"/>
-              </a:rPr>
-              <a:t>case</a:t>
-            </a:r>
-            <a:r>
-              <a:rPr sz="1000" spc="-35" dirty="0">
-                <a:solidFill>
-                  <a:srgbClr val="020302"/>
-                </a:solidFill>
-                <a:latin typeface="AdobeClean-Light"/>
-                <a:cs typeface="AdobeClean-Light"/>
-              </a:rPr>
-              <a:t> </a:t>
-            </a:r>
-            <a:r>
-              <a:rPr sz="1000" spc="-20" dirty="0">
-                <a:solidFill>
-                  <a:srgbClr val="020302"/>
-                </a:solidFill>
-                <a:latin typeface="AdobeClean-Light"/>
-                <a:cs typeface="AdobeClean-Light"/>
-              </a:rPr>
-              <a:t>submissions</a:t>
-            </a:r>
-            <a:endParaRPr sz="1000" dirty="0">
-              <a:latin typeface="AdobeClean-Light"/>
-              <a:cs typeface="AdobeClean-Light"/>
-            </a:endParaRPr>
           </a:p>
         </p:txBody>
       </p:sp>
@@ -10163,7 +8357,7 @@
         <p:spPr>
           <a:xfrm>
             <a:off x="206585" y="8494028"/>
-            <a:ext cx="3270885" cy="302647"/>
+            <a:ext cx="3270885" cy="579646"/>
           </a:xfrm>
           <a:prstGeom prst="rect">
             <a:avLst/>
@@ -10187,162 +8381,34 @@
               </a:tabLst>
             </a:pPr>
             <a:r>
-              <a:rPr sz="900" spc="-20" dirty="0">
+              <a:rPr lang="es-ES" sz="900" dirty="0">
                 <a:solidFill>
                   <a:srgbClr val="020302"/>
                 </a:solidFill>
                 <a:latin typeface="AdobeClean-Light"/>
                 <a:cs typeface="AdobeClean-Light"/>
               </a:rPr>
-              <a:t>Start </a:t>
+              <a:t>Inicie una sesión de chat para obtener respuestas y ayuda </a:t>
             </a:r>
-            <a:r>
-              <a:rPr sz="900" dirty="0">
+            <a:br>
+              <a:rPr lang="sk-SK" sz="900" dirty="0">
                 <a:solidFill>
                   <a:srgbClr val="020302"/>
                 </a:solidFill>
                 <a:latin typeface="AdobeClean-Light"/>
                 <a:cs typeface="AdobeClean-Light"/>
               </a:rPr>
-              <a:t>a </a:t>
-            </a:r>
+            </a:br>
             <a:r>
-              <a:rPr sz="900" spc="-15" dirty="0">
+              <a:rPr lang="es-ES" sz="900" dirty="0">
                 <a:solidFill>
                   <a:srgbClr val="020302"/>
                 </a:solidFill>
                 <a:latin typeface="AdobeClean-Light"/>
                 <a:cs typeface="AdobeClean-Light"/>
               </a:rPr>
-              <a:t>chat </a:t>
+              <a:t>con el envío de casos.</a:t>
             </a:r>
-            <a:r>
-              <a:rPr sz="900" spc="-10" dirty="0">
-                <a:solidFill>
-                  <a:srgbClr val="020302"/>
-                </a:solidFill>
-                <a:latin typeface="AdobeClean-Light"/>
-                <a:cs typeface="AdobeClean-Light"/>
-              </a:rPr>
-              <a:t>session </a:t>
-            </a:r>
-            <a:r>
-              <a:rPr sz="900" spc="-5" dirty="0">
-                <a:solidFill>
-                  <a:srgbClr val="020302"/>
-                </a:solidFill>
-                <a:latin typeface="AdobeClean-Light"/>
-                <a:cs typeface="AdobeClean-Light"/>
-              </a:rPr>
-              <a:t>to </a:t>
-            </a:r>
-            <a:r>
-              <a:rPr sz="900" spc="-10" dirty="0">
-                <a:solidFill>
-                  <a:srgbClr val="020302"/>
-                </a:solidFill>
-                <a:latin typeface="AdobeClean-Light"/>
-                <a:cs typeface="AdobeClean-Light"/>
-              </a:rPr>
-              <a:t>get </a:t>
-            </a:r>
-            <a:r>
-              <a:rPr sz="900" spc="30" dirty="0">
-                <a:solidFill>
-                  <a:srgbClr val="020302"/>
-                </a:solidFill>
-                <a:latin typeface="AdobeClean-Light"/>
-                <a:cs typeface="AdobeClean-Light"/>
-              </a:rPr>
-              <a:t> </a:t>
-            </a:r>
-            <a:r>
-              <a:rPr sz="900" spc="-20" dirty="0">
-                <a:solidFill>
-                  <a:srgbClr val="020302"/>
-                </a:solidFill>
-                <a:latin typeface="AdobeClean-Light"/>
-                <a:cs typeface="AdobeClean-Light"/>
-              </a:rPr>
-              <a:t>answers</a:t>
-            </a:r>
-            <a:r>
-              <a:rPr lang="en-US" sz="900" spc="-45" dirty="0">
-                <a:solidFill>
-                  <a:srgbClr val="020302"/>
-                </a:solidFill>
-                <a:latin typeface="AdobeClean-Light"/>
-                <a:cs typeface="AdobeClean-Light"/>
-              </a:rPr>
-              <a:t> </a:t>
-            </a:r>
-            <a:r>
-              <a:rPr lang="en-US" sz="900" dirty="0">
-                <a:solidFill>
-                  <a:srgbClr val="020302"/>
-                </a:solidFill>
-                <a:latin typeface="AdobeClean-Light"/>
-                <a:cs typeface="AdobeClean-Light"/>
-              </a:rPr>
-              <a:t>&amp; </a:t>
-            </a:r>
-            <a:r>
-              <a:rPr sz="900" spc="-15" dirty="0">
-                <a:solidFill>
-                  <a:srgbClr val="020302"/>
-                </a:solidFill>
-                <a:latin typeface="AdobeClean-Light"/>
-                <a:cs typeface="AdobeClean-Light"/>
-              </a:rPr>
-              <a:t>help </a:t>
-            </a:r>
-            <a:r>
-              <a:rPr sz="900" spc="-10" dirty="0">
-                <a:solidFill>
-                  <a:srgbClr val="020302"/>
-                </a:solidFill>
-                <a:latin typeface="AdobeClean-Light"/>
-                <a:cs typeface="AdobeClean-Light"/>
-              </a:rPr>
-              <a:t>with</a:t>
-            </a:r>
-            <a:r>
-              <a:rPr sz="900" spc="85" dirty="0">
-                <a:solidFill>
-                  <a:srgbClr val="020302"/>
-                </a:solidFill>
-                <a:latin typeface="AdobeClean-Light"/>
-                <a:cs typeface="AdobeClean-Light"/>
-              </a:rPr>
-              <a:t> </a:t>
-            </a:r>
-            <a:r>
-              <a:rPr sz="900" spc="-10" dirty="0">
-                <a:solidFill>
-                  <a:srgbClr val="020302"/>
-                </a:solidFill>
-                <a:latin typeface="AdobeClean-Light"/>
-                <a:cs typeface="AdobeClean-Light"/>
-              </a:rPr>
-              <a:t>case </a:t>
-            </a:r>
-            <a:r>
-              <a:rPr sz="900" spc="-20" dirty="0">
-                <a:solidFill>
-                  <a:srgbClr val="020302"/>
-                </a:solidFill>
-                <a:latin typeface="AdobeClean-Light"/>
-                <a:cs typeface="AdobeClean-Light"/>
-              </a:rPr>
-              <a:t>submission</a:t>
-            </a:r>
-            <a:endParaRPr lang="en-US" sz="900" spc="-20" dirty="0">
-              <a:solidFill>
-                <a:srgbClr val="020302"/>
-              </a:solidFill>
-              <a:latin typeface="AdobeClean-Light"/>
-              <a:cs typeface="AdobeClean-Light"/>
-            </a:endParaRPr>
           </a:p>
           <a:p>
             <a:pPr marL="33020" marR="159385">
@@ -10357,29 +8423,15 @@
               </a:tabLst>
             </a:pPr>
             <a:r>
-              <a:rPr sz="900" i="1" spc="-10" dirty="0">
+              <a:rPr lang="es-ES" sz="900" i="1" dirty="0">
                 <a:solidFill>
                   <a:srgbClr val="7A7A7A"/>
                 </a:solidFill>
                 <a:latin typeface="AdobeClean-LightIt"/>
                 <a:cs typeface="AdobeClean-LightIt"/>
               </a:rPr>
-              <a:t>*Not all </a:t>
+              <a:t>* No todos los productos ofrecen la opción de disfrutar de asistencia mediante chat en directo.  </a:t>
             </a:r>
-            <a:r>
-              <a:rPr sz="900" i="1" spc="-20" dirty="0">
-                <a:solidFill>
-                  <a:srgbClr val="7A7A7A"/>
-                </a:solidFill>
-                <a:latin typeface="AdobeClean-LightIt"/>
-                <a:cs typeface="AdobeClean-LightIt"/>
-              </a:rPr>
-              <a:t>products have live chat support.  </a:t>
-            </a:r>
-            <a:endParaRPr sz="900" dirty="0">
-              <a:latin typeface="AdobeClean-Light"/>
-              <a:cs typeface="AdobeClean-Light"/>
-            </a:endParaRPr>
           </a:p>
         </p:txBody>
       </p:sp>
@@ -10448,19 +8500,15 @@
               </a:spcBef>
             </a:pPr>
             <a:r>
-              <a:rPr lang="en-US" sz="1400" b="1" spc="-10" dirty="0">
+              <a:rPr lang="es-ES" sz="1400" b="1">
                 <a:solidFill>
                   <a:srgbClr val="020302"/>
                 </a:solidFill>
                 <a:latin typeface="Adobe Clean"/>
                 <a:cs typeface="Adobe Clean"/>
               </a:rPr>
-              <a:t>Online Support</a:t>
+              <a:t>Soporte Online</a:t>
             </a:r>
-            <a:endParaRPr lang="en-US" sz="1400" dirty="0">
-              <a:latin typeface="Adobe Clean"/>
-              <a:cs typeface="Adobe Clean"/>
-            </a:endParaRPr>
           </a:p>
         </p:txBody>
       </p:sp>
@@ -10507,12 +8555,12 @@
               <a:defRPr/>
             </a:pPr>
             <a:r>
-              <a:rPr lang="en-US" sz="1200" dirty="0">
+              <a:rPr lang="es-ES" sz="1200">
                 <a:solidFill>
                   <a:srgbClr val="000000"/>
                 </a:solidFill>
               </a:rPr>
-              <a:t>Community Forums</a:t>
+              <a:t>Foros de la comunidad</a:t>
             </a:r>
           </a:p>
         </p:txBody>
@@ -10555,12 +8603,12 @@
               </a:spcAft>
             </a:pPr>
             <a:r>
-              <a:rPr lang="en-US" sz="1200" b="1" dirty="0">
+              <a:rPr lang="es-ES" sz="1200" b="1">
                 <a:latin typeface="+mj-lt"/>
                 <a:ea typeface="Open Sans" pitchFamily="34" charset="0"/>
                 <a:cs typeface="Open Sans" pitchFamily="34" charset="0"/>
               </a:rPr>
-              <a:t>Online Forums</a:t>
+              <a:t>Foros en línea</a:t>
             </a:r>
           </a:p>
         </p:txBody>
@@ -10580,7 +8628,7 @@
         <p:spPr>
           <a:xfrm>
             <a:off x="244599" y="3893151"/>
-            <a:ext cx="3413002" cy="651460"/>
+            <a:ext cx="3413002" cy="805349"/>
           </a:xfrm>
           <a:prstGeom prst="rect">
             <a:avLst/>
@@ -10593,13 +8641,30 @@
           <a:lstStyle/>
           <a:p>
             <a:r>
-              <a:rPr lang="en-US" sz="1000" dirty="0">
+              <a:rPr lang="es-ES" sz="1000" dirty="0">
                 <a:solidFill>
                   <a:srgbClr val="000000"/>
                 </a:solidFill>
                 <a:latin typeface="Adobe Clean Light" panose="020B0303020404020204" pitchFamily="34" charset="0"/>
               </a:rPr>
-              <a:t>Continuous online access to a growing database of technical solutions, product documentation, FAQs and more. Connect with practitioners and other customers on Adobe Community to share best practices and lessons learned.</a:t>
+              <a:t>Acceso continuo en línea a una base de datos donde encontrará cada vez más soluciones técnicas, documentación de productos, preguntas frecuentes y mucho más. Hable con profesionales </a:t>
+            </a:r>
+            <a:br>
+              <a:rPr lang="sk-SK" sz="1000" dirty="0">
+                <a:solidFill>
+                  <a:srgbClr val="000000"/>
+                </a:solidFill>
+                <a:latin typeface="Adobe Clean Light" panose="020B0303020404020204" pitchFamily="34" charset="0"/>
+              </a:rPr>
+            </a:br>
+            <a:r>
+              <a:rPr lang="es-ES" sz="1000" dirty="0">
+                <a:solidFill>
+                  <a:srgbClr val="000000"/>
+                </a:solidFill>
+                <a:latin typeface="Adobe Clean Light" panose="020B0303020404020204" pitchFamily="34" charset="0"/>
+              </a:rPr>
+              <a:t>y otros clientes en la Comunidad de Adobe para compartir prácticas recomendadas y lecciones aprendidas.</a:t>
             </a:r>
           </a:p>
         </p:txBody>
@@ -10647,7 +8712,7 @@
               <a:defRPr/>
             </a:pPr>
             <a:r>
-              <a:rPr lang="en-US" sz="1200" dirty="0">
+              <a:rPr lang="es-ES" sz="1200">
                 <a:solidFill>
                   <a:srgbClr val="000000"/>
                 </a:solidFill>
@@ -10695,12 +8760,12 @@
               </a:spcAft>
             </a:pPr>
             <a:r>
-              <a:rPr lang="en-US" sz="1200" b="1" dirty="0">
+              <a:rPr lang="es-ES" sz="1200" b="1">
                 <a:latin typeface="+mj-lt"/>
                 <a:ea typeface="Open Sans" pitchFamily="34" charset="0"/>
                 <a:cs typeface="Open Sans" pitchFamily="34" charset="0"/>
               </a:rPr>
-              <a:t>Self-guided Journeys</a:t>
+              <a:t>Recorridos autoguiados</a:t>
             </a:r>
           </a:p>
         </p:txBody>
@@ -10720,7 +8785,7 @@
         <p:spPr>
           <a:xfrm>
             <a:off x="257325" y="6132567"/>
-            <a:ext cx="3413002" cy="651460"/>
+            <a:ext cx="3413002" cy="959237"/>
           </a:xfrm>
           <a:prstGeom prst="rect">
             <a:avLst/>
@@ -10733,13 +8798,101 @@
           <a:lstStyle/>
           <a:p>
             <a:r>
-              <a:rPr lang="en-US" sz="1000" dirty="0">
+              <a:rPr lang="es-ES" sz="1000" dirty="0">
                 <a:solidFill>
                   <a:srgbClr val="000000"/>
                 </a:solidFill>
                 <a:latin typeface="Adobe Clean Light" panose="020B0303020404020204" pitchFamily="34" charset="0"/>
               </a:rPr>
-              <a:t>Experience Makers are made with Experience League. Customers can kickstart their Customer Experience Management abilities with personalized learning to develop skills, engage with a global community of peers, and earn career advancing recognition. </a:t>
+              <a:t>Los </a:t>
+            </a:r>
+            <a:r>
+              <a:rPr lang="es-ES" sz="1000" dirty="0" err="1">
+                <a:solidFill>
+                  <a:srgbClr val="000000"/>
+                </a:solidFill>
+                <a:latin typeface="Adobe Clean Light" panose="020B0303020404020204" pitchFamily="34" charset="0"/>
+              </a:rPr>
+              <a:t>experience</a:t>
+            </a:r>
+            <a:r>
+              <a:rPr lang="es-ES" sz="1000" dirty="0">
+                <a:solidFill>
+                  <a:srgbClr val="000000"/>
+                </a:solidFill>
+                <a:latin typeface="Adobe Clean Light" panose="020B0303020404020204" pitchFamily="34" charset="0"/>
+              </a:rPr>
+              <a:t> </a:t>
+            </a:r>
+            <a:r>
+              <a:rPr lang="es-ES" sz="1000" dirty="0" err="1">
+                <a:solidFill>
+                  <a:srgbClr val="000000"/>
+                </a:solidFill>
+                <a:latin typeface="Adobe Clean Light" panose="020B0303020404020204" pitchFamily="34" charset="0"/>
+              </a:rPr>
+              <a:t>makers</a:t>
+            </a:r>
+            <a:r>
+              <a:rPr lang="es-ES" sz="1000" dirty="0">
+                <a:solidFill>
+                  <a:srgbClr val="000000"/>
+                </a:solidFill>
+                <a:latin typeface="Adobe Clean Light" panose="020B0303020404020204" pitchFamily="34" charset="0"/>
+              </a:rPr>
+              <a:t> se realizan con </a:t>
+            </a:r>
+            <a:r>
+              <a:rPr lang="es-ES" sz="1000" dirty="0" err="1">
+                <a:solidFill>
+                  <a:srgbClr val="000000"/>
+                </a:solidFill>
+                <a:latin typeface="Adobe Clean Light" panose="020B0303020404020204" pitchFamily="34" charset="0"/>
+              </a:rPr>
+              <a:t>Experience</a:t>
+            </a:r>
+            <a:r>
+              <a:rPr lang="es-ES" sz="1000" dirty="0">
+                <a:solidFill>
+                  <a:srgbClr val="000000"/>
+                </a:solidFill>
+                <a:latin typeface="Adobe Clean Light" panose="020B0303020404020204" pitchFamily="34" charset="0"/>
+              </a:rPr>
+              <a:t> League. </a:t>
+            </a:r>
+            <a:br>
+              <a:rPr lang="sk-SK" sz="1000" dirty="0">
+                <a:solidFill>
+                  <a:srgbClr val="000000"/>
+                </a:solidFill>
+                <a:latin typeface="Adobe Clean Light" panose="020B0303020404020204" pitchFamily="34" charset="0"/>
+              </a:rPr>
+            </a:br>
+            <a:r>
+              <a:rPr lang="es-ES" sz="1000" dirty="0">
+                <a:solidFill>
+                  <a:srgbClr val="000000"/>
+                </a:solidFill>
+                <a:latin typeface="Adobe Clean Light" panose="020B0303020404020204" pitchFamily="34" charset="0"/>
+              </a:rPr>
+              <a:t>Los clientes pueden aplicar sus conocimientos de administración </a:t>
+            </a:r>
+            <a:br>
+              <a:rPr lang="sk-SK" sz="1000" dirty="0">
+                <a:solidFill>
+                  <a:srgbClr val="000000"/>
+                </a:solidFill>
+                <a:latin typeface="Adobe Clean Light" panose="020B0303020404020204" pitchFamily="34" charset="0"/>
+              </a:rPr>
+            </a:br>
+            <a:r>
+              <a:rPr lang="es-ES" sz="1000" dirty="0">
+                <a:solidFill>
+                  <a:srgbClr val="000000"/>
+                </a:solidFill>
+                <a:latin typeface="Adobe Clean Light" panose="020B0303020404020204" pitchFamily="34" charset="0"/>
+              </a:rPr>
+              <a:t>de la experiencia del cliente con aprendizaje personalizado para desarrollar habilidades, interactuar con la comunidad internacional de compañeros y obtener reconocimiento en su trayectoria profesional. </a:t>
             </a:r>
           </a:p>
         </p:txBody>
@@ -10787,12 +8940,12 @@
               <a:defRPr/>
             </a:pPr>
             <a:r>
-              <a:rPr lang="en-US" sz="1200" dirty="0">
+              <a:rPr lang="es-ES" sz="1200">
                 <a:solidFill>
                   <a:srgbClr val="000000"/>
                 </a:solidFill>
               </a:rPr>
-              <a:t>Office Hours</a:t>
+              <a:t>Horario de oficina</a:t>
             </a:r>
           </a:p>
         </p:txBody>
@@ -10835,12 +8988,12 @@
               </a:spcAft>
             </a:pPr>
             <a:r>
-              <a:rPr lang="en-US" sz="1200" b="1" dirty="0">
+              <a:rPr lang="es-ES" sz="1200" b="1">
                 <a:latin typeface="+mj-lt"/>
                 <a:ea typeface="Open Sans" pitchFamily="34" charset="0"/>
                 <a:cs typeface="Open Sans" pitchFamily="34" charset="0"/>
               </a:rPr>
-              <a:t>Webinars</a:t>
+              <a:t>Seminarios web</a:t>
             </a:r>
           </a:p>
         </p:txBody>
@@ -10860,7 +9013,7 @@
         <p:spPr>
           <a:xfrm>
             <a:off x="3810000" y="3893151"/>
-            <a:ext cx="3413002" cy="651460"/>
+            <a:ext cx="3413002" cy="805349"/>
           </a:xfrm>
           <a:prstGeom prst="rect">
             <a:avLst/>
@@ -10873,13 +9026,30 @@
           <a:lstStyle/>
           <a:p>
             <a:r>
-              <a:rPr lang="en-US" sz="1000" dirty="0">
+              <a:rPr lang="es-ES" sz="1000" dirty="0">
                 <a:solidFill>
                   <a:srgbClr val="000000"/>
                 </a:solidFill>
                 <a:latin typeface="Adobe Clean Light" panose="020B0303020404020204" pitchFamily="34" charset="0"/>
               </a:rPr>
-              <a:t>Office  Hours  led  by  the  Adobe  Customer Support  team  includes  sessions  designed to  inform  as  well  as  help  participants troubleshoot  problems  and  provide  tips and  tricks  for  success  with  Adobe  solutions.</a:t>
+              <a:t>En el horario de oficina del equipo de asistencia al cliente de Adobe se incluyen sesiones diseñadas para informar y ayudar a los participantes a solucionar problemas, así como para proporcionar consejos y trucos para que los participantes logren el éxito con </a:t>
+            </a:r>
+            <a:br>
+              <a:rPr lang="sk-SK" sz="1000" dirty="0">
+                <a:solidFill>
+                  <a:srgbClr val="000000"/>
+                </a:solidFill>
+                <a:latin typeface="Adobe Clean Light" panose="020B0303020404020204" pitchFamily="34" charset="0"/>
+              </a:rPr>
+            </a:br>
+            <a:r>
+              <a:rPr lang="es-ES" sz="1000" dirty="0">
+                <a:solidFill>
+                  <a:srgbClr val="000000"/>
+                </a:solidFill>
+                <a:latin typeface="Adobe Clean Light" panose="020B0303020404020204" pitchFamily="34" charset="0"/>
+              </a:rPr>
+              <a:t>las soluciones de Adobe.</a:t>
             </a:r>
           </a:p>
         </p:txBody>
@@ -10927,12 +9097,12 @@
               <a:defRPr/>
             </a:pPr>
             <a:r>
-              <a:rPr lang="en-US" sz="1200" dirty="0">
+              <a:rPr lang="es-ES" sz="1200">
                 <a:solidFill>
                   <a:srgbClr val="000000"/>
                 </a:solidFill>
               </a:rPr>
-              <a:t>Self-help Portals</a:t>
+              <a:t>Portales de autoayuda</a:t>
             </a:r>
           </a:p>
         </p:txBody>
@@ -10975,12 +9145,12 @@
               </a:spcAft>
             </a:pPr>
             <a:r>
-              <a:rPr lang="en-US" sz="1200" b="1" dirty="0">
+              <a:rPr lang="es-ES" sz="1200" b="1">
                 <a:latin typeface="+mj-lt"/>
                 <a:ea typeface="Open Sans" pitchFamily="34" charset="0"/>
                 <a:cs typeface="Open Sans" pitchFamily="34" charset="0"/>
               </a:rPr>
-              <a:t>24/7 Support Portal</a:t>
+              <a:t>Portal de asistencia 24/7</a:t>
             </a:r>
           </a:p>
         </p:txBody>
@@ -11000,7 +9170,7 @@
         <p:spPr>
           <a:xfrm>
             <a:off x="3849036" y="6132567"/>
-            <a:ext cx="3413002" cy="497572"/>
+            <a:ext cx="3413002" cy="651460"/>
           </a:xfrm>
           <a:prstGeom prst="rect">
             <a:avLst/>
@@ -11013,13 +9183,47 @@
           <a:lstStyle/>
           <a:p>
             <a:r>
-              <a:rPr lang="en-US" sz="1000" dirty="0">
+              <a:rPr lang="es-ES" sz="1000" dirty="0">
                 <a:solidFill>
                   <a:srgbClr val="000000"/>
                 </a:solidFill>
                 <a:latin typeface="Adobe Clean Light" panose="020B0303020404020204" pitchFamily="34" charset="0"/>
               </a:rPr>
-              <a:t>On-demand access to the online Self-help Support Portal to submit support requests, review case status, and browse other resources, like our knowledgebase, news and alerts, featured tips, and more.</a:t>
+              <a:t>Acceso al portal de asistencia de autoayuda en línea previa solicitud para enviar solicitudes de asistencia, revisar el estado de los casos </a:t>
+            </a:r>
+            <a:br>
+              <a:rPr lang="sk-SK" sz="1000" dirty="0">
+                <a:solidFill>
+                  <a:srgbClr val="000000"/>
+                </a:solidFill>
+                <a:latin typeface="Adobe Clean Light" panose="020B0303020404020204" pitchFamily="34" charset="0"/>
+              </a:rPr>
+            </a:br>
+            <a:r>
+              <a:rPr lang="es-ES" sz="1000" dirty="0">
+                <a:solidFill>
+                  <a:srgbClr val="000000"/>
+                </a:solidFill>
+                <a:latin typeface="Adobe Clean Light" panose="020B0303020404020204" pitchFamily="34" charset="0"/>
+              </a:rPr>
+              <a:t>y examinar otros recursos, como la base de conocimiento, noticias </a:t>
+            </a:r>
+            <a:br>
+              <a:rPr lang="sk-SK" sz="1000" dirty="0">
+                <a:solidFill>
+                  <a:srgbClr val="000000"/>
+                </a:solidFill>
+                <a:latin typeface="Adobe Clean Light" panose="020B0303020404020204" pitchFamily="34" charset="0"/>
+              </a:rPr>
+            </a:br>
+            <a:r>
+              <a:rPr lang="es-ES" sz="1000" dirty="0">
+                <a:solidFill>
+                  <a:srgbClr val="000000"/>
+                </a:solidFill>
+                <a:latin typeface="Adobe Clean Light" panose="020B0303020404020204" pitchFamily="34" charset="0"/>
+              </a:rPr>
+              <a:t>y alertas, sugerencias destacadas, y mucho más.</a:t>
             </a:r>
           </a:p>
         </p:txBody>
@@ -11067,12 +9271,12 @@
               <a:defRPr/>
             </a:pPr>
             <a:r>
-              <a:rPr lang="en-US" sz="1200" dirty="0">
+              <a:rPr lang="es-ES" sz="1200">
                 <a:solidFill>
                   <a:srgbClr val="000000"/>
                 </a:solidFill>
               </a:rPr>
-              <a:t>Live Chat  Support*</a:t>
+              <a:t>Asistencia mediante chat en directo*</a:t>
             </a:r>
           </a:p>
         </p:txBody>
@@ -11115,12 +9319,12 @@
               </a:spcAft>
             </a:pPr>
             <a:r>
-              <a:rPr lang="en-US" sz="1200" b="1" dirty="0">
+              <a:rPr lang="es-ES" sz="1200" b="1">
                 <a:latin typeface="+mj-lt"/>
                 <a:ea typeface="Open Sans" pitchFamily="34" charset="0"/>
                 <a:cs typeface="Open Sans" pitchFamily="34" charset="0"/>
               </a:rPr>
-              <a:t>Chat Support</a:t>
+              <a:t>Asistencia mediante chat</a:t>
             </a:r>
           </a:p>
         </p:txBody>
@@ -11168,12 +9372,12 @@
               <a:defRPr/>
             </a:pPr>
             <a:r>
-              <a:rPr lang="en-US" sz="1200" dirty="0">
+              <a:rPr lang="es-ES" sz="1200">
                 <a:solidFill>
                   <a:srgbClr val="000000"/>
                 </a:solidFill>
               </a:rPr>
-              <a:t>24 X 7 X 365 P1 </a:t>
+              <a:t>24x7x365 en P1 </a:t>
             </a:r>
           </a:p>
         </p:txBody>
@@ -11216,12 +9420,12 @@
               </a:spcAft>
             </a:pPr>
             <a:r>
-              <a:rPr lang="en-US" sz="1200" b="1" dirty="0">
+              <a:rPr lang="es-ES" sz="1200" b="1">
                 <a:latin typeface="+mj-lt"/>
                 <a:ea typeface="Open Sans" pitchFamily="34" charset="0"/>
                 <a:cs typeface="Open Sans" pitchFamily="34" charset="0"/>
               </a:rPr>
-              <a:t>Phone  Support</a:t>
+              <a:t>Asistencia telefónica</a:t>
             </a:r>
           </a:p>
         </p:txBody>
@@ -11241,7 +9445,7 @@
         <p:spPr>
           <a:xfrm>
             <a:off x="3833993" y="8494028"/>
-            <a:ext cx="3413002" cy="497572"/>
+            <a:ext cx="3413002" cy="651460"/>
           </a:xfrm>
           <a:prstGeom prst="rect">
             <a:avLst/>
@@ -11254,26 +9458,31 @@
           <a:lstStyle/>
           <a:p>
             <a:r>
-              <a:rPr lang="en-US" sz="1000" dirty="0">
+              <a:rPr lang="es-ES" sz="1000" dirty="0">
                 <a:solidFill>
                   <a:srgbClr val="020302"/>
                 </a:solidFill>
                 <a:latin typeface="AdobeClean-Light"/>
               </a:rPr>
-              <a:t>Authorized users or Named Support Contacts </a:t>
+              <a:t>Los usuarios autorizados o los contactos de soporte particulares</a:t>
             </a:r>
             <a:r>
-              <a:rPr lang="en-US" sz="1000" dirty="0">
+              <a:rPr lang="es-ES" sz="1000" dirty="0">
                 <a:latin typeface="Adobe Clean Light" panose="020B0303020404020204" pitchFamily="34" charset="0"/>
               </a:rPr>
-              <a:t>can submit issues through all available  channels (including phone for P1) and interact with our technical support team on behalf of your company. </a:t>
+              <a:t> pueden enviar problemas a través de todos los canales disponibles (incluido el teléfono en el caso de los problemas P1) y hablar </a:t>
             </a:r>
-            <a:endParaRPr lang="en-US" sz="1000" dirty="0">
-              <a:solidFill>
-                <a:srgbClr val="000000"/>
-              </a:solidFill>
-              <a:latin typeface="Adobe Clean Light" panose="020B0303020404020204" pitchFamily="34" charset="0"/>
-            </a:endParaRPr>
+            <a:br>
+              <a:rPr lang="sk-SK" sz="1000" dirty="0">
+                <a:latin typeface="Adobe Clean Light" panose="020B0303020404020204" pitchFamily="34" charset="0"/>
+              </a:rPr>
+            </a:br>
+            <a:r>
+              <a:rPr lang="es-ES" sz="1000" dirty="0">
+                <a:latin typeface="Adobe Clean Light" panose="020B0303020404020204" pitchFamily="34" charset="0"/>
+              </a:rPr>
+              <a:t>con nuestro equipo de asistencia en nombre de su empresa. </a:t>
+            </a:r>
           </a:p>
         </p:txBody>
       </p:sp>
@@ -11317,24 +9526,8 @@
               </a:spcBef>
             </a:pPr>
             <a:r>
-              <a:rPr spc="-5" dirty="0"/>
-              <a:t>©202</a:t>
-            </a:r>
-            <a:r>
-              <a:rPr lang="en-US" spc="-5" dirty="0"/>
-              <a:t>1</a:t>
-            </a:r>
-            <a:r>
-              <a:rPr spc="-5" dirty="0"/>
-              <a:t> Adobe. All Rights Reserved. Adobe</a:t>
-            </a:r>
-            <a:r>
-              <a:rPr spc="60" dirty="0"/>
-              <a:t> </a:t>
-            </a:r>
-            <a:r>
-              <a:rPr spc="-5" dirty="0"/>
-              <a:t>Confidential.</a:t>
+              <a:rPr lang="es-ES"/>
+              <a:t>©2021 Adobe. All Rights Reserved. Adobe Confidential.</a:t>
             </a:r>
           </a:p>
         </p:txBody>
@@ -11625,49 +9818,15 @@
               </a:lnSpc>
             </a:pPr>
             <a:r>
-              <a:rPr sz="500" spc="-5" dirty="0">
+              <a:rPr lang="es-ES" sz="500">
                 <a:solidFill>
                   <a:srgbClr val="6C6C6C"/>
                 </a:solidFill>
                 <a:latin typeface="Adobe Clean"/>
                 <a:cs typeface="Adobe Clean"/>
               </a:rPr>
-              <a:t>©2020 Adobe. All Rights Reserved. </a:t>
+              <a:t>©2020 Adobe. All Rights Reserved. Adobe Confidential.</a:t>
             </a:r>
-            <a:r>
-              <a:rPr sz="500" dirty="0">
-                <a:solidFill>
-                  <a:srgbClr val="6C6C6C"/>
-                </a:solidFill>
-                <a:latin typeface="Adobe Clean"/>
-                <a:cs typeface="Adobe Clean"/>
-              </a:rPr>
-              <a:t>Adobe</a:t>
-            </a:r>
-            <a:r>
-              <a:rPr sz="500" spc="5" dirty="0">
-                <a:solidFill>
-                  <a:srgbClr val="6C6C6C"/>
-                </a:solidFill>
-                <a:latin typeface="Adobe Clean"/>
-                <a:cs typeface="Adobe Clean"/>
-              </a:rPr>
-              <a:t> </a:t>
-            </a:r>
-            <a:r>
-              <a:rPr sz="500" spc="-5" dirty="0">
-                <a:solidFill>
-                  <a:srgbClr val="6C6C6C"/>
-                </a:solidFill>
-                <a:latin typeface="Adobe Clean"/>
-                <a:cs typeface="Adobe Clean"/>
-              </a:rPr>
-              <a:t>Confidential.</a:t>
-            </a:r>
-            <a:endParaRPr sz="500">
-              <a:latin typeface="Adobe Clean"/>
-              <a:cs typeface="Adobe Clean"/>
-            </a:endParaRPr>
           </a:p>
           <a:p>
             <a:pPr>
@@ -11693,39 +9852,15 @@
               </a:spcBef>
             </a:pPr>
             <a:r>
-              <a:rPr sz="800" spc="-5" dirty="0">
+              <a:rPr lang="es-ES" sz="800">
                 <a:solidFill>
                   <a:srgbClr val="6D6D6D"/>
                 </a:solidFill>
                 <a:latin typeface="Adobe Clean"/>
                 <a:cs typeface="Adobe Clean"/>
               </a:rPr>
-              <a:t>©2020 Adobe. All Rights Reserved. Adobe</a:t>
+              <a:t>©2020 Adobe. All Rights Reserved. Adobe Confidential.</a:t>
             </a:r>
-            <a:r>
-              <a:rPr sz="800" spc="75" dirty="0">
-                <a:solidFill>
-                  <a:srgbClr val="6D6D6D"/>
-                </a:solidFill>
-                <a:latin typeface="Adobe Clean"/>
-                <a:cs typeface="Adobe Clean"/>
-              </a:rPr>
-              <a:t> </a:t>
-            </a:r>
-            <a:r>
-              <a:rPr sz="800" spc="-5" dirty="0">
-                <a:solidFill>
-                  <a:srgbClr val="6D6D6D"/>
-                </a:solidFill>
-                <a:latin typeface="Adobe Clean"/>
-                <a:cs typeface="Adobe Clean"/>
-              </a:rPr>
-              <a:t>Confidential.</a:t>
-            </a:r>
-            <a:endParaRPr sz="800">
-              <a:latin typeface="Adobe Clean"/>
-              <a:cs typeface="Adobe Clean"/>
-            </a:endParaRPr>
           </a:p>
         </p:txBody>
       </p:sp>
@@ -11809,19 +9944,15 @@
               </a:spcBef>
             </a:pPr>
             <a:r>
-              <a:rPr lang="en-US" sz="1400" b="1" spc="-15" dirty="0">
+              <a:rPr lang="es-ES" sz="1400" b="1">
                 <a:solidFill>
                   <a:srgbClr val="020302"/>
                 </a:solidFill>
                 <a:latin typeface="Adobe Clean"/>
                 <a:cs typeface="Adobe Clean"/>
               </a:rPr>
-              <a:t>Resources</a:t>
+              <a:t>Recursos</a:t>
             </a:r>
-            <a:endParaRPr sz="1400" dirty="0">
-              <a:latin typeface="Adobe Clean"/>
-              <a:cs typeface="Adobe Clean"/>
-            </a:endParaRPr>
           </a:p>
         </p:txBody>
       </p:sp>
@@ -11855,7 +9986,7 @@
               </a:spcBef>
             </a:pPr>
             <a:r>
-              <a:rPr sz="800" spc="-15" dirty="0">
+              <a:rPr lang="es-ES" sz="800">
                 <a:solidFill>
                   <a:srgbClr val="777879"/>
                 </a:solidFill>
@@ -11864,10 +9995,6 @@
               </a:rPr>
               <a:t>Adobe</a:t>
             </a:r>
-            <a:endParaRPr sz="800">
-              <a:latin typeface="Adobe Clean"/>
-              <a:cs typeface="Adobe Clean"/>
-            </a:endParaRPr>
           </a:p>
           <a:p>
             <a:pPr marL="12700">
@@ -11876,39 +10003,15 @@
               </a:lnSpc>
             </a:pPr>
             <a:r>
-              <a:rPr sz="800" spc="-15" dirty="0">
+              <a:rPr lang="es-ES" sz="800">
                 <a:solidFill>
                   <a:srgbClr val="777879"/>
                 </a:solidFill>
                 <a:latin typeface="Adobe Clean"/>
                 <a:cs typeface="Adobe Clean"/>
               </a:rPr>
-              <a:t>345 Park</a:t>
+              <a:t>345 Park Avenue</a:t>
             </a:r>
-            <a:r>
-              <a:rPr sz="800" spc="-100" dirty="0">
-                <a:solidFill>
-                  <a:srgbClr val="777879"/>
-                </a:solidFill>
-                <a:latin typeface="Adobe Clean"/>
-                <a:cs typeface="Adobe Clean"/>
-              </a:rPr>
-              <a:t> </a:t>
-            </a:r>
-            <a:r>
-              <a:rPr sz="800" spc="-15" dirty="0">
-                <a:solidFill>
-                  <a:srgbClr val="777879"/>
-                </a:solidFill>
-                <a:latin typeface="Adobe Clean"/>
-                <a:cs typeface="Adobe Clean"/>
-              </a:rPr>
-              <a:t>Avenue</a:t>
-            </a:r>
-            <a:endParaRPr sz="800">
-              <a:latin typeface="Adobe Clean"/>
-              <a:cs typeface="Adobe Clean"/>
-            </a:endParaRPr>
           </a:p>
           <a:p>
             <a:pPr marL="12700">
@@ -11917,49 +10020,15 @@
               </a:lnSpc>
             </a:pPr>
             <a:r>
-              <a:rPr sz="800" spc="-10" dirty="0">
+              <a:rPr lang="es-ES" sz="800">
                 <a:solidFill>
                   <a:srgbClr val="777879"/>
                 </a:solidFill>
                 <a:latin typeface="Adobe Clean"/>
                 <a:cs typeface="Adobe Clean"/>
               </a:rPr>
-              <a:t>San </a:t>
+              <a:t>San José, CA95110-2704</a:t>
             </a:r>
-            <a:r>
-              <a:rPr sz="800" spc="-15" dirty="0">
-                <a:solidFill>
-                  <a:srgbClr val="777879"/>
-                </a:solidFill>
-                <a:latin typeface="Adobe Clean"/>
-                <a:cs typeface="Adobe Clean"/>
-              </a:rPr>
-              <a:t>Jose,</a:t>
-            </a:r>
-            <a:r>
-              <a:rPr sz="800" spc="-140" dirty="0">
-                <a:solidFill>
-                  <a:srgbClr val="777879"/>
-                </a:solidFill>
-                <a:latin typeface="Adobe Clean"/>
-                <a:cs typeface="Adobe Clean"/>
-              </a:rPr>
-              <a:t> </a:t>
-            </a:r>
-            <a:r>
-              <a:rPr sz="800" spc="-20" dirty="0">
-                <a:solidFill>
-                  <a:srgbClr val="777879"/>
-                </a:solidFill>
-                <a:latin typeface="Adobe Clean"/>
-                <a:cs typeface="Adobe Clean"/>
-              </a:rPr>
-              <a:t>CA95110-2704</a:t>
-            </a:r>
-            <a:endParaRPr sz="800">
-              <a:latin typeface="Adobe Clean"/>
-              <a:cs typeface="Adobe Clean"/>
-            </a:endParaRPr>
           </a:p>
           <a:p>
             <a:pPr marL="12700">
@@ -11971,19 +10040,15 @@
               </a:spcBef>
             </a:pPr>
             <a:r>
-              <a:rPr sz="800" spc="-10" dirty="0">
+              <a:rPr lang="es-ES" sz="800">
                 <a:solidFill>
                   <a:srgbClr val="777879"/>
                 </a:solidFill>
                 <a:latin typeface="Adobe Clean"/>
                 <a:cs typeface="Adobe Clean"/>
               </a:rPr>
-              <a:t>USA</a:t>
+              <a:t>EE. UU.</a:t>
             </a:r>
-            <a:endParaRPr sz="800">
-              <a:latin typeface="Adobe Clean"/>
-              <a:cs typeface="Adobe Clean"/>
-            </a:endParaRPr>
           </a:p>
           <a:p>
             <a:pPr marL="12700">
@@ -11995,7 +10060,7 @@
               </a:spcBef>
             </a:pPr>
             <a:r>
-              <a:rPr sz="800" u="sng" spc="-25" dirty="0">
+              <a:rPr lang="es-ES" sz="800" u="sng">
                 <a:solidFill>
                   <a:srgbClr val="5F5F5F"/>
                 </a:solidFill>
@@ -12010,10 +10075,6 @@
               </a:rPr>
               <a:t>www.adobe.com</a:t>
             </a:r>
-            <a:endParaRPr sz="800">
-              <a:latin typeface="Adobe Clean"/>
-              <a:cs typeface="Adobe Clean"/>
-            </a:endParaRPr>
           </a:p>
         </p:txBody>
       </p:sp>
@@ -12188,17 +10249,27 @@
               </a:spcBef>
             </a:pPr>
             <a:r>
-              <a:rPr sz="1100" i="1" spc="-10" dirty="0">
+              <a:rPr lang="es-ES" sz="1100" i="1" dirty="0">
                 <a:solidFill>
                   <a:srgbClr val="777879"/>
                 </a:solidFill>
                 <a:latin typeface="AdobeClean-LightIt"/>
                 <a:cs typeface="AdobeClean-LightIt"/>
               </a:rPr>
-              <a:t>To</a:t>
+              <a:t>Para saber más sobre las ofertas de asistencia de Adobe y el nivel adecuado para usted, póngase en contacto con su administrador de cuentas (NAM) o con su </a:t>
             </a:r>
             <a:r>
-              <a:rPr sz="1100" i="1" spc="-50" dirty="0">
+              <a:rPr lang="es-ES" sz="1100" i="1" dirty="0" err="1">
+                <a:solidFill>
+                  <a:srgbClr val="777879"/>
+                </a:solidFill>
+                <a:latin typeface="AdobeClean-LightIt"/>
+                <a:cs typeface="AdobeClean-LightIt"/>
+              </a:rPr>
+              <a:t>Customer</a:t>
+            </a:r>
+            <a:r>
+              <a:rPr lang="es-ES" sz="1100" i="1" dirty="0">
                 <a:solidFill>
                   <a:srgbClr val="777879"/>
                 </a:solidFill>
@@ -12208,357 +10279,7 @@
               <a:t> </a:t>
             </a:r>
             <a:r>
-              <a:rPr sz="1100" i="1" spc="-15" dirty="0">
-                <a:solidFill>
-                  <a:srgbClr val="777879"/>
-                </a:solidFill>
-                <a:latin typeface="AdobeClean-LightIt"/>
-                <a:cs typeface="AdobeClean-LightIt"/>
-              </a:rPr>
-              <a:t>learn</a:t>
-            </a:r>
-            <a:r>
-              <a:rPr sz="1100" i="1" spc="-40" dirty="0">
-                <a:solidFill>
-                  <a:srgbClr val="777879"/>
-                </a:solidFill>
-                <a:latin typeface="AdobeClean-LightIt"/>
-                <a:cs typeface="AdobeClean-LightIt"/>
-              </a:rPr>
-              <a:t> </a:t>
-            </a:r>
-            <a:r>
-              <a:rPr sz="1100" i="1" spc="-15" dirty="0">
-                <a:solidFill>
-                  <a:srgbClr val="777879"/>
-                </a:solidFill>
-                <a:latin typeface="AdobeClean-LightIt"/>
-                <a:cs typeface="AdobeClean-LightIt"/>
-              </a:rPr>
-              <a:t>more</a:t>
-            </a:r>
-            <a:r>
-              <a:rPr sz="1100" i="1" spc="-45" dirty="0">
-                <a:solidFill>
-                  <a:srgbClr val="777879"/>
-                </a:solidFill>
-                <a:latin typeface="AdobeClean-LightIt"/>
-                <a:cs typeface="AdobeClean-LightIt"/>
-              </a:rPr>
-              <a:t> </a:t>
-            </a:r>
-            <a:r>
-              <a:rPr sz="1100" i="1" spc="-15" dirty="0">
-                <a:solidFill>
-                  <a:srgbClr val="777879"/>
-                </a:solidFill>
-                <a:latin typeface="AdobeClean-LightIt"/>
-                <a:cs typeface="AdobeClean-LightIt"/>
-              </a:rPr>
-              <a:t>about</a:t>
-            </a:r>
-            <a:r>
-              <a:rPr sz="1100" i="1" spc="-45" dirty="0">
-                <a:solidFill>
-                  <a:srgbClr val="777879"/>
-                </a:solidFill>
-                <a:latin typeface="AdobeClean-LightIt"/>
-                <a:cs typeface="AdobeClean-LightIt"/>
-              </a:rPr>
-              <a:t> </a:t>
-            </a:r>
-            <a:r>
-              <a:rPr sz="1100" i="1" spc="-15" dirty="0">
-                <a:solidFill>
-                  <a:srgbClr val="777879"/>
-                </a:solidFill>
-                <a:latin typeface="AdobeClean-LightIt"/>
-                <a:cs typeface="AdobeClean-LightIt"/>
-              </a:rPr>
-              <a:t>Adobe</a:t>
-            </a:r>
-            <a:r>
-              <a:rPr sz="1100" i="1" spc="-60" dirty="0">
-                <a:solidFill>
-                  <a:srgbClr val="777879"/>
-                </a:solidFill>
-                <a:latin typeface="AdobeClean-LightIt"/>
-                <a:cs typeface="AdobeClean-LightIt"/>
-              </a:rPr>
-              <a:t> </a:t>
-            </a:r>
-            <a:r>
-              <a:rPr sz="1100" i="1" spc="-15" dirty="0">
-                <a:solidFill>
-                  <a:srgbClr val="777879"/>
-                </a:solidFill>
-                <a:latin typeface="AdobeClean-LightIt"/>
-                <a:cs typeface="AdobeClean-LightIt"/>
-              </a:rPr>
-              <a:t>Support</a:t>
-            </a:r>
-            <a:r>
-              <a:rPr lang="en-US" sz="1100" i="1" spc="-15" dirty="0">
-                <a:solidFill>
-                  <a:srgbClr val="777879"/>
-                </a:solidFill>
-                <a:latin typeface="AdobeClean-LightIt"/>
-                <a:cs typeface="AdobeClean-LightIt"/>
-              </a:rPr>
-              <a:t> Offerings</a:t>
-            </a:r>
-            <a:r>
-              <a:rPr sz="1100" i="1" spc="-75" dirty="0">
-                <a:solidFill>
-                  <a:srgbClr val="777879"/>
-                </a:solidFill>
-                <a:latin typeface="AdobeClean-LightIt"/>
-                <a:cs typeface="AdobeClean-LightIt"/>
-              </a:rPr>
-              <a:t> </a:t>
-            </a:r>
-            <a:r>
-              <a:rPr sz="1100" i="1" spc="-15" dirty="0">
-                <a:solidFill>
-                  <a:srgbClr val="777879"/>
-                </a:solidFill>
-                <a:latin typeface="AdobeClean-LightIt"/>
-                <a:cs typeface="AdobeClean-LightIt"/>
-              </a:rPr>
-              <a:t>and</a:t>
-            </a:r>
-            <a:r>
-              <a:rPr sz="1100" i="1" spc="-50" dirty="0">
-                <a:solidFill>
-                  <a:srgbClr val="777879"/>
-                </a:solidFill>
-                <a:latin typeface="AdobeClean-LightIt"/>
-                <a:cs typeface="AdobeClean-LightIt"/>
-              </a:rPr>
-              <a:t> </a:t>
-            </a:r>
-            <a:r>
-              <a:rPr sz="1100" i="1" spc="-15" dirty="0">
-                <a:solidFill>
-                  <a:srgbClr val="777879"/>
-                </a:solidFill>
-                <a:latin typeface="AdobeClean-LightIt"/>
-                <a:cs typeface="AdobeClean-LightIt"/>
-              </a:rPr>
-              <a:t>the</a:t>
-            </a:r>
-            <a:r>
-              <a:rPr sz="1100" i="1" spc="-55" dirty="0">
-                <a:solidFill>
-                  <a:srgbClr val="777879"/>
-                </a:solidFill>
-                <a:latin typeface="AdobeClean-LightIt"/>
-                <a:cs typeface="AdobeClean-LightIt"/>
-              </a:rPr>
-              <a:t> </a:t>
-            </a:r>
-            <a:r>
-              <a:rPr sz="1100" i="1" spc="-15" dirty="0">
-                <a:solidFill>
-                  <a:srgbClr val="777879"/>
-                </a:solidFill>
-                <a:latin typeface="AdobeClean-LightIt"/>
-                <a:cs typeface="AdobeClean-LightIt"/>
-              </a:rPr>
-              <a:t>right</a:t>
-            </a:r>
-            <a:r>
-              <a:rPr sz="1100" i="1" spc="-95" dirty="0">
-                <a:solidFill>
-                  <a:srgbClr val="777879"/>
-                </a:solidFill>
-                <a:latin typeface="AdobeClean-LightIt"/>
-                <a:cs typeface="AdobeClean-LightIt"/>
-              </a:rPr>
-              <a:t> </a:t>
-            </a:r>
-            <a:r>
-              <a:rPr sz="1100" i="1" spc="-15" dirty="0">
-                <a:solidFill>
-                  <a:srgbClr val="777879"/>
-                </a:solidFill>
-                <a:latin typeface="AdobeClean-LightIt"/>
-                <a:cs typeface="AdobeClean-LightIt"/>
-              </a:rPr>
-              <a:t>level</a:t>
-            </a:r>
-            <a:r>
-              <a:rPr sz="1100" i="1" spc="-55" dirty="0">
-                <a:solidFill>
-                  <a:srgbClr val="777879"/>
-                </a:solidFill>
-                <a:latin typeface="AdobeClean-LightIt"/>
-                <a:cs typeface="AdobeClean-LightIt"/>
-              </a:rPr>
-              <a:t> </a:t>
-            </a:r>
-            <a:r>
-              <a:rPr sz="1100" i="1" spc="-15" dirty="0">
-                <a:solidFill>
-                  <a:srgbClr val="777879"/>
-                </a:solidFill>
-                <a:latin typeface="AdobeClean-LightIt"/>
-                <a:cs typeface="AdobeClean-LightIt"/>
-              </a:rPr>
-              <a:t>for</a:t>
-            </a:r>
-            <a:r>
-              <a:rPr sz="1100" i="1" spc="-85" dirty="0">
-                <a:solidFill>
-                  <a:srgbClr val="777879"/>
-                </a:solidFill>
-                <a:latin typeface="AdobeClean-LightIt"/>
-                <a:cs typeface="AdobeClean-LightIt"/>
-              </a:rPr>
-              <a:t> </a:t>
-            </a:r>
-            <a:r>
-              <a:rPr sz="1100" i="1" spc="-15" dirty="0">
-                <a:solidFill>
-                  <a:srgbClr val="777879"/>
-                </a:solidFill>
-                <a:latin typeface="AdobeClean-LightIt"/>
-                <a:cs typeface="AdobeClean-LightIt"/>
-              </a:rPr>
-              <a:t>you,</a:t>
-            </a:r>
-            <a:r>
-              <a:rPr sz="1100" i="1" spc="-65" dirty="0">
-                <a:solidFill>
-                  <a:srgbClr val="777879"/>
-                </a:solidFill>
-                <a:latin typeface="AdobeClean-LightIt"/>
-                <a:cs typeface="AdobeClean-LightIt"/>
-              </a:rPr>
-              <a:t> </a:t>
-            </a:r>
-            <a:r>
-              <a:rPr sz="1100" i="1" spc="-15" dirty="0">
-                <a:solidFill>
-                  <a:srgbClr val="777879"/>
-                </a:solidFill>
-                <a:latin typeface="AdobeClean-LightIt"/>
-                <a:cs typeface="AdobeClean-LightIt"/>
-              </a:rPr>
-              <a:t>contact</a:t>
-            </a:r>
-            <a:r>
-              <a:rPr sz="1100" i="1" spc="-85" dirty="0">
-                <a:solidFill>
-                  <a:srgbClr val="777879"/>
-                </a:solidFill>
-                <a:latin typeface="AdobeClean-LightIt"/>
-                <a:cs typeface="AdobeClean-LightIt"/>
-              </a:rPr>
-              <a:t> </a:t>
-            </a:r>
-            <a:r>
-              <a:rPr sz="1100" i="1" spc="-15" dirty="0">
-                <a:solidFill>
-                  <a:srgbClr val="777879"/>
-                </a:solidFill>
-                <a:latin typeface="AdobeClean-LightIt"/>
-                <a:cs typeface="AdobeClean-LightIt"/>
-              </a:rPr>
-              <a:t>your</a:t>
-            </a:r>
-            <a:r>
-              <a:rPr sz="1100" i="1" spc="-70" dirty="0">
-                <a:solidFill>
-                  <a:srgbClr val="777879"/>
-                </a:solidFill>
-                <a:latin typeface="AdobeClean-LightIt"/>
-                <a:cs typeface="AdobeClean-LightIt"/>
-              </a:rPr>
-              <a:t> </a:t>
-            </a:r>
-            <a:r>
-              <a:rPr sz="1100" i="1" spc="-15" dirty="0">
-                <a:solidFill>
-                  <a:srgbClr val="777879"/>
-                </a:solidFill>
-                <a:latin typeface="AdobeClean-LightIt"/>
-                <a:cs typeface="AdobeClean-LightIt"/>
-              </a:rPr>
-              <a:t>Named</a:t>
-            </a:r>
-            <a:r>
-              <a:rPr sz="1100" i="1" spc="-55" dirty="0">
-                <a:solidFill>
-                  <a:srgbClr val="777879"/>
-                </a:solidFill>
-                <a:latin typeface="AdobeClean-LightIt"/>
-                <a:cs typeface="AdobeClean-LightIt"/>
-              </a:rPr>
-              <a:t> </a:t>
-            </a:r>
-            <a:r>
-              <a:rPr sz="1100" i="1" spc="-25" dirty="0">
-                <a:solidFill>
-                  <a:srgbClr val="777879"/>
-                </a:solidFill>
-                <a:latin typeface="AdobeClean-LightIt"/>
-                <a:cs typeface="AdobeClean-LightIt"/>
-              </a:rPr>
-              <a:t>Account</a:t>
-            </a:r>
-            <a:r>
-              <a:rPr sz="1100" i="1" spc="-120" dirty="0">
-                <a:solidFill>
-                  <a:srgbClr val="777879"/>
-                </a:solidFill>
-                <a:latin typeface="AdobeClean-LightIt"/>
-                <a:cs typeface="AdobeClean-LightIt"/>
-              </a:rPr>
-              <a:t> </a:t>
-            </a:r>
-            <a:r>
-              <a:rPr sz="1100" i="1" spc="-20" dirty="0">
-                <a:solidFill>
-                  <a:srgbClr val="777879"/>
-                </a:solidFill>
-                <a:latin typeface="AdobeClean-LightIt"/>
-                <a:cs typeface="AdobeClean-LightIt"/>
-              </a:rPr>
-              <a:t>Manager  </a:t>
-            </a:r>
-            <a:r>
-              <a:rPr sz="1100" i="1" spc="-15" dirty="0">
-                <a:solidFill>
-                  <a:srgbClr val="777879"/>
-                </a:solidFill>
-                <a:latin typeface="AdobeClean-LightIt"/>
-                <a:cs typeface="AdobeClean-LightIt"/>
-              </a:rPr>
-              <a:t>(NAM) </a:t>
-            </a:r>
-            <a:r>
-              <a:rPr sz="1100" i="1" spc="-10" dirty="0">
-                <a:solidFill>
-                  <a:srgbClr val="777879"/>
-                </a:solidFill>
-                <a:latin typeface="AdobeClean-LightIt"/>
-                <a:cs typeface="AdobeClean-LightIt"/>
-              </a:rPr>
-              <a:t>or </a:t>
-            </a:r>
-            <a:r>
-              <a:rPr sz="1100" i="1" spc="-15" dirty="0">
-                <a:solidFill>
-                  <a:srgbClr val="777879"/>
-                </a:solidFill>
-                <a:latin typeface="AdobeClean-LightIt"/>
-                <a:cs typeface="AdobeClean-LightIt"/>
-              </a:rPr>
-              <a:t>Customer </a:t>
-            </a:r>
-            <a:r>
-              <a:rPr sz="1100" i="1" spc="-20" dirty="0">
+              <a:rPr lang="es-ES" sz="1100" i="1" dirty="0" err="1">
                 <a:solidFill>
                   <a:srgbClr val="777879"/>
                 </a:solidFill>
@@ -12568,29 +10289,15 @@
               <a:t>Success</a:t>
             </a:r>
             <a:r>
-              <a:rPr sz="1100" i="1" spc="-180" dirty="0">
+              <a:rPr lang="es-ES" sz="1100" i="1" dirty="0">
                 <a:solidFill>
                   <a:srgbClr val="777879"/>
                 </a:solidFill>
                 <a:latin typeface="AdobeClean-LightIt"/>
                 <a:cs typeface="AdobeClean-LightIt"/>
               </a:rPr>
-              <a:t> </a:t>
+              <a:t> Manager (CSM)</a:t>
             </a:r>
-            <a:r>
-              <a:rPr sz="1100" i="1" spc="-15" dirty="0">
-                <a:solidFill>
-                  <a:srgbClr val="777879"/>
-                </a:solidFill>
-                <a:latin typeface="AdobeClean-LightIt"/>
-                <a:cs typeface="AdobeClean-LightIt"/>
-              </a:rPr>
-              <a:t>Manager(CSM)</a:t>
-            </a:r>
-            <a:endParaRPr sz="1100" dirty="0">
-              <a:latin typeface="AdobeClean-LightIt"/>
-              <a:cs typeface="AdobeClean-LightIt"/>
-            </a:endParaRPr>
           </a:p>
           <a:p>
             <a:pPr marL="34290">
@@ -12602,37 +10309,27 @@
               </a:spcBef>
             </a:pPr>
             <a:r>
-              <a:rPr sz="800" spc="-5" dirty="0">
+              <a:rPr lang="es-ES" sz="800" dirty="0">
                 <a:solidFill>
                   <a:srgbClr val="6D6D6D"/>
                 </a:solidFill>
                 <a:latin typeface="Adobe Clean"/>
                 <a:cs typeface="Adobe Clean"/>
               </a:rPr>
-              <a:t>©202</a:t>
+              <a:t>©2021 Adobe. </a:t>
             </a:r>
             <a:r>
-              <a:rPr lang="en-US" sz="800" spc="-5" dirty="0">
+              <a:rPr lang="es-ES" sz="800" dirty="0" err="1">
                 <a:solidFill>
                   <a:srgbClr val="6D6D6D"/>
                 </a:solidFill>
                 <a:latin typeface="Adobe Clean"/>
                 <a:cs typeface="Adobe Clean"/>
               </a:rPr>
-              <a:t>1</a:t>
+              <a:t>All</a:t>
             </a:r>
             <a:r>
-              <a:rPr sz="800" spc="-5" dirty="0">
-                <a:solidFill>
-                  <a:srgbClr val="6D6D6D"/>
-                </a:solidFill>
-                <a:latin typeface="Adobe Clean"/>
-                <a:cs typeface="Adobe Clean"/>
-              </a:rPr>
-              <a:t> Adobe. All Rights Reserved. Adobe</a:t>
-            </a:r>
-            <a:r>
-              <a:rPr sz="800" spc="75" dirty="0">
+              <a:rPr lang="es-ES" sz="800" dirty="0">
                 <a:solidFill>
                   <a:srgbClr val="6D6D6D"/>
                 </a:solidFill>
@@ -12642,19 +10339,65 @@
               <a:t> </a:t>
             </a:r>
             <a:r>
-              <a:rPr sz="800" spc="-5" dirty="0">
+              <a:rPr lang="es-ES" sz="800" dirty="0" err="1">
                 <a:solidFill>
                   <a:srgbClr val="6D6D6D"/>
                 </a:solidFill>
                 <a:latin typeface="Adobe Clean"/>
                 <a:cs typeface="Adobe Clean"/>
               </a:rPr>
-              <a:t>Confidential.</a:t>
+              <a:t>Rights</a:t>
             </a:r>
-            <a:endParaRPr sz="800" dirty="0">
-              <a:latin typeface="Adobe Clean"/>
-              <a:cs typeface="Adobe Clean"/>
-            </a:endParaRPr>
+            <a:r>
+              <a:rPr lang="es-ES" sz="800" dirty="0">
+                <a:solidFill>
+                  <a:srgbClr val="6D6D6D"/>
+                </a:solidFill>
+                <a:latin typeface="Adobe Clean"/>
+                <a:cs typeface="Adobe Clean"/>
+              </a:rPr>
+              <a:t> </a:t>
+            </a:r>
+            <a:r>
+              <a:rPr lang="es-ES" sz="800" dirty="0" err="1">
+                <a:solidFill>
+                  <a:srgbClr val="6D6D6D"/>
+                </a:solidFill>
+                <a:latin typeface="Adobe Clean"/>
+                <a:cs typeface="Adobe Clean"/>
+              </a:rPr>
+              <a:t>Reserved</a:t>
+            </a:r>
+            <a:r>
+              <a:rPr lang="es-ES" sz="800" dirty="0">
+                <a:solidFill>
+                  <a:srgbClr val="6D6D6D"/>
+                </a:solidFill>
+                <a:latin typeface="Adobe Clean"/>
+                <a:cs typeface="Adobe Clean"/>
+              </a:rPr>
+              <a:t>. Adobe </a:t>
+            </a:r>
+            <a:r>
+              <a:rPr lang="es-ES" sz="800" dirty="0" err="1">
+                <a:solidFill>
+                  <a:srgbClr val="6D6D6D"/>
+                </a:solidFill>
+                <a:latin typeface="Adobe Clean"/>
+                <a:cs typeface="Adobe Clean"/>
+              </a:rPr>
+              <a:t>Confidential</a:t>
+            </a:r>
+            <a:r>
+              <a:rPr lang="es-ES" sz="800" dirty="0">
+                <a:solidFill>
+                  <a:srgbClr val="6D6D6D"/>
+                </a:solidFill>
+                <a:latin typeface="Adobe Clean"/>
+                <a:cs typeface="Adobe Clean"/>
+              </a:rPr>
+              <a:t>.</a:t>
+            </a:r>
           </a:p>
         </p:txBody>
       </p:sp>
@@ -12672,8 +10415,8 @@
         </p:nvSpPr>
         <p:spPr>
           <a:xfrm>
-            <a:off x="171129" y="5057379"/>
-            <a:ext cx="6476646" cy="755976"/>
+            <a:off x="171128" y="5057379"/>
+            <a:ext cx="7144071" cy="755976"/>
           </a:xfrm>
           <a:prstGeom prst="rect">
             <a:avLst/>
@@ -12691,14 +10434,14 @@
               </a:spcBef>
             </a:pPr>
             <a:r>
-              <a:rPr lang="en-US" sz="1400" b="1" spc="-15" dirty="0">
+              <a:rPr lang="es-ES" sz="1400" b="1" dirty="0">
                 <a:solidFill>
                   <a:srgbClr val="020302"/>
                 </a:solidFill>
                 <a:latin typeface="Adobe Clean"/>
                 <a:cs typeface="Adobe Clean"/>
               </a:rPr>
-              <a:t>Regional scope of Adobe Support, Local Hours Of Operation And Language Support</a:t>
+              <a:t>Alcance regional del Soporte de Adobe, horas locales de trabajo y compatibilidad de idioma</a:t>
             </a:r>
           </a:p>
           <a:p>
@@ -12708,13 +10451,30 @@
               </a:spcBef>
             </a:pPr>
             <a:r>
-              <a:rPr lang="en-US" sz="1000" spc="-15" dirty="0">
+              <a:rPr lang="es-ES" sz="1000" dirty="0">
                 <a:solidFill>
                   <a:srgbClr val="1F1F1F"/>
                 </a:solidFill>
                 <a:latin typeface="AdobeClean-Light"/>
               </a:rPr>
-              <a:t>The Regional scope of Adobe Support is established by aligning the customer's billing address (via the Sales Order or other Adobe Support purchasing document) to one of the following regions:</a:t>
+              <a:t>El alcance regional del Soporte de Adobe se establece asignando la dirección de facturación del cliente </a:t>
+            </a:r>
+            <a:br>
+              <a:rPr lang="sk-SK" sz="1000" dirty="0">
+                <a:solidFill>
+                  <a:srgbClr val="1F1F1F"/>
+                </a:solidFill>
+                <a:latin typeface="AdobeClean-Light"/>
+              </a:rPr>
+            </a:br>
+            <a:r>
+              <a:rPr lang="es-ES" sz="1000" dirty="0">
+                <a:solidFill>
+                  <a:srgbClr val="1F1F1F"/>
+                </a:solidFill>
+                <a:latin typeface="AdobeClean-Light"/>
+              </a:rPr>
+              <a:t>(mediante la orden de venta o el documento de compra de Soporte de Adobe) con una de estas regiones:</a:t>
             </a:r>
           </a:p>
         </p:txBody>
@@ -12734,7 +10494,7 @@
           <p:nvPr>
             <p:extLst>
               <p:ext uri="{D42A27DB-BD31-4B8C-83A1-F6EECF244321}">
-                <p14:modId xmlns:p14="http://schemas.microsoft.com/office/powerpoint/2010/main" val="2846210228"/>
+                <p14:modId xmlns:p14="http://schemas.microsoft.com/office/powerpoint/2010/main" val="470106434"/>
               </p:ext>
             </p:extLst>
           </p:nvPr>
@@ -12787,13 +10547,13 @@
                     <a:p>
                       <a:pPr algn="ctr"/>
                       <a:r>
-                        <a:rPr lang="en-US" sz="1100" dirty="0">
+                        <a:rPr lang="es-ES" sz="1100">
                           <a:solidFill>
                             <a:schemeClr val="tx1"/>
                           </a:solidFill>
                           <a:latin typeface="Adobe Clean" panose="020B0503020404020204" pitchFamily="34" charset="0"/>
                         </a:rPr>
-                        <a:t>Americas</a:t>
+                        <a:t>América</a:t>
                       </a:r>
                     </a:p>
                   </a:txBody>
@@ -12852,13 +10612,30 @@
                     <a:p>
                       <a:pPr algn="ctr"/>
                       <a:r>
-                        <a:rPr lang="en-US" sz="1100" dirty="0">
+                        <a:rPr lang="es-ES" sz="1100" dirty="0">
                           <a:solidFill>
                             <a:schemeClr val="tx1"/>
                           </a:solidFill>
                           <a:latin typeface="Adobe Clean" panose="020B0503020404020204" pitchFamily="34" charset="0"/>
                         </a:rPr>
-                        <a:t>Europe, Middle East &amp; Africa</a:t>
+                        <a:t>Europa, Oriente </a:t>
+                      </a:r>
+                      <a:br>
+                        <a:rPr lang="sk-SK" sz="1100" dirty="0">
+                          <a:solidFill>
+                            <a:schemeClr val="tx1"/>
+                          </a:solidFill>
+                          <a:latin typeface="Adobe Clean" panose="020B0503020404020204" pitchFamily="34" charset="0"/>
+                        </a:rPr>
+                      </a:br>
+                      <a:r>
+                        <a:rPr lang="es-ES" sz="1100" dirty="0">
+                          <a:solidFill>
+                            <a:schemeClr val="tx1"/>
+                          </a:solidFill>
+                          <a:latin typeface="Adobe Clean" panose="020B0503020404020204" pitchFamily="34" charset="0"/>
+                        </a:rPr>
+                        <a:t>Medio y África</a:t>
                       </a:r>
                     </a:p>
                   </a:txBody>
@@ -12917,13 +10694,13 @@
                     <a:p>
                       <a:pPr algn="ctr"/>
                       <a:r>
-                        <a:rPr lang="en-US" sz="1100" dirty="0">
+                        <a:rPr lang="es-ES" sz="1100">
                           <a:solidFill>
                             <a:schemeClr val="tx1"/>
                           </a:solidFill>
                           <a:latin typeface="Adobe Clean" panose="020B0503020404020204" pitchFamily="34" charset="0"/>
                         </a:rPr>
-                        <a:t>Asia Pacific</a:t>
+                        <a:t>Asia-Pacífico</a:t>
                       </a:r>
                     </a:p>
                   </a:txBody>
@@ -12982,16 +10759,16 @@
                     <a:p>
                       <a:pPr algn="ctr"/>
                       <a:r>
-                        <a:rPr lang="en-US" sz="1100" dirty="0">
+                        <a:rPr lang="es-ES" sz="1100">
                           <a:solidFill>
                             <a:schemeClr val="tx1"/>
                           </a:solidFill>
                           <a:latin typeface="Adobe Clean"/>
                         </a:rPr>
-                        <a:t>Japan </a:t>
+                        <a:t>Japón </a:t>
                       </a:r>
                       <a:r>
-                        <a:rPr lang="en-US" sz="1100" baseline="30000" dirty="0">
+                        <a:rPr lang="es-ES" sz="1100" baseline="30000">
                           <a:solidFill>
                             <a:schemeClr val="tx1"/>
                           </a:solidFill>
@@ -12999,12 +10776,6 @@
                         </a:rPr>
                         <a:t>1 </a:t>
                       </a:r>
-                      <a:endParaRPr lang="en-US" sz="1100" dirty="0">
-                        <a:solidFill>
-                          <a:schemeClr val="tx1"/>
-                        </a:solidFill>
-                        <a:latin typeface="Adobe Clean" panose="020B0503020404020204" pitchFamily="34" charset="0"/>
-                      </a:endParaRPr>
                     </a:p>
                   </a:txBody>
                   <a:tcPr anchor="ctr">
@@ -13069,13 +10840,13 @@
                     <a:p>
                       <a:pPr algn="ctr"/>
                       <a:r>
-                        <a:rPr lang="en-US" sz="1100" dirty="0">
+                        <a:rPr lang="es-ES" sz="1100">
                           <a:solidFill>
                             <a:schemeClr val="tx1"/>
                           </a:solidFill>
                           <a:latin typeface="Adobe Clean" panose="020B0503020404020204" pitchFamily="34" charset="0"/>
                         </a:rPr>
-                        <a:t>6 am – 5:30 pm</a:t>
+                        <a:t>06:00 h - 17:30 h</a:t>
                       </a:r>
                     </a:p>
                   </a:txBody>
@@ -13134,13 +10905,13 @@
                     <a:p>
                       <a:pPr algn="ctr"/>
                       <a:r>
-                        <a:rPr lang="en-US" sz="1100" dirty="0">
+                        <a:rPr lang="es-ES" sz="1100">
                           <a:solidFill>
                             <a:schemeClr val="tx1"/>
                           </a:solidFill>
                           <a:latin typeface="Adobe Clean" panose="020B0503020404020204" pitchFamily="34" charset="0"/>
                         </a:rPr>
-                        <a:t>9 am – 5 pm</a:t>
+                        <a:t>09:00 h - 17:00 h</a:t>
                       </a:r>
                     </a:p>
                   </a:txBody>
@@ -13199,13 +10970,13 @@
                     <a:p>
                       <a:pPr algn="ctr"/>
                       <a:r>
-                        <a:rPr lang="en-US" sz="1100" dirty="0">
+                        <a:rPr lang="es-ES" sz="1100">
                           <a:solidFill>
                             <a:schemeClr val="tx1"/>
                           </a:solidFill>
                           <a:latin typeface="Adobe Clean" panose="020B0503020404020204" pitchFamily="34" charset="0"/>
                         </a:rPr>
-                        <a:t>9 am – 5 pm</a:t>
+                        <a:t>09:00 h - 17:00 h</a:t>
                       </a:r>
                     </a:p>
                   </a:txBody>
@@ -13264,13 +11035,13 @@
                     <a:p>
                       <a:pPr algn="ctr"/>
                       <a:r>
-                        <a:rPr lang="en-US" sz="1100" dirty="0">
+                        <a:rPr lang="es-ES" sz="1100">
                           <a:solidFill>
                             <a:schemeClr val="tx1"/>
                           </a:solidFill>
                           <a:latin typeface="Adobe Clean" panose="020B0503020404020204" pitchFamily="34" charset="0"/>
                         </a:rPr>
-                        <a:t>9 am – 5:30 pm</a:t>
+                        <a:t>09:00 h - 17:30 h</a:t>
                       </a:r>
                     </a:p>
                   </a:txBody>
@@ -13350,20 +11121,14 @@
                         <a:buNone/>
                       </a:pPr>
                       <a:r>
-                        <a:rPr lang="en-US" sz="1100" dirty="0">
+                        <a:rPr lang="es-ES" sz="1100" dirty="0">
                           <a:solidFill>
                             <a:schemeClr val="tx1"/>
                           </a:solidFill>
                           <a:latin typeface="Adobe Clean"/>
                         </a:rPr>
-                        <a:t>Language support is only available in English and Japanese.</a:t>
+                        <a:t>Compatibilidad de idioma solo disponible en inglés y japonés</a:t>
                       </a:r>
-                      <a:endParaRPr lang="en-US" sz="1100" dirty="0">
-                        <a:solidFill>
-                          <a:schemeClr val="tx1"/>
-                        </a:solidFill>
-                        <a:latin typeface="Adobe Clean" panose="020B0503020404020204" pitchFamily="34" charset="0"/>
-                      </a:endParaRPr>
                     </a:p>
                     <a:p>
                       <a:pPr marL="0" marR="0" lvl="0" indent="0" algn="ctr" defTabSz="914400" eaLnBrk="1" fontAlgn="auto" latinLnBrk="0" hangingPunct="1">
@@ -13384,17 +11149,17 @@
                         <a:defRPr/>
                       </a:pPr>
                       <a:r>
-                        <a:rPr lang="en-US" sz="1100" i="1" dirty="0">
+                        <a:rPr lang="es-ES" sz="1100" i="1" dirty="0">
                           <a:solidFill>
                             <a:schemeClr val="tx1"/>
                           </a:solidFill>
                           <a:latin typeface="Adobe Clean"/>
                         </a:rPr>
-                        <a:t>*Adobe Commerce excludes Japanese language support.</a:t>
+                        <a:t>*Adobe Commerce no incluye soporte en japonés.</a:t>
                       </a:r>
                     </a:p>
                     <a:p>
-                      <a:pPr algn="ctr"/>
+                      <a:pPr algn="l" rtl="0"/>
                       <a:endParaRPr kumimoji="0" lang="en-US" sz="1100" b="1" i="0" u="none" strike="noStrike" kern="0" cap="none" spc="0" normalizeH="0" baseline="30000" noProof="0" dirty="0">
                         <a:ln>
                           <a:noFill/>
@@ -13413,7 +11178,7 @@
                     <a:p>
                       <a:pPr algn="ctr"/>
                       <a:r>
-                        <a:rPr lang="en-US" sz="1100" i="0" dirty="0">
+                        <a:rPr lang="es-ES" sz="1100" i="0" dirty="0">
                           <a:solidFill>
                             <a:schemeClr val="tx1"/>
                           </a:solidFill>
@@ -13422,7 +11187,7 @@
                         <a:t> </a:t>
                       </a:r>
                       <a:r>
-                        <a:rPr lang="en-US" sz="1100" i="0" baseline="30000" dirty="0">
+                        <a:rPr lang="es-ES" sz="1100" i="0" baseline="30000" dirty="0">
                           <a:solidFill>
                             <a:schemeClr val="tx1"/>
                           </a:solidFill>
@@ -13431,23 +11196,17 @@
                         <a:t>1 </a:t>
                       </a:r>
                       <a:r>
-                        <a:rPr lang="en-US" sz="1100" i="0" dirty="0">
+                        <a:rPr lang="es-ES" sz="1100" i="0" dirty="0">
                           <a:solidFill>
                             <a:schemeClr val="tx1"/>
                           </a:solidFill>
                           <a:latin typeface="Adobe Clean"/>
                         </a:rPr>
-                        <a:t>P2, P3, P4 cases are limited to business hours only in Japan.</a:t>
+                        <a:t>Los casos de P2, P3, P4 se limitan únicamente al horario laboral en Japón.</a:t>
                       </a:r>
-                      <a:endParaRPr lang="en-US" sz="1100" b="1" i="0" dirty="0">
-                        <a:solidFill>
-                          <a:schemeClr val="tx1"/>
-                        </a:solidFill>
-                        <a:latin typeface="Adobe Clean"/>
-                      </a:endParaRPr>
-                    </a:p>
-                    <a:p>
-                      <a:pPr algn="ctr"/>
+                    </a:p>
+                    <a:p>
+                      <a:pPr algn="l" rtl="0"/>
                       <a:endParaRPr lang="en-US" sz="1100" dirty="0">
                         <a:solidFill>
                           <a:schemeClr val="tx1"/>
@@ -13817,129 +11576,15 @@
               </a:spcBef>
             </a:pPr>
             <a:r>
-              <a:rPr sz="1200" b="1" spc="-15" dirty="0">
+              <a:rPr lang="es-ES" sz="1200" b="1">
                 <a:solidFill>
                   <a:srgbClr val="FFFFFF"/>
                 </a:solidFill>
                 <a:latin typeface="Adobe Clean"/>
                 <a:cs typeface="Adobe Clean"/>
               </a:rPr>
-              <a:t>U</a:t>
+              <a:t>Experiencia sin igual</a:t>
             </a:r>
-            <a:r>
-              <a:rPr sz="1200" b="1" spc="-20" dirty="0">
-                <a:solidFill>
-                  <a:srgbClr val="FFFFFF"/>
-                </a:solidFill>
-                <a:latin typeface="Adobe Clean"/>
-                <a:cs typeface="Adobe Clean"/>
-              </a:rPr>
-              <a:t>n</a:t>
-            </a:r>
-            <a:r>
-              <a:rPr sz="1200" b="1" spc="-25" dirty="0">
-                <a:solidFill>
-                  <a:srgbClr val="FFFFFF"/>
-                </a:solidFill>
-                <a:latin typeface="Adobe Clean"/>
-                <a:cs typeface="Adobe Clean"/>
-              </a:rPr>
-              <a:t>p</a:t>
-            </a:r>
-            <a:r>
-              <a:rPr sz="1200" b="1" spc="-15" dirty="0">
-                <a:solidFill>
-                  <a:srgbClr val="FFFFFF"/>
-                </a:solidFill>
-                <a:latin typeface="Adobe Clean"/>
-                <a:cs typeface="Adobe Clean"/>
-              </a:rPr>
-              <a:t>a</a:t>
-            </a:r>
-            <a:r>
-              <a:rPr sz="1200" b="1" spc="-25" dirty="0">
-                <a:solidFill>
-                  <a:srgbClr val="FFFFFF"/>
-                </a:solidFill>
-                <a:latin typeface="Adobe Clean"/>
-                <a:cs typeface="Adobe Clean"/>
-              </a:rPr>
-              <a:t>r</a:t>
-            </a:r>
-            <a:r>
-              <a:rPr sz="1200" b="1" spc="-15" dirty="0">
-                <a:solidFill>
-                  <a:srgbClr val="FFFFFF"/>
-                </a:solidFill>
-                <a:latin typeface="Adobe Clean"/>
-                <a:cs typeface="Adobe Clean"/>
-              </a:rPr>
-              <a:t>a</a:t>
-            </a:r>
-            <a:r>
-              <a:rPr sz="1200" b="1" spc="-30" dirty="0">
-                <a:solidFill>
-                  <a:srgbClr val="FFFFFF"/>
-                </a:solidFill>
-                <a:latin typeface="Adobe Clean"/>
-                <a:cs typeface="Adobe Clean"/>
-              </a:rPr>
-              <a:t>ll</a:t>
-            </a:r>
-            <a:r>
-              <a:rPr sz="1200" b="1" spc="-25" dirty="0">
-                <a:solidFill>
-                  <a:srgbClr val="FFFFFF"/>
-                </a:solidFill>
-                <a:latin typeface="Adobe Clean"/>
-                <a:cs typeface="Adobe Clean"/>
-              </a:rPr>
-              <a:t>e</a:t>
-            </a:r>
-            <a:r>
-              <a:rPr sz="1200" b="1" spc="-30" dirty="0">
-                <a:solidFill>
-                  <a:srgbClr val="FFFFFF"/>
-                </a:solidFill>
-                <a:latin typeface="Adobe Clean"/>
-                <a:cs typeface="Adobe Clean"/>
-              </a:rPr>
-              <a:t>l</a:t>
-            </a:r>
-            <a:r>
-              <a:rPr sz="1200" b="1" spc="-25" dirty="0">
-                <a:solidFill>
-                  <a:srgbClr val="FFFFFF"/>
-                </a:solidFill>
-                <a:latin typeface="Adobe Clean"/>
-                <a:cs typeface="Adobe Clean"/>
-              </a:rPr>
-              <a:t>e</a:t>
-            </a:r>
-            <a:r>
-              <a:rPr sz="1200" b="1" dirty="0">
-                <a:solidFill>
-                  <a:srgbClr val="FFFFFF"/>
-                </a:solidFill>
-                <a:latin typeface="Adobe Clean"/>
-                <a:cs typeface="Adobe Clean"/>
-              </a:rPr>
-              <a:t>d  </a:t>
-            </a:r>
-            <a:r>
-              <a:rPr sz="1200" b="1" spc="-25" dirty="0">
-                <a:solidFill>
-                  <a:srgbClr val="FFFFFF"/>
-                </a:solidFill>
-                <a:latin typeface="Adobe Clean"/>
-                <a:cs typeface="Adobe Clean"/>
-              </a:rPr>
-              <a:t>Expertise</a:t>
-            </a:r>
-            <a:endParaRPr sz="1200" dirty="0">
-              <a:latin typeface="Adobe Clean"/>
-              <a:cs typeface="Adobe Clean"/>
-            </a:endParaRPr>
           </a:p>
         </p:txBody>
       </p:sp>
@@ -13979,19 +11624,15 @@
               </a:spcBef>
             </a:pPr>
             <a:r>
-              <a:rPr lang="en-US" sz="1200" b="1" spc="-15" dirty="0">
+              <a:rPr lang="es-ES" sz="1200" b="1">
                 <a:solidFill>
                   <a:srgbClr val="FFFFFF"/>
                 </a:solidFill>
                 <a:latin typeface="Adobe Clean"/>
                 <a:cs typeface="Adobe Clean"/>
               </a:rPr>
-              <a:t>Accelerated Support</a:t>
+              <a:t>Asistencia ágil</a:t>
             </a:r>
-            <a:endParaRPr sz="1200" dirty="0">
-              <a:latin typeface="Adobe Clean"/>
-              <a:cs typeface="Adobe Clean"/>
-            </a:endParaRPr>
           </a:p>
         </p:txBody>
       </p:sp>
@@ -14009,8 +11650,8 @@
         </p:nvSpPr>
         <p:spPr>
           <a:xfrm>
-            <a:off x="6624119" y="8543943"/>
-            <a:ext cx="510540" cy="385445"/>
+            <a:off x="6477000" y="8543943"/>
+            <a:ext cx="810895" cy="385445"/>
           </a:xfrm>
           <a:prstGeom prst="rect">
             <a:avLst/>
@@ -14022,7 +11663,7 @@
           </a:bodyPr>
           <a:lstStyle/>
           <a:p>
-            <a:pPr marL="50800" marR="5080" indent="-51435">
+            <a:pPr marL="50800" marR="5080" indent="-51435" algn="ctr">
               <a:lnSpc>
                 <a:spcPts val="1390"/>
               </a:lnSpc>
@@ -14031,109 +11672,15 @@
               </a:spcBef>
             </a:pPr>
             <a:r>
-              <a:rPr sz="1200" b="1" spc="-50" dirty="0">
+              <a:rPr lang="es-ES" sz="1200" b="1" dirty="0">
                 <a:solidFill>
                   <a:srgbClr val="FFFFFF"/>
                 </a:solidFill>
                 <a:latin typeface="Adobe Clean"/>
                 <a:cs typeface="Adobe Clean"/>
               </a:rPr>
-              <a:t>S</a:t>
+              <a:t>Asesoría estratégica</a:t>
             </a:r>
-            <a:r>
-              <a:rPr sz="1200" b="1" spc="-20" dirty="0">
-                <a:solidFill>
-                  <a:srgbClr val="FFFFFF"/>
-                </a:solidFill>
-                <a:latin typeface="Adobe Clean"/>
-                <a:cs typeface="Adobe Clean"/>
-              </a:rPr>
-              <a:t>t</a:t>
-            </a:r>
-            <a:r>
-              <a:rPr sz="1200" b="1" spc="-75" dirty="0">
-                <a:solidFill>
-                  <a:srgbClr val="FFFFFF"/>
-                </a:solidFill>
-                <a:latin typeface="Adobe Clean"/>
-                <a:cs typeface="Adobe Clean"/>
-              </a:rPr>
-              <a:t>r</a:t>
-            </a:r>
-            <a:r>
-              <a:rPr sz="1200" b="1" spc="-90" dirty="0">
-                <a:solidFill>
-                  <a:srgbClr val="FFFFFF"/>
-                </a:solidFill>
-                <a:latin typeface="Adobe Clean"/>
-                <a:cs typeface="Adobe Clean"/>
-              </a:rPr>
-              <a:t>a</a:t>
-            </a:r>
-            <a:r>
-              <a:rPr sz="1200" b="1" spc="-55" dirty="0">
-                <a:solidFill>
-                  <a:srgbClr val="FFFFFF"/>
-                </a:solidFill>
-                <a:latin typeface="Adobe Clean"/>
-                <a:cs typeface="Adobe Clean"/>
-              </a:rPr>
-              <a:t>t</a:t>
-            </a:r>
-            <a:r>
-              <a:rPr sz="1200" b="1" spc="-100" dirty="0">
-                <a:solidFill>
-                  <a:srgbClr val="FFFFFF"/>
-                </a:solidFill>
-                <a:latin typeface="Adobe Clean"/>
-                <a:cs typeface="Adobe Clean"/>
-              </a:rPr>
-              <a:t>e</a:t>
-            </a:r>
-            <a:r>
-              <a:rPr sz="1200" b="1" spc="-80" dirty="0">
-                <a:solidFill>
-                  <a:srgbClr val="FFFFFF"/>
-                </a:solidFill>
-                <a:latin typeface="Adobe Clean"/>
-                <a:cs typeface="Adobe Clean"/>
-              </a:rPr>
-              <a:t>g</a:t>
-            </a:r>
-            <a:r>
-              <a:rPr sz="1200" b="1" spc="-35" dirty="0">
-                <a:solidFill>
-                  <a:srgbClr val="FFFFFF"/>
-                </a:solidFill>
-                <a:latin typeface="Adobe Clean"/>
-                <a:cs typeface="Adobe Clean"/>
-              </a:rPr>
-              <a:t>i</a:t>
-            </a:r>
-            <a:r>
-              <a:rPr sz="1200" b="1" dirty="0">
-                <a:solidFill>
-                  <a:srgbClr val="FFFFFF"/>
-                </a:solidFill>
-                <a:latin typeface="Adobe Clean"/>
-                <a:cs typeface="Adobe Clean"/>
-              </a:rPr>
-              <a:t>c  </a:t>
-            </a:r>
-            <a:r>
-              <a:rPr sz="1200" b="1" spc="-45" dirty="0">
-                <a:solidFill>
-                  <a:srgbClr val="FFFFFF"/>
-                </a:solidFill>
-                <a:latin typeface="Adobe Clean"/>
-                <a:cs typeface="Adobe Clean"/>
-              </a:rPr>
-              <a:t>Advice</a:t>
-            </a:r>
-            <a:endParaRPr sz="1200" dirty="0">
-              <a:latin typeface="Adobe Clean"/>
-              <a:cs typeface="Adobe Clean"/>
-            </a:endParaRPr>
           </a:p>
         </p:txBody>
       </p:sp>
@@ -14152,14 +11699,14 @@
           <p:nvPr>
             <p:extLst>
               <p:ext uri="{D42A27DB-BD31-4B8C-83A1-F6EECF244321}">
-                <p14:modId xmlns:p14="http://schemas.microsoft.com/office/powerpoint/2010/main" val="375036756"/>
+                <p14:modId xmlns:p14="http://schemas.microsoft.com/office/powerpoint/2010/main" val="3777494027"/>
               </p:ext>
             </p:extLst>
           </p:nvPr>
         </p:nvGraphicFramePr>
         <p:xfrm>
           <a:off x="194236" y="1059345"/>
-          <a:ext cx="7368291" cy="3235960"/>
+          <a:ext cx="7368291" cy="3388360"/>
         </p:xfrm>
         <a:graphic>
           <a:graphicData uri="http://schemas.openxmlformats.org/drawingml/2006/table">
@@ -14190,7 +11737,7 @@
                     <a:lstStyle/>
                     <a:p>
                       <a:r>
-                        <a:rPr lang="en-US" sz="1100" b="0" dirty="0">
+                        <a:rPr lang="es-ES" sz="1100" b="0">
                           <a:solidFill>
                             <a:schemeClr val="tx1"/>
                           </a:solidFill>
@@ -14201,14 +11748,6 @@
                         </a:rPr>
                         <a:t>Experience League</a:t>
                       </a:r>
-                      <a:endParaRPr lang="en-US" sz="1100" b="0" dirty="0">
-                        <a:solidFill>
-                          <a:schemeClr val="tx1"/>
-                        </a:solidFill>
-                        <a:latin typeface="Adobe Clean" panose="020B0503020404020204" pitchFamily="34" charset="0"/>
-                        <a:ea typeface="+mn-ea"/>
-                        <a:cs typeface="+mn-cs"/>
-                      </a:endParaRPr>
                     </a:p>
                   </a:txBody>
                   <a:tcPr marL="47625" marR="47625" marT="0" marB="0" anchor="ctr">
@@ -14282,7 +11821,7 @@
                         <a:defRPr/>
                       </a:pPr>
                       <a:r>
-                        <a:rPr lang="en-US" sz="1000" b="0" kern="1200" dirty="0">
+                        <a:rPr lang="es-ES" sz="1000" b="0" dirty="0" err="1">
                           <a:solidFill>
                             <a:srgbClr val="000000"/>
                           </a:solidFill>
@@ -14290,7 +11829,102 @@
                           <a:ea typeface="+mn-ea"/>
                           <a:cs typeface="+mn-cs"/>
                         </a:rPr>
-                        <a:t>Experience League is how Adobe helps businesses achieve the value they expect from their Adobe investment. It’s the unified place where customers can learn, connect, and grow along a personalized path to success that includes self-help tutorials, product documentation, instructor-led training, community and technical support. </a:t>
+                        <a:t>Experience</a:t>
+                      </a:r>
+                      <a:r>
+                        <a:rPr lang="es-ES" sz="1000" b="0" dirty="0">
+                          <a:solidFill>
+                            <a:srgbClr val="000000"/>
+                          </a:solidFill>
+                          <a:latin typeface="Adobe Clean Light" panose="020B0303020404020204" pitchFamily="34" charset="0"/>
+                          <a:ea typeface="+mn-ea"/>
+                          <a:cs typeface="+mn-cs"/>
+                        </a:rPr>
+                        <a:t> League permite a Adobe ayudar a las empresas a alcanzar el valor que esperan de su inversión en Adobe. Es el lugar unificado </a:t>
+                      </a:r>
+                      <a:br>
+                        <a:rPr lang="sk-SK" sz="1000" b="0" dirty="0">
+                          <a:solidFill>
+                            <a:srgbClr val="000000"/>
+                          </a:solidFill>
+                          <a:latin typeface="Adobe Clean Light" panose="020B0303020404020204" pitchFamily="34" charset="0"/>
+                          <a:ea typeface="+mn-ea"/>
+                          <a:cs typeface="+mn-cs"/>
+                        </a:rPr>
+                      </a:br>
+                      <a:r>
+                        <a:rPr lang="es-ES" sz="1000" b="0" dirty="0">
+                          <a:solidFill>
+                            <a:srgbClr val="000000"/>
+                          </a:solidFill>
+                          <a:latin typeface="Adobe Clean Light" panose="020B0303020404020204" pitchFamily="34" charset="0"/>
+                          <a:ea typeface="+mn-ea"/>
+                          <a:cs typeface="+mn-cs"/>
+                        </a:rPr>
+                        <a:t>en el que los clientes pueden aprender, dialogar y crecer siguiendo </a:t>
+                      </a:r>
+                      <a:br>
+                        <a:rPr lang="sk-SK" sz="1000" b="0" dirty="0">
+                          <a:solidFill>
+                            <a:srgbClr val="000000"/>
+                          </a:solidFill>
+                          <a:latin typeface="Adobe Clean Light" panose="020B0303020404020204" pitchFamily="34" charset="0"/>
+                          <a:ea typeface="+mn-ea"/>
+                          <a:cs typeface="+mn-cs"/>
+                        </a:rPr>
+                      </a:br>
+                      <a:r>
+                        <a:rPr lang="es-ES" sz="1000" b="0" dirty="0">
+                          <a:solidFill>
+                            <a:srgbClr val="000000"/>
+                          </a:solidFill>
+                          <a:latin typeface="Adobe Clean Light" panose="020B0303020404020204" pitchFamily="34" charset="0"/>
+                          <a:ea typeface="+mn-ea"/>
+                          <a:cs typeface="+mn-cs"/>
+                        </a:rPr>
+                        <a:t>un camino personalizado hacia el éxito que incluye tutoriales </a:t>
+                      </a:r>
+                      <a:br>
+                        <a:rPr lang="sk-SK" sz="1000" b="0" dirty="0">
+                          <a:solidFill>
+                            <a:srgbClr val="000000"/>
+                          </a:solidFill>
+                          <a:latin typeface="Adobe Clean Light" panose="020B0303020404020204" pitchFamily="34" charset="0"/>
+                          <a:ea typeface="+mn-ea"/>
+                          <a:cs typeface="+mn-cs"/>
+                        </a:rPr>
+                      </a:br>
+                      <a:r>
+                        <a:rPr lang="es-ES" sz="1000" b="0" dirty="0">
+                          <a:solidFill>
+                            <a:srgbClr val="000000"/>
+                          </a:solidFill>
+                          <a:latin typeface="Adobe Clean Light" panose="020B0303020404020204" pitchFamily="34" charset="0"/>
+                          <a:ea typeface="+mn-ea"/>
+                          <a:cs typeface="+mn-cs"/>
+                        </a:rPr>
+                        <a:t>de autoayuda, documentación de productos, formación dirigida </a:t>
+                      </a:r>
+                      <a:br>
+                        <a:rPr lang="sk-SK" sz="1000" b="0" dirty="0">
+                          <a:solidFill>
+                            <a:srgbClr val="000000"/>
+                          </a:solidFill>
+                          <a:latin typeface="Adobe Clean Light" panose="020B0303020404020204" pitchFamily="34" charset="0"/>
+                          <a:ea typeface="+mn-ea"/>
+                          <a:cs typeface="+mn-cs"/>
+                        </a:rPr>
+                      </a:br>
+                      <a:r>
+                        <a:rPr lang="es-ES" sz="1000" b="0" dirty="0">
+                          <a:solidFill>
+                            <a:srgbClr val="000000"/>
+                          </a:solidFill>
+                          <a:latin typeface="Adobe Clean Light" panose="020B0303020404020204" pitchFamily="34" charset="0"/>
+                          <a:ea typeface="+mn-ea"/>
+                          <a:cs typeface="+mn-cs"/>
+                        </a:rPr>
+                        <a:t>por instructores, y asistencia técnica y comunitaria. </a:t>
                       </a:r>
                     </a:p>
                   </a:txBody>
@@ -14372,39 +12006,28 @@
                         <a:defRPr/>
                       </a:pPr>
                       <a:r>
-                        <a:rPr lang="en-US" sz="1100" dirty="0">
+                        <a:rPr lang="es-ES" sz="1100">
                           <a:solidFill>
                             <a:schemeClr val="dk1"/>
                           </a:solidFill>
-                          <a:effectLst/>
                           <a:latin typeface="Adobe Clean" panose="020B0503020404020204" pitchFamily="34" charset="0"/>
                           <a:ea typeface="+mn-ea"/>
                           <a:cs typeface="+mn-cs"/>
                           <a:hlinkClick r:id="rId8"/>
                         </a:rPr>
-                        <a:t>Training</a:t>
+                        <a:t>Formación</a:t>
                       </a:r>
                       <a:r>
-                        <a:rPr lang="en-US" sz="1100" dirty="0">
+                        <a:rPr lang="es-ES" sz="1100">
                           <a:solidFill>
                             <a:schemeClr val="dk1"/>
                           </a:solidFill>
-                          <a:effectLst/>
                           <a:latin typeface="Adobe Clean" panose="020B0503020404020204" pitchFamily="34" charset="0"/>
                           <a:ea typeface="+mn-ea"/>
                           <a:cs typeface="+mn-cs"/>
                         </a:rPr>
                         <a:t> </a:t>
                       </a:r>
-                      <a:endParaRPr lang="en-US" sz="1100" dirty="0">
-                        <a:solidFill>
-                          <a:schemeClr val="tx1"/>
-                        </a:solidFill>
-                        <a:effectLst/>
-                        <a:latin typeface="Adobe Clean" panose="020B0503020404020204" pitchFamily="34" charset="0"/>
-                        <a:ea typeface="+mn-ea"/>
-                        <a:cs typeface="+mn-cs"/>
-                      </a:endParaRPr>
                     </a:p>
                   </a:txBody>
                   <a:tcPr anchor="ctr">
@@ -14478,7 +12101,7 @@
                         <a:defRPr/>
                       </a:pPr>
                       <a:r>
-                        <a:rPr lang="en-US" sz="1000" kern="1200" dirty="0">
+                        <a:rPr lang="es-ES" sz="1000" dirty="0">
                           <a:solidFill>
                             <a:srgbClr val="000000"/>
                           </a:solidFill>
@@ -14486,7 +12109,73 @@
                           <a:ea typeface="+mn-ea"/>
                           <a:cs typeface="+mn-cs"/>
                         </a:rPr>
-                        <a:t>Adobe Digital Learning Services courses are accessible from Experience League. Learning courses integrate both on-demand and instructor-led lessons.  Here you can accrue skills that have recognized market value and position them to drive success in your organizations.</a:t>
+                        <a:t>Puede acceder a los cursos de Adobe Digital </a:t>
+                      </a:r>
+                      <a:r>
+                        <a:rPr lang="es-ES" sz="1000" dirty="0" err="1">
+                          <a:solidFill>
+                            <a:srgbClr val="000000"/>
+                          </a:solidFill>
+                          <a:latin typeface="Adobe Clean Light" panose="020B0303020404020204" pitchFamily="34" charset="0"/>
+                          <a:ea typeface="+mn-ea"/>
+                          <a:cs typeface="+mn-cs"/>
+                        </a:rPr>
+                        <a:t>Learning</a:t>
+                      </a:r>
+                      <a:r>
+                        <a:rPr lang="es-ES" sz="1000" dirty="0">
+                          <a:solidFill>
+                            <a:srgbClr val="000000"/>
+                          </a:solidFill>
+                          <a:latin typeface="Adobe Clean Light" panose="020B0303020404020204" pitchFamily="34" charset="0"/>
+                          <a:ea typeface="+mn-ea"/>
+                          <a:cs typeface="+mn-cs"/>
+                        </a:rPr>
+                        <a:t> </a:t>
+                      </a:r>
+                      <a:r>
+                        <a:rPr lang="es-ES" sz="1000" dirty="0" err="1">
+                          <a:solidFill>
+                            <a:srgbClr val="000000"/>
+                          </a:solidFill>
+                          <a:latin typeface="Adobe Clean Light" panose="020B0303020404020204" pitchFamily="34" charset="0"/>
+                          <a:ea typeface="+mn-ea"/>
+                          <a:cs typeface="+mn-cs"/>
+                        </a:rPr>
+                        <a:t>Services</a:t>
+                      </a:r>
+                      <a:r>
+                        <a:rPr lang="es-ES" sz="1000" dirty="0">
+                          <a:solidFill>
+                            <a:srgbClr val="000000"/>
+                          </a:solidFill>
+                          <a:latin typeface="Adobe Clean Light" panose="020B0303020404020204" pitchFamily="34" charset="0"/>
+                          <a:ea typeface="+mn-ea"/>
+                          <a:cs typeface="+mn-cs"/>
+                        </a:rPr>
+                        <a:t> desde </a:t>
+                      </a:r>
+                      <a:r>
+                        <a:rPr lang="es-ES" sz="1000" dirty="0" err="1">
+                          <a:solidFill>
+                            <a:srgbClr val="000000"/>
+                          </a:solidFill>
+                          <a:latin typeface="Adobe Clean Light" panose="020B0303020404020204" pitchFamily="34" charset="0"/>
+                          <a:ea typeface="+mn-ea"/>
+                          <a:cs typeface="+mn-cs"/>
+                        </a:rPr>
+                        <a:t>Experience</a:t>
+                      </a:r>
+                      <a:r>
+                        <a:rPr lang="es-ES" sz="1000" dirty="0">
+                          <a:solidFill>
+                            <a:srgbClr val="000000"/>
+                          </a:solidFill>
+                          <a:latin typeface="Adobe Clean Light" panose="020B0303020404020204" pitchFamily="34" charset="0"/>
+                          <a:ea typeface="+mn-ea"/>
+                          <a:cs typeface="+mn-cs"/>
+                        </a:rPr>
+                        <a:t> League. Los cursos de formación incluyen desde lecciones bajo demanda hasta lecciones impartidas por instructores. Aquí puede aprender habilidades con valor de mercado reconocido para impulsar el éxito en su organización.</a:t>
                       </a:r>
                     </a:p>
                   </a:txBody>
@@ -14568,27 +12257,17 @@
                         <a:defRPr/>
                       </a:pPr>
                       <a:r>
-                        <a:rPr lang="en-US" sz="1100" dirty="0">
+                        <a:rPr lang="es-ES" sz="1100">
                           <a:solidFill>
                             <a:schemeClr val="tx1"/>
                           </a:solidFill>
-                          <a:effectLst/>
                           <a:latin typeface="Adobe Clean" panose="020B0503020404020204" pitchFamily="34" charset="0"/>
                           <a:ea typeface="+mn-ea"/>
                           <a:cs typeface="+mn-cs"/>
                           <a:hlinkClick r:id="rId9"/>
                         </a:rPr>
-                        <a:t>Production Issues &amp; System Outages</a:t>
+                        <a:t>Problemas de producción e interrupciones del sistema</a:t>
                       </a:r>
-                      <a:endParaRPr lang="en-US" sz="1100" dirty="0">
-                        <a:solidFill>
-                          <a:schemeClr val="tx1"/>
-                        </a:solidFill>
-                        <a:effectLst/>
-                        <a:latin typeface="Adobe Clean" panose="020B0503020404020204" pitchFamily="34" charset="0"/>
-                        <a:ea typeface="+mn-ea"/>
-                        <a:cs typeface="+mn-cs"/>
-                      </a:endParaRPr>
                     </a:p>
                   </a:txBody>
                   <a:tcPr anchor="ctr">
@@ -14662,7 +12341,7 @@
                         <a:defRPr/>
                       </a:pPr>
                       <a:r>
-                        <a:rPr lang="en-US" sz="1000" kern="1200" dirty="0">
+                        <a:rPr lang="es-ES" sz="1000">
                           <a:solidFill>
                             <a:srgbClr val="000000"/>
                           </a:solidFill>
@@ -14670,7 +12349,7 @@
                           <a:ea typeface="+mn-ea"/>
                           <a:cs typeface="+mn-cs"/>
                         </a:rPr>
-                        <a:t>Status.adobe.com conveys the health information of all Adobe products and services that are deployed in multi-tenant environments. Customers can choose their subscription preferences to get email notifications whenever Adobe creates, updates or resolves a product event. This can include scheduled maintenance or service issues of varying levels of severity. </a:t>
+                        <a:t>Status.adobe.com transmite la información de estado de todos los productos y servicios de Adobe implementados en entornos de varios inquilinos. Los clientes pueden elegir sus preferencias de suscripción para recibir notificaciones por correo electrónico cada vez que Adobe cree, actualice o resuelva un evento de producto. Esto puede incluir problemas de mantenimiento o servicio programados de diversos niveles de gravedad. </a:t>
                       </a:r>
                     </a:p>
                   </a:txBody>
@@ -14752,27 +12431,17 @@
                         <a:defRPr/>
                       </a:pPr>
                       <a:r>
-                        <a:rPr lang="en-US" sz="1100" dirty="0">
+                        <a:rPr lang="es-ES" sz="1100">
                           <a:solidFill>
                             <a:schemeClr val="tx1"/>
                           </a:solidFill>
-                          <a:effectLst/>
                           <a:latin typeface="Adobe Clean" panose="020B0503020404020204" pitchFamily="34" charset="0"/>
                           <a:ea typeface="+mn-ea"/>
                           <a:cs typeface="+mn-cs"/>
                           <a:hlinkClick r:id="rId10"/>
                         </a:rPr>
-                        <a:t>Terms and Conditions</a:t>
+                        <a:t>Términos y condiciones</a:t>
                       </a:r>
-                      <a:endParaRPr lang="en-US" sz="1100" dirty="0">
-                        <a:solidFill>
-                          <a:schemeClr val="tx1"/>
-                        </a:solidFill>
-                        <a:effectLst/>
-                        <a:latin typeface="Adobe Clean" panose="020B0503020404020204" pitchFamily="34" charset="0"/>
-                        <a:ea typeface="+mn-ea"/>
-                        <a:cs typeface="+mn-cs"/>
-                      </a:endParaRPr>
                     </a:p>
                   </a:txBody>
                   <a:tcPr anchor="ctr">
@@ -14829,7 +12498,7 @@
                     <a:lstStyle/>
                     <a:p>
                       <a:r>
-                        <a:rPr lang="en-US" sz="1000" kern="1200" dirty="0">
+                        <a:rPr lang="es-ES" sz="1000" dirty="0">
                           <a:solidFill>
                             <a:srgbClr val="000000"/>
                           </a:solidFill>
@@ -14837,7 +12506,7 @@
                           <a:ea typeface="+mn-ea"/>
                           <a:cs typeface="+mn-cs"/>
                         </a:rPr>
-                        <a:t>Terms and conditions detailing Support Services offerings</a:t>
+                        <a:t>Términos y condiciones de las ofertas de los servicios de soporte</a:t>
                       </a:r>
                     </a:p>
                   </a:txBody>
@@ -15608,12 +13277,6 @@
 </file>
 
 <file path=customXml/item1.xml><?xml version="1.0" encoding="utf-8"?>
-<p:properties xmlns:p="http://schemas.microsoft.com/office/2006/metadata/properties" xmlns:xsi="http://www.w3.org/2001/XMLSchema-instance" xmlns:pc="http://schemas.microsoft.com/office/infopath/2007/PartnerControls">
-  <documentManagement/>
-</p:properties>
-</file>
-
-<file path=customXml/item2.xml><?xml version="1.0" encoding="utf-8"?>
 <ct:contentTypeSchema xmlns:ct="http://schemas.microsoft.com/office/2006/metadata/contentType" xmlns:ma="http://schemas.microsoft.com/office/2006/metadata/properties/metaAttributes" ct:_="" ma:_="" ma:contentTypeName="Document" ma:contentTypeID="0x010100E783BF6876BCC646A459363AF21A7736" ma:contentTypeVersion="10" ma:contentTypeDescription="Create a new document." ma:contentTypeScope="" ma:versionID="c4ffda7f4f415767600769e454c2ea87">
   <xsd:schema xmlns:xsd="http://www.w3.org/2001/XMLSchema" xmlns:xs="http://www.w3.org/2001/XMLSchema" xmlns:p="http://schemas.microsoft.com/office/2006/metadata/properties" xmlns:ns2="8a053bff-88be-49e4-9a87-e748e18b8b62" xmlns:ns3="6c8368ec-3776-49b5-a5bb-90648cf9530f" targetNamespace="http://schemas.microsoft.com/office/2006/metadata/properties" ma:root="true" ma:fieldsID="df3ec33bccc23e23bce7bc897fad43d1" ns2:_="" ns3:_="">
     <xsd:import namespace="8a053bff-88be-49e4-9a87-e748e18b8b62"/>
@@ -15818,6 +13481,12 @@
 </ct:contentTypeSchema>
 </file>
 
+<file path=customXml/item2.xml><?xml version="1.0" encoding="utf-8"?>
+<p:properties xmlns:p="http://schemas.microsoft.com/office/2006/metadata/properties" xmlns:xsi="http://www.w3.org/2001/XMLSchema-instance" xmlns:pc="http://schemas.microsoft.com/office/infopath/2007/PartnerControls">
+  <documentManagement/>
+</p:properties>
+</file>
+
 <file path=customXml/item3.xml><?xml version="1.0" encoding="utf-8"?>
 <?mso-contentType ?>
 <FormTemplates xmlns="http://schemas.microsoft.com/sharepoint/v3/contenttype/forms">
@@ -15828,15 +13497,6 @@
 </file>
 
 <file path=customXml/itemProps1.xml><?xml version="1.0" encoding="utf-8"?>
-<ds:datastoreItem xmlns:ds="http://schemas.openxmlformats.org/officeDocument/2006/customXml" ds:itemID="{8D12BD98-169B-4BEE-86DF-4C9641DF23C4}">
-  <ds:schemaRefs>
-    <ds:schemaRef ds:uri="http://schemas.microsoft.com/office/2006/metadata/properties"/>
-    <ds:schemaRef ds:uri="http://schemas.microsoft.com/office/infopath/2007/PartnerControls"/>
-  </ds:schemaRefs>
-</ds:datastoreItem>
-</file>
-
-<file path=customXml/itemProps2.xml><?xml version="1.0" encoding="utf-8"?>
 <ds:datastoreItem xmlns:ds="http://schemas.openxmlformats.org/officeDocument/2006/customXml" ds:itemID="{34863498-7BB7-4F09-9F4A-B99E97FDB0EB}">
   <ds:schemaRefs>
     <ds:schemaRef ds:uri="http://schemas.microsoft.com/office/2006/metadata/contentType"/>
@@ -15855,6 +13515,15 @@
 </ds:datastoreItem>
 </file>
 
+<file path=customXml/itemProps2.xml><?xml version="1.0" encoding="utf-8"?>
+<ds:datastoreItem xmlns:ds="http://schemas.openxmlformats.org/officeDocument/2006/customXml" ds:itemID="{8D12BD98-169B-4BEE-86DF-4C9641DF23C4}">
+  <ds:schemaRefs>
+    <ds:schemaRef ds:uri="http://schemas.microsoft.com/office/2006/metadata/properties"/>
+    <ds:schemaRef ds:uri="http://schemas.microsoft.com/office/infopath/2007/PartnerControls"/>
+  </ds:schemaRefs>
+</ds:datastoreItem>
+</file>
+
 <file path=customXml/itemProps3.xml><?xml version="1.0" encoding="utf-8"?>
 <ds:datastoreItem xmlns:ds="http://schemas.openxmlformats.org/officeDocument/2006/customXml" ds:itemID="{AC92E7FA-19A2-4675-9C77-2C92D8A268D1}">
   <ds:schemaRefs>

--- a/help/data-sheets/assets/OnlineSupportDatasheet.pptx
+++ b/help/data-sheets/assets/OnlineSupportDatasheet.pptx
@@ -131,7 +131,7 @@
 <file path=ppt/revisionInfo.xml><?xml version="1.0" encoding="utf-8"?>
 <p1510:revInfo xmlns:a="http://schemas.openxmlformats.org/drawingml/2006/main" xmlns:r="http://schemas.openxmlformats.org/officeDocument/2006/relationships" xmlns:p1510="http://schemas.microsoft.com/office/powerpoint/2015/10/main">
   <p1510:revLst>
-    <p1510:client id="{5343DD59-8FB2-7AAD-1875-255EDB54B98D}" v="367" dt="2021-09-22T18:47:16.489"/>
+    <p1510:client id="{096F7488-A26A-D845-83B0-BE2FC48D1AFD}" v="1" dt="2021-10-13T19:37:08.512"/>
   </p1510:revLst>
 </p1510:revInfo>
 </file>
@@ -167,6 +167,186 @@
             <ac:graphicFrameMk id="25" creationId="{3A91F5B0-3974-A14D-A146-FB590F2AAD18}"/>
           </ac:graphicFrameMkLst>
         </pc:graphicFrameChg>
+      </pc:sldChg>
+    </pc:docChg>
+  </pc:docChgLst>
+  <pc:docChgLst>
+    <pc:chgData name="Akilah Johnson" userId="S::akjohnso@adobe.com::2fa3aa60-0c9c-4d06-bae2-795983241227" providerId="AD" clId="Web-{57A486D7-8267-4044-450E-B1D42691F1A4}"/>
+    <pc:docChg chg="modSld">
+      <pc:chgData name="Akilah Johnson" userId="S::akjohnso@adobe.com::2fa3aa60-0c9c-4d06-bae2-795983241227" providerId="AD" clId="Web-{57A486D7-8267-4044-450E-B1D42691F1A4}" dt="2021-10-12T15:47:55.091" v="2" actId="20577"/>
+      <pc:docMkLst>
+        <pc:docMk/>
+      </pc:docMkLst>
+      <pc:sldChg chg="modSp">
+        <pc:chgData name="Akilah Johnson" userId="S::akjohnso@adobe.com::2fa3aa60-0c9c-4d06-bae2-795983241227" providerId="AD" clId="Web-{57A486D7-8267-4044-450E-B1D42691F1A4}" dt="2021-10-12T15:47:55.091" v="2" actId="20577"/>
+        <pc:sldMkLst>
+          <pc:docMk/>
+          <pc:sldMk cId="0" sldId="256"/>
+        </pc:sldMkLst>
+        <pc:spChg chg="mod">
+          <ac:chgData name="Akilah Johnson" userId="S::akjohnso@adobe.com::2fa3aa60-0c9c-4d06-bae2-795983241227" providerId="AD" clId="Web-{57A486D7-8267-4044-450E-B1D42691F1A4}" dt="2021-10-12T15:47:55.091" v="2" actId="20577"/>
+          <ac:spMkLst>
+            <pc:docMk/>
+            <pc:sldMk cId="0" sldId="256"/>
+            <ac:spMk id="5" creationId="{00000000-0000-0000-0000-000000000000}"/>
+          </ac:spMkLst>
+        </pc:spChg>
+      </pc:sldChg>
+    </pc:docChg>
+  </pc:docChgLst>
+  <pc:docChgLst>
+    <pc:chgData name="Lauren Schutte" userId="6e08b2d3-447a-4d66-86be-444d50df187f" providerId="ADAL" clId="{096F7488-A26A-D845-83B0-BE2FC48D1AFD}"/>
+    <pc:docChg chg="modSld">
+      <pc:chgData name="Lauren Schutte" userId="6e08b2d3-447a-4d66-86be-444d50df187f" providerId="ADAL" clId="{096F7488-A26A-D845-83B0-BE2FC48D1AFD}" dt="2021-10-13T19:38:26.139" v="4" actId="20577"/>
+      <pc:docMkLst>
+        <pc:docMk/>
+      </pc:docMkLst>
+      <pc:sldChg chg="modSp mod">
+        <pc:chgData name="Lauren Schutte" userId="6e08b2d3-447a-4d66-86be-444d50df187f" providerId="ADAL" clId="{096F7488-A26A-D845-83B0-BE2FC48D1AFD}" dt="2021-10-13T19:37:16.686" v="2" actId="242"/>
+        <pc:sldMkLst>
+          <pc:docMk/>
+          <pc:sldMk cId="0" sldId="256"/>
+        </pc:sldMkLst>
+        <pc:graphicFrameChg chg="mod modGraphic">
+          <ac:chgData name="Lauren Schutte" userId="6e08b2d3-447a-4d66-86be-444d50df187f" providerId="ADAL" clId="{096F7488-A26A-D845-83B0-BE2FC48D1AFD}" dt="2021-10-13T19:37:16.686" v="2" actId="242"/>
+          <ac:graphicFrameMkLst>
+            <pc:docMk/>
+            <pc:sldMk cId="0" sldId="256"/>
+            <ac:graphicFrameMk id="9" creationId="{00000000-0000-0000-0000-000000000000}"/>
+          </ac:graphicFrameMkLst>
+        </pc:graphicFrameChg>
+      </pc:sldChg>
+      <pc:sldChg chg="modSp mod">
+        <pc:chgData name="Lauren Schutte" userId="6e08b2d3-447a-4d66-86be-444d50df187f" providerId="ADAL" clId="{096F7488-A26A-D845-83B0-BE2FC48D1AFD}" dt="2021-10-13T19:38:11.810" v="3" actId="20577"/>
+        <pc:sldMkLst>
+          <pc:docMk/>
+          <pc:sldMk cId="0" sldId="257"/>
+        </pc:sldMkLst>
+        <pc:spChg chg="mod">
+          <ac:chgData name="Lauren Schutte" userId="6e08b2d3-447a-4d66-86be-444d50df187f" providerId="ADAL" clId="{096F7488-A26A-D845-83B0-BE2FC48D1AFD}" dt="2021-10-13T19:38:11.810" v="3" actId="20577"/>
+          <ac:spMkLst>
+            <pc:docMk/>
+            <pc:sldMk cId="0" sldId="257"/>
+            <ac:spMk id="39" creationId="{00000000-0000-0000-0000-000000000000}"/>
+          </ac:spMkLst>
+        </pc:spChg>
+      </pc:sldChg>
+      <pc:sldChg chg="modSp mod">
+        <pc:chgData name="Lauren Schutte" userId="6e08b2d3-447a-4d66-86be-444d50df187f" providerId="ADAL" clId="{096F7488-A26A-D845-83B0-BE2FC48D1AFD}" dt="2021-10-13T19:38:26.139" v="4" actId="20577"/>
+        <pc:sldMkLst>
+          <pc:docMk/>
+          <pc:sldMk cId="799510854" sldId="260"/>
+        </pc:sldMkLst>
+        <pc:graphicFrameChg chg="modGraphic">
+          <ac:chgData name="Lauren Schutte" userId="6e08b2d3-447a-4d66-86be-444d50df187f" providerId="ADAL" clId="{096F7488-A26A-D845-83B0-BE2FC48D1AFD}" dt="2021-10-13T19:38:26.139" v="4" actId="20577"/>
+          <ac:graphicFrameMkLst>
+            <pc:docMk/>
+            <pc:sldMk cId="799510854" sldId="260"/>
+            <ac:graphicFrameMk id="111" creationId="{D8653CEC-4213-DE40-9BAF-D1E3318FF89C}"/>
+          </ac:graphicFrameMkLst>
+        </pc:graphicFrameChg>
+      </pc:sldChg>
+    </pc:docChg>
+  </pc:docChgLst>
+  <pc:docChgLst>
+    <pc:chgData name="Akilah Johnson" userId="S::akjohnso@adobe.com::2fa3aa60-0c9c-4d06-bae2-795983241227" providerId="AD" clId="Web-{CF46E89E-48FC-BA32-13C5-654DDA452FDC}"/>
+    <pc:docChg chg="modSld">
+      <pc:chgData name="Akilah Johnson" userId="S::akjohnso@adobe.com::2fa3aa60-0c9c-4d06-bae2-795983241227" providerId="AD" clId="Web-{CF46E89E-48FC-BA32-13C5-654DDA452FDC}" dt="2021-10-12T17:00:50.675" v="21" actId="20577"/>
+      <pc:docMkLst>
+        <pc:docMk/>
+      </pc:docMkLst>
+      <pc:sldChg chg="modSp">
+        <pc:chgData name="Akilah Johnson" userId="S::akjohnso@adobe.com::2fa3aa60-0c9c-4d06-bae2-795983241227" providerId="AD" clId="Web-{CF46E89E-48FC-BA32-13C5-654DDA452FDC}" dt="2021-10-12T16:58:10.550" v="6" actId="20577"/>
+        <pc:sldMkLst>
+          <pc:docMk/>
+          <pc:sldMk cId="0" sldId="256"/>
+        </pc:sldMkLst>
+        <pc:spChg chg="mod">
+          <ac:chgData name="Akilah Johnson" userId="S::akjohnso@adobe.com::2fa3aa60-0c9c-4d06-bae2-795983241227" providerId="AD" clId="Web-{CF46E89E-48FC-BA32-13C5-654DDA452FDC}" dt="2021-10-12T16:58:10.550" v="6" actId="20577"/>
+          <ac:spMkLst>
+            <pc:docMk/>
+            <pc:sldMk cId="0" sldId="256"/>
+            <ac:spMk id="2" creationId="{00000000-0000-0000-0000-000000000000}"/>
+          </ac:spMkLst>
+        </pc:spChg>
+        <pc:graphicFrameChg chg="mod modGraphic">
+          <ac:chgData name="Akilah Johnson" userId="S::akjohnso@adobe.com::2fa3aa60-0c9c-4d06-bae2-795983241227" providerId="AD" clId="Web-{CF46E89E-48FC-BA32-13C5-654DDA452FDC}" dt="2021-10-12T16:57:07.113" v="1"/>
+          <ac:graphicFrameMkLst>
+            <pc:docMk/>
+            <pc:sldMk cId="0" sldId="256"/>
+            <ac:graphicFrameMk id="8" creationId="{00000000-0000-0000-0000-000000000000}"/>
+          </ac:graphicFrameMkLst>
+        </pc:graphicFrameChg>
+      </pc:sldChg>
+      <pc:sldChg chg="modSp">
+        <pc:chgData name="Akilah Johnson" userId="S::akjohnso@adobe.com::2fa3aa60-0c9c-4d06-bae2-795983241227" providerId="AD" clId="Web-{CF46E89E-48FC-BA32-13C5-654DDA452FDC}" dt="2021-10-12T16:59:59.628" v="14" actId="20577"/>
+        <pc:sldMkLst>
+          <pc:docMk/>
+          <pc:sldMk cId="0" sldId="257"/>
+        </pc:sldMkLst>
+        <pc:spChg chg="mod">
+          <ac:chgData name="Akilah Johnson" userId="S::akjohnso@adobe.com::2fa3aa60-0c9c-4d06-bae2-795983241227" providerId="AD" clId="Web-{CF46E89E-48FC-BA32-13C5-654DDA452FDC}" dt="2021-10-12T16:59:21.300" v="12" actId="20577"/>
+          <ac:spMkLst>
+            <pc:docMk/>
+            <pc:sldMk cId="0" sldId="257"/>
+            <ac:spMk id="39" creationId="{00000000-0000-0000-0000-000000000000}"/>
+          </ac:spMkLst>
+        </pc:spChg>
+        <pc:spChg chg="mod">
+          <ac:chgData name="Akilah Johnson" userId="S::akjohnso@adobe.com::2fa3aa60-0c9c-4d06-bae2-795983241227" providerId="AD" clId="Web-{CF46E89E-48FC-BA32-13C5-654DDA452FDC}" dt="2021-10-12T16:59:59.628" v="14" actId="20577"/>
+          <ac:spMkLst>
+            <pc:docMk/>
+            <pc:sldMk cId="0" sldId="257"/>
+            <ac:spMk id="46" creationId="{00000000-0000-0000-0000-000000000000}"/>
+          </ac:spMkLst>
+        </pc:spChg>
+      </pc:sldChg>
+      <pc:sldChg chg="modSp">
+        <pc:chgData name="Akilah Johnson" userId="S::akjohnso@adobe.com::2fa3aa60-0c9c-4d06-bae2-795983241227" providerId="AD" clId="Web-{CF46E89E-48FC-BA32-13C5-654DDA452FDC}" dt="2021-10-12T17:00:50.675" v="21" actId="20577"/>
+        <pc:sldMkLst>
+          <pc:docMk/>
+          <pc:sldMk cId="799510854" sldId="260"/>
+        </pc:sldMkLst>
+        <pc:spChg chg="mod">
+          <ac:chgData name="Akilah Johnson" userId="S::akjohnso@adobe.com::2fa3aa60-0c9c-4d06-bae2-795983241227" providerId="AD" clId="Web-{CF46E89E-48FC-BA32-13C5-654DDA452FDC}" dt="2021-10-12T17:00:50.675" v="21" actId="20577"/>
+          <ac:spMkLst>
+            <pc:docMk/>
+            <pc:sldMk cId="799510854" sldId="260"/>
+            <ac:spMk id="24" creationId="{00000000-0000-0000-0000-000000000000}"/>
+          </ac:spMkLst>
+        </pc:spChg>
+        <pc:spChg chg="mod">
+          <ac:chgData name="Akilah Johnson" userId="S::akjohnso@adobe.com::2fa3aa60-0c9c-4d06-bae2-795983241227" providerId="AD" clId="Web-{CF46E89E-48FC-BA32-13C5-654DDA452FDC}" dt="2021-10-12T17:00:45.784" v="19" actId="20577"/>
+          <ac:spMkLst>
+            <pc:docMk/>
+            <pc:sldMk cId="799510854" sldId="260"/>
+            <ac:spMk id="56" creationId="{00000000-0000-0000-0000-000000000000}"/>
+          </ac:spMkLst>
+        </pc:spChg>
+      </pc:sldChg>
+    </pc:docChg>
+  </pc:docChgLst>
+  <pc:docChgLst>
+    <pc:chgData name="Akilah Johnson" userId="S::akjohnso@adobe.com::2fa3aa60-0c9c-4d06-bae2-795983241227" providerId="AD" clId="Web-{19E88417-C612-7196-8214-73025F75FA84}"/>
+    <pc:docChg chg="modSld">
+      <pc:chgData name="Akilah Johnson" userId="S::akjohnso@adobe.com::2fa3aa60-0c9c-4d06-bae2-795983241227" providerId="AD" clId="Web-{19E88417-C612-7196-8214-73025F75FA84}" dt="2021-10-12T19:15:42.562" v="5" actId="20577"/>
+      <pc:docMkLst>
+        <pc:docMk/>
+      </pc:docMkLst>
+      <pc:sldChg chg="modSp">
+        <pc:chgData name="Akilah Johnson" userId="S::akjohnso@adobe.com::2fa3aa60-0c9c-4d06-bae2-795983241227" providerId="AD" clId="Web-{19E88417-C612-7196-8214-73025F75FA84}" dt="2021-10-12T19:15:42.562" v="5" actId="20577"/>
+        <pc:sldMkLst>
+          <pc:docMk/>
+          <pc:sldMk cId="0" sldId="256"/>
+        </pc:sldMkLst>
+        <pc:spChg chg="mod">
+          <ac:chgData name="Akilah Johnson" userId="S::akjohnso@adobe.com::2fa3aa60-0c9c-4d06-bae2-795983241227" providerId="AD" clId="Web-{19E88417-C612-7196-8214-73025F75FA84}" dt="2021-10-12T19:15:42.562" v="5" actId="20577"/>
+          <ac:spMkLst>
+            <pc:docMk/>
+            <pc:sldMk cId="0" sldId="256"/>
+            <ac:spMk id="13" creationId="{7979C0CC-523E-844A-96DC-75FC662E01AB}"/>
+          </ac:spMkLst>
+        </pc:spChg>
       </pc:sldChg>
     </pc:docChg>
   </pc:docChgLst>
@@ -255,7 +435,7 @@
           <a:p>
             <a:fld id="{A438815C-EDE5-F947-A55F-7634403F36C4}" type="datetimeFigureOut">
               <a:rPr lang="en-US" smtClean="0"/>
-              <a:t>10/1/2021</a:t>
+              <a:t>10/13/21</a:t>
             </a:fld>
             <a:endParaRPr lang="en-US"/>
           </a:p>
@@ -878,7 +1058,7 @@
           <a:p>
             <a:fld id="{1D8BD707-D9CF-40AE-B4C6-C98DA3205C09}" type="datetimeFigureOut">
               <a:rPr lang="en-US"/>
-              <a:t>10/1/2021</a:t>
+              <a:t>10/13/21</a:t>
             </a:fld>
             <a:endParaRPr lang="en-US"/>
           </a:p>
@@ -1062,7 +1242,7 @@
           <a:p>
             <a:fld id="{1D8BD707-D9CF-40AE-B4C6-C98DA3205C09}" type="datetimeFigureOut">
               <a:rPr lang="en-US"/>
-              <a:t>10/1/2021</a:t>
+              <a:t>10/13/21</a:t>
             </a:fld>
             <a:endParaRPr lang="en-US"/>
           </a:p>
@@ -1364,7 +1544,7 @@
           <a:p>
             <a:fld id="{1D8BD707-D9CF-40AE-B4C6-C98DA3205C09}" type="datetimeFigureOut">
               <a:rPr lang="en-US"/>
-              <a:t>10/1/2021</a:t>
+              <a:t>10/13/21</a:t>
             </a:fld>
             <a:endParaRPr lang="en-US"/>
           </a:p>
@@ -1619,28 +1799,25 @@
         <p:spPr>
           <a:xfrm>
             <a:off x="95250" y="7228840"/>
-            <a:ext cx="2800350" cy="238760"/>
+            <a:ext cx="2884717" cy="227626"/>
           </a:xfrm>
           <a:prstGeom prst="rect">
             <a:avLst/>
           </a:prstGeom>
         </p:spPr>
         <p:txBody>
-          <a:bodyPr vert="horz" wrap="square" lIns="0" tIns="12065" rIns="0" bIns="0" rtlCol="0">
+          <a:bodyPr vert="horz" wrap="square" lIns="0" tIns="12065" rIns="0" bIns="0" rtlCol="0" anchor="t">
             <a:spAutoFit/>
           </a:bodyPr>
           <a:lstStyle/>
           <a:p>
             <a:pPr marL="12700">
-              <a:lnSpc>
-                <a:spcPct val="100000"/>
-              </a:lnSpc>
               <a:spcBef>
                 <a:spcPts val="95"/>
               </a:spcBef>
             </a:pPr>
             <a:r>
-              <a:rPr lang="es-ES" sz="1400" b="1" u="heavy">
+              <a:rPr sz="1400" b="1" u="heavy" spc="10" dirty="0">
                 <a:solidFill>
                   <a:srgbClr val="020302"/>
                 </a:solidFill>
@@ -1652,8 +1829,87 @@
                 <a:latin typeface="Adobe Clean"/>
                 <a:cs typeface="Adobe Clean"/>
               </a:rPr>
-              <a:t>Destinatarios de nivel de servicio: Respuesta inicial</a:t>
-            </a:r>
+              <a:t>Service </a:t>
+            </a:r>
+            <a:r>
+              <a:rPr sz="1400" b="1" u="heavy" spc="-10" dirty="0">
+                <a:solidFill>
+                  <a:srgbClr val="020302"/>
+                </a:solidFill>
+                <a:uFill>
+                  <a:solidFill>
+                    <a:srgbClr val="020302"/>
+                  </a:solidFill>
+                </a:uFill>
+                <a:latin typeface="Adobe Clean"/>
+                <a:cs typeface="Adobe Clean"/>
+              </a:rPr>
+              <a:t>Level </a:t>
+            </a:r>
+            <a:r>
+              <a:rPr sz="1400" b="1" u="heavy" spc="-45" dirty="0">
+                <a:solidFill>
+                  <a:srgbClr val="020302"/>
+                </a:solidFill>
+                <a:uFill>
+                  <a:solidFill>
+                    <a:srgbClr val="020302"/>
+                  </a:solidFill>
+                </a:uFill>
+                <a:latin typeface="Adobe Clean"/>
+                <a:cs typeface="Adobe Clean"/>
+              </a:rPr>
+              <a:t>Targets: </a:t>
+            </a:r>
+            <a:r>
+              <a:rPr sz="1400" b="1" u="heavy" spc="-10" dirty="0">
+                <a:solidFill>
+                  <a:srgbClr val="020302"/>
+                </a:solidFill>
+                <a:uFill>
+                  <a:solidFill>
+                    <a:srgbClr val="020302"/>
+                  </a:solidFill>
+                </a:uFill>
+                <a:latin typeface="Adobe Clean"/>
+                <a:cs typeface="Adobe Clean"/>
+              </a:rPr>
+              <a:t>Initial</a:t>
+            </a:r>
+            <a:r>
+              <a:rPr lang="en-US" sz="1400" b="1" u="heavy" spc="-10" dirty="0">
+                <a:solidFill>
+                  <a:srgbClr val="020302"/>
+                </a:solidFill>
+                <a:uFill>
+                  <a:solidFill>
+                    <a:srgbClr val="020302"/>
+                  </a:solidFill>
+                </a:uFill>
+                <a:latin typeface="Adobe Clean"/>
+                <a:cs typeface="Adobe Clean"/>
+              </a:rPr>
+              <a:t> </a:t>
+            </a:r>
+            <a:r>
+              <a:rPr sz="1400" b="1" u="heavy" spc="-15" dirty="0">
+                <a:solidFill>
+                  <a:srgbClr val="020302"/>
+                </a:solidFill>
+                <a:uFill>
+                  <a:solidFill>
+                    <a:srgbClr val="020302"/>
+                  </a:solidFill>
+                </a:uFill>
+                <a:latin typeface="Adobe Clean"/>
+                <a:cs typeface="Adobe Clean"/>
+              </a:rPr>
+              <a:t>Response</a:t>
+            </a:r>
+            <a:endParaRPr sz="1400" dirty="0">
+              <a:latin typeface="Adobe Clean"/>
+              <a:cs typeface="Adobe Clean"/>
+            </a:endParaRPr>
           </a:p>
         </p:txBody>
       </p:sp>
@@ -1702,7 +1958,7 @@
           </a:prstGeom>
         </p:spPr>
         <p:txBody>
-          <a:bodyPr vert="horz" wrap="square" lIns="0" tIns="24130" rIns="0" bIns="0" rtlCol="0">
+          <a:bodyPr vert="horz" wrap="square" lIns="0" tIns="24130" rIns="0" bIns="0" rtlCol="0" anchor="t">
             <a:spAutoFit/>
           </a:bodyPr>
           <a:lstStyle/>
@@ -1716,7 +1972,7 @@
               </a:spcBef>
             </a:pPr>
             <a:r>
-              <a:rPr lang="es-ES" sz="1200" b="1" dirty="0">
+              <a:rPr lang="en-US" sz="1200" b="1" dirty="0">
                 <a:solidFill>
                   <a:schemeClr val="bg1"/>
                 </a:solidFill>
@@ -1724,73 +1980,34 @@
               <a:t>Online</a:t>
             </a:r>
             <a:r>
-              <a:rPr lang="es-ES" sz="1200" dirty="0">
+              <a:rPr lang="en-US" sz="1200" dirty="0">
                 <a:solidFill>
                   <a:schemeClr val="bg1"/>
                 </a:solidFill>
+                <a:latin typeface="Adobe Clean Light"/>
+              </a:rPr>
+              <a:t> | Business | Enterprise | Elite</a:t>
+            </a:r>
+            <a:br>
+              <a:rPr lang="en-US" sz="900" dirty="0">
                 <a:latin typeface="Adobe Clean Light" panose="020B0303020404020204" pitchFamily="34" charset="0"/>
               </a:rPr>
-              <a:t> | Business | Enterprise | Elite</a:t>
-            </a:r>
-            <a:br>
-              <a:rPr lang="es-ES" sz="900" dirty="0">
+            </a:br>
+            <a:r>
+              <a:rPr lang="en-US" sz="900" dirty="0">
                 <a:solidFill>
                   <a:schemeClr val="bg1"/>
                 </a:solidFill>
-                <a:latin typeface="Adobe Clean Light" panose="020B0303020404020204" pitchFamily="34" charset="0"/>
-              </a:rPr>
-            </a:br>
-            <a:r>
-              <a:rPr lang="es-ES" sz="900" dirty="0">
+                <a:latin typeface="Adobe Clean SemiLight"/>
+              </a:rPr>
+              <a:t>Adobe provides a comprehensive range of technical resources to help support your business included as part of your Experience Cloud license subscription. Online support includes access to personalized learning paths and monitored community forums via the Adobe Experience League. You can take advantage of our detailed and in-depth technical product documentation and current release notes published on </a:t>
+            </a:r>
+            <a:r>
+              <a:rPr lang="en-US" sz="900" u="sng" dirty="0">
                 <a:solidFill>
                   <a:schemeClr val="bg1"/>
                 </a:solidFill>
-                <a:latin typeface="Adobe Clean SemiLight" panose="020B0403020404020204" pitchFamily="34" charset="0"/>
-              </a:rPr>
-              <a:t>Adobe ofrece una amplia variedad de recursos técnicos para ayudar a su negocio, incluidos como parte de su suscripción de licencia de </a:t>
-            </a:r>
-            <a:r>
-              <a:rPr lang="es-ES" sz="900" dirty="0" err="1">
-                <a:solidFill>
-                  <a:schemeClr val="bg1"/>
-                </a:solidFill>
-                <a:latin typeface="Adobe Clean SemiLight" panose="020B0403020404020204" pitchFamily="34" charset="0"/>
-              </a:rPr>
-              <a:t>Experience</a:t>
-            </a:r>
-            <a:r>
-              <a:rPr lang="es-ES" sz="900" dirty="0">
-                <a:solidFill>
-                  <a:schemeClr val="bg1"/>
-                </a:solidFill>
-                <a:latin typeface="Adobe Clean SemiLight" panose="020B0403020404020204" pitchFamily="34" charset="0"/>
-              </a:rPr>
-              <a:t> Cloud. El paquete ONLINE incluye acceso a rutas de aprendizaje personalizadas y foros de la comunidad monitorizados a través de Adobe </a:t>
-            </a:r>
-            <a:r>
-              <a:rPr lang="es-ES" sz="900" dirty="0" err="1">
-                <a:solidFill>
-                  <a:schemeClr val="bg1"/>
-                </a:solidFill>
-                <a:latin typeface="Adobe Clean SemiLight" panose="020B0403020404020204" pitchFamily="34" charset="0"/>
-              </a:rPr>
-              <a:t>Experience</a:t>
-            </a:r>
-            <a:r>
-              <a:rPr lang="es-ES" sz="900" dirty="0">
-                <a:solidFill>
-                  <a:schemeClr val="bg1"/>
-                </a:solidFill>
-                <a:latin typeface="Adobe Clean SemiLight" panose="020B0403020404020204" pitchFamily="34" charset="0"/>
-              </a:rPr>
-              <a:t> League. Puede disfrutar de la documentación técnica completa y detallada sobre productos y notas de la versión actual publicadas en </a:t>
-            </a:r>
-            <a:r>
-              <a:rPr lang="es-ES" sz="900" u="sng" dirty="0">
-                <a:solidFill>
-                  <a:schemeClr val="bg1"/>
-                </a:solidFill>
-                <a:latin typeface="Adobe Clean SemiLight" panose="020B0403020404020204" pitchFamily="34" charset="0"/>
+                <a:latin typeface="Adobe Clean SemiLight"/>
                 <a:hlinkClick r:id="rId4">
                   <a:extLst>
                     <a:ext uri="{A12FA001-AC4F-418D-AE19-62706E023703}">
@@ -1799,17 +2016,24 @@
                   </a:extLst>
                 </a:hlinkClick>
               </a:rPr>
-              <a:t>http://www.adobe.com</a:t>
-            </a:r>
-            <a:r>
-              <a:rPr lang="es-ES" sz="900" dirty="0">
+              <a:t>http://www.adobe.com. </a:t>
+            </a:r>
+            <a:r>
+              <a:rPr lang="en-US" sz="900" dirty="0">
                 <a:solidFill>
                   <a:schemeClr val="bg1"/>
                 </a:solidFill>
-                <a:latin typeface="Adobe Clean SemiLight" panose="020B0403020404020204" pitchFamily="34" charset="0"/>
-              </a:rPr>
-              <a:t> Nuestro paquete ONLINE también incluye el acceso a nuestros equipos de soporte técnico para problemas de producto de prioridad 1 por vía telefónica para proteger su negocio en los momentos más importantes. Además, podrá registrar solicitudes de prioridad más baja a través del portal de soporte web.</a:t>
-            </a:r>
+                <a:latin typeface="Adobe Clean SemiLight"/>
+              </a:rPr>
+              <a:t>Our Online package also includes access to our technical support teams for any critical P1 product issues via telephone to help protect your business at the most critical times as well as providing the ability to log lower priority requests for assistance via support web portal.</a:t>
+            </a:r>
+            <a:endParaRPr lang="en-US" sz="900" dirty="0">
+              <a:solidFill>
+                <a:schemeClr val="bg1"/>
+              </a:solidFill>
+              <a:latin typeface="Adobe Clean SemiLight"/>
+              <a:cs typeface="AdobeClean-Light"/>
+            </a:endParaRPr>
           </a:p>
         </p:txBody>
       </p:sp>
@@ -1851,14 +2075,14 @@
           <p:nvPr>
             <p:extLst>
               <p:ext uri="{D42A27DB-BD31-4B8C-83A1-F6EECF244321}">
-                <p14:modId xmlns:p14="http://schemas.microsoft.com/office/powerpoint/2010/main" val="175049833"/>
+                <p14:modId xmlns:p14="http://schemas.microsoft.com/office/powerpoint/2010/main" val="1047125657"/>
               </p:ext>
             </p:extLst>
           </p:nvPr>
         </p:nvGraphicFramePr>
         <p:xfrm>
           <a:off x="0" y="1938946"/>
-          <a:ext cx="7705343" cy="5220295"/>
+          <a:ext cx="7705343" cy="5227197"/>
         </p:xfrm>
         <a:graphic>
           <a:graphicData uri="http://schemas.openxmlformats.org/drawingml/2006/table">
@@ -1917,7 +2141,7 @@
                   </a:extLst>
                 </a:gridCol>
               </a:tblGrid>
-              <a:tr h="353430">
+              <a:tr h="218820">
                 <a:tc gridSpan="2">
                   <a:txBody>
                     <a:bodyPr/>
@@ -1952,15 +2176,39 @@
                         </a:spcBef>
                       </a:pPr>
                       <a:r>
-                        <a:rPr lang="es-ES" sz="900">
+                        <a:rPr sz="900" spc="0" dirty="0">
                           <a:solidFill>
                             <a:srgbClr val="404040"/>
                           </a:solidFill>
                           <a:latin typeface="Adobe Clean"/>
                           <a:cs typeface="Adobe Clean"/>
                         </a:rPr>
-                        <a:t>Soporte Online</a:t>
+                        <a:t>Online</a:t>
                       </a:r>
+                      <a:r>
+                        <a:rPr lang="en-US" sz="900" spc="0" dirty="0">
+                          <a:solidFill>
+                            <a:srgbClr val="404040"/>
+                          </a:solidFill>
+                          <a:latin typeface="Adobe Clean"/>
+                          <a:cs typeface="Adobe Clean"/>
+                        </a:rPr>
+                        <a:t> </a:t>
+                      </a:r>
+                      <a:r>
+                        <a:rPr sz="900" spc="0" dirty="0">
+                          <a:solidFill>
+                            <a:srgbClr val="404040"/>
+                          </a:solidFill>
+                          <a:latin typeface="Adobe Clean"/>
+                          <a:cs typeface="Adobe Clean"/>
+                        </a:rPr>
+                        <a:t>Support</a:t>
+                      </a:r>
+                      <a:endParaRPr sz="900" spc="0" dirty="0">
+                        <a:latin typeface="Adobe Clean"/>
+                        <a:cs typeface="Adobe Clean"/>
+                      </a:endParaRPr>
                     </a:p>
                   </a:txBody>
                   <a:tcPr marL="0" marR="0" marT="7620" marB="0" anchor="ctr">
@@ -1995,15 +2243,39 @@
                         </a:spcBef>
                       </a:pPr>
                       <a:r>
-                        <a:rPr lang="es-ES" sz="900">
+                        <a:rPr sz="900" spc="0" dirty="0">
                           <a:solidFill>
                             <a:srgbClr val="FFFFFF"/>
                           </a:solidFill>
                           <a:latin typeface="Adobe Clean"/>
                           <a:cs typeface="Adobe Clean"/>
                         </a:rPr>
-                        <a:t>Soporte Business</a:t>
+                        <a:t>Business</a:t>
                       </a:r>
+                      <a:r>
+                        <a:rPr lang="en-US" sz="900" spc="0" dirty="0">
+                          <a:solidFill>
+                            <a:srgbClr val="FFFFFF"/>
+                          </a:solidFill>
+                          <a:latin typeface="Adobe Clean"/>
+                          <a:cs typeface="Adobe Clean"/>
+                        </a:rPr>
+                        <a:t> </a:t>
+                      </a:r>
+                      <a:r>
+                        <a:rPr sz="900" spc="0" dirty="0">
+                          <a:solidFill>
+                            <a:srgbClr val="FFFFFF"/>
+                          </a:solidFill>
+                          <a:latin typeface="Adobe Clean"/>
+                          <a:cs typeface="Adobe Clean"/>
+                        </a:rPr>
+                        <a:t>Support</a:t>
+                      </a:r>
+                      <a:endParaRPr sz="900" spc="0" dirty="0">
+                        <a:latin typeface="Adobe Clean"/>
+                        <a:cs typeface="Adobe Clean"/>
+                      </a:endParaRPr>
                     </a:p>
                   </a:txBody>
                   <a:tcPr marL="0" marR="0" marT="7620" marB="0" anchor="ctr">
@@ -2044,15 +2316,19 @@
                         </a:spcBef>
                       </a:pPr>
                       <a:r>
-                        <a:rPr lang="es-ES" sz="900">
+                        <a:rPr lang="en-US" sz="900" spc="0" dirty="0">
                           <a:solidFill>
                             <a:srgbClr val="FFFFFF"/>
                           </a:solidFill>
                           <a:latin typeface="Adobe Clean"/>
                           <a:cs typeface="Adobe Clean"/>
                         </a:rPr>
-                        <a:t>Soporte Enterprise</a:t>
+                        <a:t>Enterprise Support</a:t>
                       </a:r>
+                      <a:endParaRPr sz="900" spc="0" dirty="0">
+                        <a:latin typeface="Adobe Clean"/>
+                        <a:cs typeface="Adobe Clean"/>
+                      </a:endParaRPr>
                     </a:p>
                   </a:txBody>
                   <a:tcPr marL="0" marR="0" marT="7620" marB="0" anchor="ctr">
@@ -2093,15 +2369,39 @@
                         </a:spcBef>
                       </a:pPr>
                       <a:r>
-                        <a:rPr lang="es-ES" sz="900">
+                        <a:rPr sz="900" spc="-20" dirty="0">
                           <a:solidFill>
                             <a:srgbClr val="FFFFFF"/>
                           </a:solidFill>
                           <a:latin typeface="Adobe Clean"/>
                           <a:cs typeface="Adobe Clean"/>
                         </a:rPr>
-                        <a:t>Soporte Enterprise</a:t>
+                        <a:t>Enterprise</a:t>
                       </a:r>
+                      <a:r>
+                        <a:rPr lang="en-US" sz="900" spc="-20" dirty="0">
+                          <a:solidFill>
+                            <a:srgbClr val="FFFFFF"/>
+                          </a:solidFill>
+                          <a:latin typeface="Adobe Clean"/>
+                          <a:cs typeface="Adobe Clean"/>
+                        </a:rPr>
+                        <a:t> </a:t>
+                      </a:r>
+                      <a:r>
+                        <a:rPr sz="900" spc="-20" dirty="0">
+                          <a:solidFill>
+                            <a:srgbClr val="FFFFFF"/>
+                          </a:solidFill>
+                          <a:latin typeface="Adobe Clean"/>
+                          <a:cs typeface="Adobe Clean"/>
+                        </a:rPr>
+                        <a:t>Support</a:t>
+                      </a:r>
+                      <a:endParaRPr sz="900" dirty="0">
+                        <a:latin typeface="Adobe Clean"/>
+                        <a:cs typeface="Adobe Clean"/>
+                      </a:endParaRPr>
                     </a:p>
                   </a:txBody>
                   <a:tcPr marL="0" marR="0" marT="7620" marB="0" anchor="ctr">
@@ -2142,15 +2442,39 @@
                         </a:spcBef>
                       </a:pPr>
                       <a:r>
-                        <a:rPr lang="es-ES" sz="900">
+                        <a:rPr sz="900" spc="0" dirty="0">
                           <a:solidFill>
                             <a:srgbClr val="FFFFFF"/>
                           </a:solidFill>
                           <a:latin typeface="Adobe Clean"/>
                           <a:cs typeface="Adobe Clean"/>
                         </a:rPr>
-                        <a:t>Soporte Elite</a:t>
+                        <a:t>Elite</a:t>
                       </a:r>
+                      <a:r>
+                        <a:rPr lang="en-US" sz="900" spc="0" dirty="0">
+                          <a:solidFill>
+                            <a:srgbClr val="FFFFFF"/>
+                          </a:solidFill>
+                          <a:latin typeface="Adobe Clean"/>
+                          <a:cs typeface="Adobe Clean"/>
+                        </a:rPr>
+                        <a:t> </a:t>
+                      </a:r>
+                      <a:r>
+                        <a:rPr sz="900" spc="0" dirty="0">
+                          <a:solidFill>
+                            <a:srgbClr val="FFFFFF"/>
+                          </a:solidFill>
+                          <a:latin typeface="Adobe Clean"/>
+                          <a:cs typeface="Adobe Clean"/>
+                        </a:rPr>
+                        <a:t>Support</a:t>
+                      </a:r>
+                      <a:endParaRPr sz="900" spc="0" dirty="0">
+                        <a:latin typeface="Adobe Clean"/>
+                        <a:cs typeface="Adobe Clean"/>
+                      </a:endParaRPr>
                     </a:p>
                   </a:txBody>
                   <a:tcPr marL="0" marR="0" marT="7620" marB="0" anchor="ctr">
@@ -2177,7 +2501,7 @@
                   </a:ext>
                 </a:extLst>
               </a:tr>
-              <a:tr h="353430">
+              <a:tr h="0">
                 <a:tc gridSpan="2">
                   <a:txBody>
                     <a:bodyPr/>
@@ -2203,7 +2527,7 @@
                     <a:bodyPr/>
                     <a:lstStyle/>
                     <a:p>
-                      <a:pPr marL="255904" marR="248920" indent="-25400" algn="l" rtl="0">
+                      <a:pPr marL="255904" marR="248920" indent="-25400">
                         <a:lnSpc>
                           <a:spcPct val="100000"/>
                         </a:lnSpc>
@@ -2257,15 +2581,29 @@
                         </a:spcBef>
                       </a:pPr>
                       <a:r>
-                        <a:rPr lang="es-ES" sz="800" i="1">
+                        <a:rPr lang="en-US" sz="800" i="1" spc="0" dirty="0">
                           <a:solidFill>
                             <a:srgbClr val="FFFFFF"/>
                           </a:solidFill>
                           <a:latin typeface="Adobe Clean"/>
                           <a:cs typeface="Adobe Clean"/>
                         </a:rPr>
-                        <a:t>Niveles de soporte de pago ($)</a:t>
+                        <a:t>Paid</a:t>
                       </a:r>
+                      <a:r>
+                        <a:rPr sz="800" i="1" spc="0" dirty="0">
+                          <a:solidFill>
+                            <a:srgbClr val="FFFFFF"/>
+                          </a:solidFill>
+                          <a:latin typeface="Adobe Clean"/>
+                          <a:cs typeface="Adobe Clean"/>
+                        </a:rPr>
+                        <a:t> Support Levels($)</a:t>
+                      </a:r>
+                      <a:endParaRPr sz="800" spc="0" dirty="0">
+                        <a:latin typeface="Adobe Clean"/>
+                        <a:cs typeface="Adobe Clean"/>
+                      </a:endParaRPr>
                     </a:p>
                   </a:txBody>
                   <a:tcPr marL="0" marR="0" marT="82550" marB="0" anchor="ctr">
@@ -2337,7 +2675,7 @@
                   </a:ext>
                 </a:extLst>
               </a:tr>
-              <a:tr h="249845">
+              <a:tr h="264424">
                 <a:tc rowSpan="3">
                   <a:txBody>
                     <a:bodyPr/>
@@ -2352,15 +2690,22 @@
                         </a:spcBef>
                       </a:pPr>
                       <a:r>
-                        <a:rPr lang="es-ES" sz="1000" b="1" i="0">
+                        <a:rPr lang="en-US" sz="1000" b="1" i="0" spc="0" dirty="0">
                           <a:solidFill>
                             <a:schemeClr val="bg1"/>
                           </a:solidFill>
                           <a:latin typeface="Adobe Clean" panose="020B0503020404020204" pitchFamily="34" charset="0"/>
                           <a:cs typeface="AdobeClean-Light"/>
                         </a:rPr>
-                        <a:t>Expertos asignados</a:t>
+                        <a:t>Assigned Experts</a:t>
                       </a:r>
+                      <a:endParaRPr sz="1000" b="1" i="0" spc="0" dirty="0">
+                        <a:solidFill>
+                          <a:schemeClr val="bg1"/>
+                        </a:solidFill>
+                        <a:latin typeface="Adobe Clean" panose="020B0503020404020204" pitchFamily="34" charset="0"/>
+                        <a:cs typeface="AdobeClean-Light"/>
+                      </a:endParaRPr>
                     </a:p>
                   </a:txBody>
                   <a:tcPr marL="0" marR="0" marT="58419" marB="0" anchor="ctr">
@@ -2407,15 +2752,19 @@
                         </a:spcBef>
                       </a:pPr>
                       <a:r>
-                        <a:rPr lang="es-ES" sz="900">
+                        <a:rPr sz="900" spc="0" dirty="0">
                           <a:solidFill>
                             <a:srgbClr val="020302"/>
                           </a:solidFill>
                           <a:latin typeface="AdobeClean-Light"/>
                           <a:cs typeface="AdobeClean-Light"/>
                         </a:rPr>
-                        <a:t>Responsable de la asistencia técnica de la cuenta</a:t>
+                        <a:t>Account Support Lead</a:t>
                       </a:r>
+                      <a:endParaRPr sz="900" spc="0" dirty="0">
+                        <a:latin typeface="AdobeClean-Light"/>
+                        <a:cs typeface="AdobeClean-Light"/>
+                      </a:endParaRPr>
                     </a:p>
                   </a:txBody>
                   <a:tcPr marL="0" marR="0" marT="58419" marB="0">
@@ -2444,7 +2793,7 @@
                     <a:bodyPr/>
                     <a:lstStyle/>
                     <a:p>
-                      <a:pPr algn="l" rtl="0">
+                      <a:pPr>
                         <a:lnSpc>
                           <a:spcPct val="100000"/>
                         </a:lnSpc>
@@ -2489,7 +2838,7 @@
                         </a:spcBef>
                       </a:pPr>
                       <a:r>
-                        <a:rPr lang="es-ES" sz="900">
+                        <a:rPr sz="900" spc="0" dirty="0">
                           <a:solidFill>
                             <a:srgbClr val="020302"/>
                           </a:solidFill>
@@ -2498,6 +2847,10 @@
                         </a:rPr>
                         <a:t></a:t>
                       </a:r>
+                      <a:endParaRPr sz="900" spc="0" dirty="0">
+                        <a:latin typeface="Wingdings"/>
+                        <a:cs typeface="Wingdings"/>
+                      </a:endParaRPr>
                     </a:p>
                   </a:txBody>
                   <a:tcPr marL="0" marR="0" marT="59690" marB="0">
@@ -2514,7 +2867,7 @@
                     <a:bodyPr/>
                     <a:lstStyle/>
                     <a:p>
-                      <a:pPr algn="l" rtl="0">
+                      <a:pPr algn="ctr">
                         <a:lnSpc>
                           <a:spcPct val="100000"/>
                         </a:lnSpc>
@@ -2545,7 +2898,7 @@
                     <a:bodyPr/>
                     <a:lstStyle/>
                     <a:p>
-                      <a:pPr algn="l" rtl="0">
+                      <a:pPr>
                         <a:lnSpc>
                           <a:spcPct val="100000"/>
                         </a:lnSpc>
@@ -2570,7 +2923,7 @@
                     <a:bodyPr/>
                     <a:lstStyle/>
                     <a:p>
-                      <a:pPr algn="l" rtl="0">
+                      <a:pPr>
                         <a:lnSpc>
                           <a:spcPct val="100000"/>
                         </a:lnSpc>
@@ -2602,13 +2955,13 @@
                   </a:ext>
                 </a:extLst>
               </a:tr>
-              <a:tr h="249845">
+              <a:tr h="264424">
                 <a:tc vMerge="1">
                   <a:txBody>
                     <a:bodyPr/>
                     <a:lstStyle/>
                     <a:p>
-                      <a:pPr marL="50800" algn="l" rtl="0">
+                      <a:pPr marL="50800">
                         <a:lnSpc>
                           <a:spcPct val="100000"/>
                         </a:lnSpc>
@@ -2654,15 +3007,19 @@
                         </a:spcBef>
                       </a:pPr>
                       <a:r>
-                        <a:rPr lang="es-ES" sz="900">
+                        <a:rPr sz="900" spc="0" dirty="0">
                           <a:solidFill>
                             <a:srgbClr val="020302"/>
                           </a:solidFill>
                           <a:latin typeface="AdobeClean-Light"/>
                           <a:cs typeface="AdobeClean-Light"/>
                         </a:rPr>
-                        <a:t>Ingeniero de asistencia técnica especializado</a:t>
+                        <a:t>Named Support Engineer</a:t>
                       </a:r>
+                      <a:endParaRPr sz="900" spc="0" dirty="0">
+                        <a:latin typeface="AdobeClean-Light"/>
+                        <a:cs typeface="AdobeClean-Light"/>
+                      </a:endParaRPr>
                     </a:p>
                   </a:txBody>
                   <a:tcPr marL="0" marR="0" marT="58419" marB="0">
@@ -2685,7 +3042,7 @@
                     <a:bodyPr/>
                     <a:lstStyle/>
                     <a:p>
-                      <a:pPr algn="l" rtl="0">
+                      <a:pPr>
                         <a:lnSpc>
                           <a:spcPct val="100000"/>
                         </a:lnSpc>
@@ -2715,7 +3072,7 @@
                     <a:bodyPr/>
                     <a:lstStyle/>
                     <a:p>
-                      <a:pPr algn="l" rtl="0">
+                      <a:pPr>
                         <a:lnSpc>
                           <a:spcPct val="100000"/>
                         </a:lnSpc>
@@ -2733,7 +3090,7 @@
                     <a:bodyPr/>
                     <a:lstStyle/>
                     <a:p>
-                      <a:pPr algn="l" rtl="0">
+                      <a:pPr>
                         <a:lnSpc>
                           <a:spcPct val="100000"/>
                         </a:lnSpc>
@@ -2760,7 +3117,7 @@
                         </a:spcBef>
                       </a:pPr>
                       <a:r>
-                        <a:rPr lang="es-ES" sz="900">
+                        <a:rPr sz="900" spc="0" dirty="0">
                           <a:solidFill>
                             <a:srgbClr val="020302"/>
                           </a:solidFill>
@@ -2769,6 +3126,10 @@
                         </a:rPr>
                         <a:t></a:t>
                       </a:r>
+                      <a:endParaRPr sz="900" spc="0" dirty="0">
+                        <a:latin typeface="Wingdings"/>
+                        <a:cs typeface="Wingdings"/>
+                      </a:endParaRPr>
                     </a:p>
                   </a:txBody>
                   <a:tcPr marL="0" marR="0" marT="59055" marB="0"/>
@@ -2787,7 +3148,7 @@
                         </a:spcBef>
                       </a:pPr>
                       <a:r>
-                        <a:rPr lang="es-ES" sz="900">
+                        <a:rPr sz="900" spc="0" dirty="0">
                           <a:solidFill>
                             <a:srgbClr val="020302"/>
                           </a:solidFill>
@@ -2796,6 +3157,10 @@
                         </a:rPr>
                         <a:t></a:t>
                       </a:r>
+                      <a:endParaRPr sz="900" spc="0" dirty="0">
+                        <a:latin typeface="Wingdings"/>
+                        <a:cs typeface="Wingdings"/>
+                      </a:endParaRPr>
                     </a:p>
                   </a:txBody>
                   <a:tcPr marL="0" marR="0" marT="59055" marB="0">
@@ -2813,13 +3178,13 @@
                   </a:ext>
                 </a:extLst>
               </a:tr>
-              <a:tr h="249845">
+              <a:tr h="264424">
                 <a:tc vMerge="1">
                   <a:txBody>
                     <a:bodyPr/>
                     <a:lstStyle/>
                     <a:p>
-                      <a:pPr marL="50800" algn="l" rtl="0">
+                      <a:pPr marL="50800">
                         <a:lnSpc>
                           <a:spcPct val="100000"/>
                         </a:lnSpc>
@@ -2877,15 +3242,19 @@
                         </a:spcBef>
                       </a:pPr>
                       <a:r>
-                        <a:rPr lang="es-ES" sz="900">
+                        <a:rPr sz="900" spc="0" dirty="0">
                           <a:solidFill>
                             <a:srgbClr val="020302"/>
                           </a:solidFill>
                           <a:latin typeface="AdobeClean-Light"/>
                           <a:cs typeface="AdobeClean-Light"/>
                         </a:rPr>
-                        <a:t>Gestor técnico de cuentas</a:t>
+                        <a:t>Technical Account Manager</a:t>
                       </a:r>
+                      <a:endParaRPr sz="900" spc="0" dirty="0">
+                        <a:latin typeface="AdobeClean-Light"/>
+                        <a:cs typeface="AdobeClean-Light"/>
+                      </a:endParaRPr>
                     </a:p>
                   </a:txBody>
                   <a:tcPr marL="0" marR="0" marT="63500" marB="0">
@@ -2914,7 +3283,7 @@
                     <a:bodyPr/>
                     <a:lstStyle/>
                     <a:p>
-                      <a:pPr algn="l" rtl="0">
+                      <a:pPr>
                         <a:lnSpc>
                           <a:spcPct val="100000"/>
                         </a:lnSpc>
@@ -2950,7 +3319,7 @@
                     <a:bodyPr/>
                     <a:lstStyle/>
                     <a:p>
-                      <a:pPr algn="l" rtl="0">
+                      <a:pPr>
                         <a:lnSpc>
                           <a:spcPct val="100000"/>
                         </a:lnSpc>
@@ -2975,7 +3344,7 @@
                     <a:bodyPr/>
                     <a:lstStyle/>
                     <a:p>
-                      <a:pPr algn="l" rtl="0">
+                      <a:pPr>
                         <a:lnSpc>
                           <a:spcPct val="100000"/>
                         </a:lnSpc>
@@ -3003,7 +3372,7 @@
                     <a:bodyPr/>
                     <a:lstStyle/>
                     <a:p>
-                      <a:pPr algn="l" rtl="0">
+                      <a:pPr>
                         <a:lnSpc>
                           <a:spcPct val="100000"/>
                         </a:lnSpc>
@@ -3037,7 +3406,7 @@
                         </a:spcBef>
                       </a:pPr>
                       <a:r>
-                        <a:rPr lang="es-ES" sz="900">
+                        <a:rPr sz="900" spc="0" dirty="0">
                           <a:solidFill>
                             <a:srgbClr val="020302"/>
                           </a:solidFill>
@@ -3046,6 +3415,10 @@
                         </a:rPr>
                         <a:t></a:t>
                       </a:r>
+                      <a:endParaRPr sz="900" spc="0">
+                        <a:latin typeface="Wingdings"/>
+                        <a:cs typeface="Wingdings"/>
+                      </a:endParaRPr>
                     </a:p>
                   </a:txBody>
                   <a:tcPr marL="0" marR="0" marT="64135" marB="0">
@@ -3069,7 +3442,7 @@
                   </a:ext>
                 </a:extLst>
               </a:tr>
-              <a:tr h="249845">
+              <a:tr h="264424">
                 <a:tc rowSpan="12">
                   <a:txBody>
                     <a:bodyPr/>
@@ -3084,15 +3457,22 @@
                         </a:spcBef>
                       </a:pPr>
                       <a:r>
-                        <a:rPr lang="es-ES" sz="1000" b="1" i="0">
+                        <a:rPr lang="en-US" sz="1000" b="1" i="0" spc="0" dirty="0">
                           <a:solidFill>
                             <a:schemeClr val="bg1"/>
                           </a:solidFill>
                           <a:latin typeface="Adobe Clean" panose="020B0503020404020204" pitchFamily="34" charset="0"/>
                           <a:cs typeface="AdobeClean-Light"/>
                         </a:rPr>
-                        <a:t>Servicios de soporte</a:t>
+                        <a:t>Support Services</a:t>
                       </a:r>
+                      <a:endParaRPr sz="1000" b="1" i="0" spc="0" dirty="0">
+                        <a:solidFill>
+                          <a:schemeClr val="bg1"/>
+                        </a:solidFill>
+                        <a:latin typeface="Adobe Clean" panose="020B0503020404020204" pitchFamily="34" charset="0"/>
+                        <a:cs typeface="AdobeClean-Light"/>
+                      </a:endParaRPr>
                     </a:p>
                   </a:txBody>
                   <a:tcPr marL="0" marR="0" marT="57150" marB="0" anchor="ctr">
@@ -3148,15 +3528,29 @@
                         </a:spcBef>
                       </a:pPr>
                       <a:r>
-                        <a:rPr lang="es-ES" sz="900">
+                        <a:rPr lang="en-US" sz="900" spc="0" dirty="0">
                           <a:solidFill>
                             <a:srgbClr val="020302"/>
                           </a:solidFill>
                           <a:latin typeface="AdobeClean-Light"/>
                           <a:cs typeface="AdobeClean-Light"/>
                         </a:rPr>
-                        <a:t>Soporte Online</a:t>
+                        <a:t>Online </a:t>
                       </a:r>
+                      <a:r>
+                        <a:rPr sz="900" spc="0" dirty="0">
+                          <a:solidFill>
+                            <a:srgbClr val="020302"/>
+                          </a:solidFill>
+                          <a:latin typeface="AdobeClean-Light"/>
+                          <a:cs typeface="AdobeClean-Light"/>
+                        </a:rPr>
+                        <a:t> Support</a:t>
+                      </a:r>
+                      <a:endParaRPr sz="900" spc="0" dirty="0">
+                        <a:latin typeface="AdobeClean-Light"/>
+                        <a:cs typeface="AdobeClean-Light"/>
+                      </a:endParaRPr>
                     </a:p>
                   </a:txBody>
                   <a:tcPr marL="0" marR="0" marT="57150" marB="0">
@@ -3194,15 +3588,19 @@
                         </a:spcBef>
                       </a:pPr>
                       <a:r>
-                        <a:rPr lang="es-ES" sz="800">
+                        <a:rPr sz="800" spc="0" dirty="0">
                           <a:solidFill>
                             <a:srgbClr val="020302"/>
                           </a:solidFill>
                           <a:latin typeface="AdobeClean-Light"/>
                           <a:cs typeface="AdobeClean-Light"/>
                         </a:rPr>
-                        <a:t>Horario de trabajo</a:t>
+                        <a:t>Business hours</a:t>
                       </a:r>
+                      <a:endParaRPr sz="800" spc="0" dirty="0">
+                        <a:latin typeface="AdobeClean-Light"/>
+                        <a:cs typeface="AdobeClean-Light"/>
+                      </a:endParaRPr>
                     </a:p>
                   </a:txBody>
                   <a:tcPr marL="0" marR="0" marT="67945" marB="0">
@@ -3239,15 +3637,19 @@
                         </a:spcBef>
                       </a:pPr>
                       <a:r>
-                        <a:rPr lang="es-ES" sz="800">
+                        <a:rPr sz="800" spc="0" dirty="0">
                           <a:solidFill>
                             <a:srgbClr val="020302"/>
                           </a:solidFill>
                           <a:latin typeface="AdobeClean-Light"/>
                           <a:cs typeface="AdobeClean-Light"/>
                         </a:rPr>
-                        <a:t>Horario de trabajo</a:t>
+                        <a:t>Business hours</a:t>
                       </a:r>
+                      <a:endParaRPr sz="800" spc="0" dirty="0">
+                        <a:latin typeface="AdobeClean-Light"/>
+                        <a:cs typeface="AdobeClean-Light"/>
+                      </a:endParaRPr>
                     </a:p>
                   </a:txBody>
                   <a:tcPr marL="0" marR="0" marT="67945" marB="0">
@@ -3264,7 +3666,7 @@
                     <a:bodyPr/>
                     <a:lstStyle/>
                     <a:p>
-                      <a:pPr algn="l" rtl="0">
+                      <a:pPr algn="ctr">
                         <a:lnSpc>
                           <a:spcPct val="100000"/>
                         </a:lnSpc>
@@ -3304,15 +3706,19 @@
                         </a:spcBef>
                       </a:pPr>
                       <a:r>
-                        <a:rPr lang="es-ES" sz="800">
+                        <a:rPr sz="800" spc="0" dirty="0">
                           <a:solidFill>
                             <a:srgbClr val="020302"/>
                           </a:solidFill>
                           <a:latin typeface="AdobeClean-Light"/>
                           <a:cs typeface="AdobeClean-Light"/>
                         </a:rPr>
-                        <a:t>24x5</a:t>
+                        <a:t>24X5</a:t>
                       </a:r>
+                      <a:endParaRPr sz="800" spc="0">
+                        <a:latin typeface="AdobeClean-Light"/>
+                        <a:cs typeface="AdobeClean-Light"/>
+                      </a:endParaRPr>
                     </a:p>
                   </a:txBody>
                   <a:tcPr marL="0" marR="0" marT="67945" marB="0">
@@ -3338,15 +3744,19 @@
                         </a:spcBef>
                       </a:pPr>
                       <a:r>
-                        <a:rPr lang="es-ES" sz="800">
+                        <a:rPr sz="800" spc="0" dirty="0">
                           <a:solidFill>
                             <a:srgbClr val="020302"/>
                           </a:solidFill>
                           <a:latin typeface="AdobeClean-Light"/>
                           <a:cs typeface="AdobeClean-Light"/>
                         </a:rPr>
-                        <a:t>24x5</a:t>
+                        <a:t>24X5</a:t>
                       </a:r>
+                      <a:endParaRPr sz="800" spc="0" dirty="0">
+                        <a:latin typeface="AdobeClean-Light"/>
+                        <a:cs typeface="AdobeClean-Light"/>
+                      </a:endParaRPr>
                     </a:p>
                   </a:txBody>
                   <a:tcPr marL="0" marR="0" marT="67945" marB="0">
@@ -3370,13 +3780,13 @@
                   </a:ext>
                 </a:extLst>
               </a:tr>
-              <a:tr h="249845">
+              <a:tr h="264424">
                 <a:tc vMerge="1">
                   <a:txBody>
                     <a:bodyPr/>
                     <a:lstStyle/>
                     <a:p>
-                      <a:pPr marL="50800" algn="l" rtl="0">
+                      <a:pPr marL="50800">
                         <a:lnSpc>
                           <a:spcPct val="100000"/>
                         </a:lnSpc>
@@ -3425,15 +3835,39 @@
                         </a:spcBef>
                       </a:pPr>
                       <a:r>
-                        <a:rPr lang="es-ES" sz="900">
+                        <a:rPr sz="900" spc="0" dirty="0">
                           <a:solidFill>
                             <a:srgbClr val="020302"/>
                           </a:solidFill>
                           <a:latin typeface="AdobeClean-Light"/>
                           <a:cs typeface="AdobeClean-Light"/>
                         </a:rPr>
-                        <a:t>Soporte con problemas P1 24 x 7 x 365</a:t>
+                        <a:t>24x7</a:t>
                       </a:r>
+                      <a:r>
+                        <a:rPr lang="en-US" sz="900" spc="0" dirty="0">
+                          <a:solidFill>
+                            <a:srgbClr val="020302"/>
+                          </a:solidFill>
+                          <a:latin typeface="AdobeClean-Light"/>
+                          <a:cs typeface="AdobeClean-Light"/>
+                        </a:rPr>
+                        <a:t>x365</a:t>
+                      </a:r>
+                      <a:r>
+                        <a:rPr sz="900" spc="0" dirty="0">
+                          <a:solidFill>
+                            <a:srgbClr val="020302"/>
+                          </a:solidFill>
+                          <a:latin typeface="AdobeClean-Light"/>
+                          <a:cs typeface="AdobeClean-Light"/>
+                        </a:rPr>
+                        <a:t> P1 Issue Support</a:t>
+                      </a:r>
+                      <a:endParaRPr sz="900" spc="0" dirty="0">
+                        <a:latin typeface="AdobeClean-Light"/>
+                        <a:cs typeface="AdobeClean-Light"/>
+                      </a:endParaRPr>
                     </a:p>
                   </a:txBody>
                   <a:tcPr marL="0" marR="0" marT="57785" marB="0">
@@ -3465,7 +3899,7 @@
                         </a:spcBef>
                       </a:pPr>
                       <a:r>
-                        <a:rPr lang="es-ES" sz="900">
+                        <a:rPr sz="900" spc="0" dirty="0">
                           <a:solidFill>
                             <a:srgbClr val="020302"/>
                           </a:solidFill>
@@ -3474,6 +3908,10 @@
                         </a:rPr>
                         <a:t></a:t>
                       </a:r>
+                      <a:endParaRPr sz="900" spc="0">
+                        <a:latin typeface="Wingdings"/>
+                        <a:cs typeface="Wingdings"/>
+                      </a:endParaRPr>
                     </a:p>
                   </a:txBody>
                   <a:tcPr marL="0" marR="0" marT="58419" marB="0">
@@ -3504,7 +3942,7 @@
                         </a:spcBef>
                       </a:pPr>
                       <a:r>
-                        <a:rPr lang="es-ES" sz="900">
+                        <a:rPr sz="900" spc="0" dirty="0">
                           <a:solidFill>
                             <a:srgbClr val="020302"/>
                           </a:solidFill>
@@ -3513,6 +3951,10 @@
                         </a:rPr>
                         <a:t></a:t>
                       </a:r>
+                      <a:endParaRPr sz="900" spc="0">
+                        <a:latin typeface="Wingdings"/>
+                        <a:cs typeface="Wingdings"/>
+                      </a:endParaRPr>
                     </a:p>
                   </a:txBody>
                   <a:tcPr marL="0" marR="0" marT="58419" marB="0"/>
@@ -3522,7 +3964,7 @@
                     <a:bodyPr/>
                     <a:lstStyle/>
                     <a:p>
-                      <a:pPr algn="l" rtl="0">
+                      <a:pPr algn="ctr">
                         <a:lnSpc>
                           <a:spcPct val="100000"/>
                         </a:lnSpc>
@@ -3552,7 +3994,7 @@
                         </a:spcBef>
                       </a:pPr>
                       <a:r>
-                        <a:rPr lang="es-ES" sz="900">
+                        <a:rPr sz="900" spc="0" dirty="0">
                           <a:solidFill>
                             <a:srgbClr val="020302"/>
                           </a:solidFill>
@@ -3561,6 +4003,10 @@
                         </a:rPr>
                         <a:t></a:t>
                       </a:r>
+                      <a:endParaRPr sz="900" spc="0">
+                        <a:latin typeface="Wingdings"/>
+                        <a:cs typeface="Wingdings"/>
+                      </a:endParaRPr>
                     </a:p>
                   </a:txBody>
                   <a:tcPr marL="0" marR="0" marT="58419" marB="0"/>
@@ -3579,7 +4025,7 @@
                         </a:spcBef>
                       </a:pPr>
                       <a:r>
-                        <a:rPr lang="es-ES" sz="900">
+                        <a:rPr sz="900" spc="0" dirty="0">
                           <a:solidFill>
                             <a:srgbClr val="020302"/>
                           </a:solidFill>
@@ -3588,6 +4034,10 @@
                         </a:rPr>
                         <a:t></a:t>
                       </a:r>
+                      <a:endParaRPr sz="900" spc="0">
+                        <a:latin typeface="Wingdings"/>
+                        <a:cs typeface="Wingdings"/>
+                      </a:endParaRPr>
                     </a:p>
                   </a:txBody>
                   <a:tcPr marL="0" marR="0" marT="58419" marB="0">
@@ -3605,13 +4055,13 @@
                   </a:ext>
                 </a:extLst>
               </a:tr>
-              <a:tr h="249845">
+              <a:tr h="264424">
                 <a:tc vMerge="1">
                   <a:txBody>
                     <a:bodyPr/>
                     <a:lstStyle/>
                     <a:p>
-                      <a:pPr marL="50800" algn="l" rtl="0">
+                      <a:pPr marL="50800">
                         <a:lnSpc>
                           <a:spcPct val="100000"/>
                         </a:lnSpc>
@@ -3660,15 +4110,19 @@
                         </a:spcBef>
                       </a:pPr>
                       <a:r>
-                        <a:rPr lang="es-ES" sz="900">
+                        <a:rPr lang="en-US" sz="900" spc="0" dirty="0">
                           <a:solidFill>
                             <a:srgbClr val="020302"/>
                           </a:solidFill>
                           <a:latin typeface="AdobeClean-Light"/>
                           <a:cs typeface="AdobeClean-Light"/>
                         </a:rPr>
-                        <a:t>Contactos de soporte particulares (por producto)</a:t>
+                        <a:t>Named Support Contacts (per product)</a:t>
                       </a:r>
+                      <a:endParaRPr sz="900" spc="0" dirty="0">
+                        <a:latin typeface="AdobeClean-Light"/>
+                        <a:cs typeface="AdobeClean-Light"/>
+                      </a:endParaRPr>
                     </a:p>
                   </a:txBody>
                   <a:tcPr marL="0" marR="0" marT="57785" marB="0">
@@ -3700,7 +4154,7 @@
                         </a:spcBef>
                       </a:pPr>
                       <a:r>
-                        <a:rPr lang="es-ES" sz="900">
+                        <a:rPr sz="900" spc="0" dirty="0">
                           <a:solidFill>
                             <a:srgbClr val="020302"/>
                           </a:solidFill>
@@ -3709,6 +4163,10 @@
                         </a:rPr>
                         <a:t>4</a:t>
                       </a:r>
+                      <a:endParaRPr sz="900" spc="0" dirty="0">
+                        <a:latin typeface="AdobeClean-Light"/>
+                        <a:cs typeface="AdobeClean-Light"/>
+                      </a:endParaRPr>
                     </a:p>
                   </a:txBody>
                   <a:tcPr marL="0" marR="0" marT="57785" marB="0">
@@ -3739,7 +4197,7 @@
                         </a:spcBef>
                       </a:pPr>
                       <a:r>
-                        <a:rPr lang="es-ES" sz="900">
+                        <a:rPr sz="900" spc="0" dirty="0">
                           <a:solidFill>
                             <a:srgbClr val="020302"/>
                           </a:solidFill>
@@ -3748,6 +4206,10 @@
                         </a:rPr>
                         <a:t>6</a:t>
                       </a:r>
+                      <a:endParaRPr sz="900" spc="0">
+                        <a:latin typeface="AdobeClean-Light"/>
+                        <a:cs typeface="AdobeClean-Light"/>
+                      </a:endParaRPr>
                     </a:p>
                   </a:txBody>
                   <a:tcPr marL="0" marR="0" marT="57785" marB="0"/>
@@ -3757,7 +4219,7 @@
                     <a:bodyPr/>
                     <a:lstStyle/>
                     <a:p>
-                      <a:pPr algn="l" rtl="0">
+                      <a:pPr algn="ctr">
                         <a:lnSpc>
                           <a:spcPct val="100000"/>
                         </a:lnSpc>
@@ -3787,7 +4249,7 @@
                         </a:spcBef>
                       </a:pPr>
                       <a:r>
-                        <a:rPr lang="es-ES" sz="900">
+                        <a:rPr sz="900" spc="0" dirty="0">
                           <a:solidFill>
                             <a:srgbClr val="020302"/>
                           </a:solidFill>
@@ -3796,6 +4258,10 @@
                         </a:rPr>
                         <a:t>10</a:t>
                       </a:r>
+                      <a:endParaRPr sz="900" spc="0">
+                        <a:latin typeface="AdobeClean-Light"/>
+                        <a:cs typeface="AdobeClean-Light"/>
+                      </a:endParaRPr>
                     </a:p>
                   </a:txBody>
                   <a:tcPr marL="0" marR="0" marT="57785" marB="0"/>
@@ -3814,7 +4280,7 @@
                         </a:spcBef>
                       </a:pPr>
                       <a:r>
-                        <a:rPr lang="es-ES" sz="900">
+                        <a:rPr sz="900" spc="0" dirty="0">
                           <a:solidFill>
                             <a:srgbClr val="020302"/>
                           </a:solidFill>
@@ -3823,6 +4289,10 @@
                         </a:rPr>
                         <a:t>15</a:t>
                       </a:r>
+                      <a:endParaRPr sz="900" spc="0">
+                        <a:latin typeface="AdobeClean-Light"/>
+                        <a:cs typeface="AdobeClean-Light"/>
+                      </a:endParaRPr>
                     </a:p>
                   </a:txBody>
                   <a:tcPr marL="0" marR="0" marT="57785" marB="0">
@@ -3840,13 +4310,13 @@
                   </a:ext>
                 </a:extLst>
               </a:tr>
-              <a:tr h="249845">
+              <a:tr h="264424">
                 <a:tc vMerge="1">
                   <a:txBody>
                     <a:bodyPr/>
                     <a:lstStyle/>
                     <a:p>
-                      <a:pPr marL="50800" algn="l" rtl="0">
+                      <a:pPr marL="50800">
                         <a:lnSpc>
                           <a:spcPct val="100000"/>
                         </a:lnSpc>
@@ -3895,15 +4365,19 @@
                         </a:spcBef>
                       </a:pPr>
                       <a:r>
-                        <a:rPr lang="es-ES" sz="900">
+                        <a:rPr lang="en-US" sz="900" spc="0" dirty="0">
                           <a:solidFill>
                             <a:srgbClr val="020302"/>
                           </a:solidFill>
                           <a:latin typeface="AdobeClean-Light"/>
                           <a:cs typeface="AdobeClean-Light"/>
                         </a:rPr>
-                        <a:t>Asistencia telefónica en directo</a:t>
+                        <a:t>Live Telephone Support</a:t>
                       </a:r>
+                      <a:endParaRPr sz="900" spc="0" dirty="0">
+                        <a:latin typeface="AdobeClean-Light"/>
+                        <a:cs typeface="AdobeClean-Light"/>
+                      </a:endParaRPr>
                     </a:p>
                   </a:txBody>
                   <a:tcPr marL="0" marR="0" marT="57785" marB="0">
@@ -3926,7 +4400,7 @@
                     <a:bodyPr/>
                     <a:lstStyle/>
                     <a:p>
-                      <a:pPr algn="l" rtl="0">
+                      <a:pPr>
                         <a:lnSpc>
                           <a:spcPct val="100000"/>
                         </a:lnSpc>
@@ -3965,7 +4439,7 @@
                         </a:spcBef>
                       </a:pPr>
                       <a:r>
-                        <a:rPr lang="es-ES" sz="900">
+                        <a:rPr sz="900" spc="0" dirty="0">
                           <a:solidFill>
                             <a:srgbClr val="020302"/>
                           </a:solidFill>
@@ -3974,6 +4448,10 @@
                         </a:rPr>
                         <a:t></a:t>
                       </a:r>
+                      <a:endParaRPr sz="900" spc="0">
+                        <a:latin typeface="Wingdings"/>
+                        <a:cs typeface="Wingdings"/>
+                      </a:endParaRPr>
                     </a:p>
                   </a:txBody>
                   <a:tcPr marL="0" marR="0" marT="59054" marB="0"/>
@@ -3983,7 +4461,7 @@
                     <a:bodyPr/>
                     <a:lstStyle/>
                     <a:p>
-                      <a:pPr algn="l" rtl="0">
+                      <a:pPr algn="ctr">
                         <a:lnSpc>
                           <a:spcPct val="100000"/>
                         </a:lnSpc>
@@ -4013,7 +4491,7 @@
                         </a:spcBef>
                       </a:pPr>
                       <a:r>
-                        <a:rPr lang="es-ES" sz="900">
+                        <a:rPr sz="900" spc="0" dirty="0">
                           <a:solidFill>
                             <a:srgbClr val="020302"/>
                           </a:solidFill>
@@ -4022,6 +4500,10 @@
                         </a:rPr>
                         <a:t></a:t>
                       </a:r>
+                      <a:endParaRPr sz="900" spc="0">
+                        <a:latin typeface="Wingdings"/>
+                        <a:cs typeface="Wingdings"/>
+                      </a:endParaRPr>
                     </a:p>
                   </a:txBody>
                   <a:tcPr marL="0" marR="0" marT="59054" marB="0"/>
@@ -4040,7 +4522,7 @@
                         </a:spcBef>
                       </a:pPr>
                       <a:r>
-                        <a:rPr lang="es-ES" sz="900">
+                        <a:rPr sz="900" spc="0" dirty="0">
                           <a:solidFill>
                             <a:srgbClr val="020302"/>
                           </a:solidFill>
@@ -4049,6 +4531,10 @@
                         </a:rPr>
                         <a:t></a:t>
                       </a:r>
+                      <a:endParaRPr sz="900" spc="0">
+                        <a:latin typeface="Wingdings"/>
+                        <a:cs typeface="Wingdings"/>
+                      </a:endParaRPr>
                     </a:p>
                   </a:txBody>
                   <a:tcPr marL="0" marR="0" marT="59054" marB="0">
@@ -4066,13 +4552,13 @@
                   </a:ext>
                 </a:extLst>
               </a:tr>
-              <a:tr h="249845">
+              <a:tr h="264424">
                 <a:tc vMerge="1">
                   <a:txBody>
                     <a:bodyPr/>
                     <a:lstStyle/>
                     <a:p>
-                      <a:pPr marL="50800" algn="l" rtl="0">
+                      <a:pPr marL="50800">
                         <a:lnSpc>
                           <a:spcPct val="100000"/>
                         </a:lnSpc>
@@ -4121,15 +4607,19 @@
                         </a:spcBef>
                       </a:pPr>
                       <a:r>
-                        <a:rPr lang="es-ES" sz="900">
+                        <a:rPr sz="900" spc="0" dirty="0">
                           <a:solidFill>
                             <a:srgbClr val="020302"/>
                           </a:solidFill>
                           <a:latin typeface="AdobeClean-Light"/>
                           <a:cs typeface="AdobeClean-Light"/>
                         </a:rPr>
-                        <a:t>Administración de la escalabilidad</a:t>
+                        <a:t>Escalation Management</a:t>
                       </a:r>
+                      <a:endParaRPr sz="900" spc="0" dirty="0">
+                        <a:latin typeface="AdobeClean-Light"/>
+                        <a:cs typeface="AdobeClean-Light"/>
+                      </a:endParaRPr>
                     </a:p>
                   </a:txBody>
                   <a:tcPr marL="0" marR="0" marT="58419" marB="0">
@@ -4152,7 +4642,7 @@
                     <a:bodyPr/>
                     <a:lstStyle/>
                     <a:p>
-                      <a:pPr algn="l" rtl="0">
+                      <a:pPr>
                         <a:lnSpc>
                           <a:spcPct val="100000"/>
                         </a:lnSpc>
@@ -4191,7 +4681,7 @@
                         </a:spcBef>
                       </a:pPr>
                       <a:r>
-                        <a:rPr lang="es-ES" sz="900">
+                        <a:rPr sz="900" spc="0" dirty="0">
                           <a:solidFill>
                             <a:srgbClr val="020302"/>
                           </a:solidFill>
@@ -4200,6 +4690,10 @@
                         </a:rPr>
                         <a:t></a:t>
                       </a:r>
+                      <a:endParaRPr sz="900" spc="0" dirty="0">
+                        <a:latin typeface="Wingdings"/>
+                        <a:cs typeface="Wingdings"/>
+                      </a:endParaRPr>
                     </a:p>
                   </a:txBody>
                   <a:tcPr marL="0" marR="0" marT="59690" marB="0"/>
@@ -4209,7 +4703,7 @@
                     <a:bodyPr/>
                     <a:lstStyle/>
                     <a:p>
-                      <a:pPr algn="l" rtl="0">
+                      <a:pPr algn="ctr">
                         <a:lnSpc>
                           <a:spcPct val="100000"/>
                         </a:lnSpc>
@@ -4239,7 +4733,7 @@
                         </a:spcBef>
                       </a:pPr>
                       <a:r>
-                        <a:rPr lang="es-ES" sz="900">
+                        <a:rPr sz="900" spc="0" dirty="0">
                           <a:solidFill>
                             <a:srgbClr val="020302"/>
                           </a:solidFill>
@@ -4248,6 +4742,10 @@
                         </a:rPr>
                         <a:t></a:t>
                       </a:r>
+                      <a:endParaRPr sz="900" spc="0">
+                        <a:latin typeface="Wingdings"/>
+                        <a:cs typeface="Wingdings"/>
+                      </a:endParaRPr>
                     </a:p>
                   </a:txBody>
                   <a:tcPr marL="0" marR="0" marT="59690" marB="0"/>
@@ -4266,7 +4764,7 @@
                         </a:spcBef>
                       </a:pPr>
                       <a:r>
-                        <a:rPr lang="es-ES" sz="900">
+                        <a:rPr sz="900" spc="0" dirty="0">
                           <a:solidFill>
                             <a:srgbClr val="020302"/>
                           </a:solidFill>
@@ -4275,6 +4773,10 @@
                         </a:rPr>
                         <a:t></a:t>
                       </a:r>
+                      <a:endParaRPr sz="900" spc="0" dirty="0">
+                        <a:latin typeface="Wingdings"/>
+                        <a:cs typeface="Wingdings"/>
+                      </a:endParaRPr>
                     </a:p>
                   </a:txBody>
                   <a:tcPr marL="0" marR="0" marT="59690" marB="0">
@@ -4292,13 +4794,13 @@
                   </a:ext>
                 </a:extLst>
               </a:tr>
-              <a:tr h="249845">
+              <a:tr h="264424">
                 <a:tc vMerge="1">
                   <a:txBody>
                     <a:bodyPr/>
                     <a:lstStyle/>
                     <a:p>
-                      <a:pPr marL="50800" algn="l" rtl="0">
+                      <a:pPr marL="50800">
                         <a:lnSpc>
                           <a:spcPct val="100000"/>
                         </a:lnSpc>
@@ -4347,15 +4849,19 @@
                         </a:spcBef>
                       </a:pPr>
                       <a:r>
-                        <a:rPr lang="es-ES" sz="900">
+                        <a:rPr sz="900" spc="0" dirty="0">
                           <a:solidFill>
                             <a:srgbClr val="020302"/>
                           </a:solidFill>
                           <a:latin typeface="AdobeClean-Light"/>
                           <a:cs typeface="AdobeClean-Light"/>
                         </a:rPr>
-                        <a:t>Revisiones de servicio al año</a:t>
+                        <a:t>Service Reviews  per Year</a:t>
                       </a:r>
+                      <a:endParaRPr sz="900" spc="0" dirty="0">
+                        <a:latin typeface="AdobeClean-Light"/>
+                        <a:cs typeface="AdobeClean-Light"/>
+                      </a:endParaRPr>
                     </a:p>
                   </a:txBody>
                   <a:tcPr marL="0" marR="0" marT="57150" marB="0">
@@ -4378,7 +4884,7 @@
                     <a:bodyPr/>
                     <a:lstStyle/>
                     <a:p>
-                      <a:pPr algn="l" rtl="0">
+                      <a:pPr>
                         <a:lnSpc>
                           <a:spcPct val="100000"/>
                         </a:lnSpc>
@@ -4408,7 +4914,7 @@
                     <a:bodyPr/>
                     <a:lstStyle/>
                     <a:p>
-                      <a:pPr algn="l" rtl="0">
+                      <a:pPr>
                         <a:lnSpc>
                           <a:spcPct val="100000"/>
                         </a:lnSpc>
@@ -4426,7 +4932,7 @@
                     <a:bodyPr/>
                     <a:lstStyle/>
                     <a:p>
-                      <a:pPr algn="l" rtl="0">
+                      <a:pPr>
                         <a:lnSpc>
                           <a:spcPct val="100000"/>
                         </a:lnSpc>
@@ -4453,7 +4959,7 @@
                         </a:spcBef>
                       </a:pPr>
                       <a:r>
-                        <a:rPr lang="es-ES" sz="900">
+                        <a:rPr sz="900" spc="0" dirty="0">
                           <a:solidFill>
                             <a:srgbClr val="020302"/>
                           </a:solidFill>
@@ -4462,6 +4968,10 @@
                         </a:rPr>
                         <a:t>2</a:t>
                       </a:r>
+                      <a:endParaRPr sz="900" spc="0" dirty="0">
+                        <a:latin typeface="AdobeClean-Light"/>
+                        <a:cs typeface="AdobeClean-Light"/>
+                      </a:endParaRPr>
                     </a:p>
                   </a:txBody>
                   <a:tcPr marL="0" marR="0" marT="57150" marB="0"/>
@@ -4480,7 +4990,7 @@
                         </a:spcBef>
                       </a:pPr>
                       <a:r>
-                        <a:rPr lang="es-ES" sz="900">
+                        <a:rPr sz="900" spc="0" dirty="0">
                           <a:solidFill>
                             <a:srgbClr val="020302"/>
                           </a:solidFill>
@@ -4489,6 +4999,10 @@
                         </a:rPr>
                         <a:t>4</a:t>
                       </a:r>
+                      <a:endParaRPr sz="900" spc="0" dirty="0">
+                        <a:latin typeface="AdobeClean-Light"/>
+                        <a:cs typeface="AdobeClean-Light"/>
+                      </a:endParaRPr>
                     </a:p>
                   </a:txBody>
                   <a:tcPr marL="0" marR="0" marT="57150" marB="0">
@@ -4506,7 +5020,7 @@
                   </a:ext>
                 </a:extLst>
               </a:tr>
-              <a:tr h="249845">
+              <a:tr h="264424">
                 <a:tc vMerge="1">
                   <a:txBody>
                     <a:bodyPr/>
@@ -4531,12 +5045,16 @@
                         </a:spcBef>
                       </a:pPr>
                       <a:r>
-                        <a:rPr lang="es-ES" sz="900">
+                        <a:rPr lang="en-US" sz="900" spc="0" dirty="0">
                           <a:latin typeface="AdobeClean-Light"/>
                           <a:cs typeface="AdobeClean-Light"/>
                         </a:rPr>
-                        <a:t>Sesiones con expertos al año</a:t>
+                        <a:t>Expert Sessions per Year</a:t>
                       </a:r>
+                      <a:endParaRPr sz="900" spc="0" dirty="0">
+                        <a:latin typeface="AdobeClean-Light"/>
+                        <a:cs typeface="AdobeClean-Light"/>
+                      </a:endParaRPr>
                     </a:p>
                   </a:txBody>
                   <a:tcPr marL="0" marR="0" marT="57150" marB="0">
@@ -4565,7 +5083,7 @@
                     <a:bodyPr/>
                     <a:lstStyle/>
                     <a:p>
-                      <a:pPr algn="l" rtl="0">
+                      <a:pPr>
                         <a:lnSpc>
                           <a:spcPct val="100000"/>
                         </a:lnSpc>
@@ -4598,7 +5116,7 @@
                     <a:bodyPr/>
                     <a:lstStyle/>
                     <a:p>
-                      <a:pPr algn="l" rtl="0">
+                      <a:pPr>
                         <a:lnSpc>
                           <a:spcPct val="100000"/>
                         </a:lnSpc>
@@ -4635,12 +5153,16 @@
                         </a:spcBef>
                       </a:pPr>
                       <a:r>
-                        <a:rPr lang="es-ES" sz="900">
+                        <a:rPr lang="en-US" sz="900" spc="0" dirty="0">
                           <a:latin typeface="AdobeClean-Light"/>
                           <a:cs typeface="AdobeClean-Light"/>
                         </a:rPr>
                         <a:t>2</a:t>
                       </a:r>
+                      <a:endParaRPr sz="900" spc="0" dirty="0">
+                        <a:latin typeface="AdobeClean-Light"/>
+                        <a:cs typeface="AdobeClean-Light"/>
+                      </a:endParaRPr>
                     </a:p>
                   </a:txBody>
                   <a:tcPr marL="0" marR="0" marT="57150" marB="0"/>
@@ -4659,12 +5181,16 @@
                         </a:spcBef>
                       </a:pPr>
                       <a:r>
-                        <a:rPr lang="es-ES" sz="900">
+                        <a:rPr lang="en-US" sz="900" spc="0" dirty="0">
                           <a:latin typeface="AdobeClean-Light"/>
                           <a:cs typeface="AdobeClean-Light"/>
                         </a:rPr>
                         <a:t>4</a:t>
                       </a:r>
+                      <a:endParaRPr sz="900" spc="0" dirty="0">
+                        <a:latin typeface="AdobeClean-Light"/>
+                        <a:cs typeface="AdobeClean-Light"/>
+                      </a:endParaRPr>
                     </a:p>
                   </a:txBody>
                   <a:tcPr marL="0" marR="0" marT="57150" marB="0">
@@ -4682,7 +5208,7 @@
                   </a:ext>
                 </a:extLst>
               </a:tr>
-              <a:tr h="249845">
+              <a:tr h="264424">
                 <a:tc vMerge="1">
                   <a:txBody>
                     <a:bodyPr/>
@@ -4707,12 +5233,16 @@
                         </a:spcBef>
                       </a:pPr>
                       <a:r>
-                        <a:rPr lang="es-ES" sz="900">
+                        <a:rPr lang="en-US" sz="900" spc="0" dirty="0">
                           <a:latin typeface="AdobeClean-Light"/>
                           <a:cs typeface="AdobeClean-Light"/>
                         </a:rPr>
-                        <a:t>Reseñas de casos</a:t>
+                        <a:t>Case Reviews</a:t>
                       </a:r>
+                      <a:endParaRPr sz="900" spc="0" dirty="0">
+                        <a:latin typeface="AdobeClean-Light"/>
+                        <a:cs typeface="AdobeClean-Light"/>
+                      </a:endParaRPr>
                     </a:p>
                   </a:txBody>
                   <a:tcPr marL="0" marR="0" marT="57150" marB="0">
@@ -4741,7 +5271,7 @@
                     <a:bodyPr/>
                     <a:lstStyle/>
                     <a:p>
-                      <a:pPr algn="l" rtl="0">
+                      <a:pPr>
                         <a:lnSpc>
                           <a:spcPct val="100000"/>
                         </a:lnSpc>
@@ -4774,7 +5304,7 @@
                     <a:bodyPr/>
                     <a:lstStyle/>
                     <a:p>
-                      <a:pPr algn="l" rtl="0">
+                      <a:pPr>
                         <a:lnSpc>
                           <a:spcPct val="100000"/>
                         </a:lnSpc>
@@ -4820,7 +5350,7 @@
                         <a:defRPr/>
                       </a:pPr>
                       <a:r>
-                        <a:rPr lang="es-ES" sz="900">
+                        <a:rPr lang="en-US" sz="900" spc="0" dirty="0">
                           <a:solidFill>
                             <a:srgbClr val="020302"/>
                           </a:solidFill>
@@ -4829,6 +5359,10 @@
                         </a:rPr>
                         <a:t></a:t>
                       </a:r>
+                      <a:endParaRPr lang="en-US" sz="900" spc="0" dirty="0">
+                        <a:latin typeface="Wingdings"/>
+                        <a:cs typeface="Wingdings"/>
+                      </a:endParaRPr>
                     </a:p>
                   </a:txBody>
                   <a:tcPr marL="0" marR="0" marT="57150" marB="0"/>
@@ -4856,7 +5390,7 @@
                         <a:defRPr/>
                       </a:pPr>
                       <a:r>
-                        <a:rPr lang="es-ES" sz="900">
+                        <a:rPr lang="en-US" sz="900" spc="0" dirty="0">
                           <a:solidFill>
                             <a:srgbClr val="020302"/>
                           </a:solidFill>
@@ -4865,6 +5399,10 @@
                         </a:rPr>
                         <a:t></a:t>
                       </a:r>
+                      <a:endParaRPr lang="en-US" sz="900" spc="0" dirty="0">
+                        <a:latin typeface="Wingdings"/>
+                        <a:cs typeface="Wingdings"/>
+                      </a:endParaRPr>
                     </a:p>
                   </a:txBody>
                   <a:tcPr marL="0" marR="0" marT="57150" marB="0">
@@ -4882,13 +5420,13 @@
                   </a:ext>
                 </a:extLst>
               </a:tr>
-              <a:tr h="249845">
+              <a:tr h="264424">
                 <a:tc vMerge="1">
                   <a:txBody>
                     <a:bodyPr/>
                     <a:lstStyle/>
                     <a:p>
-                      <a:pPr marL="48895" algn="l" rtl="0">
+                      <a:pPr marL="48895">
                         <a:lnSpc>
                           <a:spcPct val="100000"/>
                         </a:lnSpc>
@@ -4937,15 +5475,19 @@
                         </a:spcBef>
                       </a:pPr>
                       <a:r>
-                        <a:rPr lang="es-ES" sz="900">
+                        <a:rPr sz="900" spc="0" dirty="0">
                           <a:solidFill>
                             <a:srgbClr val="020302"/>
                           </a:solidFill>
                           <a:latin typeface="AdobeClean-Light"/>
                           <a:cs typeface="AdobeClean-Light"/>
                         </a:rPr>
-                        <a:t>Gestión de eventos</a:t>
+                        <a:t>Event Management</a:t>
                       </a:r>
+                      <a:endParaRPr sz="900" spc="0" dirty="0">
+                        <a:latin typeface="AdobeClean-Light"/>
+                        <a:cs typeface="AdobeClean-Light"/>
+                      </a:endParaRPr>
                     </a:p>
                   </a:txBody>
                   <a:tcPr marL="0" marR="0" marT="58419" marB="0">
@@ -4968,7 +5510,7 @@
                     <a:bodyPr/>
                     <a:lstStyle/>
                     <a:p>
-                      <a:pPr algn="l" rtl="0">
+                      <a:pPr>
                         <a:lnSpc>
                           <a:spcPct val="100000"/>
                         </a:lnSpc>
@@ -4998,7 +5540,7 @@
                     <a:bodyPr/>
                     <a:lstStyle/>
                     <a:p>
-                      <a:pPr algn="l" rtl="0">
+                      <a:pPr>
                         <a:lnSpc>
                           <a:spcPct val="100000"/>
                         </a:lnSpc>
@@ -5016,7 +5558,7 @@
                     <a:bodyPr/>
                     <a:lstStyle/>
                     <a:p>
-                      <a:pPr algn="l" rtl="0">
+                      <a:pPr>
                         <a:lnSpc>
                           <a:spcPct val="100000"/>
                         </a:lnSpc>
@@ -5034,7 +5576,7 @@
                     <a:bodyPr/>
                     <a:lstStyle/>
                     <a:p>
-                      <a:pPr algn="l" rtl="0">
+                      <a:pPr>
                         <a:lnSpc>
                           <a:spcPct val="100000"/>
                         </a:lnSpc>
@@ -5061,7 +5603,7 @@
                         </a:spcBef>
                       </a:pPr>
                       <a:r>
-                        <a:rPr lang="es-ES" sz="900">
+                        <a:rPr sz="900" spc="0" dirty="0">
                           <a:solidFill>
                             <a:srgbClr val="020302"/>
                           </a:solidFill>
@@ -5070,6 +5612,10 @@
                         </a:rPr>
                         <a:t></a:t>
                       </a:r>
+                      <a:endParaRPr sz="900" spc="0" dirty="0">
+                        <a:latin typeface="Wingdings"/>
+                        <a:cs typeface="Wingdings"/>
+                      </a:endParaRPr>
                     </a:p>
                   </a:txBody>
                   <a:tcPr marL="0" marR="0" marT="59055" marB="0">
@@ -5087,13 +5633,13 @@
                   </a:ext>
                 </a:extLst>
               </a:tr>
-              <a:tr h="249845">
+              <a:tr h="264424">
                 <a:tc vMerge="1">
                   <a:txBody>
                     <a:bodyPr/>
                     <a:lstStyle/>
                     <a:p>
-                      <a:pPr marL="48895" algn="l" rtl="0">
+                      <a:pPr marL="48895">
                         <a:lnSpc>
                           <a:spcPct val="100000"/>
                         </a:lnSpc>
@@ -5151,14 +5697,34 @@
                         </a:spcBef>
                       </a:pPr>
                       <a:r>
-                        <a:rPr lang="es-ES" sz="900">
+                        <a:rPr sz="900" spc="0" dirty="0">
                           <a:solidFill>
                             <a:srgbClr val="020302"/>
                           </a:solidFill>
                           <a:latin typeface="AdobeClean-Light"/>
                           <a:cs typeface="AdobeClean-Light"/>
                         </a:rPr>
-                        <a:t>Revisión, mantenimiento y monitorización del entorno,</a:t>
+                        <a:t>Environment</a:t>
+                      </a:r>
+                      <a:r>
+                        <a:rPr lang="en-US" sz="900" spc="0" dirty="0">
+                          <a:solidFill>
+                            <a:srgbClr val="020302"/>
+                          </a:solidFill>
+                          <a:latin typeface="AdobeClean-Light"/>
+                          <a:cs typeface="AdobeClean-Light"/>
+                        </a:rPr>
+                        <a:t> </a:t>
+                      </a:r>
+                      <a:r>
+                        <a:rPr sz="900" spc="0" dirty="0">
+                          <a:solidFill>
+                            <a:srgbClr val="020302"/>
+                          </a:solidFill>
+                          <a:latin typeface="AdobeClean-Light"/>
+                          <a:cs typeface="AdobeClean-Light"/>
+                        </a:rPr>
+                        <a:t>Review, Maintenance &amp; Monitoring</a:t>
                       </a:r>
                     </a:p>
                   </a:txBody>
@@ -5188,7 +5754,7 @@
                     <a:bodyPr/>
                     <a:lstStyle/>
                     <a:p>
-                      <a:pPr algn="l" rtl="0">
+                      <a:pPr>
                         <a:lnSpc>
                           <a:spcPct val="100000"/>
                         </a:lnSpc>
@@ -5221,7 +5787,7 @@
                     <a:bodyPr/>
                     <a:lstStyle/>
                     <a:p>
-                      <a:pPr algn="l" rtl="0">
+                      <a:pPr>
                         <a:lnSpc>
                           <a:spcPct val="100000"/>
                         </a:lnSpc>
@@ -5239,7 +5805,7 @@
                     <a:bodyPr/>
                     <a:lstStyle/>
                     <a:p>
-                      <a:pPr algn="l" rtl="0">
+                      <a:pPr>
                         <a:lnSpc>
                           <a:spcPct val="100000"/>
                         </a:lnSpc>
@@ -5257,7 +5823,7 @@
                     <a:bodyPr/>
                     <a:lstStyle/>
                     <a:p>
-                      <a:pPr algn="l" rtl="0">
+                      <a:pPr>
                         <a:lnSpc>
                           <a:spcPct val="100000"/>
                         </a:lnSpc>
@@ -5284,7 +5850,7 @@
                         </a:spcBef>
                       </a:pPr>
                       <a:r>
-                        <a:rPr lang="es-ES" sz="900">
+                        <a:rPr sz="900" spc="0" dirty="0">
                           <a:solidFill>
                             <a:srgbClr val="020302"/>
                           </a:solidFill>
@@ -5293,6 +5859,10 @@
                         </a:rPr>
                         <a:t></a:t>
                       </a:r>
+                      <a:endParaRPr sz="900" spc="0" dirty="0">
+                        <a:latin typeface="Wingdings"/>
+                        <a:cs typeface="Wingdings"/>
+                      </a:endParaRPr>
                     </a:p>
                   </a:txBody>
                   <a:tcPr marL="0" marR="0" marT="60325" marB="0">
@@ -5310,13 +5880,13 @@
                   </a:ext>
                 </a:extLst>
               </a:tr>
-              <a:tr h="326432">
+              <a:tr h="264424">
                 <a:tc vMerge="1">
                   <a:txBody>
                     <a:bodyPr/>
                     <a:lstStyle/>
                     <a:p>
-                      <a:pPr marL="49530" algn="l" rtl="0">
+                      <a:pPr marL="49530">
                         <a:lnSpc>
                           <a:spcPct val="100000"/>
                         </a:lnSpc>
@@ -5365,15 +5935,19 @@
                         </a:spcBef>
                       </a:pPr>
                       <a:r>
-                        <a:rPr lang="es-ES" sz="900" dirty="0">
+                        <a:rPr sz="900" spc="0" dirty="0">
                           <a:solidFill>
                             <a:srgbClr val="020302"/>
                           </a:solidFill>
                           <a:latin typeface="AdobeClean-Light"/>
                           <a:cs typeface="AdobeClean-Light"/>
                         </a:rPr>
-                        <a:t>Lanzamiento, migración, actualización y revisión de la hoja de ruta del producto</a:t>
+                        <a:t>Release, Migration, Upgrade &amp; Product Roadmap Review</a:t>
                       </a:r>
+                      <a:endParaRPr sz="900" spc="0" dirty="0">
+                        <a:latin typeface="AdobeClean-Light"/>
+                        <a:cs typeface="AdobeClean-Light"/>
+                      </a:endParaRPr>
                     </a:p>
                   </a:txBody>
                   <a:tcPr marL="0" marR="0" marT="63500" marB="0">
@@ -5396,7 +5970,7 @@
                     <a:bodyPr/>
                     <a:lstStyle/>
                     <a:p>
-                      <a:pPr algn="l" rtl="0">
+                      <a:pPr>
                         <a:lnSpc>
                           <a:spcPct val="100000"/>
                         </a:lnSpc>
@@ -5426,7 +6000,7 @@
                     <a:bodyPr/>
                     <a:lstStyle/>
                     <a:p>
-                      <a:pPr algn="l" rtl="0">
+                      <a:pPr>
                         <a:lnSpc>
                           <a:spcPct val="100000"/>
                         </a:lnSpc>
@@ -5444,7 +6018,7 @@
                     <a:bodyPr/>
                     <a:lstStyle/>
                     <a:p>
-                      <a:pPr algn="l" rtl="0">
+                      <a:pPr>
                         <a:lnSpc>
                           <a:spcPct val="100000"/>
                         </a:lnSpc>
@@ -5462,7 +6036,7 @@
                     <a:bodyPr/>
                     <a:lstStyle/>
                     <a:p>
-                      <a:pPr algn="l" rtl="0">
+                      <a:pPr>
                         <a:lnSpc>
                           <a:spcPct val="100000"/>
                         </a:lnSpc>
@@ -5489,7 +6063,7 @@
                         </a:spcBef>
                       </a:pPr>
                       <a:r>
-                        <a:rPr lang="es-ES" sz="900">
+                        <a:rPr sz="900" spc="0" dirty="0">
                           <a:solidFill>
                             <a:srgbClr val="020302"/>
                           </a:solidFill>
@@ -5498,6 +6072,10 @@
                         </a:rPr>
                         <a:t></a:t>
                       </a:r>
+                      <a:endParaRPr sz="900" spc="0">
+                        <a:latin typeface="Wingdings"/>
+                        <a:cs typeface="Wingdings"/>
+                      </a:endParaRPr>
                     </a:p>
                   </a:txBody>
                   <a:tcPr marL="0" marR="0" marT="64135" marB="0">
@@ -5515,13 +6093,13 @@
                   </a:ext>
                 </a:extLst>
               </a:tr>
-              <a:tr h="330113">
+              <a:tr h="264424">
                 <a:tc vMerge="1">
                   <a:txBody>
                     <a:bodyPr/>
                     <a:lstStyle/>
                     <a:p>
-                      <a:pPr marL="49530" algn="l" rtl="0">
+                      <a:pPr marL="49530">
                         <a:lnSpc>
                           <a:spcPct val="100000"/>
                         </a:lnSpc>
@@ -5579,11 +6157,11 @@
                         </a:spcBef>
                       </a:pPr>
                       <a:r>
-                        <a:rPr lang="es-ES" sz="900">
+                        <a:rPr sz="900" spc="0" dirty="0">
                           <a:latin typeface="AdobeClean-Light"/>
                           <a:cs typeface="AdobeClean-Light"/>
                         </a:rPr>
-                        <a:t>Actividades de asistencia en la nube: Experience Manager as Cloud</a:t>
+                        <a:t>Cloud Support Activities – Experience Manager as Cloud</a:t>
                       </a:r>
                     </a:p>
                   </a:txBody>
@@ -5613,7 +6191,7 @@
                     <a:bodyPr/>
                     <a:lstStyle/>
                     <a:p>
-                      <a:pPr algn="l" rtl="0">
+                      <a:pPr>
                         <a:lnSpc>
                           <a:spcPct val="100000"/>
                         </a:lnSpc>
@@ -5649,7 +6227,7 @@
                     <a:bodyPr/>
                     <a:lstStyle/>
                     <a:p>
-                      <a:pPr algn="l" rtl="0">
+                      <a:pPr>
                         <a:lnSpc>
                           <a:spcPct val="100000"/>
                         </a:lnSpc>
@@ -5674,7 +6252,7 @@
                     <a:bodyPr/>
                     <a:lstStyle/>
                     <a:p>
-                      <a:pPr algn="l" rtl="0">
+                      <a:pPr>
                         <a:lnSpc>
                           <a:spcPct val="100000"/>
                         </a:lnSpc>
@@ -5711,7 +6289,7 @@
                         </a:spcBef>
                       </a:pPr>
                       <a:r>
-                        <a:rPr lang="es-ES" sz="900">
+                        <a:rPr sz="900" spc="0" dirty="0">
                           <a:solidFill>
                             <a:srgbClr val="020302"/>
                           </a:solidFill>
@@ -5720,6 +6298,10 @@
                         </a:rPr>
                         <a:t></a:t>
                       </a:r>
+                      <a:endParaRPr sz="900" spc="0" dirty="0">
+                        <a:latin typeface="Wingdings"/>
+                        <a:cs typeface="Wingdings"/>
+                      </a:endParaRPr>
                     </a:p>
                   </a:txBody>
                   <a:tcPr marL="0" marR="0" marT="62230" marB="0">
@@ -5745,7 +6327,7 @@
                         </a:spcBef>
                       </a:pPr>
                       <a:r>
-                        <a:rPr lang="es-ES" sz="900">
+                        <a:rPr sz="900" spc="0" dirty="0">
                           <a:solidFill>
                             <a:srgbClr val="020302"/>
                           </a:solidFill>
@@ -5754,6 +6336,10 @@
                         </a:rPr>
                         <a:t></a:t>
                       </a:r>
+                      <a:endParaRPr sz="900" spc="0" dirty="0">
+                        <a:latin typeface="Wingdings"/>
+                        <a:cs typeface="Wingdings"/>
+                      </a:endParaRPr>
                     </a:p>
                   </a:txBody>
                   <a:tcPr marL="0" marR="0" marT="62230" marB="0">
@@ -5777,7 +6363,7 @@
                   </a:ext>
                 </a:extLst>
               </a:tr>
-              <a:tr h="249845">
+              <a:tr h="264424">
                 <a:tc rowSpan="2">
                   <a:txBody>
                     <a:bodyPr/>
@@ -5792,15 +6378,22 @@
                         </a:spcBef>
                       </a:pPr>
                       <a:r>
-                        <a:rPr lang="es-ES" sz="1000" b="1" i="0">
+                        <a:rPr lang="en-US" sz="1000" b="1" i="0" spc="0" dirty="0">
                           <a:solidFill>
                             <a:schemeClr val="bg1"/>
                           </a:solidFill>
                           <a:latin typeface="Adobe Clean" panose="020B0503020404020204" pitchFamily="34" charset="0"/>
                           <a:cs typeface="AdobeClean-Light"/>
                         </a:rPr>
-                        <a:t>Servicios de campo</a:t>
+                        <a:t>Field Services</a:t>
                       </a:r>
+                      <a:endParaRPr sz="1000" b="1" i="0" spc="0" dirty="0">
+                        <a:solidFill>
+                          <a:schemeClr val="bg1"/>
+                        </a:solidFill>
+                        <a:latin typeface="Adobe Clean" panose="020B0503020404020204" pitchFamily="34" charset="0"/>
+                        <a:cs typeface="AdobeClean-Light"/>
+                      </a:endParaRPr>
                     </a:p>
                   </a:txBody>
                   <a:tcPr marL="0" marR="0" marT="48260" marB="0" anchor="ctr">
@@ -5853,55 +6446,39 @@
                         </a:spcBef>
                       </a:pPr>
                       <a:r>
-                        <a:rPr lang="es-ES" sz="900" dirty="0">
+                        <a:rPr sz="900" spc="0" dirty="0">
                           <a:solidFill>
                             <a:srgbClr val="020302"/>
                           </a:solidFill>
                           <a:latin typeface="AdobeClean-Light"/>
                           <a:cs typeface="AdobeClean-Light"/>
                         </a:rPr>
-                        <a:t>Servicios de </a:t>
+                        <a:t>Launch Advisory Services – First Year of </a:t>
                       </a:r>
                       <a:r>
-                        <a:rPr lang="es-ES" sz="900" dirty="0" err="1">
+                        <a:rPr lang="en-US" sz="900" spc="0" dirty="0">
                           <a:solidFill>
                             <a:srgbClr val="020302"/>
                           </a:solidFill>
                           <a:latin typeface="AdobeClean-Light"/>
                           <a:cs typeface="AdobeClean-Light"/>
                         </a:rPr>
-                        <a:t>Launch</a:t>
+                        <a:t>a </a:t>
                       </a:r>
                       <a:r>
-                        <a:rPr lang="es-ES" sz="900" dirty="0">
+                        <a:rPr sz="900" spc="0" dirty="0">
                           <a:solidFill>
                             <a:srgbClr val="020302"/>
                           </a:solidFill>
                           <a:latin typeface="AdobeClean-Light"/>
                           <a:cs typeface="AdobeClean-Light"/>
                         </a:rPr>
-                        <a:t> </a:t>
+                        <a:t>new solution</a:t>
                       </a:r>
-                      <a:r>
-                        <a:rPr lang="es-ES" sz="900" dirty="0" err="1">
-                          <a:solidFill>
-                            <a:srgbClr val="020302"/>
-                          </a:solidFill>
-                          <a:latin typeface="AdobeClean-Light"/>
-                          <a:cs typeface="AdobeClean-Light"/>
-                        </a:rPr>
-                        <a:t>Advisory</a:t>
-                      </a:r>
-                      <a:r>
-                        <a:rPr lang="es-ES" sz="900" dirty="0">
-                          <a:solidFill>
-                            <a:srgbClr val="020302"/>
-                          </a:solidFill>
-                          <a:latin typeface="AdobeClean-Light"/>
-                          <a:cs typeface="AdobeClean-Light"/>
-                        </a:rPr>
-                        <a:t>: primer año de la nueva solución</a:t>
-                      </a:r>
+                      <a:endParaRPr sz="900" spc="0" dirty="0">
+                        <a:latin typeface="AdobeClean-Light"/>
+                        <a:cs typeface="AdobeClean-Light"/>
+                      </a:endParaRPr>
                     </a:p>
                     <a:p>
                       <a:pPr marL="48260">
@@ -5913,11 +6490,11 @@
                         </a:spcBef>
                       </a:pPr>
                       <a:r>
-                        <a:rPr lang="es-ES" sz="900" dirty="0">
+                        <a:rPr sz="900" spc="0" dirty="0">
                           <a:latin typeface="AdobeClean-Light"/>
                           <a:cs typeface="AdobeClean-Light"/>
                         </a:rPr>
-                        <a:t>Actividades del servicio de campo</a:t>
+                        <a:t>Field Service Activities</a:t>
                       </a:r>
                     </a:p>
                   </a:txBody>
@@ -5953,7 +6530,7 @@
                     <a:bodyPr/>
                     <a:lstStyle/>
                     <a:p>
-                      <a:pPr algn="l" rtl="0">
+                      <a:pPr>
                         <a:lnSpc>
                           <a:spcPct val="100000"/>
                         </a:lnSpc>
@@ -5989,7 +6566,7 @@
                     <a:bodyPr/>
                     <a:lstStyle/>
                     <a:p>
-                      <a:pPr algn="l" rtl="0">
+                      <a:pPr>
                         <a:lnSpc>
                           <a:spcPct val="100000"/>
                         </a:lnSpc>
@@ -6014,7 +6591,7 @@
                     <a:bodyPr/>
                     <a:lstStyle/>
                     <a:p>
-                      <a:pPr algn="l" rtl="0">
+                      <a:pPr>
                         <a:lnSpc>
                           <a:spcPct val="100000"/>
                         </a:lnSpc>
@@ -6051,7 +6628,7 @@
                         </a:spcBef>
                       </a:pPr>
                       <a:r>
-                        <a:rPr lang="es-ES" sz="900">
+                        <a:rPr sz="900" spc="0" dirty="0">
                           <a:solidFill>
                             <a:srgbClr val="020302"/>
                           </a:solidFill>
@@ -6060,6 +6637,10 @@
                         </a:rPr>
                         <a:t></a:t>
                       </a:r>
+                      <a:endParaRPr sz="900" spc="0">
+                        <a:latin typeface="Wingdings"/>
+                        <a:cs typeface="Wingdings"/>
+                      </a:endParaRPr>
                     </a:p>
                   </a:txBody>
                   <a:tcPr marL="0" marR="0" marT="56515" marB="0">
@@ -6085,7 +6666,7 @@
                         </a:spcBef>
                       </a:pPr>
                       <a:r>
-                        <a:rPr lang="es-ES" sz="900">
+                        <a:rPr sz="900" spc="0" dirty="0">
                           <a:solidFill>
                             <a:srgbClr val="020302"/>
                           </a:solidFill>
@@ -6094,6 +6675,10 @@
                         </a:rPr>
                         <a:t></a:t>
                       </a:r>
+                      <a:endParaRPr sz="900" spc="0" dirty="0">
+                        <a:latin typeface="Wingdings"/>
+                        <a:cs typeface="Wingdings"/>
+                      </a:endParaRPr>
                     </a:p>
                   </a:txBody>
                   <a:tcPr marL="0" marR="0" marT="56515" marB="0">
@@ -6117,7 +6702,7 @@
                   </a:ext>
                 </a:extLst>
               </a:tr>
-              <a:tr h="292571">
+              <a:tr h="264893">
                 <a:tc vMerge="1">
                   <a:txBody>
                     <a:bodyPr/>
@@ -6168,7 +6753,7 @@
                     <a:bodyPr/>
                     <a:lstStyle/>
                     <a:p>
-                      <a:pPr algn="l" rtl="0">
+                      <a:pPr>
                         <a:lnSpc>
                           <a:spcPct val="100000"/>
                         </a:lnSpc>
@@ -6204,7 +6789,7 @@
                     <a:bodyPr/>
                     <a:lstStyle/>
                     <a:p>
-                      <a:pPr algn="l" rtl="0">
+                      <a:pPr>
                         <a:lnSpc>
                           <a:spcPct val="100000"/>
                         </a:lnSpc>
@@ -6229,7 +6814,7 @@
                     <a:bodyPr/>
                     <a:lstStyle/>
                     <a:p>
-                      <a:pPr algn="l" rtl="0">
+                      <a:pPr>
                         <a:lnSpc>
                           <a:spcPct val="100000"/>
                         </a:lnSpc>
@@ -6263,7 +6848,7 @@
                         </a:spcBef>
                       </a:pPr>
                       <a:r>
-                        <a:rPr lang="es-ES" sz="900">
+                        <a:rPr sz="900" spc="0" dirty="0">
                           <a:solidFill>
                             <a:srgbClr val="020302"/>
                           </a:solidFill>
@@ -6272,6 +6857,10 @@
                         </a:rPr>
                         <a:t>2</a:t>
                       </a:r>
+                      <a:endParaRPr sz="900" spc="0">
+                        <a:latin typeface="AdobeClean-Light"/>
+                        <a:cs typeface="AdobeClean-Light"/>
+                      </a:endParaRPr>
                     </a:p>
                   </a:txBody>
                   <a:tcPr marL="0" marR="0" marT="50800" marB="0">
@@ -6297,7 +6886,7 @@
                         </a:spcBef>
                       </a:pPr>
                       <a:r>
-                        <a:rPr lang="es-ES" sz="900" dirty="0">
+                        <a:rPr sz="900" spc="0" dirty="0">
                           <a:solidFill>
                             <a:srgbClr val="020302"/>
                           </a:solidFill>
@@ -6306,6 +6895,10 @@
                         </a:rPr>
                         <a:t>4</a:t>
                       </a:r>
+                      <a:endParaRPr sz="900" spc="0" dirty="0">
+                        <a:latin typeface="AdobeClean-Light"/>
+                        <a:cs typeface="AdobeClean-Light"/>
+                      </a:endParaRPr>
                     </a:p>
                   </a:txBody>
                   <a:tcPr marL="0" marR="0" marT="50800" marB="0">
@@ -6367,8 +6960,24 @@
               </a:spcBef>
             </a:pPr>
             <a:r>
-              <a:rPr lang="es-ES"/>
-              <a:t>©2021 Adobe. All Rights Reserved. Adobe Confidential.</a:t>
+              <a:rPr spc="-5" dirty="0"/>
+              <a:t>©202</a:t>
+            </a:r>
+            <a:r>
+              <a:rPr lang="en-US" spc="-5" dirty="0"/>
+              <a:t>1</a:t>
+            </a:r>
+            <a:r>
+              <a:rPr spc="-5" dirty="0"/>
+              <a:t> Adobe. All Rights Reserved. Adobe</a:t>
+            </a:r>
+            <a:r>
+              <a:rPr spc="60" dirty="0"/>
+              <a:t> </a:t>
+            </a:r>
+            <a:r>
+              <a:rPr spc="-5" dirty="0"/>
+              <a:t>Confidential.</a:t>
             </a:r>
           </a:p>
         </p:txBody>
@@ -6382,14 +6991,14 @@
           <p:nvPr>
             <p:extLst>
               <p:ext uri="{D42A27DB-BD31-4B8C-83A1-F6EECF244321}">
-                <p14:modId xmlns:p14="http://schemas.microsoft.com/office/powerpoint/2010/main" val="1242633093"/>
+                <p14:modId xmlns:p14="http://schemas.microsoft.com/office/powerpoint/2010/main" val="4081524108"/>
               </p:ext>
             </p:extLst>
           </p:nvPr>
         </p:nvGraphicFramePr>
         <p:xfrm>
           <a:off x="33527" y="7483227"/>
-          <a:ext cx="7705343" cy="2243657"/>
+          <a:ext cx="7705343" cy="2172787"/>
         </p:xfrm>
         <a:graphic>
           <a:graphicData uri="http://schemas.openxmlformats.org/drawingml/2006/table">
@@ -6449,15 +7058,19 @@
                         </a:spcBef>
                       </a:pPr>
                       <a:r>
-                        <a:rPr lang="es-ES" sz="900">
+                        <a:rPr sz="900" spc="0" dirty="0">
                           <a:solidFill>
                             <a:srgbClr val="020302"/>
                           </a:solidFill>
                           <a:latin typeface="Adobe Clean"/>
                           <a:cs typeface="Adobe Clean"/>
                         </a:rPr>
-                        <a:t>Prioridad</a:t>
+                        <a:t>Priority</a:t>
                       </a:r>
+                      <a:endParaRPr sz="900" spc="0" dirty="0">
+                        <a:latin typeface="Adobe Clean"/>
+                        <a:cs typeface="Adobe Clean"/>
+                      </a:endParaRPr>
                     </a:p>
                   </a:txBody>
                   <a:tcPr marL="0" marR="0" marT="7620" marB="0" anchor="ctr">
@@ -6504,15 +7117,39 @@
                         </a:spcBef>
                       </a:pPr>
                       <a:r>
-                        <a:rPr lang="es-ES" sz="900">
+                        <a:rPr sz="900" spc="0" dirty="0">
                           <a:solidFill>
                             <a:srgbClr val="020302"/>
                           </a:solidFill>
                           <a:latin typeface="Adobe Clean"/>
                           <a:cs typeface="Adobe Clean"/>
                         </a:rPr>
-                        <a:t>Soporte Online</a:t>
+                        <a:t>Online </a:t>
                       </a:r>
+                      <a:r>
+                        <a:rPr lang="en-US" sz="900" spc="0" dirty="0">
+                          <a:solidFill>
+                            <a:srgbClr val="020302"/>
+                          </a:solidFill>
+                          <a:latin typeface="Adobe Clean"/>
+                          <a:cs typeface="Adobe Clean"/>
+                        </a:rPr>
+                        <a:t> </a:t>
+                      </a:r>
+                      <a:r>
+                        <a:rPr sz="900" spc="0" dirty="0">
+                          <a:solidFill>
+                            <a:srgbClr val="020302"/>
+                          </a:solidFill>
+                          <a:latin typeface="Adobe Clean"/>
+                          <a:cs typeface="Adobe Clean"/>
+                        </a:rPr>
+                        <a:t>Support</a:t>
+                      </a:r>
+                      <a:endParaRPr sz="900" spc="0" dirty="0">
+                        <a:latin typeface="Adobe Clean"/>
+                        <a:cs typeface="Adobe Clean"/>
+                      </a:endParaRPr>
                     </a:p>
                   </a:txBody>
                   <a:tcPr marL="0" marR="0" marT="0" marB="0" anchor="ctr">
@@ -6534,11 +7171,14 @@
                       </a:solidFill>
                       <a:prstDash val="solid"/>
                     </a:lnT>
-                    <a:lnB w="76200">
+                    <a:lnB w="76200" cap="flat" cmpd="sng" algn="ctr">
                       <a:solidFill>
                         <a:srgbClr val="858585"/>
                       </a:solidFill>
                       <a:prstDash val="solid"/>
+                      <a:round/>
+                      <a:headEnd type="none" w="med" len="med"/>
+                      <a:tailEnd type="none" w="med" len="med"/>
                     </a:lnB>
                     <a:solidFill>
                       <a:srgbClr val="D9D9D9"/>
@@ -6559,15 +7199,39 @@
                         </a:spcBef>
                       </a:pPr>
                       <a:r>
-                        <a:rPr lang="es-ES" sz="900">
+                        <a:rPr sz="900" spc="0" dirty="0">
                           <a:solidFill>
                             <a:srgbClr val="FFFFFF"/>
                           </a:solidFill>
                           <a:latin typeface="Adobe Clean"/>
                           <a:cs typeface="Adobe Clean"/>
                         </a:rPr>
-                        <a:t>Soporte Business</a:t>
+                        <a:t>Business</a:t>
                       </a:r>
+                      <a:r>
+                        <a:rPr lang="en-US" sz="900" spc="0" dirty="0">
+                          <a:solidFill>
+                            <a:srgbClr val="FFFFFF"/>
+                          </a:solidFill>
+                          <a:latin typeface="Adobe Clean"/>
+                          <a:cs typeface="Adobe Clean"/>
+                        </a:rPr>
+                        <a:t> </a:t>
+                      </a:r>
+                      <a:r>
+                        <a:rPr sz="900" spc="0" dirty="0">
+                          <a:solidFill>
+                            <a:srgbClr val="FFFFFF"/>
+                          </a:solidFill>
+                          <a:latin typeface="Adobe Clean"/>
+                          <a:cs typeface="Adobe Clean"/>
+                        </a:rPr>
+                        <a:t>Support</a:t>
+                      </a:r>
+                      <a:endParaRPr sz="900" spc="0" dirty="0">
+                        <a:latin typeface="Adobe Clean"/>
+                        <a:cs typeface="Adobe Clean"/>
+                      </a:endParaRPr>
                     </a:p>
                   </a:txBody>
                   <a:tcPr marL="0" marR="0" marT="0" marB="0" anchor="ctr">
@@ -6589,11 +7253,14 @@
                       </a:solidFill>
                       <a:prstDash val="solid"/>
                     </a:lnT>
-                    <a:lnB w="76200">
+                    <a:lnB w="76200" cap="flat" cmpd="sng" algn="ctr">
                       <a:solidFill>
                         <a:srgbClr val="ACD2FF"/>
                       </a:solidFill>
                       <a:prstDash val="solid"/>
+                      <a:round/>
+                      <a:headEnd type="none" w="med" len="med"/>
+                      <a:tailEnd type="none" w="med" len="med"/>
                     </a:lnB>
                     <a:solidFill>
                       <a:srgbClr val="7D7D7D"/>
@@ -6614,15 +7281,39 @@
                         </a:spcBef>
                       </a:pPr>
                       <a:r>
-                        <a:rPr lang="es-ES" sz="900">
+                        <a:rPr sz="900" spc="0" dirty="0">
                           <a:solidFill>
                             <a:srgbClr val="FFFFFF"/>
                           </a:solidFill>
                           <a:latin typeface="Adobe Clean"/>
                           <a:cs typeface="Adobe Clean"/>
                         </a:rPr>
-                        <a:t>Soporte Enterprise</a:t>
+                        <a:t>Enterprise </a:t>
                       </a:r>
+                      <a:r>
+                        <a:rPr lang="en-US" sz="900" spc="0" dirty="0">
+                          <a:solidFill>
+                            <a:srgbClr val="FFFFFF"/>
+                          </a:solidFill>
+                          <a:latin typeface="Adobe Clean"/>
+                          <a:cs typeface="Adobe Clean"/>
+                        </a:rPr>
+                        <a:t> </a:t>
+                      </a:r>
+                      <a:r>
+                        <a:rPr sz="900" spc="0" dirty="0">
+                          <a:solidFill>
+                            <a:srgbClr val="FFFFFF"/>
+                          </a:solidFill>
+                          <a:latin typeface="Adobe Clean"/>
+                          <a:cs typeface="Adobe Clean"/>
+                        </a:rPr>
+                        <a:t>Support</a:t>
+                      </a:r>
+                      <a:endParaRPr sz="900" spc="0" dirty="0">
+                        <a:latin typeface="Adobe Clean"/>
+                        <a:cs typeface="Adobe Clean"/>
+                      </a:endParaRPr>
                     </a:p>
                   </a:txBody>
                   <a:tcPr marL="0" marR="0" marT="0" marB="0" anchor="ctr">
@@ -6644,11 +7335,14 @@
                       </a:solidFill>
                       <a:prstDash val="solid"/>
                     </a:lnT>
-                    <a:lnB w="76200">
+                    <a:lnB w="76200" cap="flat" cmpd="sng" algn="ctr">
                       <a:solidFill>
                         <a:srgbClr val="2E8FFF"/>
                       </a:solidFill>
                       <a:prstDash val="solid"/>
+                      <a:round/>
+                      <a:headEnd type="none" w="med" len="med"/>
+                      <a:tailEnd type="none" w="med" len="med"/>
                     </a:lnB>
                     <a:solidFill>
                       <a:srgbClr val="404040"/>
@@ -6669,15 +7363,39 @@
                         </a:spcBef>
                       </a:pPr>
                       <a:r>
-                        <a:rPr lang="es-ES" sz="900">
+                        <a:rPr sz="900" spc="0" dirty="0">
                           <a:solidFill>
                             <a:srgbClr val="FFFFFF"/>
                           </a:solidFill>
                           <a:latin typeface="Adobe Clean"/>
                           <a:cs typeface="Adobe Clean"/>
                         </a:rPr>
-                        <a:t>Soporte Elite</a:t>
+                        <a:t>Elite</a:t>
                       </a:r>
+                      <a:r>
+                        <a:rPr lang="en-US" sz="900" spc="0" dirty="0">
+                          <a:solidFill>
+                            <a:srgbClr val="FFFFFF"/>
+                          </a:solidFill>
+                          <a:latin typeface="Adobe Clean"/>
+                          <a:cs typeface="Adobe Clean"/>
+                        </a:rPr>
+                        <a:t> </a:t>
+                      </a:r>
+                      <a:r>
+                        <a:rPr sz="900" spc="0" dirty="0">
+                          <a:solidFill>
+                            <a:srgbClr val="FFFFFF"/>
+                          </a:solidFill>
+                          <a:latin typeface="Adobe Clean"/>
+                          <a:cs typeface="Adobe Clean"/>
+                        </a:rPr>
+                        <a:t>Support</a:t>
+                      </a:r>
+                      <a:endParaRPr sz="900" spc="0" dirty="0">
+                        <a:latin typeface="Adobe Clean"/>
+                        <a:cs typeface="Adobe Clean"/>
+                      </a:endParaRPr>
                     </a:p>
                   </a:txBody>
                   <a:tcPr marL="0" marR="0" marT="0" marB="0" anchor="ctr">
@@ -6699,11 +7417,14 @@
                       </a:solidFill>
                       <a:prstDash val="solid"/>
                     </a:lnT>
-                    <a:lnB w="76200">
+                    <a:lnB w="76200" cap="flat" cmpd="sng" algn="ctr">
                       <a:solidFill>
                         <a:srgbClr val="0068E1"/>
                       </a:solidFill>
                       <a:prstDash val="solid"/>
+                      <a:round/>
+                      <a:headEnd type="none" w="med" len="med"/>
+                      <a:tailEnd type="none" w="med" len="med"/>
                     </a:lnB>
                     <a:solidFill>
                       <a:srgbClr val="000000"/>
@@ -6731,15 +7452,19 @@
                         </a:spcBef>
                       </a:pPr>
                       <a:r>
-                        <a:rPr lang="es-ES" sz="900" b="1" dirty="0">
+                        <a:rPr sz="900" b="1" spc="0" dirty="0">
                           <a:solidFill>
                             <a:srgbClr val="020302"/>
                           </a:solidFill>
                           <a:latin typeface="Adobe Clean"/>
                           <a:cs typeface="Adobe Clean"/>
                         </a:rPr>
-                        <a:t>PRIORIDAD 1</a:t>
+                        <a:t>PRIORITY 1</a:t>
                       </a:r>
+                      <a:endParaRPr sz="900" spc="0" dirty="0">
+                        <a:latin typeface="Adobe Clean"/>
+                        <a:cs typeface="Adobe Clean"/>
+                      </a:endParaRPr>
                     </a:p>
                     <a:p>
                       <a:pPr marL="50800" marR="387985">
@@ -6751,14 +7476,19 @@
                         </a:spcBef>
                       </a:pPr>
                       <a:r>
-                        <a:rPr lang="es-ES" sz="800" b="0" i="0" dirty="0">
+                        <a:rPr lang="en-US" sz="900" b="0" i="0" spc="0" dirty="0">
                           <a:solidFill>
                             <a:srgbClr val="000000"/>
                           </a:solidFill>
+                          <a:effectLst/>
                           <a:latin typeface="Adobe Clean Light" panose="020B0303020404020204" pitchFamily="34" charset="0"/>
                         </a:rPr>
-                        <a:t>Las funciones empresariales de producción del cliente no están activadas o pierden datos o presentan una degradación del servicio significativa, por lo que se requiere atención inmediata para restaurar la funcionalidad y facilidad de uso. </a:t>
+                        <a:t>Customer's production business functions are down or have significant data loss or service degradation and immediate attention is required to restore functionality and usability. </a:t>
                       </a:r>
+                      <a:endParaRPr sz="900" spc="0" dirty="0">
+                        <a:latin typeface="AdobeClean-Light"/>
+                        <a:cs typeface="AdobeClean-Light"/>
+                      </a:endParaRPr>
                     </a:p>
                   </a:txBody>
                   <a:tcPr marL="0" marR="0" marT="0" marB="0" anchor="ctr">
@@ -6768,11 +7498,14 @@
                       </a:solidFill>
                       <a:prstDash val="solid"/>
                     </a:lnL>
-                    <a:lnR w="3175">
+                    <a:lnR w="3175" cap="flat" cmpd="sng" algn="ctr">
                       <a:solidFill>
                         <a:srgbClr val="B7B8B8"/>
                       </a:solidFill>
                       <a:prstDash val="solid"/>
+                      <a:round/>
+                      <a:headEnd type="none" w="med" len="med"/>
+                      <a:tailEnd type="none" w="med" len="med"/>
                     </a:lnR>
                     <a:lnT w="3175">
                       <a:solidFill>
@@ -6793,27 +7526,20 @@
                     <a:bodyPr/>
                     <a:lstStyle/>
                     <a:p>
-                      <a:pPr marL="0" marR="325120" indent="-3810" algn="ctr">
-                        <a:lnSpc>
-                          <a:spcPct val="100000"/>
-                        </a:lnSpc>
-                        <a:spcBef>
-                          <a:spcPts val="670"/>
-                        </a:spcBef>
-                      </a:pPr>
+                      <a:pPr algn="ctr" fontAlgn="t"/>
                       <a:r>
-                        <a:rPr lang="es-ES" sz="900" dirty="0">
+                        <a:rPr lang="en-US" sz="900" b="0" i="0" u="none" strike="noStrike">
                           <a:solidFill>
                             <a:srgbClr val="020302"/>
                           </a:solidFill>
-                          <a:latin typeface="AdobeClean-Light"/>
-                          <a:cs typeface="AdobeClean-Light"/>
+                          <a:effectLst/>
+                          <a:latin typeface="AdobeClean-Light" panose="020B0503020404020204" pitchFamily="34" charset="0"/>
                         </a:rPr>
-                        <a:t>24x7 /                1 hora</a:t>
+                        <a:t>24x7 / 1 hour</a:t>
                       </a:r>
                     </a:p>
                   </a:txBody>
-                  <a:tcPr marL="0" marR="0" marT="0" marB="0" anchor="ctr">
+                  <a:tcPr marL="9525" marR="9525" marT="9525" marB="0" anchor="ctr">
                     <a:lnL w="3175">
                       <a:solidFill>
                         <a:srgbClr val="B7B8B8"/>
@@ -6845,27 +7571,20 @@
                     <a:bodyPr/>
                     <a:lstStyle/>
                     <a:p>
-                      <a:pPr marL="0" marR="325755" indent="-3810" algn="ctr">
-                        <a:lnSpc>
-                          <a:spcPct val="100000"/>
-                        </a:lnSpc>
-                        <a:spcBef>
-                          <a:spcPts val="670"/>
-                        </a:spcBef>
-                      </a:pPr>
+                      <a:pPr algn="ctr" fontAlgn="t"/>
                       <a:r>
-                        <a:rPr lang="es-ES" sz="900">
+                        <a:rPr lang="en-US" sz="900" b="0" i="0" u="none" strike="noStrike">
                           <a:solidFill>
                             <a:srgbClr val="020302"/>
                           </a:solidFill>
-                          <a:latin typeface="AdobeClean-Light"/>
-                          <a:cs typeface="AdobeClean-Light"/>
+                          <a:effectLst/>
+                          <a:latin typeface="AdobeClean-Light" panose="020B0503020404020204" pitchFamily="34" charset="0"/>
                         </a:rPr>
-                        <a:t>24x7 /              1 hora</a:t>
+                        <a:t>24x7 / 1 hour</a:t>
                       </a:r>
                     </a:p>
                   </a:txBody>
-                  <a:tcPr marL="0" marR="0" marT="0" marB="0" anchor="ctr">
+                  <a:tcPr marL="9525" marR="9525" marT="9525" marB="0" anchor="ctr">
                     <a:lnL w="3175">
                       <a:solidFill>
                         <a:srgbClr val="B7B8B8"/>
@@ -6897,27 +7616,20 @@
                     <a:bodyPr/>
                     <a:lstStyle/>
                     <a:p>
-                      <a:pPr marL="0" marR="258445" indent="115570" algn="ctr">
-                        <a:lnSpc>
-                          <a:spcPct val="100000"/>
-                        </a:lnSpc>
-                        <a:spcBef>
-                          <a:spcPts val="670"/>
-                        </a:spcBef>
-                      </a:pPr>
+                      <a:pPr algn="ctr" fontAlgn="t"/>
                       <a:r>
-                        <a:rPr lang="es-ES" sz="900">
+                        <a:rPr lang="en-US" sz="900" b="0" i="0" u="none" strike="noStrike">
                           <a:solidFill>
                             <a:srgbClr val="020302"/>
                           </a:solidFill>
-                          <a:latin typeface="AdobeClean-Light"/>
-                          <a:cs typeface="AdobeClean-Light"/>
+                          <a:effectLst/>
+                          <a:latin typeface="AdobeClean-Light" panose="020B0503020404020204" pitchFamily="34" charset="0"/>
                         </a:rPr>
-                        <a:t>24x7 /           30 minutos</a:t>
+                        <a:t>24x7 / 30 minutes</a:t>
                       </a:r>
                     </a:p>
                   </a:txBody>
-                  <a:tcPr marL="0" marR="0" marT="0" marB="0" anchor="ctr">
+                  <a:tcPr marL="9525" marR="9525" marT="9525" marB="0" anchor="ctr">
                     <a:lnL w="3175">
                       <a:solidFill>
                         <a:srgbClr val="B7B8B8"/>
@@ -6949,27 +7661,20 @@
                     <a:bodyPr/>
                     <a:lstStyle/>
                     <a:p>
-                      <a:pPr marL="0" marR="271780" indent="103505" algn="ctr">
-                        <a:lnSpc>
-                          <a:spcPct val="100000"/>
-                        </a:lnSpc>
-                        <a:spcBef>
-                          <a:spcPts val="670"/>
-                        </a:spcBef>
-                      </a:pPr>
+                      <a:pPr algn="ctr" fontAlgn="t"/>
                       <a:r>
-                        <a:rPr lang="es-ES" sz="900">
+                        <a:rPr lang="en-US" sz="900" b="0" i="0" u="none" strike="noStrike">
                           <a:solidFill>
                             <a:srgbClr val="020302"/>
                           </a:solidFill>
-                          <a:latin typeface="AdobeClean-Light"/>
-                          <a:cs typeface="AdobeClean-Light"/>
+                          <a:effectLst/>
+                          <a:latin typeface="AdobeClean-Light" panose="020B0503020404020204" pitchFamily="34" charset="0"/>
                         </a:rPr>
-                        <a:t>24x7 /         15 minutos</a:t>
+                        <a:t>24x7 / 15 minutes</a:t>
                       </a:r>
                     </a:p>
                   </a:txBody>
-                  <a:tcPr marL="0" marR="0" marT="0" marB="0" anchor="ctr">
+                  <a:tcPr marL="9525" marR="9525" marT="9525" marB="0" anchor="ctr">
                     <a:lnL w="3175">
                       <a:solidFill>
                         <a:srgbClr val="B7B8B8"/>
@@ -7017,15 +7722,19 @@
                         </a:spcBef>
                       </a:pPr>
                       <a:r>
-                        <a:rPr lang="es-ES" sz="900" b="1" dirty="0">
+                        <a:rPr sz="900" b="1" spc="0" dirty="0">
                           <a:solidFill>
                             <a:srgbClr val="020302"/>
                           </a:solidFill>
                           <a:latin typeface="Adobe Clean"/>
                           <a:cs typeface="Adobe Clean"/>
                         </a:rPr>
-                        <a:t>PRIORIDAD 2</a:t>
+                        <a:t>PRIORITY 2</a:t>
                       </a:r>
+                      <a:endParaRPr sz="900" spc="0" dirty="0">
+                        <a:latin typeface="Adobe Clean"/>
+                        <a:cs typeface="Adobe Clean"/>
+                      </a:endParaRPr>
                     </a:p>
                     <a:p>
                       <a:pPr marL="50165" marR="203200" indent="0" defTabSz="914400" eaLnBrk="1" fontAlgn="auto" latinLnBrk="0" hangingPunct="1">
@@ -7046,14 +7755,19 @@
                         <a:defRPr/>
                       </a:pPr>
                       <a:r>
-                        <a:rPr lang="es-ES" sz="800" b="0" i="0" dirty="0">
+                        <a:rPr lang="en-US" sz="900" b="0" i="0" spc="0" dirty="0">
                           <a:solidFill>
                             <a:srgbClr val="000000"/>
                           </a:solidFill>
+                          <a:effectLst/>
                           <a:latin typeface="Adobe Clean Light" panose="020B0303020404020204" pitchFamily="34" charset="0"/>
                         </a:rPr>
-                        <a:t>Las funciones empresariales del cliente presentan una importante degradación del servicio o hay una posible pérdida de datos, o una función clave se está viendo afectada. </a:t>
+                        <a:t>Customer's business functions have major service degradation or potential data loss, or a major feature is impacted </a:t>
                       </a:r>
+                      <a:endParaRPr sz="900" b="0" i="0" spc="0" dirty="0">
+                        <a:latin typeface="Adobe Clean Light" panose="020B0303020404020204" pitchFamily="34" charset="0"/>
+                        <a:cs typeface="AdobeClean-Light"/>
+                      </a:endParaRPr>
                     </a:p>
                   </a:txBody>
                   <a:tcPr marL="0" marR="0" marT="0" marB="0" anchor="ctr">
@@ -7063,11 +7777,14 @@
                       </a:solidFill>
                       <a:prstDash val="solid"/>
                     </a:lnL>
-                    <a:lnR w="3175">
+                    <a:lnR w="3175" cap="flat" cmpd="sng" algn="ctr">
                       <a:solidFill>
                         <a:srgbClr val="B7B8B8"/>
                       </a:solidFill>
                       <a:prstDash val="solid"/>
+                      <a:round/>
+                      <a:headEnd type="none" w="med" len="med"/>
+                      <a:tailEnd type="none" w="med" len="med"/>
                     </a:lnR>
                     <a:lnT w="3175">
                       <a:solidFill>
@@ -7088,46 +7805,110 @@
                     <a:bodyPr/>
                     <a:lstStyle/>
                     <a:p>
-                      <a:pPr marL="0" marR="184785" indent="-193675" algn="ctr">
-                        <a:lnSpc>
-                          <a:spcPct val="100000"/>
-                        </a:lnSpc>
-                        <a:spcBef>
-                          <a:spcPts val="670"/>
-                        </a:spcBef>
-                      </a:pPr>
+                      <a:pPr algn="ctr" fontAlgn="t"/>
                       <a:r>
-                        <a:rPr lang="es-ES" sz="900" dirty="0">
+                        <a:rPr lang="en-US" sz="900" b="0" i="0" u="none" strike="noStrike">
                           <a:solidFill>
                             <a:srgbClr val="020302"/>
                           </a:solidFill>
-                          <a:latin typeface="AdobeClean-Light"/>
-                          <a:cs typeface="AdobeClean-Light"/>
+                          <a:effectLst/>
+                          <a:latin typeface="AdobeClean-Light" panose="020B0503020404020204" pitchFamily="34" charset="0"/>
                         </a:rPr>
-                        <a:t>Horario de trabajo /  </a:t>
+                        <a:t>Business hours / 4 hours</a:t>
                       </a:r>
-                      <a:br>
-                        <a:rPr lang="sk-SK" sz="900" dirty="0">
+                    </a:p>
+                  </a:txBody>
+                  <a:tcPr marL="9525" marR="9525" marT="9525" marB="0" anchor="ctr">
+                    <a:lnL w="3175">
+                      <a:solidFill>
+                        <a:srgbClr val="B7B8B8"/>
+                      </a:solidFill>
+                      <a:prstDash val="solid"/>
+                    </a:lnL>
+                    <a:lnR w="3175">
+                      <a:solidFill>
+                        <a:srgbClr val="B7B8B8"/>
+                      </a:solidFill>
+                      <a:prstDash val="solid"/>
+                    </a:lnR>
+                    <a:lnT w="3175">
+                      <a:solidFill>
+                        <a:srgbClr val="B7B8B8"/>
+                      </a:solidFill>
+                      <a:prstDash val="solid"/>
+                    </a:lnT>
+                    <a:lnB w="3175">
+                      <a:solidFill>
+                        <a:srgbClr val="B7B8B8"/>
+                      </a:solidFill>
+                      <a:prstDash val="solid"/>
+                    </a:lnB>
+                  </a:tcPr>
+                </a:tc>
+                <a:tc>
+                  <a:txBody>
+                    <a:bodyPr/>
+                    <a:lstStyle/>
+                    <a:p>
+                      <a:pPr algn="ctr" fontAlgn="t"/>
+                      <a:r>
+                        <a:rPr lang="en-US" sz="900" b="0" i="0" u="none" strike="noStrike">
                           <a:solidFill>
                             <a:srgbClr val="020302"/>
                           </a:solidFill>
-                          <a:latin typeface="AdobeClean-Light"/>
-                          <a:cs typeface="AdobeClean-Light"/>
+                          <a:effectLst/>
+                          <a:latin typeface="AdobeClean-Light" panose="020B0503020404020204" pitchFamily="34" charset="0"/>
                         </a:rPr>
-                      </a:br>
+                        <a:t>Business hours / 2 hours</a:t>
+                      </a:r>
+                    </a:p>
+                  </a:txBody>
+                  <a:tcPr marL="9525" marR="9525" marT="9525" marB="0" anchor="ctr">
+                    <a:lnL w="3175">
+                      <a:solidFill>
+                        <a:srgbClr val="B7B8B8"/>
+                      </a:solidFill>
+                      <a:prstDash val="solid"/>
+                    </a:lnL>
+                    <a:lnR w="3175">
+                      <a:solidFill>
+                        <a:srgbClr val="B7B8B8"/>
+                      </a:solidFill>
+                      <a:prstDash val="solid"/>
+                    </a:lnR>
+                    <a:lnT w="3175">
+                      <a:solidFill>
+                        <a:srgbClr val="B7B8B8"/>
+                      </a:solidFill>
+                      <a:prstDash val="solid"/>
+                    </a:lnT>
+                    <a:lnB w="3175">
+                      <a:solidFill>
+                        <a:srgbClr val="B7B8B8"/>
+                      </a:solidFill>
+                      <a:prstDash val="solid"/>
+                    </a:lnB>
+                  </a:tcPr>
+                </a:tc>
+                <a:tc>
+                  <a:txBody>
+                    <a:bodyPr/>
+                    <a:lstStyle/>
+                    <a:p>
+                      <a:pPr algn="ctr" fontAlgn="t"/>
                       <a:r>
-                        <a:rPr lang="es-ES" sz="900" dirty="0">
+                        <a:rPr lang="en-US" sz="900" b="0" i="0" u="none" strike="noStrike">
                           <a:solidFill>
                             <a:srgbClr val="020302"/>
                           </a:solidFill>
-                          <a:latin typeface="AdobeClean-Light"/>
-                          <a:cs typeface="AdobeClean-Light"/>
+                          <a:effectLst/>
+                          <a:latin typeface="AdobeClean-Light" panose="020B0503020404020204" pitchFamily="34" charset="0"/>
                         </a:rPr>
-                        <a:t>4 horas</a:t>
+                        <a:t>24x5 / 1 hour</a:t>
                       </a:r>
                     </a:p>
                   </a:txBody>
-                  <a:tcPr marL="0" marR="0" marT="0" marB="0" anchor="ctr">
+                  <a:tcPr marL="9525" marR="9525" marT="9525" marB="0" anchor="ctr">
                     <a:lnL w="3175">
                       <a:solidFill>
                         <a:srgbClr val="B7B8B8"/>
@@ -7159,150 +7940,20 @@
                     <a:bodyPr/>
                     <a:lstStyle/>
                     <a:p>
-                      <a:pPr marL="0" marR="184785" indent="-194310" algn="ctr">
-                        <a:lnSpc>
-                          <a:spcPct val="100000"/>
-                        </a:lnSpc>
-                        <a:spcBef>
-                          <a:spcPts val="670"/>
-                        </a:spcBef>
-                      </a:pPr>
+                      <a:pPr algn="ctr" fontAlgn="t"/>
                       <a:r>
-                        <a:rPr lang="es-ES" sz="900" dirty="0">
+                        <a:rPr lang="en-US" sz="900" b="0" i="0" u="none" strike="noStrike">
                           <a:solidFill>
                             <a:srgbClr val="020302"/>
                           </a:solidFill>
-                          <a:latin typeface="AdobeClean-Light"/>
-                          <a:cs typeface="AdobeClean-Light"/>
+                          <a:effectLst/>
+                          <a:latin typeface="AdobeClean-Light" panose="020B0503020404020204" pitchFamily="34" charset="0"/>
                         </a:rPr>
-                        <a:t>Horario de trabajo / </a:t>
+                        <a:t>24x5 / 30 minutes</a:t>
                       </a:r>
-                      <a:br>
-                        <a:rPr lang="sk-SK" sz="900" dirty="0">
-                          <a:solidFill>
-                            <a:srgbClr val="020302"/>
-                          </a:solidFill>
-                          <a:latin typeface="AdobeClean-Light"/>
-                          <a:cs typeface="AdobeClean-Light"/>
-                        </a:rPr>
-                      </a:br>
-                      <a:r>
-                        <a:rPr lang="es-ES" sz="900" dirty="0">
-                          <a:solidFill>
-                            <a:srgbClr val="020302"/>
-                          </a:solidFill>
-                          <a:latin typeface="AdobeClean-Light"/>
-                          <a:cs typeface="AdobeClean-Light"/>
-                        </a:rPr>
-                        <a:t> 2 horas</a:t>
-                      </a:r>
-                    </a:p>
-                  </a:txBody>
-                  <a:tcPr marL="0" marR="0" marT="0" marB="0" anchor="ctr">
-                    <a:lnL w="3175">
-                      <a:solidFill>
-                        <a:srgbClr val="B7B8B8"/>
-                      </a:solidFill>
-                      <a:prstDash val="solid"/>
-                    </a:lnL>
-                    <a:lnR w="3175">
-                      <a:solidFill>
-                        <a:srgbClr val="B7B8B8"/>
-                      </a:solidFill>
-                      <a:prstDash val="solid"/>
-                    </a:lnR>
-                    <a:lnT w="3175">
-                      <a:solidFill>
-                        <a:srgbClr val="B7B8B8"/>
-                      </a:solidFill>
-                      <a:prstDash val="solid"/>
-                    </a:lnT>
-                    <a:lnB w="3175">
-                      <a:solidFill>
-                        <a:srgbClr val="B7B8B8"/>
-                      </a:solidFill>
-                      <a:prstDash val="solid"/>
-                    </a:lnB>
-                  </a:tcPr>
-                </a:tc>
-                <a:tc>
-                  <a:txBody>
-                    <a:bodyPr/>
-                    <a:lstStyle/>
-                    <a:p>
-                      <a:pPr marL="0" marR="325755" indent="-5715" algn="ctr">
-                        <a:lnSpc>
-                          <a:spcPct val="100000"/>
-                        </a:lnSpc>
-                        <a:spcBef>
-                          <a:spcPts val="670"/>
-                        </a:spcBef>
-                      </a:pPr>
-                      <a:r>
-                        <a:rPr lang="es-ES" sz="900">
-                          <a:solidFill>
-                            <a:srgbClr val="020302"/>
-                          </a:solidFill>
-                          <a:latin typeface="AdobeClean-Light"/>
-                          <a:cs typeface="AdobeClean-Light"/>
-                        </a:rPr>
-                        <a:t>24x5 /                1 hora</a:t>
-                      </a:r>
-                    </a:p>
-                  </a:txBody>
-                  <a:tcPr marL="0" marR="0" marT="0" marB="0" anchor="ctr">
-                    <a:lnL w="3175">
-                      <a:solidFill>
-                        <a:srgbClr val="B7B8B8"/>
-                      </a:solidFill>
-                      <a:prstDash val="solid"/>
-                    </a:lnL>
-                    <a:lnR w="3175">
-                      <a:solidFill>
-                        <a:srgbClr val="B7B8B8"/>
-                      </a:solidFill>
-                      <a:prstDash val="solid"/>
-                    </a:lnR>
-                    <a:lnT w="3175">
-                      <a:solidFill>
-                        <a:srgbClr val="B7B8B8"/>
-                      </a:solidFill>
-                      <a:prstDash val="solid"/>
-                    </a:lnT>
-                    <a:lnB w="3175">
-                      <a:solidFill>
-                        <a:srgbClr val="B7B8B8"/>
-                      </a:solidFill>
-                      <a:prstDash val="solid"/>
-                    </a:lnB>
-                  </a:tcPr>
-                </a:tc>
-                <a:tc>
-                  <a:txBody>
-                    <a:bodyPr/>
-                    <a:lstStyle/>
-                    <a:p>
-                      <a:pPr marL="0" marR="259079" indent="111760" algn="ctr">
-                        <a:lnSpc>
-                          <a:spcPct val="100000"/>
-                        </a:lnSpc>
-                        <a:spcBef>
-                          <a:spcPts val="670"/>
-                        </a:spcBef>
-                      </a:pPr>
-                      <a:r>
-                        <a:rPr lang="es-ES" sz="900">
-                          <a:solidFill>
-                            <a:srgbClr val="020302"/>
-                          </a:solidFill>
-                          <a:latin typeface="AdobeClean-Light"/>
-                          <a:cs typeface="AdobeClean-Light"/>
-                        </a:rPr>
-                        <a:t>24x5 /         30 minutos</a:t>
-                      </a:r>
-                    </a:p>
-                  </a:txBody>
-                  <a:tcPr marL="0" marR="0" marT="0" marB="0" anchor="ctr">
+                    </a:p>
+                  </a:txBody>
+                  <a:tcPr marL="9525" marR="9525" marT="9525" marB="0" anchor="ctr">
                     <a:lnL w="3175">
                       <a:solidFill>
                         <a:srgbClr val="B7B8B8"/>
@@ -7350,15 +8001,29 @@
                         </a:spcBef>
                       </a:pPr>
                       <a:r>
-                        <a:rPr lang="es-ES" sz="900" b="1" dirty="0">
+                        <a:rPr sz="900" b="1" spc="0" dirty="0">
                           <a:solidFill>
                             <a:srgbClr val="020302"/>
                           </a:solidFill>
                           <a:latin typeface="Adobe Clean"/>
                           <a:cs typeface="Adobe Clean"/>
                         </a:rPr>
-                        <a:t>PRIORIDAD 3</a:t>
+                        <a:t>PRIORITY</a:t>
                       </a:r>
+                      <a:r>
+                        <a:rPr lang="en-US" sz="900" b="1" spc="0" dirty="0">
+                          <a:solidFill>
+                            <a:srgbClr val="020302"/>
+                          </a:solidFill>
+                          <a:latin typeface="Adobe Clean"/>
+                          <a:cs typeface="Adobe Clean"/>
+                        </a:rPr>
+                        <a:t> 3</a:t>
+                      </a:r>
+                      <a:endParaRPr lang="en-US" sz="900" spc="0" dirty="0">
+                        <a:latin typeface="Adobe Clean"/>
+                        <a:cs typeface="Adobe Clean"/>
+                      </a:endParaRPr>
                     </a:p>
                     <a:p>
                       <a:pPr marL="49530" marR="212090" indent="-2540" defTabSz="914400" eaLnBrk="1" fontAlgn="auto" latinLnBrk="0" hangingPunct="1">
@@ -7379,21 +8044,26 @@
                         <a:defRPr/>
                       </a:pPr>
                       <a:r>
-                        <a:rPr kumimoji="0" lang="es-ES" sz="800" b="0" i="0" u="none" strike="noStrike" cap="none" normalizeH="0" baseline="0" noProof="0" dirty="0">
+                        <a:rPr kumimoji="0" lang="en-US" sz="900" b="0" i="0" u="none" strike="noStrike" kern="1200" cap="none" spc="0" normalizeH="0" baseline="0" noProof="0" dirty="0">
                           <a:ln>
                             <a:noFill/>
                           </a:ln>
                           <a:solidFill>
                             <a:srgbClr val="000000"/>
                           </a:solidFill>
+                          <a:effectLst/>
                           <a:uLnTx/>
                           <a:uFillTx/>
                           <a:latin typeface="Adobe Clean Light" panose="020B0303020404020204" pitchFamily="34" charset="0"/>
                           <a:ea typeface="+mn-ea"/>
                           <a:cs typeface="+mn-cs"/>
                         </a:rPr>
-                        <a:t>Las funciones empresariales del cliente presentan una menor degradación del servicio, pero existe una solución que permite que las funciones empresariales sigan funcionando con normalidad. </a:t>
+                        <a:t>Customer's business functions have minor service degradation but there exists a solution/workaround allowing business functions to continue normally </a:t>
                       </a:r>
+                      <a:endParaRPr lang="en-US" sz="900" b="0" i="0" spc="0" dirty="0">
+                        <a:latin typeface="Adobe Clean Light" panose="020B0303020404020204" pitchFamily="34" charset="0"/>
+                        <a:cs typeface="AdobeClean-Light"/>
+                      </a:endParaRPr>
                     </a:p>
                   </a:txBody>
                   <a:tcPr marL="0" marR="0" marT="0" marB="0" anchor="ctr">
@@ -7403,11 +8073,14 @@
                       </a:solidFill>
                       <a:prstDash val="solid"/>
                     </a:lnL>
-                    <a:lnR w="3175">
+                    <a:lnR w="3175" cap="flat" cmpd="sng" algn="ctr">
                       <a:solidFill>
                         <a:srgbClr val="B7B8B8"/>
                       </a:solidFill>
                       <a:prstDash val="solid"/>
+                      <a:round/>
+                      <a:headEnd type="none" w="med" len="med"/>
+                      <a:tailEnd type="none" w="med" len="med"/>
                     </a:lnR>
                     <a:lnT w="3175">
                       <a:solidFill>
@@ -7428,46 +8101,110 @@
                     <a:bodyPr/>
                     <a:lstStyle/>
                     <a:p>
-                      <a:pPr marL="0" marR="184150" indent="-189865" algn="ctr">
-                        <a:lnSpc>
-                          <a:spcPct val="100000"/>
-                        </a:lnSpc>
-                        <a:spcBef>
-                          <a:spcPts val="645"/>
-                        </a:spcBef>
-                      </a:pPr>
+                      <a:pPr algn="ctr" fontAlgn="t"/>
                       <a:r>
-                        <a:rPr lang="es-ES" sz="900" dirty="0">
+                        <a:rPr lang="en-US" sz="900" b="0" i="0" u="none" strike="noStrike">
                           <a:solidFill>
                             <a:srgbClr val="020302"/>
                           </a:solidFill>
-                          <a:latin typeface="AdobeClean-Light"/>
-                          <a:cs typeface="AdobeClean-Light"/>
+                          <a:effectLst/>
+                          <a:latin typeface="AdobeClean-Light" panose="020B0503020404020204" pitchFamily="34" charset="0"/>
                         </a:rPr>
-                        <a:t>Horario de trabajo / </a:t>
+                        <a:t>Business hours / 6 hours</a:t>
                       </a:r>
-                      <a:br>
-                        <a:rPr lang="sk-SK" sz="900" dirty="0">
+                    </a:p>
+                  </a:txBody>
+                  <a:tcPr marL="9525" marR="9525" marT="9525" marB="0" anchor="ctr">
+                    <a:lnL w="3175">
+                      <a:solidFill>
+                        <a:srgbClr val="B7B8B8"/>
+                      </a:solidFill>
+                      <a:prstDash val="solid"/>
+                    </a:lnL>
+                    <a:lnR w="3175">
+                      <a:solidFill>
+                        <a:srgbClr val="B7B8B8"/>
+                      </a:solidFill>
+                      <a:prstDash val="solid"/>
+                    </a:lnR>
+                    <a:lnT w="3175">
+                      <a:solidFill>
+                        <a:srgbClr val="B7B8B8"/>
+                      </a:solidFill>
+                      <a:prstDash val="solid"/>
+                    </a:lnT>
+                    <a:lnB w="3175">
+                      <a:solidFill>
+                        <a:srgbClr val="B7B8B8"/>
+                      </a:solidFill>
+                      <a:prstDash val="solid"/>
+                    </a:lnB>
+                  </a:tcPr>
+                </a:tc>
+                <a:tc>
+                  <a:txBody>
+                    <a:bodyPr/>
+                    <a:lstStyle/>
+                    <a:p>
+                      <a:pPr algn="ctr" fontAlgn="t"/>
+                      <a:r>
+                        <a:rPr lang="en-US" sz="900" b="0" i="0" u="none" strike="noStrike">
                           <a:solidFill>
                             <a:srgbClr val="020302"/>
                           </a:solidFill>
-                          <a:latin typeface="AdobeClean-Light"/>
-                          <a:cs typeface="AdobeClean-Light"/>
+                          <a:effectLst/>
+                          <a:latin typeface="AdobeClean-Light" panose="020B0503020404020204" pitchFamily="34" charset="0"/>
                         </a:rPr>
-                      </a:br>
+                        <a:t>Business hours /  4 hours</a:t>
+                      </a:r>
+                    </a:p>
+                  </a:txBody>
+                  <a:tcPr marL="9525" marR="9525" marT="9525" marB="0" anchor="ctr">
+                    <a:lnL w="3175">
+                      <a:solidFill>
+                        <a:srgbClr val="B7B8B8"/>
+                      </a:solidFill>
+                      <a:prstDash val="solid"/>
+                    </a:lnL>
+                    <a:lnR w="3175">
+                      <a:solidFill>
+                        <a:srgbClr val="B7B8B8"/>
+                      </a:solidFill>
+                      <a:prstDash val="solid"/>
+                    </a:lnR>
+                    <a:lnT w="3175">
+                      <a:solidFill>
+                        <a:srgbClr val="B7B8B8"/>
+                      </a:solidFill>
+                      <a:prstDash val="solid"/>
+                    </a:lnT>
+                    <a:lnB w="3175">
+                      <a:solidFill>
+                        <a:srgbClr val="B7B8B8"/>
+                      </a:solidFill>
+                      <a:prstDash val="solid"/>
+                    </a:lnB>
+                  </a:tcPr>
+                </a:tc>
+                <a:tc>
+                  <a:txBody>
+                    <a:bodyPr/>
+                    <a:lstStyle/>
+                    <a:p>
+                      <a:pPr algn="ctr" fontAlgn="t"/>
                       <a:r>
-                        <a:rPr lang="es-ES" sz="900" dirty="0">
+                        <a:rPr lang="en-US" sz="900" b="0" i="0" u="none" strike="noStrike">
                           <a:solidFill>
                             <a:srgbClr val="020302"/>
                           </a:solidFill>
-                          <a:latin typeface="AdobeClean-Light"/>
-                          <a:cs typeface="AdobeClean-Light"/>
+                          <a:effectLst/>
+                          <a:latin typeface="AdobeClean-Light" panose="020B0503020404020204" pitchFamily="34" charset="0"/>
                         </a:rPr>
-                        <a:t>6 horas</a:t>
+                        <a:t>Business hours / 2 hours</a:t>
                       </a:r>
                     </a:p>
                   </a:txBody>
-                  <a:tcPr marL="0" marR="0" marT="0" marB="0" anchor="ctr">
+                  <a:tcPr marL="9525" marR="9525" marT="9525" marB="0" anchor="ctr">
                     <a:lnL w="3175">
                       <a:solidFill>
                         <a:srgbClr val="B7B8B8"/>
@@ -7499,150 +8236,20 @@
                     <a:bodyPr/>
                     <a:lstStyle/>
                     <a:p>
-                      <a:pPr marL="0" marR="185420" indent="-193675" algn="ctr">
-                        <a:lnSpc>
-                          <a:spcPct val="100000"/>
-                        </a:lnSpc>
-                        <a:spcBef>
-                          <a:spcPts val="645"/>
-                        </a:spcBef>
-                      </a:pPr>
+                      <a:pPr algn="ctr" fontAlgn="t"/>
                       <a:r>
-                        <a:rPr lang="es-ES" sz="900">
+                        <a:rPr lang="en-US" sz="900" b="0" i="0" u="none" strike="noStrike">
                           <a:solidFill>
                             <a:srgbClr val="020302"/>
                           </a:solidFill>
-                          <a:latin typeface="AdobeClean-Light"/>
-                          <a:cs typeface="AdobeClean-Light"/>
+                          <a:effectLst/>
+                          <a:latin typeface="AdobeClean-Light" panose="020B0503020404020204" pitchFamily="34" charset="0"/>
                         </a:rPr>
-                        <a:t>Horario de trabajo /  4 horas</a:t>
+                        <a:t>24x5 / 1 hour</a:t>
                       </a:r>
                     </a:p>
                   </a:txBody>
-                  <a:tcPr marL="0" marR="0" marT="0" marB="0" anchor="ctr">
-                    <a:lnL w="3175">
-                      <a:solidFill>
-                        <a:srgbClr val="B7B8B8"/>
-                      </a:solidFill>
-                      <a:prstDash val="solid"/>
-                    </a:lnL>
-                    <a:lnR w="3175">
-                      <a:solidFill>
-                        <a:srgbClr val="B7B8B8"/>
-                      </a:solidFill>
-                      <a:prstDash val="solid"/>
-                    </a:lnR>
-                    <a:lnT w="3175">
-                      <a:solidFill>
-                        <a:srgbClr val="B7B8B8"/>
-                      </a:solidFill>
-                      <a:prstDash val="solid"/>
-                    </a:lnT>
-                    <a:lnB w="3175">
-                      <a:solidFill>
-                        <a:srgbClr val="B7B8B8"/>
-                      </a:solidFill>
-                      <a:prstDash val="solid"/>
-                    </a:lnB>
-                  </a:tcPr>
-                </a:tc>
-                <a:tc>
-                  <a:txBody>
-                    <a:bodyPr/>
-                    <a:lstStyle/>
-                    <a:p>
-                      <a:pPr marL="0" marR="184785" indent="-194310" algn="ctr">
-                        <a:lnSpc>
-                          <a:spcPct val="100000"/>
-                        </a:lnSpc>
-                        <a:spcBef>
-                          <a:spcPts val="645"/>
-                        </a:spcBef>
-                      </a:pPr>
-                      <a:r>
-                        <a:rPr lang="es-ES" sz="900" dirty="0">
-                          <a:solidFill>
-                            <a:srgbClr val="020302"/>
-                          </a:solidFill>
-                          <a:latin typeface="AdobeClean-Light"/>
-                          <a:cs typeface="AdobeClean-Light"/>
-                        </a:rPr>
-                        <a:t>Horario de trabajo /     </a:t>
-                      </a:r>
-                      <a:br>
-                        <a:rPr lang="sk-SK" sz="900" dirty="0">
-                          <a:solidFill>
-                            <a:srgbClr val="020302"/>
-                          </a:solidFill>
-                          <a:latin typeface="AdobeClean-Light"/>
-                          <a:cs typeface="AdobeClean-Light"/>
-                        </a:rPr>
-                      </a:br>
-                      <a:r>
-                        <a:rPr lang="es-ES" sz="900" dirty="0">
-                          <a:solidFill>
-                            <a:srgbClr val="020302"/>
-                          </a:solidFill>
-                          <a:latin typeface="AdobeClean-Light"/>
-                          <a:cs typeface="AdobeClean-Light"/>
-                        </a:rPr>
-                        <a:t>2 horas</a:t>
-                      </a:r>
-                    </a:p>
-                  </a:txBody>
-                  <a:tcPr marL="0" marR="0" marT="0" marB="0" anchor="ctr">
-                    <a:lnL w="3175">
-                      <a:solidFill>
-                        <a:srgbClr val="B7B8B8"/>
-                      </a:solidFill>
-                      <a:prstDash val="solid"/>
-                    </a:lnL>
-                    <a:lnR w="3175">
-                      <a:solidFill>
-                        <a:srgbClr val="B7B8B8"/>
-                      </a:solidFill>
-                      <a:prstDash val="solid"/>
-                    </a:lnR>
-                    <a:lnT w="3175">
-                      <a:solidFill>
-                        <a:srgbClr val="B7B8B8"/>
-                      </a:solidFill>
-                      <a:prstDash val="solid"/>
-                    </a:lnT>
-                    <a:lnB w="3175">
-                      <a:solidFill>
-                        <a:srgbClr val="B7B8B8"/>
-                      </a:solidFill>
-                      <a:prstDash val="solid"/>
-                    </a:lnB>
-                  </a:tcPr>
-                </a:tc>
-                <a:tc>
-                  <a:txBody>
-                    <a:bodyPr/>
-                    <a:lstStyle/>
-                    <a:p>
-                      <a:pPr marL="0" marR="326390" indent="-5715" algn="ctr">
-                        <a:lnSpc>
-                          <a:spcPct val="100000"/>
-                        </a:lnSpc>
-                        <a:spcBef>
-                          <a:spcPts val="645"/>
-                        </a:spcBef>
-                      </a:pPr>
-                      <a:r>
-                        <a:rPr lang="es-ES" sz="900" dirty="0">
-                          <a:solidFill>
-                            <a:srgbClr val="020302"/>
-                          </a:solidFill>
-                          <a:latin typeface="AdobeClean-Light"/>
-                          <a:cs typeface="AdobeClean-Light"/>
-                        </a:rPr>
-                        <a:t>24x5 /              1 hora</a:t>
-                      </a:r>
-                    </a:p>
-                  </a:txBody>
-                  <a:tcPr marL="0" marR="0" marT="0" marB="0" anchor="ctr">
+                  <a:tcPr marL="9525" marR="9525" marT="9525" marB="0" anchor="ctr">
                     <a:lnL w="3175">
                       <a:solidFill>
                         <a:srgbClr val="B7B8B8"/>
@@ -7690,15 +8297,19 @@
                         </a:spcBef>
                       </a:pPr>
                       <a:r>
-                        <a:rPr lang="es-ES" sz="900" b="1" dirty="0">
+                        <a:rPr sz="900" b="1" spc="0" dirty="0">
                           <a:solidFill>
                             <a:srgbClr val="020302"/>
                           </a:solidFill>
                           <a:latin typeface="Adobe Clean"/>
                           <a:cs typeface="Adobe Clean"/>
                         </a:rPr>
-                        <a:t>PRIORIDAD 4</a:t>
+                        <a:t>PRIORITY 4</a:t>
                       </a:r>
+                      <a:endParaRPr sz="900" spc="0" dirty="0">
+                        <a:latin typeface="Adobe Clean"/>
+                        <a:cs typeface="Adobe Clean"/>
+                      </a:endParaRPr>
                     </a:p>
                     <a:p>
                       <a:pPr marL="48895" marR="0" indent="0" defTabSz="914400" eaLnBrk="1" fontAlgn="auto" latinLnBrk="0" hangingPunct="1">
@@ -7719,14 +8330,19 @@
                         <a:defRPr/>
                       </a:pPr>
                       <a:r>
-                        <a:rPr lang="es-ES" sz="800" b="0" i="0" dirty="0">
+                        <a:rPr lang="en-US" sz="900" b="0" i="0" spc="0" dirty="0">
                           <a:solidFill>
                             <a:srgbClr val="000000"/>
                           </a:solidFill>
+                          <a:effectLst/>
                           <a:latin typeface="Adobe Clean Light" panose="020B0303020404020204" pitchFamily="34" charset="0"/>
                         </a:rPr>
-                        <a:t>Pregunta general sobre la funcionalidad actual del producto o una solicitud de mejora. </a:t>
+                        <a:t>General question regarding current product functionality or an enhancement request </a:t>
                       </a:r>
+                      <a:endParaRPr sz="900" b="0" i="0" spc="0" dirty="0">
+                        <a:latin typeface="Adobe Clean Light" panose="020B0303020404020204" pitchFamily="34" charset="0"/>
+                        <a:cs typeface="AdobeClean-Light"/>
+                      </a:endParaRPr>
                     </a:p>
                   </a:txBody>
                   <a:tcPr marL="0" marR="0" marT="0" marB="0" anchor="ctr">
@@ -7736,11 +8352,14 @@
                       </a:solidFill>
                       <a:prstDash val="solid"/>
                     </a:lnL>
-                    <a:lnR w="3175">
+                    <a:lnR w="3175" cap="flat" cmpd="sng" algn="ctr">
                       <a:solidFill>
                         <a:srgbClr val="B7B8B8"/>
                       </a:solidFill>
                       <a:prstDash val="solid"/>
+                      <a:round/>
+                      <a:headEnd type="none" w="med" len="med"/>
+                      <a:tailEnd type="none" w="med" len="med"/>
                     </a:lnR>
                     <a:lnT w="3175">
                       <a:solidFill>
@@ -7761,27 +8380,20 @@
                     <a:bodyPr/>
                     <a:lstStyle/>
                     <a:p>
-                      <a:pPr marL="0" marR="203200" indent="-193040" algn="ctr">
-                        <a:lnSpc>
-                          <a:spcPct val="100000"/>
-                        </a:lnSpc>
-                        <a:spcBef>
-                          <a:spcPts val="155"/>
-                        </a:spcBef>
-                      </a:pPr>
+                      <a:pPr algn="ctr" fontAlgn="t"/>
                       <a:r>
-                        <a:rPr lang="es-ES" sz="900" dirty="0">
+                        <a:rPr lang="en-US" sz="900" b="0" i="0" u="none" strike="noStrike">
                           <a:solidFill>
                             <a:srgbClr val="020302"/>
                           </a:solidFill>
-                          <a:latin typeface="AdobeClean-Light"/>
-                          <a:cs typeface="AdobeClean-Light"/>
+                          <a:effectLst/>
+                          <a:latin typeface="AdobeClean-Light" panose="020B0503020404020204" pitchFamily="34" charset="0"/>
                         </a:rPr>
-                        <a:t>Días laborables / 3 días</a:t>
+                        <a:t>Business days / 3 days</a:t>
                       </a:r>
                     </a:p>
                   </a:txBody>
-                  <a:tcPr marL="0" marR="0" marT="0" marB="0" anchor="ctr">
+                  <a:tcPr marL="9525" marR="9525" marT="9525" marB="0" anchor="ctr">
                     <a:lnL w="3175">
                       <a:solidFill>
                         <a:srgbClr val="B7B8B8"/>
@@ -7813,27 +8425,20 @@
                     <a:bodyPr/>
                     <a:lstStyle/>
                     <a:p>
-                      <a:pPr marL="0" marR="223520" indent="-202565" algn="ctr">
-                        <a:lnSpc>
-                          <a:spcPct val="100000"/>
-                        </a:lnSpc>
-                        <a:spcBef>
-                          <a:spcPts val="155"/>
-                        </a:spcBef>
-                      </a:pPr>
+                      <a:pPr algn="ctr" fontAlgn="t"/>
                       <a:r>
-                        <a:rPr lang="es-ES" sz="900">
+                        <a:rPr lang="en-US" sz="900" b="0" i="0" u="none" strike="noStrike">
                           <a:solidFill>
                             <a:srgbClr val="020302"/>
                           </a:solidFill>
-                          <a:latin typeface="AdobeClean-Light"/>
-                          <a:cs typeface="AdobeClean-Light"/>
+                          <a:effectLst/>
+                          <a:latin typeface="AdobeClean-Light" panose="020B0503020404020204" pitchFamily="34" charset="0"/>
                         </a:rPr>
-                        <a:t>Días laborables /     1 día</a:t>
+                        <a:t>Business day / 1 day</a:t>
                       </a:r>
                     </a:p>
                   </a:txBody>
-                  <a:tcPr marL="0" marR="0" marT="0" marB="0" anchor="ctr">
+                  <a:tcPr marL="9525" marR="9525" marT="9525" marB="0" anchor="ctr">
                     <a:lnL w="3175">
                       <a:solidFill>
                         <a:srgbClr val="B7B8B8"/>
@@ -7865,27 +8470,20 @@
                     <a:bodyPr/>
                     <a:lstStyle/>
                     <a:p>
-                      <a:pPr marL="0" marR="223520" indent="-202565" algn="ctr">
-                        <a:lnSpc>
-                          <a:spcPct val="100000"/>
-                        </a:lnSpc>
-                        <a:spcBef>
-                          <a:spcPts val="155"/>
-                        </a:spcBef>
-                      </a:pPr>
+                      <a:pPr algn="ctr" fontAlgn="t"/>
                       <a:r>
-                        <a:rPr lang="es-ES" sz="900">
+                        <a:rPr lang="en-US" sz="900" b="0" i="0" u="none" strike="noStrike">
                           <a:solidFill>
                             <a:srgbClr val="020302"/>
                           </a:solidFill>
-                          <a:latin typeface="AdobeClean-Light"/>
-                          <a:cs typeface="AdobeClean-Light"/>
+                          <a:effectLst/>
+                          <a:latin typeface="AdobeClean-Light" panose="020B0503020404020204" pitchFamily="34" charset="0"/>
                         </a:rPr>
-                        <a:t>Días laborables /      1 día</a:t>
+                        <a:t>Business day / 1 day</a:t>
                       </a:r>
                     </a:p>
                   </a:txBody>
-                  <a:tcPr marL="0" marR="0" marT="0" marB="0" anchor="ctr">
+                  <a:tcPr marL="9525" marR="9525" marT="9525" marB="0" anchor="ctr">
                     <a:lnL w="3175">
                       <a:solidFill>
                         <a:srgbClr val="B7B8B8"/>
@@ -7917,37 +8515,20 @@
                     <a:bodyPr/>
                     <a:lstStyle/>
                     <a:p>
-                      <a:pPr marL="0" marR="223520" indent="-202565" algn="ctr">
-                        <a:lnSpc>
-                          <a:spcPct val="100000"/>
-                        </a:lnSpc>
-                        <a:spcBef>
-                          <a:spcPts val="155"/>
-                        </a:spcBef>
-                      </a:pPr>
+                      <a:pPr algn="ctr" fontAlgn="t"/>
                       <a:r>
-                        <a:rPr lang="sk-SK" sz="900" dirty="0">
+                        <a:rPr lang="en-US" sz="900" b="0" i="0" u="none" strike="noStrike" dirty="0">
                           <a:solidFill>
                             <a:srgbClr val="020302"/>
                           </a:solidFill>
-                          <a:latin typeface="AdobeClean-Light"/>
-                          <a:cs typeface="AdobeClean-Light"/>
+                          <a:effectLst/>
+                          <a:latin typeface="AdobeClean-Light" panose="020B0503020404020204" pitchFamily="34" charset="0"/>
                         </a:rPr>
-                        <a:t>  </a:t>
+                        <a:t>Business day / 1 day</a:t>
                       </a:r>
-                      <a:r>
-                        <a:rPr lang="es-ES" sz="900" dirty="0">
-                          <a:solidFill>
-                            <a:srgbClr val="020302"/>
-                          </a:solidFill>
-                          <a:latin typeface="AdobeClean-Light"/>
-                          <a:cs typeface="AdobeClean-Light"/>
-                        </a:rPr>
-                        <a:t>Días laborables /  1 día</a:t>
-                      </a:r>
-                    </a:p>
-                  </a:txBody>
-                  <a:tcPr marL="0" marR="0" marT="0" marB="0" anchor="ctr">
+                    </a:p>
+                  </a:txBody>
+                  <a:tcPr marL="9525" marR="9525" marT="9525" marB="0" anchor="ctr">
                     <a:lnL w="3175">
                       <a:solidFill>
                         <a:srgbClr val="B7B8B8"/>
@@ -8010,7 +8591,7 @@
           </a:prstGeom>
         </p:spPr>
         <p:txBody>
-          <a:bodyPr vert="horz" wrap="square" lIns="0" tIns="12700" rIns="0" bIns="0" rtlCol="0">
+          <a:bodyPr vert="horz" wrap="square" lIns="0" tIns="12700" rIns="0" bIns="0" rtlCol="0" anchor="t">
             <a:spAutoFit/>
           </a:bodyPr>
           <a:lstStyle/>
@@ -8024,11 +8605,20 @@
               </a:spcBef>
             </a:pPr>
             <a:r>
-              <a:rPr lang="es-ES" sz="2300">
-                <a:latin typeface="Adobe Clean" panose="020B0503020404020204" pitchFamily="34" charset="0"/>
-              </a:rPr>
-              <a:t>OFERTA DE ASISTENCIA DE ADOBE</a:t>
-            </a:r>
+              <a:rPr sz="2300" dirty="0">
+                <a:latin typeface="Adobe Clean"/>
+              </a:rPr>
+              <a:t>ADOBE </a:t>
+            </a:r>
+            <a:r>
+              <a:rPr lang="en-US" sz="2300" dirty="0">
+                <a:latin typeface="Adobe Clean"/>
+              </a:rPr>
+              <a:t>SUPPORT PLANS</a:t>
+            </a:r>
+            <a:endParaRPr sz="2300" dirty="0">
+              <a:latin typeface="Adobe Clean" panose="020B0503020404020204" pitchFamily="34" charset="0"/>
+            </a:endParaRPr>
           </a:p>
         </p:txBody>
       </p:sp>
@@ -8061,7 +8651,7 @@
           <a:lstStyle/>
           <a:p>
             <a:r>
-              <a:rPr lang="es-ES" sz="700" i="1">
+              <a:rPr lang="en-US" sz="700" i="1" dirty="0">
                 <a:solidFill>
                   <a:schemeClr val="bg1"/>
                 </a:solidFill>
@@ -8305,7 +8895,7 @@
           </a:prstGeom>
         </p:spPr>
         <p:txBody>
-          <a:bodyPr vert="horz" wrap="square" lIns="0" tIns="35560" rIns="0" bIns="0" rtlCol="0">
+          <a:bodyPr vert="horz" wrap="square" lIns="0" tIns="35560" rIns="0" bIns="0" rtlCol="0" anchor="t">
             <a:spAutoFit/>
           </a:bodyPr>
           <a:lstStyle/>
@@ -8319,32 +8909,406 @@
               </a:spcBef>
             </a:pPr>
             <a:r>
-              <a:rPr lang="es-ES" sz="1000">
+              <a:rPr lang="en-US" sz="1000" spc="-20" dirty="0">
                 <a:solidFill>
                   <a:srgbClr val="020302"/>
                 </a:solidFill>
                 <a:latin typeface="AdobeClean-Light"/>
                 <a:cs typeface="AdobeClean-Light"/>
               </a:rPr>
-              <a:t>El servicio de asistencia al cliente de Adobe ofrece acceso a recursos en línea para documentación, participación con otros expertos y clientes en prácticas recomendadas y series de seminarios web (horario de oficina) para obtener sugerencias y ver trucos para solucionar problemas. También hay varios canales disponibles</a:t>
-            </a:r>
-            <a:r>
-              <a:rPr lang="es-ES" sz="1000">
+              <a:t>Adobe Customer Support offers a</a:t>
+            </a:r>
+            <a:r>
+              <a:rPr sz="1000" spc="-20" dirty="0">
+                <a:solidFill>
+                  <a:srgbClr val="020302"/>
+                </a:solidFill>
                 <a:latin typeface="AdobeClean-Light"/>
                 <a:cs typeface="AdobeClean-Light"/>
               </a:rPr>
-              <a:t> </a:t>
-            </a:r>
-            <a:r>
-              <a:rPr lang="es-ES" sz="1000">
+              <a:t>ccess</a:t>
+            </a:r>
+            <a:r>
+              <a:rPr sz="1000" spc="-90" dirty="0">
                 <a:solidFill>
                   <a:srgbClr val="020302"/>
                 </a:solidFill>
                 <a:latin typeface="AdobeClean-Light"/>
                 <a:cs typeface="AdobeClean-Light"/>
               </a:rPr>
-              <a:t>para formular preguntas y enviar casos.</a:t>
-            </a:r>
+              <a:t> </a:t>
+            </a:r>
+            <a:r>
+              <a:rPr sz="1000" spc="-10" dirty="0">
+                <a:solidFill>
+                  <a:srgbClr val="020302"/>
+                </a:solidFill>
+                <a:latin typeface="AdobeClean-Light"/>
+                <a:cs typeface="AdobeClean-Light"/>
+              </a:rPr>
+              <a:t>to</a:t>
+            </a:r>
+            <a:r>
+              <a:rPr sz="1000" spc="10" dirty="0">
+                <a:solidFill>
+                  <a:srgbClr val="020302"/>
+                </a:solidFill>
+                <a:latin typeface="AdobeClean-Light"/>
+                <a:cs typeface="AdobeClean-Light"/>
+              </a:rPr>
+              <a:t> </a:t>
+            </a:r>
+            <a:r>
+              <a:rPr lang="en-US" sz="1000" spc="-20" dirty="0">
+                <a:solidFill>
+                  <a:srgbClr val="020302"/>
+                </a:solidFill>
+                <a:latin typeface="AdobeClean-Light"/>
+                <a:cs typeface="AdobeClean-Light"/>
+              </a:rPr>
+              <a:t>online resources </a:t>
+            </a:r>
+            <a:r>
+              <a:rPr sz="1000" spc="-15" dirty="0">
+                <a:solidFill>
+                  <a:srgbClr val="020302"/>
+                </a:solidFill>
+                <a:latin typeface="AdobeClean-Light"/>
+                <a:cs typeface="AdobeClean-Light"/>
+              </a:rPr>
+              <a:t>for</a:t>
+            </a:r>
+            <a:r>
+              <a:rPr sz="1000" spc="-30" dirty="0">
+                <a:solidFill>
+                  <a:srgbClr val="020302"/>
+                </a:solidFill>
+                <a:latin typeface="AdobeClean-Light"/>
+                <a:cs typeface="AdobeClean-Light"/>
+              </a:rPr>
+              <a:t> </a:t>
+            </a:r>
+            <a:r>
+              <a:rPr sz="1000" spc="-15" dirty="0">
+                <a:solidFill>
+                  <a:srgbClr val="020302"/>
+                </a:solidFill>
+                <a:latin typeface="AdobeClean-Light"/>
+                <a:cs typeface="AdobeClean-Light"/>
+              </a:rPr>
+              <a:t>documentation,</a:t>
+            </a:r>
+            <a:r>
+              <a:rPr lang="en-US" sz="1000" spc="-15" dirty="0">
+                <a:solidFill>
+                  <a:srgbClr val="020302"/>
+                </a:solidFill>
+                <a:latin typeface="AdobeClean-Light"/>
+                <a:cs typeface="AdobeClean-Light"/>
+              </a:rPr>
+              <a:t> </a:t>
+            </a:r>
+            <a:r>
+              <a:rPr sz="1000" spc="-15" dirty="0">
+                <a:solidFill>
+                  <a:srgbClr val="020302"/>
+                </a:solidFill>
+                <a:latin typeface="AdobeClean-Light"/>
+                <a:cs typeface="AdobeClean-Light"/>
+              </a:rPr>
+              <a:t>engagement</a:t>
+            </a:r>
+            <a:r>
+              <a:rPr lang="en-US" sz="1000" spc="-15" dirty="0">
+                <a:solidFill>
+                  <a:srgbClr val="020302"/>
+                </a:solidFill>
+                <a:latin typeface="AdobeClean-Light"/>
+                <a:cs typeface="AdobeClean-Light"/>
+              </a:rPr>
+              <a:t> </a:t>
+            </a:r>
+            <a:r>
+              <a:rPr sz="1000" spc="-15" dirty="0">
+                <a:solidFill>
+                  <a:srgbClr val="020302"/>
+                </a:solidFill>
+                <a:latin typeface="AdobeClean-Light"/>
+                <a:cs typeface="AdobeClean-Light"/>
+              </a:rPr>
+              <a:t>with</a:t>
+            </a:r>
+            <a:r>
+              <a:rPr sz="1000" spc="-35" dirty="0">
+                <a:solidFill>
+                  <a:srgbClr val="020302"/>
+                </a:solidFill>
+                <a:latin typeface="AdobeClean-Light"/>
+                <a:cs typeface="AdobeClean-Light"/>
+              </a:rPr>
+              <a:t> </a:t>
+            </a:r>
+            <a:r>
+              <a:rPr sz="1000" spc="-20" dirty="0">
+                <a:solidFill>
+                  <a:srgbClr val="020302"/>
+                </a:solidFill>
+                <a:latin typeface="AdobeClean-Light"/>
+                <a:cs typeface="AdobeClean-Light"/>
+              </a:rPr>
+              <a:t>other experts </a:t>
+            </a:r>
+            <a:r>
+              <a:rPr sz="1000" spc="-15" dirty="0">
+                <a:solidFill>
+                  <a:srgbClr val="020302"/>
+                </a:solidFill>
+                <a:latin typeface="AdobeClean-Light"/>
+                <a:cs typeface="AdobeClean-Light"/>
+              </a:rPr>
+              <a:t>and </a:t>
+            </a:r>
+            <a:r>
+              <a:rPr sz="1000" spc="-20" dirty="0">
+                <a:solidFill>
+                  <a:srgbClr val="020302"/>
+                </a:solidFill>
+                <a:latin typeface="AdobeClean-Light"/>
+                <a:cs typeface="AdobeClean-Light"/>
+              </a:rPr>
+              <a:t>customers </a:t>
+            </a:r>
+            <a:r>
+              <a:rPr sz="1000" spc="-15" dirty="0">
+                <a:solidFill>
+                  <a:srgbClr val="020302"/>
+                </a:solidFill>
+                <a:latin typeface="AdobeClean-Light"/>
+                <a:cs typeface="AdobeClean-Light"/>
+              </a:rPr>
+              <a:t>for best </a:t>
+            </a:r>
+            <a:r>
+              <a:rPr sz="1000" spc="-20" dirty="0">
+                <a:solidFill>
+                  <a:srgbClr val="020302"/>
+                </a:solidFill>
+                <a:latin typeface="AdobeClean-Light"/>
+                <a:cs typeface="AdobeClean-Light"/>
+              </a:rPr>
+              <a:t>practices, </a:t>
+            </a:r>
+            <a:r>
+              <a:rPr sz="1000" spc="-15" dirty="0">
+                <a:solidFill>
+                  <a:srgbClr val="020302"/>
+                </a:solidFill>
+                <a:latin typeface="AdobeClean-Light"/>
+                <a:cs typeface="AdobeClean-Light"/>
+              </a:rPr>
+              <a:t>and </a:t>
+            </a:r>
+            <a:r>
+              <a:rPr sz="1000" spc="-20" dirty="0">
+                <a:solidFill>
+                  <a:srgbClr val="020302"/>
+                </a:solidFill>
+                <a:latin typeface="AdobeClean-Light"/>
+                <a:cs typeface="AdobeClean-Light"/>
+              </a:rPr>
+              <a:t>webinar series (Office </a:t>
+            </a:r>
+            <a:r>
+              <a:rPr sz="1000" spc="-15" dirty="0">
+                <a:solidFill>
+                  <a:srgbClr val="020302"/>
+                </a:solidFill>
+                <a:latin typeface="AdobeClean-Light"/>
+                <a:cs typeface="AdobeClean-Light"/>
+              </a:rPr>
+              <a:t>Hours) for </a:t>
+            </a:r>
+            <a:r>
+              <a:rPr sz="1000" spc="-20" dirty="0">
+                <a:solidFill>
+                  <a:srgbClr val="020302"/>
+                </a:solidFill>
+                <a:latin typeface="AdobeClean-Light"/>
+                <a:cs typeface="AdobeClean-Light"/>
+              </a:rPr>
+              <a:t>troubleshooting </a:t>
+            </a:r>
+            <a:r>
+              <a:rPr sz="1000" spc="-15" dirty="0">
+                <a:solidFill>
+                  <a:srgbClr val="020302"/>
+                </a:solidFill>
+                <a:latin typeface="AdobeClean-Light"/>
+                <a:cs typeface="AdobeClean-Light"/>
+              </a:rPr>
+              <a:t>tips and </a:t>
+            </a:r>
+            <a:r>
+              <a:rPr sz="1000" spc="-20" dirty="0">
+                <a:solidFill>
+                  <a:srgbClr val="020302"/>
+                </a:solidFill>
+                <a:latin typeface="AdobeClean-Light"/>
+                <a:cs typeface="AdobeClean-Light"/>
+              </a:rPr>
+              <a:t>tricks. Several channels </a:t>
+            </a:r>
+            <a:r>
+              <a:rPr lang="en-US" sz="1000" spc="-15" dirty="0">
+                <a:solidFill>
+                  <a:srgbClr val="020302"/>
+                </a:solidFill>
+                <a:latin typeface="AdobeClean-Light"/>
+                <a:cs typeface="AdobeClean-Light"/>
+              </a:rPr>
+              <a:t>are </a:t>
+            </a:r>
+            <a:r>
+              <a:rPr lang="en-US" sz="1000" spc="-20" dirty="0">
+                <a:solidFill>
+                  <a:srgbClr val="020302"/>
+                </a:solidFill>
+                <a:latin typeface="AdobeClean-Light"/>
+                <a:cs typeface="AdobeClean-Light"/>
+              </a:rPr>
+              <a:t>also</a:t>
+            </a:r>
+            <a:r>
+              <a:rPr lang="en-US" sz="1000" dirty="0">
+                <a:latin typeface="AdobeClean-Light"/>
+                <a:cs typeface="AdobeClean-Light"/>
+              </a:rPr>
+              <a:t> </a:t>
+            </a:r>
+            <a:r>
+              <a:rPr sz="1000" spc="-25" dirty="0">
+                <a:solidFill>
+                  <a:srgbClr val="020302"/>
+                </a:solidFill>
+                <a:latin typeface="AdobeClean-Light"/>
+                <a:cs typeface="AdobeClean-Light"/>
+              </a:rPr>
+              <a:t>available</a:t>
+            </a:r>
+            <a:r>
+              <a:rPr sz="1000" spc="-65" dirty="0">
+                <a:solidFill>
+                  <a:srgbClr val="020302"/>
+                </a:solidFill>
+                <a:latin typeface="AdobeClean-Light"/>
+                <a:cs typeface="AdobeClean-Light"/>
+              </a:rPr>
+              <a:t> </a:t>
+            </a:r>
+            <a:r>
+              <a:rPr sz="1000" spc="-15" dirty="0">
+                <a:solidFill>
+                  <a:srgbClr val="020302"/>
+                </a:solidFill>
+                <a:latin typeface="AdobeClean-Light"/>
+                <a:cs typeface="AdobeClean-Light"/>
+              </a:rPr>
+              <a:t>for</a:t>
+            </a:r>
+            <a:r>
+              <a:rPr sz="1000" spc="-25" dirty="0">
+                <a:solidFill>
+                  <a:srgbClr val="020302"/>
+                </a:solidFill>
+                <a:latin typeface="AdobeClean-Light"/>
+                <a:cs typeface="AdobeClean-Light"/>
+              </a:rPr>
+              <a:t> </a:t>
+            </a:r>
+            <a:r>
+              <a:rPr sz="1000" spc="-20" dirty="0">
+                <a:solidFill>
+                  <a:srgbClr val="020302"/>
+                </a:solidFill>
+                <a:latin typeface="AdobeClean-Light"/>
+                <a:cs typeface="AdobeClean-Light"/>
+              </a:rPr>
+              <a:t>questions</a:t>
+            </a:r>
+            <a:r>
+              <a:rPr sz="1000" spc="-114" dirty="0">
+                <a:solidFill>
+                  <a:srgbClr val="020302"/>
+                </a:solidFill>
+                <a:latin typeface="AdobeClean-Light"/>
+                <a:cs typeface="AdobeClean-Light"/>
+              </a:rPr>
+              <a:t> </a:t>
+            </a:r>
+            <a:r>
+              <a:rPr sz="1000" spc="-15" dirty="0">
+                <a:solidFill>
+                  <a:srgbClr val="020302"/>
+                </a:solidFill>
+                <a:latin typeface="AdobeClean-Light"/>
+                <a:cs typeface="AdobeClean-Light"/>
+              </a:rPr>
+              <a:t>and</a:t>
+            </a:r>
+            <a:r>
+              <a:rPr sz="1000" spc="-45" dirty="0">
+                <a:solidFill>
+                  <a:srgbClr val="020302"/>
+                </a:solidFill>
+                <a:latin typeface="AdobeClean-Light"/>
+                <a:cs typeface="AdobeClean-Light"/>
+              </a:rPr>
+              <a:t> </a:t>
+            </a:r>
+            <a:r>
+              <a:rPr sz="1000" spc="-20" dirty="0">
+                <a:solidFill>
+                  <a:srgbClr val="020302"/>
+                </a:solidFill>
+                <a:latin typeface="AdobeClean-Light"/>
+                <a:cs typeface="AdobeClean-Light"/>
+              </a:rPr>
+              <a:t>case</a:t>
+            </a:r>
+            <a:r>
+              <a:rPr sz="1000" spc="-35" dirty="0">
+                <a:solidFill>
+                  <a:srgbClr val="020302"/>
+                </a:solidFill>
+                <a:latin typeface="AdobeClean-Light"/>
+                <a:cs typeface="AdobeClean-Light"/>
+              </a:rPr>
+              <a:t> </a:t>
+            </a:r>
+            <a:r>
+              <a:rPr sz="1000" spc="-20" dirty="0">
+                <a:solidFill>
+                  <a:srgbClr val="020302"/>
+                </a:solidFill>
+                <a:latin typeface="AdobeClean-Light"/>
+                <a:cs typeface="AdobeClean-Light"/>
+              </a:rPr>
+              <a:t>submissions</a:t>
+            </a:r>
+            <a:r>
+              <a:rPr lang="en-US" sz="1000" spc="-20" dirty="0">
+                <a:solidFill>
+                  <a:srgbClr val="020302"/>
+                </a:solidFill>
+                <a:latin typeface="AdobeClean-Light"/>
+                <a:cs typeface="AdobeClean-Light"/>
+              </a:rPr>
+              <a:t>.</a:t>
+            </a:r>
+            <a:endParaRPr sz="1000" dirty="0">
+              <a:latin typeface="AdobeClean-Light"/>
+              <a:cs typeface="AdobeClean-Light"/>
+            </a:endParaRPr>
           </a:p>
         </p:txBody>
       </p:sp>
@@ -8357,22 +9321,19 @@
         <p:spPr>
           <a:xfrm>
             <a:off x="206585" y="8494028"/>
-            <a:ext cx="3270885" cy="579646"/>
+            <a:ext cx="3270885" cy="302647"/>
           </a:xfrm>
           <a:prstGeom prst="rect">
             <a:avLst/>
           </a:prstGeom>
         </p:spPr>
         <p:txBody>
-          <a:bodyPr vert="horz" wrap="square" lIns="0" tIns="12700" rIns="0" bIns="0" rtlCol="0">
+          <a:bodyPr vert="horz" wrap="square" lIns="0" tIns="12700" rIns="0" bIns="0" rtlCol="0" anchor="t">
             <a:spAutoFit/>
           </a:bodyPr>
           <a:lstStyle/>
           <a:p>
             <a:pPr marL="33020" marR="159385">
-              <a:lnSpc>
-                <a:spcPct val="100000"/>
-              </a:lnSpc>
               <a:spcBef>
                 <a:spcPts val="100"/>
               </a:spcBef>
@@ -8381,33 +9342,174 @@
               </a:tabLst>
             </a:pPr>
             <a:r>
-              <a:rPr lang="es-ES" sz="900" dirty="0">
+              <a:rPr sz="900" spc="-20" dirty="0">
                 <a:solidFill>
                   <a:srgbClr val="020302"/>
                 </a:solidFill>
                 <a:latin typeface="AdobeClean-Light"/>
                 <a:cs typeface="AdobeClean-Light"/>
               </a:rPr>
-              <a:t>Inicie una sesión de chat para obtener respuestas y ayuda </a:t>
-            </a:r>
-            <a:br>
-              <a:rPr lang="sk-SK" sz="900" dirty="0">
+              <a:t>Start </a:t>
+            </a:r>
+            <a:r>
+              <a:rPr sz="900" dirty="0">
                 <a:solidFill>
                   <a:srgbClr val="020302"/>
                 </a:solidFill>
                 <a:latin typeface="AdobeClean-Light"/>
                 <a:cs typeface="AdobeClean-Light"/>
               </a:rPr>
-            </a:br>
-            <a:r>
-              <a:rPr lang="es-ES" sz="900" dirty="0">
+              <a:t>a </a:t>
+            </a:r>
+            <a:r>
+              <a:rPr sz="900" spc="-15" dirty="0">
                 <a:solidFill>
                   <a:srgbClr val="020302"/>
                 </a:solidFill>
                 <a:latin typeface="AdobeClean-Light"/>
                 <a:cs typeface="AdobeClean-Light"/>
               </a:rPr>
-              <a:t>con el envío de casos.</a:t>
+              <a:t>chat </a:t>
+            </a:r>
+            <a:r>
+              <a:rPr sz="900" spc="-10" dirty="0">
+                <a:solidFill>
+                  <a:srgbClr val="020302"/>
+                </a:solidFill>
+                <a:latin typeface="AdobeClean-Light"/>
+                <a:cs typeface="AdobeClean-Light"/>
+              </a:rPr>
+              <a:t>session </a:t>
+            </a:r>
+            <a:r>
+              <a:rPr sz="900" spc="-5" dirty="0">
+                <a:solidFill>
+                  <a:srgbClr val="020302"/>
+                </a:solidFill>
+                <a:latin typeface="AdobeClean-Light"/>
+                <a:cs typeface="AdobeClean-Light"/>
+              </a:rPr>
+              <a:t>to </a:t>
+            </a:r>
+            <a:r>
+              <a:rPr sz="900" spc="-10" dirty="0">
+                <a:solidFill>
+                  <a:srgbClr val="020302"/>
+                </a:solidFill>
+                <a:latin typeface="AdobeClean-Light"/>
+                <a:cs typeface="AdobeClean-Light"/>
+              </a:rPr>
+              <a:t>get</a:t>
+            </a:r>
+            <a:r>
+              <a:rPr lang="en-US" sz="900" spc="-10" dirty="0">
+                <a:solidFill>
+                  <a:srgbClr val="020302"/>
+                </a:solidFill>
+                <a:latin typeface="AdobeClean-Light"/>
+                <a:cs typeface="AdobeClean-Light"/>
+              </a:rPr>
+              <a:t> </a:t>
+            </a:r>
+            <a:r>
+              <a:rPr sz="900" spc="30" dirty="0">
+                <a:solidFill>
+                  <a:srgbClr val="020302"/>
+                </a:solidFill>
+                <a:latin typeface="AdobeClean-Light"/>
+                <a:cs typeface="AdobeClean-Light"/>
+              </a:rPr>
+              <a:t> </a:t>
+            </a:r>
+            <a:r>
+              <a:rPr sz="900" spc="-20" dirty="0">
+                <a:solidFill>
+                  <a:srgbClr val="020302"/>
+                </a:solidFill>
+                <a:latin typeface="AdobeClean-Light"/>
+                <a:cs typeface="AdobeClean-Light"/>
+              </a:rPr>
+              <a:t>answers</a:t>
+            </a:r>
+            <a:r>
+              <a:rPr lang="en-US" sz="900" spc="-45" dirty="0">
+                <a:solidFill>
+                  <a:srgbClr val="020302"/>
+                </a:solidFill>
+                <a:latin typeface="AdobeClean-Light"/>
+                <a:cs typeface="AdobeClean-Light"/>
+              </a:rPr>
+              <a:t> </a:t>
+            </a:r>
+            <a:r>
+              <a:rPr lang="en-US" sz="900" dirty="0">
+                <a:solidFill>
+                  <a:srgbClr val="020302"/>
+                </a:solidFill>
+                <a:latin typeface="AdobeClean-Light"/>
+                <a:cs typeface="AdobeClean-Light"/>
+              </a:rPr>
+              <a:t>&amp; </a:t>
+            </a:r>
+            <a:r>
+              <a:rPr sz="900" spc="-15" dirty="0">
+                <a:solidFill>
+                  <a:srgbClr val="020302"/>
+                </a:solidFill>
+                <a:latin typeface="AdobeClean-Light"/>
+                <a:cs typeface="AdobeClean-Light"/>
+              </a:rPr>
+              <a:t>help </a:t>
+            </a:r>
+            <a:r>
+              <a:rPr sz="900" spc="-10" dirty="0">
+                <a:solidFill>
+                  <a:srgbClr val="020302"/>
+                </a:solidFill>
+                <a:latin typeface="AdobeClean-Light"/>
+                <a:cs typeface="AdobeClean-Light"/>
+              </a:rPr>
+              <a:t>with</a:t>
+            </a:r>
+            <a:r>
+              <a:rPr sz="900" spc="85" dirty="0">
+                <a:solidFill>
+                  <a:srgbClr val="020302"/>
+                </a:solidFill>
+                <a:latin typeface="AdobeClean-Light"/>
+                <a:cs typeface="AdobeClean-Light"/>
+              </a:rPr>
+              <a:t> </a:t>
+            </a:r>
+            <a:r>
+              <a:rPr sz="900" spc="-10" dirty="0">
+                <a:solidFill>
+                  <a:srgbClr val="020302"/>
+                </a:solidFill>
+                <a:latin typeface="AdobeClean-Light"/>
+                <a:cs typeface="AdobeClean-Light"/>
+              </a:rPr>
+              <a:t>case </a:t>
+            </a:r>
+            <a:r>
+              <a:rPr sz="900" spc="-20" dirty="0">
+                <a:solidFill>
+                  <a:srgbClr val="020302"/>
+                </a:solidFill>
+                <a:latin typeface="AdobeClean-Light"/>
+                <a:cs typeface="AdobeClean-Light"/>
+              </a:rPr>
+              <a:t>submission</a:t>
+            </a:r>
+            <a:r>
+              <a:rPr lang="en-US" sz="900" spc="-20" dirty="0">
+                <a:solidFill>
+                  <a:srgbClr val="020302"/>
+                </a:solidFill>
+                <a:latin typeface="AdobeClean-Light"/>
+                <a:cs typeface="AdobeClean-Light"/>
+              </a:rPr>
+              <a:t>.</a:t>
             </a:r>
           </a:p>
           <a:p>
@@ -8423,15 +9525,29 @@
               </a:tabLst>
             </a:pPr>
             <a:r>
-              <a:rPr lang="es-ES" sz="900" i="1" dirty="0">
+              <a:rPr sz="900" i="1" spc="-10" dirty="0">
                 <a:solidFill>
                   <a:srgbClr val="7A7A7A"/>
                 </a:solidFill>
                 <a:latin typeface="AdobeClean-LightIt"/>
                 <a:cs typeface="AdobeClean-LightIt"/>
               </a:rPr>
-              <a:t>* No todos los productos ofrecen la opción de disfrutar de asistencia mediante chat en directo.  </a:t>
-            </a:r>
+              <a:t>*Not all </a:t>
+            </a:r>
+            <a:r>
+              <a:rPr sz="900" i="1" spc="-20" dirty="0">
+                <a:solidFill>
+                  <a:srgbClr val="7A7A7A"/>
+                </a:solidFill>
+                <a:latin typeface="AdobeClean-LightIt"/>
+                <a:cs typeface="AdobeClean-LightIt"/>
+              </a:rPr>
+              <a:t>products have live chat support.  </a:t>
+            </a:r>
+            <a:endParaRPr sz="900" dirty="0">
+              <a:latin typeface="AdobeClean-Light"/>
+              <a:cs typeface="AdobeClean-Light"/>
+            </a:endParaRPr>
           </a:p>
         </p:txBody>
       </p:sp>
@@ -8500,15 +9616,19 @@
               </a:spcBef>
             </a:pPr>
             <a:r>
-              <a:rPr lang="es-ES" sz="1400" b="1">
+              <a:rPr lang="en-US" sz="1400" b="1" spc="-10" dirty="0">
                 <a:solidFill>
                   <a:srgbClr val="020302"/>
                 </a:solidFill>
                 <a:latin typeface="Adobe Clean"/>
                 <a:cs typeface="Adobe Clean"/>
               </a:rPr>
-              <a:t>Soporte Online</a:t>
-            </a:r>
+              <a:t>Online Support</a:t>
+            </a:r>
+            <a:endParaRPr lang="en-US" sz="1400" dirty="0">
+              <a:latin typeface="Adobe Clean"/>
+              <a:cs typeface="Adobe Clean"/>
+            </a:endParaRPr>
           </a:p>
         </p:txBody>
       </p:sp>
@@ -8555,12 +9675,12 @@
               <a:defRPr/>
             </a:pPr>
             <a:r>
-              <a:rPr lang="es-ES" sz="1200">
+              <a:rPr lang="en-US" sz="1200" dirty="0">
                 <a:solidFill>
                   <a:srgbClr val="000000"/>
                 </a:solidFill>
               </a:rPr>
-              <a:t>Foros de la comunidad</a:t>
+              <a:t>Community Forums</a:t>
             </a:r>
           </a:p>
         </p:txBody>
@@ -8603,12 +9723,12 @@
               </a:spcAft>
             </a:pPr>
             <a:r>
-              <a:rPr lang="es-ES" sz="1200" b="1">
+              <a:rPr lang="en-US" sz="1200" b="1" dirty="0">
                 <a:latin typeface="+mj-lt"/>
                 <a:ea typeface="Open Sans" pitchFamily="34" charset="0"/>
                 <a:cs typeface="Open Sans" pitchFamily="34" charset="0"/>
               </a:rPr>
-              <a:t>Foros en línea</a:t>
+              <a:t>Online Forums</a:t>
             </a:r>
           </a:p>
         </p:txBody>
@@ -8628,7 +9748,7 @@
         <p:spPr>
           <a:xfrm>
             <a:off x="244599" y="3893151"/>
-            <a:ext cx="3413002" cy="805349"/>
+            <a:ext cx="3413002" cy="651460"/>
           </a:xfrm>
           <a:prstGeom prst="rect">
             <a:avLst/>
@@ -8641,30 +9761,13 @@
           <a:lstStyle/>
           <a:p>
             <a:r>
-              <a:rPr lang="es-ES" sz="1000" dirty="0">
+              <a:rPr lang="en-US" sz="1000" dirty="0">
                 <a:solidFill>
                   <a:srgbClr val="000000"/>
                 </a:solidFill>
                 <a:latin typeface="Adobe Clean Light" panose="020B0303020404020204" pitchFamily="34" charset="0"/>
               </a:rPr>
-              <a:t>Acceso continuo en línea a una base de datos donde encontrará cada vez más soluciones técnicas, documentación de productos, preguntas frecuentes y mucho más. Hable con profesionales </a:t>
-            </a:r>
-            <a:br>
-              <a:rPr lang="sk-SK" sz="1000" dirty="0">
-                <a:solidFill>
-                  <a:srgbClr val="000000"/>
-                </a:solidFill>
-                <a:latin typeface="Adobe Clean Light" panose="020B0303020404020204" pitchFamily="34" charset="0"/>
-              </a:rPr>
-            </a:br>
-            <a:r>
-              <a:rPr lang="es-ES" sz="1000" dirty="0">
-                <a:solidFill>
-                  <a:srgbClr val="000000"/>
-                </a:solidFill>
-                <a:latin typeface="Adobe Clean Light" panose="020B0303020404020204" pitchFamily="34" charset="0"/>
-              </a:rPr>
-              <a:t>y otros clientes en la Comunidad de Adobe para compartir prácticas recomendadas y lecciones aprendidas.</a:t>
+              <a:t>Continuous online access to a growing database of technical solutions, product documentation, FAQs and more. Connect with practitioners and other customers on Adobe Community to share best practices and lessons learned.</a:t>
             </a:r>
           </a:p>
         </p:txBody>
@@ -8712,7 +9815,7 @@
               <a:defRPr/>
             </a:pPr>
             <a:r>
-              <a:rPr lang="es-ES" sz="1200">
+              <a:rPr lang="en-US" sz="1200" dirty="0">
                 <a:solidFill>
                   <a:srgbClr val="000000"/>
                 </a:solidFill>
@@ -8760,12 +9863,12 @@
               </a:spcAft>
             </a:pPr>
             <a:r>
-              <a:rPr lang="es-ES" sz="1200" b="1">
+              <a:rPr lang="en-US" sz="1200" b="1" dirty="0">
                 <a:latin typeface="+mj-lt"/>
                 <a:ea typeface="Open Sans" pitchFamily="34" charset="0"/>
                 <a:cs typeface="Open Sans" pitchFamily="34" charset="0"/>
               </a:rPr>
-              <a:t>Recorridos autoguiados</a:t>
+              <a:t>Self-guided Journeys</a:t>
             </a:r>
           </a:p>
         </p:txBody>
@@ -8785,7 +9888,7 @@
         <p:spPr>
           <a:xfrm>
             <a:off x="257325" y="6132567"/>
-            <a:ext cx="3413002" cy="959237"/>
+            <a:ext cx="3413002" cy="651460"/>
           </a:xfrm>
           <a:prstGeom prst="rect">
             <a:avLst/>
@@ -8798,101 +9901,13 @@
           <a:lstStyle/>
           <a:p>
             <a:r>
-              <a:rPr lang="es-ES" sz="1000" dirty="0">
+              <a:rPr lang="en-US" sz="1000" dirty="0">
                 <a:solidFill>
                   <a:srgbClr val="000000"/>
                 </a:solidFill>
                 <a:latin typeface="Adobe Clean Light" panose="020B0303020404020204" pitchFamily="34" charset="0"/>
               </a:rPr>
-              <a:t>Los </a:t>
-            </a:r>
-            <a:r>
-              <a:rPr lang="es-ES" sz="1000" dirty="0" err="1">
-                <a:solidFill>
-                  <a:srgbClr val="000000"/>
-                </a:solidFill>
-                <a:latin typeface="Adobe Clean Light" panose="020B0303020404020204" pitchFamily="34" charset="0"/>
-              </a:rPr>
-              <a:t>experience</a:t>
-            </a:r>
-            <a:r>
-              <a:rPr lang="es-ES" sz="1000" dirty="0">
-                <a:solidFill>
-                  <a:srgbClr val="000000"/>
-                </a:solidFill>
-                <a:latin typeface="Adobe Clean Light" panose="020B0303020404020204" pitchFamily="34" charset="0"/>
-              </a:rPr>
-              <a:t> </a:t>
-            </a:r>
-            <a:r>
-              <a:rPr lang="es-ES" sz="1000" dirty="0" err="1">
-                <a:solidFill>
-                  <a:srgbClr val="000000"/>
-                </a:solidFill>
-                <a:latin typeface="Adobe Clean Light" panose="020B0303020404020204" pitchFamily="34" charset="0"/>
-              </a:rPr>
-              <a:t>makers</a:t>
-            </a:r>
-            <a:r>
-              <a:rPr lang="es-ES" sz="1000" dirty="0">
-                <a:solidFill>
-                  <a:srgbClr val="000000"/>
-                </a:solidFill>
-                <a:latin typeface="Adobe Clean Light" panose="020B0303020404020204" pitchFamily="34" charset="0"/>
-              </a:rPr>
-              <a:t> se realizan con </a:t>
-            </a:r>
-            <a:r>
-              <a:rPr lang="es-ES" sz="1000" dirty="0" err="1">
-                <a:solidFill>
-                  <a:srgbClr val="000000"/>
-                </a:solidFill>
-                <a:latin typeface="Adobe Clean Light" panose="020B0303020404020204" pitchFamily="34" charset="0"/>
-              </a:rPr>
-              <a:t>Experience</a:t>
-            </a:r>
-            <a:r>
-              <a:rPr lang="es-ES" sz="1000" dirty="0">
-                <a:solidFill>
-                  <a:srgbClr val="000000"/>
-                </a:solidFill>
-                <a:latin typeface="Adobe Clean Light" panose="020B0303020404020204" pitchFamily="34" charset="0"/>
-              </a:rPr>
-              <a:t> League. </a:t>
-            </a:r>
-            <a:br>
-              <a:rPr lang="sk-SK" sz="1000" dirty="0">
-                <a:solidFill>
-                  <a:srgbClr val="000000"/>
-                </a:solidFill>
-                <a:latin typeface="Adobe Clean Light" panose="020B0303020404020204" pitchFamily="34" charset="0"/>
-              </a:rPr>
-            </a:br>
-            <a:r>
-              <a:rPr lang="es-ES" sz="1000" dirty="0">
-                <a:solidFill>
-                  <a:srgbClr val="000000"/>
-                </a:solidFill>
-                <a:latin typeface="Adobe Clean Light" panose="020B0303020404020204" pitchFamily="34" charset="0"/>
-              </a:rPr>
-              <a:t>Los clientes pueden aplicar sus conocimientos de administración </a:t>
-            </a:r>
-            <a:br>
-              <a:rPr lang="sk-SK" sz="1000" dirty="0">
-                <a:solidFill>
-                  <a:srgbClr val="000000"/>
-                </a:solidFill>
-                <a:latin typeface="Adobe Clean Light" panose="020B0303020404020204" pitchFamily="34" charset="0"/>
-              </a:rPr>
-            </a:br>
-            <a:r>
-              <a:rPr lang="es-ES" sz="1000" dirty="0">
-                <a:solidFill>
-                  <a:srgbClr val="000000"/>
-                </a:solidFill>
-                <a:latin typeface="Adobe Clean Light" panose="020B0303020404020204" pitchFamily="34" charset="0"/>
-              </a:rPr>
-              <a:t>de la experiencia del cliente con aprendizaje personalizado para desarrollar habilidades, interactuar con la comunidad internacional de compañeros y obtener reconocimiento en su trayectoria profesional. </a:t>
+              <a:t>Experience Makers are made with Experience League. Customers can kickstart their Customer Experience Management abilities with personalized learning to develop skills, engage with a global community of peers, and earn career advancing recognition. </a:t>
             </a:r>
           </a:p>
         </p:txBody>
@@ -8940,12 +9955,12 @@
               <a:defRPr/>
             </a:pPr>
             <a:r>
-              <a:rPr lang="es-ES" sz="1200">
+              <a:rPr lang="en-US" sz="1200" dirty="0">
                 <a:solidFill>
                   <a:srgbClr val="000000"/>
                 </a:solidFill>
               </a:rPr>
-              <a:t>Horario de oficina</a:t>
+              <a:t>Office Hours</a:t>
             </a:r>
           </a:p>
         </p:txBody>
@@ -8988,12 +10003,12 @@
               </a:spcAft>
             </a:pPr>
             <a:r>
-              <a:rPr lang="es-ES" sz="1200" b="1">
+              <a:rPr lang="en-US" sz="1200" b="1" dirty="0">
                 <a:latin typeface="+mj-lt"/>
                 <a:ea typeface="Open Sans" pitchFamily="34" charset="0"/>
                 <a:cs typeface="Open Sans" pitchFamily="34" charset="0"/>
               </a:rPr>
-              <a:t>Seminarios web</a:t>
+              <a:t>Webinars</a:t>
             </a:r>
           </a:p>
         </p:txBody>
@@ -9013,7 +10028,7 @@
         <p:spPr>
           <a:xfrm>
             <a:off x="3810000" y="3893151"/>
-            <a:ext cx="3413002" cy="805349"/>
+            <a:ext cx="3413002" cy="651460"/>
           </a:xfrm>
           <a:prstGeom prst="rect">
             <a:avLst/>
@@ -9026,30 +10041,13 @@
           <a:lstStyle/>
           <a:p>
             <a:r>
-              <a:rPr lang="es-ES" sz="1000" dirty="0">
+              <a:rPr lang="en-US" sz="1000" dirty="0">
                 <a:solidFill>
                   <a:srgbClr val="000000"/>
                 </a:solidFill>
                 <a:latin typeface="Adobe Clean Light" panose="020B0303020404020204" pitchFamily="34" charset="0"/>
               </a:rPr>
-              <a:t>En el horario de oficina del equipo de asistencia al cliente de Adobe se incluyen sesiones diseñadas para informar y ayudar a los participantes a solucionar problemas, así como para proporcionar consejos y trucos para que los participantes logren el éxito con </a:t>
-            </a:r>
-            <a:br>
-              <a:rPr lang="sk-SK" sz="1000" dirty="0">
-                <a:solidFill>
-                  <a:srgbClr val="000000"/>
-                </a:solidFill>
-                <a:latin typeface="Adobe Clean Light" panose="020B0303020404020204" pitchFamily="34" charset="0"/>
-              </a:rPr>
-            </a:br>
-            <a:r>
-              <a:rPr lang="es-ES" sz="1000" dirty="0">
-                <a:solidFill>
-                  <a:srgbClr val="000000"/>
-                </a:solidFill>
-                <a:latin typeface="Adobe Clean Light" panose="020B0303020404020204" pitchFamily="34" charset="0"/>
-              </a:rPr>
-              <a:t>las soluciones de Adobe.</a:t>
+              <a:t>Office  Hours  led  by  the  Adobe  Customer Support  team  includes  sessions  designed to  inform  as  well  as  help  participants troubleshoot  problems  and  provide  tips and  tricks  for  success  with  Adobe  solutions.</a:t>
             </a:r>
           </a:p>
         </p:txBody>
@@ -9097,12 +10095,12 @@
               <a:defRPr/>
             </a:pPr>
             <a:r>
-              <a:rPr lang="es-ES" sz="1200">
+              <a:rPr lang="en-US" sz="1200" dirty="0">
                 <a:solidFill>
                   <a:srgbClr val="000000"/>
                 </a:solidFill>
               </a:rPr>
-              <a:t>Portales de autoayuda</a:t>
+              <a:t>Self-help Portals</a:t>
             </a:r>
           </a:p>
         </p:txBody>
@@ -9145,12 +10143,12 @@
               </a:spcAft>
             </a:pPr>
             <a:r>
-              <a:rPr lang="es-ES" sz="1200" b="1">
+              <a:rPr lang="en-US" sz="1200" b="1" dirty="0">
                 <a:latin typeface="+mj-lt"/>
                 <a:ea typeface="Open Sans" pitchFamily="34" charset="0"/>
                 <a:cs typeface="Open Sans" pitchFamily="34" charset="0"/>
               </a:rPr>
-              <a:t>Portal de asistencia 24/7</a:t>
+              <a:t>24/7 Support Portal</a:t>
             </a:r>
           </a:p>
         </p:txBody>
@@ -9170,7 +10168,7 @@
         <p:spPr>
           <a:xfrm>
             <a:off x="3849036" y="6132567"/>
-            <a:ext cx="3413002" cy="651460"/>
+            <a:ext cx="3413002" cy="497572"/>
           </a:xfrm>
           <a:prstGeom prst="rect">
             <a:avLst/>
@@ -9183,47 +10181,13 @@
           <a:lstStyle/>
           <a:p>
             <a:r>
-              <a:rPr lang="es-ES" sz="1000" dirty="0">
+              <a:rPr lang="en-US" sz="1000" dirty="0">
                 <a:solidFill>
                   <a:srgbClr val="000000"/>
                 </a:solidFill>
                 <a:latin typeface="Adobe Clean Light" panose="020B0303020404020204" pitchFamily="34" charset="0"/>
               </a:rPr>
-              <a:t>Acceso al portal de asistencia de autoayuda en línea previa solicitud para enviar solicitudes de asistencia, revisar el estado de los casos </a:t>
-            </a:r>
-            <a:br>
-              <a:rPr lang="sk-SK" sz="1000" dirty="0">
-                <a:solidFill>
-                  <a:srgbClr val="000000"/>
-                </a:solidFill>
-                <a:latin typeface="Adobe Clean Light" panose="020B0303020404020204" pitchFamily="34" charset="0"/>
-              </a:rPr>
-            </a:br>
-            <a:r>
-              <a:rPr lang="es-ES" sz="1000" dirty="0">
-                <a:solidFill>
-                  <a:srgbClr val="000000"/>
-                </a:solidFill>
-                <a:latin typeface="Adobe Clean Light" panose="020B0303020404020204" pitchFamily="34" charset="0"/>
-              </a:rPr>
-              <a:t>y examinar otros recursos, como la base de conocimiento, noticias </a:t>
-            </a:r>
-            <a:br>
-              <a:rPr lang="sk-SK" sz="1000" dirty="0">
-                <a:solidFill>
-                  <a:srgbClr val="000000"/>
-                </a:solidFill>
-                <a:latin typeface="Adobe Clean Light" panose="020B0303020404020204" pitchFamily="34" charset="0"/>
-              </a:rPr>
-            </a:br>
-            <a:r>
-              <a:rPr lang="es-ES" sz="1000" dirty="0">
-                <a:solidFill>
-                  <a:srgbClr val="000000"/>
-                </a:solidFill>
-                <a:latin typeface="Adobe Clean Light" panose="020B0303020404020204" pitchFamily="34" charset="0"/>
-              </a:rPr>
-              <a:t>y alertas, sugerencias destacadas, y mucho más.</a:t>
+              <a:t>On-demand access to the online Self-help Support Portal to submit support requests, review case status, and browse other resources, like our knowledgebase, news and alerts, featured tips, and more.</a:t>
             </a:r>
           </a:p>
         </p:txBody>
@@ -9271,12 +10235,12 @@
               <a:defRPr/>
             </a:pPr>
             <a:r>
-              <a:rPr lang="es-ES" sz="1200">
+              <a:rPr lang="en-US" sz="1200" dirty="0">
                 <a:solidFill>
                   <a:srgbClr val="000000"/>
                 </a:solidFill>
               </a:rPr>
-              <a:t>Asistencia mediante chat en directo*</a:t>
+              <a:t>Live Chat  Support*</a:t>
             </a:r>
           </a:p>
         </p:txBody>
@@ -9319,12 +10283,12 @@
               </a:spcAft>
             </a:pPr>
             <a:r>
-              <a:rPr lang="es-ES" sz="1200" b="1">
+              <a:rPr lang="en-US" sz="1200" b="1" dirty="0">
                 <a:latin typeface="+mj-lt"/>
                 <a:ea typeface="Open Sans" pitchFamily="34" charset="0"/>
                 <a:cs typeface="Open Sans" pitchFamily="34" charset="0"/>
               </a:rPr>
-              <a:t>Asistencia mediante chat</a:t>
+              <a:t>Chat Support</a:t>
             </a:r>
           </a:p>
         </p:txBody>
@@ -9372,12 +10336,12 @@
               <a:defRPr/>
             </a:pPr>
             <a:r>
-              <a:rPr lang="es-ES" sz="1200">
+              <a:rPr lang="en-US" sz="1200" dirty="0">
                 <a:solidFill>
                   <a:srgbClr val="000000"/>
                 </a:solidFill>
               </a:rPr>
-              <a:t>24x7x365 en P1 </a:t>
+              <a:t>24 X 7 X 365 P1 </a:t>
             </a:r>
           </a:p>
         </p:txBody>
@@ -9420,12 +10384,12 @@
               </a:spcAft>
             </a:pPr>
             <a:r>
-              <a:rPr lang="es-ES" sz="1200" b="1">
+              <a:rPr lang="en-US" sz="1200" b="1" dirty="0">
                 <a:latin typeface="+mj-lt"/>
                 <a:ea typeface="Open Sans" pitchFamily="34" charset="0"/>
                 <a:cs typeface="Open Sans" pitchFamily="34" charset="0"/>
               </a:rPr>
-              <a:t>Asistencia telefónica</a:t>
+              <a:t>Phone  Support</a:t>
             </a:r>
           </a:p>
         </p:txBody>
@@ -9445,7 +10409,7 @@
         <p:spPr>
           <a:xfrm>
             <a:off x="3833993" y="8494028"/>
-            <a:ext cx="3413002" cy="651460"/>
+            <a:ext cx="3413002" cy="497572"/>
           </a:xfrm>
           <a:prstGeom prst="rect">
             <a:avLst/>
@@ -9458,31 +10422,26 @@
           <a:lstStyle/>
           <a:p>
             <a:r>
-              <a:rPr lang="es-ES" sz="1000" dirty="0">
+              <a:rPr lang="en-US" sz="1000" dirty="0">
                 <a:solidFill>
                   <a:srgbClr val="020302"/>
                 </a:solidFill>
                 <a:latin typeface="AdobeClean-Light"/>
               </a:rPr>
-              <a:t>Los usuarios autorizados o los contactos de soporte particulares</a:t>
-            </a:r>
-            <a:r>
-              <a:rPr lang="es-ES" sz="1000" dirty="0">
+              <a:t>Authorized users or Named Support Contacts </a:t>
+            </a:r>
+            <a:r>
+              <a:rPr lang="en-US" sz="1000" dirty="0">
                 <a:latin typeface="Adobe Clean Light" panose="020B0303020404020204" pitchFamily="34" charset="0"/>
               </a:rPr>
-              <a:t> pueden enviar problemas a través de todos los canales disponibles (incluido el teléfono en el caso de los problemas P1) y hablar </a:t>
-            </a:r>
-            <a:br>
-              <a:rPr lang="sk-SK" sz="1000" dirty="0">
-                <a:latin typeface="Adobe Clean Light" panose="020B0303020404020204" pitchFamily="34" charset="0"/>
-              </a:rPr>
-            </a:br>
-            <a:r>
-              <a:rPr lang="es-ES" sz="1000" dirty="0">
-                <a:latin typeface="Adobe Clean Light" panose="020B0303020404020204" pitchFamily="34" charset="0"/>
-              </a:rPr>
-              <a:t>con nuestro equipo de asistencia en nombre de su empresa. </a:t>
-            </a:r>
+              <a:t>can submit issues through all available  channels (including phone for P1) and interact with our technical support team on behalf of your company. </a:t>
+            </a:r>
+            <a:endParaRPr lang="en-US" sz="1000" dirty="0">
+              <a:solidFill>
+                <a:srgbClr val="000000"/>
+              </a:solidFill>
+              <a:latin typeface="Adobe Clean Light" panose="020B0303020404020204" pitchFamily="34" charset="0"/>
+            </a:endParaRPr>
           </a:p>
         </p:txBody>
       </p:sp>
@@ -9526,8 +10485,24 @@
               </a:spcBef>
             </a:pPr>
             <a:r>
-              <a:rPr lang="es-ES"/>
-              <a:t>©2021 Adobe. All Rights Reserved. Adobe Confidential.</a:t>
+              <a:rPr spc="-5" dirty="0"/>
+              <a:t>©202</a:t>
+            </a:r>
+            <a:r>
+              <a:rPr lang="en-US" spc="-5" dirty="0"/>
+              <a:t>1</a:t>
+            </a:r>
+            <a:r>
+              <a:rPr spc="-5" dirty="0"/>
+              <a:t> Adobe. All Rights Reserved. Adobe</a:t>
+            </a:r>
+            <a:r>
+              <a:rPr spc="60" dirty="0"/>
+              <a:t> </a:t>
+            </a:r>
+            <a:r>
+              <a:rPr spc="-5" dirty="0"/>
+              <a:t>Confidential.</a:t>
             </a:r>
           </a:p>
         </p:txBody>
@@ -9818,15 +10793,49 @@
               </a:lnSpc>
             </a:pPr>
             <a:r>
-              <a:rPr lang="es-ES" sz="500">
+              <a:rPr sz="500" spc="-5" dirty="0">
                 <a:solidFill>
                   <a:srgbClr val="6C6C6C"/>
                 </a:solidFill>
                 <a:latin typeface="Adobe Clean"/>
                 <a:cs typeface="Adobe Clean"/>
               </a:rPr>
-              <a:t>©2020 Adobe. All Rights Reserved. Adobe Confidential.</a:t>
-            </a:r>
+              <a:t>©2020 Adobe. All Rights Reserved. </a:t>
+            </a:r>
+            <a:r>
+              <a:rPr sz="500" dirty="0">
+                <a:solidFill>
+                  <a:srgbClr val="6C6C6C"/>
+                </a:solidFill>
+                <a:latin typeface="Adobe Clean"/>
+                <a:cs typeface="Adobe Clean"/>
+              </a:rPr>
+              <a:t>Adobe</a:t>
+            </a:r>
+            <a:r>
+              <a:rPr sz="500" spc="5" dirty="0">
+                <a:solidFill>
+                  <a:srgbClr val="6C6C6C"/>
+                </a:solidFill>
+                <a:latin typeface="Adobe Clean"/>
+                <a:cs typeface="Adobe Clean"/>
+              </a:rPr>
+              <a:t> </a:t>
+            </a:r>
+            <a:r>
+              <a:rPr sz="500" spc="-5" dirty="0">
+                <a:solidFill>
+                  <a:srgbClr val="6C6C6C"/>
+                </a:solidFill>
+                <a:latin typeface="Adobe Clean"/>
+                <a:cs typeface="Adobe Clean"/>
+              </a:rPr>
+              <a:t>Confidential.</a:t>
+            </a:r>
+            <a:endParaRPr sz="500">
+              <a:latin typeface="Adobe Clean"/>
+              <a:cs typeface="Adobe Clean"/>
+            </a:endParaRPr>
           </a:p>
           <a:p>
             <a:pPr>
@@ -9852,15 +10861,39 @@
               </a:spcBef>
             </a:pPr>
             <a:r>
-              <a:rPr lang="es-ES" sz="800">
+              <a:rPr sz="800" spc="-5" dirty="0">
                 <a:solidFill>
                   <a:srgbClr val="6D6D6D"/>
                 </a:solidFill>
                 <a:latin typeface="Adobe Clean"/>
                 <a:cs typeface="Adobe Clean"/>
               </a:rPr>
-              <a:t>©2020 Adobe. All Rights Reserved. Adobe Confidential.</a:t>
-            </a:r>
+              <a:t>©2020 Adobe. All Rights Reserved. Adobe</a:t>
+            </a:r>
+            <a:r>
+              <a:rPr sz="800" spc="75" dirty="0">
+                <a:solidFill>
+                  <a:srgbClr val="6D6D6D"/>
+                </a:solidFill>
+                <a:latin typeface="Adobe Clean"/>
+                <a:cs typeface="Adobe Clean"/>
+              </a:rPr>
+              <a:t> </a:t>
+            </a:r>
+            <a:r>
+              <a:rPr sz="800" spc="-5" dirty="0">
+                <a:solidFill>
+                  <a:srgbClr val="6D6D6D"/>
+                </a:solidFill>
+                <a:latin typeface="Adobe Clean"/>
+                <a:cs typeface="Adobe Clean"/>
+              </a:rPr>
+              <a:t>Confidential.</a:t>
+            </a:r>
+            <a:endParaRPr sz="800">
+              <a:latin typeface="Adobe Clean"/>
+              <a:cs typeface="Adobe Clean"/>
+            </a:endParaRPr>
           </a:p>
         </p:txBody>
       </p:sp>
@@ -9944,15 +10977,19 @@
               </a:spcBef>
             </a:pPr>
             <a:r>
-              <a:rPr lang="es-ES" sz="1400" b="1">
+              <a:rPr lang="en-US" sz="1400" b="1" spc="-15" dirty="0">
                 <a:solidFill>
                   <a:srgbClr val="020302"/>
                 </a:solidFill>
                 <a:latin typeface="Adobe Clean"/>
                 <a:cs typeface="Adobe Clean"/>
               </a:rPr>
-              <a:t>Recursos</a:t>
-            </a:r>
+              <a:t>Resources</a:t>
+            </a:r>
+            <a:endParaRPr sz="1400" dirty="0">
+              <a:latin typeface="Adobe Clean"/>
+              <a:cs typeface="Adobe Clean"/>
+            </a:endParaRPr>
           </a:p>
         </p:txBody>
       </p:sp>
@@ -9965,14 +11002,14 @@
         <p:spPr>
           <a:xfrm>
             <a:off x="6754821" y="9283729"/>
-            <a:ext cx="930275" cy="662305"/>
+            <a:ext cx="930275" cy="758541"/>
           </a:xfrm>
           <a:prstGeom prst="rect">
             <a:avLst/>
           </a:prstGeom>
         </p:spPr>
         <p:txBody>
-          <a:bodyPr vert="horz" wrap="square" lIns="0" tIns="12065" rIns="0" bIns="0" rtlCol="0">
+          <a:bodyPr vert="horz" wrap="square" lIns="0" tIns="12065" rIns="0" bIns="0" rtlCol="0" anchor="t">
             <a:spAutoFit/>
           </a:bodyPr>
           <a:lstStyle/>
@@ -9986,7 +11023,7 @@
               </a:spcBef>
             </a:pPr>
             <a:r>
-              <a:rPr lang="es-ES" sz="800">
+              <a:rPr sz="800" spc="-15" dirty="0">
                 <a:solidFill>
                   <a:srgbClr val="777879"/>
                 </a:solidFill>
@@ -9995,6 +11032,10 @@
               </a:rPr>
               <a:t>Adobe</a:t>
             </a:r>
+            <a:endParaRPr sz="800">
+              <a:latin typeface="Adobe Clean"/>
+              <a:cs typeface="Adobe Clean"/>
+            </a:endParaRPr>
           </a:p>
           <a:p>
             <a:pPr marL="12700">
@@ -10003,15 +11044,29 @@
               </a:lnSpc>
             </a:pPr>
             <a:r>
-              <a:rPr lang="es-ES" sz="800">
+              <a:rPr sz="800" spc="-15" dirty="0">
                 <a:solidFill>
                   <a:srgbClr val="777879"/>
                 </a:solidFill>
                 <a:latin typeface="Adobe Clean"/>
                 <a:cs typeface="Adobe Clean"/>
               </a:rPr>
-              <a:t>345 Park Avenue</a:t>
-            </a:r>
+              <a:t>345 </a:t>
+            </a:r>
+            <a:r>
+              <a:rPr lang="en-US" sz="800" spc="-15" dirty="0">
+                <a:solidFill>
+                  <a:srgbClr val="777879"/>
+                </a:solidFill>
+                <a:latin typeface="Adobe Clean"/>
+                <a:cs typeface="Adobe Clean"/>
+              </a:rPr>
+              <a:t>Park Avenue</a:t>
+            </a:r>
+            <a:endParaRPr sz="800" dirty="0">
+              <a:latin typeface="Adobe Clean"/>
+              <a:cs typeface="Adobe Clean"/>
+            </a:endParaRPr>
           </a:p>
           <a:p>
             <a:pPr marL="12700">
@@ -10020,15 +11075,49 @@
               </a:lnSpc>
             </a:pPr>
             <a:r>
-              <a:rPr lang="es-ES" sz="800">
+              <a:rPr sz="800" spc="-10" dirty="0">
                 <a:solidFill>
                   <a:srgbClr val="777879"/>
                 </a:solidFill>
                 <a:latin typeface="Adobe Clean"/>
                 <a:cs typeface="Adobe Clean"/>
               </a:rPr>
-              <a:t>San José, CA95110-2704</a:t>
-            </a:r>
+              <a:t>San </a:t>
+            </a:r>
+            <a:r>
+              <a:rPr sz="800" spc="-15" dirty="0">
+                <a:solidFill>
+                  <a:srgbClr val="777879"/>
+                </a:solidFill>
+                <a:latin typeface="Adobe Clean"/>
+                <a:cs typeface="Adobe Clean"/>
+              </a:rPr>
+              <a:t>Jose,</a:t>
+            </a:r>
+            <a:r>
+              <a:rPr sz="800" spc="-140" dirty="0">
+                <a:solidFill>
+                  <a:srgbClr val="777879"/>
+                </a:solidFill>
+                <a:latin typeface="Adobe Clean"/>
+                <a:cs typeface="Adobe Clean"/>
+              </a:rPr>
+              <a:t> </a:t>
+            </a:r>
+            <a:r>
+              <a:rPr sz="800" spc="-20" dirty="0">
+                <a:solidFill>
+                  <a:srgbClr val="777879"/>
+                </a:solidFill>
+                <a:latin typeface="Adobe Clean"/>
+                <a:cs typeface="Adobe Clean"/>
+              </a:rPr>
+              <a:t>CA95110-2704</a:t>
+            </a:r>
+            <a:endParaRPr sz="800">
+              <a:latin typeface="Adobe Clean"/>
+              <a:cs typeface="Adobe Clean"/>
+            </a:endParaRPr>
           </a:p>
           <a:p>
             <a:pPr marL="12700">
@@ -10040,15 +11129,19 @@
               </a:spcBef>
             </a:pPr>
             <a:r>
-              <a:rPr lang="es-ES" sz="800">
+              <a:rPr sz="800" spc="-10" dirty="0">
                 <a:solidFill>
                   <a:srgbClr val="777879"/>
                 </a:solidFill>
                 <a:latin typeface="Adobe Clean"/>
                 <a:cs typeface="Adobe Clean"/>
               </a:rPr>
-              <a:t>EE. UU.</a:t>
-            </a:r>
+              <a:t>USA</a:t>
+            </a:r>
+            <a:endParaRPr sz="800">
+              <a:latin typeface="Adobe Clean"/>
+              <a:cs typeface="Adobe Clean"/>
+            </a:endParaRPr>
           </a:p>
           <a:p>
             <a:pPr marL="12700">
@@ -10060,7 +11153,7 @@
               </a:spcBef>
             </a:pPr>
             <a:r>
-              <a:rPr lang="es-ES" sz="800" u="sng">
+              <a:rPr sz="800" u="sng" spc="-25" dirty="0">
                 <a:solidFill>
                   <a:srgbClr val="5F5F5F"/>
                 </a:solidFill>
@@ -10075,6 +11168,10 @@
               </a:rPr>
               <a:t>www.adobe.com</a:t>
             </a:r>
+            <a:endParaRPr sz="800">
+              <a:latin typeface="Adobe Clean"/>
+              <a:cs typeface="Adobe Clean"/>
+            </a:endParaRPr>
           </a:p>
         </p:txBody>
       </p:sp>
@@ -10235,7 +11332,7 @@
           </a:prstGeom>
         </p:spPr>
         <p:txBody>
-          <a:bodyPr vert="horz" wrap="square" lIns="0" tIns="29845" rIns="0" bIns="0" rtlCol="0">
+          <a:bodyPr vert="horz" wrap="square" lIns="0" tIns="29845" rIns="0" bIns="0" rtlCol="0" anchor="t">
             <a:spAutoFit/>
           </a:bodyPr>
           <a:lstStyle/>
@@ -10249,55 +11346,449 @@
               </a:spcBef>
             </a:pPr>
             <a:r>
-              <a:rPr lang="es-ES" sz="1100" i="1" dirty="0">
+              <a:rPr sz="1100" i="1" spc="-10" dirty="0">
                 <a:solidFill>
                   <a:srgbClr val="777879"/>
                 </a:solidFill>
                 <a:latin typeface="AdobeClean-LightIt"/>
                 <a:cs typeface="AdobeClean-LightIt"/>
               </a:rPr>
-              <a:t>Para saber más sobre las ofertas de asistencia de Adobe y el nivel adecuado para usted, póngase en contacto con su administrador de cuentas (NAM) o con su </a:t>
-            </a:r>
-            <a:r>
-              <a:rPr lang="es-ES" sz="1100" i="1" dirty="0" err="1">
+              <a:t>To</a:t>
+            </a:r>
+            <a:r>
+              <a:rPr sz="1100" i="1" spc="-50" dirty="0">
                 <a:solidFill>
                   <a:srgbClr val="777879"/>
                 </a:solidFill>
                 <a:latin typeface="AdobeClean-LightIt"/>
                 <a:cs typeface="AdobeClean-LightIt"/>
               </a:rPr>
-              <a:t>Customer</a:t>
-            </a:r>
-            <a:r>
-              <a:rPr lang="es-ES" sz="1100" i="1" dirty="0">
+              <a:t> </a:t>
+            </a:r>
+            <a:r>
+              <a:rPr sz="1100" i="1" spc="-15" dirty="0">
                 <a:solidFill>
                   <a:srgbClr val="777879"/>
                 </a:solidFill>
                 <a:latin typeface="AdobeClean-LightIt"/>
                 <a:cs typeface="AdobeClean-LightIt"/>
               </a:rPr>
-              <a:t> </a:t>
-            </a:r>
-            <a:r>
-              <a:rPr lang="es-ES" sz="1100" i="1" dirty="0" err="1">
+              <a:t>learn</a:t>
+            </a:r>
+            <a:r>
+              <a:rPr sz="1100" i="1" spc="-40" dirty="0">
                 <a:solidFill>
                   <a:srgbClr val="777879"/>
                 </a:solidFill>
                 <a:latin typeface="AdobeClean-LightIt"/>
                 <a:cs typeface="AdobeClean-LightIt"/>
               </a:rPr>
-              <a:t>Success</a:t>
-            </a:r>
-            <a:r>
-              <a:rPr lang="es-ES" sz="1100" i="1" dirty="0">
+              <a:t> </a:t>
+            </a:r>
+            <a:r>
+              <a:rPr sz="1100" i="1" spc="-15" dirty="0">
                 <a:solidFill>
                   <a:srgbClr val="777879"/>
                 </a:solidFill>
                 <a:latin typeface="AdobeClean-LightIt"/>
                 <a:cs typeface="AdobeClean-LightIt"/>
               </a:rPr>
-              <a:t> Manager (CSM)</a:t>
-            </a:r>
+              <a:t>more</a:t>
+            </a:r>
+            <a:r>
+              <a:rPr sz="1100" i="1" spc="-45" dirty="0">
+                <a:solidFill>
+                  <a:srgbClr val="777879"/>
+                </a:solidFill>
+                <a:latin typeface="AdobeClean-LightIt"/>
+                <a:cs typeface="AdobeClean-LightIt"/>
+              </a:rPr>
+              <a:t> </a:t>
+            </a:r>
+            <a:r>
+              <a:rPr sz="1100" i="1" spc="-15" dirty="0">
+                <a:solidFill>
+                  <a:srgbClr val="777879"/>
+                </a:solidFill>
+                <a:latin typeface="AdobeClean-LightIt"/>
+                <a:cs typeface="AdobeClean-LightIt"/>
+              </a:rPr>
+              <a:t>about</a:t>
+            </a:r>
+            <a:r>
+              <a:rPr sz="1100" i="1" spc="-45" dirty="0">
+                <a:solidFill>
+                  <a:srgbClr val="777879"/>
+                </a:solidFill>
+                <a:latin typeface="AdobeClean-LightIt"/>
+                <a:cs typeface="AdobeClean-LightIt"/>
+              </a:rPr>
+              <a:t> </a:t>
+            </a:r>
+            <a:r>
+              <a:rPr sz="1100" i="1" spc="-15" dirty="0">
+                <a:solidFill>
+                  <a:srgbClr val="777879"/>
+                </a:solidFill>
+                <a:latin typeface="AdobeClean-LightIt"/>
+                <a:cs typeface="AdobeClean-LightIt"/>
+              </a:rPr>
+              <a:t>Adobe</a:t>
+            </a:r>
+            <a:r>
+              <a:rPr sz="1100" i="1" spc="-60" dirty="0">
+                <a:solidFill>
+                  <a:srgbClr val="777879"/>
+                </a:solidFill>
+                <a:latin typeface="AdobeClean-LightIt"/>
+                <a:cs typeface="AdobeClean-LightIt"/>
+              </a:rPr>
+              <a:t> </a:t>
+            </a:r>
+            <a:r>
+              <a:rPr sz="1100" i="1" spc="-15" dirty="0">
+                <a:solidFill>
+                  <a:srgbClr val="777879"/>
+                </a:solidFill>
+                <a:latin typeface="AdobeClean-LightIt"/>
+                <a:cs typeface="AdobeClean-LightIt"/>
+              </a:rPr>
+              <a:t>Support</a:t>
+            </a:r>
+            <a:r>
+              <a:rPr lang="en-US" sz="1100" i="1" spc="-15" dirty="0">
+                <a:solidFill>
+                  <a:srgbClr val="777879"/>
+                </a:solidFill>
+                <a:latin typeface="AdobeClean-LightIt"/>
+                <a:cs typeface="AdobeClean-LightIt"/>
+              </a:rPr>
+              <a:t> Offerings</a:t>
+            </a:r>
+            <a:r>
+              <a:rPr sz="1100" i="1" spc="-75" dirty="0">
+                <a:solidFill>
+                  <a:srgbClr val="777879"/>
+                </a:solidFill>
+                <a:latin typeface="AdobeClean-LightIt"/>
+                <a:cs typeface="AdobeClean-LightIt"/>
+              </a:rPr>
+              <a:t> </a:t>
+            </a:r>
+            <a:r>
+              <a:rPr sz="1100" i="1" spc="-15" dirty="0">
+                <a:solidFill>
+                  <a:srgbClr val="777879"/>
+                </a:solidFill>
+                <a:latin typeface="AdobeClean-LightIt"/>
+                <a:cs typeface="AdobeClean-LightIt"/>
+              </a:rPr>
+              <a:t>and</a:t>
+            </a:r>
+            <a:r>
+              <a:rPr sz="1100" i="1" spc="-50" dirty="0">
+                <a:solidFill>
+                  <a:srgbClr val="777879"/>
+                </a:solidFill>
+                <a:latin typeface="AdobeClean-LightIt"/>
+                <a:cs typeface="AdobeClean-LightIt"/>
+              </a:rPr>
+              <a:t> </a:t>
+            </a:r>
+            <a:r>
+              <a:rPr sz="1100" i="1" spc="-15" dirty="0">
+                <a:solidFill>
+                  <a:srgbClr val="777879"/>
+                </a:solidFill>
+                <a:latin typeface="AdobeClean-LightIt"/>
+                <a:cs typeface="AdobeClean-LightIt"/>
+              </a:rPr>
+              <a:t>the</a:t>
+            </a:r>
+            <a:r>
+              <a:rPr sz="1100" i="1" spc="-55" dirty="0">
+                <a:solidFill>
+                  <a:srgbClr val="777879"/>
+                </a:solidFill>
+                <a:latin typeface="AdobeClean-LightIt"/>
+                <a:cs typeface="AdobeClean-LightIt"/>
+              </a:rPr>
+              <a:t> </a:t>
+            </a:r>
+            <a:r>
+              <a:rPr sz="1100" i="1" spc="-15" dirty="0">
+                <a:solidFill>
+                  <a:srgbClr val="777879"/>
+                </a:solidFill>
+                <a:latin typeface="AdobeClean-LightIt"/>
+                <a:cs typeface="AdobeClean-LightIt"/>
+              </a:rPr>
+              <a:t>right</a:t>
+            </a:r>
+            <a:r>
+              <a:rPr sz="1100" i="1" spc="-95" dirty="0">
+                <a:solidFill>
+                  <a:srgbClr val="777879"/>
+                </a:solidFill>
+                <a:latin typeface="AdobeClean-LightIt"/>
+                <a:cs typeface="AdobeClean-LightIt"/>
+              </a:rPr>
+              <a:t> </a:t>
+            </a:r>
+            <a:r>
+              <a:rPr sz="1100" i="1" spc="-15" dirty="0">
+                <a:solidFill>
+                  <a:srgbClr val="777879"/>
+                </a:solidFill>
+                <a:latin typeface="AdobeClean-LightIt"/>
+                <a:cs typeface="AdobeClean-LightIt"/>
+              </a:rPr>
+              <a:t>level</a:t>
+            </a:r>
+            <a:r>
+              <a:rPr sz="1100" i="1" spc="-55" dirty="0">
+                <a:solidFill>
+                  <a:srgbClr val="777879"/>
+                </a:solidFill>
+                <a:latin typeface="AdobeClean-LightIt"/>
+                <a:cs typeface="AdobeClean-LightIt"/>
+              </a:rPr>
+              <a:t> </a:t>
+            </a:r>
+            <a:r>
+              <a:rPr sz="1100" i="1" spc="-15" dirty="0">
+                <a:solidFill>
+                  <a:srgbClr val="777879"/>
+                </a:solidFill>
+                <a:latin typeface="AdobeClean-LightIt"/>
+                <a:cs typeface="AdobeClean-LightIt"/>
+              </a:rPr>
+              <a:t>for</a:t>
+            </a:r>
+            <a:r>
+              <a:rPr sz="1100" i="1" spc="-85" dirty="0">
+                <a:solidFill>
+                  <a:srgbClr val="777879"/>
+                </a:solidFill>
+                <a:latin typeface="AdobeClean-LightIt"/>
+                <a:cs typeface="AdobeClean-LightIt"/>
+              </a:rPr>
+              <a:t> </a:t>
+            </a:r>
+            <a:r>
+              <a:rPr sz="1100" i="1" spc="-15" dirty="0">
+                <a:solidFill>
+                  <a:srgbClr val="777879"/>
+                </a:solidFill>
+                <a:latin typeface="AdobeClean-LightIt"/>
+                <a:cs typeface="AdobeClean-LightIt"/>
+              </a:rPr>
+              <a:t>you,</a:t>
+            </a:r>
+            <a:r>
+              <a:rPr sz="1100" i="1" spc="-65" dirty="0">
+                <a:solidFill>
+                  <a:srgbClr val="777879"/>
+                </a:solidFill>
+                <a:latin typeface="AdobeClean-LightIt"/>
+                <a:cs typeface="AdobeClean-LightIt"/>
+              </a:rPr>
+              <a:t> </a:t>
+            </a:r>
+            <a:r>
+              <a:rPr sz="1100" i="1" spc="-15" dirty="0">
+                <a:solidFill>
+                  <a:srgbClr val="777879"/>
+                </a:solidFill>
+                <a:latin typeface="AdobeClean-LightIt"/>
+                <a:cs typeface="AdobeClean-LightIt"/>
+              </a:rPr>
+              <a:t>contact</a:t>
+            </a:r>
+            <a:r>
+              <a:rPr sz="1100" i="1" spc="-85" dirty="0">
+                <a:solidFill>
+                  <a:srgbClr val="777879"/>
+                </a:solidFill>
+                <a:latin typeface="AdobeClean-LightIt"/>
+                <a:cs typeface="AdobeClean-LightIt"/>
+              </a:rPr>
+              <a:t> </a:t>
+            </a:r>
+            <a:r>
+              <a:rPr sz="1100" i="1" spc="-15" dirty="0">
+                <a:solidFill>
+                  <a:srgbClr val="777879"/>
+                </a:solidFill>
+                <a:latin typeface="AdobeClean-LightIt"/>
+                <a:cs typeface="AdobeClean-LightIt"/>
+              </a:rPr>
+              <a:t>your</a:t>
+            </a:r>
+            <a:r>
+              <a:rPr sz="1100" i="1" spc="-70" dirty="0">
+                <a:solidFill>
+                  <a:srgbClr val="777879"/>
+                </a:solidFill>
+                <a:latin typeface="AdobeClean-LightIt"/>
+                <a:cs typeface="AdobeClean-LightIt"/>
+              </a:rPr>
+              <a:t> </a:t>
+            </a:r>
+            <a:r>
+              <a:rPr sz="1100" i="1" spc="-15" dirty="0">
+                <a:solidFill>
+                  <a:srgbClr val="777879"/>
+                </a:solidFill>
+                <a:latin typeface="AdobeClean-LightIt"/>
+                <a:cs typeface="AdobeClean-LightIt"/>
+              </a:rPr>
+              <a:t>Named</a:t>
+            </a:r>
+            <a:r>
+              <a:rPr sz="1100" i="1" spc="-55" dirty="0">
+                <a:solidFill>
+                  <a:srgbClr val="777879"/>
+                </a:solidFill>
+                <a:latin typeface="AdobeClean-LightIt"/>
+                <a:cs typeface="AdobeClean-LightIt"/>
+              </a:rPr>
+              <a:t> </a:t>
+            </a:r>
+            <a:r>
+              <a:rPr sz="1100" i="1" spc="-25" dirty="0">
+                <a:solidFill>
+                  <a:srgbClr val="777879"/>
+                </a:solidFill>
+                <a:latin typeface="AdobeClean-LightIt"/>
+                <a:cs typeface="AdobeClean-LightIt"/>
+              </a:rPr>
+              <a:t>Account</a:t>
+            </a:r>
+            <a:r>
+              <a:rPr sz="1100" i="1" spc="-120" dirty="0">
+                <a:solidFill>
+                  <a:srgbClr val="777879"/>
+                </a:solidFill>
+                <a:latin typeface="AdobeClean-LightIt"/>
+                <a:cs typeface="AdobeClean-LightIt"/>
+              </a:rPr>
+              <a:t> </a:t>
+            </a:r>
+            <a:r>
+              <a:rPr sz="1100" i="1" spc="-20" dirty="0">
+                <a:solidFill>
+                  <a:srgbClr val="777879"/>
+                </a:solidFill>
+                <a:latin typeface="AdobeClean-LightIt"/>
+                <a:cs typeface="AdobeClean-LightIt"/>
+              </a:rPr>
+              <a:t>Manager</a:t>
+            </a:r>
+            <a:r>
+              <a:rPr lang="en-US" sz="1100" i="1" spc="-20" dirty="0">
+                <a:solidFill>
+                  <a:srgbClr val="777879"/>
+                </a:solidFill>
+                <a:latin typeface="AdobeClean-LightIt"/>
+                <a:cs typeface="AdobeClean-LightIt"/>
+              </a:rPr>
+              <a:t> </a:t>
+            </a:r>
+            <a:r>
+              <a:rPr sz="1100" i="1" spc="-20" dirty="0">
+                <a:solidFill>
+                  <a:srgbClr val="777879"/>
+                </a:solidFill>
+                <a:latin typeface="AdobeClean-LightIt"/>
+                <a:cs typeface="AdobeClean-LightIt"/>
+              </a:rPr>
+              <a:t> </a:t>
+            </a:r>
+            <a:r>
+              <a:rPr sz="1100" i="1" spc="-15" dirty="0">
+                <a:solidFill>
+                  <a:srgbClr val="777879"/>
+                </a:solidFill>
+                <a:latin typeface="AdobeClean-LightIt"/>
+                <a:cs typeface="AdobeClean-LightIt"/>
+              </a:rPr>
+              <a:t>(NAM) </a:t>
+            </a:r>
+            <a:r>
+              <a:rPr sz="1100" i="1" spc="-10" dirty="0">
+                <a:solidFill>
+                  <a:srgbClr val="777879"/>
+                </a:solidFill>
+                <a:latin typeface="AdobeClean-LightIt"/>
+                <a:cs typeface="AdobeClean-LightIt"/>
+              </a:rPr>
+              <a:t>or </a:t>
+            </a:r>
+            <a:r>
+              <a:rPr sz="1100" i="1" spc="-15" dirty="0">
+                <a:solidFill>
+                  <a:srgbClr val="777879"/>
+                </a:solidFill>
+                <a:latin typeface="AdobeClean-LightIt"/>
+                <a:cs typeface="AdobeClean-LightIt"/>
+              </a:rPr>
+              <a:t>Customer </a:t>
+            </a:r>
+            <a:r>
+              <a:rPr sz="1100" i="1" spc="-20" dirty="0">
+                <a:solidFill>
+                  <a:srgbClr val="777879"/>
+                </a:solidFill>
+                <a:latin typeface="AdobeClean-LightIt"/>
+                <a:cs typeface="AdobeClean-LightIt"/>
+              </a:rPr>
+              <a:t>Success</a:t>
+            </a:r>
+            <a:r>
+              <a:rPr lang="en-US" sz="1100" i="1" spc="-20" dirty="0">
+                <a:solidFill>
+                  <a:srgbClr val="777879"/>
+                </a:solidFill>
+                <a:latin typeface="AdobeClean-LightIt"/>
+                <a:cs typeface="AdobeClean-LightIt"/>
+              </a:rPr>
+              <a:t> </a:t>
+            </a:r>
+            <a:r>
+              <a:rPr sz="1100" i="1" spc="-15" dirty="0">
+                <a:solidFill>
+                  <a:srgbClr val="777879"/>
+                </a:solidFill>
+                <a:latin typeface="AdobeClean-LightIt"/>
+                <a:cs typeface="AdobeClean-LightIt"/>
+              </a:rPr>
+              <a:t>Manager</a:t>
+            </a:r>
+            <a:r>
+              <a:rPr lang="en-US" sz="1100" i="1" spc="-15" dirty="0">
+                <a:solidFill>
+                  <a:srgbClr val="777879"/>
+                </a:solidFill>
+                <a:latin typeface="AdobeClean-LightIt"/>
+                <a:cs typeface="AdobeClean-LightIt"/>
+              </a:rPr>
+              <a:t> </a:t>
+            </a:r>
+            <a:r>
+              <a:rPr sz="1100" i="1" spc="-15" dirty="0">
+                <a:solidFill>
+                  <a:srgbClr val="777879"/>
+                </a:solidFill>
+                <a:latin typeface="AdobeClean-LightIt"/>
+                <a:cs typeface="AdobeClean-LightIt"/>
+              </a:rPr>
+              <a:t>(CSM)</a:t>
+            </a:r>
+            <a:endParaRPr sz="1100" dirty="0">
+              <a:latin typeface="AdobeClean-LightIt"/>
+              <a:cs typeface="AdobeClean-LightIt"/>
+            </a:endParaRPr>
           </a:p>
           <a:p>
             <a:pPr marL="34290">
@@ -10309,95 +11800,59 @@
               </a:spcBef>
             </a:pPr>
             <a:r>
-              <a:rPr lang="es-ES" sz="800" dirty="0">
+              <a:rPr sz="800" spc="-5" dirty="0">
                 <a:solidFill>
                   <a:srgbClr val="6D6D6D"/>
                 </a:solidFill>
                 <a:latin typeface="Adobe Clean"/>
                 <a:cs typeface="Adobe Clean"/>
               </a:rPr>
-              <a:t>©2021 Adobe. </a:t>
-            </a:r>
-            <a:r>
-              <a:rPr lang="es-ES" sz="800" dirty="0" err="1">
+              <a:t>©202</a:t>
+            </a:r>
+            <a:r>
+              <a:rPr lang="en-US" sz="800" spc="-5" dirty="0">
                 <a:solidFill>
                   <a:srgbClr val="6D6D6D"/>
                 </a:solidFill>
                 <a:latin typeface="Adobe Clean"/>
                 <a:cs typeface="Adobe Clean"/>
               </a:rPr>
-              <a:t>All</a:t>
-            </a:r>
-            <a:r>
-              <a:rPr lang="es-ES" sz="800" dirty="0">
+              <a:t>1</a:t>
+            </a:r>
+            <a:r>
+              <a:rPr sz="800" spc="-5" dirty="0">
                 <a:solidFill>
                   <a:srgbClr val="6D6D6D"/>
                 </a:solidFill>
                 <a:latin typeface="Adobe Clean"/>
                 <a:cs typeface="Adobe Clean"/>
               </a:rPr>
-              <a:t> </a:t>
-            </a:r>
-            <a:r>
-              <a:rPr lang="es-ES" sz="800" dirty="0" err="1">
+              <a:t> Adobe. All Rights Reserved. Adobe</a:t>
+            </a:r>
+            <a:r>
+              <a:rPr sz="800" spc="75" dirty="0">
                 <a:solidFill>
                   <a:srgbClr val="6D6D6D"/>
                 </a:solidFill>
                 <a:latin typeface="Adobe Clean"/>
                 <a:cs typeface="Adobe Clean"/>
               </a:rPr>
-              <a:t>Rights</a:t>
-            </a:r>
-            <a:r>
-              <a:rPr lang="es-ES" sz="800" dirty="0">
+              <a:t> </a:t>
+            </a:r>
+            <a:r>
+              <a:rPr sz="800" spc="-5" dirty="0">
                 <a:solidFill>
                   <a:srgbClr val="6D6D6D"/>
                 </a:solidFill>
                 <a:latin typeface="Adobe Clean"/>
                 <a:cs typeface="Adobe Clean"/>
               </a:rPr>
-              <a:t> </a:t>
-            </a:r>
-            <a:r>
-              <a:rPr lang="es-ES" sz="800" dirty="0" err="1">
-                <a:solidFill>
-                  <a:srgbClr val="6D6D6D"/>
-                </a:solidFill>
-                <a:latin typeface="Adobe Clean"/>
-                <a:cs typeface="Adobe Clean"/>
-              </a:rPr>
-              <a:t>Reserved</a:t>
-            </a:r>
-            <a:r>
-              <a:rPr lang="es-ES" sz="800" dirty="0">
-                <a:solidFill>
-                  <a:srgbClr val="6D6D6D"/>
-                </a:solidFill>
-                <a:latin typeface="Adobe Clean"/>
-                <a:cs typeface="Adobe Clean"/>
-              </a:rPr>
-              <a:t>. Adobe </a:t>
-            </a:r>
-            <a:r>
-              <a:rPr lang="es-ES" sz="800" dirty="0" err="1">
-                <a:solidFill>
-                  <a:srgbClr val="6D6D6D"/>
-                </a:solidFill>
-                <a:latin typeface="Adobe Clean"/>
-                <a:cs typeface="Adobe Clean"/>
-              </a:rPr>
-              <a:t>Confidential</a:t>
-            </a:r>
-            <a:r>
-              <a:rPr lang="es-ES" sz="800" dirty="0">
-                <a:solidFill>
-                  <a:srgbClr val="6D6D6D"/>
-                </a:solidFill>
-                <a:latin typeface="Adobe Clean"/>
-                <a:cs typeface="Adobe Clean"/>
-              </a:rPr>
-              <a:t>.</a:t>
-            </a:r>
+              <a:t>Confidential.</a:t>
+            </a:r>
+            <a:endParaRPr sz="800" dirty="0">
+              <a:latin typeface="Adobe Clean"/>
+              <a:cs typeface="Adobe Clean"/>
+            </a:endParaRPr>
           </a:p>
         </p:txBody>
       </p:sp>
@@ -10415,8 +11870,8 @@
         </p:nvSpPr>
         <p:spPr>
           <a:xfrm>
-            <a:off x="171128" y="5057379"/>
-            <a:ext cx="7144071" cy="755976"/>
+            <a:off x="171129" y="5057379"/>
+            <a:ext cx="6476646" cy="755976"/>
           </a:xfrm>
           <a:prstGeom prst="rect">
             <a:avLst/>
@@ -10434,14 +11889,14 @@
               </a:spcBef>
             </a:pPr>
             <a:r>
-              <a:rPr lang="es-ES" sz="1400" b="1" dirty="0">
+              <a:rPr lang="en-US" sz="1400" b="1" spc="-15" dirty="0">
                 <a:solidFill>
                   <a:srgbClr val="020302"/>
                 </a:solidFill>
                 <a:latin typeface="Adobe Clean"/>
                 <a:cs typeface="Adobe Clean"/>
               </a:rPr>
-              <a:t>Alcance regional del Soporte de Adobe, horas locales de trabajo y compatibilidad de idioma</a:t>
+              <a:t>Regional scope of Adobe Support, Local Hours Of Operation And Language Support</a:t>
             </a:r>
           </a:p>
           <a:p>
@@ -10451,30 +11906,13 @@
               </a:spcBef>
             </a:pPr>
             <a:r>
-              <a:rPr lang="es-ES" sz="1000" dirty="0">
+              <a:rPr lang="en-US" sz="1000" spc="-15" dirty="0">
                 <a:solidFill>
                   <a:srgbClr val="1F1F1F"/>
                 </a:solidFill>
                 <a:latin typeface="AdobeClean-Light"/>
               </a:rPr>
-              <a:t>El alcance regional del Soporte de Adobe se establece asignando la dirección de facturación del cliente </a:t>
-            </a:r>
-            <a:br>
-              <a:rPr lang="sk-SK" sz="1000" dirty="0">
-                <a:solidFill>
-                  <a:srgbClr val="1F1F1F"/>
-                </a:solidFill>
-                <a:latin typeface="AdobeClean-Light"/>
-              </a:rPr>
-            </a:br>
-            <a:r>
-              <a:rPr lang="es-ES" sz="1000" dirty="0">
-                <a:solidFill>
-                  <a:srgbClr val="1F1F1F"/>
-                </a:solidFill>
-                <a:latin typeface="AdobeClean-Light"/>
-              </a:rPr>
-              <a:t>(mediante la orden de venta o el documento de compra de Soporte de Adobe) con una de estas regiones:</a:t>
+              <a:t>The Regional scope of Adobe Support is established by aligning the customer's billing address (via the Sales Order or other Adobe Support purchasing document) to one of the following regions:</a:t>
             </a:r>
           </a:p>
         </p:txBody>
@@ -10494,7 +11932,7 @@
           <p:nvPr>
             <p:extLst>
               <p:ext uri="{D42A27DB-BD31-4B8C-83A1-F6EECF244321}">
-                <p14:modId xmlns:p14="http://schemas.microsoft.com/office/powerpoint/2010/main" val="470106434"/>
+                <p14:modId xmlns:p14="http://schemas.microsoft.com/office/powerpoint/2010/main" val="2846210228"/>
               </p:ext>
             </p:extLst>
           </p:nvPr>
@@ -10547,13 +11985,13 @@
                     <a:p>
                       <a:pPr algn="ctr"/>
                       <a:r>
-                        <a:rPr lang="es-ES" sz="1100">
+                        <a:rPr lang="en-US" sz="1100" dirty="0">
                           <a:solidFill>
                             <a:schemeClr val="tx1"/>
                           </a:solidFill>
                           <a:latin typeface="Adobe Clean" panose="020B0503020404020204" pitchFamily="34" charset="0"/>
                         </a:rPr>
-                        <a:t>América</a:t>
+                        <a:t>Americas</a:t>
                       </a:r>
                     </a:p>
                   </a:txBody>
@@ -10612,30 +12050,13 @@
                     <a:p>
                       <a:pPr algn="ctr"/>
                       <a:r>
-                        <a:rPr lang="es-ES" sz="1100" dirty="0">
+                        <a:rPr lang="en-US" sz="1100" dirty="0">
                           <a:solidFill>
                             <a:schemeClr val="tx1"/>
                           </a:solidFill>
                           <a:latin typeface="Adobe Clean" panose="020B0503020404020204" pitchFamily="34" charset="0"/>
                         </a:rPr>
-                        <a:t>Europa, Oriente </a:t>
-                      </a:r>
-                      <a:br>
-                        <a:rPr lang="sk-SK" sz="1100" dirty="0">
-                          <a:solidFill>
-                            <a:schemeClr val="tx1"/>
-                          </a:solidFill>
-                          <a:latin typeface="Adobe Clean" panose="020B0503020404020204" pitchFamily="34" charset="0"/>
-                        </a:rPr>
-                      </a:br>
-                      <a:r>
-                        <a:rPr lang="es-ES" sz="1100" dirty="0">
-                          <a:solidFill>
-                            <a:schemeClr val="tx1"/>
-                          </a:solidFill>
-                          <a:latin typeface="Adobe Clean" panose="020B0503020404020204" pitchFamily="34" charset="0"/>
-                        </a:rPr>
-                        <a:t>Medio y África</a:t>
+                        <a:t>Europe, Middle East &amp; Africa</a:t>
                       </a:r>
                     </a:p>
                   </a:txBody>
@@ -10694,13 +12115,13 @@
                     <a:p>
                       <a:pPr algn="ctr"/>
                       <a:r>
-                        <a:rPr lang="es-ES" sz="1100">
+                        <a:rPr lang="en-US" sz="1100" dirty="0">
                           <a:solidFill>
                             <a:schemeClr val="tx1"/>
                           </a:solidFill>
                           <a:latin typeface="Adobe Clean" panose="020B0503020404020204" pitchFamily="34" charset="0"/>
                         </a:rPr>
-                        <a:t>Asia-Pacífico</a:t>
+                        <a:t>Asia Pacific</a:t>
                       </a:r>
                     </a:p>
                   </a:txBody>
@@ -10759,16 +12180,16 @@
                     <a:p>
                       <a:pPr algn="ctr"/>
                       <a:r>
-                        <a:rPr lang="es-ES" sz="1100">
+                        <a:rPr lang="en-US" sz="1100" dirty="0">
                           <a:solidFill>
                             <a:schemeClr val="tx1"/>
                           </a:solidFill>
                           <a:latin typeface="Adobe Clean"/>
                         </a:rPr>
-                        <a:t>Japón </a:t>
+                        <a:t>Japan </a:t>
                       </a:r>
                       <a:r>
-                        <a:rPr lang="es-ES" sz="1100" baseline="30000">
+                        <a:rPr lang="en-US" sz="1100" baseline="30000" dirty="0">
                           <a:solidFill>
                             <a:schemeClr val="tx1"/>
                           </a:solidFill>
@@ -10776,6 +12197,12 @@
                         </a:rPr>
                         <a:t>1 </a:t>
                       </a:r>
+                      <a:endParaRPr lang="en-US" sz="1100" dirty="0">
+                        <a:solidFill>
+                          <a:schemeClr val="tx1"/>
+                        </a:solidFill>
+                        <a:latin typeface="Adobe Clean" panose="020B0503020404020204" pitchFamily="34" charset="0"/>
+                      </a:endParaRPr>
                     </a:p>
                   </a:txBody>
                   <a:tcPr anchor="ctr">
@@ -10840,13 +12267,13 @@
                     <a:p>
                       <a:pPr algn="ctr"/>
                       <a:r>
-                        <a:rPr lang="es-ES" sz="1100">
+                        <a:rPr lang="en-US" sz="1100" dirty="0">
                           <a:solidFill>
                             <a:schemeClr val="tx1"/>
                           </a:solidFill>
                           <a:latin typeface="Adobe Clean" panose="020B0503020404020204" pitchFamily="34" charset="0"/>
                         </a:rPr>
-                        <a:t>06:00 h - 17:30 h</a:t>
+                        <a:t>6 am – 5:30 pm</a:t>
                       </a:r>
                     </a:p>
                   </a:txBody>
@@ -10905,13 +12332,13 @@
                     <a:p>
                       <a:pPr algn="ctr"/>
                       <a:r>
-                        <a:rPr lang="es-ES" sz="1100">
+                        <a:rPr lang="en-US" sz="1100" dirty="0">
                           <a:solidFill>
                             <a:schemeClr val="tx1"/>
                           </a:solidFill>
                           <a:latin typeface="Adobe Clean" panose="020B0503020404020204" pitchFamily="34" charset="0"/>
                         </a:rPr>
-                        <a:t>09:00 h - 17:00 h</a:t>
+                        <a:t>9 am – 5 pm</a:t>
                       </a:r>
                     </a:p>
                   </a:txBody>
@@ -10970,13 +12397,13 @@
                     <a:p>
                       <a:pPr algn="ctr"/>
                       <a:r>
-                        <a:rPr lang="es-ES" sz="1100">
+                        <a:rPr lang="en-US" sz="1100" dirty="0">
                           <a:solidFill>
                             <a:schemeClr val="tx1"/>
                           </a:solidFill>
                           <a:latin typeface="Adobe Clean" panose="020B0503020404020204" pitchFamily="34" charset="0"/>
                         </a:rPr>
-                        <a:t>09:00 h - 17:00 h</a:t>
+                        <a:t>9 am – 5 pm</a:t>
                       </a:r>
                     </a:p>
                   </a:txBody>
@@ -11035,13 +12462,13 @@
                     <a:p>
                       <a:pPr algn="ctr"/>
                       <a:r>
-                        <a:rPr lang="es-ES" sz="1100">
+                        <a:rPr lang="en-US" sz="1100" dirty="0">
                           <a:solidFill>
                             <a:schemeClr val="tx1"/>
                           </a:solidFill>
                           <a:latin typeface="Adobe Clean" panose="020B0503020404020204" pitchFamily="34" charset="0"/>
                         </a:rPr>
-                        <a:t>09:00 h - 17:30 h</a:t>
+                        <a:t>9 am – 5:30 pm</a:t>
                       </a:r>
                     </a:p>
                   </a:txBody>
@@ -11121,14 +12548,20 @@
                         <a:buNone/>
                       </a:pPr>
                       <a:r>
-                        <a:rPr lang="es-ES" sz="1100" dirty="0">
+                        <a:rPr lang="en-US" sz="1100" dirty="0">
                           <a:solidFill>
                             <a:schemeClr val="tx1"/>
                           </a:solidFill>
                           <a:latin typeface="Adobe Clean"/>
                         </a:rPr>
-                        <a:t>Compatibilidad de idioma solo disponible en inglés y japonés</a:t>
+                        <a:t>Language support is only available in English and Japanese.</a:t>
                       </a:r>
+                      <a:endParaRPr lang="en-US" sz="1100" dirty="0">
+                        <a:solidFill>
+                          <a:schemeClr val="tx1"/>
+                        </a:solidFill>
+                        <a:latin typeface="Adobe Clean" panose="020B0503020404020204" pitchFamily="34" charset="0"/>
+                      </a:endParaRPr>
                     </a:p>
                     <a:p>
                       <a:pPr marL="0" marR="0" lvl="0" indent="0" algn="ctr" defTabSz="914400" eaLnBrk="1" fontAlgn="auto" latinLnBrk="0" hangingPunct="1">
@@ -11149,17 +12582,17 @@
                         <a:defRPr/>
                       </a:pPr>
                       <a:r>
-                        <a:rPr lang="es-ES" sz="1100" i="1" dirty="0">
+                        <a:rPr lang="en-US" sz="1100" i="1" dirty="0">
                           <a:solidFill>
                             <a:schemeClr val="tx1"/>
                           </a:solidFill>
                           <a:latin typeface="Adobe Clean"/>
                         </a:rPr>
-                        <a:t>*Adobe Commerce no incluye soporte en japonés.</a:t>
+                        <a:t>*Adobe Commerce excludes Japanese language support.</a:t>
                       </a:r>
                     </a:p>
                     <a:p>
-                      <a:pPr algn="l" rtl="0"/>
+                      <a:pPr algn="ctr"/>
                       <a:endParaRPr kumimoji="0" lang="en-US" sz="1100" b="1" i="0" u="none" strike="noStrike" kern="0" cap="none" spc="0" normalizeH="0" baseline="30000" noProof="0" dirty="0">
                         <a:ln>
                           <a:noFill/>
@@ -11178,7 +12611,7 @@
                     <a:p>
                       <a:pPr algn="ctr"/>
                       <a:r>
-                        <a:rPr lang="es-ES" sz="1100" i="0" dirty="0">
+                        <a:rPr lang="en-US" sz="1100" i="0" dirty="0">
                           <a:solidFill>
                             <a:schemeClr val="tx1"/>
                           </a:solidFill>
@@ -11187,7 +12620,7 @@
                         <a:t> </a:t>
                       </a:r>
                       <a:r>
-                        <a:rPr lang="es-ES" sz="1100" i="0" baseline="30000" dirty="0">
+                        <a:rPr lang="en-US" sz="1100" i="0" baseline="30000" dirty="0">
                           <a:solidFill>
                             <a:schemeClr val="tx1"/>
                           </a:solidFill>
@@ -11196,17 +12629,23 @@
                         <a:t>1 </a:t>
                       </a:r>
                       <a:r>
-                        <a:rPr lang="es-ES" sz="1100" i="0" dirty="0">
+                        <a:rPr lang="en-US" sz="1100" i="0" dirty="0">
                           <a:solidFill>
                             <a:schemeClr val="tx1"/>
                           </a:solidFill>
                           <a:latin typeface="Adobe Clean"/>
                         </a:rPr>
-                        <a:t>Los casos de P2, P3, P4 se limitan únicamente al horario laboral en Japón.</a:t>
+                        <a:t>P2, P3, P4 cases are limited to business hours only in Japan.</a:t>
                       </a:r>
-                    </a:p>
-                    <a:p>
-                      <a:pPr algn="l" rtl="0"/>
+                      <a:endParaRPr lang="en-US" sz="1100" b="1" i="0" dirty="0">
+                        <a:solidFill>
+                          <a:schemeClr val="tx1"/>
+                        </a:solidFill>
+                        <a:latin typeface="Adobe Clean"/>
+                      </a:endParaRPr>
+                    </a:p>
+                    <a:p>
+                      <a:pPr algn="ctr"/>
                       <a:endParaRPr lang="en-US" sz="1100" dirty="0">
                         <a:solidFill>
                           <a:schemeClr val="tx1"/>
@@ -11576,15 +13015,129 @@
               </a:spcBef>
             </a:pPr>
             <a:r>
-              <a:rPr lang="es-ES" sz="1200" b="1">
+              <a:rPr sz="1200" b="1" spc="-15" dirty="0">
                 <a:solidFill>
                   <a:srgbClr val="FFFFFF"/>
                 </a:solidFill>
                 <a:latin typeface="Adobe Clean"/>
                 <a:cs typeface="Adobe Clean"/>
               </a:rPr>
-              <a:t>Experiencia sin igual</a:t>
-            </a:r>
+              <a:t>U</a:t>
+            </a:r>
+            <a:r>
+              <a:rPr sz="1200" b="1" spc="-20" dirty="0">
+                <a:solidFill>
+                  <a:srgbClr val="FFFFFF"/>
+                </a:solidFill>
+                <a:latin typeface="Adobe Clean"/>
+                <a:cs typeface="Adobe Clean"/>
+              </a:rPr>
+              <a:t>n</a:t>
+            </a:r>
+            <a:r>
+              <a:rPr sz="1200" b="1" spc="-25" dirty="0">
+                <a:solidFill>
+                  <a:srgbClr val="FFFFFF"/>
+                </a:solidFill>
+                <a:latin typeface="Adobe Clean"/>
+                <a:cs typeface="Adobe Clean"/>
+              </a:rPr>
+              <a:t>p</a:t>
+            </a:r>
+            <a:r>
+              <a:rPr sz="1200" b="1" spc="-15" dirty="0">
+                <a:solidFill>
+                  <a:srgbClr val="FFFFFF"/>
+                </a:solidFill>
+                <a:latin typeface="Adobe Clean"/>
+                <a:cs typeface="Adobe Clean"/>
+              </a:rPr>
+              <a:t>a</a:t>
+            </a:r>
+            <a:r>
+              <a:rPr sz="1200" b="1" spc="-25" dirty="0">
+                <a:solidFill>
+                  <a:srgbClr val="FFFFFF"/>
+                </a:solidFill>
+                <a:latin typeface="Adobe Clean"/>
+                <a:cs typeface="Adobe Clean"/>
+              </a:rPr>
+              <a:t>r</a:t>
+            </a:r>
+            <a:r>
+              <a:rPr sz="1200" b="1" spc="-15" dirty="0">
+                <a:solidFill>
+                  <a:srgbClr val="FFFFFF"/>
+                </a:solidFill>
+                <a:latin typeface="Adobe Clean"/>
+                <a:cs typeface="Adobe Clean"/>
+              </a:rPr>
+              <a:t>a</a:t>
+            </a:r>
+            <a:r>
+              <a:rPr sz="1200" b="1" spc="-30" dirty="0">
+                <a:solidFill>
+                  <a:srgbClr val="FFFFFF"/>
+                </a:solidFill>
+                <a:latin typeface="Adobe Clean"/>
+                <a:cs typeface="Adobe Clean"/>
+              </a:rPr>
+              <a:t>ll</a:t>
+            </a:r>
+            <a:r>
+              <a:rPr sz="1200" b="1" spc="-25" dirty="0">
+                <a:solidFill>
+                  <a:srgbClr val="FFFFFF"/>
+                </a:solidFill>
+                <a:latin typeface="Adobe Clean"/>
+                <a:cs typeface="Adobe Clean"/>
+              </a:rPr>
+              <a:t>e</a:t>
+            </a:r>
+            <a:r>
+              <a:rPr sz="1200" b="1" spc="-30" dirty="0">
+                <a:solidFill>
+                  <a:srgbClr val="FFFFFF"/>
+                </a:solidFill>
+                <a:latin typeface="Adobe Clean"/>
+                <a:cs typeface="Adobe Clean"/>
+              </a:rPr>
+              <a:t>l</a:t>
+            </a:r>
+            <a:r>
+              <a:rPr sz="1200" b="1" spc="-25" dirty="0">
+                <a:solidFill>
+                  <a:srgbClr val="FFFFFF"/>
+                </a:solidFill>
+                <a:latin typeface="Adobe Clean"/>
+                <a:cs typeface="Adobe Clean"/>
+              </a:rPr>
+              <a:t>e</a:t>
+            </a:r>
+            <a:r>
+              <a:rPr sz="1200" b="1" dirty="0">
+                <a:solidFill>
+                  <a:srgbClr val="FFFFFF"/>
+                </a:solidFill>
+                <a:latin typeface="Adobe Clean"/>
+                <a:cs typeface="Adobe Clean"/>
+              </a:rPr>
+              <a:t>d  </a:t>
+            </a:r>
+            <a:r>
+              <a:rPr sz="1200" b="1" spc="-25" dirty="0">
+                <a:solidFill>
+                  <a:srgbClr val="FFFFFF"/>
+                </a:solidFill>
+                <a:latin typeface="Adobe Clean"/>
+                <a:cs typeface="Adobe Clean"/>
+              </a:rPr>
+              <a:t>Expertise</a:t>
+            </a:r>
+            <a:endParaRPr sz="1200" dirty="0">
+              <a:latin typeface="Adobe Clean"/>
+              <a:cs typeface="Adobe Clean"/>
+            </a:endParaRPr>
           </a:p>
         </p:txBody>
       </p:sp>
@@ -11624,15 +13177,19 @@
               </a:spcBef>
             </a:pPr>
             <a:r>
-              <a:rPr lang="es-ES" sz="1200" b="1">
+              <a:rPr lang="en-US" sz="1200" b="1" spc="-15" dirty="0">
                 <a:solidFill>
                   <a:srgbClr val="FFFFFF"/>
                 </a:solidFill>
                 <a:latin typeface="Adobe Clean"/>
                 <a:cs typeface="Adobe Clean"/>
               </a:rPr>
-              <a:t>Asistencia ágil</a:t>
-            </a:r>
+              <a:t>Accelerated Support</a:t>
+            </a:r>
+            <a:endParaRPr sz="1200" dirty="0">
+              <a:latin typeface="Adobe Clean"/>
+              <a:cs typeface="Adobe Clean"/>
+            </a:endParaRPr>
           </a:p>
         </p:txBody>
       </p:sp>
@@ -11650,8 +13207,8 @@
         </p:nvSpPr>
         <p:spPr>
           <a:xfrm>
-            <a:off x="6477000" y="8543943"/>
-            <a:ext cx="810895" cy="385445"/>
+            <a:off x="6624119" y="8543943"/>
+            <a:ext cx="510540" cy="385445"/>
           </a:xfrm>
           <a:prstGeom prst="rect">
             <a:avLst/>
@@ -11663,7 +13220,7 @@
           </a:bodyPr>
           <a:lstStyle/>
           <a:p>
-            <a:pPr marL="50800" marR="5080" indent="-51435" algn="ctr">
+            <a:pPr marL="50800" marR="5080" indent="-51435">
               <a:lnSpc>
                 <a:spcPts val="1390"/>
               </a:lnSpc>
@@ -11672,15 +13229,109 @@
               </a:spcBef>
             </a:pPr>
             <a:r>
-              <a:rPr lang="es-ES" sz="1200" b="1" dirty="0">
+              <a:rPr sz="1200" b="1" spc="-50" dirty="0">
                 <a:solidFill>
                   <a:srgbClr val="FFFFFF"/>
                 </a:solidFill>
                 <a:latin typeface="Adobe Clean"/>
                 <a:cs typeface="Adobe Clean"/>
               </a:rPr>
-              <a:t>Asesoría estratégica</a:t>
-            </a:r>
+              <a:t>S</a:t>
+            </a:r>
+            <a:r>
+              <a:rPr sz="1200" b="1" spc="-20" dirty="0">
+                <a:solidFill>
+                  <a:srgbClr val="FFFFFF"/>
+                </a:solidFill>
+                <a:latin typeface="Adobe Clean"/>
+                <a:cs typeface="Adobe Clean"/>
+              </a:rPr>
+              <a:t>t</a:t>
+            </a:r>
+            <a:r>
+              <a:rPr sz="1200" b="1" spc="-75" dirty="0">
+                <a:solidFill>
+                  <a:srgbClr val="FFFFFF"/>
+                </a:solidFill>
+                <a:latin typeface="Adobe Clean"/>
+                <a:cs typeface="Adobe Clean"/>
+              </a:rPr>
+              <a:t>r</a:t>
+            </a:r>
+            <a:r>
+              <a:rPr sz="1200" b="1" spc="-90" dirty="0">
+                <a:solidFill>
+                  <a:srgbClr val="FFFFFF"/>
+                </a:solidFill>
+                <a:latin typeface="Adobe Clean"/>
+                <a:cs typeface="Adobe Clean"/>
+              </a:rPr>
+              <a:t>a</a:t>
+            </a:r>
+            <a:r>
+              <a:rPr sz="1200" b="1" spc="-55" dirty="0">
+                <a:solidFill>
+                  <a:srgbClr val="FFFFFF"/>
+                </a:solidFill>
+                <a:latin typeface="Adobe Clean"/>
+                <a:cs typeface="Adobe Clean"/>
+              </a:rPr>
+              <a:t>t</a:t>
+            </a:r>
+            <a:r>
+              <a:rPr sz="1200" b="1" spc="-100" dirty="0">
+                <a:solidFill>
+                  <a:srgbClr val="FFFFFF"/>
+                </a:solidFill>
+                <a:latin typeface="Adobe Clean"/>
+                <a:cs typeface="Adobe Clean"/>
+              </a:rPr>
+              <a:t>e</a:t>
+            </a:r>
+            <a:r>
+              <a:rPr sz="1200" b="1" spc="-80" dirty="0">
+                <a:solidFill>
+                  <a:srgbClr val="FFFFFF"/>
+                </a:solidFill>
+                <a:latin typeface="Adobe Clean"/>
+                <a:cs typeface="Adobe Clean"/>
+              </a:rPr>
+              <a:t>g</a:t>
+            </a:r>
+            <a:r>
+              <a:rPr sz="1200" b="1" spc="-35" dirty="0">
+                <a:solidFill>
+                  <a:srgbClr val="FFFFFF"/>
+                </a:solidFill>
+                <a:latin typeface="Adobe Clean"/>
+                <a:cs typeface="Adobe Clean"/>
+              </a:rPr>
+              <a:t>i</a:t>
+            </a:r>
+            <a:r>
+              <a:rPr sz="1200" b="1" dirty="0">
+                <a:solidFill>
+                  <a:srgbClr val="FFFFFF"/>
+                </a:solidFill>
+                <a:latin typeface="Adobe Clean"/>
+                <a:cs typeface="Adobe Clean"/>
+              </a:rPr>
+              <a:t>c  </a:t>
+            </a:r>
+            <a:r>
+              <a:rPr sz="1200" b="1" spc="-45" dirty="0">
+                <a:solidFill>
+                  <a:srgbClr val="FFFFFF"/>
+                </a:solidFill>
+                <a:latin typeface="Adobe Clean"/>
+                <a:cs typeface="Adobe Clean"/>
+              </a:rPr>
+              <a:t>Advice</a:t>
+            </a:r>
+            <a:endParaRPr sz="1200" dirty="0">
+              <a:latin typeface="Adobe Clean"/>
+              <a:cs typeface="Adobe Clean"/>
+            </a:endParaRPr>
           </a:p>
         </p:txBody>
       </p:sp>
@@ -11699,14 +13350,14 @@
           <p:nvPr>
             <p:extLst>
               <p:ext uri="{D42A27DB-BD31-4B8C-83A1-F6EECF244321}">
-                <p14:modId xmlns:p14="http://schemas.microsoft.com/office/powerpoint/2010/main" val="3777494027"/>
+                <p14:modId xmlns:p14="http://schemas.microsoft.com/office/powerpoint/2010/main" val="1366573891"/>
               </p:ext>
             </p:extLst>
           </p:nvPr>
         </p:nvGraphicFramePr>
         <p:xfrm>
           <a:off x="194236" y="1059345"/>
-          <a:ext cx="7368291" cy="3388360"/>
+          <a:ext cx="7368291" cy="2931160"/>
         </p:xfrm>
         <a:graphic>
           <a:graphicData uri="http://schemas.openxmlformats.org/drawingml/2006/table">
@@ -11737,7 +13388,7 @@
                     <a:lstStyle/>
                     <a:p>
                       <a:r>
-                        <a:rPr lang="es-ES" sz="1100" b="0">
+                        <a:rPr lang="en-US" sz="1100" b="0" dirty="0">
                           <a:solidFill>
                             <a:schemeClr val="tx1"/>
                           </a:solidFill>
@@ -11748,6 +13399,14 @@
                         </a:rPr>
                         <a:t>Experience League</a:t>
                       </a:r>
+                      <a:endParaRPr lang="en-US" sz="1100" b="0" dirty="0">
+                        <a:solidFill>
+                          <a:schemeClr val="tx1"/>
+                        </a:solidFill>
+                        <a:latin typeface="Adobe Clean" panose="020B0503020404020204" pitchFamily="34" charset="0"/>
+                        <a:ea typeface="+mn-ea"/>
+                        <a:cs typeface="+mn-cs"/>
+                      </a:endParaRPr>
                     </a:p>
                   </a:txBody>
                   <a:tcPr marL="47625" marR="47625" marT="0" marB="0" anchor="ctr">
@@ -11821,7 +13480,7 @@
                         <a:defRPr/>
                       </a:pPr>
                       <a:r>
-                        <a:rPr lang="es-ES" sz="1000" b="0" dirty="0" err="1">
+                        <a:rPr lang="en-US" sz="1000" b="0" kern="1200" dirty="0">
                           <a:solidFill>
                             <a:srgbClr val="000000"/>
                           </a:solidFill>
@@ -11829,102 +13488,7 @@
                           <a:ea typeface="+mn-ea"/>
                           <a:cs typeface="+mn-cs"/>
                         </a:rPr>
-                        <a:t>Experience</a:t>
-                      </a:r>
-                      <a:r>
-                        <a:rPr lang="es-ES" sz="1000" b="0" dirty="0">
-                          <a:solidFill>
-                            <a:srgbClr val="000000"/>
-                          </a:solidFill>
-                          <a:latin typeface="Adobe Clean Light" panose="020B0303020404020204" pitchFamily="34" charset="0"/>
-                          <a:ea typeface="+mn-ea"/>
-                          <a:cs typeface="+mn-cs"/>
-                        </a:rPr>
-                        <a:t> League permite a Adobe ayudar a las empresas a alcanzar el valor que esperan de su inversión en Adobe. Es el lugar unificado </a:t>
-                      </a:r>
-                      <a:br>
-                        <a:rPr lang="sk-SK" sz="1000" b="0" dirty="0">
-                          <a:solidFill>
-                            <a:srgbClr val="000000"/>
-                          </a:solidFill>
-                          <a:latin typeface="Adobe Clean Light" panose="020B0303020404020204" pitchFamily="34" charset="0"/>
-                          <a:ea typeface="+mn-ea"/>
-                          <a:cs typeface="+mn-cs"/>
-                        </a:rPr>
-                      </a:br>
-                      <a:r>
-                        <a:rPr lang="es-ES" sz="1000" b="0" dirty="0">
-                          <a:solidFill>
-                            <a:srgbClr val="000000"/>
-                          </a:solidFill>
-                          <a:latin typeface="Adobe Clean Light" panose="020B0303020404020204" pitchFamily="34" charset="0"/>
-                          <a:ea typeface="+mn-ea"/>
-                          <a:cs typeface="+mn-cs"/>
-                        </a:rPr>
-                        <a:t>en el que los clientes pueden aprender, dialogar y crecer siguiendo </a:t>
-                      </a:r>
-                      <a:br>
-                        <a:rPr lang="sk-SK" sz="1000" b="0" dirty="0">
-                          <a:solidFill>
-                            <a:srgbClr val="000000"/>
-                          </a:solidFill>
-                          <a:latin typeface="Adobe Clean Light" panose="020B0303020404020204" pitchFamily="34" charset="0"/>
-                          <a:ea typeface="+mn-ea"/>
-                          <a:cs typeface="+mn-cs"/>
-                        </a:rPr>
-                      </a:br>
-                      <a:r>
-                        <a:rPr lang="es-ES" sz="1000" b="0" dirty="0">
-                          <a:solidFill>
-                            <a:srgbClr val="000000"/>
-                          </a:solidFill>
-                          <a:latin typeface="Adobe Clean Light" panose="020B0303020404020204" pitchFamily="34" charset="0"/>
-                          <a:ea typeface="+mn-ea"/>
-                          <a:cs typeface="+mn-cs"/>
-                        </a:rPr>
-                        <a:t>un camino personalizado hacia el éxito que incluye tutoriales </a:t>
-                      </a:r>
-                      <a:br>
-                        <a:rPr lang="sk-SK" sz="1000" b="0" dirty="0">
-                          <a:solidFill>
-                            <a:srgbClr val="000000"/>
-                          </a:solidFill>
-                          <a:latin typeface="Adobe Clean Light" panose="020B0303020404020204" pitchFamily="34" charset="0"/>
-                          <a:ea typeface="+mn-ea"/>
-                          <a:cs typeface="+mn-cs"/>
-                        </a:rPr>
-                      </a:br>
-                      <a:r>
-                        <a:rPr lang="es-ES" sz="1000" b="0" dirty="0">
-                          <a:solidFill>
-                            <a:srgbClr val="000000"/>
-                          </a:solidFill>
-                          <a:latin typeface="Adobe Clean Light" panose="020B0303020404020204" pitchFamily="34" charset="0"/>
-                          <a:ea typeface="+mn-ea"/>
-                          <a:cs typeface="+mn-cs"/>
-                        </a:rPr>
-                        <a:t>de autoayuda, documentación de productos, formación dirigida </a:t>
-                      </a:r>
-                      <a:br>
-                        <a:rPr lang="sk-SK" sz="1000" b="0" dirty="0">
-                          <a:solidFill>
-                            <a:srgbClr val="000000"/>
-                          </a:solidFill>
-                          <a:latin typeface="Adobe Clean Light" panose="020B0303020404020204" pitchFamily="34" charset="0"/>
-                          <a:ea typeface="+mn-ea"/>
-                          <a:cs typeface="+mn-cs"/>
-                        </a:rPr>
-                      </a:br>
-                      <a:r>
-                        <a:rPr lang="es-ES" sz="1000" b="0" dirty="0">
-                          <a:solidFill>
-                            <a:srgbClr val="000000"/>
-                          </a:solidFill>
-                          <a:latin typeface="Adobe Clean Light" panose="020B0303020404020204" pitchFamily="34" charset="0"/>
-                          <a:ea typeface="+mn-ea"/>
-                          <a:cs typeface="+mn-cs"/>
-                        </a:rPr>
-                        <a:t>por instructores, y asistencia técnica y comunitaria. </a:t>
+                        <a:t>Experience League is how Adobe helps businesses achieve the value they expect from their Adobe investment. It’s the unified place where customers can learn, connect, and grow along a personalized path to success that includes self-help tutorials, product documentation, instructor-led training, community and technical support. </a:t>
                       </a:r>
                     </a:p>
                   </a:txBody>
@@ -12006,28 +13570,39 @@
                         <a:defRPr/>
                       </a:pPr>
                       <a:r>
-                        <a:rPr lang="es-ES" sz="1100">
+                        <a:rPr lang="en-US" sz="1100" dirty="0">
                           <a:solidFill>
                             <a:schemeClr val="dk1"/>
                           </a:solidFill>
+                          <a:effectLst/>
                           <a:latin typeface="Adobe Clean" panose="020B0503020404020204" pitchFamily="34" charset="0"/>
                           <a:ea typeface="+mn-ea"/>
                           <a:cs typeface="+mn-cs"/>
                           <a:hlinkClick r:id="rId8"/>
                         </a:rPr>
-                        <a:t>Formación</a:t>
+                        <a:t>Training</a:t>
                       </a:r>
                       <a:r>
-                        <a:rPr lang="es-ES" sz="1100">
+                        <a:rPr lang="en-US" sz="1100" dirty="0">
                           <a:solidFill>
                             <a:schemeClr val="dk1"/>
                           </a:solidFill>
+                          <a:effectLst/>
                           <a:latin typeface="Adobe Clean" panose="020B0503020404020204" pitchFamily="34" charset="0"/>
                           <a:ea typeface="+mn-ea"/>
                           <a:cs typeface="+mn-cs"/>
                         </a:rPr>
                         <a:t> </a:t>
                       </a:r>
+                      <a:endParaRPr lang="en-US" sz="1100" dirty="0">
+                        <a:solidFill>
+                          <a:schemeClr val="tx1"/>
+                        </a:solidFill>
+                        <a:effectLst/>
+                        <a:latin typeface="Adobe Clean" panose="020B0503020404020204" pitchFamily="34" charset="0"/>
+                        <a:ea typeface="+mn-ea"/>
+                        <a:cs typeface="+mn-cs"/>
+                      </a:endParaRPr>
                     </a:p>
                   </a:txBody>
                   <a:tcPr anchor="ctr">
@@ -12101,7 +13676,7 @@
                         <a:defRPr/>
                       </a:pPr>
                       <a:r>
-                        <a:rPr lang="es-ES" sz="1000" dirty="0">
+                        <a:rPr lang="en-US" sz="1000" kern="1200" dirty="0">
                           <a:solidFill>
                             <a:srgbClr val="000000"/>
                           </a:solidFill>
@@ -12109,73 +13684,7 @@
                           <a:ea typeface="+mn-ea"/>
                           <a:cs typeface="+mn-cs"/>
                         </a:rPr>
-                        <a:t>Puede acceder a los cursos de Adobe Digital </a:t>
-                      </a:r>
-                      <a:r>
-                        <a:rPr lang="es-ES" sz="1000" dirty="0" err="1">
-                          <a:solidFill>
-                            <a:srgbClr val="000000"/>
-                          </a:solidFill>
-                          <a:latin typeface="Adobe Clean Light" panose="020B0303020404020204" pitchFamily="34" charset="0"/>
-                          <a:ea typeface="+mn-ea"/>
-                          <a:cs typeface="+mn-cs"/>
-                        </a:rPr>
-                        <a:t>Learning</a:t>
-                      </a:r>
-                      <a:r>
-                        <a:rPr lang="es-ES" sz="1000" dirty="0">
-                          <a:solidFill>
-                            <a:srgbClr val="000000"/>
-                          </a:solidFill>
-                          <a:latin typeface="Adobe Clean Light" panose="020B0303020404020204" pitchFamily="34" charset="0"/>
-                          <a:ea typeface="+mn-ea"/>
-                          <a:cs typeface="+mn-cs"/>
-                        </a:rPr>
-                        <a:t> </a:t>
-                      </a:r>
-                      <a:r>
-                        <a:rPr lang="es-ES" sz="1000" dirty="0" err="1">
-                          <a:solidFill>
-                            <a:srgbClr val="000000"/>
-                          </a:solidFill>
-                          <a:latin typeface="Adobe Clean Light" panose="020B0303020404020204" pitchFamily="34" charset="0"/>
-                          <a:ea typeface="+mn-ea"/>
-                          <a:cs typeface="+mn-cs"/>
-                        </a:rPr>
-                        <a:t>Services</a:t>
-                      </a:r>
-                      <a:r>
-                        <a:rPr lang="es-ES" sz="1000" dirty="0">
-                          <a:solidFill>
-                            <a:srgbClr val="000000"/>
-                          </a:solidFill>
-                          <a:latin typeface="Adobe Clean Light" panose="020B0303020404020204" pitchFamily="34" charset="0"/>
-                          <a:ea typeface="+mn-ea"/>
-                          <a:cs typeface="+mn-cs"/>
-                        </a:rPr>
-                        <a:t> desde </a:t>
-                      </a:r>
-                      <a:r>
-                        <a:rPr lang="es-ES" sz="1000" dirty="0" err="1">
-                          <a:solidFill>
-                            <a:srgbClr val="000000"/>
-                          </a:solidFill>
-                          <a:latin typeface="Adobe Clean Light" panose="020B0303020404020204" pitchFamily="34" charset="0"/>
-                          <a:ea typeface="+mn-ea"/>
-                          <a:cs typeface="+mn-cs"/>
-                        </a:rPr>
-                        <a:t>Experience</a:t>
-                      </a:r>
-                      <a:r>
-                        <a:rPr lang="es-ES" sz="1000" dirty="0">
-                          <a:solidFill>
-                            <a:srgbClr val="000000"/>
-                          </a:solidFill>
-                          <a:latin typeface="Adobe Clean Light" panose="020B0303020404020204" pitchFamily="34" charset="0"/>
-                          <a:ea typeface="+mn-ea"/>
-                          <a:cs typeface="+mn-cs"/>
-                        </a:rPr>
-                        <a:t> League. Los cursos de formación incluyen desde lecciones bajo demanda hasta lecciones impartidas por instructores. Aquí puede aprender habilidades con valor de mercado reconocido para impulsar el éxito en su organización.</a:t>
+                        <a:t>Adobe Digital Learning Services courses are accessible from Experience League. Learning courses integrate both on-demand and instructor-led lessons.  Here you can accrue skills that have recognized market value and position them to drive success in your organizations.</a:t>
                       </a:r>
                     </a:p>
                   </a:txBody>
@@ -12257,17 +13766,27 @@
                         <a:defRPr/>
                       </a:pPr>
                       <a:r>
-                        <a:rPr lang="es-ES" sz="1100">
+                        <a:rPr lang="en-US" sz="1100" dirty="0">
                           <a:solidFill>
                             <a:schemeClr val="tx1"/>
                           </a:solidFill>
+                          <a:effectLst/>
                           <a:latin typeface="Adobe Clean" panose="020B0503020404020204" pitchFamily="34" charset="0"/>
                           <a:ea typeface="+mn-ea"/>
                           <a:cs typeface="+mn-cs"/>
                           <a:hlinkClick r:id="rId9"/>
                         </a:rPr>
-                        <a:t>Problemas de producción e interrupciones del sistema</a:t>
+                        <a:t>Production Issues &amp; System Outages</a:t>
                       </a:r>
+                      <a:endParaRPr lang="en-US" sz="1100" dirty="0">
+                        <a:solidFill>
+                          <a:schemeClr val="tx1"/>
+                        </a:solidFill>
+                        <a:effectLst/>
+                        <a:latin typeface="Adobe Clean" panose="020B0503020404020204" pitchFamily="34" charset="0"/>
+                        <a:ea typeface="+mn-ea"/>
+                        <a:cs typeface="+mn-cs"/>
+                      </a:endParaRPr>
                     </a:p>
                   </a:txBody>
                   <a:tcPr anchor="ctr">
@@ -12341,7 +13860,7 @@
                         <a:defRPr/>
                       </a:pPr>
                       <a:r>
-                        <a:rPr lang="es-ES" sz="1000">
+                        <a:rPr lang="en-US" sz="1000" kern="1200" dirty="0">
                           <a:solidFill>
                             <a:srgbClr val="000000"/>
                           </a:solidFill>
@@ -12349,7 +13868,7 @@
                           <a:ea typeface="+mn-ea"/>
                           <a:cs typeface="+mn-cs"/>
                         </a:rPr>
-                        <a:t>Status.adobe.com transmite la información de estado de todos los productos y servicios de Adobe implementados en entornos de varios inquilinos. Los clientes pueden elegir sus preferencias de suscripción para recibir notificaciones por correo electrónico cada vez que Adobe cree, actualice o resuelva un evento de producto. Esto puede incluir problemas de mantenimiento o servicio programados de diversos niveles de gravedad. </a:t>
+                        <a:t>Status.adobe.com conveys the health information of all Adobe products and services that are deployed in multi-tenant environments. Customers can choose their subscription preferences to get email notifications whenever Adobe creates, updates or resolves a product event. This can include scheduled maintenance or service issues of varying levels of severity. </a:t>
                       </a:r>
                     </a:p>
                   </a:txBody>
@@ -12431,17 +13950,27 @@
                         <a:defRPr/>
                       </a:pPr>
                       <a:r>
-                        <a:rPr lang="es-ES" sz="1100">
+                        <a:rPr lang="en-US" sz="1100" dirty="0">
                           <a:solidFill>
                             <a:schemeClr val="tx1"/>
                           </a:solidFill>
+                          <a:effectLst/>
                           <a:latin typeface="Adobe Clean" panose="020B0503020404020204" pitchFamily="34" charset="0"/>
                           <a:ea typeface="+mn-ea"/>
                           <a:cs typeface="+mn-cs"/>
                           <a:hlinkClick r:id="rId10"/>
                         </a:rPr>
-                        <a:t>Términos y condiciones</a:t>
+                        <a:t>Terms and Conditions</a:t>
                       </a:r>
+                      <a:endParaRPr lang="en-US" sz="1100" dirty="0">
+                        <a:solidFill>
+                          <a:schemeClr val="tx1"/>
+                        </a:solidFill>
+                        <a:effectLst/>
+                        <a:latin typeface="Adobe Clean" panose="020B0503020404020204" pitchFamily="34" charset="0"/>
+                        <a:ea typeface="+mn-ea"/>
+                        <a:cs typeface="+mn-cs"/>
+                      </a:endParaRPr>
                     </a:p>
                   </a:txBody>
                   <a:tcPr anchor="ctr">
@@ -12498,7 +14027,7 @@
                     <a:lstStyle/>
                     <a:p>
                       <a:r>
-                        <a:rPr lang="es-ES" sz="1000" dirty="0">
+                        <a:rPr lang="en-US" sz="1000" kern="1200" dirty="0">
                           <a:solidFill>
                             <a:srgbClr val="000000"/>
                           </a:solidFill>
@@ -12506,7 +14035,7 @@
                           <a:ea typeface="+mn-ea"/>
                           <a:cs typeface="+mn-cs"/>
                         </a:rPr>
-                        <a:t>Términos y condiciones de las ofertas de los servicios de soporte</a:t>
+                        <a:t>Terms and conditions detailing Support Services offerings.</a:t>
                       </a:r>
                     </a:p>
                   </a:txBody>
@@ -13277,6 +14806,21 @@
 </file>
 
 <file path=customXml/item1.xml><?xml version="1.0" encoding="utf-8"?>
+<?mso-contentType ?>
+<FormTemplates xmlns="http://schemas.microsoft.com/sharepoint/v3/contenttype/forms">
+  <Display>DocumentLibraryForm</Display>
+  <Edit>DocumentLibraryForm</Edit>
+  <New>DocumentLibraryForm</New>
+</FormTemplates>
+</file>
+
+<file path=customXml/item2.xml><?xml version="1.0" encoding="utf-8"?>
+<p:properties xmlns:p="http://schemas.microsoft.com/office/2006/metadata/properties" xmlns:xsi="http://www.w3.org/2001/XMLSchema-instance" xmlns:pc="http://schemas.microsoft.com/office/infopath/2007/PartnerControls">
+  <documentManagement/>
+</p:properties>
+</file>
+
+<file path=customXml/item3.xml><?xml version="1.0" encoding="utf-8"?>
 <ct:contentTypeSchema xmlns:ct="http://schemas.microsoft.com/office/2006/metadata/contentType" xmlns:ma="http://schemas.microsoft.com/office/2006/metadata/properties/metaAttributes" ct:_="" ma:_="" ma:contentTypeName="Document" ma:contentTypeID="0x010100E783BF6876BCC646A459363AF21A7736" ma:contentTypeVersion="10" ma:contentTypeDescription="Create a new document." ma:contentTypeScope="" ma:versionID="c4ffda7f4f415767600769e454c2ea87">
   <xsd:schema xmlns:xsd="http://www.w3.org/2001/XMLSchema" xmlns:xs="http://www.w3.org/2001/XMLSchema" xmlns:p="http://schemas.microsoft.com/office/2006/metadata/properties" xmlns:ns2="8a053bff-88be-49e4-9a87-e748e18b8b62" xmlns:ns3="6c8368ec-3776-49b5-a5bb-90648cf9530f" targetNamespace="http://schemas.microsoft.com/office/2006/metadata/properties" ma:root="true" ma:fieldsID="df3ec33bccc23e23bce7bc897fad43d1" ns2:_="" ns3:_="">
     <xsd:import namespace="8a053bff-88be-49e4-9a87-e748e18b8b62"/>
@@ -13481,22 +15025,32 @@
 </ct:contentTypeSchema>
 </file>
 
-<file path=customXml/item2.xml><?xml version="1.0" encoding="utf-8"?>
-<p:properties xmlns:p="http://schemas.microsoft.com/office/2006/metadata/properties" xmlns:xsi="http://www.w3.org/2001/XMLSchema-instance" xmlns:pc="http://schemas.microsoft.com/office/infopath/2007/PartnerControls">
-  <documentManagement/>
-</p:properties>
+<file path=customXml/itemProps1.xml><?xml version="1.0" encoding="utf-8"?>
+<ds:datastoreItem xmlns:ds="http://schemas.openxmlformats.org/officeDocument/2006/customXml" ds:itemID="{AC92E7FA-19A2-4675-9C77-2C92D8A268D1}">
+  <ds:schemaRefs>
+    <ds:schemaRef ds:uri="http://schemas.microsoft.com/sharepoint/v3/contenttype/forms"/>
+  </ds:schemaRefs>
+</ds:datastoreItem>
 </file>
 
-<file path=customXml/item3.xml><?xml version="1.0" encoding="utf-8"?>
-<?mso-contentType ?>
-<FormTemplates xmlns="http://schemas.microsoft.com/sharepoint/v3/contenttype/forms">
-  <Display>DocumentLibraryForm</Display>
-  <Edit>DocumentLibraryForm</Edit>
-  <New>DocumentLibraryForm</New>
-</FormTemplates>
+<file path=customXml/itemProps2.xml><?xml version="1.0" encoding="utf-8"?>
+<ds:datastoreItem xmlns:ds="http://schemas.openxmlformats.org/officeDocument/2006/customXml" ds:itemID="{8D12BD98-169B-4BEE-86DF-4C9641DF23C4}">
+  <ds:schemaRefs>
+    <ds:schemaRef ds:uri="http://schemas.microsoft.com/office/2006/documentManagement/types"/>
+    <ds:schemaRef ds:uri="http://schemas.microsoft.com/office/2006/metadata/properties"/>
+    <ds:schemaRef ds:uri="http://www.w3.org/XML/1998/namespace"/>
+    <ds:schemaRef ds:uri="http://purl.org/dc/terms/"/>
+    <ds:schemaRef ds:uri="http://purl.org/dc/elements/1.1/"/>
+    <ds:schemaRef ds:uri="http://schemas.microsoft.com/office/infopath/2007/PartnerControls"/>
+    <ds:schemaRef ds:uri="http://schemas.openxmlformats.org/package/2006/metadata/core-properties"/>
+    <ds:schemaRef ds:uri="8a053bff-88be-49e4-9a87-e748e18b8b62"/>
+    <ds:schemaRef ds:uri="6c8368ec-3776-49b5-a5bb-90648cf9530f"/>
+    <ds:schemaRef ds:uri="http://purl.org/dc/dcmitype/"/>
+  </ds:schemaRefs>
+</ds:datastoreItem>
 </file>
 
-<file path=customXml/itemProps1.xml><?xml version="1.0" encoding="utf-8"?>
+<file path=customXml/itemProps3.xml><?xml version="1.0" encoding="utf-8"?>
 <ds:datastoreItem xmlns:ds="http://schemas.openxmlformats.org/officeDocument/2006/customXml" ds:itemID="{34863498-7BB7-4F09-9F4A-B99E97FDB0EB}">
   <ds:schemaRefs>
     <ds:schemaRef ds:uri="http://schemas.microsoft.com/office/2006/metadata/contentType"/>
@@ -13513,21 +15067,4 @@
     <ds:schemaRef ds:uri="http://schemas.microsoft.com/internal/obd"/>
   </ds:schemaRefs>
 </ds:datastoreItem>
-</file>
-
-<file path=customXml/itemProps2.xml><?xml version="1.0" encoding="utf-8"?>
-<ds:datastoreItem xmlns:ds="http://schemas.openxmlformats.org/officeDocument/2006/customXml" ds:itemID="{8D12BD98-169B-4BEE-86DF-4C9641DF23C4}">
-  <ds:schemaRefs>
-    <ds:schemaRef ds:uri="http://schemas.microsoft.com/office/2006/metadata/properties"/>
-    <ds:schemaRef ds:uri="http://schemas.microsoft.com/office/infopath/2007/PartnerControls"/>
-  </ds:schemaRefs>
-</ds:datastoreItem>
-</file>
-
-<file path=customXml/itemProps3.xml><?xml version="1.0" encoding="utf-8"?>
-<ds:datastoreItem xmlns:ds="http://schemas.openxmlformats.org/officeDocument/2006/customXml" ds:itemID="{AC92E7FA-19A2-4675-9C77-2C92D8A268D1}">
-  <ds:schemaRefs>
-    <ds:schemaRef ds:uri="http://schemas.microsoft.com/sharepoint/v3/contenttype/forms"/>
-  </ds:schemaRefs>
-</ds:datastoreItem>
 </file>
--- a/help/data-sheets/assets/OnlineSupportDatasheet.pptx
+++ b/help/data-sheets/assets/OnlineSupportDatasheet.pptx
@@ -131,7 +131,7 @@
 <file path=ppt/revisionInfo.xml><?xml version="1.0" encoding="utf-8"?>
 <p1510:revInfo xmlns:a="http://schemas.openxmlformats.org/drawingml/2006/main" xmlns:r="http://schemas.openxmlformats.org/officeDocument/2006/relationships" xmlns:p1510="http://schemas.microsoft.com/office/powerpoint/2015/10/main">
   <p1510:revLst>
-    <p1510:client id="{096F7488-A26A-D845-83B0-BE2FC48D1AFD}" v="1" dt="2021-10-13T19:37:08.512"/>
+    <p1510:client id="{5343DD59-8FB2-7AAD-1875-255EDB54B98D}" v="367" dt="2021-09-22T18:47:16.489"/>
   </p1510:revLst>
 </p1510:revInfo>
 </file>
@@ -167,186 +167,6 @@
             <ac:graphicFrameMk id="25" creationId="{3A91F5B0-3974-A14D-A146-FB590F2AAD18}"/>
           </ac:graphicFrameMkLst>
         </pc:graphicFrameChg>
-      </pc:sldChg>
-    </pc:docChg>
-  </pc:docChgLst>
-  <pc:docChgLst>
-    <pc:chgData name="Akilah Johnson" userId="S::akjohnso@adobe.com::2fa3aa60-0c9c-4d06-bae2-795983241227" providerId="AD" clId="Web-{57A486D7-8267-4044-450E-B1D42691F1A4}"/>
-    <pc:docChg chg="modSld">
-      <pc:chgData name="Akilah Johnson" userId="S::akjohnso@adobe.com::2fa3aa60-0c9c-4d06-bae2-795983241227" providerId="AD" clId="Web-{57A486D7-8267-4044-450E-B1D42691F1A4}" dt="2021-10-12T15:47:55.091" v="2" actId="20577"/>
-      <pc:docMkLst>
-        <pc:docMk/>
-      </pc:docMkLst>
-      <pc:sldChg chg="modSp">
-        <pc:chgData name="Akilah Johnson" userId="S::akjohnso@adobe.com::2fa3aa60-0c9c-4d06-bae2-795983241227" providerId="AD" clId="Web-{57A486D7-8267-4044-450E-B1D42691F1A4}" dt="2021-10-12T15:47:55.091" v="2" actId="20577"/>
-        <pc:sldMkLst>
-          <pc:docMk/>
-          <pc:sldMk cId="0" sldId="256"/>
-        </pc:sldMkLst>
-        <pc:spChg chg="mod">
-          <ac:chgData name="Akilah Johnson" userId="S::akjohnso@adobe.com::2fa3aa60-0c9c-4d06-bae2-795983241227" providerId="AD" clId="Web-{57A486D7-8267-4044-450E-B1D42691F1A4}" dt="2021-10-12T15:47:55.091" v="2" actId="20577"/>
-          <ac:spMkLst>
-            <pc:docMk/>
-            <pc:sldMk cId="0" sldId="256"/>
-            <ac:spMk id="5" creationId="{00000000-0000-0000-0000-000000000000}"/>
-          </ac:spMkLst>
-        </pc:spChg>
-      </pc:sldChg>
-    </pc:docChg>
-  </pc:docChgLst>
-  <pc:docChgLst>
-    <pc:chgData name="Lauren Schutte" userId="6e08b2d3-447a-4d66-86be-444d50df187f" providerId="ADAL" clId="{096F7488-A26A-D845-83B0-BE2FC48D1AFD}"/>
-    <pc:docChg chg="modSld">
-      <pc:chgData name="Lauren Schutte" userId="6e08b2d3-447a-4d66-86be-444d50df187f" providerId="ADAL" clId="{096F7488-A26A-D845-83B0-BE2FC48D1AFD}" dt="2021-10-13T19:38:26.139" v="4" actId="20577"/>
-      <pc:docMkLst>
-        <pc:docMk/>
-      </pc:docMkLst>
-      <pc:sldChg chg="modSp mod">
-        <pc:chgData name="Lauren Schutte" userId="6e08b2d3-447a-4d66-86be-444d50df187f" providerId="ADAL" clId="{096F7488-A26A-D845-83B0-BE2FC48D1AFD}" dt="2021-10-13T19:37:16.686" v="2" actId="242"/>
-        <pc:sldMkLst>
-          <pc:docMk/>
-          <pc:sldMk cId="0" sldId="256"/>
-        </pc:sldMkLst>
-        <pc:graphicFrameChg chg="mod modGraphic">
-          <ac:chgData name="Lauren Schutte" userId="6e08b2d3-447a-4d66-86be-444d50df187f" providerId="ADAL" clId="{096F7488-A26A-D845-83B0-BE2FC48D1AFD}" dt="2021-10-13T19:37:16.686" v="2" actId="242"/>
-          <ac:graphicFrameMkLst>
-            <pc:docMk/>
-            <pc:sldMk cId="0" sldId="256"/>
-            <ac:graphicFrameMk id="9" creationId="{00000000-0000-0000-0000-000000000000}"/>
-          </ac:graphicFrameMkLst>
-        </pc:graphicFrameChg>
-      </pc:sldChg>
-      <pc:sldChg chg="modSp mod">
-        <pc:chgData name="Lauren Schutte" userId="6e08b2d3-447a-4d66-86be-444d50df187f" providerId="ADAL" clId="{096F7488-A26A-D845-83B0-BE2FC48D1AFD}" dt="2021-10-13T19:38:11.810" v="3" actId="20577"/>
-        <pc:sldMkLst>
-          <pc:docMk/>
-          <pc:sldMk cId="0" sldId="257"/>
-        </pc:sldMkLst>
-        <pc:spChg chg="mod">
-          <ac:chgData name="Lauren Schutte" userId="6e08b2d3-447a-4d66-86be-444d50df187f" providerId="ADAL" clId="{096F7488-A26A-D845-83B0-BE2FC48D1AFD}" dt="2021-10-13T19:38:11.810" v="3" actId="20577"/>
-          <ac:spMkLst>
-            <pc:docMk/>
-            <pc:sldMk cId="0" sldId="257"/>
-            <ac:spMk id="39" creationId="{00000000-0000-0000-0000-000000000000}"/>
-          </ac:spMkLst>
-        </pc:spChg>
-      </pc:sldChg>
-      <pc:sldChg chg="modSp mod">
-        <pc:chgData name="Lauren Schutte" userId="6e08b2d3-447a-4d66-86be-444d50df187f" providerId="ADAL" clId="{096F7488-A26A-D845-83B0-BE2FC48D1AFD}" dt="2021-10-13T19:38:26.139" v="4" actId="20577"/>
-        <pc:sldMkLst>
-          <pc:docMk/>
-          <pc:sldMk cId="799510854" sldId="260"/>
-        </pc:sldMkLst>
-        <pc:graphicFrameChg chg="modGraphic">
-          <ac:chgData name="Lauren Schutte" userId="6e08b2d3-447a-4d66-86be-444d50df187f" providerId="ADAL" clId="{096F7488-A26A-D845-83B0-BE2FC48D1AFD}" dt="2021-10-13T19:38:26.139" v="4" actId="20577"/>
-          <ac:graphicFrameMkLst>
-            <pc:docMk/>
-            <pc:sldMk cId="799510854" sldId="260"/>
-            <ac:graphicFrameMk id="111" creationId="{D8653CEC-4213-DE40-9BAF-D1E3318FF89C}"/>
-          </ac:graphicFrameMkLst>
-        </pc:graphicFrameChg>
-      </pc:sldChg>
-    </pc:docChg>
-  </pc:docChgLst>
-  <pc:docChgLst>
-    <pc:chgData name="Akilah Johnson" userId="S::akjohnso@adobe.com::2fa3aa60-0c9c-4d06-bae2-795983241227" providerId="AD" clId="Web-{CF46E89E-48FC-BA32-13C5-654DDA452FDC}"/>
-    <pc:docChg chg="modSld">
-      <pc:chgData name="Akilah Johnson" userId="S::akjohnso@adobe.com::2fa3aa60-0c9c-4d06-bae2-795983241227" providerId="AD" clId="Web-{CF46E89E-48FC-BA32-13C5-654DDA452FDC}" dt="2021-10-12T17:00:50.675" v="21" actId="20577"/>
-      <pc:docMkLst>
-        <pc:docMk/>
-      </pc:docMkLst>
-      <pc:sldChg chg="modSp">
-        <pc:chgData name="Akilah Johnson" userId="S::akjohnso@adobe.com::2fa3aa60-0c9c-4d06-bae2-795983241227" providerId="AD" clId="Web-{CF46E89E-48FC-BA32-13C5-654DDA452FDC}" dt="2021-10-12T16:58:10.550" v="6" actId="20577"/>
-        <pc:sldMkLst>
-          <pc:docMk/>
-          <pc:sldMk cId="0" sldId="256"/>
-        </pc:sldMkLst>
-        <pc:spChg chg="mod">
-          <ac:chgData name="Akilah Johnson" userId="S::akjohnso@adobe.com::2fa3aa60-0c9c-4d06-bae2-795983241227" providerId="AD" clId="Web-{CF46E89E-48FC-BA32-13C5-654DDA452FDC}" dt="2021-10-12T16:58:10.550" v="6" actId="20577"/>
-          <ac:spMkLst>
-            <pc:docMk/>
-            <pc:sldMk cId="0" sldId="256"/>
-            <ac:spMk id="2" creationId="{00000000-0000-0000-0000-000000000000}"/>
-          </ac:spMkLst>
-        </pc:spChg>
-        <pc:graphicFrameChg chg="mod modGraphic">
-          <ac:chgData name="Akilah Johnson" userId="S::akjohnso@adobe.com::2fa3aa60-0c9c-4d06-bae2-795983241227" providerId="AD" clId="Web-{CF46E89E-48FC-BA32-13C5-654DDA452FDC}" dt="2021-10-12T16:57:07.113" v="1"/>
-          <ac:graphicFrameMkLst>
-            <pc:docMk/>
-            <pc:sldMk cId="0" sldId="256"/>
-            <ac:graphicFrameMk id="8" creationId="{00000000-0000-0000-0000-000000000000}"/>
-          </ac:graphicFrameMkLst>
-        </pc:graphicFrameChg>
-      </pc:sldChg>
-      <pc:sldChg chg="modSp">
-        <pc:chgData name="Akilah Johnson" userId="S::akjohnso@adobe.com::2fa3aa60-0c9c-4d06-bae2-795983241227" providerId="AD" clId="Web-{CF46E89E-48FC-BA32-13C5-654DDA452FDC}" dt="2021-10-12T16:59:59.628" v="14" actId="20577"/>
-        <pc:sldMkLst>
-          <pc:docMk/>
-          <pc:sldMk cId="0" sldId="257"/>
-        </pc:sldMkLst>
-        <pc:spChg chg="mod">
-          <ac:chgData name="Akilah Johnson" userId="S::akjohnso@adobe.com::2fa3aa60-0c9c-4d06-bae2-795983241227" providerId="AD" clId="Web-{CF46E89E-48FC-BA32-13C5-654DDA452FDC}" dt="2021-10-12T16:59:21.300" v="12" actId="20577"/>
-          <ac:spMkLst>
-            <pc:docMk/>
-            <pc:sldMk cId="0" sldId="257"/>
-            <ac:spMk id="39" creationId="{00000000-0000-0000-0000-000000000000}"/>
-          </ac:spMkLst>
-        </pc:spChg>
-        <pc:spChg chg="mod">
-          <ac:chgData name="Akilah Johnson" userId="S::akjohnso@adobe.com::2fa3aa60-0c9c-4d06-bae2-795983241227" providerId="AD" clId="Web-{CF46E89E-48FC-BA32-13C5-654DDA452FDC}" dt="2021-10-12T16:59:59.628" v="14" actId="20577"/>
-          <ac:spMkLst>
-            <pc:docMk/>
-            <pc:sldMk cId="0" sldId="257"/>
-            <ac:spMk id="46" creationId="{00000000-0000-0000-0000-000000000000}"/>
-          </ac:spMkLst>
-        </pc:spChg>
-      </pc:sldChg>
-      <pc:sldChg chg="modSp">
-        <pc:chgData name="Akilah Johnson" userId="S::akjohnso@adobe.com::2fa3aa60-0c9c-4d06-bae2-795983241227" providerId="AD" clId="Web-{CF46E89E-48FC-BA32-13C5-654DDA452FDC}" dt="2021-10-12T17:00:50.675" v="21" actId="20577"/>
-        <pc:sldMkLst>
-          <pc:docMk/>
-          <pc:sldMk cId="799510854" sldId="260"/>
-        </pc:sldMkLst>
-        <pc:spChg chg="mod">
-          <ac:chgData name="Akilah Johnson" userId="S::akjohnso@adobe.com::2fa3aa60-0c9c-4d06-bae2-795983241227" providerId="AD" clId="Web-{CF46E89E-48FC-BA32-13C5-654DDA452FDC}" dt="2021-10-12T17:00:50.675" v="21" actId="20577"/>
-          <ac:spMkLst>
-            <pc:docMk/>
-            <pc:sldMk cId="799510854" sldId="260"/>
-            <ac:spMk id="24" creationId="{00000000-0000-0000-0000-000000000000}"/>
-          </ac:spMkLst>
-        </pc:spChg>
-        <pc:spChg chg="mod">
-          <ac:chgData name="Akilah Johnson" userId="S::akjohnso@adobe.com::2fa3aa60-0c9c-4d06-bae2-795983241227" providerId="AD" clId="Web-{CF46E89E-48FC-BA32-13C5-654DDA452FDC}" dt="2021-10-12T17:00:45.784" v="19" actId="20577"/>
-          <ac:spMkLst>
-            <pc:docMk/>
-            <pc:sldMk cId="799510854" sldId="260"/>
-            <ac:spMk id="56" creationId="{00000000-0000-0000-0000-000000000000}"/>
-          </ac:spMkLst>
-        </pc:spChg>
-      </pc:sldChg>
-    </pc:docChg>
-  </pc:docChgLst>
-  <pc:docChgLst>
-    <pc:chgData name="Akilah Johnson" userId="S::akjohnso@adobe.com::2fa3aa60-0c9c-4d06-bae2-795983241227" providerId="AD" clId="Web-{19E88417-C612-7196-8214-73025F75FA84}"/>
-    <pc:docChg chg="modSld">
-      <pc:chgData name="Akilah Johnson" userId="S::akjohnso@adobe.com::2fa3aa60-0c9c-4d06-bae2-795983241227" providerId="AD" clId="Web-{19E88417-C612-7196-8214-73025F75FA84}" dt="2021-10-12T19:15:42.562" v="5" actId="20577"/>
-      <pc:docMkLst>
-        <pc:docMk/>
-      </pc:docMkLst>
-      <pc:sldChg chg="modSp">
-        <pc:chgData name="Akilah Johnson" userId="S::akjohnso@adobe.com::2fa3aa60-0c9c-4d06-bae2-795983241227" providerId="AD" clId="Web-{19E88417-C612-7196-8214-73025F75FA84}" dt="2021-10-12T19:15:42.562" v="5" actId="20577"/>
-        <pc:sldMkLst>
-          <pc:docMk/>
-          <pc:sldMk cId="0" sldId="256"/>
-        </pc:sldMkLst>
-        <pc:spChg chg="mod">
-          <ac:chgData name="Akilah Johnson" userId="S::akjohnso@adobe.com::2fa3aa60-0c9c-4d06-bae2-795983241227" providerId="AD" clId="Web-{19E88417-C612-7196-8214-73025F75FA84}" dt="2021-10-12T19:15:42.562" v="5" actId="20577"/>
-          <ac:spMkLst>
-            <pc:docMk/>
-            <pc:sldMk cId="0" sldId="256"/>
-            <ac:spMk id="13" creationId="{7979C0CC-523E-844A-96DC-75FC662E01AB}"/>
-          </ac:spMkLst>
-        </pc:spChg>
       </pc:sldChg>
     </pc:docChg>
   </pc:docChgLst>
@@ -435,7 +255,7 @@
           <a:p>
             <a:fld id="{A438815C-EDE5-F947-A55F-7634403F36C4}" type="datetimeFigureOut">
               <a:rPr lang="en-US" smtClean="0"/>
-              <a:t>10/13/21</a:t>
+              <a:t>10/1/2021</a:t>
             </a:fld>
             <a:endParaRPr lang="en-US"/>
           </a:p>
@@ -1058,7 +878,7 @@
           <a:p>
             <a:fld id="{1D8BD707-D9CF-40AE-B4C6-C98DA3205C09}" type="datetimeFigureOut">
               <a:rPr lang="en-US"/>
-              <a:t>10/13/21</a:t>
+              <a:t>10/1/2021</a:t>
             </a:fld>
             <a:endParaRPr lang="en-US"/>
           </a:p>
@@ -1242,7 +1062,7 @@
           <a:p>
             <a:fld id="{1D8BD707-D9CF-40AE-B4C6-C98DA3205C09}" type="datetimeFigureOut">
               <a:rPr lang="en-US"/>
-              <a:t>10/13/21</a:t>
+              <a:t>10/1/2021</a:t>
             </a:fld>
             <a:endParaRPr lang="en-US"/>
           </a:p>
@@ -1544,7 +1364,7 @@
           <a:p>
             <a:fld id="{1D8BD707-D9CF-40AE-B4C6-C98DA3205C09}" type="datetimeFigureOut">
               <a:rPr lang="en-US"/>
-              <a:t>10/13/21</a:t>
+              <a:t>10/1/2021</a:t>
             </a:fld>
             <a:endParaRPr lang="en-US"/>
           </a:p>
@@ -1799,25 +1619,28 @@
         <p:spPr>
           <a:xfrm>
             <a:off x="95250" y="7228840"/>
-            <a:ext cx="2884717" cy="227626"/>
+            <a:ext cx="2800350" cy="238760"/>
           </a:xfrm>
           <a:prstGeom prst="rect">
             <a:avLst/>
           </a:prstGeom>
         </p:spPr>
         <p:txBody>
-          <a:bodyPr vert="horz" wrap="square" lIns="0" tIns="12065" rIns="0" bIns="0" rtlCol="0" anchor="t">
+          <a:bodyPr vert="horz" wrap="square" lIns="0" tIns="12065" rIns="0" bIns="0" rtlCol="0">
             <a:spAutoFit/>
           </a:bodyPr>
           <a:lstStyle/>
           <a:p>
             <a:pPr marL="12700">
+              <a:lnSpc>
+                <a:spcPct val="100000"/>
+              </a:lnSpc>
               <a:spcBef>
                 <a:spcPts val="95"/>
               </a:spcBef>
             </a:pPr>
             <a:r>
-              <a:rPr sz="1400" b="1" u="heavy" spc="10" dirty="0">
+              <a:rPr lang="es-ES" sz="1400" b="1" u="heavy">
                 <a:solidFill>
                   <a:srgbClr val="020302"/>
                 </a:solidFill>
@@ -1829,87 +1652,8 @@
                 <a:latin typeface="Adobe Clean"/>
                 <a:cs typeface="Adobe Clean"/>
               </a:rPr>
-              <a:t>Service </a:t>
+              <a:t>Destinatarios de nivel de servicio: Respuesta inicial</a:t>
             </a:r>
-            <a:r>
-              <a:rPr sz="1400" b="1" u="heavy" spc="-10" dirty="0">
-                <a:solidFill>
-                  <a:srgbClr val="020302"/>
-                </a:solidFill>
-                <a:uFill>
-                  <a:solidFill>
-                    <a:srgbClr val="020302"/>
-                  </a:solidFill>
-                </a:uFill>
-                <a:latin typeface="Adobe Clean"/>
-                <a:cs typeface="Adobe Clean"/>
-              </a:rPr>
-              <a:t>Level </a:t>
-            </a:r>
-            <a:r>
-              <a:rPr sz="1400" b="1" u="heavy" spc="-45" dirty="0">
-                <a:solidFill>
-                  <a:srgbClr val="020302"/>
-                </a:solidFill>
-                <a:uFill>
-                  <a:solidFill>
-                    <a:srgbClr val="020302"/>
-                  </a:solidFill>
-                </a:uFill>
-                <a:latin typeface="Adobe Clean"/>
-                <a:cs typeface="Adobe Clean"/>
-              </a:rPr>
-              <a:t>Targets: </a:t>
-            </a:r>
-            <a:r>
-              <a:rPr sz="1400" b="1" u="heavy" spc="-10" dirty="0">
-                <a:solidFill>
-                  <a:srgbClr val="020302"/>
-                </a:solidFill>
-                <a:uFill>
-                  <a:solidFill>
-                    <a:srgbClr val="020302"/>
-                  </a:solidFill>
-                </a:uFill>
-                <a:latin typeface="Adobe Clean"/>
-                <a:cs typeface="Adobe Clean"/>
-              </a:rPr>
-              <a:t>Initial</a:t>
-            </a:r>
-            <a:r>
-              <a:rPr lang="en-US" sz="1400" b="1" u="heavy" spc="-10" dirty="0">
-                <a:solidFill>
-                  <a:srgbClr val="020302"/>
-                </a:solidFill>
-                <a:uFill>
-                  <a:solidFill>
-                    <a:srgbClr val="020302"/>
-                  </a:solidFill>
-                </a:uFill>
-                <a:latin typeface="Adobe Clean"/>
-                <a:cs typeface="Adobe Clean"/>
-              </a:rPr>
-              <a:t> </a:t>
-            </a:r>
-            <a:r>
-              <a:rPr sz="1400" b="1" u="heavy" spc="-15" dirty="0">
-                <a:solidFill>
-                  <a:srgbClr val="020302"/>
-                </a:solidFill>
-                <a:uFill>
-                  <a:solidFill>
-                    <a:srgbClr val="020302"/>
-                  </a:solidFill>
-                </a:uFill>
-                <a:latin typeface="Adobe Clean"/>
-                <a:cs typeface="Adobe Clean"/>
-              </a:rPr>
-              <a:t>Response</a:t>
-            </a:r>
-            <a:endParaRPr sz="1400" dirty="0">
-              <a:latin typeface="Adobe Clean"/>
-              <a:cs typeface="Adobe Clean"/>
-            </a:endParaRPr>
           </a:p>
         </p:txBody>
       </p:sp>
@@ -1958,7 +1702,7 @@
           </a:prstGeom>
         </p:spPr>
         <p:txBody>
-          <a:bodyPr vert="horz" wrap="square" lIns="0" tIns="24130" rIns="0" bIns="0" rtlCol="0" anchor="t">
+          <a:bodyPr vert="horz" wrap="square" lIns="0" tIns="24130" rIns="0" bIns="0" rtlCol="0">
             <a:spAutoFit/>
           </a:bodyPr>
           <a:lstStyle/>
@@ -1972,7 +1716,7 @@
               </a:spcBef>
             </a:pPr>
             <a:r>
-              <a:rPr lang="en-US" sz="1200" b="1" dirty="0">
+              <a:rPr lang="es-ES" sz="1200" b="1" dirty="0">
                 <a:solidFill>
                   <a:schemeClr val="bg1"/>
                 </a:solidFill>
@@ -1980,34 +1724,73 @@
               <a:t>Online</a:t>
             </a:r>
             <a:r>
-              <a:rPr lang="en-US" sz="1200" dirty="0">
+              <a:rPr lang="es-ES" sz="1200" dirty="0">
                 <a:solidFill>
                   <a:schemeClr val="bg1"/>
                 </a:solidFill>
-                <a:latin typeface="Adobe Clean Light"/>
+                <a:latin typeface="Adobe Clean Light" panose="020B0303020404020204" pitchFamily="34" charset="0"/>
               </a:rPr>
               <a:t> | Business | Enterprise | Elite</a:t>
             </a:r>
             <a:br>
-              <a:rPr lang="en-US" sz="900" dirty="0">
+              <a:rPr lang="es-ES" sz="900" dirty="0">
+                <a:solidFill>
+                  <a:schemeClr val="bg1"/>
+                </a:solidFill>
                 <a:latin typeface="Adobe Clean Light" panose="020B0303020404020204" pitchFamily="34" charset="0"/>
               </a:rPr>
             </a:br>
             <a:r>
-              <a:rPr lang="en-US" sz="900" dirty="0">
+              <a:rPr lang="es-ES" sz="900" dirty="0">
                 <a:solidFill>
                   <a:schemeClr val="bg1"/>
                 </a:solidFill>
-                <a:latin typeface="Adobe Clean SemiLight"/>
+                <a:latin typeface="Adobe Clean SemiLight" panose="020B0403020404020204" pitchFamily="34" charset="0"/>
               </a:rPr>
-              <a:t>Adobe provides a comprehensive range of technical resources to help support your business included as part of your Experience Cloud license subscription. Online support includes access to personalized learning paths and monitored community forums via the Adobe Experience League. You can take advantage of our detailed and in-depth technical product documentation and current release notes published on </a:t>
+              <a:t>Adobe ofrece una amplia variedad de recursos técnicos para ayudar a su negocio, incluidos como parte de su suscripción de licencia de </a:t>
             </a:r>
             <a:r>
-              <a:rPr lang="en-US" sz="900" u="sng" dirty="0">
+              <a:rPr lang="es-ES" sz="900" dirty="0" err="1">
                 <a:solidFill>
                   <a:schemeClr val="bg1"/>
                 </a:solidFill>
-                <a:latin typeface="Adobe Clean SemiLight"/>
+                <a:latin typeface="Adobe Clean SemiLight" panose="020B0403020404020204" pitchFamily="34" charset="0"/>
+              </a:rPr>
+              <a:t>Experience</a:t>
+            </a:r>
+            <a:r>
+              <a:rPr lang="es-ES" sz="900" dirty="0">
+                <a:solidFill>
+                  <a:schemeClr val="bg1"/>
+                </a:solidFill>
+                <a:latin typeface="Adobe Clean SemiLight" panose="020B0403020404020204" pitchFamily="34" charset="0"/>
+              </a:rPr>
+              <a:t> Cloud. El paquete ONLINE incluye acceso a rutas de aprendizaje personalizadas y foros de la comunidad monitorizados a través de Adobe </a:t>
+            </a:r>
+            <a:r>
+              <a:rPr lang="es-ES" sz="900" dirty="0" err="1">
+                <a:solidFill>
+                  <a:schemeClr val="bg1"/>
+                </a:solidFill>
+                <a:latin typeface="Adobe Clean SemiLight" panose="020B0403020404020204" pitchFamily="34" charset="0"/>
+              </a:rPr>
+              <a:t>Experience</a:t>
+            </a:r>
+            <a:r>
+              <a:rPr lang="es-ES" sz="900" dirty="0">
+                <a:solidFill>
+                  <a:schemeClr val="bg1"/>
+                </a:solidFill>
+                <a:latin typeface="Adobe Clean SemiLight" panose="020B0403020404020204" pitchFamily="34" charset="0"/>
+              </a:rPr>
+              <a:t> League. Puede disfrutar de la documentación técnica completa y detallada sobre productos y notas de la versión actual publicadas en </a:t>
+            </a:r>
+            <a:r>
+              <a:rPr lang="es-ES" sz="900" u="sng" dirty="0">
+                <a:solidFill>
+                  <a:schemeClr val="bg1"/>
+                </a:solidFill>
+                <a:latin typeface="Adobe Clean SemiLight" panose="020B0403020404020204" pitchFamily="34" charset="0"/>
                 <a:hlinkClick r:id="rId4">
                   <a:extLst>
                     <a:ext uri="{A12FA001-AC4F-418D-AE19-62706E023703}">
@@ -2016,24 +1799,17 @@
                   </a:extLst>
                 </a:hlinkClick>
               </a:rPr>
-              <a:t>http://www.adobe.com. </a:t>
+              <a:t>http://www.adobe.com</a:t>
             </a:r>
             <a:r>
-              <a:rPr lang="en-US" sz="900" dirty="0">
+              <a:rPr lang="es-ES" sz="900" dirty="0">
                 <a:solidFill>
                   <a:schemeClr val="bg1"/>
                 </a:solidFill>
-                <a:latin typeface="Adobe Clean SemiLight"/>
+                <a:latin typeface="Adobe Clean SemiLight" panose="020B0403020404020204" pitchFamily="34" charset="0"/>
               </a:rPr>
-              <a:t>Our Online package also includes access to our technical support teams for any critical P1 product issues via telephone to help protect your business at the most critical times as well as providing the ability to log lower priority requests for assistance via support web portal.</a:t>
+              <a:t> Nuestro paquete ONLINE también incluye el acceso a nuestros equipos de soporte técnico para problemas de producto de prioridad 1 por vía telefónica para proteger su negocio en los momentos más importantes. Además, podrá registrar solicitudes de prioridad más baja a través del portal de soporte web.</a:t>
             </a:r>
-            <a:endParaRPr lang="en-US" sz="900" dirty="0">
-              <a:solidFill>
-                <a:schemeClr val="bg1"/>
-              </a:solidFill>
-              <a:latin typeface="Adobe Clean SemiLight"/>
-              <a:cs typeface="AdobeClean-Light"/>
-            </a:endParaRPr>
           </a:p>
         </p:txBody>
       </p:sp>
@@ -2075,14 +1851,14 @@
           <p:nvPr>
             <p:extLst>
               <p:ext uri="{D42A27DB-BD31-4B8C-83A1-F6EECF244321}">
-                <p14:modId xmlns:p14="http://schemas.microsoft.com/office/powerpoint/2010/main" val="1047125657"/>
+                <p14:modId xmlns:p14="http://schemas.microsoft.com/office/powerpoint/2010/main" val="175049833"/>
               </p:ext>
             </p:extLst>
           </p:nvPr>
         </p:nvGraphicFramePr>
         <p:xfrm>
           <a:off x="0" y="1938946"/>
-          <a:ext cx="7705343" cy="5227197"/>
+          <a:ext cx="7705343" cy="5220295"/>
         </p:xfrm>
         <a:graphic>
           <a:graphicData uri="http://schemas.openxmlformats.org/drawingml/2006/table">
@@ -2141,7 +1917,7 @@
                   </a:extLst>
                 </a:gridCol>
               </a:tblGrid>
-              <a:tr h="218820">
+              <a:tr h="353430">
                 <a:tc gridSpan="2">
                   <a:txBody>
                     <a:bodyPr/>
@@ -2176,39 +1952,15 @@
                         </a:spcBef>
                       </a:pPr>
                       <a:r>
-                        <a:rPr sz="900" spc="0" dirty="0">
+                        <a:rPr lang="es-ES" sz="900">
                           <a:solidFill>
                             <a:srgbClr val="404040"/>
                           </a:solidFill>
                           <a:latin typeface="Adobe Clean"/>
                           <a:cs typeface="Adobe Clean"/>
                         </a:rPr>
-                        <a:t>Online</a:t>
+                        <a:t>Soporte Online</a:t>
                       </a:r>
-                      <a:r>
-                        <a:rPr lang="en-US" sz="900" spc="0" dirty="0">
-                          <a:solidFill>
-                            <a:srgbClr val="404040"/>
-                          </a:solidFill>
-                          <a:latin typeface="Adobe Clean"/>
-                          <a:cs typeface="Adobe Clean"/>
-                        </a:rPr>
-                        <a:t> </a:t>
-                      </a:r>
-                      <a:r>
-                        <a:rPr sz="900" spc="0" dirty="0">
-                          <a:solidFill>
-                            <a:srgbClr val="404040"/>
-                          </a:solidFill>
-                          <a:latin typeface="Adobe Clean"/>
-                          <a:cs typeface="Adobe Clean"/>
-                        </a:rPr>
-                        <a:t>Support</a:t>
-                      </a:r>
-                      <a:endParaRPr sz="900" spc="0" dirty="0">
-                        <a:latin typeface="Adobe Clean"/>
-                        <a:cs typeface="Adobe Clean"/>
-                      </a:endParaRPr>
                     </a:p>
                   </a:txBody>
                   <a:tcPr marL="0" marR="0" marT="7620" marB="0" anchor="ctr">
@@ -2243,39 +1995,15 @@
                         </a:spcBef>
                       </a:pPr>
                       <a:r>
-                        <a:rPr sz="900" spc="0" dirty="0">
+                        <a:rPr lang="es-ES" sz="900">
                           <a:solidFill>
                             <a:srgbClr val="FFFFFF"/>
                           </a:solidFill>
                           <a:latin typeface="Adobe Clean"/>
                           <a:cs typeface="Adobe Clean"/>
                         </a:rPr>
-                        <a:t>Business</a:t>
+                        <a:t>Soporte Business</a:t>
                       </a:r>
-                      <a:r>
-                        <a:rPr lang="en-US" sz="900" spc="0" dirty="0">
-                          <a:solidFill>
-                            <a:srgbClr val="FFFFFF"/>
-                          </a:solidFill>
-                          <a:latin typeface="Adobe Clean"/>
-                          <a:cs typeface="Adobe Clean"/>
-                        </a:rPr>
-                        <a:t> </a:t>
-                      </a:r>
-                      <a:r>
-                        <a:rPr sz="900" spc="0" dirty="0">
-                          <a:solidFill>
-                            <a:srgbClr val="FFFFFF"/>
-                          </a:solidFill>
-                          <a:latin typeface="Adobe Clean"/>
-                          <a:cs typeface="Adobe Clean"/>
-                        </a:rPr>
-                        <a:t>Support</a:t>
-                      </a:r>
-                      <a:endParaRPr sz="900" spc="0" dirty="0">
-                        <a:latin typeface="Adobe Clean"/>
-                        <a:cs typeface="Adobe Clean"/>
-                      </a:endParaRPr>
                     </a:p>
                   </a:txBody>
                   <a:tcPr marL="0" marR="0" marT="7620" marB="0" anchor="ctr">
@@ -2316,19 +2044,15 @@
                         </a:spcBef>
                       </a:pPr>
                       <a:r>
-                        <a:rPr lang="en-US" sz="900" spc="0" dirty="0">
+                        <a:rPr lang="es-ES" sz="900">
                           <a:solidFill>
                             <a:srgbClr val="FFFFFF"/>
                           </a:solidFill>
                           <a:latin typeface="Adobe Clean"/>
                           <a:cs typeface="Adobe Clean"/>
                         </a:rPr>
-                        <a:t>Enterprise Support</a:t>
+                        <a:t>Soporte Enterprise</a:t>
                       </a:r>
-                      <a:endParaRPr sz="900" spc="0" dirty="0">
-                        <a:latin typeface="Adobe Clean"/>
-                        <a:cs typeface="Adobe Clean"/>
-                      </a:endParaRPr>
                     </a:p>
                   </a:txBody>
                   <a:tcPr marL="0" marR="0" marT="7620" marB="0" anchor="ctr">
@@ -2369,39 +2093,15 @@
                         </a:spcBef>
                       </a:pPr>
                       <a:r>
-                        <a:rPr sz="900" spc="-20" dirty="0">
+                        <a:rPr lang="es-ES" sz="900">
                           <a:solidFill>
                             <a:srgbClr val="FFFFFF"/>
                           </a:solidFill>
                           <a:latin typeface="Adobe Clean"/>
                           <a:cs typeface="Adobe Clean"/>
                         </a:rPr>
-                        <a:t>Enterprise</a:t>
+                        <a:t>Soporte Enterprise</a:t>
                       </a:r>
-                      <a:r>
-                        <a:rPr lang="en-US" sz="900" spc="-20" dirty="0">
-                          <a:solidFill>
-                            <a:srgbClr val="FFFFFF"/>
-                          </a:solidFill>
-                          <a:latin typeface="Adobe Clean"/>
-                          <a:cs typeface="Adobe Clean"/>
-                        </a:rPr>
-                        <a:t> </a:t>
-                      </a:r>
-                      <a:r>
-                        <a:rPr sz="900" spc="-20" dirty="0">
-                          <a:solidFill>
-                            <a:srgbClr val="FFFFFF"/>
-                          </a:solidFill>
-                          <a:latin typeface="Adobe Clean"/>
-                          <a:cs typeface="Adobe Clean"/>
-                        </a:rPr>
-                        <a:t>Support</a:t>
-                      </a:r>
-                      <a:endParaRPr sz="900" dirty="0">
-                        <a:latin typeface="Adobe Clean"/>
-                        <a:cs typeface="Adobe Clean"/>
-                      </a:endParaRPr>
                     </a:p>
                   </a:txBody>
                   <a:tcPr marL="0" marR="0" marT="7620" marB="0" anchor="ctr">
@@ -2442,39 +2142,15 @@
                         </a:spcBef>
                       </a:pPr>
                       <a:r>
-                        <a:rPr sz="900" spc="0" dirty="0">
+                        <a:rPr lang="es-ES" sz="900">
                           <a:solidFill>
                             <a:srgbClr val="FFFFFF"/>
                           </a:solidFill>
                           <a:latin typeface="Adobe Clean"/>
                           <a:cs typeface="Adobe Clean"/>
                         </a:rPr>
-                        <a:t>Elite</a:t>
+                        <a:t>Soporte Elite</a:t>
                       </a:r>
-                      <a:r>
-                        <a:rPr lang="en-US" sz="900" spc="0" dirty="0">
-                          <a:solidFill>
-                            <a:srgbClr val="FFFFFF"/>
-                          </a:solidFill>
-                          <a:latin typeface="Adobe Clean"/>
-                          <a:cs typeface="Adobe Clean"/>
-                        </a:rPr>
-                        <a:t> </a:t>
-                      </a:r>
-                      <a:r>
-                        <a:rPr sz="900" spc="0" dirty="0">
-                          <a:solidFill>
-                            <a:srgbClr val="FFFFFF"/>
-                          </a:solidFill>
-                          <a:latin typeface="Adobe Clean"/>
-                          <a:cs typeface="Adobe Clean"/>
-                        </a:rPr>
-                        <a:t>Support</a:t>
-                      </a:r>
-                      <a:endParaRPr sz="900" spc="0" dirty="0">
-                        <a:latin typeface="Adobe Clean"/>
-                        <a:cs typeface="Adobe Clean"/>
-                      </a:endParaRPr>
                     </a:p>
                   </a:txBody>
                   <a:tcPr marL="0" marR="0" marT="7620" marB="0" anchor="ctr">
@@ -2501,7 +2177,7 @@
                   </a:ext>
                 </a:extLst>
               </a:tr>
-              <a:tr h="0">
+              <a:tr h="353430">
                 <a:tc gridSpan="2">
                   <a:txBody>
                     <a:bodyPr/>
@@ -2527,7 +2203,7 @@
                     <a:bodyPr/>
                     <a:lstStyle/>
                     <a:p>
-                      <a:pPr marL="255904" marR="248920" indent="-25400">
+                      <a:pPr marL="255904" marR="248920" indent="-25400" algn="l" rtl="0">
                         <a:lnSpc>
                           <a:spcPct val="100000"/>
                         </a:lnSpc>
@@ -2581,29 +2257,15 @@
                         </a:spcBef>
                       </a:pPr>
                       <a:r>
-                        <a:rPr lang="en-US" sz="800" i="1" spc="0" dirty="0">
+                        <a:rPr lang="es-ES" sz="800" i="1">
                           <a:solidFill>
                             <a:srgbClr val="FFFFFF"/>
                           </a:solidFill>
                           <a:latin typeface="Adobe Clean"/>
                           <a:cs typeface="Adobe Clean"/>
                         </a:rPr>
-                        <a:t>Paid</a:t>
+                        <a:t>Niveles de soporte de pago ($)</a:t>
                       </a:r>
-                      <a:r>
-                        <a:rPr sz="800" i="1" spc="0" dirty="0">
-                          <a:solidFill>
-                            <a:srgbClr val="FFFFFF"/>
-                          </a:solidFill>
-                          <a:latin typeface="Adobe Clean"/>
-                          <a:cs typeface="Adobe Clean"/>
-                        </a:rPr>
-                        <a:t> Support Levels($)</a:t>
-                      </a:r>
-                      <a:endParaRPr sz="800" spc="0" dirty="0">
-                        <a:latin typeface="Adobe Clean"/>
-                        <a:cs typeface="Adobe Clean"/>
-                      </a:endParaRPr>
                     </a:p>
                   </a:txBody>
                   <a:tcPr marL="0" marR="0" marT="82550" marB="0" anchor="ctr">
@@ -2675,7 +2337,7 @@
                   </a:ext>
                 </a:extLst>
               </a:tr>
-              <a:tr h="264424">
+              <a:tr h="249845">
                 <a:tc rowSpan="3">
                   <a:txBody>
                     <a:bodyPr/>
@@ -2690,22 +2352,15 @@
                         </a:spcBef>
                       </a:pPr>
                       <a:r>
-                        <a:rPr lang="en-US" sz="1000" b="1" i="0" spc="0" dirty="0">
+                        <a:rPr lang="es-ES" sz="1000" b="1" i="0">
                           <a:solidFill>
                             <a:schemeClr val="bg1"/>
                           </a:solidFill>
                           <a:latin typeface="Adobe Clean" panose="020B0503020404020204" pitchFamily="34" charset="0"/>
                           <a:cs typeface="AdobeClean-Light"/>
                         </a:rPr>
-                        <a:t>Assigned Experts</a:t>
+                        <a:t>Expertos asignados</a:t>
                       </a:r>
-                      <a:endParaRPr sz="1000" b="1" i="0" spc="0" dirty="0">
-                        <a:solidFill>
-                          <a:schemeClr val="bg1"/>
-                        </a:solidFill>
-                        <a:latin typeface="Adobe Clean" panose="020B0503020404020204" pitchFamily="34" charset="0"/>
-                        <a:cs typeface="AdobeClean-Light"/>
-                      </a:endParaRPr>
                     </a:p>
                   </a:txBody>
                   <a:tcPr marL="0" marR="0" marT="58419" marB="0" anchor="ctr">
@@ -2752,19 +2407,15 @@
                         </a:spcBef>
                       </a:pPr>
                       <a:r>
-                        <a:rPr sz="900" spc="0" dirty="0">
+                        <a:rPr lang="es-ES" sz="900">
                           <a:solidFill>
                             <a:srgbClr val="020302"/>
                           </a:solidFill>
                           <a:latin typeface="AdobeClean-Light"/>
                           <a:cs typeface="AdobeClean-Light"/>
                         </a:rPr>
-                        <a:t>Account Support Lead</a:t>
+                        <a:t>Responsable de la asistencia técnica de la cuenta</a:t>
                       </a:r>
-                      <a:endParaRPr sz="900" spc="0" dirty="0">
-                        <a:latin typeface="AdobeClean-Light"/>
-                        <a:cs typeface="AdobeClean-Light"/>
-                      </a:endParaRPr>
                     </a:p>
                   </a:txBody>
                   <a:tcPr marL="0" marR="0" marT="58419" marB="0">
@@ -2793,7 +2444,7 @@
                     <a:bodyPr/>
                     <a:lstStyle/>
                     <a:p>
-                      <a:pPr>
+                      <a:pPr algn="l" rtl="0">
                         <a:lnSpc>
                           <a:spcPct val="100000"/>
                         </a:lnSpc>
@@ -2838,7 +2489,7 @@
                         </a:spcBef>
                       </a:pPr>
                       <a:r>
-                        <a:rPr sz="900" spc="0" dirty="0">
+                        <a:rPr lang="es-ES" sz="900">
                           <a:solidFill>
                             <a:srgbClr val="020302"/>
                           </a:solidFill>
@@ -2847,10 +2498,6 @@
                         </a:rPr>
                         <a:t></a:t>
                       </a:r>
-                      <a:endParaRPr sz="900" spc="0" dirty="0">
-                        <a:latin typeface="Wingdings"/>
-                        <a:cs typeface="Wingdings"/>
-                      </a:endParaRPr>
                     </a:p>
                   </a:txBody>
                   <a:tcPr marL="0" marR="0" marT="59690" marB="0">
@@ -2867,7 +2514,7 @@
                     <a:bodyPr/>
                     <a:lstStyle/>
                     <a:p>
-                      <a:pPr algn="ctr">
+                      <a:pPr algn="l" rtl="0">
                         <a:lnSpc>
                           <a:spcPct val="100000"/>
                         </a:lnSpc>
@@ -2898,7 +2545,7 @@
                     <a:bodyPr/>
                     <a:lstStyle/>
                     <a:p>
-                      <a:pPr>
+                      <a:pPr algn="l" rtl="0">
                         <a:lnSpc>
                           <a:spcPct val="100000"/>
                         </a:lnSpc>
@@ -2923,7 +2570,7 @@
                     <a:bodyPr/>
                     <a:lstStyle/>
                     <a:p>
-                      <a:pPr>
+                      <a:pPr algn="l" rtl="0">
                         <a:lnSpc>
                           <a:spcPct val="100000"/>
                         </a:lnSpc>
@@ -2955,13 +2602,13 @@
                   </a:ext>
                 </a:extLst>
               </a:tr>
-              <a:tr h="264424">
+              <a:tr h="249845">
                 <a:tc vMerge="1">
                   <a:txBody>
                     <a:bodyPr/>
                     <a:lstStyle/>
                     <a:p>
-                      <a:pPr marL="50800">
+                      <a:pPr marL="50800" algn="l" rtl="0">
                         <a:lnSpc>
                           <a:spcPct val="100000"/>
                         </a:lnSpc>
@@ -3007,19 +2654,15 @@
                         </a:spcBef>
                       </a:pPr>
                       <a:r>
-                        <a:rPr sz="900" spc="0" dirty="0">
+                        <a:rPr lang="es-ES" sz="900">
                           <a:solidFill>
                             <a:srgbClr val="020302"/>
                           </a:solidFill>
                           <a:latin typeface="AdobeClean-Light"/>
                           <a:cs typeface="AdobeClean-Light"/>
                         </a:rPr>
-                        <a:t>Named Support Engineer</a:t>
+                        <a:t>Ingeniero de asistencia técnica especializado</a:t>
                       </a:r>
-                      <a:endParaRPr sz="900" spc="0" dirty="0">
-                        <a:latin typeface="AdobeClean-Light"/>
-                        <a:cs typeface="AdobeClean-Light"/>
-                      </a:endParaRPr>
                     </a:p>
                   </a:txBody>
                   <a:tcPr marL="0" marR="0" marT="58419" marB="0">
@@ -3042,7 +2685,7 @@
                     <a:bodyPr/>
                     <a:lstStyle/>
                     <a:p>
-                      <a:pPr>
+                      <a:pPr algn="l" rtl="0">
                         <a:lnSpc>
                           <a:spcPct val="100000"/>
                         </a:lnSpc>
@@ -3072,7 +2715,7 @@
                     <a:bodyPr/>
                     <a:lstStyle/>
                     <a:p>
-                      <a:pPr>
+                      <a:pPr algn="l" rtl="0">
                         <a:lnSpc>
                           <a:spcPct val="100000"/>
                         </a:lnSpc>
@@ -3090,7 +2733,7 @@
                     <a:bodyPr/>
                     <a:lstStyle/>
                     <a:p>
-                      <a:pPr>
+                      <a:pPr algn="l" rtl="0">
                         <a:lnSpc>
                           <a:spcPct val="100000"/>
                         </a:lnSpc>
@@ -3117,7 +2760,7 @@
                         </a:spcBef>
                       </a:pPr>
                       <a:r>
-                        <a:rPr sz="900" spc="0" dirty="0">
+                        <a:rPr lang="es-ES" sz="900">
                           <a:solidFill>
                             <a:srgbClr val="020302"/>
                           </a:solidFill>
@@ -3126,10 +2769,6 @@
                         </a:rPr>
                         <a:t></a:t>
                       </a:r>
-                      <a:endParaRPr sz="900" spc="0" dirty="0">
-                        <a:latin typeface="Wingdings"/>
-                        <a:cs typeface="Wingdings"/>
-                      </a:endParaRPr>
                     </a:p>
                   </a:txBody>
                   <a:tcPr marL="0" marR="0" marT="59055" marB="0"/>
@@ -3148,7 +2787,7 @@
                         </a:spcBef>
                       </a:pPr>
                       <a:r>
-                        <a:rPr sz="900" spc="0" dirty="0">
+                        <a:rPr lang="es-ES" sz="900">
                           <a:solidFill>
                             <a:srgbClr val="020302"/>
                           </a:solidFill>
@@ -3157,10 +2796,6 @@
                         </a:rPr>
                         <a:t></a:t>
                       </a:r>
-                      <a:endParaRPr sz="900" spc="0" dirty="0">
-                        <a:latin typeface="Wingdings"/>
-                        <a:cs typeface="Wingdings"/>
-                      </a:endParaRPr>
                     </a:p>
                   </a:txBody>
                   <a:tcPr marL="0" marR="0" marT="59055" marB="0">
@@ -3178,13 +2813,13 @@
                   </a:ext>
                 </a:extLst>
               </a:tr>
-              <a:tr h="264424">
+              <a:tr h="249845">
                 <a:tc vMerge="1">
                   <a:txBody>
                     <a:bodyPr/>
                     <a:lstStyle/>
                     <a:p>
-                      <a:pPr marL="50800">
+                      <a:pPr marL="50800" algn="l" rtl="0">
                         <a:lnSpc>
                           <a:spcPct val="100000"/>
                         </a:lnSpc>
@@ -3242,19 +2877,15 @@
                         </a:spcBef>
                       </a:pPr>
                       <a:r>
-                        <a:rPr sz="900" spc="0" dirty="0">
+                        <a:rPr lang="es-ES" sz="900">
                           <a:solidFill>
                             <a:srgbClr val="020302"/>
                           </a:solidFill>
                           <a:latin typeface="AdobeClean-Light"/>
                           <a:cs typeface="AdobeClean-Light"/>
                         </a:rPr>
-                        <a:t>Technical Account Manager</a:t>
+                        <a:t>Gestor técnico de cuentas</a:t>
                       </a:r>
-                      <a:endParaRPr sz="900" spc="0" dirty="0">
-                        <a:latin typeface="AdobeClean-Light"/>
-                        <a:cs typeface="AdobeClean-Light"/>
-                      </a:endParaRPr>
                     </a:p>
                   </a:txBody>
                   <a:tcPr marL="0" marR="0" marT="63500" marB="0">
@@ -3283,7 +2914,7 @@
                     <a:bodyPr/>
                     <a:lstStyle/>
                     <a:p>
-                      <a:pPr>
+                      <a:pPr algn="l" rtl="0">
                         <a:lnSpc>
                           <a:spcPct val="100000"/>
                         </a:lnSpc>
@@ -3319,7 +2950,7 @@
                     <a:bodyPr/>
                     <a:lstStyle/>
                     <a:p>
-                      <a:pPr>
+                      <a:pPr algn="l" rtl="0">
                         <a:lnSpc>
                           <a:spcPct val="100000"/>
                         </a:lnSpc>
@@ -3344,7 +2975,7 @@
                     <a:bodyPr/>
                     <a:lstStyle/>
                     <a:p>
-                      <a:pPr>
+                      <a:pPr algn="l" rtl="0">
                         <a:lnSpc>
                           <a:spcPct val="100000"/>
                         </a:lnSpc>
@@ -3372,7 +3003,7 @@
                     <a:bodyPr/>
                     <a:lstStyle/>
                     <a:p>
-                      <a:pPr>
+                      <a:pPr algn="l" rtl="0">
                         <a:lnSpc>
                           <a:spcPct val="100000"/>
                         </a:lnSpc>
@@ -3406,7 +3037,7 @@
                         </a:spcBef>
                       </a:pPr>
                       <a:r>
-                        <a:rPr sz="900" spc="0" dirty="0">
+                        <a:rPr lang="es-ES" sz="900">
                           <a:solidFill>
                             <a:srgbClr val="020302"/>
                           </a:solidFill>
@@ -3415,10 +3046,6 @@
                         </a:rPr>
                         <a:t></a:t>
                       </a:r>
-                      <a:endParaRPr sz="900" spc="0">
-                        <a:latin typeface="Wingdings"/>
-                        <a:cs typeface="Wingdings"/>
-                      </a:endParaRPr>
                     </a:p>
                   </a:txBody>
                   <a:tcPr marL="0" marR="0" marT="64135" marB="0">
@@ -3442,7 +3069,7 @@
                   </a:ext>
                 </a:extLst>
               </a:tr>
-              <a:tr h="264424">
+              <a:tr h="249845">
                 <a:tc rowSpan="12">
                   <a:txBody>
                     <a:bodyPr/>
@@ -3457,22 +3084,15 @@
                         </a:spcBef>
                       </a:pPr>
                       <a:r>
-                        <a:rPr lang="en-US" sz="1000" b="1" i="0" spc="0" dirty="0">
+                        <a:rPr lang="es-ES" sz="1000" b="1" i="0">
                           <a:solidFill>
                             <a:schemeClr val="bg1"/>
                           </a:solidFill>
                           <a:latin typeface="Adobe Clean" panose="020B0503020404020204" pitchFamily="34" charset="0"/>
                           <a:cs typeface="AdobeClean-Light"/>
                         </a:rPr>
-                        <a:t>Support Services</a:t>
+                        <a:t>Servicios de soporte</a:t>
                       </a:r>
-                      <a:endParaRPr sz="1000" b="1" i="0" spc="0" dirty="0">
-                        <a:solidFill>
-                          <a:schemeClr val="bg1"/>
-                        </a:solidFill>
-                        <a:latin typeface="Adobe Clean" panose="020B0503020404020204" pitchFamily="34" charset="0"/>
-                        <a:cs typeface="AdobeClean-Light"/>
-                      </a:endParaRPr>
                     </a:p>
                   </a:txBody>
                   <a:tcPr marL="0" marR="0" marT="57150" marB="0" anchor="ctr">
@@ -3528,29 +3148,15 @@
                         </a:spcBef>
                       </a:pPr>
                       <a:r>
-                        <a:rPr lang="en-US" sz="900" spc="0" dirty="0">
+                        <a:rPr lang="es-ES" sz="900">
                           <a:solidFill>
                             <a:srgbClr val="020302"/>
                           </a:solidFill>
                           <a:latin typeface="AdobeClean-Light"/>
                           <a:cs typeface="AdobeClean-Light"/>
                         </a:rPr>
-                        <a:t>Online </a:t>
+                        <a:t>Soporte Online</a:t>
                       </a:r>
-                      <a:r>
-                        <a:rPr sz="900" spc="0" dirty="0">
-                          <a:solidFill>
-                            <a:srgbClr val="020302"/>
-                          </a:solidFill>
-                          <a:latin typeface="AdobeClean-Light"/>
-                          <a:cs typeface="AdobeClean-Light"/>
-                        </a:rPr>
-                        <a:t> Support</a:t>
-                      </a:r>
-                      <a:endParaRPr sz="900" spc="0" dirty="0">
-                        <a:latin typeface="AdobeClean-Light"/>
-                        <a:cs typeface="AdobeClean-Light"/>
-                      </a:endParaRPr>
                     </a:p>
                   </a:txBody>
                   <a:tcPr marL="0" marR="0" marT="57150" marB="0">
@@ -3588,19 +3194,15 @@
                         </a:spcBef>
                       </a:pPr>
                       <a:r>
-                        <a:rPr sz="800" spc="0" dirty="0">
+                        <a:rPr lang="es-ES" sz="800">
                           <a:solidFill>
                             <a:srgbClr val="020302"/>
                           </a:solidFill>
                           <a:latin typeface="AdobeClean-Light"/>
                           <a:cs typeface="AdobeClean-Light"/>
                         </a:rPr>
-                        <a:t>Business hours</a:t>
+                        <a:t>Horario de trabajo</a:t>
                       </a:r>
-                      <a:endParaRPr sz="800" spc="0" dirty="0">
-                        <a:latin typeface="AdobeClean-Light"/>
-                        <a:cs typeface="AdobeClean-Light"/>
-                      </a:endParaRPr>
                     </a:p>
                   </a:txBody>
                   <a:tcPr marL="0" marR="0" marT="67945" marB="0">
@@ -3637,19 +3239,15 @@
                         </a:spcBef>
                       </a:pPr>
                       <a:r>
-                        <a:rPr sz="800" spc="0" dirty="0">
+                        <a:rPr lang="es-ES" sz="800">
                           <a:solidFill>
                             <a:srgbClr val="020302"/>
                           </a:solidFill>
                           <a:latin typeface="AdobeClean-Light"/>
                           <a:cs typeface="AdobeClean-Light"/>
                         </a:rPr>
-                        <a:t>Business hours</a:t>
+                        <a:t>Horario de trabajo</a:t>
                       </a:r>
-                      <a:endParaRPr sz="800" spc="0" dirty="0">
-                        <a:latin typeface="AdobeClean-Light"/>
-                        <a:cs typeface="AdobeClean-Light"/>
-                      </a:endParaRPr>
                     </a:p>
                   </a:txBody>
                   <a:tcPr marL="0" marR="0" marT="67945" marB="0">
@@ -3666,7 +3264,7 @@
                     <a:bodyPr/>
                     <a:lstStyle/>
                     <a:p>
-                      <a:pPr algn="ctr">
+                      <a:pPr algn="l" rtl="0">
                         <a:lnSpc>
                           <a:spcPct val="100000"/>
                         </a:lnSpc>
@@ -3706,19 +3304,15 @@
                         </a:spcBef>
                       </a:pPr>
                       <a:r>
-                        <a:rPr sz="800" spc="0" dirty="0">
+                        <a:rPr lang="es-ES" sz="800">
                           <a:solidFill>
                             <a:srgbClr val="020302"/>
                           </a:solidFill>
                           <a:latin typeface="AdobeClean-Light"/>
                           <a:cs typeface="AdobeClean-Light"/>
                         </a:rPr>
-                        <a:t>24X5</a:t>
+                        <a:t>24x5</a:t>
                       </a:r>
-                      <a:endParaRPr sz="800" spc="0">
-                        <a:latin typeface="AdobeClean-Light"/>
-                        <a:cs typeface="AdobeClean-Light"/>
-                      </a:endParaRPr>
                     </a:p>
                   </a:txBody>
                   <a:tcPr marL="0" marR="0" marT="67945" marB="0">
@@ -3744,19 +3338,15 @@
                         </a:spcBef>
                       </a:pPr>
                       <a:r>
-                        <a:rPr sz="800" spc="0" dirty="0">
+                        <a:rPr lang="es-ES" sz="800">
                           <a:solidFill>
                             <a:srgbClr val="020302"/>
                           </a:solidFill>
                           <a:latin typeface="AdobeClean-Light"/>
                           <a:cs typeface="AdobeClean-Light"/>
                         </a:rPr>
-                        <a:t>24X5</a:t>
+                        <a:t>24x5</a:t>
                       </a:r>
-                      <a:endParaRPr sz="800" spc="0" dirty="0">
-                        <a:latin typeface="AdobeClean-Light"/>
-                        <a:cs typeface="AdobeClean-Light"/>
-                      </a:endParaRPr>
                     </a:p>
                   </a:txBody>
                   <a:tcPr marL="0" marR="0" marT="67945" marB="0">
@@ -3780,13 +3370,13 @@
                   </a:ext>
                 </a:extLst>
               </a:tr>
-              <a:tr h="264424">
+              <a:tr h="249845">
                 <a:tc vMerge="1">
                   <a:txBody>
                     <a:bodyPr/>
                     <a:lstStyle/>
                     <a:p>
-                      <a:pPr marL="50800">
+                      <a:pPr marL="50800" algn="l" rtl="0">
                         <a:lnSpc>
                           <a:spcPct val="100000"/>
                         </a:lnSpc>
@@ -3835,39 +3425,15 @@
                         </a:spcBef>
                       </a:pPr>
                       <a:r>
-                        <a:rPr sz="900" spc="0" dirty="0">
+                        <a:rPr lang="es-ES" sz="900">
                           <a:solidFill>
                             <a:srgbClr val="020302"/>
                           </a:solidFill>
                           <a:latin typeface="AdobeClean-Light"/>
                           <a:cs typeface="AdobeClean-Light"/>
                         </a:rPr>
-                        <a:t>24x7</a:t>
+                        <a:t>Soporte con problemas P1 24 x 7 x 365</a:t>
                       </a:r>
-                      <a:r>
-                        <a:rPr lang="en-US" sz="900" spc="0" dirty="0">
-                          <a:solidFill>
-                            <a:srgbClr val="020302"/>
-                          </a:solidFill>
-                          <a:latin typeface="AdobeClean-Light"/>
-                          <a:cs typeface="AdobeClean-Light"/>
-                        </a:rPr>
-                        <a:t>x365</a:t>
-                      </a:r>
-                      <a:r>
-                        <a:rPr sz="900" spc="0" dirty="0">
-                          <a:solidFill>
-                            <a:srgbClr val="020302"/>
-                          </a:solidFill>
-                          <a:latin typeface="AdobeClean-Light"/>
-                          <a:cs typeface="AdobeClean-Light"/>
-                        </a:rPr>
-                        <a:t> P1 Issue Support</a:t>
-                      </a:r>
-                      <a:endParaRPr sz="900" spc="0" dirty="0">
-                        <a:latin typeface="AdobeClean-Light"/>
-                        <a:cs typeface="AdobeClean-Light"/>
-                      </a:endParaRPr>
                     </a:p>
                   </a:txBody>
                   <a:tcPr marL="0" marR="0" marT="57785" marB="0">
@@ -3899,7 +3465,7 @@
                         </a:spcBef>
                       </a:pPr>
                       <a:r>
-                        <a:rPr sz="900" spc="0" dirty="0">
+                        <a:rPr lang="es-ES" sz="900">
                           <a:solidFill>
                             <a:srgbClr val="020302"/>
                           </a:solidFill>
@@ -3908,10 +3474,6 @@
                         </a:rPr>
                         <a:t></a:t>
                       </a:r>
-                      <a:endParaRPr sz="900" spc="0">
-                        <a:latin typeface="Wingdings"/>
-                        <a:cs typeface="Wingdings"/>
-                      </a:endParaRPr>
                     </a:p>
                   </a:txBody>
                   <a:tcPr marL="0" marR="0" marT="58419" marB="0">
@@ -3942,7 +3504,7 @@
                         </a:spcBef>
                       </a:pPr>
                       <a:r>
-                        <a:rPr sz="900" spc="0" dirty="0">
+                        <a:rPr lang="es-ES" sz="900">
                           <a:solidFill>
                             <a:srgbClr val="020302"/>
                           </a:solidFill>
@@ -3951,10 +3513,6 @@
                         </a:rPr>
                         <a:t></a:t>
                       </a:r>
-                      <a:endParaRPr sz="900" spc="0">
-                        <a:latin typeface="Wingdings"/>
-                        <a:cs typeface="Wingdings"/>
-                      </a:endParaRPr>
                     </a:p>
                   </a:txBody>
                   <a:tcPr marL="0" marR="0" marT="58419" marB="0"/>
@@ -3964,7 +3522,7 @@
                     <a:bodyPr/>
                     <a:lstStyle/>
                     <a:p>
-                      <a:pPr algn="ctr">
+                      <a:pPr algn="l" rtl="0">
                         <a:lnSpc>
                           <a:spcPct val="100000"/>
                         </a:lnSpc>
@@ -3994,7 +3552,7 @@
                         </a:spcBef>
                       </a:pPr>
                       <a:r>
-                        <a:rPr sz="900" spc="0" dirty="0">
+                        <a:rPr lang="es-ES" sz="900">
                           <a:solidFill>
                             <a:srgbClr val="020302"/>
                           </a:solidFill>
@@ -4003,10 +3561,6 @@
                         </a:rPr>
                         <a:t></a:t>
                       </a:r>
-                      <a:endParaRPr sz="900" spc="0">
-                        <a:latin typeface="Wingdings"/>
-                        <a:cs typeface="Wingdings"/>
-                      </a:endParaRPr>
                     </a:p>
                   </a:txBody>
                   <a:tcPr marL="0" marR="0" marT="58419" marB="0"/>
@@ -4025,7 +3579,7 @@
                         </a:spcBef>
                       </a:pPr>
                       <a:r>
-                        <a:rPr sz="900" spc="0" dirty="0">
+                        <a:rPr lang="es-ES" sz="900">
                           <a:solidFill>
                             <a:srgbClr val="020302"/>
                           </a:solidFill>
@@ -4034,10 +3588,6 @@
                         </a:rPr>
                         <a:t></a:t>
                       </a:r>
-                      <a:endParaRPr sz="900" spc="0">
-                        <a:latin typeface="Wingdings"/>
-                        <a:cs typeface="Wingdings"/>
-                      </a:endParaRPr>
                     </a:p>
                   </a:txBody>
                   <a:tcPr marL="0" marR="0" marT="58419" marB="0">
@@ -4055,13 +3605,13 @@
                   </a:ext>
                 </a:extLst>
               </a:tr>
-              <a:tr h="264424">
+              <a:tr h="249845">
                 <a:tc vMerge="1">
                   <a:txBody>
                     <a:bodyPr/>
                     <a:lstStyle/>
                     <a:p>
-                      <a:pPr marL="50800">
+                      <a:pPr marL="50800" algn="l" rtl="0">
                         <a:lnSpc>
                           <a:spcPct val="100000"/>
                         </a:lnSpc>
@@ -4110,19 +3660,15 @@
                         </a:spcBef>
                       </a:pPr>
                       <a:r>
-                        <a:rPr lang="en-US" sz="900" spc="0" dirty="0">
+                        <a:rPr lang="es-ES" sz="900">
                           <a:solidFill>
                             <a:srgbClr val="020302"/>
                           </a:solidFill>
                           <a:latin typeface="AdobeClean-Light"/>
                           <a:cs typeface="AdobeClean-Light"/>
                         </a:rPr>
-                        <a:t>Named Support Contacts (per product)</a:t>
+                        <a:t>Contactos de soporte particulares (por producto)</a:t>
                       </a:r>
-                      <a:endParaRPr sz="900" spc="0" dirty="0">
-                        <a:latin typeface="AdobeClean-Light"/>
-                        <a:cs typeface="AdobeClean-Light"/>
-                      </a:endParaRPr>
                     </a:p>
                   </a:txBody>
                   <a:tcPr marL="0" marR="0" marT="57785" marB="0">
@@ -4154,7 +3700,7 @@
                         </a:spcBef>
                       </a:pPr>
                       <a:r>
-                        <a:rPr sz="900" spc="0" dirty="0">
+                        <a:rPr lang="es-ES" sz="900">
                           <a:solidFill>
                             <a:srgbClr val="020302"/>
                           </a:solidFill>
@@ -4163,10 +3709,6 @@
                         </a:rPr>
                         <a:t>4</a:t>
                       </a:r>
-                      <a:endParaRPr sz="900" spc="0" dirty="0">
-                        <a:latin typeface="AdobeClean-Light"/>
-                        <a:cs typeface="AdobeClean-Light"/>
-                      </a:endParaRPr>
                     </a:p>
                   </a:txBody>
                   <a:tcPr marL="0" marR="0" marT="57785" marB="0">
@@ -4197,7 +3739,7 @@
                         </a:spcBef>
                       </a:pPr>
                       <a:r>
-                        <a:rPr sz="900" spc="0" dirty="0">
+                        <a:rPr lang="es-ES" sz="900">
                           <a:solidFill>
                             <a:srgbClr val="020302"/>
                           </a:solidFill>
@@ -4206,10 +3748,6 @@
                         </a:rPr>
                         <a:t>6</a:t>
                       </a:r>
-                      <a:endParaRPr sz="900" spc="0">
-                        <a:latin typeface="AdobeClean-Light"/>
-                        <a:cs typeface="AdobeClean-Light"/>
-                      </a:endParaRPr>
                     </a:p>
                   </a:txBody>
                   <a:tcPr marL="0" marR="0" marT="57785" marB="0"/>
@@ -4219,7 +3757,7 @@
                     <a:bodyPr/>
                     <a:lstStyle/>
                     <a:p>
-                      <a:pPr algn="ctr">
+                      <a:pPr algn="l" rtl="0">
                         <a:lnSpc>
                           <a:spcPct val="100000"/>
                         </a:lnSpc>
@@ -4249,7 +3787,7 @@
                         </a:spcBef>
                       </a:pPr>
                       <a:r>
-                        <a:rPr sz="900" spc="0" dirty="0">
+                        <a:rPr lang="es-ES" sz="900">
                           <a:solidFill>
                             <a:srgbClr val="020302"/>
                           </a:solidFill>
@@ -4258,10 +3796,6 @@
                         </a:rPr>
                         <a:t>10</a:t>
                       </a:r>
-                      <a:endParaRPr sz="900" spc="0">
-                        <a:latin typeface="AdobeClean-Light"/>
-                        <a:cs typeface="AdobeClean-Light"/>
-                      </a:endParaRPr>
                     </a:p>
                   </a:txBody>
                   <a:tcPr marL="0" marR="0" marT="57785" marB="0"/>
@@ -4280,7 +3814,7 @@
                         </a:spcBef>
                       </a:pPr>
                       <a:r>
-                        <a:rPr sz="900" spc="0" dirty="0">
+                        <a:rPr lang="es-ES" sz="900">
                           <a:solidFill>
                             <a:srgbClr val="020302"/>
                           </a:solidFill>
@@ -4289,10 +3823,6 @@
                         </a:rPr>
                         <a:t>15</a:t>
                       </a:r>
-                      <a:endParaRPr sz="900" spc="0">
-                        <a:latin typeface="AdobeClean-Light"/>
-                        <a:cs typeface="AdobeClean-Light"/>
-                      </a:endParaRPr>
                     </a:p>
                   </a:txBody>
                   <a:tcPr marL="0" marR="0" marT="57785" marB="0">
@@ -4310,13 +3840,13 @@
                   </a:ext>
                 </a:extLst>
               </a:tr>
-              <a:tr h="264424">
+              <a:tr h="249845">
                 <a:tc vMerge="1">
                   <a:txBody>
                     <a:bodyPr/>
                     <a:lstStyle/>
                     <a:p>
-                      <a:pPr marL="50800">
+                      <a:pPr marL="50800" algn="l" rtl="0">
                         <a:lnSpc>
                           <a:spcPct val="100000"/>
                         </a:lnSpc>
@@ -4365,19 +3895,15 @@
                         </a:spcBef>
                       </a:pPr>
                       <a:r>
-                        <a:rPr lang="en-US" sz="900" spc="0" dirty="0">
+                        <a:rPr lang="es-ES" sz="900">
                           <a:solidFill>
                             <a:srgbClr val="020302"/>
                           </a:solidFill>
                           <a:latin typeface="AdobeClean-Light"/>
                           <a:cs typeface="AdobeClean-Light"/>
                         </a:rPr>
-                        <a:t>Live Telephone Support</a:t>
+                        <a:t>Asistencia telefónica en directo</a:t>
                       </a:r>
-                      <a:endParaRPr sz="900" spc="0" dirty="0">
-                        <a:latin typeface="AdobeClean-Light"/>
-                        <a:cs typeface="AdobeClean-Light"/>
-                      </a:endParaRPr>
                     </a:p>
                   </a:txBody>
                   <a:tcPr marL="0" marR="0" marT="57785" marB="0">
@@ -4400,7 +3926,7 @@
                     <a:bodyPr/>
                     <a:lstStyle/>
                     <a:p>
-                      <a:pPr>
+                      <a:pPr algn="l" rtl="0">
                         <a:lnSpc>
                           <a:spcPct val="100000"/>
                         </a:lnSpc>
@@ -4439,7 +3965,7 @@
                         </a:spcBef>
                       </a:pPr>
                       <a:r>
-                        <a:rPr sz="900" spc="0" dirty="0">
+                        <a:rPr lang="es-ES" sz="900">
                           <a:solidFill>
                             <a:srgbClr val="020302"/>
                           </a:solidFill>
@@ -4448,10 +3974,6 @@
                         </a:rPr>
                         <a:t></a:t>
                       </a:r>
-                      <a:endParaRPr sz="900" spc="0">
-                        <a:latin typeface="Wingdings"/>
-                        <a:cs typeface="Wingdings"/>
-                      </a:endParaRPr>
                     </a:p>
                   </a:txBody>
                   <a:tcPr marL="0" marR="0" marT="59054" marB="0"/>
@@ -4461,7 +3983,7 @@
                     <a:bodyPr/>
                     <a:lstStyle/>
                     <a:p>
-                      <a:pPr algn="ctr">
+                      <a:pPr algn="l" rtl="0">
                         <a:lnSpc>
                           <a:spcPct val="100000"/>
                         </a:lnSpc>
@@ -4491,7 +4013,7 @@
                         </a:spcBef>
                       </a:pPr>
                       <a:r>
-                        <a:rPr sz="900" spc="0" dirty="0">
+                        <a:rPr lang="es-ES" sz="900">
                           <a:solidFill>
                             <a:srgbClr val="020302"/>
                           </a:solidFill>
@@ -4500,10 +4022,6 @@
                         </a:rPr>
                         <a:t></a:t>
                       </a:r>
-                      <a:endParaRPr sz="900" spc="0">
-                        <a:latin typeface="Wingdings"/>
-                        <a:cs typeface="Wingdings"/>
-                      </a:endParaRPr>
                     </a:p>
                   </a:txBody>
                   <a:tcPr marL="0" marR="0" marT="59054" marB="0"/>
@@ -4522,7 +4040,7 @@
                         </a:spcBef>
                       </a:pPr>
                       <a:r>
-                        <a:rPr sz="900" spc="0" dirty="0">
+                        <a:rPr lang="es-ES" sz="900">
                           <a:solidFill>
                             <a:srgbClr val="020302"/>
                           </a:solidFill>
@@ -4531,10 +4049,6 @@
                         </a:rPr>
                         <a:t></a:t>
                       </a:r>
-                      <a:endParaRPr sz="900" spc="0">
-                        <a:latin typeface="Wingdings"/>
-                        <a:cs typeface="Wingdings"/>
-                      </a:endParaRPr>
                     </a:p>
                   </a:txBody>
                   <a:tcPr marL="0" marR="0" marT="59054" marB="0">
@@ -4552,13 +4066,13 @@
                   </a:ext>
                 </a:extLst>
               </a:tr>
-              <a:tr h="264424">
+              <a:tr h="249845">
                 <a:tc vMerge="1">
                   <a:txBody>
                     <a:bodyPr/>
                     <a:lstStyle/>
                     <a:p>
-                      <a:pPr marL="50800">
+                      <a:pPr marL="50800" algn="l" rtl="0">
                         <a:lnSpc>
                           <a:spcPct val="100000"/>
                         </a:lnSpc>
@@ -4607,19 +4121,15 @@
                         </a:spcBef>
                       </a:pPr>
                       <a:r>
-                        <a:rPr sz="900" spc="0" dirty="0">
+                        <a:rPr lang="es-ES" sz="900">
                           <a:solidFill>
                             <a:srgbClr val="020302"/>
                           </a:solidFill>
                           <a:latin typeface="AdobeClean-Light"/>
                           <a:cs typeface="AdobeClean-Light"/>
                         </a:rPr>
-                        <a:t>Escalation Management</a:t>
+                        <a:t>Administración de la escalabilidad</a:t>
                       </a:r>
-                      <a:endParaRPr sz="900" spc="0" dirty="0">
-                        <a:latin typeface="AdobeClean-Light"/>
-                        <a:cs typeface="AdobeClean-Light"/>
-                      </a:endParaRPr>
                     </a:p>
                   </a:txBody>
                   <a:tcPr marL="0" marR="0" marT="58419" marB="0">
@@ -4642,7 +4152,7 @@
                     <a:bodyPr/>
                     <a:lstStyle/>
                     <a:p>
-                      <a:pPr>
+                      <a:pPr algn="l" rtl="0">
                         <a:lnSpc>
                           <a:spcPct val="100000"/>
                         </a:lnSpc>
@@ -4681,7 +4191,7 @@
                         </a:spcBef>
                       </a:pPr>
                       <a:r>
-                        <a:rPr sz="900" spc="0" dirty="0">
+                        <a:rPr lang="es-ES" sz="900">
                           <a:solidFill>
                             <a:srgbClr val="020302"/>
                           </a:solidFill>
@@ -4690,10 +4200,6 @@
                         </a:rPr>
                         <a:t></a:t>
                       </a:r>
-                      <a:endParaRPr sz="900" spc="0" dirty="0">
-                        <a:latin typeface="Wingdings"/>
-                        <a:cs typeface="Wingdings"/>
-                      </a:endParaRPr>
                     </a:p>
                   </a:txBody>
                   <a:tcPr marL="0" marR="0" marT="59690" marB="0"/>
@@ -4703,7 +4209,7 @@
                     <a:bodyPr/>
                     <a:lstStyle/>
                     <a:p>
-                      <a:pPr algn="ctr">
+                      <a:pPr algn="l" rtl="0">
                         <a:lnSpc>
                           <a:spcPct val="100000"/>
                         </a:lnSpc>
@@ -4733,7 +4239,7 @@
                         </a:spcBef>
                       </a:pPr>
                       <a:r>
-                        <a:rPr sz="900" spc="0" dirty="0">
+                        <a:rPr lang="es-ES" sz="900">
                           <a:solidFill>
                             <a:srgbClr val="020302"/>
                           </a:solidFill>
@@ -4742,10 +4248,6 @@
                         </a:rPr>
                         <a:t></a:t>
                       </a:r>
-                      <a:endParaRPr sz="900" spc="0">
-                        <a:latin typeface="Wingdings"/>
-                        <a:cs typeface="Wingdings"/>
-                      </a:endParaRPr>
                     </a:p>
                   </a:txBody>
                   <a:tcPr marL="0" marR="0" marT="59690" marB="0"/>
@@ -4764,7 +4266,7 @@
                         </a:spcBef>
                       </a:pPr>
                       <a:r>
-                        <a:rPr sz="900" spc="0" dirty="0">
+                        <a:rPr lang="es-ES" sz="900">
                           <a:solidFill>
                             <a:srgbClr val="020302"/>
                           </a:solidFill>
@@ -4773,10 +4275,6 @@
                         </a:rPr>
                         <a:t></a:t>
                       </a:r>
-                      <a:endParaRPr sz="900" spc="0" dirty="0">
-                        <a:latin typeface="Wingdings"/>
-                        <a:cs typeface="Wingdings"/>
-                      </a:endParaRPr>
                     </a:p>
                   </a:txBody>
                   <a:tcPr marL="0" marR="0" marT="59690" marB="0">
@@ -4794,13 +4292,13 @@
                   </a:ext>
                 </a:extLst>
               </a:tr>
-              <a:tr h="264424">
+              <a:tr h="249845">
                 <a:tc vMerge="1">
                   <a:txBody>
                     <a:bodyPr/>
                     <a:lstStyle/>
                     <a:p>
-                      <a:pPr marL="50800">
+                      <a:pPr marL="50800" algn="l" rtl="0">
                         <a:lnSpc>
                           <a:spcPct val="100000"/>
                         </a:lnSpc>
@@ -4849,19 +4347,15 @@
                         </a:spcBef>
                       </a:pPr>
                       <a:r>
-                        <a:rPr sz="900" spc="0" dirty="0">
+                        <a:rPr lang="es-ES" sz="900">
                           <a:solidFill>
                             <a:srgbClr val="020302"/>
                           </a:solidFill>
                           <a:latin typeface="AdobeClean-Light"/>
                           <a:cs typeface="AdobeClean-Light"/>
                         </a:rPr>
-                        <a:t>Service Reviews  per Year</a:t>
+                        <a:t>Revisiones de servicio al año</a:t>
                       </a:r>
-                      <a:endParaRPr sz="900" spc="0" dirty="0">
-                        <a:latin typeface="AdobeClean-Light"/>
-                        <a:cs typeface="AdobeClean-Light"/>
-                      </a:endParaRPr>
                     </a:p>
                   </a:txBody>
                   <a:tcPr marL="0" marR="0" marT="57150" marB="0">
@@ -4884,7 +4378,7 @@
                     <a:bodyPr/>
                     <a:lstStyle/>
                     <a:p>
-                      <a:pPr>
+                      <a:pPr algn="l" rtl="0">
                         <a:lnSpc>
                           <a:spcPct val="100000"/>
                         </a:lnSpc>
@@ -4914,7 +4408,7 @@
                     <a:bodyPr/>
                     <a:lstStyle/>
                     <a:p>
-                      <a:pPr>
+                      <a:pPr algn="l" rtl="0">
                         <a:lnSpc>
                           <a:spcPct val="100000"/>
                         </a:lnSpc>
@@ -4932,7 +4426,7 @@
                     <a:bodyPr/>
                     <a:lstStyle/>
                     <a:p>
-                      <a:pPr>
+                      <a:pPr algn="l" rtl="0">
                         <a:lnSpc>
                           <a:spcPct val="100000"/>
                         </a:lnSpc>
@@ -4959,7 +4453,7 @@
                         </a:spcBef>
                       </a:pPr>
                       <a:r>
-                        <a:rPr sz="900" spc="0" dirty="0">
+                        <a:rPr lang="es-ES" sz="900">
                           <a:solidFill>
                             <a:srgbClr val="020302"/>
                           </a:solidFill>
@@ -4968,10 +4462,6 @@
                         </a:rPr>
                         <a:t>2</a:t>
                       </a:r>
-                      <a:endParaRPr sz="900" spc="0" dirty="0">
-                        <a:latin typeface="AdobeClean-Light"/>
-                        <a:cs typeface="AdobeClean-Light"/>
-                      </a:endParaRPr>
                     </a:p>
                   </a:txBody>
                   <a:tcPr marL="0" marR="0" marT="57150" marB="0"/>
@@ -4990,7 +4480,7 @@
                         </a:spcBef>
                       </a:pPr>
                       <a:r>
-                        <a:rPr sz="900" spc="0" dirty="0">
+                        <a:rPr lang="es-ES" sz="900">
                           <a:solidFill>
                             <a:srgbClr val="020302"/>
                           </a:solidFill>
@@ -4999,10 +4489,6 @@
                         </a:rPr>
                         <a:t>4</a:t>
                       </a:r>
-                      <a:endParaRPr sz="900" spc="0" dirty="0">
-                        <a:latin typeface="AdobeClean-Light"/>
-                        <a:cs typeface="AdobeClean-Light"/>
-                      </a:endParaRPr>
                     </a:p>
                   </a:txBody>
                   <a:tcPr marL="0" marR="0" marT="57150" marB="0">
@@ -5020,7 +4506,7 @@
                   </a:ext>
                 </a:extLst>
               </a:tr>
-              <a:tr h="264424">
+              <a:tr h="249845">
                 <a:tc vMerge="1">
                   <a:txBody>
                     <a:bodyPr/>
@@ -5045,16 +4531,12 @@
                         </a:spcBef>
                       </a:pPr>
                       <a:r>
-                        <a:rPr lang="en-US" sz="900" spc="0" dirty="0">
+                        <a:rPr lang="es-ES" sz="900">
                           <a:latin typeface="AdobeClean-Light"/>
                           <a:cs typeface="AdobeClean-Light"/>
                         </a:rPr>
-                        <a:t>Expert Sessions per Year</a:t>
+                        <a:t>Sesiones con expertos al año</a:t>
                       </a:r>
-                      <a:endParaRPr sz="900" spc="0" dirty="0">
-                        <a:latin typeface="AdobeClean-Light"/>
-                        <a:cs typeface="AdobeClean-Light"/>
-                      </a:endParaRPr>
                     </a:p>
                   </a:txBody>
                   <a:tcPr marL="0" marR="0" marT="57150" marB="0">
@@ -5083,7 +4565,7 @@
                     <a:bodyPr/>
                     <a:lstStyle/>
                     <a:p>
-                      <a:pPr>
+                      <a:pPr algn="l" rtl="0">
                         <a:lnSpc>
                           <a:spcPct val="100000"/>
                         </a:lnSpc>
@@ -5116,7 +4598,7 @@
                     <a:bodyPr/>
                     <a:lstStyle/>
                     <a:p>
-                      <a:pPr>
+                      <a:pPr algn="l" rtl="0">
                         <a:lnSpc>
                           <a:spcPct val="100000"/>
                         </a:lnSpc>
@@ -5153,16 +4635,12 @@
                         </a:spcBef>
                       </a:pPr>
                       <a:r>
-                        <a:rPr lang="en-US" sz="900" spc="0" dirty="0">
+                        <a:rPr lang="es-ES" sz="900">
                           <a:latin typeface="AdobeClean-Light"/>
                           <a:cs typeface="AdobeClean-Light"/>
                         </a:rPr>
                         <a:t>2</a:t>
                       </a:r>
-                      <a:endParaRPr sz="900" spc="0" dirty="0">
-                        <a:latin typeface="AdobeClean-Light"/>
-                        <a:cs typeface="AdobeClean-Light"/>
-                      </a:endParaRPr>
                     </a:p>
                   </a:txBody>
                   <a:tcPr marL="0" marR="0" marT="57150" marB="0"/>
@@ -5181,16 +4659,12 @@
                         </a:spcBef>
                       </a:pPr>
                       <a:r>
-                        <a:rPr lang="en-US" sz="900" spc="0" dirty="0">
+                        <a:rPr lang="es-ES" sz="900">
                           <a:latin typeface="AdobeClean-Light"/>
                           <a:cs typeface="AdobeClean-Light"/>
                         </a:rPr>
                         <a:t>4</a:t>
                       </a:r>
-                      <a:endParaRPr sz="900" spc="0" dirty="0">
-                        <a:latin typeface="AdobeClean-Light"/>
-                        <a:cs typeface="AdobeClean-Light"/>
-                      </a:endParaRPr>
                     </a:p>
                   </a:txBody>
                   <a:tcPr marL="0" marR="0" marT="57150" marB="0">
@@ -5208,7 +4682,7 @@
                   </a:ext>
                 </a:extLst>
               </a:tr>
-              <a:tr h="264424">
+              <a:tr h="249845">
                 <a:tc vMerge="1">
                   <a:txBody>
                     <a:bodyPr/>
@@ -5233,16 +4707,12 @@
                         </a:spcBef>
                       </a:pPr>
                       <a:r>
-                        <a:rPr lang="en-US" sz="900" spc="0" dirty="0">
+                        <a:rPr lang="es-ES" sz="900">
                           <a:latin typeface="AdobeClean-Light"/>
                           <a:cs typeface="AdobeClean-Light"/>
                         </a:rPr>
-                        <a:t>Case Reviews</a:t>
+                        <a:t>Reseñas de casos</a:t>
                       </a:r>
-                      <a:endParaRPr sz="900" spc="0" dirty="0">
-                        <a:latin typeface="AdobeClean-Light"/>
-                        <a:cs typeface="AdobeClean-Light"/>
-                      </a:endParaRPr>
                     </a:p>
                   </a:txBody>
                   <a:tcPr marL="0" marR="0" marT="57150" marB="0">
@@ -5271,7 +4741,7 @@
                     <a:bodyPr/>
                     <a:lstStyle/>
                     <a:p>
-                      <a:pPr>
+                      <a:pPr algn="l" rtl="0">
                         <a:lnSpc>
                           <a:spcPct val="100000"/>
                         </a:lnSpc>
@@ -5304,7 +4774,7 @@
                     <a:bodyPr/>
                     <a:lstStyle/>
                     <a:p>
-                      <a:pPr>
+                      <a:pPr algn="l" rtl="0">
                         <a:lnSpc>
                           <a:spcPct val="100000"/>
                         </a:lnSpc>
@@ -5350,7 +4820,7 @@
                         <a:defRPr/>
                       </a:pPr>
                       <a:r>
-                        <a:rPr lang="en-US" sz="900" spc="0" dirty="0">
+                        <a:rPr lang="es-ES" sz="900">
                           <a:solidFill>
                             <a:srgbClr val="020302"/>
                           </a:solidFill>
@@ -5359,10 +4829,6 @@
                         </a:rPr>
                         <a:t></a:t>
                       </a:r>
-                      <a:endParaRPr lang="en-US" sz="900" spc="0" dirty="0">
-                        <a:latin typeface="Wingdings"/>
-                        <a:cs typeface="Wingdings"/>
-                      </a:endParaRPr>
                     </a:p>
                   </a:txBody>
                   <a:tcPr marL="0" marR="0" marT="57150" marB="0"/>
@@ -5390,7 +4856,7 @@
                         <a:defRPr/>
                       </a:pPr>
                       <a:r>
-                        <a:rPr lang="en-US" sz="900" spc="0" dirty="0">
+                        <a:rPr lang="es-ES" sz="900">
                           <a:solidFill>
                             <a:srgbClr val="020302"/>
                           </a:solidFill>
@@ -5399,10 +4865,6 @@
                         </a:rPr>
                         <a:t></a:t>
                       </a:r>
-                      <a:endParaRPr lang="en-US" sz="900" spc="0" dirty="0">
-                        <a:latin typeface="Wingdings"/>
-                        <a:cs typeface="Wingdings"/>
-                      </a:endParaRPr>
                     </a:p>
                   </a:txBody>
                   <a:tcPr marL="0" marR="0" marT="57150" marB="0">
@@ -5420,13 +4882,13 @@
                   </a:ext>
                 </a:extLst>
               </a:tr>
-              <a:tr h="264424">
+              <a:tr h="249845">
                 <a:tc vMerge="1">
                   <a:txBody>
                     <a:bodyPr/>
                     <a:lstStyle/>
                     <a:p>
-                      <a:pPr marL="48895">
+                      <a:pPr marL="48895" algn="l" rtl="0">
                         <a:lnSpc>
                           <a:spcPct val="100000"/>
                         </a:lnSpc>
@@ -5475,19 +4937,15 @@
                         </a:spcBef>
                       </a:pPr>
                       <a:r>
-                        <a:rPr sz="900" spc="0" dirty="0">
+                        <a:rPr lang="es-ES" sz="900">
                           <a:solidFill>
                             <a:srgbClr val="020302"/>
                           </a:solidFill>
                           <a:latin typeface="AdobeClean-Light"/>
                           <a:cs typeface="AdobeClean-Light"/>
                         </a:rPr>
-                        <a:t>Event Management</a:t>
+                        <a:t>Gestión de eventos</a:t>
                       </a:r>
-                      <a:endParaRPr sz="900" spc="0" dirty="0">
-                        <a:latin typeface="AdobeClean-Light"/>
-                        <a:cs typeface="AdobeClean-Light"/>
-                      </a:endParaRPr>
                     </a:p>
                   </a:txBody>
                   <a:tcPr marL="0" marR="0" marT="58419" marB="0">
@@ -5510,7 +4968,7 @@
                     <a:bodyPr/>
                     <a:lstStyle/>
                     <a:p>
-                      <a:pPr>
+                      <a:pPr algn="l" rtl="0">
                         <a:lnSpc>
                           <a:spcPct val="100000"/>
                         </a:lnSpc>
@@ -5540,7 +4998,7 @@
                     <a:bodyPr/>
                     <a:lstStyle/>
                     <a:p>
-                      <a:pPr>
+                      <a:pPr algn="l" rtl="0">
                         <a:lnSpc>
                           <a:spcPct val="100000"/>
                         </a:lnSpc>
@@ -5558,7 +5016,7 @@
                     <a:bodyPr/>
                     <a:lstStyle/>
                     <a:p>
-                      <a:pPr>
+                      <a:pPr algn="l" rtl="0">
                         <a:lnSpc>
                           <a:spcPct val="100000"/>
                         </a:lnSpc>
@@ -5576,7 +5034,7 @@
                     <a:bodyPr/>
                     <a:lstStyle/>
                     <a:p>
-                      <a:pPr>
+                      <a:pPr algn="l" rtl="0">
                         <a:lnSpc>
                           <a:spcPct val="100000"/>
                         </a:lnSpc>
@@ -5603,7 +5061,7 @@
                         </a:spcBef>
                       </a:pPr>
                       <a:r>
-                        <a:rPr sz="900" spc="0" dirty="0">
+                        <a:rPr lang="es-ES" sz="900">
                           <a:solidFill>
                             <a:srgbClr val="020302"/>
                           </a:solidFill>
@@ -5612,10 +5070,6 @@
                         </a:rPr>
                         <a:t></a:t>
                       </a:r>
-                      <a:endParaRPr sz="900" spc="0" dirty="0">
-                        <a:latin typeface="Wingdings"/>
-                        <a:cs typeface="Wingdings"/>
-                      </a:endParaRPr>
                     </a:p>
                   </a:txBody>
                   <a:tcPr marL="0" marR="0" marT="59055" marB="0">
@@ -5633,13 +5087,13 @@
                   </a:ext>
                 </a:extLst>
               </a:tr>
-              <a:tr h="264424">
+              <a:tr h="249845">
                 <a:tc vMerge="1">
                   <a:txBody>
                     <a:bodyPr/>
                     <a:lstStyle/>
                     <a:p>
-                      <a:pPr marL="48895">
+                      <a:pPr marL="48895" algn="l" rtl="0">
                         <a:lnSpc>
                           <a:spcPct val="100000"/>
                         </a:lnSpc>
@@ -5697,34 +5151,14 @@
                         </a:spcBef>
                       </a:pPr>
                       <a:r>
-                        <a:rPr sz="900" spc="0" dirty="0">
+                        <a:rPr lang="es-ES" sz="900">
                           <a:solidFill>
                             <a:srgbClr val="020302"/>
                           </a:solidFill>
                           <a:latin typeface="AdobeClean-Light"/>
                           <a:cs typeface="AdobeClean-Light"/>
                         </a:rPr>
-                        <a:t>Environment</a:t>
-                      </a:r>
-                      <a:r>
-                        <a:rPr lang="en-US" sz="900" spc="0" dirty="0">
-                          <a:solidFill>
-                            <a:srgbClr val="020302"/>
-                          </a:solidFill>
-                          <a:latin typeface="AdobeClean-Light"/>
-                          <a:cs typeface="AdobeClean-Light"/>
-                        </a:rPr>
-                        <a:t> </a:t>
-                      </a:r>
-                      <a:r>
-                        <a:rPr sz="900" spc="0" dirty="0">
-                          <a:solidFill>
-                            <a:srgbClr val="020302"/>
-                          </a:solidFill>
-                          <a:latin typeface="AdobeClean-Light"/>
-                          <a:cs typeface="AdobeClean-Light"/>
-                        </a:rPr>
-                        <a:t>Review, Maintenance &amp; Monitoring</a:t>
+                        <a:t>Revisión, mantenimiento y monitorización del entorno,</a:t>
                       </a:r>
                     </a:p>
                   </a:txBody>
@@ -5754,7 +5188,7 @@
                     <a:bodyPr/>
                     <a:lstStyle/>
                     <a:p>
-                      <a:pPr>
+                      <a:pPr algn="l" rtl="0">
                         <a:lnSpc>
                           <a:spcPct val="100000"/>
                         </a:lnSpc>
@@ -5787,7 +5221,7 @@
                     <a:bodyPr/>
                     <a:lstStyle/>
                     <a:p>
-                      <a:pPr>
+                      <a:pPr algn="l" rtl="0">
                         <a:lnSpc>
                           <a:spcPct val="100000"/>
                         </a:lnSpc>
@@ -5805,7 +5239,7 @@
                     <a:bodyPr/>
                     <a:lstStyle/>
                     <a:p>
-                      <a:pPr>
+                      <a:pPr algn="l" rtl="0">
                         <a:lnSpc>
                           <a:spcPct val="100000"/>
                         </a:lnSpc>
@@ -5823,7 +5257,7 @@
                     <a:bodyPr/>
                     <a:lstStyle/>
                     <a:p>
-                      <a:pPr>
+                      <a:pPr algn="l" rtl="0">
                         <a:lnSpc>
                           <a:spcPct val="100000"/>
                         </a:lnSpc>
@@ -5850,7 +5284,7 @@
                         </a:spcBef>
                       </a:pPr>
                       <a:r>
-                        <a:rPr sz="900" spc="0" dirty="0">
+                        <a:rPr lang="es-ES" sz="900">
                           <a:solidFill>
                             <a:srgbClr val="020302"/>
                           </a:solidFill>
@@ -5859,10 +5293,6 @@
                         </a:rPr>
                         <a:t></a:t>
                       </a:r>
-                      <a:endParaRPr sz="900" spc="0" dirty="0">
-                        <a:latin typeface="Wingdings"/>
-                        <a:cs typeface="Wingdings"/>
-                      </a:endParaRPr>
                     </a:p>
                   </a:txBody>
                   <a:tcPr marL="0" marR="0" marT="60325" marB="0">
@@ -5880,13 +5310,13 @@
                   </a:ext>
                 </a:extLst>
               </a:tr>
-              <a:tr h="264424">
+              <a:tr h="326432">
                 <a:tc vMerge="1">
                   <a:txBody>
                     <a:bodyPr/>
                     <a:lstStyle/>
                     <a:p>
-                      <a:pPr marL="49530">
+                      <a:pPr marL="49530" algn="l" rtl="0">
                         <a:lnSpc>
                           <a:spcPct val="100000"/>
                         </a:lnSpc>
@@ -5935,19 +5365,15 @@
                         </a:spcBef>
                       </a:pPr>
                       <a:r>
-                        <a:rPr sz="900" spc="0" dirty="0">
+                        <a:rPr lang="es-ES" sz="900" dirty="0">
                           <a:solidFill>
                             <a:srgbClr val="020302"/>
                           </a:solidFill>
                           <a:latin typeface="AdobeClean-Light"/>
                           <a:cs typeface="AdobeClean-Light"/>
                         </a:rPr>
-                        <a:t>Release, Migration, Upgrade &amp; Product Roadmap Review</a:t>
+                        <a:t>Lanzamiento, migración, actualización y revisión de la hoja de ruta del producto</a:t>
                       </a:r>
-                      <a:endParaRPr sz="900" spc="0" dirty="0">
-                        <a:latin typeface="AdobeClean-Light"/>
-                        <a:cs typeface="AdobeClean-Light"/>
-                      </a:endParaRPr>
                     </a:p>
                   </a:txBody>
                   <a:tcPr marL="0" marR="0" marT="63500" marB="0">
@@ -5970,7 +5396,7 @@
                     <a:bodyPr/>
                     <a:lstStyle/>
                     <a:p>
-                      <a:pPr>
+                      <a:pPr algn="l" rtl="0">
                         <a:lnSpc>
                           <a:spcPct val="100000"/>
                         </a:lnSpc>
@@ -6000,7 +5426,7 @@
                     <a:bodyPr/>
                     <a:lstStyle/>
                     <a:p>
-                      <a:pPr>
+                      <a:pPr algn="l" rtl="0">
                         <a:lnSpc>
                           <a:spcPct val="100000"/>
                         </a:lnSpc>
@@ -6018,7 +5444,7 @@
                     <a:bodyPr/>
                     <a:lstStyle/>
                     <a:p>
-                      <a:pPr>
+                      <a:pPr algn="l" rtl="0">
                         <a:lnSpc>
                           <a:spcPct val="100000"/>
                         </a:lnSpc>
@@ -6036,7 +5462,7 @@
                     <a:bodyPr/>
                     <a:lstStyle/>
                     <a:p>
-                      <a:pPr>
+                      <a:pPr algn="l" rtl="0">
                         <a:lnSpc>
                           <a:spcPct val="100000"/>
                         </a:lnSpc>
@@ -6063,7 +5489,7 @@
                         </a:spcBef>
                       </a:pPr>
                       <a:r>
-                        <a:rPr sz="900" spc="0" dirty="0">
+                        <a:rPr lang="es-ES" sz="900">
                           <a:solidFill>
                             <a:srgbClr val="020302"/>
                           </a:solidFill>
@@ -6072,10 +5498,6 @@
                         </a:rPr>
                         <a:t></a:t>
                       </a:r>
-                      <a:endParaRPr sz="900" spc="0">
-                        <a:latin typeface="Wingdings"/>
-                        <a:cs typeface="Wingdings"/>
-                      </a:endParaRPr>
                     </a:p>
                   </a:txBody>
                   <a:tcPr marL="0" marR="0" marT="64135" marB="0">
@@ -6093,13 +5515,13 @@
                   </a:ext>
                 </a:extLst>
               </a:tr>
-              <a:tr h="264424">
+              <a:tr h="330113">
                 <a:tc vMerge="1">
                   <a:txBody>
                     <a:bodyPr/>
                     <a:lstStyle/>
                     <a:p>
-                      <a:pPr marL="49530">
+                      <a:pPr marL="49530" algn="l" rtl="0">
                         <a:lnSpc>
                           <a:spcPct val="100000"/>
                         </a:lnSpc>
@@ -6157,11 +5579,11 @@
                         </a:spcBef>
                       </a:pPr>
                       <a:r>
-                        <a:rPr sz="900" spc="0" dirty="0">
+                        <a:rPr lang="es-ES" sz="900">
                           <a:latin typeface="AdobeClean-Light"/>
                           <a:cs typeface="AdobeClean-Light"/>
                         </a:rPr>
-                        <a:t>Cloud Support Activities – Experience Manager as Cloud</a:t>
+                        <a:t>Actividades de asistencia en la nube: Experience Manager as Cloud</a:t>
                       </a:r>
                     </a:p>
                   </a:txBody>
@@ -6191,7 +5613,7 @@
                     <a:bodyPr/>
                     <a:lstStyle/>
                     <a:p>
-                      <a:pPr>
+                      <a:pPr algn="l" rtl="0">
                         <a:lnSpc>
                           <a:spcPct val="100000"/>
                         </a:lnSpc>
@@ -6227,7 +5649,7 @@
                     <a:bodyPr/>
                     <a:lstStyle/>
                     <a:p>
-                      <a:pPr>
+                      <a:pPr algn="l" rtl="0">
                         <a:lnSpc>
                           <a:spcPct val="100000"/>
                         </a:lnSpc>
@@ -6252,7 +5674,7 @@
                     <a:bodyPr/>
                     <a:lstStyle/>
                     <a:p>
-                      <a:pPr>
+                      <a:pPr algn="l" rtl="0">
                         <a:lnSpc>
                           <a:spcPct val="100000"/>
                         </a:lnSpc>
@@ -6289,7 +5711,7 @@
                         </a:spcBef>
                       </a:pPr>
                       <a:r>
-                        <a:rPr sz="900" spc="0" dirty="0">
+                        <a:rPr lang="es-ES" sz="900">
                           <a:solidFill>
                             <a:srgbClr val="020302"/>
                           </a:solidFill>
@@ -6298,10 +5720,6 @@
                         </a:rPr>
                         <a:t></a:t>
                       </a:r>
-                      <a:endParaRPr sz="900" spc="0" dirty="0">
-                        <a:latin typeface="Wingdings"/>
-                        <a:cs typeface="Wingdings"/>
-                      </a:endParaRPr>
                     </a:p>
                   </a:txBody>
                   <a:tcPr marL="0" marR="0" marT="62230" marB="0">
@@ -6327,7 +5745,7 @@
                         </a:spcBef>
                       </a:pPr>
                       <a:r>
-                        <a:rPr sz="900" spc="0" dirty="0">
+                        <a:rPr lang="es-ES" sz="900">
                           <a:solidFill>
                             <a:srgbClr val="020302"/>
                           </a:solidFill>
@@ -6336,10 +5754,6 @@
                         </a:rPr>
                         <a:t></a:t>
                       </a:r>
-                      <a:endParaRPr sz="900" spc="0" dirty="0">
-                        <a:latin typeface="Wingdings"/>
-                        <a:cs typeface="Wingdings"/>
-                      </a:endParaRPr>
                     </a:p>
                   </a:txBody>
                   <a:tcPr marL="0" marR="0" marT="62230" marB="0">
@@ -6363,7 +5777,7 @@
                   </a:ext>
                 </a:extLst>
               </a:tr>
-              <a:tr h="264424">
+              <a:tr h="249845">
                 <a:tc rowSpan="2">
                   <a:txBody>
                     <a:bodyPr/>
@@ -6378,22 +5792,15 @@
                         </a:spcBef>
                       </a:pPr>
                       <a:r>
-                        <a:rPr lang="en-US" sz="1000" b="1" i="0" spc="0" dirty="0">
+                        <a:rPr lang="es-ES" sz="1000" b="1" i="0">
                           <a:solidFill>
                             <a:schemeClr val="bg1"/>
                           </a:solidFill>
                           <a:latin typeface="Adobe Clean" panose="020B0503020404020204" pitchFamily="34" charset="0"/>
                           <a:cs typeface="AdobeClean-Light"/>
                         </a:rPr>
-                        <a:t>Field Services</a:t>
+                        <a:t>Servicios de campo</a:t>
                       </a:r>
-                      <a:endParaRPr sz="1000" b="1" i="0" spc="0" dirty="0">
-                        <a:solidFill>
-                          <a:schemeClr val="bg1"/>
-                        </a:solidFill>
-                        <a:latin typeface="Adobe Clean" panose="020B0503020404020204" pitchFamily="34" charset="0"/>
-                        <a:cs typeface="AdobeClean-Light"/>
-                      </a:endParaRPr>
                     </a:p>
                   </a:txBody>
                   <a:tcPr marL="0" marR="0" marT="48260" marB="0" anchor="ctr">
@@ -6446,39 +5853,55 @@
                         </a:spcBef>
                       </a:pPr>
                       <a:r>
-                        <a:rPr sz="900" spc="0" dirty="0">
+                        <a:rPr lang="es-ES" sz="900" dirty="0">
                           <a:solidFill>
                             <a:srgbClr val="020302"/>
                           </a:solidFill>
                           <a:latin typeface="AdobeClean-Light"/>
                           <a:cs typeface="AdobeClean-Light"/>
                         </a:rPr>
-                        <a:t>Launch Advisory Services – First Year of </a:t>
+                        <a:t>Servicios de </a:t>
                       </a:r>
                       <a:r>
-                        <a:rPr lang="en-US" sz="900" spc="0" dirty="0">
+                        <a:rPr lang="es-ES" sz="900" dirty="0" err="1">
                           <a:solidFill>
                             <a:srgbClr val="020302"/>
                           </a:solidFill>
                           <a:latin typeface="AdobeClean-Light"/>
                           <a:cs typeface="AdobeClean-Light"/>
                         </a:rPr>
-                        <a:t>a </a:t>
+                        <a:t>Launch</a:t>
                       </a:r>
                       <a:r>
-                        <a:rPr sz="900" spc="0" dirty="0">
+                        <a:rPr lang="es-ES" sz="900" dirty="0">
                           <a:solidFill>
                             <a:srgbClr val="020302"/>
                           </a:solidFill>
                           <a:latin typeface="AdobeClean-Light"/>
                           <a:cs typeface="AdobeClean-Light"/>
                         </a:rPr>
-                        <a:t>new solution</a:t>
+                        <a:t> </a:t>
                       </a:r>
-                      <a:endParaRPr sz="900" spc="0" dirty="0">
-                        <a:latin typeface="AdobeClean-Light"/>
-                        <a:cs typeface="AdobeClean-Light"/>
-                      </a:endParaRPr>
+                      <a:r>
+                        <a:rPr lang="es-ES" sz="900" dirty="0" err="1">
+                          <a:solidFill>
+                            <a:srgbClr val="020302"/>
+                          </a:solidFill>
+                          <a:latin typeface="AdobeClean-Light"/>
+                          <a:cs typeface="AdobeClean-Light"/>
+                        </a:rPr>
+                        <a:t>Advisory</a:t>
+                      </a:r>
+                      <a:r>
+                        <a:rPr lang="es-ES" sz="900" dirty="0">
+                          <a:solidFill>
+                            <a:srgbClr val="020302"/>
+                          </a:solidFill>
+                          <a:latin typeface="AdobeClean-Light"/>
+                          <a:cs typeface="AdobeClean-Light"/>
+                        </a:rPr>
+                        <a:t>: primer año de la nueva solución</a:t>
+                      </a:r>
                     </a:p>
                     <a:p>
                       <a:pPr marL="48260">
@@ -6490,11 +5913,11 @@
                         </a:spcBef>
                       </a:pPr>
                       <a:r>
-                        <a:rPr sz="900" spc="0" dirty="0">
+                        <a:rPr lang="es-ES" sz="900" dirty="0">
                           <a:latin typeface="AdobeClean-Light"/>
                           <a:cs typeface="AdobeClean-Light"/>
                         </a:rPr>
-                        <a:t>Field Service Activities</a:t>
+                        <a:t>Actividades del servicio de campo</a:t>
                       </a:r>
                     </a:p>
                   </a:txBody>
@@ -6530,7 +5953,7 @@
                     <a:bodyPr/>
                     <a:lstStyle/>
                     <a:p>
-                      <a:pPr>
+                      <a:pPr algn="l" rtl="0">
                         <a:lnSpc>
                           <a:spcPct val="100000"/>
                         </a:lnSpc>
@@ -6566,7 +5989,7 @@
                     <a:bodyPr/>
                     <a:lstStyle/>
                     <a:p>
-                      <a:pPr>
+                      <a:pPr algn="l" rtl="0">
                         <a:lnSpc>
                           <a:spcPct val="100000"/>
                         </a:lnSpc>
@@ -6591,7 +6014,7 @@
                     <a:bodyPr/>
                     <a:lstStyle/>
                     <a:p>
-                      <a:pPr>
+                      <a:pPr algn="l" rtl="0">
                         <a:lnSpc>
                           <a:spcPct val="100000"/>
                         </a:lnSpc>
@@ -6628,7 +6051,7 @@
                         </a:spcBef>
                       </a:pPr>
                       <a:r>
-                        <a:rPr sz="900" spc="0" dirty="0">
+                        <a:rPr lang="es-ES" sz="900">
                           <a:solidFill>
                             <a:srgbClr val="020302"/>
                           </a:solidFill>
@@ -6637,10 +6060,6 @@
                         </a:rPr>
                         <a:t></a:t>
                       </a:r>
-                      <a:endParaRPr sz="900" spc="0">
-                        <a:latin typeface="Wingdings"/>
-                        <a:cs typeface="Wingdings"/>
-                      </a:endParaRPr>
                     </a:p>
                   </a:txBody>
                   <a:tcPr marL="0" marR="0" marT="56515" marB="0">
@@ -6666,7 +6085,7 @@
                         </a:spcBef>
                       </a:pPr>
                       <a:r>
-                        <a:rPr sz="900" spc="0" dirty="0">
+                        <a:rPr lang="es-ES" sz="900">
                           <a:solidFill>
                             <a:srgbClr val="020302"/>
                           </a:solidFill>
@@ -6675,10 +6094,6 @@
                         </a:rPr>
                         <a:t></a:t>
                       </a:r>
-                      <a:endParaRPr sz="900" spc="0" dirty="0">
-                        <a:latin typeface="Wingdings"/>
-                        <a:cs typeface="Wingdings"/>
-                      </a:endParaRPr>
                     </a:p>
                   </a:txBody>
                   <a:tcPr marL="0" marR="0" marT="56515" marB="0">
@@ -6702,7 +6117,7 @@
                   </a:ext>
                 </a:extLst>
               </a:tr>
-              <a:tr h="264893">
+              <a:tr h="292571">
                 <a:tc vMerge="1">
                   <a:txBody>
                     <a:bodyPr/>
@@ -6753,7 +6168,7 @@
                     <a:bodyPr/>
                     <a:lstStyle/>
                     <a:p>
-                      <a:pPr>
+                      <a:pPr algn="l" rtl="0">
                         <a:lnSpc>
                           <a:spcPct val="100000"/>
                         </a:lnSpc>
@@ -6789,7 +6204,7 @@
                     <a:bodyPr/>
                     <a:lstStyle/>
                     <a:p>
-                      <a:pPr>
+                      <a:pPr algn="l" rtl="0">
                         <a:lnSpc>
                           <a:spcPct val="100000"/>
                         </a:lnSpc>
@@ -6814,7 +6229,7 @@
                     <a:bodyPr/>
                     <a:lstStyle/>
                     <a:p>
-                      <a:pPr>
+                      <a:pPr algn="l" rtl="0">
                         <a:lnSpc>
                           <a:spcPct val="100000"/>
                         </a:lnSpc>
@@ -6848,7 +6263,7 @@
                         </a:spcBef>
                       </a:pPr>
                       <a:r>
-                        <a:rPr sz="900" spc="0" dirty="0">
+                        <a:rPr lang="es-ES" sz="900">
                           <a:solidFill>
                             <a:srgbClr val="020302"/>
                           </a:solidFill>
@@ -6857,10 +6272,6 @@
                         </a:rPr>
                         <a:t>2</a:t>
                       </a:r>
-                      <a:endParaRPr sz="900" spc="0">
-                        <a:latin typeface="AdobeClean-Light"/>
-                        <a:cs typeface="AdobeClean-Light"/>
-                      </a:endParaRPr>
                     </a:p>
                   </a:txBody>
                   <a:tcPr marL="0" marR="0" marT="50800" marB="0">
@@ -6886,7 +6297,7 @@
                         </a:spcBef>
                       </a:pPr>
                       <a:r>
-                        <a:rPr sz="900" spc="0" dirty="0">
+                        <a:rPr lang="es-ES" sz="900" dirty="0">
                           <a:solidFill>
                             <a:srgbClr val="020302"/>
                           </a:solidFill>
@@ -6895,10 +6306,6 @@
                         </a:rPr>
                         <a:t>4</a:t>
                       </a:r>
-                      <a:endParaRPr sz="900" spc="0" dirty="0">
-                        <a:latin typeface="AdobeClean-Light"/>
-                        <a:cs typeface="AdobeClean-Light"/>
-                      </a:endParaRPr>
                     </a:p>
                   </a:txBody>
                   <a:tcPr marL="0" marR="0" marT="50800" marB="0">
@@ -6960,24 +6367,8 @@
               </a:spcBef>
             </a:pPr>
             <a:r>
-              <a:rPr spc="-5" dirty="0"/>
-              <a:t>©202</a:t>
-            </a:r>
-            <a:r>
-              <a:rPr lang="en-US" spc="-5" dirty="0"/>
-              <a:t>1</a:t>
-            </a:r>
-            <a:r>
-              <a:rPr spc="-5" dirty="0"/>
-              <a:t> Adobe. All Rights Reserved. Adobe</a:t>
-            </a:r>
-            <a:r>
-              <a:rPr spc="60" dirty="0"/>
-              <a:t> </a:t>
-            </a:r>
-            <a:r>
-              <a:rPr spc="-5" dirty="0"/>
-              <a:t>Confidential.</a:t>
+              <a:rPr lang="es-ES"/>
+              <a:t>©2021 Adobe. All Rights Reserved. Adobe Confidential.</a:t>
             </a:r>
           </a:p>
         </p:txBody>
@@ -6991,14 +6382,14 @@
           <p:nvPr>
             <p:extLst>
               <p:ext uri="{D42A27DB-BD31-4B8C-83A1-F6EECF244321}">
-                <p14:modId xmlns:p14="http://schemas.microsoft.com/office/powerpoint/2010/main" val="4081524108"/>
+                <p14:modId xmlns:p14="http://schemas.microsoft.com/office/powerpoint/2010/main" val="1242633093"/>
               </p:ext>
             </p:extLst>
           </p:nvPr>
         </p:nvGraphicFramePr>
         <p:xfrm>
           <a:off x="33527" y="7483227"/>
-          <a:ext cx="7705343" cy="2172787"/>
+          <a:ext cx="7705343" cy="2243657"/>
         </p:xfrm>
         <a:graphic>
           <a:graphicData uri="http://schemas.openxmlformats.org/drawingml/2006/table">
@@ -7058,19 +6449,15 @@
                         </a:spcBef>
                       </a:pPr>
                       <a:r>
-                        <a:rPr sz="900" spc="0" dirty="0">
+                        <a:rPr lang="es-ES" sz="900">
                           <a:solidFill>
                             <a:srgbClr val="020302"/>
                           </a:solidFill>
                           <a:latin typeface="Adobe Clean"/>
                           <a:cs typeface="Adobe Clean"/>
                         </a:rPr>
-                        <a:t>Priority</a:t>
+                        <a:t>Prioridad</a:t>
                       </a:r>
-                      <a:endParaRPr sz="900" spc="0" dirty="0">
-                        <a:latin typeface="Adobe Clean"/>
-                        <a:cs typeface="Adobe Clean"/>
-                      </a:endParaRPr>
                     </a:p>
                   </a:txBody>
                   <a:tcPr marL="0" marR="0" marT="7620" marB="0" anchor="ctr">
@@ -7117,39 +6504,15 @@
                         </a:spcBef>
                       </a:pPr>
                       <a:r>
-                        <a:rPr sz="900" spc="0" dirty="0">
+                        <a:rPr lang="es-ES" sz="900">
                           <a:solidFill>
                             <a:srgbClr val="020302"/>
                           </a:solidFill>
                           <a:latin typeface="Adobe Clean"/>
                           <a:cs typeface="Adobe Clean"/>
                         </a:rPr>
-                        <a:t>Online </a:t>
+                        <a:t>Soporte Online</a:t>
                       </a:r>
-                      <a:r>
-                        <a:rPr lang="en-US" sz="900" spc="0" dirty="0">
-                          <a:solidFill>
-                            <a:srgbClr val="020302"/>
-                          </a:solidFill>
-                          <a:latin typeface="Adobe Clean"/>
-                          <a:cs typeface="Adobe Clean"/>
-                        </a:rPr>
-                        <a:t> </a:t>
-                      </a:r>
-                      <a:r>
-                        <a:rPr sz="900" spc="0" dirty="0">
-                          <a:solidFill>
-                            <a:srgbClr val="020302"/>
-                          </a:solidFill>
-                          <a:latin typeface="Adobe Clean"/>
-                          <a:cs typeface="Adobe Clean"/>
-                        </a:rPr>
-                        <a:t>Support</a:t>
-                      </a:r>
-                      <a:endParaRPr sz="900" spc="0" dirty="0">
-                        <a:latin typeface="Adobe Clean"/>
-                        <a:cs typeface="Adobe Clean"/>
-                      </a:endParaRPr>
                     </a:p>
                   </a:txBody>
                   <a:tcPr marL="0" marR="0" marT="0" marB="0" anchor="ctr">
@@ -7171,14 +6534,11 @@
                       </a:solidFill>
                       <a:prstDash val="solid"/>
                     </a:lnT>
-                    <a:lnB w="76200" cap="flat" cmpd="sng" algn="ctr">
+                    <a:lnB w="76200">
                       <a:solidFill>
                         <a:srgbClr val="858585"/>
                       </a:solidFill>
                       <a:prstDash val="solid"/>
-                      <a:round/>
-                      <a:headEnd type="none" w="med" len="med"/>
-                      <a:tailEnd type="none" w="med" len="med"/>
                     </a:lnB>
                     <a:solidFill>
                       <a:srgbClr val="D9D9D9"/>
@@ -7199,39 +6559,15 @@
                         </a:spcBef>
                       </a:pPr>
                       <a:r>
-                        <a:rPr sz="900" spc="0" dirty="0">
+                        <a:rPr lang="es-ES" sz="900">
                           <a:solidFill>
                             <a:srgbClr val="FFFFFF"/>
                           </a:solidFill>
                           <a:latin typeface="Adobe Clean"/>
                           <a:cs typeface="Adobe Clean"/>
                         </a:rPr>
-                        <a:t>Business</a:t>
+                        <a:t>Soporte Business</a:t>
                       </a:r>
-                      <a:r>
-                        <a:rPr lang="en-US" sz="900" spc="0" dirty="0">
-                          <a:solidFill>
-                            <a:srgbClr val="FFFFFF"/>
-                          </a:solidFill>
-                          <a:latin typeface="Adobe Clean"/>
-                          <a:cs typeface="Adobe Clean"/>
-                        </a:rPr>
-                        <a:t> </a:t>
-                      </a:r>
-                      <a:r>
-                        <a:rPr sz="900" spc="0" dirty="0">
-                          <a:solidFill>
-                            <a:srgbClr val="FFFFFF"/>
-                          </a:solidFill>
-                          <a:latin typeface="Adobe Clean"/>
-                          <a:cs typeface="Adobe Clean"/>
-                        </a:rPr>
-                        <a:t>Support</a:t>
-                      </a:r>
-                      <a:endParaRPr sz="900" spc="0" dirty="0">
-                        <a:latin typeface="Adobe Clean"/>
-                        <a:cs typeface="Adobe Clean"/>
-                      </a:endParaRPr>
                     </a:p>
                   </a:txBody>
                   <a:tcPr marL="0" marR="0" marT="0" marB="0" anchor="ctr">
@@ -7253,14 +6589,11 @@
                       </a:solidFill>
                       <a:prstDash val="solid"/>
                     </a:lnT>
-                    <a:lnB w="76200" cap="flat" cmpd="sng" algn="ctr">
+                    <a:lnB w="76200">
                       <a:solidFill>
                         <a:srgbClr val="ACD2FF"/>
                       </a:solidFill>
                       <a:prstDash val="solid"/>
-                      <a:round/>
-                      <a:headEnd type="none" w="med" len="med"/>
-                      <a:tailEnd type="none" w="med" len="med"/>
                     </a:lnB>
                     <a:solidFill>
                       <a:srgbClr val="7D7D7D"/>
@@ -7281,39 +6614,15 @@
                         </a:spcBef>
                       </a:pPr>
                       <a:r>
-                        <a:rPr sz="900" spc="0" dirty="0">
+                        <a:rPr lang="es-ES" sz="900">
                           <a:solidFill>
                             <a:srgbClr val="FFFFFF"/>
                           </a:solidFill>
                           <a:latin typeface="Adobe Clean"/>
                           <a:cs typeface="Adobe Clean"/>
                         </a:rPr>
-                        <a:t>Enterprise </a:t>
+                        <a:t>Soporte Enterprise</a:t>
                       </a:r>
-                      <a:r>
-                        <a:rPr lang="en-US" sz="900" spc="0" dirty="0">
-                          <a:solidFill>
-                            <a:srgbClr val="FFFFFF"/>
-                          </a:solidFill>
-                          <a:latin typeface="Adobe Clean"/>
-                          <a:cs typeface="Adobe Clean"/>
-                        </a:rPr>
-                        <a:t> </a:t>
-                      </a:r>
-                      <a:r>
-                        <a:rPr sz="900" spc="0" dirty="0">
-                          <a:solidFill>
-                            <a:srgbClr val="FFFFFF"/>
-                          </a:solidFill>
-                          <a:latin typeface="Adobe Clean"/>
-                          <a:cs typeface="Adobe Clean"/>
-                        </a:rPr>
-                        <a:t>Support</a:t>
-                      </a:r>
-                      <a:endParaRPr sz="900" spc="0" dirty="0">
-                        <a:latin typeface="Adobe Clean"/>
-                        <a:cs typeface="Adobe Clean"/>
-                      </a:endParaRPr>
                     </a:p>
                   </a:txBody>
                   <a:tcPr marL="0" marR="0" marT="0" marB="0" anchor="ctr">
@@ -7335,14 +6644,11 @@
                       </a:solidFill>
                       <a:prstDash val="solid"/>
                     </a:lnT>
-                    <a:lnB w="76200" cap="flat" cmpd="sng" algn="ctr">
+                    <a:lnB w="76200">
                       <a:solidFill>
                         <a:srgbClr val="2E8FFF"/>
                       </a:solidFill>
                       <a:prstDash val="solid"/>
-                      <a:round/>
-                      <a:headEnd type="none" w="med" len="med"/>
-                      <a:tailEnd type="none" w="med" len="med"/>
                     </a:lnB>
                     <a:solidFill>
                       <a:srgbClr val="404040"/>
@@ -7363,39 +6669,15 @@
                         </a:spcBef>
                       </a:pPr>
                       <a:r>
-                        <a:rPr sz="900" spc="0" dirty="0">
+                        <a:rPr lang="es-ES" sz="900">
                           <a:solidFill>
                             <a:srgbClr val="FFFFFF"/>
                           </a:solidFill>
                           <a:latin typeface="Adobe Clean"/>
                           <a:cs typeface="Adobe Clean"/>
                         </a:rPr>
-                        <a:t>Elite</a:t>
+                        <a:t>Soporte Elite</a:t>
                       </a:r>
-                      <a:r>
-                        <a:rPr lang="en-US" sz="900" spc="0" dirty="0">
-                          <a:solidFill>
-                            <a:srgbClr val="FFFFFF"/>
-                          </a:solidFill>
-                          <a:latin typeface="Adobe Clean"/>
-                          <a:cs typeface="Adobe Clean"/>
-                        </a:rPr>
-                        <a:t> </a:t>
-                      </a:r>
-                      <a:r>
-                        <a:rPr sz="900" spc="0" dirty="0">
-                          <a:solidFill>
-                            <a:srgbClr val="FFFFFF"/>
-                          </a:solidFill>
-                          <a:latin typeface="Adobe Clean"/>
-                          <a:cs typeface="Adobe Clean"/>
-                        </a:rPr>
-                        <a:t>Support</a:t>
-                      </a:r>
-                      <a:endParaRPr sz="900" spc="0" dirty="0">
-                        <a:latin typeface="Adobe Clean"/>
-                        <a:cs typeface="Adobe Clean"/>
-                      </a:endParaRPr>
                     </a:p>
                   </a:txBody>
                   <a:tcPr marL="0" marR="0" marT="0" marB="0" anchor="ctr">
@@ -7417,14 +6699,11 @@
                       </a:solidFill>
                       <a:prstDash val="solid"/>
                     </a:lnT>
-                    <a:lnB w="76200" cap="flat" cmpd="sng" algn="ctr">
+                    <a:lnB w="76200">
                       <a:solidFill>
                         <a:srgbClr val="0068E1"/>
                       </a:solidFill>
                       <a:prstDash val="solid"/>
-                      <a:round/>
-                      <a:headEnd type="none" w="med" len="med"/>
-                      <a:tailEnd type="none" w="med" len="med"/>
                     </a:lnB>
                     <a:solidFill>
                       <a:srgbClr val="000000"/>
@@ -7452,19 +6731,15 @@
                         </a:spcBef>
                       </a:pPr>
                       <a:r>
-                        <a:rPr sz="900" b="1" spc="0" dirty="0">
+                        <a:rPr lang="es-ES" sz="900" b="1" dirty="0">
                           <a:solidFill>
                             <a:srgbClr val="020302"/>
                           </a:solidFill>
                           <a:latin typeface="Adobe Clean"/>
                           <a:cs typeface="Adobe Clean"/>
                         </a:rPr>
-                        <a:t>PRIORITY 1</a:t>
+                        <a:t>PRIORIDAD 1</a:t>
                       </a:r>
-                      <a:endParaRPr sz="900" spc="0" dirty="0">
-                        <a:latin typeface="Adobe Clean"/>
-                        <a:cs typeface="Adobe Clean"/>
-                      </a:endParaRPr>
                     </a:p>
                     <a:p>
                       <a:pPr marL="50800" marR="387985">
@@ -7476,19 +6751,14 @@
                         </a:spcBef>
                       </a:pPr>
                       <a:r>
-                        <a:rPr lang="en-US" sz="900" b="0" i="0" spc="0" dirty="0">
+                        <a:rPr lang="es-ES" sz="800" b="0" i="0" dirty="0">
                           <a:solidFill>
                             <a:srgbClr val="000000"/>
                           </a:solidFill>
-                          <a:effectLst/>
                           <a:latin typeface="Adobe Clean Light" panose="020B0303020404020204" pitchFamily="34" charset="0"/>
                         </a:rPr>
-                        <a:t>Customer's production business functions are down or have significant data loss or service degradation and immediate attention is required to restore functionality and usability. </a:t>
+                        <a:t>Las funciones empresariales de producción del cliente no están activadas o pierden datos o presentan una degradación del servicio significativa, por lo que se requiere atención inmediata para restaurar la funcionalidad y facilidad de uso. </a:t>
                       </a:r>
-                      <a:endParaRPr sz="900" spc="0" dirty="0">
-                        <a:latin typeface="AdobeClean-Light"/>
-                        <a:cs typeface="AdobeClean-Light"/>
-                      </a:endParaRPr>
                     </a:p>
                   </a:txBody>
                   <a:tcPr marL="0" marR="0" marT="0" marB="0" anchor="ctr">
@@ -7498,14 +6768,11 @@
                       </a:solidFill>
                       <a:prstDash val="solid"/>
                     </a:lnL>
-                    <a:lnR w="3175" cap="flat" cmpd="sng" algn="ctr">
+                    <a:lnR w="3175">
                       <a:solidFill>
                         <a:srgbClr val="B7B8B8"/>
                       </a:solidFill>
                       <a:prstDash val="solid"/>
-                      <a:round/>
-                      <a:headEnd type="none" w="med" len="med"/>
-                      <a:tailEnd type="none" w="med" len="med"/>
                     </a:lnR>
                     <a:lnT w="3175">
                       <a:solidFill>
@@ -7526,20 +6793,27 @@
                     <a:bodyPr/>
                     <a:lstStyle/>
                     <a:p>
-                      <a:pPr algn="ctr" fontAlgn="t"/>
+                      <a:pPr marL="0" marR="325120" indent="-3810" algn="ctr">
+                        <a:lnSpc>
+                          <a:spcPct val="100000"/>
+                        </a:lnSpc>
+                        <a:spcBef>
+                          <a:spcPts val="670"/>
+                        </a:spcBef>
+                      </a:pPr>
                       <a:r>
-                        <a:rPr lang="en-US" sz="900" b="0" i="0" u="none" strike="noStrike">
+                        <a:rPr lang="es-ES" sz="900" dirty="0">
                           <a:solidFill>
                             <a:srgbClr val="020302"/>
                           </a:solidFill>
-                          <a:effectLst/>
-                          <a:latin typeface="AdobeClean-Light" panose="020B0503020404020204" pitchFamily="34" charset="0"/>
-                        </a:rPr>
-                        <a:t>24x7 / 1 hour</a:t>
+                          <a:latin typeface="AdobeClean-Light"/>
+                          <a:cs typeface="AdobeClean-Light"/>
+                        </a:rPr>
+                        <a:t>24x7 /                1 hora</a:t>
                       </a:r>
                     </a:p>
                   </a:txBody>
-                  <a:tcPr marL="9525" marR="9525" marT="9525" marB="0" anchor="ctr">
+                  <a:tcPr marL="0" marR="0" marT="0" marB="0" anchor="ctr">
                     <a:lnL w="3175">
                       <a:solidFill>
                         <a:srgbClr val="B7B8B8"/>
@@ -7571,20 +6845,27 @@
                     <a:bodyPr/>
                     <a:lstStyle/>
                     <a:p>
-                      <a:pPr algn="ctr" fontAlgn="t"/>
+                      <a:pPr marL="0" marR="325755" indent="-3810" algn="ctr">
+                        <a:lnSpc>
+                          <a:spcPct val="100000"/>
+                        </a:lnSpc>
+                        <a:spcBef>
+                          <a:spcPts val="670"/>
+                        </a:spcBef>
+                      </a:pPr>
                       <a:r>
-                        <a:rPr lang="en-US" sz="900" b="0" i="0" u="none" strike="noStrike">
+                        <a:rPr lang="es-ES" sz="900">
                           <a:solidFill>
                             <a:srgbClr val="020302"/>
                           </a:solidFill>
-                          <a:effectLst/>
-                          <a:latin typeface="AdobeClean-Light" panose="020B0503020404020204" pitchFamily="34" charset="0"/>
-                        </a:rPr>
-                        <a:t>24x7 / 1 hour</a:t>
+                          <a:latin typeface="AdobeClean-Light"/>
+                          <a:cs typeface="AdobeClean-Light"/>
+                        </a:rPr>
+                        <a:t>24x7 /              1 hora</a:t>
                       </a:r>
                     </a:p>
                   </a:txBody>
-                  <a:tcPr marL="9525" marR="9525" marT="9525" marB="0" anchor="ctr">
+                  <a:tcPr marL="0" marR="0" marT="0" marB="0" anchor="ctr">
                     <a:lnL w="3175">
                       <a:solidFill>
                         <a:srgbClr val="B7B8B8"/>
@@ -7616,20 +6897,27 @@
                     <a:bodyPr/>
                     <a:lstStyle/>
                     <a:p>
-                      <a:pPr algn="ctr" fontAlgn="t"/>
+                      <a:pPr marL="0" marR="258445" indent="115570" algn="ctr">
+                        <a:lnSpc>
+                          <a:spcPct val="100000"/>
+                        </a:lnSpc>
+                        <a:spcBef>
+                          <a:spcPts val="670"/>
+                        </a:spcBef>
+                      </a:pPr>
                       <a:r>
-                        <a:rPr lang="en-US" sz="900" b="0" i="0" u="none" strike="noStrike">
+                        <a:rPr lang="es-ES" sz="900">
                           <a:solidFill>
                             <a:srgbClr val="020302"/>
                           </a:solidFill>
-                          <a:effectLst/>
-                          <a:latin typeface="AdobeClean-Light" panose="020B0503020404020204" pitchFamily="34" charset="0"/>
-                        </a:rPr>
-                        <a:t>24x7 / 30 minutes</a:t>
+                          <a:latin typeface="AdobeClean-Light"/>
+                          <a:cs typeface="AdobeClean-Light"/>
+                        </a:rPr>
+                        <a:t>24x7 /           30 minutos</a:t>
                       </a:r>
                     </a:p>
                   </a:txBody>
-                  <a:tcPr marL="9525" marR="9525" marT="9525" marB="0" anchor="ctr">
+                  <a:tcPr marL="0" marR="0" marT="0" marB="0" anchor="ctr">
                     <a:lnL w="3175">
                       <a:solidFill>
                         <a:srgbClr val="B7B8B8"/>
@@ -7661,20 +6949,27 @@
                     <a:bodyPr/>
                     <a:lstStyle/>
                     <a:p>
-                      <a:pPr algn="ctr" fontAlgn="t"/>
+                      <a:pPr marL="0" marR="271780" indent="103505" algn="ctr">
+                        <a:lnSpc>
+                          <a:spcPct val="100000"/>
+                        </a:lnSpc>
+                        <a:spcBef>
+                          <a:spcPts val="670"/>
+                        </a:spcBef>
+                      </a:pPr>
                       <a:r>
-                        <a:rPr lang="en-US" sz="900" b="0" i="0" u="none" strike="noStrike">
+                        <a:rPr lang="es-ES" sz="900">
                           <a:solidFill>
                             <a:srgbClr val="020302"/>
                           </a:solidFill>
-                          <a:effectLst/>
-                          <a:latin typeface="AdobeClean-Light" panose="020B0503020404020204" pitchFamily="34" charset="0"/>
-                        </a:rPr>
-                        <a:t>24x7 / 15 minutes</a:t>
+                          <a:latin typeface="AdobeClean-Light"/>
+                          <a:cs typeface="AdobeClean-Light"/>
+                        </a:rPr>
+                        <a:t>24x7 /         15 minutos</a:t>
                       </a:r>
                     </a:p>
                   </a:txBody>
-                  <a:tcPr marL="9525" marR="9525" marT="9525" marB="0" anchor="ctr">
+                  <a:tcPr marL="0" marR="0" marT="0" marB="0" anchor="ctr">
                     <a:lnL w="3175">
                       <a:solidFill>
                         <a:srgbClr val="B7B8B8"/>
@@ -7722,19 +7017,15 @@
                         </a:spcBef>
                       </a:pPr>
                       <a:r>
-                        <a:rPr sz="900" b="1" spc="0" dirty="0">
+                        <a:rPr lang="es-ES" sz="900" b="1" dirty="0">
                           <a:solidFill>
                             <a:srgbClr val="020302"/>
                           </a:solidFill>
                           <a:latin typeface="Adobe Clean"/>
                           <a:cs typeface="Adobe Clean"/>
                         </a:rPr>
-                        <a:t>PRIORITY 2</a:t>
+                        <a:t>PRIORIDAD 2</a:t>
                       </a:r>
-                      <a:endParaRPr sz="900" spc="0" dirty="0">
-                        <a:latin typeface="Adobe Clean"/>
-                        <a:cs typeface="Adobe Clean"/>
-                      </a:endParaRPr>
                     </a:p>
                     <a:p>
                       <a:pPr marL="50165" marR="203200" indent="0" defTabSz="914400" eaLnBrk="1" fontAlgn="auto" latinLnBrk="0" hangingPunct="1">
@@ -7755,19 +7046,14 @@
                         <a:defRPr/>
                       </a:pPr>
                       <a:r>
-                        <a:rPr lang="en-US" sz="900" b="0" i="0" spc="0" dirty="0">
+                        <a:rPr lang="es-ES" sz="800" b="0" i="0" dirty="0">
                           <a:solidFill>
                             <a:srgbClr val="000000"/>
                           </a:solidFill>
-                          <a:effectLst/>
                           <a:latin typeface="Adobe Clean Light" panose="020B0303020404020204" pitchFamily="34" charset="0"/>
                         </a:rPr>
-                        <a:t>Customer's business functions have major service degradation or potential data loss, or a major feature is impacted </a:t>
+                        <a:t>Las funciones empresariales del cliente presentan una importante degradación del servicio o hay una posible pérdida de datos, o una función clave se está viendo afectada. </a:t>
                       </a:r>
-                      <a:endParaRPr sz="900" b="0" i="0" spc="0" dirty="0">
-                        <a:latin typeface="Adobe Clean Light" panose="020B0303020404020204" pitchFamily="34" charset="0"/>
-                        <a:cs typeface="AdobeClean-Light"/>
-                      </a:endParaRPr>
                     </a:p>
                   </a:txBody>
                   <a:tcPr marL="0" marR="0" marT="0" marB="0" anchor="ctr">
@@ -7777,14 +7063,11 @@
                       </a:solidFill>
                       <a:prstDash val="solid"/>
                     </a:lnL>
-                    <a:lnR w="3175" cap="flat" cmpd="sng" algn="ctr">
+                    <a:lnR w="3175">
                       <a:solidFill>
                         <a:srgbClr val="B7B8B8"/>
                       </a:solidFill>
                       <a:prstDash val="solid"/>
-                      <a:round/>
-                      <a:headEnd type="none" w="med" len="med"/>
-                      <a:tailEnd type="none" w="med" len="med"/>
                     </a:lnR>
                     <a:lnT w="3175">
                       <a:solidFill>
@@ -7805,20 +7088,46 @@
                     <a:bodyPr/>
                     <a:lstStyle/>
                     <a:p>
-                      <a:pPr algn="ctr" fontAlgn="t"/>
+                      <a:pPr marL="0" marR="184785" indent="-193675" algn="ctr">
+                        <a:lnSpc>
+                          <a:spcPct val="100000"/>
+                        </a:lnSpc>
+                        <a:spcBef>
+                          <a:spcPts val="670"/>
+                        </a:spcBef>
+                      </a:pPr>
                       <a:r>
-                        <a:rPr lang="en-US" sz="900" b="0" i="0" u="none" strike="noStrike">
+                        <a:rPr lang="es-ES" sz="900" dirty="0">
                           <a:solidFill>
                             <a:srgbClr val="020302"/>
                           </a:solidFill>
-                          <a:effectLst/>
-                          <a:latin typeface="AdobeClean-Light" panose="020B0503020404020204" pitchFamily="34" charset="0"/>
-                        </a:rPr>
-                        <a:t>Business hours / 4 hours</a:t>
+                          <a:latin typeface="AdobeClean-Light"/>
+                          <a:cs typeface="AdobeClean-Light"/>
+                        </a:rPr>
+                        <a:t>Horario de trabajo /  </a:t>
                       </a:r>
-                    </a:p>
-                  </a:txBody>
-                  <a:tcPr marL="9525" marR="9525" marT="9525" marB="0" anchor="ctr">
+                      <a:br>
+                        <a:rPr lang="sk-SK" sz="900" dirty="0">
+                          <a:solidFill>
+                            <a:srgbClr val="020302"/>
+                          </a:solidFill>
+                          <a:latin typeface="AdobeClean-Light"/>
+                          <a:cs typeface="AdobeClean-Light"/>
+                        </a:rPr>
+                      </a:br>
+                      <a:r>
+                        <a:rPr lang="es-ES" sz="900" dirty="0">
+                          <a:solidFill>
+                            <a:srgbClr val="020302"/>
+                          </a:solidFill>
+                          <a:latin typeface="AdobeClean-Light"/>
+                          <a:cs typeface="AdobeClean-Light"/>
+                        </a:rPr>
+                        <a:t>4 horas</a:t>
+                      </a:r>
+                    </a:p>
+                  </a:txBody>
+                  <a:tcPr marL="0" marR="0" marT="0" marB="0" anchor="ctr">
                     <a:lnL w="3175">
                       <a:solidFill>
                         <a:srgbClr val="B7B8B8"/>
@@ -7850,20 +7159,46 @@
                     <a:bodyPr/>
                     <a:lstStyle/>
                     <a:p>
-                      <a:pPr algn="ctr" fontAlgn="t"/>
+                      <a:pPr marL="0" marR="184785" indent="-194310" algn="ctr">
+                        <a:lnSpc>
+                          <a:spcPct val="100000"/>
+                        </a:lnSpc>
+                        <a:spcBef>
+                          <a:spcPts val="670"/>
+                        </a:spcBef>
+                      </a:pPr>
                       <a:r>
-                        <a:rPr lang="en-US" sz="900" b="0" i="0" u="none" strike="noStrike">
+                        <a:rPr lang="es-ES" sz="900" dirty="0">
                           <a:solidFill>
                             <a:srgbClr val="020302"/>
                           </a:solidFill>
-                          <a:effectLst/>
-                          <a:latin typeface="AdobeClean-Light" panose="020B0503020404020204" pitchFamily="34" charset="0"/>
-                        </a:rPr>
-                        <a:t>Business hours / 2 hours</a:t>
+                          <a:latin typeface="AdobeClean-Light"/>
+                          <a:cs typeface="AdobeClean-Light"/>
+                        </a:rPr>
+                        <a:t>Horario de trabajo / </a:t>
                       </a:r>
-                    </a:p>
-                  </a:txBody>
-                  <a:tcPr marL="9525" marR="9525" marT="9525" marB="0" anchor="ctr">
+                      <a:br>
+                        <a:rPr lang="sk-SK" sz="900" dirty="0">
+                          <a:solidFill>
+                            <a:srgbClr val="020302"/>
+                          </a:solidFill>
+                          <a:latin typeface="AdobeClean-Light"/>
+                          <a:cs typeface="AdobeClean-Light"/>
+                        </a:rPr>
+                      </a:br>
+                      <a:r>
+                        <a:rPr lang="es-ES" sz="900" dirty="0">
+                          <a:solidFill>
+                            <a:srgbClr val="020302"/>
+                          </a:solidFill>
+                          <a:latin typeface="AdobeClean-Light"/>
+                          <a:cs typeface="AdobeClean-Light"/>
+                        </a:rPr>
+                        <a:t> 2 horas</a:t>
+                      </a:r>
+                    </a:p>
+                  </a:txBody>
+                  <a:tcPr marL="0" marR="0" marT="0" marB="0" anchor="ctr">
                     <a:lnL w="3175">
                       <a:solidFill>
                         <a:srgbClr val="B7B8B8"/>
@@ -7895,20 +7230,27 @@
                     <a:bodyPr/>
                     <a:lstStyle/>
                     <a:p>
-                      <a:pPr algn="ctr" fontAlgn="t"/>
+                      <a:pPr marL="0" marR="325755" indent="-5715" algn="ctr">
+                        <a:lnSpc>
+                          <a:spcPct val="100000"/>
+                        </a:lnSpc>
+                        <a:spcBef>
+                          <a:spcPts val="670"/>
+                        </a:spcBef>
+                      </a:pPr>
                       <a:r>
-                        <a:rPr lang="en-US" sz="900" b="0" i="0" u="none" strike="noStrike">
+                        <a:rPr lang="es-ES" sz="900">
                           <a:solidFill>
                             <a:srgbClr val="020302"/>
                           </a:solidFill>
-                          <a:effectLst/>
-                          <a:latin typeface="AdobeClean-Light" panose="020B0503020404020204" pitchFamily="34" charset="0"/>
-                        </a:rPr>
-                        <a:t>24x5 / 1 hour</a:t>
+                          <a:latin typeface="AdobeClean-Light"/>
+                          <a:cs typeface="AdobeClean-Light"/>
+                        </a:rPr>
+                        <a:t>24x5 /                1 hora</a:t>
                       </a:r>
                     </a:p>
                   </a:txBody>
-                  <a:tcPr marL="9525" marR="9525" marT="9525" marB="0" anchor="ctr">
+                  <a:tcPr marL="0" marR="0" marT="0" marB="0" anchor="ctr">
                     <a:lnL w="3175">
                       <a:solidFill>
                         <a:srgbClr val="B7B8B8"/>
@@ -7940,20 +7282,27 @@
                     <a:bodyPr/>
                     <a:lstStyle/>
                     <a:p>
-                      <a:pPr algn="ctr" fontAlgn="t"/>
+                      <a:pPr marL="0" marR="259079" indent="111760" algn="ctr">
+                        <a:lnSpc>
+                          <a:spcPct val="100000"/>
+                        </a:lnSpc>
+                        <a:spcBef>
+                          <a:spcPts val="670"/>
+                        </a:spcBef>
+                      </a:pPr>
                       <a:r>
-                        <a:rPr lang="en-US" sz="900" b="0" i="0" u="none" strike="noStrike">
+                        <a:rPr lang="es-ES" sz="900">
                           <a:solidFill>
                             <a:srgbClr val="020302"/>
                           </a:solidFill>
-                          <a:effectLst/>
-                          <a:latin typeface="AdobeClean-Light" panose="020B0503020404020204" pitchFamily="34" charset="0"/>
-                        </a:rPr>
-                        <a:t>24x5 / 30 minutes</a:t>
+                          <a:latin typeface="AdobeClean-Light"/>
+                          <a:cs typeface="AdobeClean-Light"/>
+                        </a:rPr>
+                        <a:t>24x5 /         30 minutos</a:t>
                       </a:r>
                     </a:p>
                   </a:txBody>
-                  <a:tcPr marL="9525" marR="9525" marT="9525" marB="0" anchor="ctr">
+                  <a:tcPr marL="0" marR="0" marT="0" marB="0" anchor="ctr">
                     <a:lnL w="3175">
                       <a:solidFill>
                         <a:srgbClr val="B7B8B8"/>
@@ -8001,29 +7350,15 @@
                         </a:spcBef>
                       </a:pPr>
                       <a:r>
-                        <a:rPr sz="900" b="1" spc="0" dirty="0">
+                        <a:rPr lang="es-ES" sz="900" b="1" dirty="0">
                           <a:solidFill>
                             <a:srgbClr val="020302"/>
                           </a:solidFill>
                           <a:latin typeface="Adobe Clean"/>
                           <a:cs typeface="Adobe Clean"/>
                         </a:rPr>
-                        <a:t>PRIORITY</a:t>
+                        <a:t>PRIORIDAD 3</a:t>
                       </a:r>
-                      <a:r>
-                        <a:rPr lang="en-US" sz="900" b="1" spc="0" dirty="0">
-                          <a:solidFill>
-                            <a:srgbClr val="020302"/>
-                          </a:solidFill>
-                          <a:latin typeface="Adobe Clean"/>
-                          <a:cs typeface="Adobe Clean"/>
-                        </a:rPr>
-                        <a:t> 3</a:t>
-                      </a:r>
-                      <a:endParaRPr lang="en-US" sz="900" spc="0" dirty="0">
-                        <a:latin typeface="Adobe Clean"/>
-                        <a:cs typeface="Adobe Clean"/>
-                      </a:endParaRPr>
                     </a:p>
                     <a:p>
                       <a:pPr marL="49530" marR="212090" indent="-2540" defTabSz="914400" eaLnBrk="1" fontAlgn="auto" latinLnBrk="0" hangingPunct="1">
@@ -8044,26 +7379,21 @@
                         <a:defRPr/>
                       </a:pPr>
                       <a:r>
-                        <a:rPr kumimoji="0" lang="en-US" sz="900" b="0" i="0" u="none" strike="noStrike" kern="1200" cap="none" spc="0" normalizeH="0" baseline="0" noProof="0" dirty="0">
+                        <a:rPr kumimoji="0" lang="es-ES" sz="800" b="0" i="0" u="none" strike="noStrike" cap="none" normalizeH="0" baseline="0" noProof="0" dirty="0">
                           <a:ln>
                             <a:noFill/>
                           </a:ln>
                           <a:solidFill>
                             <a:srgbClr val="000000"/>
                           </a:solidFill>
-                          <a:effectLst/>
                           <a:uLnTx/>
                           <a:uFillTx/>
                           <a:latin typeface="Adobe Clean Light" panose="020B0303020404020204" pitchFamily="34" charset="0"/>
                           <a:ea typeface="+mn-ea"/>
                           <a:cs typeface="+mn-cs"/>
                         </a:rPr>
-                        <a:t>Customer's business functions have minor service degradation but there exists a solution/workaround allowing business functions to continue normally </a:t>
+                        <a:t>Las funciones empresariales del cliente presentan una menor degradación del servicio, pero existe una solución que permite que las funciones empresariales sigan funcionando con normalidad. </a:t>
                       </a:r>
-                      <a:endParaRPr lang="en-US" sz="900" b="0" i="0" spc="0" dirty="0">
-                        <a:latin typeface="Adobe Clean Light" panose="020B0303020404020204" pitchFamily="34" charset="0"/>
-                        <a:cs typeface="AdobeClean-Light"/>
-                      </a:endParaRPr>
                     </a:p>
                   </a:txBody>
                   <a:tcPr marL="0" marR="0" marT="0" marB="0" anchor="ctr">
@@ -8073,14 +7403,11 @@
                       </a:solidFill>
                       <a:prstDash val="solid"/>
                     </a:lnL>
-                    <a:lnR w="3175" cap="flat" cmpd="sng" algn="ctr">
+                    <a:lnR w="3175">
                       <a:solidFill>
                         <a:srgbClr val="B7B8B8"/>
                       </a:solidFill>
                       <a:prstDash val="solid"/>
-                      <a:round/>
-                      <a:headEnd type="none" w="med" len="med"/>
-                      <a:tailEnd type="none" w="med" len="med"/>
                     </a:lnR>
                     <a:lnT w="3175">
                       <a:solidFill>
@@ -8101,20 +7428,46 @@
                     <a:bodyPr/>
                     <a:lstStyle/>
                     <a:p>
-                      <a:pPr algn="ctr" fontAlgn="t"/>
+                      <a:pPr marL="0" marR="184150" indent="-189865" algn="ctr">
+                        <a:lnSpc>
+                          <a:spcPct val="100000"/>
+                        </a:lnSpc>
+                        <a:spcBef>
+                          <a:spcPts val="645"/>
+                        </a:spcBef>
+                      </a:pPr>
                       <a:r>
-                        <a:rPr lang="en-US" sz="900" b="0" i="0" u="none" strike="noStrike">
+                        <a:rPr lang="es-ES" sz="900" dirty="0">
                           <a:solidFill>
                             <a:srgbClr val="020302"/>
                           </a:solidFill>
-                          <a:effectLst/>
-                          <a:latin typeface="AdobeClean-Light" panose="020B0503020404020204" pitchFamily="34" charset="0"/>
-                        </a:rPr>
-                        <a:t>Business hours / 6 hours</a:t>
+                          <a:latin typeface="AdobeClean-Light"/>
+                          <a:cs typeface="AdobeClean-Light"/>
+                        </a:rPr>
+                        <a:t>Horario de trabajo / </a:t>
                       </a:r>
-                    </a:p>
-                  </a:txBody>
-                  <a:tcPr marL="9525" marR="9525" marT="9525" marB="0" anchor="ctr">
+                      <a:br>
+                        <a:rPr lang="sk-SK" sz="900" dirty="0">
+                          <a:solidFill>
+                            <a:srgbClr val="020302"/>
+                          </a:solidFill>
+                          <a:latin typeface="AdobeClean-Light"/>
+                          <a:cs typeface="AdobeClean-Light"/>
+                        </a:rPr>
+                      </a:br>
+                      <a:r>
+                        <a:rPr lang="es-ES" sz="900" dirty="0">
+                          <a:solidFill>
+                            <a:srgbClr val="020302"/>
+                          </a:solidFill>
+                          <a:latin typeface="AdobeClean-Light"/>
+                          <a:cs typeface="AdobeClean-Light"/>
+                        </a:rPr>
+                        <a:t>6 horas</a:t>
+                      </a:r>
+                    </a:p>
+                  </a:txBody>
+                  <a:tcPr marL="0" marR="0" marT="0" marB="0" anchor="ctr">
                     <a:lnL w="3175">
                       <a:solidFill>
                         <a:srgbClr val="B7B8B8"/>
@@ -8146,20 +7499,27 @@
                     <a:bodyPr/>
                     <a:lstStyle/>
                     <a:p>
-                      <a:pPr algn="ctr" fontAlgn="t"/>
+                      <a:pPr marL="0" marR="185420" indent="-193675" algn="ctr">
+                        <a:lnSpc>
+                          <a:spcPct val="100000"/>
+                        </a:lnSpc>
+                        <a:spcBef>
+                          <a:spcPts val="645"/>
+                        </a:spcBef>
+                      </a:pPr>
                       <a:r>
-                        <a:rPr lang="en-US" sz="900" b="0" i="0" u="none" strike="noStrike">
+                        <a:rPr lang="es-ES" sz="900">
                           <a:solidFill>
                             <a:srgbClr val="020302"/>
                           </a:solidFill>
-                          <a:effectLst/>
-                          <a:latin typeface="AdobeClean-Light" panose="020B0503020404020204" pitchFamily="34" charset="0"/>
-                        </a:rPr>
-                        <a:t>Business hours /  4 hours</a:t>
+                          <a:latin typeface="AdobeClean-Light"/>
+                          <a:cs typeface="AdobeClean-Light"/>
+                        </a:rPr>
+                        <a:t>Horario de trabajo /  4 horas</a:t>
                       </a:r>
                     </a:p>
                   </a:txBody>
-                  <a:tcPr marL="9525" marR="9525" marT="9525" marB="0" anchor="ctr">
+                  <a:tcPr marL="0" marR="0" marT="0" marB="0" anchor="ctr">
                     <a:lnL w="3175">
                       <a:solidFill>
                         <a:srgbClr val="B7B8B8"/>
@@ -8191,20 +7551,46 @@
                     <a:bodyPr/>
                     <a:lstStyle/>
                     <a:p>
-                      <a:pPr algn="ctr" fontAlgn="t"/>
+                      <a:pPr marL="0" marR="184785" indent="-194310" algn="ctr">
+                        <a:lnSpc>
+                          <a:spcPct val="100000"/>
+                        </a:lnSpc>
+                        <a:spcBef>
+                          <a:spcPts val="645"/>
+                        </a:spcBef>
+                      </a:pPr>
                       <a:r>
-                        <a:rPr lang="en-US" sz="900" b="0" i="0" u="none" strike="noStrike">
+                        <a:rPr lang="es-ES" sz="900" dirty="0">
                           <a:solidFill>
                             <a:srgbClr val="020302"/>
                           </a:solidFill>
-                          <a:effectLst/>
-                          <a:latin typeface="AdobeClean-Light" panose="020B0503020404020204" pitchFamily="34" charset="0"/>
-                        </a:rPr>
-                        <a:t>Business hours / 2 hours</a:t>
+                          <a:latin typeface="AdobeClean-Light"/>
+                          <a:cs typeface="AdobeClean-Light"/>
+                        </a:rPr>
+                        <a:t>Horario de trabajo /     </a:t>
                       </a:r>
-                    </a:p>
-                  </a:txBody>
-                  <a:tcPr marL="9525" marR="9525" marT="9525" marB="0" anchor="ctr">
+                      <a:br>
+                        <a:rPr lang="sk-SK" sz="900" dirty="0">
+                          <a:solidFill>
+                            <a:srgbClr val="020302"/>
+                          </a:solidFill>
+                          <a:latin typeface="AdobeClean-Light"/>
+                          <a:cs typeface="AdobeClean-Light"/>
+                        </a:rPr>
+                      </a:br>
+                      <a:r>
+                        <a:rPr lang="es-ES" sz="900" dirty="0">
+                          <a:solidFill>
+                            <a:srgbClr val="020302"/>
+                          </a:solidFill>
+                          <a:latin typeface="AdobeClean-Light"/>
+                          <a:cs typeface="AdobeClean-Light"/>
+                        </a:rPr>
+                        <a:t>2 horas</a:t>
+                      </a:r>
+                    </a:p>
+                  </a:txBody>
+                  <a:tcPr marL="0" marR="0" marT="0" marB="0" anchor="ctr">
                     <a:lnL w="3175">
                       <a:solidFill>
                         <a:srgbClr val="B7B8B8"/>
@@ -8236,20 +7622,27 @@
                     <a:bodyPr/>
                     <a:lstStyle/>
                     <a:p>
-                      <a:pPr algn="ctr" fontAlgn="t"/>
+                      <a:pPr marL="0" marR="326390" indent="-5715" algn="ctr">
+                        <a:lnSpc>
+                          <a:spcPct val="100000"/>
+                        </a:lnSpc>
+                        <a:spcBef>
+                          <a:spcPts val="645"/>
+                        </a:spcBef>
+                      </a:pPr>
                       <a:r>
-                        <a:rPr lang="en-US" sz="900" b="0" i="0" u="none" strike="noStrike">
+                        <a:rPr lang="es-ES" sz="900" dirty="0">
                           <a:solidFill>
                             <a:srgbClr val="020302"/>
                           </a:solidFill>
-                          <a:effectLst/>
-                          <a:latin typeface="AdobeClean-Light" panose="020B0503020404020204" pitchFamily="34" charset="0"/>
-                        </a:rPr>
-                        <a:t>24x5 / 1 hour</a:t>
+                          <a:latin typeface="AdobeClean-Light"/>
+                          <a:cs typeface="AdobeClean-Light"/>
+                        </a:rPr>
+                        <a:t>24x5 /              1 hora</a:t>
                       </a:r>
                     </a:p>
                   </a:txBody>
-                  <a:tcPr marL="9525" marR="9525" marT="9525" marB="0" anchor="ctr">
+                  <a:tcPr marL="0" marR="0" marT="0" marB="0" anchor="ctr">
                     <a:lnL w="3175">
                       <a:solidFill>
                         <a:srgbClr val="B7B8B8"/>
@@ -8297,19 +7690,15 @@
                         </a:spcBef>
                       </a:pPr>
                       <a:r>
-                        <a:rPr sz="900" b="1" spc="0" dirty="0">
+                        <a:rPr lang="es-ES" sz="900" b="1" dirty="0">
                           <a:solidFill>
                             <a:srgbClr val="020302"/>
                           </a:solidFill>
                           <a:latin typeface="Adobe Clean"/>
                           <a:cs typeface="Adobe Clean"/>
                         </a:rPr>
-                        <a:t>PRIORITY 4</a:t>
+                        <a:t>PRIORIDAD 4</a:t>
                       </a:r>
-                      <a:endParaRPr sz="900" spc="0" dirty="0">
-                        <a:latin typeface="Adobe Clean"/>
-                        <a:cs typeface="Adobe Clean"/>
-                      </a:endParaRPr>
                     </a:p>
                     <a:p>
                       <a:pPr marL="48895" marR="0" indent="0" defTabSz="914400" eaLnBrk="1" fontAlgn="auto" latinLnBrk="0" hangingPunct="1">
@@ -8330,19 +7719,14 @@
                         <a:defRPr/>
                       </a:pPr>
                       <a:r>
-                        <a:rPr lang="en-US" sz="900" b="0" i="0" spc="0" dirty="0">
+                        <a:rPr lang="es-ES" sz="800" b="0" i="0" dirty="0">
                           <a:solidFill>
                             <a:srgbClr val="000000"/>
                           </a:solidFill>
-                          <a:effectLst/>
                           <a:latin typeface="Adobe Clean Light" panose="020B0303020404020204" pitchFamily="34" charset="0"/>
                         </a:rPr>
-                        <a:t>General question regarding current product functionality or an enhancement request </a:t>
+                        <a:t>Pregunta general sobre la funcionalidad actual del producto o una solicitud de mejora. </a:t>
                       </a:r>
-                      <a:endParaRPr sz="900" b="0" i="0" spc="0" dirty="0">
-                        <a:latin typeface="Adobe Clean Light" panose="020B0303020404020204" pitchFamily="34" charset="0"/>
-                        <a:cs typeface="AdobeClean-Light"/>
-                      </a:endParaRPr>
                     </a:p>
                   </a:txBody>
                   <a:tcPr marL="0" marR="0" marT="0" marB="0" anchor="ctr">
@@ -8352,14 +7736,11 @@
                       </a:solidFill>
                       <a:prstDash val="solid"/>
                     </a:lnL>
-                    <a:lnR w="3175" cap="flat" cmpd="sng" algn="ctr">
+                    <a:lnR w="3175">
                       <a:solidFill>
                         <a:srgbClr val="B7B8B8"/>
                       </a:solidFill>
                       <a:prstDash val="solid"/>
-                      <a:round/>
-                      <a:headEnd type="none" w="med" len="med"/>
-                      <a:tailEnd type="none" w="med" len="med"/>
                     </a:lnR>
                     <a:lnT w="3175">
                       <a:solidFill>
@@ -8380,20 +7761,27 @@
                     <a:bodyPr/>
                     <a:lstStyle/>
                     <a:p>
-                      <a:pPr algn="ctr" fontAlgn="t"/>
+                      <a:pPr marL="0" marR="203200" indent="-193040" algn="ctr">
+                        <a:lnSpc>
+                          <a:spcPct val="100000"/>
+                        </a:lnSpc>
+                        <a:spcBef>
+                          <a:spcPts val="155"/>
+                        </a:spcBef>
+                      </a:pPr>
                       <a:r>
-                        <a:rPr lang="en-US" sz="900" b="0" i="0" u="none" strike="noStrike">
+                        <a:rPr lang="es-ES" sz="900" dirty="0">
                           <a:solidFill>
                             <a:srgbClr val="020302"/>
                           </a:solidFill>
-                          <a:effectLst/>
-                          <a:latin typeface="AdobeClean-Light" panose="020B0503020404020204" pitchFamily="34" charset="0"/>
-                        </a:rPr>
-                        <a:t>Business days / 3 days</a:t>
+                          <a:latin typeface="AdobeClean-Light"/>
+                          <a:cs typeface="AdobeClean-Light"/>
+                        </a:rPr>
+                        <a:t>Días laborables / 3 días</a:t>
                       </a:r>
                     </a:p>
                   </a:txBody>
-                  <a:tcPr marL="9525" marR="9525" marT="9525" marB="0" anchor="ctr">
+                  <a:tcPr marL="0" marR="0" marT="0" marB="0" anchor="ctr">
                     <a:lnL w="3175">
                       <a:solidFill>
                         <a:srgbClr val="B7B8B8"/>
@@ -8425,20 +7813,27 @@
                     <a:bodyPr/>
                     <a:lstStyle/>
                     <a:p>
-                      <a:pPr algn="ctr" fontAlgn="t"/>
+                      <a:pPr marL="0" marR="223520" indent="-202565" algn="ctr">
+                        <a:lnSpc>
+                          <a:spcPct val="100000"/>
+                        </a:lnSpc>
+                        <a:spcBef>
+                          <a:spcPts val="155"/>
+                        </a:spcBef>
+                      </a:pPr>
                       <a:r>
-                        <a:rPr lang="en-US" sz="900" b="0" i="0" u="none" strike="noStrike">
+                        <a:rPr lang="es-ES" sz="900">
                           <a:solidFill>
                             <a:srgbClr val="020302"/>
                           </a:solidFill>
-                          <a:effectLst/>
-                          <a:latin typeface="AdobeClean-Light" panose="020B0503020404020204" pitchFamily="34" charset="0"/>
-                        </a:rPr>
-                        <a:t>Business day / 1 day</a:t>
+                          <a:latin typeface="AdobeClean-Light"/>
+                          <a:cs typeface="AdobeClean-Light"/>
+                        </a:rPr>
+                        <a:t>Días laborables /     1 día</a:t>
                       </a:r>
                     </a:p>
                   </a:txBody>
-                  <a:tcPr marL="9525" marR="9525" marT="9525" marB="0" anchor="ctr">
+                  <a:tcPr marL="0" marR="0" marT="0" marB="0" anchor="ctr">
                     <a:lnL w="3175">
                       <a:solidFill>
                         <a:srgbClr val="B7B8B8"/>
@@ -8470,20 +7865,27 @@
                     <a:bodyPr/>
                     <a:lstStyle/>
                     <a:p>
-                      <a:pPr algn="ctr" fontAlgn="t"/>
+                      <a:pPr marL="0" marR="223520" indent="-202565" algn="ctr">
+                        <a:lnSpc>
+                          <a:spcPct val="100000"/>
+                        </a:lnSpc>
+                        <a:spcBef>
+                          <a:spcPts val="155"/>
+                        </a:spcBef>
+                      </a:pPr>
                       <a:r>
-                        <a:rPr lang="en-US" sz="900" b="0" i="0" u="none" strike="noStrike">
+                        <a:rPr lang="es-ES" sz="900">
                           <a:solidFill>
                             <a:srgbClr val="020302"/>
                           </a:solidFill>
-                          <a:effectLst/>
-                          <a:latin typeface="AdobeClean-Light" panose="020B0503020404020204" pitchFamily="34" charset="0"/>
-                        </a:rPr>
-                        <a:t>Business day / 1 day</a:t>
+                          <a:latin typeface="AdobeClean-Light"/>
+                          <a:cs typeface="AdobeClean-Light"/>
+                        </a:rPr>
+                        <a:t>Días laborables /      1 día</a:t>
                       </a:r>
                     </a:p>
                   </a:txBody>
-                  <a:tcPr marL="9525" marR="9525" marT="9525" marB="0" anchor="ctr">
+                  <a:tcPr marL="0" marR="0" marT="0" marB="0" anchor="ctr">
                     <a:lnL w="3175">
                       <a:solidFill>
                         <a:srgbClr val="B7B8B8"/>
@@ -8515,20 +7917,37 @@
                     <a:bodyPr/>
                     <a:lstStyle/>
                     <a:p>
-                      <a:pPr algn="ctr" fontAlgn="t"/>
+                      <a:pPr marL="0" marR="223520" indent="-202565" algn="ctr">
+                        <a:lnSpc>
+                          <a:spcPct val="100000"/>
+                        </a:lnSpc>
+                        <a:spcBef>
+                          <a:spcPts val="155"/>
+                        </a:spcBef>
+                      </a:pPr>
                       <a:r>
-                        <a:rPr lang="en-US" sz="900" b="0" i="0" u="none" strike="noStrike" dirty="0">
+                        <a:rPr lang="sk-SK" sz="900" dirty="0">
                           <a:solidFill>
                             <a:srgbClr val="020302"/>
                           </a:solidFill>
-                          <a:effectLst/>
-                          <a:latin typeface="AdobeClean-Light" panose="020B0503020404020204" pitchFamily="34" charset="0"/>
-                        </a:rPr>
-                        <a:t>Business day / 1 day</a:t>
+                          <a:latin typeface="AdobeClean-Light"/>
+                          <a:cs typeface="AdobeClean-Light"/>
+                        </a:rPr>
+                        <a:t>  </a:t>
                       </a:r>
-                    </a:p>
-                  </a:txBody>
-                  <a:tcPr marL="9525" marR="9525" marT="9525" marB="0" anchor="ctr">
+                      <a:r>
+                        <a:rPr lang="es-ES" sz="900" dirty="0">
+                          <a:solidFill>
+                            <a:srgbClr val="020302"/>
+                          </a:solidFill>
+                          <a:latin typeface="AdobeClean-Light"/>
+                          <a:cs typeface="AdobeClean-Light"/>
+                        </a:rPr>
+                        <a:t>Días laborables /  1 día</a:t>
+                      </a:r>
+                    </a:p>
+                  </a:txBody>
+                  <a:tcPr marL="0" marR="0" marT="0" marB="0" anchor="ctr">
                     <a:lnL w="3175">
                       <a:solidFill>
                         <a:srgbClr val="B7B8B8"/>
@@ -8591,7 +8010,7 @@
           </a:prstGeom>
         </p:spPr>
         <p:txBody>
-          <a:bodyPr vert="horz" wrap="square" lIns="0" tIns="12700" rIns="0" bIns="0" rtlCol="0" anchor="t">
+          <a:bodyPr vert="horz" wrap="square" lIns="0" tIns="12700" rIns="0" bIns="0" rtlCol="0">
             <a:spAutoFit/>
           </a:bodyPr>
           <a:lstStyle/>
@@ -8605,20 +8024,11 @@
               </a:spcBef>
             </a:pPr>
             <a:r>
-              <a:rPr sz="2300" dirty="0">
-                <a:latin typeface="Adobe Clean"/>
+              <a:rPr lang="es-ES" sz="2300">
+                <a:latin typeface="Adobe Clean" panose="020B0503020404020204" pitchFamily="34" charset="0"/>
               </a:rPr>
-              <a:t>ADOBE </a:t>
+              <a:t>OFERTA DE ASISTENCIA DE ADOBE</a:t>
             </a:r>
-            <a:r>
-              <a:rPr lang="en-US" sz="2300" dirty="0">
-                <a:latin typeface="Adobe Clean"/>
-              </a:rPr>
-              <a:t>SUPPORT PLANS</a:t>
-            </a:r>
-            <a:endParaRPr sz="2300" dirty="0">
-              <a:latin typeface="Adobe Clean" panose="020B0503020404020204" pitchFamily="34" charset="0"/>
-            </a:endParaRPr>
           </a:p>
         </p:txBody>
       </p:sp>
@@ -8651,7 +8061,7 @@
           <a:lstStyle/>
           <a:p>
             <a:r>
-              <a:rPr lang="en-US" sz="700" i="1" dirty="0">
+              <a:rPr lang="es-ES" sz="700" i="1">
                 <a:solidFill>
                   <a:schemeClr val="bg1"/>
                 </a:solidFill>
@@ -8895,7 +8305,7 @@
           </a:prstGeom>
         </p:spPr>
         <p:txBody>
-          <a:bodyPr vert="horz" wrap="square" lIns="0" tIns="35560" rIns="0" bIns="0" rtlCol="0" anchor="t">
+          <a:bodyPr vert="horz" wrap="square" lIns="0" tIns="35560" rIns="0" bIns="0" rtlCol="0">
             <a:spAutoFit/>
           </a:bodyPr>
           <a:lstStyle/>
@@ -8909,406 +8319,32 @@
               </a:spcBef>
             </a:pPr>
             <a:r>
-              <a:rPr lang="en-US" sz="1000" spc="-20" dirty="0">
+              <a:rPr lang="es-ES" sz="1000">
                 <a:solidFill>
                   <a:srgbClr val="020302"/>
                 </a:solidFill>
                 <a:latin typeface="AdobeClean-Light"/>
                 <a:cs typeface="AdobeClean-Light"/>
               </a:rPr>
-              <a:t>Adobe Customer Support offers a</a:t>
+              <a:t>El servicio de asistencia al cliente de Adobe ofrece acceso a recursos en línea para documentación, participación con otros expertos y clientes en prácticas recomendadas y series de seminarios web (horario de oficina) para obtener sugerencias y ver trucos para solucionar problemas. También hay varios canales disponibles</a:t>
             </a:r>
             <a:r>
-              <a:rPr sz="1000" spc="-20" dirty="0">
+              <a:rPr lang="es-ES" sz="1000">
+                <a:latin typeface="AdobeClean-Light"/>
+                <a:cs typeface="AdobeClean-Light"/>
+              </a:rPr>
+              <a:t> </a:t>
+            </a:r>
+            <a:r>
+              <a:rPr lang="es-ES" sz="1000">
                 <a:solidFill>
                   <a:srgbClr val="020302"/>
                 </a:solidFill>
                 <a:latin typeface="AdobeClean-Light"/>
                 <a:cs typeface="AdobeClean-Light"/>
               </a:rPr>
-              <a:t>ccess</a:t>
+              <a:t>para formular preguntas y enviar casos.</a:t>
             </a:r>
-            <a:r>
-              <a:rPr sz="1000" spc="-90" dirty="0">
-                <a:solidFill>
-                  <a:srgbClr val="020302"/>
-                </a:solidFill>
-                <a:latin typeface="AdobeClean-Light"/>
-                <a:cs typeface="AdobeClean-Light"/>
-              </a:rPr>
-              <a:t> </a:t>
-            </a:r>
-            <a:r>
-              <a:rPr sz="1000" spc="-10" dirty="0">
-                <a:solidFill>
-                  <a:srgbClr val="020302"/>
-                </a:solidFill>
-                <a:latin typeface="AdobeClean-Light"/>
-                <a:cs typeface="AdobeClean-Light"/>
-              </a:rPr>
-              <a:t>to</a:t>
-            </a:r>
-            <a:r>
-              <a:rPr sz="1000" spc="10" dirty="0">
-                <a:solidFill>
-                  <a:srgbClr val="020302"/>
-                </a:solidFill>
-                <a:latin typeface="AdobeClean-Light"/>
-                <a:cs typeface="AdobeClean-Light"/>
-              </a:rPr>
-              <a:t> </a:t>
-            </a:r>
-            <a:r>
-              <a:rPr lang="en-US" sz="1000" spc="-20" dirty="0">
-                <a:solidFill>
-                  <a:srgbClr val="020302"/>
-                </a:solidFill>
-                <a:latin typeface="AdobeClean-Light"/>
-                <a:cs typeface="AdobeClean-Light"/>
-              </a:rPr>
-              <a:t>online resources </a:t>
-            </a:r>
-            <a:r>
-              <a:rPr sz="1000" spc="-15" dirty="0">
-                <a:solidFill>
-                  <a:srgbClr val="020302"/>
-                </a:solidFill>
-                <a:latin typeface="AdobeClean-Light"/>
-                <a:cs typeface="AdobeClean-Light"/>
-              </a:rPr>
-              <a:t>for</a:t>
-            </a:r>
-            <a:r>
-              <a:rPr sz="1000" spc="-30" dirty="0">
-                <a:solidFill>
-                  <a:srgbClr val="020302"/>
-                </a:solidFill>
-                <a:latin typeface="AdobeClean-Light"/>
-                <a:cs typeface="AdobeClean-Light"/>
-              </a:rPr>
-              <a:t> </a:t>
-            </a:r>
-            <a:r>
-              <a:rPr sz="1000" spc="-15" dirty="0">
-                <a:solidFill>
-                  <a:srgbClr val="020302"/>
-                </a:solidFill>
-                <a:latin typeface="AdobeClean-Light"/>
-                <a:cs typeface="AdobeClean-Light"/>
-              </a:rPr>
-              <a:t>documentation,</a:t>
-            </a:r>
-            <a:r>
-              <a:rPr lang="en-US" sz="1000" spc="-15" dirty="0">
-                <a:solidFill>
-                  <a:srgbClr val="020302"/>
-                </a:solidFill>
-                <a:latin typeface="AdobeClean-Light"/>
-                <a:cs typeface="AdobeClean-Light"/>
-              </a:rPr>
-              <a:t> </a:t>
-            </a:r>
-            <a:r>
-              <a:rPr sz="1000" spc="-15" dirty="0">
-                <a:solidFill>
-                  <a:srgbClr val="020302"/>
-                </a:solidFill>
-                <a:latin typeface="AdobeClean-Light"/>
-                <a:cs typeface="AdobeClean-Light"/>
-              </a:rPr>
-              <a:t>engagement</a:t>
-            </a:r>
-            <a:r>
-              <a:rPr lang="en-US" sz="1000" spc="-15" dirty="0">
-                <a:solidFill>
-                  <a:srgbClr val="020302"/>
-                </a:solidFill>
-                <a:latin typeface="AdobeClean-Light"/>
-                <a:cs typeface="AdobeClean-Light"/>
-              </a:rPr>
-              <a:t> </a:t>
-            </a:r>
-            <a:r>
-              <a:rPr sz="1000" spc="-15" dirty="0">
-                <a:solidFill>
-                  <a:srgbClr val="020302"/>
-                </a:solidFill>
-                <a:latin typeface="AdobeClean-Light"/>
-                <a:cs typeface="AdobeClean-Light"/>
-              </a:rPr>
-              <a:t>with</a:t>
-            </a:r>
-            <a:r>
-              <a:rPr sz="1000" spc="-35" dirty="0">
-                <a:solidFill>
-                  <a:srgbClr val="020302"/>
-                </a:solidFill>
-                <a:latin typeface="AdobeClean-Light"/>
-                <a:cs typeface="AdobeClean-Light"/>
-              </a:rPr>
-              <a:t> </a:t>
-            </a:r>
-            <a:r>
-              <a:rPr sz="1000" spc="-20" dirty="0">
-                <a:solidFill>
-                  <a:srgbClr val="020302"/>
-                </a:solidFill>
-                <a:latin typeface="AdobeClean-Light"/>
-                <a:cs typeface="AdobeClean-Light"/>
-              </a:rPr>
-              <a:t>other experts </a:t>
-            </a:r>
-            <a:r>
-              <a:rPr sz="1000" spc="-15" dirty="0">
-                <a:solidFill>
-                  <a:srgbClr val="020302"/>
-                </a:solidFill>
-                <a:latin typeface="AdobeClean-Light"/>
-                <a:cs typeface="AdobeClean-Light"/>
-              </a:rPr>
-              <a:t>and </a:t>
-            </a:r>
-            <a:r>
-              <a:rPr sz="1000" spc="-20" dirty="0">
-                <a:solidFill>
-                  <a:srgbClr val="020302"/>
-                </a:solidFill>
-                <a:latin typeface="AdobeClean-Light"/>
-                <a:cs typeface="AdobeClean-Light"/>
-              </a:rPr>
-              <a:t>customers </a:t>
-            </a:r>
-            <a:r>
-              <a:rPr sz="1000" spc="-15" dirty="0">
-                <a:solidFill>
-                  <a:srgbClr val="020302"/>
-                </a:solidFill>
-                <a:latin typeface="AdobeClean-Light"/>
-                <a:cs typeface="AdobeClean-Light"/>
-              </a:rPr>
-              <a:t>for best </a:t>
-            </a:r>
-            <a:r>
-              <a:rPr sz="1000" spc="-20" dirty="0">
-                <a:solidFill>
-                  <a:srgbClr val="020302"/>
-                </a:solidFill>
-                <a:latin typeface="AdobeClean-Light"/>
-                <a:cs typeface="AdobeClean-Light"/>
-              </a:rPr>
-              <a:t>practices, </a:t>
-            </a:r>
-            <a:r>
-              <a:rPr sz="1000" spc="-15" dirty="0">
-                <a:solidFill>
-                  <a:srgbClr val="020302"/>
-                </a:solidFill>
-                <a:latin typeface="AdobeClean-Light"/>
-                <a:cs typeface="AdobeClean-Light"/>
-              </a:rPr>
-              <a:t>and </a:t>
-            </a:r>
-            <a:r>
-              <a:rPr sz="1000" spc="-20" dirty="0">
-                <a:solidFill>
-                  <a:srgbClr val="020302"/>
-                </a:solidFill>
-                <a:latin typeface="AdobeClean-Light"/>
-                <a:cs typeface="AdobeClean-Light"/>
-              </a:rPr>
-              <a:t>webinar series (Office </a:t>
-            </a:r>
-            <a:r>
-              <a:rPr sz="1000" spc="-15" dirty="0">
-                <a:solidFill>
-                  <a:srgbClr val="020302"/>
-                </a:solidFill>
-                <a:latin typeface="AdobeClean-Light"/>
-                <a:cs typeface="AdobeClean-Light"/>
-              </a:rPr>
-              <a:t>Hours) for </a:t>
-            </a:r>
-            <a:r>
-              <a:rPr sz="1000" spc="-20" dirty="0">
-                <a:solidFill>
-                  <a:srgbClr val="020302"/>
-                </a:solidFill>
-                <a:latin typeface="AdobeClean-Light"/>
-                <a:cs typeface="AdobeClean-Light"/>
-              </a:rPr>
-              <a:t>troubleshooting </a:t>
-            </a:r>
-            <a:r>
-              <a:rPr sz="1000" spc="-15" dirty="0">
-                <a:solidFill>
-                  <a:srgbClr val="020302"/>
-                </a:solidFill>
-                <a:latin typeface="AdobeClean-Light"/>
-                <a:cs typeface="AdobeClean-Light"/>
-              </a:rPr>
-              <a:t>tips and </a:t>
-            </a:r>
-            <a:r>
-              <a:rPr sz="1000" spc="-20" dirty="0">
-                <a:solidFill>
-                  <a:srgbClr val="020302"/>
-                </a:solidFill>
-                <a:latin typeface="AdobeClean-Light"/>
-                <a:cs typeface="AdobeClean-Light"/>
-              </a:rPr>
-              <a:t>tricks. Several channels </a:t>
-            </a:r>
-            <a:r>
-              <a:rPr lang="en-US" sz="1000" spc="-15" dirty="0">
-                <a:solidFill>
-                  <a:srgbClr val="020302"/>
-                </a:solidFill>
-                <a:latin typeface="AdobeClean-Light"/>
-                <a:cs typeface="AdobeClean-Light"/>
-              </a:rPr>
-              <a:t>are </a:t>
-            </a:r>
-            <a:r>
-              <a:rPr lang="en-US" sz="1000" spc="-20" dirty="0">
-                <a:solidFill>
-                  <a:srgbClr val="020302"/>
-                </a:solidFill>
-                <a:latin typeface="AdobeClean-Light"/>
-                <a:cs typeface="AdobeClean-Light"/>
-              </a:rPr>
-              <a:t>also</a:t>
-            </a:r>
-            <a:r>
-              <a:rPr lang="en-US" sz="1000" dirty="0">
-                <a:latin typeface="AdobeClean-Light"/>
-                <a:cs typeface="AdobeClean-Light"/>
-              </a:rPr>
-              <a:t> </a:t>
-            </a:r>
-            <a:r>
-              <a:rPr sz="1000" spc="-25" dirty="0">
-                <a:solidFill>
-                  <a:srgbClr val="020302"/>
-                </a:solidFill>
-                <a:latin typeface="AdobeClean-Light"/>
-                <a:cs typeface="AdobeClean-Light"/>
-              </a:rPr>
-              <a:t>available</a:t>
-            </a:r>
-            <a:r>
-              <a:rPr sz="1000" spc="-65" dirty="0">
-                <a:solidFill>
-                  <a:srgbClr val="020302"/>
-                </a:solidFill>
-                <a:latin typeface="AdobeClean-Light"/>
-                <a:cs typeface="AdobeClean-Light"/>
-              </a:rPr>
-              <a:t> </a:t>
-            </a:r>
-            <a:r>
-              <a:rPr sz="1000" spc="-15" dirty="0">
-                <a:solidFill>
-                  <a:srgbClr val="020302"/>
-                </a:solidFill>
-                <a:latin typeface="AdobeClean-Light"/>
-                <a:cs typeface="AdobeClean-Light"/>
-              </a:rPr>
-              <a:t>for</a:t>
-            </a:r>
-            <a:r>
-              <a:rPr sz="1000" spc="-25" dirty="0">
-                <a:solidFill>
-                  <a:srgbClr val="020302"/>
-                </a:solidFill>
-                <a:latin typeface="AdobeClean-Light"/>
-                <a:cs typeface="AdobeClean-Light"/>
-              </a:rPr>
-              <a:t> </a:t>
-            </a:r>
-            <a:r>
-              <a:rPr sz="1000" spc="-20" dirty="0">
-                <a:solidFill>
-                  <a:srgbClr val="020302"/>
-                </a:solidFill>
-                <a:latin typeface="AdobeClean-Light"/>
-                <a:cs typeface="AdobeClean-Light"/>
-              </a:rPr>
-              <a:t>questions</a:t>
-            </a:r>
-            <a:r>
-              <a:rPr sz="1000" spc="-114" dirty="0">
-                <a:solidFill>
-                  <a:srgbClr val="020302"/>
-                </a:solidFill>
-                <a:latin typeface="AdobeClean-Light"/>
-                <a:cs typeface="AdobeClean-Light"/>
-              </a:rPr>
-              <a:t> </a:t>
-            </a:r>
-            <a:r>
-              <a:rPr sz="1000" spc="-15" dirty="0">
-                <a:solidFill>
-                  <a:srgbClr val="020302"/>
-                </a:solidFill>
-                <a:latin typeface="AdobeClean-Light"/>
-                <a:cs typeface="AdobeClean-Light"/>
-              </a:rPr>
-              <a:t>and</a:t>
-            </a:r>
-            <a:r>
-              <a:rPr sz="1000" spc="-45" dirty="0">
-                <a:solidFill>
-                  <a:srgbClr val="020302"/>
-                </a:solidFill>
-                <a:latin typeface="AdobeClean-Light"/>
-                <a:cs typeface="AdobeClean-Light"/>
-              </a:rPr>
-              <a:t> </a:t>
-            </a:r>
-            <a:r>
-              <a:rPr sz="1000" spc="-20" dirty="0">
-                <a:solidFill>
-                  <a:srgbClr val="020302"/>
-                </a:solidFill>
-                <a:latin typeface="AdobeClean-Light"/>
-                <a:cs typeface="AdobeClean-Light"/>
-              </a:rPr>
-              <a:t>case</a:t>
-            </a:r>
-            <a:r>
-              <a:rPr sz="1000" spc="-35" dirty="0">
-                <a:solidFill>
-                  <a:srgbClr val="020302"/>
-                </a:solidFill>
-                <a:latin typeface="AdobeClean-Light"/>
-                <a:cs typeface="AdobeClean-Light"/>
-              </a:rPr>
-              <a:t> </a:t>
-            </a:r>
-            <a:r>
-              <a:rPr sz="1000" spc="-20" dirty="0">
-                <a:solidFill>
-                  <a:srgbClr val="020302"/>
-                </a:solidFill>
-                <a:latin typeface="AdobeClean-Light"/>
-                <a:cs typeface="AdobeClean-Light"/>
-              </a:rPr>
-              <a:t>submissions</a:t>
-            </a:r>
-            <a:r>
-              <a:rPr lang="en-US" sz="1000" spc="-20" dirty="0">
-                <a:solidFill>
-                  <a:srgbClr val="020302"/>
-                </a:solidFill>
-                <a:latin typeface="AdobeClean-Light"/>
-                <a:cs typeface="AdobeClean-Light"/>
-              </a:rPr>
-              <a:t>.</a:t>
-            </a:r>
-            <a:endParaRPr sz="1000" dirty="0">
-              <a:latin typeface="AdobeClean-Light"/>
-              <a:cs typeface="AdobeClean-Light"/>
-            </a:endParaRPr>
           </a:p>
         </p:txBody>
       </p:sp>
@@ -9321,19 +8357,22 @@
         <p:spPr>
           <a:xfrm>
             <a:off x="206585" y="8494028"/>
-            <a:ext cx="3270885" cy="302647"/>
+            <a:ext cx="3270885" cy="579646"/>
           </a:xfrm>
           <a:prstGeom prst="rect">
             <a:avLst/>
           </a:prstGeom>
         </p:spPr>
         <p:txBody>
-          <a:bodyPr vert="horz" wrap="square" lIns="0" tIns="12700" rIns="0" bIns="0" rtlCol="0" anchor="t">
+          <a:bodyPr vert="horz" wrap="square" lIns="0" tIns="12700" rIns="0" bIns="0" rtlCol="0">
             <a:spAutoFit/>
           </a:bodyPr>
           <a:lstStyle/>
           <a:p>
             <a:pPr marL="33020" marR="159385">
+              <a:lnSpc>
+                <a:spcPct val="100000"/>
+              </a:lnSpc>
               <a:spcBef>
                 <a:spcPts val="100"/>
               </a:spcBef>
@@ -9342,174 +8381,33 @@
               </a:tabLst>
             </a:pPr>
             <a:r>
-              <a:rPr sz="900" spc="-20" dirty="0">
+              <a:rPr lang="es-ES" sz="900" dirty="0">
                 <a:solidFill>
                   <a:srgbClr val="020302"/>
                 </a:solidFill>
                 <a:latin typeface="AdobeClean-Light"/>
                 <a:cs typeface="AdobeClean-Light"/>
               </a:rPr>
-              <a:t>Start </a:t>
+              <a:t>Inicie una sesión de chat para obtener respuestas y ayuda </a:t>
             </a:r>
-            <a:r>
-              <a:rPr sz="900" dirty="0">
+            <a:br>
+              <a:rPr lang="sk-SK" sz="900" dirty="0">
                 <a:solidFill>
                   <a:srgbClr val="020302"/>
                 </a:solidFill>
                 <a:latin typeface="AdobeClean-Light"/>
                 <a:cs typeface="AdobeClean-Light"/>
               </a:rPr>
-              <a:t>a </a:t>
-            </a:r>
+            </a:br>
             <a:r>
-              <a:rPr sz="900" spc="-15" dirty="0">
+              <a:rPr lang="es-ES" sz="900" dirty="0">
                 <a:solidFill>
                   <a:srgbClr val="020302"/>
                 </a:solidFill>
                 <a:latin typeface="AdobeClean-Light"/>
                 <a:cs typeface="AdobeClean-Light"/>
               </a:rPr>
-              <a:t>chat </a:t>
-            </a:r>
-            <a:r>
-              <a:rPr sz="900" spc="-10" dirty="0">
-                <a:solidFill>
-                  <a:srgbClr val="020302"/>
-                </a:solidFill>
-                <a:latin typeface="AdobeClean-Light"/>
-                <a:cs typeface="AdobeClean-Light"/>
-              </a:rPr>
-              <a:t>session </a:t>
-            </a:r>
-            <a:r>
-              <a:rPr sz="900" spc="-5" dirty="0">
-                <a:solidFill>
-                  <a:srgbClr val="020302"/>
-                </a:solidFill>
-                <a:latin typeface="AdobeClean-Light"/>
-                <a:cs typeface="AdobeClean-Light"/>
-              </a:rPr>
-              <a:t>to </a:t>
-            </a:r>
-            <a:r>
-              <a:rPr sz="900" spc="-10" dirty="0">
-                <a:solidFill>
-                  <a:srgbClr val="020302"/>
-                </a:solidFill>
-                <a:latin typeface="AdobeClean-Light"/>
-                <a:cs typeface="AdobeClean-Light"/>
-              </a:rPr>
-              <a:t>get</a:t>
-            </a:r>
-            <a:r>
-              <a:rPr lang="en-US" sz="900" spc="-10" dirty="0">
-                <a:solidFill>
-                  <a:srgbClr val="020302"/>
-                </a:solidFill>
-                <a:latin typeface="AdobeClean-Light"/>
-                <a:cs typeface="AdobeClean-Light"/>
-              </a:rPr>
-              <a:t> </a:t>
-            </a:r>
-            <a:r>
-              <a:rPr sz="900" spc="30" dirty="0">
-                <a:solidFill>
-                  <a:srgbClr val="020302"/>
-                </a:solidFill>
-                <a:latin typeface="AdobeClean-Light"/>
-                <a:cs typeface="AdobeClean-Light"/>
-              </a:rPr>
-              <a:t> </a:t>
-            </a:r>
-            <a:r>
-              <a:rPr sz="900" spc="-20" dirty="0">
-                <a:solidFill>
-                  <a:srgbClr val="020302"/>
-                </a:solidFill>
-                <a:latin typeface="AdobeClean-Light"/>
-                <a:cs typeface="AdobeClean-Light"/>
-              </a:rPr>
-              <a:t>answers</a:t>
-            </a:r>
-            <a:r>
-              <a:rPr lang="en-US" sz="900" spc="-45" dirty="0">
-                <a:solidFill>
-                  <a:srgbClr val="020302"/>
-                </a:solidFill>
-                <a:latin typeface="AdobeClean-Light"/>
-                <a:cs typeface="AdobeClean-Light"/>
-              </a:rPr>
-              <a:t> </a:t>
-            </a:r>
-            <a:r>
-              <a:rPr lang="en-US" sz="900" dirty="0">
-                <a:solidFill>
-                  <a:srgbClr val="020302"/>
-                </a:solidFill>
-                <a:latin typeface="AdobeClean-Light"/>
-                <a:cs typeface="AdobeClean-Light"/>
-              </a:rPr>
-              <a:t>&amp; </a:t>
-            </a:r>
-            <a:r>
-              <a:rPr sz="900" spc="-15" dirty="0">
-                <a:solidFill>
-                  <a:srgbClr val="020302"/>
-                </a:solidFill>
-                <a:latin typeface="AdobeClean-Light"/>
-                <a:cs typeface="AdobeClean-Light"/>
-              </a:rPr>
-              <a:t>help </a:t>
-            </a:r>
-            <a:r>
-              <a:rPr sz="900" spc="-10" dirty="0">
-                <a:solidFill>
-                  <a:srgbClr val="020302"/>
-                </a:solidFill>
-                <a:latin typeface="AdobeClean-Light"/>
-                <a:cs typeface="AdobeClean-Light"/>
-              </a:rPr>
-              <a:t>with</a:t>
-            </a:r>
-            <a:r>
-              <a:rPr sz="900" spc="85" dirty="0">
-                <a:solidFill>
-                  <a:srgbClr val="020302"/>
-                </a:solidFill>
-                <a:latin typeface="AdobeClean-Light"/>
-                <a:cs typeface="AdobeClean-Light"/>
-              </a:rPr>
-              <a:t> </a:t>
-            </a:r>
-            <a:r>
-              <a:rPr sz="900" spc="-10" dirty="0">
-                <a:solidFill>
-                  <a:srgbClr val="020302"/>
-                </a:solidFill>
-                <a:latin typeface="AdobeClean-Light"/>
-                <a:cs typeface="AdobeClean-Light"/>
-              </a:rPr>
-              <a:t>case </a:t>
-            </a:r>
-            <a:r>
-              <a:rPr sz="900" spc="-20" dirty="0">
-                <a:solidFill>
-                  <a:srgbClr val="020302"/>
-                </a:solidFill>
-                <a:latin typeface="AdobeClean-Light"/>
-                <a:cs typeface="AdobeClean-Light"/>
-              </a:rPr>
-              <a:t>submission</a:t>
-            </a:r>
-            <a:r>
-              <a:rPr lang="en-US" sz="900" spc="-20" dirty="0">
-                <a:solidFill>
-                  <a:srgbClr val="020302"/>
-                </a:solidFill>
-                <a:latin typeface="AdobeClean-Light"/>
-                <a:cs typeface="AdobeClean-Light"/>
-              </a:rPr>
-              <a:t>.</a:t>
+              <a:t>con el envío de casos.</a:t>
             </a:r>
           </a:p>
           <a:p>
@@ -9525,29 +8423,15 @@
               </a:tabLst>
             </a:pPr>
             <a:r>
-              <a:rPr sz="900" i="1" spc="-10" dirty="0">
+              <a:rPr lang="es-ES" sz="900" i="1" dirty="0">
                 <a:solidFill>
                   <a:srgbClr val="7A7A7A"/>
                 </a:solidFill>
                 <a:latin typeface="AdobeClean-LightIt"/>
                 <a:cs typeface="AdobeClean-LightIt"/>
               </a:rPr>
-              <a:t>*Not all </a:t>
+              <a:t>* No todos los productos ofrecen la opción de disfrutar de asistencia mediante chat en directo.  </a:t>
             </a:r>
-            <a:r>
-              <a:rPr sz="900" i="1" spc="-20" dirty="0">
-                <a:solidFill>
-                  <a:srgbClr val="7A7A7A"/>
-                </a:solidFill>
-                <a:latin typeface="AdobeClean-LightIt"/>
-                <a:cs typeface="AdobeClean-LightIt"/>
-              </a:rPr>
-              <a:t>products have live chat support.  </a:t>
-            </a:r>
-            <a:endParaRPr sz="900" dirty="0">
-              <a:latin typeface="AdobeClean-Light"/>
-              <a:cs typeface="AdobeClean-Light"/>
-            </a:endParaRPr>
           </a:p>
         </p:txBody>
       </p:sp>
@@ -9616,19 +8500,15 @@
               </a:spcBef>
             </a:pPr>
             <a:r>
-              <a:rPr lang="en-US" sz="1400" b="1" spc="-10" dirty="0">
+              <a:rPr lang="es-ES" sz="1400" b="1">
                 <a:solidFill>
                   <a:srgbClr val="020302"/>
                 </a:solidFill>
                 <a:latin typeface="Adobe Clean"/>
                 <a:cs typeface="Adobe Clean"/>
               </a:rPr>
-              <a:t>Online Support</a:t>
+              <a:t>Soporte Online</a:t>
             </a:r>
-            <a:endParaRPr lang="en-US" sz="1400" dirty="0">
-              <a:latin typeface="Adobe Clean"/>
-              <a:cs typeface="Adobe Clean"/>
-            </a:endParaRPr>
           </a:p>
         </p:txBody>
       </p:sp>
@@ -9675,12 +8555,12 @@
               <a:defRPr/>
             </a:pPr>
             <a:r>
-              <a:rPr lang="en-US" sz="1200" dirty="0">
+              <a:rPr lang="es-ES" sz="1200">
                 <a:solidFill>
                   <a:srgbClr val="000000"/>
                 </a:solidFill>
               </a:rPr>
-              <a:t>Community Forums</a:t>
+              <a:t>Foros de la comunidad</a:t>
             </a:r>
           </a:p>
         </p:txBody>
@@ -9723,12 +8603,12 @@
               </a:spcAft>
             </a:pPr>
             <a:r>
-              <a:rPr lang="en-US" sz="1200" b="1" dirty="0">
+              <a:rPr lang="es-ES" sz="1200" b="1">
                 <a:latin typeface="+mj-lt"/>
                 <a:ea typeface="Open Sans" pitchFamily="34" charset="0"/>
                 <a:cs typeface="Open Sans" pitchFamily="34" charset="0"/>
               </a:rPr>
-              <a:t>Online Forums</a:t>
+              <a:t>Foros en línea</a:t>
             </a:r>
           </a:p>
         </p:txBody>
@@ -9748,7 +8628,7 @@
         <p:spPr>
           <a:xfrm>
             <a:off x="244599" y="3893151"/>
-            <a:ext cx="3413002" cy="651460"/>
+            <a:ext cx="3413002" cy="805349"/>
           </a:xfrm>
           <a:prstGeom prst="rect">
             <a:avLst/>
@@ -9761,13 +8641,30 @@
           <a:lstStyle/>
           <a:p>
             <a:r>
-              <a:rPr lang="en-US" sz="1000" dirty="0">
+              <a:rPr lang="es-ES" sz="1000" dirty="0">
                 <a:solidFill>
                   <a:srgbClr val="000000"/>
                 </a:solidFill>
                 <a:latin typeface="Adobe Clean Light" panose="020B0303020404020204" pitchFamily="34" charset="0"/>
               </a:rPr>
-              <a:t>Continuous online access to a growing database of technical solutions, product documentation, FAQs and more. Connect with practitioners and other customers on Adobe Community to share best practices and lessons learned.</a:t>
+              <a:t>Acceso continuo en línea a una base de datos donde encontrará cada vez más soluciones técnicas, documentación de productos, preguntas frecuentes y mucho más. Hable con profesionales </a:t>
+            </a:r>
+            <a:br>
+              <a:rPr lang="sk-SK" sz="1000" dirty="0">
+                <a:solidFill>
+                  <a:srgbClr val="000000"/>
+                </a:solidFill>
+                <a:latin typeface="Adobe Clean Light" panose="020B0303020404020204" pitchFamily="34" charset="0"/>
+              </a:rPr>
+            </a:br>
+            <a:r>
+              <a:rPr lang="es-ES" sz="1000" dirty="0">
+                <a:solidFill>
+                  <a:srgbClr val="000000"/>
+                </a:solidFill>
+                <a:latin typeface="Adobe Clean Light" panose="020B0303020404020204" pitchFamily="34" charset="0"/>
+              </a:rPr>
+              <a:t>y otros clientes en la Comunidad de Adobe para compartir prácticas recomendadas y lecciones aprendidas.</a:t>
             </a:r>
           </a:p>
         </p:txBody>
@@ -9815,7 +8712,7 @@
               <a:defRPr/>
             </a:pPr>
             <a:r>
-              <a:rPr lang="en-US" sz="1200" dirty="0">
+              <a:rPr lang="es-ES" sz="1200">
                 <a:solidFill>
                   <a:srgbClr val="000000"/>
                 </a:solidFill>
@@ -9863,12 +8760,12 @@
               </a:spcAft>
             </a:pPr>
             <a:r>
-              <a:rPr lang="en-US" sz="1200" b="1" dirty="0">
+              <a:rPr lang="es-ES" sz="1200" b="1">
                 <a:latin typeface="+mj-lt"/>
                 <a:ea typeface="Open Sans" pitchFamily="34" charset="0"/>
                 <a:cs typeface="Open Sans" pitchFamily="34" charset="0"/>
               </a:rPr>
-              <a:t>Self-guided Journeys</a:t>
+              <a:t>Recorridos autoguiados</a:t>
             </a:r>
           </a:p>
         </p:txBody>
@@ -9888,7 +8785,7 @@
         <p:spPr>
           <a:xfrm>
             <a:off x="257325" y="6132567"/>
-            <a:ext cx="3413002" cy="651460"/>
+            <a:ext cx="3413002" cy="959237"/>
           </a:xfrm>
           <a:prstGeom prst="rect">
             <a:avLst/>
@@ -9901,13 +8798,101 @@
           <a:lstStyle/>
           <a:p>
             <a:r>
-              <a:rPr lang="en-US" sz="1000" dirty="0">
+              <a:rPr lang="es-ES" sz="1000" dirty="0">
                 <a:solidFill>
                   <a:srgbClr val="000000"/>
                 </a:solidFill>
                 <a:latin typeface="Adobe Clean Light" panose="020B0303020404020204" pitchFamily="34" charset="0"/>
               </a:rPr>
-              <a:t>Experience Makers are made with Experience League. Customers can kickstart their Customer Experience Management abilities with personalized learning to develop skills, engage with a global community of peers, and earn career advancing recognition. </a:t>
+              <a:t>Los </a:t>
+            </a:r>
+            <a:r>
+              <a:rPr lang="es-ES" sz="1000" dirty="0" err="1">
+                <a:solidFill>
+                  <a:srgbClr val="000000"/>
+                </a:solidFill>
+                <a:latin typeface="Adobe Clean Light" panose="020B0303020404020204" pitchFamily="34" charset="0"/>
+              </a:rPr>
+              <a:t>experience</a:t>
+            </a:r>
+            <a:r>
+              <a:rPr lang="es-ES" sz="1000" dirty="0">
+                <a:solidFill>
+                  <a:srgbClr val="000000"/>
+                </a:solidFill>
+                <a:latin typeface="Adobe Clean Light" panose="020B0303020404020204" pitchFamily="34" charset="0"/>
+              </a:rPr>
+              <a:t> </a:t>
+            </a:r>
+            <a:r>
+              <a:rPr lang="es-ES" sz="1000" dirty="0" err="1">
+                <a:solidFill>
+                  <a:srgbClr val="000000"/>
+                </a:solidFill>
+                <a:latin typeface="Adobe Clean Light" panose="020B0303020404020204" pitchFamily="34" charset="0"/>
+              </a:rPr>
+              <a:t>makers</a:t>
+            </a:r>
+            <a:r>
+              <a:rPr lang="es-ES" sz="1000" dirty="0">
+                <a:solidFill>
+                  <a:srgbClr val="000000"/>
+                </a:solidFill>
+                <a:latin typeface="Adobe Clean Light" panose="020B0303020404020204" pitchFamily="34" charset="0"/>
+              </a:rPr>
+              <a:t> se realizan con </a:t>
+            </a:r>
+            <a:r>
+              <a:rPr lang="es-ES" sz="1000" dirty="0" err="1">
+                <a:solidFill>
+                  <a:srgbClr val="000000"/>
+                </a:solidFill>
+                <a:latin typeface="Adobe Clean Light" panose="020B0303020404020204" pitchFamily="34" charset="0"/>
+              </a:rPr>
+              <a:t>Experience</a:t>
+            </a:r>
+            <a:r>
+              <a:rPr lang="es-ES" sz="1000" dirty="0">
+                <a:solidFill>
+                  <a:srgbClr val="000000"/>
+                </a:solidFill>
+                <a:latin typeface="Adobe Clean Light" panose="020B0303020404020204" pitchFamily="34" charset="0"/>
+              </a:rPr>
+              <a:t> League. </a:t>
+            </a:r>
+            <a:br>
+              <a:rPr lang="sk-SK" sz="1000" dirty="0">
+                <a:solidFill>
+                  <a:srgbClr val="000000"/>
+                </a:solidFill>
+                <a:latin typeface="Adobe Clean Light" panose="020B0303020404020204" pitchFamily="34" charset="0"/>
+              </a:rPr>
+            </a:br>
+            <a:r>
+              <a:rPr lang="es-ES" sz="1000" dirty="0">
+                <a:solidFill>
+                  <a:srgbClr val="000000"/>
+                </a:solidFill>
+                <a:latin typeface="Adobe Clean Light" panose="020B0303020404020204" pitchFamily="34" charset="0"/>
+              </a:rPr>
+              <a:t>Los clientes pueden aplicar sus conocimientos de administración </a:t>
+            </a:r>
+            <a:br>
+              <a:rPr lang="sk-SK" sz="1000" dirty="0">
+                <a:solidFill>
+                  <a:srgbClr val="000000"/>
+                </a:solidFill>
+                <a:latin typeface="Adobe Clean Light" panose="020B0303020404020204" pitchFamily="34" charset="0"/>
+              </a:rPr>
+            </a:br>
+            <a:r>
+              <a:rPr lang="es-ES" sz="1000" dirty="0">
+                <a:solidFill>
+                  <a:srgbClr val="000000"/>
+                </a:solidFill>
+                <a:latin typeface="Adobe Clean Light" panose="020B0303020404020204" pitchFamily="34" charset="0"/>
+              </a:rPr>
+              <a:t>de la experiencia del cliente con aprendizaje personalizado para desarrollar habilidades, interactuar con la comunidad internacional de compañeros y obtener reconocimiento en su trayectoria profesional. </a:t>
             </a:r>
           </a:p>
         </p:txBody>
@@ -9955,12 +8940,12 @@
               <a:defRPr/>
             </a:pPr>
             <a:r>
-              <a:rPr lang="en-US" sz="1200" dirty="0">
+              <a:rPr lang="es-ES" sz="1200">
                 <a:solidFill>
                   <a:srgbClr val="000000"/>
                 </a:solidFill>
               </a:rPr>
-              <a:t>Office Hours</a:t>
+              <a:t>Horario de oficina</a:t>
             </a:r>
           </a:p>
         </p:txBody>
@@ -10003,12 +8988,12 @@
               </a:spcAft>
             </a:pPr>
             <a:r>
-              <a:rPr lang="en-US" sz="1200" b="1" dirty="0">
+              <a:rPr lang="es-ES" sz="1200" b="1">
                 <a:latin typeface="+mj-lt"/>
                 <a:ea typeface="Open Sans" pitchFamily="34" charset="0"/>
                 <a:cs typeface="Open Sans" pitchFamily="34" charset="0"/>
               </a:rPr>
-              <a:t>Webinars</a:t>
+              <a:t>Seminarios web</a:t>
             </a:r>
           </a:p>
         </p:txBody>
@@ -10028,7 +9013,7 @@
         <p:spPr>
           <a:xfrm>
             <a:off x="3810000" y="3893151"/>
-            <a:ext cx="3413002" cy="651460"/>
+            <a:ext cx="3413002" cy="805349"/>
           </a:xfrm>
           <a:prstGeom prst="rect">
             <a:avLst/>
@@ -10041,13 +9026,30 @@
           <a:lstStyle/>
           <a:p>
             <a:r>
-              <a:rPr lang="en-US" sz="1000" dirty="0">
+              <a:rPr lang="es-ES" sz="1000" dirty="0">
                 <a:solidFill>
                   <a:srgbClr val="000000"/>
                 </a:solidFill>
                 <a:latin typeface="Adobe Clean Light" panose="020B0303020404020204" pitchFamily="34" charset="0"/>
               </a:rPr>
-              <a:t>Office  Hours  led  by  the  Adobe  Customer Support  team  includes  sessions  designed to  inform  as  well  as  help  participants troubleshoot  problems  and  provide  tips and  tricks  for  success  with  Adobe  solutions.</a:t>
+              <a:t>En el horario de oficina del equipo de asistencia al cliente de Adobe se incluyen sesiones diseñadas para informar y ayudar a los participantes a solucionar problemas, así como para proporcionar consejos y trucos para que los participantes logren el éxito con </a:t>
+            </a:r>
+            <a:br>
+              <a:rPr lang="sk-SK" sz="1000" dirty="0">
+                <a:solidFill>
+                  <a:srgbClr val="000000"/>
+                </a:solidFill>
+                <a:latin typeface="Adobe Clean Light" panose="020B0303020404020204" pitchFamily="34" charset="0"/>
+              </a:rPr>
+            </a:br>
+            <a:r>
+              <a:rPr lang="es-ES" sz="1000" dirty="0">
+                <a:solidFill>
+                  <a:srgbClr val="000000"/>
+                </a:solidFill>
+                <a:latin typeface="Adobe Clean Light" panose="020B0303020404020204" pitchFamily="34" charset="0"/>
+              </a:rPr>
+              <a:t>las soluciones de Adobe.</a:t>
             </a:r>
           </a:p>
         </p:txBody>
@@ -10095,12 +9097,12 @@
               <a:defRPr/>
             </a:pPr>
             <a:r>
-              <a:rPr lang="en-US" sz="1200" dirty="0">
+              <a:rPr lang="es-ES" sz="1200">
                 <a:solidFill>
                   <a:srgbClr val="000000"/>
                 </a:solidFill>
               </a:rPr>
-              <a:t>Self-help Portals</a:t>
+              <a:t>Portales de autoayuda</a:t>
             </a:r>
           </a:p>
         </p:txBody>
@@ -10143,12 +9145,12 @@
               </a:spcAft>
             </a:pPr>
             <a:r>
-              <a:rPr lang="en-US" sz="1200" b="1" dirty="0">
+              <a:rPr lang="es-ES" sz="1200" b="1">
                 <a:latin typeface="+mj-lt"/>
                 <a:ea typeface="Open Sans" pitchFamily="34" charset="0"/>
                 <a:cs typeface="Open Sans" pitchFamily="34" charset="0"/>
               </a:rPr>
-              <a:t>24/7 Support Portal</a:t>
+              <a:t>Portal de asistencia 24/7</a:t>
             </a:r>
           </a:p>
         </p:txBody>
@@ -10168,7 +9170,7 @@
         <p:spPr>
           <a:xfrm>
             <a:off x="3849036" y="6132567"/>
-            <a:ext cx="3413002" cy="497572"/>
+            <a:ext cx="3413002" cy="651460"/>
           </a:xfrm>
           <a:prstGeom prst="rect">
             <a:avLst/>
@@ -10181,13 +9183,47 @@
           <a:lstStyle/>
           <a:p>
             <a:r>
-              <a:rPr lang="en-US" sz="1000" dirty="0">
+              <a:rPr lang="es-ES" sz="1000" dirty="0">
                 <a:solidFill>
                   <a:srgbClr val="000000"/>
                 </a:solidFill>
                 <a:latin typeface="Adobe Clean Light" panose="020B0303020404020204" pitchFamily="34" charset="0"/>
               </a:rPr>
-              <a:t>On-demand access to the online Self-help Support Portal to submit support requests, review case status, and browse other resources, like our knowledgebase, news and alerts, featured tips, and more.</a:t>
+              <a:t>Acceso al portal de asistencia de autoayuda en línea previa solicitud para enviar solicitudes de asistencia, revisar el estado de los casos </a:t>
+            </a:r>
+            <a:br>
+              <a:rPr lang="sk-SK" sz="1000" dirty="0">
+                <a:solidFill>
+                  <a:srgbClr val="000000"/>
+                </a:solidFill>
+                <a:latin typeface="Adobe Clean Light" panose="020B0303020404020204" pitchFamily="34" charset="0"/>
+              </a:rPr>
+            </a:br>
+            <a:r>
+              <a:rPr lang="es-ES" sz="1000" dirty="0">
+                <a:solidFill>
+                  <a:srgbClr val="000000"/>
+                </a:solidFill>
+                <a:latin typeface="Adobe Clean Light" panose="020B0303020404020204" pitchFamily="34" charset="0"/>
+              </a:rPr>
+              <a:t>y examinar otros recursos, como la base de conocimiento, noticias </a:t>
+            </a:r>
+            <a:br>
+              <a:rPr lang="sk-SK" sz="1000" dirty="0">
+                <a:solidFill>
+                  <a:srgbClr val="000000"/>
+                </a:solidFill>
+                <a:latin typeface="Adobe Clean Light" panose="020B0303020404020204" pitchFamily="34" charset="0"/>
+              </a:rPr>
+            </a:br>
+            <a:r>
+              <a:rPr lang="es-ES" sz="1000" dirty="0">
+                <a:solidFill>
+                  <a:srgbClr val="000000"/>
+                </a:solidFill>
+                <a:latin typeface="Adobe Clean Light" panose="020B0303020404020204" pitchFamily="34" charset="0"/>
+              </a:rPr>
+              <a:t>y alertas, sugerencias destacadas, y mucho más.</a:t>
             </a:r>
           </a:p>
         </p:txBody>
@@ -10235,12 +9271,12 @@
               <a:defRPr/>
             </a:pPr>
             <a:r>
-              <a:rPr lang="en-US" sz="1200" dirty="0">
+              <a:rPr lang="es-ES" sz="1200">
                 <a:solidFill>
                   <a:srgbClr val="000000"/>
                 </a:solidFill>
               </a:rPr>
-              <a:t>Live Chat  Support*</a:t>
+              <a:t>Asistencia mediante chat en directo*</a:t>
             </a:r>
           </a:p>
         </p:txBody>
@@ -10283,12 +9319,12 @@
               </a:spcAft>
             </a:pPr>
             <a:r>
-              <a:rPr lang="en-US" sz="1200" b="1" dirty="0">
+              <a:rPr lang="es-ES" sz="1200" b="1">
                 <a:latin typeface="+mj-lt"/>
                 <a:ea typeface="Open Sans" pitchFamily="34" charset="0"/>
                 <a:cs typeface="Open Sans" pitchFamily="34" charset="0"/>
               </a:rPr>
-              <a:t>Chat Support</a:t>
+              <a:t>Asistencia mediante chat</a:t>
             </a:r>
           </a:p>
         </p:txBody>
@@ -10336,12 +9372,12 @@
               <a:defRPr/>
             </a:pPr>
             <a:r>
-              <a:rPr lang="en-US" sz="1200" dirty="0">
+              <a:rPr lang="es-ES" sz="1200">
                 <a:solidFill>
                   <a:srgbClr val="000000"/>
                 </a:solidFill>
               </a:rPr>
-              <a:t>24 X 7 X 365 P1 </a:t>
+              <a:t>24x7x365 en P1 </a:t>
             </a:r>
           </a:p>
         </p:txBody>
@@ -10384,12 +9420,12 @@
               </a:spcAft>
             </a:pPr>
             <a:r>
-              <a:rPr lang="en-US" sz="1200" b="1" dirty="0">
+              <a:rPr lang="es-ES" sz="1200" b="1">
                 <a:latin typeface="+mj-lt"/>
                 <a:ea typeface="Open Sans" pitchFamily="34" charset="0"/>
                 <a:cs typeface="Open Sans" pitchFamily="34" charset="0"/>
               </a:rPr>
-              <a:t>Phone  Support</a:t>
+              <a:t>Asistencia telefónica</a:t>
             </a:r>
           </a:p>
         </p:txBody>
@@ -10409,7 +9445,7 @@
         <p:spPr>
           <a:xfrm>
             <a:off x="3833993" y="8494028"/>
-            <a:ext cx="3413002" cy="497572"/>
+            <a:ext cx="3413002" cy="651460"/>
           </a:xfrm>
           <a:prstGeom prst="rect">
             <a:avLst/>
@@ -10422,26 +9458,31 @@
           <a:lstStyle/>
           <a:p>
             <a:r>
-              <a:rPr lang="en-US" sz="1000" dirty="0">
+              <a:rPr lang="es-ES" sz="1000" dirty="0">
                 <a:solidFill>
                   <a:srgbClr val="020302"/>
                 </a:solidFill>
                 <a:latin typeface="AdobeClean-Light"/>
               </a:rPr>
-              <a:t>Authorized users or Named Support Contacts </a:t>
+              <a:t>Los usuarios autorizados o los contactos de soporte particulares</a:t>
             </a:r>
             <a:r>
-              <a:rPr lang="en-US" sz="1000" dirty="0">
+              <a:rPr lang="es-ES" sz="1000" dirty="0">
                 <a:latin typeface="Adobe Clean Light" panose="020B0303020404020204" pitchFamily="34" charset="0"/>
               </a:rPr>
-              <a:t>can submit issues through all available  channels (including phone for P1) and interact with our technical support team on behalf of your company. </a:t>
+              <a:t> pueden enviar problemas a través de todos los canales disponibles (incluido el teléfono en el caso de los problemas P1) y hablar </a:t>
             </a:r>
-            <a:endParaRPr lang="en-US" sz="1000" dirty="0">
-              <a:solidFill>
-                <a:srgbClr val="000000"/>
-              </a:solidFill>
-              <a:latin typeface="Adobe Clean Light" panose="020B0303020404020204" pitchFamily="34" charset="0"/>
-            </a:endParaRPr>
+            <a:br>
+              <a:rPr lang="sk-SK" sz="1000" dirty="0">
+                <a:latin typeface="Adobe Clean Light" panose="020B0303020404020204" pitchFamily="34" charset="0"/>
+              </a:rPr>
+            </a:br>
+            <a:r>
+              <a:rPr lang="es-ES" sz="1000" dirty="0">
+                <a:latin typeface="Adobe Clean Light" panose="020B0303020404020204" pitchFamily="34" charset="0"/>
+              </a:rPr>
+              <a:t>con nuestro equipo de asistencia en nombre de su empresa. </a:t>
+            </a:r>
           </a:p>
         </p:txBody>
       </p:sp>
@@ -10485,24 +9526,8 @@
               </a:spcBef>
             </a:pPr>
             <a:r>
-              <a:rPr spc="-5" dirty="0"/>
-              <a:t>©202</a:t>
-            </a:r>
-            <a:r>
-              <a:rPr lang="en-US" spc="-5" dirty="0"/>
-              <a:t>1</a:t>
-            </a:r>
-            <a:r>
-              <a:rPr spc="-5" dirty="0"/>
-              <a:t> Adobe. All Rights Reserved. Adobe</a:t>
-            </a:r>
-            <a:r>
-              <a:rPr spc="60" dirty="0"/>
-              <a:t> </a:t>
-            </a:r>
-            <a:r>
-              <a:rPr spc="-5" dirty="0"/>
-              <a:t>Confidential.</a:t>
+              <a:rPr lang="es-ES"/>
+              <a:t>©2021 Adobe. All Rights Reserved. Adobe Confidential.</a:t>
             </a:r>
           </a:p>
         </p:txBody>
@@ -10793,49 +9818,15 @@
               </a:lnSpc>
             </a:pPr>
             <a:r>
-              <a:rPr sz="500" spc="-5" dirty="0">
+              <a:rPr lang="es-ES" sz="500">
                 <a:solidFill>
                   <a:srgbClr val="6C6C6C"/>
                 </a:solidFill>
                 <a:latin typeface="Adobe Clean"/>
                 <a:cs typeface="Adobe Clean"/>
               </a:rPr>
-              <a:t>©2020 Adobe. All Rights Reserved. </a:t>
+              <a:t>©2020 Adobe. All Rights Reserved. Adobe Confidential.</a:t>
             </a:r>
-            <a:r>
-              <a:rPr sz="500" dirty="0">
-                <a:solidFill>
-                  <a:srgbClr val="6C6C6C"/>
-                </a:solidFill>
-                <a:latin typeface="Adobe Clean"/>
-                <a:cs typeface="Adobe Clean"/>
-              </a:rPr>
-              <a:t>Adobe</a:t>
-            </a:r>
-            <a:r>
-              <a:rPr sz="500" spc="5" dirty="0">
-                <a:solidFill>
-                  <a:srgbClr val="6C6C6C"/>
-                </a:solidFill>
-                <a:latin typeface="Adobe Clean"/>
-                <a:cs typeface="Adobe Clean"/>
-              </a:rPr>
-              <a:t> </a:t>
-            </a:r>
-            <a:r>
-              <a:rPr sz="500" spc="-5" dirty="0">
-                <a:solidFill>
-                  <a:srgbClr val="6C6C6C"/>
-                </a:solidFill>
-                <a:latin typeface="Adobe Clean"/>
-                <a:cs typeface="Adobe Clean"/>
-              </a:rPr>
-              <a:t>Confidential.</a:t>
-            </a:r>
-            <a:endParaRPr sz="500">
-              <a:latin typeface="Adobe Clean"/>
-              <a:cs typeface="Adobe Clean"/>
-            </a:endParaRPr>
           </a:p>
           <a:p>
             <a:pPr>
@@ -10861,39 +9852,15 @@
               </a:spcBef>
             </a:pPr>
             <a:r>
-              <a:rPr sz="800" spc="-5" dirty="0">
+              <a:rPr lang="es-ES" sz="800">
                 <a:solidFill>
                   <a:srgbClr val="6D6D6D"/>
                 </a:solidFill>
                 <a:latin typeface="Adobe Clean"/>
                 <a:cs typeface="Adobe Clean"/>
               </a:rPr>
-              <a:t>©2020 Adobe. All Rights Reserved. Adobe</a:t>
+              <a:t>©2020 Adobe. All Rights Reserved. Adobe Confidential.</a:t>
             </a:r>
-            <a:r>
-              <a:rPr sz="800" spc="75" dirty="0">
-                <a:solidFill>
-                  <a:srgbClr val="6D6D6D"/>
-                </a:solidFill>
-                <a:latin typeface="Adobe Clean"/>
-                <a:cs typeface="Adobe Clean"/>
-              </a:rPr>
-              <a:t> </a:t>
-            </a:r>
-            <a:r>
-              <a:rPr sz="800" spc="-5" dirty="0">
-                <a:solidFill>
-                  <a:srgbClr val="6D6D6D"/>
-                </a:solidFill>
-                <a:latin typeface="Adobe Clean"/>
-                <a:cs typeface="Adobe Clean"/>
-              </a:rPr>
-              <a:t>Confidential.</a:t>
-            </a:r>
-            <a:endParaRPr sz="800">
-              <a:latin typeface="Adobe Clean"/>
-              <a:cs typeface="Adobe Clean"/>
-            </a:endParaRPr>
           </a:p>
         </p:txBody>
       </p:sp>
@@ -10977,19 +9944,15 @@
               </a:spcBef>
             </a:pPr>
             <a:r>
-              <a:rPr lang="en-US" sz="1400" b="1" spc="-15" dirty="0">
+              <a:rPr lang="es-ES" sz="1400" b="1">
                 <a:solidFill>
                   <a:srgbClr val="020302"/>
                 </a:solidFill>
                 <a:latin typeface="Adobe Clean"/>
                 <a:cs typeface="Adobe Clean"/>
               </a:rPr>
-              <a:t>Resources</a:t>
+              <a:t>Recursos</a:t>
             </a:r>
-            <a:endParaRPr sz="1400" dirty="0">
-              <a:latin typeface="Adobe Clean"/>
-              <a:cs typeface="Adobe Clean"/>
-            </a:endParaRPr>
           </a:p>
         </p:txBody>
       </p:sp>
@@ -11002,14 +9965,14 @@
         <p:spPr>
           <a:xfrm>
             <a:off x="6754821" y="9283729"/>
-            <a:ext cx="930275" cy="758541"/>
+            <a:ext cx="930275" cy="662305"/>
           </a:xfrm>
           <a:prstGeom prst="rect">
             <a:avLst/>
           </a:prstGeom>
         </p:spPr>
         <p:txBody>
-          <a:bodyPr vert="horz" wrap="square" lIns="0" tIns="12065" rIns="0" bIns="0" rtlCol="0" anchor="t">
+          <a:bodyPr vert="horz" wrap="square" lIns="0" tIns="12065" rIns="0" bIns="0" rtlCol="0">
             <a:spAutoFit/>
           </a:bodyPr>
           <a:lstStyle/>
@@ -11023,7 +9986,7 @@
               </a:spcBef>
             </a:pPr>
             <a:r>
-              <a:rPr sz="800" spc="-15" dirty="0">
+              <a:rPr lang="es-ES" sz="800">
                 <a:solidFill>
                   <a:srgbClr val="777879"/>
                 </a:solidFill>
@@ -11032,10 +9995,6 @@
               </a:rPr>
               <a:t>Adobe</a:t>
             </a:r>
-            <a:endParaRPr sz="800">
-              <a:latin typeface="Adobe Clean"/>
-              <a:cs typeface="Adobe Clean"/>
-            </a:endParaRPr>
           </a:p>
           <a:p>
             <a:pPr marL="12700">
@@ -11044,29 +10003,15 @@
               </a:lnSpc>
             </a:pPr>
             <a:r>
-              <a:rPr sz="800" spc="-15" dirty="0">
+              <a:rPr lang="es-ES" sz="800">
                 <a:solidFill>
                   <a:srgbClr val="777879"/>
                 </a:solidFill>
                 <a:latin typeface="Adobe Clean"/>
                 <a:cs typeface="Adobe Clean"/>
               </a:rPr>
-              <a:t>345 </a:t>
+              <a:t>345 Park Avenue</a:t>
             </a:r>
-            <a:r>
-              <a:rPr lang="en-US" sz="800" spc="-15" dirty="0">
-                <a:solidFill>
-                  <a:srgbClr val="777879"/>
-                </a:solidFill>
-                <a:latin typeface="Adobe Clean"/>
-                <a:cs typeface="Adobe Clean"/>
-              </a:rPr>
-              <a:t>Park Avenue</a:t>
-            </a:r>
-            <a:endParaRPr sz="800" dirty="0">
-              <a:latin typeface="Adobe Clean"/>
-              <a:cs typeface="Adobe Clean"/>
-            </a:endParaRPr>
           </a:p>
           <a:p>
             <a:pPr marL="12700">
@@ -11075,49 +10020,15 @@
               </a:lnSpc>
             </a:pPr>
             <a:r>
-              <a:rPr sz="800" spc="-10" dirty="0">
+              <a:rPr lang="es-ES" sz="800">
                 <a:solidFill>
                   <a:srgbClr val="777879"/>
                 </a:solidFill>
                 <a:latin typeface="Adobe Clean"/>
                 <a:cs typeface="Adobe Clean"/>
               </a:rPr>
-              <a:t>San </a:t>
+              <a:t>San José, CA95110-2704</a:t>
             </a:r>
-            <a:r>
-              <a:rPr sz="800" spc="-15" dirty="0">
-                <a:solidFill>
-                  <a:srgbClr val="777879"/>
-                </a:solidFill>
-                <a:latin typeface="Adobe Clean"/>
-                <a:cs typeface="Adobe Clean"/>
-              </a:rPr>
-              <a:t>Jose,</a:t>
-            </a:r>
-            <a:r>
-              <a:rPr sz="800" spc="-140" dirty="0">
-                <a:solidFill>
-                  <a:srgbClr val="777879"/>
-                </a:solidFill>
-                <a:latin typeface="Adobe Clean"/>
-                <a:cs typeface="Adobe Clean"/>
-              </a:rPr>
-              <a:t> </a:t>
-            </a:r>
-            <a:r>
-              <a:rPr sz="800" spc="-20" dirty="0">
-                <a:solidFill>
-                  <a:srgbClr val="777879"/>
-                </a:solidFill>
-                <a:latin typeface="Adobe Clean"/>
-                <a:cs typeface="Adobe Clean"/>
-              </a:rPr>
-              <a:t>CA95110-2704</a:t>
-            </a:r>
-            <a:endParaRPr sz="800">
-              <a:latin typeface="Adobe Clean"/>
-              <a:cs typeface="Adobe Clean"/>
-            </a:endParaRPr>
           </a:p>
           <a:p>
             <a:pPr marL="12700">
@@ -11129,19 +10040,15 @@
               </a:spcBef>
             </a:pPr>
             <a:r>
-              <a:rPr sz="800" spc="-10" dirty="0">
+              <a:rPr lang="es-ES" sz="800">
                 <a:solidFill>
                   <a:srgbClr val="777879"/>
                 </a:solidFill>
                 <a:latin typeface="Adobe Clean"/>
                 <a:cs typeface="Adobe Clean"/>
               </a:rPr>
-              <a:t>USA</a:t>
+              <a:t>EE. UU.</a:t>
             </a:r>
-            <a:endParaRPr sz="800">
-              <a:latin typeface="Adobe Clean"/>
-              <a:cs typeface="Adobe Clean"/>
-            </a:endParaRPr>
           </a:p>
           <a:p>
             <a:pPr marL="12700">
@@ -11153,7 +10060,7 @@
               </a:spcBef>
             </a:pPr>
             <a:r>
-              <a:rPr sz="800" u="sng" spc="-25" dirty="0">
+              <a:rPr lang="es-ES" sz="800" u="sng">
                 <a:solidFill>
                   <a:srgbClr val="5F5F5F"/>
                 </a:solidFill>
@@ -11168,10 +10075,6 @@
               </a:rPr>
               <a:t>www.adobe.com</a:t>
             </a:r>
-            <a:endParaRPr sz="800">
-              <a:latin typeface="Adobe Clean"/>
-              <a:cs typeface="Adobe Clean"/>
-            </a:endParaRPr>
           </a:p>
         </p:txBody>
       </p:sp>
@@ -11332,7 +10235,7 @@
           </a:prstGeom>
         </p:spPr>
         <p:txBody>
-          <a:bodyPr vert="horz" wrap="square" lIns="0" tIns="29845" rIns="0" bIns="0" rtlCol="0" anchor="t">
+          <a:bodyPr vert="horz" wrap="square" lIns="0" tIns="29845" rIns="0" bIns="0" rtlCol="0">
             <a:spAutoFit/>
           </a:bodyPr>
           <a:lstStyle/>
@@ -11346,17 +10249,27 @@
               </a:spcBef>
             </a:pPr>
             <a:r>
-              <a:rPr sz="1100" i="1" spc="-10" dirty="0">
+              <a:rPr lang="es-ES" sz="1100" i="1" dirty="0">
                 <a:solidFill>
                   <a:srgbClr val="777879"/>
                 </a:solidFill>
                 <a:latin typeface="AdobeClean-LightIt"/>
                 <a:cs typeface="AdobeClean-LightIt"/>
               </a:rPr>
-              <a:t>To</a:t>
+              <a:t>Para saber más sobre las ofertas de asistencia de Adobe y el nivel adecuado para usted, póngase en contacto con su administrador de cuentas (NAM) o con su </a:t>
             </a:r>
             <a:r>
-              <a:rPr sz="1100" i="1" spc="-50" dirty="0">
+              <a:rPr lang="es-ES" sz="1100" i="1" dirty="0" err="1">
+                <a:solidFill>
+                  <a:srgbClr val="777879"/>
+                </a:solidFill>
+                <a:latin typeface="AdobeClean-LightIt"/>
+                <a:cs typeface="AdobeClean-LightIt"/>
+              </a:rPr>
+              <a:t>Customer</a:t>
+            </a:r>
+            <a:r>
+              <a:rPr lang="es-ES" sz="1100" i="1" dirty="0">
                 <a:solidFill>
                   <a:srgbClr val="777879"/>
                 </a:solidFill>
@@ -11366,377 +10279,7 @@
               <a:t> </a:t>
             </a:r>
             <a:r>
-              <a:rPr sz="1100" i="1" spc="-15" dirty="0">
-                <a:solidFill>
-                  <a:srgbClr val="777879"/>
-                </a:solidFill>
-                <a:latin typeface="AdobeClean-LightIt"/>
-                <a:cs typeface="AdobeClean-LightIt"/>
-              </a:rPr>
-              <a:t>learn</a:t>
-            </a:r>
-            <a:r>
-              <a:rPr sz="1100" i="1" spc="-40" dirty="0">
-                <a:solidFill>
-                  <a:srgbClr val="777879"/>
-                </a:solidFill>
-                <a:latin typeface="AdobeClean-LightIt"/>
-                <a:cs typeface="AdobeClean-LightIt"/>
-              </a:rPr>
-              <a:t> </a:t>
-            </a:r>
-            <a:r>
-              <a:rPr sz="1100" i="1" spc="-15" dirty="0">
-                <a:solidFill>
-                  <a:srgbClr val="777879"/>
-                </a:solidFill>
-                <a:latin typeface="AdobeClean-LightIt"/>
-                <a:cs typeface="AdobeClean-LightIt"/>
-              </a:rPr>
-              <a:t>more</a:t>
-            </a:r>
-            <a:r>
-              <a:rPr sz="1100" i="1" spc="-45" dirty="0">
-                <a:solidFill>
-                  <a:srgbClr val="777879"/>
-                </a:solidFill>
-                <a:latin typeface="AdobeClean-LightIt"/>
-                <a:cs typeface="AdobeClean-LightIt"/>
-              </a:rPr>
-              <a:t> </a:t>
-            </a:r>
-            <a:r>
-              <a:rPr sz="1100" i="1" spc="-15" dirty="0">
-                <a:solidFill>
-                  <a:srgbClr val="777879"/>
-                </a:solidFill>
-                <a:latin typeface="AdobeClean-LightIt"/>
-                <a:cs typeface="AdobeClean-LightIt"/>
-              </a:rPr>
-              <a:t>about</a:t>
-            </a:r>
-            <a:r>
-              <a:rPr sz="1100" i="1" spc="-45" dirty="0">
-                <a:solidFill>
-                  <a:srgbClr val="777879"/>
-                </a:solidFill>
-                <a:latin typeface="AdobeClean-LightIt"/>
-                <a:cs typeface="AdobeClean-LightIt"/>
-              </a:rPr>
-              <a:t> </a:t>
-            </a:r>
-            <a:r>
-              <a:rPr sz="1100" i="1" spc="-15" dirty="0">
-                <a:solidFill>
-                  <a:srgbClr val="777879"/>
-                </a:solidFill>
-                <a:latin typeface="AdobeClean-LightIt"/>
-                <a:cs typeface="AdobeClean-LightIt"/>
-              </a:rPr>
-              <a:t>Adobe</a:t>
-            </a:r>
-            <a:r>
-              <a:rPr sz="1100" i="1" spc="-60" dirty="0">
-                <a:solidFill>
-                  <a:srgbClr val="777879"/>
-                </a:solidFill>
-                <a:latin typeface="AdobeClean-LightIt"/>
-                <a:cs typeface="AdobeClean-LightIt"/>
-              </a:rPr>
-              <a:t> </a:t>
-            </a:r>
-            <a:r>
-              <a:rPr sz="1100" i="1" spc="-15" dirty="0">
-                <a:solidFill>
-                  <a:srgbClr val="777879"/>
-                </a:solidFill>
-                <a:latin typeface="AdobeClean-LightIt"/>
-                <a:cs typeface="AdobeClean-LightIt"/>
-              </a:rPr>
-              <a:t>Support</a:t>
-            </a:r>
-            <a:r>
-              <a:rPr lang="en-US" sz="1100" i="1" spc="-15" dirty="0">
-                <a:solidFill>
-                  <a:srgbClr val="777879"/>
-                </a:solidFill>
-                <a:latin typeface="AdobeClean-LightIt"/>
-                <a:cs typeface="AdobeClean-LightIt"/>
-              </a:rPr>
-              <a:t> Offerings</a:t>
-            </a:r>
-            <a:r>
-              <a:rPr sz="1100" i="1" spc="-75" dirty="0">
-                <a:solidFill>
-                  <a:srgbClr val="777879"/>
-                </a:solidFill>
-                <a:latin typeface="AdobeClean-LightIt"/>
-                <a:cs typeface="AdobeClean-LightIt"/>
-              </a:rPr>
-              <a:t> </a:t>
-            </a:r>
-            <a:r>
-              <a:rPr sz="1100" i="1" spc="-15" dirty="0">
-                <a:solidFill>
-                  <a:srgbClr val="777879"/>
-                </a:solidFill>
-                <a:latin typeface="AdobeClean-LightIt"/>
-                <a:cs typeface="AdobeClean-LightIt"/>
-              </a:rPr>
-              <a:t>and</a:t>
-            </a:r>
-            <a:r>
-              <a:rPr sz="1100" i="1" spc="-50" dirty="0">
-                <a:solidFill>
-                  <a:srgbClr val="777879"/>
-                </a:solidFill>
-                <a:latin typeface="AdobeClean-LightIt"/>
-                <a:cs typeface="AdobeClean-LightIt"/>
-              </a:rPr>
-              <a:t> </a:t>
-            </a:r>
-            <a:r>
-              <a:rPr sz="1100" i="1" spc="-15" dirty="0">
-                <a:solidFill>
-                  <a:srgbClr val="777879"/>
-                </a:solidFill>
-                <a:latin typeface="AdobeClean-LightIt"/>
-                <a:cs typeface="AdobeClean-LightIt"/>
-              </a:rPr>
-              <a:t>the</a:t>
-            </a:r>
-            <a:r>
-              <a:rPr sz="1100" i="1" spc="-55" dirty="0">
-                <a:solidFill>
-                  <a:srgbClr val="777879"/>
-                </a:solidFill>
-                <a:latin typeface="AdobeClean-LightIt"/>
-                <a:cs typeface="AdobeClean-LightIt"/>
-              </a:rPr>
-              <a:t> </a:t>
-            </a:r>
-            <a:r>
-              <a:rPr sz="1100" i="1" spc="-15" dirty="0">
-                <a:solidFill>
-                  <a:srgbClr val="777879"/>
-                </a:solidFill>
-                <a:latin typeface="AdobeClean-LightIt"/>
-                <a:cs typeface="AdobeClean-LightIt"/>
-              </a:rPr>
-              <a:t>right</a:t>
-            </a:r>
-            <a:r>
-              <a:rPr sz="1100" i="1" spc="-95" dirty="0">
-                <a:solidFill>
-                  <a:srgbClr val="777879"/>
-                </a:solidFill>
-                <a:latin typeface="AdobeClean-LightIt"/>
-                <a:cs typeface="AdobeClean-LightIt"/>
-              </a:rPr>
-              <a:t> </a:t>
-            </a:r>
-            <a:r>
-              <a:rPr sz="1100" i="1" spc="-15" dirty="0">
-                <a:solidFill>
-                  <a:srgbClr val="777879"/>
-                </a:solidFill>
-                <a:latin typeface="AdobeClean-LightIt"/>
-                <a:cs typeface="AdobeClean-LightIt"/>
-              </a:rPr>
-              <a:t>level</a:t>
-            </a:r>
-            <a:r>
-              <a:rPr sz="1100" i="1" spc="-55" dirty="0">
-                <a:solidFill>
-                  <a:srgbClr val="777879"/>
-                </a:solidFill>
-                <a:latin typeface="AdobeClean-LightIt"/>
-                <a:cs typeface="AdobeClean-LightIt"/>
-              </a:rPr>
-              <a:t> </a:t>
-            </a:r>
-            <a:r>
-              <a:rPr sz="1100" i="1" spc="-15" dirty="0">
-                <a:solidFill>
-                  <a:srgbClr val="777879"/>
-                </a:solidFill>
-                <a:latin typeface="AdobeClean-LightIt"/>
-                <a:cs typeface="AdobeClean-LightIt"/>
-              </a:rPr>
-              <a:t>for</a:t>
-            </a:r>
-            <a:r>
-              <a:rPr sz="1100" i="1" spc="-85" dirty="0">
-                <a:solidFill>
-                  <a:srgbClr val="777879"/>
-                </a:solidFill>
-                <a:latin typeface="AdobeClean-LightIt"/>
-                <a:cs typeface="AdobeClean-LightIt"/>
-              </a:rPr>
-              <a:t> </a:t>
-            </a:r>
-            <a:r>
-              <a:rPr sz="1100" i="1" spc="-15" dirty="0">
-                <a:solidFill>
-                  <a:srgbClr val="777879"/>
-                </a:solidFill>
-                <a:latin typeface="AdobeClean-LightIt"/>
-                <a:cs typeface="AdobeClean-LightIt"/>
-              </a:rPr>
-              <a:t>you,</a:t>
-            </a:r>
-            <a:r>
-              <a:rPr sz="1100" i="1" spc="-65" dirty="0">
-                <a:solidFill>
-                  <a:srgbClr val="777879"/>
-                </a:solidFill>
-                <a:latin typeface="AdobeClean-LightIt"/>
-                <a:cs typeface="AdobeClean-LightIt"/>
-              </a:rPr>
-              <a:t> </a:t>
-            </a:r>
-            <a:r>
-              <a:rPr sz="1100" i="1" spc="-15" dirty="0">
-                <a:solidFill>
-                  <a:srgbClr val="777879"/>
-                </a:solidFill>
-                <a:latin typeface="AdobeClean-LightIt"/>
-                <a:cs typeface="AdobeClean-LightIt"/>
-              </a:rPr>
-              <a:t>contact</a:t>
-            </a:r>
-            <a:r>
-              <a:rPr sz="1100" i="1" spc="-85" dirty="0">
-                <a:solidFill>
-                  <a:srgbClr val="777879"/>
-                </a:solidFill>
-                <a:latin typeface="AdobeClean-LightIt"/>
-                <a:cs typeface="AdobeClean-LightIt"/>
-              </a:rPr>
-              <a:t> </a:t>
-            </a:r>
-            <a:r>
-              <a:rPr sz="1100" i="1" spc="-15" dirty="0">
-                <a:solidFill>
-                  <a:srgbClr val="777879"/>
-                </a:solidFill>
-                <a:latin typeface="AdobeClean-LightIt"/>
-                <a:cs typeface="AdobeClean-LightIt"/>
-              </a:rPr>
-              <a:t>your</a:t>
-            </a:r>
-            <a:r>
-              <a:rPr sz="1100" i="1" spc="-70" dirty="0">
-                <a:solidFill>
-                  <a:srgbClr val="777879"/>
-                </a:solidFill>
-                <a:latin typeface="AdobeClean-LightIt"/>
-                <a:cs typeface="AdobeClean-LightIt"/>
-              </a:rPr>
-              <a:t> </a:t>
-            </a:r>
-            <a:r>
-              <a:rPr sz="1100" i="1" spc="-15" dirty="0">
-                <a:solidFill>
-                  <a:srgbClr val="777879"/>
-                </a:solidFill>
-                <a:latin typeface="AdobeClean-LightIt"/>
-                <a:cs typeface="AdobeClean-LightIt"/>
-              </a:rPr>
-              <a:t>Named</a:t>
-            </a:r>
-            <a:r>
-              <a:rPr sz="1100" i="1" spc="-55" dirty="0">
-                <a:solidFill>
-                  <a:srgbClr val="777879"/>
-                </a:solidFill>
-                <a:latin typeface="AdobeClean-LightIt"/>
-                <a:cs typeface="AdobeClean-LightIt"/>
-              </a:rPr>
-              <a:t> </a:t>
-            </a:r>
-            <a:r>
-              <a:rPr sz="1100" i="1" spc="-25" dirty="0">
-                <a:solidFill>
-                  <a:srgbClr val="777879"/>
-                </a:solidFill>
-                <a:latin typeface="AdobeClean-LightIt"/>
-                <a:cs typeface="AdobeClean-LightIt"/>
-              </a:rPr>
-              <a:t>Account</a:t>
-            </a:r>
-            <a:r>
-              <a:rPr sz="1100" i="1" spc="-120" dirty="0">
-                <a:solidFill>
-                  <a:srgbClr val="777879"/>
-                </a:solidFill>
-                <a:latin typeface="AdobeClean-LightIt"/>
-                <a:cs typeface="AdobeClean-LightIt"/>
-              </a:rPr>
-              <a:t> </a:t>
-            </a:r>
-            <a:r>
-              <a:rPr sz="1100" i="1" spc="-20" dirty="0">
-                <a:solidFill>
-                  <a:srgbClr val="777879"/>
-                </a:solidFill>
-                <a:latin typeface="AdobeClean-LightIt"/>
-                <a:cs typeface="AdobeClean-LightIt"/>
-              </a:rPr>
-              <a:t>Manager</a:t>
-            </a:r>
-            <a:r>
-              <a:rPr lang="en-US" sz="1100" i="1" spc="-20" dirty="0">
-                <a:solidFill>
-                  <a:srgbClr val="777879"/>
-                </a:solidFill>
-                <a:latin typeface="AdobeClean-LightIt"/>
-                <a:cs typeface="AdobeClean-LightIt"/>
-              </a:rPr>
-              <a:t> </a:t>
-            </a:r>
-            <a:r>
-              <a:rPr sz="1100" i="1" spc="-20" dirty="0">
-                <a:solidFill>
-                  <a:srgbClr val="777879"/>
-                </a:solidFill>
-                <a:latin typeface="AdobeClean-LightIt"/>
-                <a:cs typeface="AdobeClean-LightIt"/>
-              </a:rPr>
-              <a:t> </a:t>
-            </a:r>
-            <a:r>
-              <a:rPr sz="1100" i="1" spc="-15" dirty="0">
-                <a:solidFill>
-                  <a:srgbClr val="777879"/>
-                </a:solidFill>
-                <a:latin typeface="AdobeClean-LightIt"/>
-                <a:cs typeface="AdobeClean-LightIt"/>
-              </a:rPr>
-              <a:t>(NAM) </a:t>
-            </a:r>
-            <a:r>
-              <a:rPr sz="1100" i="1" spc="-10" dirty="0">
-                <a:solidFill>
-                  <a:srgbClr val="777879"/>
-                </a:solidFill>
-                <a:latin typeface="AdobeClean-LightIt"/>
-                <a:cs typeface="AdobeClean-LightIt"/>
-              </a:rPr>
-              <a:t>or </a:t>
-            </a:r>
-            <a:r>
-              <a:rPr sz="1100" i="1" spc="-15" dirty="0">
-                <a:solidFill>
-                  <a:srgbClr val="777879"/>
-                </a:solidFill>
-                <a:latin typeface="AdobeClean-LightIt"/>
-                <a:cs typeface="AdobeClean-LightIt"/>
-              </a:rPr>
-              <a:t>Customer </a:t>
-            </a:r>
-            <a:r>
-              <a:rPr sz="1100" i="1" spc="-20" dirty="0">
+              <a:rPr lang="es-ES" sz="1100" i="1" dirty="0" err="1">
                 <a:solidFill>
                   <a:srgbClr val="777879"/>
                 </a:solidFill>
@@ -11746,49 +10289,15 @@
               <a:t>Success</a:t>
             </a:r>
             <a:r>
-              <a:rPr lang="en-US" sz="1100" i="1" spc="-20" dirty="0">
+              <a:rPr lang="es-ES" sz="1100" i="1" dirty="0">
                 <a:solidFill>
                   <a:srgbClr val="777879"/>
                 </a:solidFill>
                 <a:latin typeface="AdobeClean-LightIt"/>
                 <a:cs typeface="AdobeClean-LightIt"/>
               </a:rPr>
-              <a:t> </a:t>
+              <a:t> Manager (CSM)</a:t>
             </a:r>
-            <a:r>
-              <a:rPr sz="1100" i="1" spc="-15" dirty="0">
-                <a:solidFill>
-                  <a:srgbClr val="777879"/>
-                </a:solidFill>
-                <a:latin typeface="AdobeClean-LightIt"/>
-                <a:cs typeface="AdobeClean-LightIt"/>
-              </a:rPr>
-              <a:t>Manager</a:t>
-            </a:r>
-            <a:r>
-              <a:rPr lang="en-US" sz="1100" i="1" spc="-15" dirty="0">
-                <a:solidFill>
-                  <a:srgbClr val="777879"/>
-                </a:solidFill>
-                <a:latin typeface="AdobeClean-LightIt"/>
-                <a:cs typeface="AdobeClean-LightIt"/>
-              </a:rPr>
-              <a:t> </a:t>
-            </a:r>
-            <a:r>
-              <a:rPr sz="1100" i="1" spc="-15" dirty="0">
-                <a:solidFill>
-                  <a:srgbClr val="777879"/>
-                </a:solidFill>
-                <a:latin typeface="AdobeClean-LightIt"/>
-                <a:cs typeface="AdobeClean-LightIt"/>
-              </a:rPr>
-              <a:t>(CSM)</a:t>
-            </a:r>
-            <a:endParaRPr sz="1100" dirty="0">
-              <a:latin typeface="AdobeClean-LightIt"/>
-              <a:cs typeface="AdobeClean-LightIt"/>
-            </a:endParaRPr>
           </a:p>
           <a:p>
             <a:pPr marL="34290">
@@ -11800,37 +10309,27 @@
               </a:spcBef>
             </a:pPr>
             <a:r>
-              <a:rPr sz="800" spc="-5" dirty="0">
+              <a:rPr lang="es-ES" sz="800" dirty="0">
                 <a:solidFill>
                   <a:srgbClr val="6D6D6D"/>
                 </a:solidFill>
                 <a:latin typeface="Adobe Clean"/>
                 <a:cs typeface="Adobe Clean"/>
               </a:rPr>
-              <a:t>©202</a:t>
+              <a:t>©2021 Adobe. </a:t>
             </a:r>
             <a:r>
-              <a:rPr lang="en-US" sz="800" spc="-5" dirty="0">
+              <a:rPr lang="es-ES" sz="800" dirty="0" err="1">
                 <a:solidFill>
                   <a:srgbClr val="6D6D6D"/>
                 </a:solidFill>
                 <a:latin typeface="Adobe Clean"/>
                 <a:cs typeface="Adobe Clean"/>
               </a:rPr>
-              <a:t>1</a:t>
+              <a:t>All</a:t>
             </a:r>
             <a:r>
-              <a:rPr sz="800" spc="-5" dirty="0">
-                <a:solidFill>
-                  <a:srgbClr val="6D6D6D"/>
-                </a:solidFill>
-                <a:latin typeface="Adobe Clean"/>
-                <a:cs typeface="Adobe Clean"/>
-              </a:rPr>
-              <a:t> Adobe. All Rights Reserved. Adobe</a:t>
-            </a:r>
-            <a:r>
-              <a:rPr sz="800" spc="75" dirty="0">
+              <a:rPr lang="es-ES" sz="800" dirty="0">
                 <a:solidFill>
                   <a:srgbClr val="6D6D6D"/>
                 </a:solidFill>
@@ -11840,19 +10339,65 @@
               <a:t> </a:t>
             </a:r>
             <a:r>
-              <a:rPr sz="800" spc="-5" dirty="0">
+              <a:rPr lang="es-ES" sz="800" dirty="0" err="1">
                 <a:solidFill>
                   <a:srgbClr val="6D6D6D"/>
                 </a:solidFill>
                 <a:latin typeface="Adobe Clean"/>
                 <a:cs typeface="Adobe Clean"/>
               </a:rPr>
-              <a:t>Confidential.</a:t>
+              <a:t>Rights</a:t>
             </a:r>
-            <a:endParaRPr sz="800" dirty="0">
-              <a:latin typeface="Adobe Clean"/>
-              <a:cs typeface="Adobe Clean"/>
-            </a:endParaRPr>
+            <a:r>
+              <a:rPr lang="es-ES" sz="800" dirty="0">
+                <a:solidFill>
+                  <a:srgbClr val="6D6D6D"/>
+                </a:solidFill>
+                <a:latin typeface="Adobe Clean"/>
+                <a:cs typeface="Adobe Clean"/>
+              </a:rPr>
+              <a:t> </a:t>
+            </a:r>
+            <a:r>
+              <a:rPr lang="es-ES" sz="800" dirty="0" err="1">
+                <a:solidFill>
+                  <a:srgbClr val="6D6D6D"/>
+                </a:solidFill>
+                <a:latin typeface="Adobe Clean"/>
+                <a:cs typeface="Adobe Clean"/>
+              </a:rPr>
+              <a:t>Reserved</a:t>
+            </a:r>
+            <a:r>
+              <a:rPr lang="es-ES" sz="800" dirty="0">
+                <a:solidFill>
+                  <a:srgbClr val="6D6D6D"/>
+                </a:solidFill>
+                <a:latin typeface="Adobe Clean"/>
+                <a:cs typeface="Adobe Clean"/>
+              </a:rPr>
+              <a:t>. Adobe </a:t>
+            </a:r>
+            <a:r>
+              <a:rPr lang="es-ES" sz="800" dirty="0" err="1">
+                <a:solidFill>
+                  <a:srgbClr val="6D6D6D"/>
+                </a:solidFill>
+                <a:latin typeface="Adobe Clean"/>
+                <a:cs typeface="Adobe Clean"/>
+              </a:rPr>
+              <a:t>Confidential</a:t>
+            </a:r>
+            <a:r>
+              <a:rPr lang="es-ES" sz="800" dirty="0">
+                <a:solidFill>
+                  <a:srgbClr val="6D6D6D"/>
+                </a:solidFill>
+                <a:latin typeface="Adobe Clean"/>
+                <a:cs typeface="Adobe Clean"/>
+              </a:rPr>
+              <a:t>.</a:t>
+            </a:r>
           </a:p>
         </p:txBody>
       </p:sp>
@@ -11870,8 +10415,8 @@
         </p:nvSpPr>
         <p:spPr>
           <a:xfrm>
-            <a:off x="171129" y="5057379"/>
-            <a:ext cx="6476646" cy="755976"/>
+            <a:off x="171128" y="5057379"/>
+            <a:ext cx="7144071" cy="755976"/>
           </a:xfrm>
           <a:prstGeom prst="rect">
             <a:avLst/>
@@ -11889,14 +10434,14 @@
               </a:spcBef>
             </a:pPr>
             <a:r>
-              <a:rPr lang="en-US" sz="1400" b="1" spc="-15" dirty="0">
+              <a:rPr lang="es-ES" sz="1400" b="1" dirty="0">
                 <a:solidFill>
                   <a:srgbClr val="020302"/>
                 </a:solidFill>
                 <a:latin typeface="Adobe Clean"/>
                 <a:cs typeface="Adobe Clean"/>
               </a:rPr>
-              <a:t>Regional scope of Adobe Support, Local Hours Of Operation And Language Support</a:t>
+              <a:t>Alcance regional del Soporte de Adobe, horas locales de trabajo y compatibilidad de idioma</a:t>
             </a:r>
           </a:p>
           <a:p>
@@ -11906,13 +10451,30 @@
               </a:spcBef>
             </a:pPr>
             <a:r>
-              <a:rPr lang="en-US" sz="1000" spc="-15" dirty="0">
+              <a:rPr lang="es-ES" sz="1000" dirty="0">
                 <a:solidFill>
                   <a:srgbClr val="1F1F1F"/>
                 </a:solidFill>
                 <a:latin typeface="AdobeClean-Light"/>
               </a:rPr>
-              <a:t>The Regional scope of Adobe Support is established by aligning the customer's billing address (via the Sales Order or other Adobe Support purchasing document) to one of the following regions:</a:t>
+              <a:t>El alcance regional del Soporte de Adobe se establece asignando la dirección de facturación del cliente </a:t>
+            </a:r>
+            <a:br>
+              <a:rPr lang="sk-SK" sz="1000" dirty="0">
+                <a:solidFill>
+                  <a:srgbClr val="1F1F1F"/>
+                </a:solidFill>
+                <a:latin typeface="AdobeClean-Light"/>
+              </a:rPr>
+            </a:br>
+            <a:r>
+              <a:rPr lang="es-ES" sz="1000" dirty="0">
+                <a:solidFill>
+                  <a:srgbClr val="1F1F1F"/>
+                </a:solidFill>
+                <a:latin typeface="AdobeClean-Light"/>
+              </a:rPr>
+              <a:t>(mediante la orden de venta o el documento de compra de Soporte de Adobe) con una de estas regiones:</a:t>
             </a:r>
           </a:p>
         </p:txBody>
@@ -11932,7 +10494,7 @@
           <p:nvPr>
             <p:extLst>
               <p:ext uri="{D42A27DB-BD31-4B8C-83A1-F6EECF244321}">
-                <p14:modId xmlns:p14="http://schemas.microsoft.com/office/powerpoint/2010/main" val="2846210228"/>
+                <p14:modId xmlns:p14="http://schemas.microsoft.com/office/powerpoint/2010/main" val="470106434"/>
               </p:ext>
             </p:extLst>
           </p:nvPr>
@@ -11985,13 +10547,13 @@
                     <a:p>
                       <a:pPr algn="ctr"/>
                       <a:r>
-                        <a:rPr lang="en-US" sz="1100" dirty="0">
+                        <a:rPr lang="es-ES" sz="1100">
                           <a:solidFill>
                             <a:schemeClr val="tx1"/>
                           </a:solidFill>
                           <a:latin typeface="Adobe Clean" panose="020B0503020404020204" pitchFamily="34" charset="0"/>
                         </a:rPr>
-                        <a:t>Americas</a:t>
+                        <a:t>América</a:t>
                       </a:r>
                     </a:p>
                   </a:txBody>
@@ -12050,13 +10612,30 @@
                     <a:p>
                       <a:pPr algn="ctr"/>
                       <a:r>
-                        <a:rPr lang="en-US" sz="1100" dirty="0">
+                        <a:rPr lang="es-ES" sz="1100" dirty="0">
                           <a:solidFill>
                             <a:schemeClr val="tx1"/>
                           </a:solidFill>
                           <a:latin typeface="Adobe Clean" panose="020B0503020404020204" pitchFamily="34" charset="0"/>
                         </a:rPr>
-                        <a:t>Europe, Middle East &amp; Africa</a:t>
+                        <a:t>Europa, Oriente </a:t>
+                      </a:r>
+                      <a:br>
+                        <a:rPr lang="sk-SK" sz="1100" dirty="0">
+                          <a:solidFill>
+                            <a:schemeClr val="tx1"/>
+                          </a:solidFill>
+                          <a:latin typeface="Adobe Clean" panose="020B0503020404020204" pitchFamily="34" charset="0"/>
+                        </a:rPr>
+                      </a:br>
+                      <a:r>
+                        <a:rPr lang="es-ES" sz="1100" dirty="0">
+                          <a:solidFill>
+                            <a:schemeClr val="tx1"/>
+                          </a:solidFill>
+                          <a:latin typeface="Adobe Clean" panose="020B0503020404020204" pitchFamily="34" charset="0"/>
+                        </a:rPr>
+                        <a:t>Medio y África</a:t>
                       </a:r>
                     </a:p>
                   </a:txBody>
@@ -12115,13 +10694,13 @@
                     <a:p>
                       <a:pPr algn="ctr"/>
                       <a:r>
-                        <a:rPr lang="en-US" sz="1100" dirty="0">
+                        <a:rPr lang="es-ES" sz="1100">
                           <a:solidFill>
                             <a:schemeClr val="tx1"/>
                           </a:solidFill>
                           <a:latin typeface="Adobe Clean" panose="020B0503020404020204" pitchFamily="34" charset="0"/>
                         </a:rPr>
-                        <a:t>Asia Pacific</a:t>
+                        <a:t>Asia-Pacífico</a:t>
                       </a:r>
                     </a:p>
                   </a:txBody>
@@ -12180,16 +10759,16 @@
                     <a:p>
                       <a:pPr algn="ctr"/>
                       <a:r>
-                        <a:rPr lang="en-US" sz="1100" dirty="0">
+                        <a:rPr lang="es-ES" sz="1100">
                           <a:solidFill>
                             <a:schemeClr val="tx1"/>
                           </a:solidFill>
                           <a:latin typeface="Adobe Clean"/>
                         </a:rPr>
-                        <a:t>Japan </a:t>
+                        <a:t>Japón </a:t>
                       </a:r>
                       <a:r>
-                        <a:rPr lang="en-US" sz="1100" baseline="30000" dirty="0">
+                        <a:rPr lang="es-ES" sz="1100" baseline="30000">
                           <a:solidFill>
                             <a:schemeClr val="tx1"/>
                           </a:solidFill>
@@ -12197,12 +10776,6 @@
                         </a:rPr>
                         <a:t>1 </a:t>
                       </a:r>
-                      <a:endParaRPr lang="en-US" sz="1100" dirty="0">
-                        <a:solidFill>
-                          <a:schemeClr val="tx1"/>
-                        </a:solidFill>
-                        <a:latin typeface="Adobe Clean" panose="020B0503020404020204" pitchFamily="34" charset="0"/>
-                      </a:endParaRPr>
                     </a:p>
                   </a:txBody>
                   <a:tcPr anchor="ctr">
@@ -12267,13 +10840,13 @@
                     <a:p>
                       <a:pPr algn="ctr"/>
                       <a:r>
-                        <a:rPr lang="en-US" sz="1100" dirty="0">
+                        <a:rPr lang="es-ES" sz="1100">
                           <a:solidFill>
                             <a:schemeClr val="tx1"/>
                           </a:solidFill>
                           <a:latin typeface="Adobe Clean" panose="020B0503020404020204" pitchFamily="34" charset="0"/>
                         </a:rPr>
-                        <a:t>6 am – 5:30 pm</a:t>
+                        <a:t>06:00 h - 17:30 h</a:t>
                       </a:r>
                     </a:p>
                   </a:txBody>
@@ -12332,13 +10905,13 @@
                     <a:p>
                       <a:pPr algn="ctr"/>
                       <a:r>
-                        <a:rPr lang="en-US" sz="1100" dirty="0">
+                        <a:rPr lang="es-ES" sz="1100">
                           <a:solidFill>
                             <a:schemeClr val="tx1"/>
                           </a:solidFill>
                           <a:latin typeface="Adobe Clean" panose="020B0503020404020204" pitchFamily="34" charset="0"/>
                         </a:rPr>
-                        <a:t>9 am – 5 pm</a:t>
+                        <a:t>09:00 h - 17:00 h</a:t>
                       </a:r>
                     </a:p>
                   </a:txBody>
@@ -12397,13 +10970,13 @@
                     <a:p>
                       <a:pPr algn="ctr"/>
                       <a:r>
-                        <a:rPr lang="en-US" sz="1100" dirty="0">
+                        <a:rPr lang="es-ES" sz="1100">
                           <a:solidFill>
                             <a:schemeClr val="tx1"/>
                           </a:solidFill>
                           <a:latin typeface="Adobe Clean" panose="020B0503020404020204" pitchFamily="34" charset="0"/>
                         </a:rPr>
-                        <a:t>9 am – 5 pm</a:t>
+                        <a:t>09:00 h - 17:00 h</a:t>
                       </a:r>
                     </a:p>
                   </a:txBody>
@@ -12462,13 +11035,13 @@
                     <a:p>
                       <a:pPr algn="ctr"/>
                       <a:r>
-                        <a:rPr lang="en-US" sz="1100" dirty="0">
+                        <a:rPr lang="es-ES" sz="1100">
                           <a:solidFill>
                             <a:schemeClr val="tx1"/>
                           </a:solidFill>
                           <a:latin typeface="Adobe Clean" panose="020B0503020404020204" pitchFamily="34" charset="0"/>
                         </a:rPr>
-                        <a:t>9 am – 5:30 pm</a:t>
+                        <a:t>09:00 h - 17:30 h</a:t>
                       </a:r>
                     </a:p>
                   </a:txBody>
@@ -12548,20 +11121,14 @@
                         <a:buNone/>
                       </a:pPr>
                       <a:r>
-                        <a:rPr lang="en-US" sz="1100" dirty="0">
+                        <a:rPr lang="es-ES" sz="1100" dirty="0">
                           <a:solidFill>
                             <a:schemeClr val="tx1"/>
                           </a:solidFill>
                           <a:latin typeface="Adobe Clean"/>
                         </a:rPr>
-                        <a:t>Language support is only available in English and Japanese.</a:t>
+                        <a:t>Compatibilidad de idioma solo disponible en inglés y japonés</a:t>
                       </a:r>
-                      <a:endParaRPr lang="en-US" sz="1100" dirty="0">
-                        <a:solidFill>
-                          <a:schemeClr val="tx1"/>
-                        </a:solidFill>
-                        <a:latin typeface="Adobe Clean" panose="020B0503020404020204" pitchFamily="34" charset="0"/>
-                      </a:endParaRPr>
                     </a:p>
                     <a:p>
                       <a:pPr marL="0" marR="0" lvl="0" indent="0" algn="ctr" defTabSz="914400" eaLnBrk="1" fontAlgn="auto" latinLnBrk="0" hangingPunct="1">
@@ -12582,17 +11149,17 @@
                         <a:defRPr/>
                       </a:pPr>
                       <a:r>
-                        <a:rPr lang="en-US" sz="1100" i="1" dirty="0">
+                        <a:rPr lang="es-ES" sz="1100" i="1" dirty="0">
                           <a:solidFill>
                             <a:schemeClr val="tx1"/>
                           </a:solidFill>
                           <a:latin typeface="Adobe Clean"/>
                         </a:rPr>
-                        <a:t>*Adobe Commerce excludes Japanese language support.</a:t>
+                        <a:t>*Adobe Commerce no incluye soporte en japonés.</a:t>
                       </a:r>
                     </a:p>
                     <a:p>
-                      <a:pPr algn="ctr"/>
+                      <a:pPr algn="l" rtl="0"/>
                       <a:endParaRPr kumimoji="0" lang="en-US" sz="1100" b="1" i="0" u="none" strike="noStrike" kern="0" cap="none" spc="0" normalizeH="0" baseline="30000" noProof="0" dirty="0">
                         <a:ln>
                           <a:noFill/>
@@ -12611,7 +11178,7 @@
                     <a:p>
                       <a:pPr algn="ctr"/>
                       <a:r>
-                        <a:rPr lang="en-US" sz="1100" i="0" dirty="0">
+                        <a:rPr lang="es-ES" sz="1100" i="0" dirty="0">
                           <a:solidFill>
                             <a:schemeClr val="tx1"/>
                           </a:solidFill>
@@ -12620,7 +11187,7 @@
                         <a:t> </a:t>
                       </a:r>
                       <a:r>
-                        <a:rPr lang="en-US" sz="1100" i="0" baseline="30000" dirty="0">
+                        <a:rPr lang="es-ES" sz="1100" i="0" baseline="30000" dirty="0">
                           <a:solidFill>
                             <a:schemeClr val="tx1"/>
                           </a:solidFill>
@@ -12629,23 +11196,17 @@
                         <a:t>1 </a:t>
                       </a:r>
                       <a:r>
-                        <a:rPr lang="en-US" sz="1100" i="0" dirty="0">
+                        <a:rPr lang="es-ES" sz="1100" i="0" dirty="0">
                           <a:solidFill>
                             <a:schemeClr val="tx1"/>
                           </a:solidFill>
                           <a:latin typeface="Adobe Clean"/>
                         </a:rPr>
-                        <a:t>P2, P3, P4 cases are limited to business hours only in Japan.</a:t>
+                        <a:t>Los casos de P2, P3, P4 se limitan únicamente al horario laboral en Japón.</a:t>
                       </a:r>
-                      <a:endParaRPr lang="en-US" sz="1100" b="1" i="0" dirty="0">
-                        <a:solidFill>
-                          <a:schemeClr val="tx1"/>
-                        </a:solidFill>
-                        <a:latin typeface="Adobe Clean"/>
-                      </a:endParaRPr>
-                    </a:p>
-                    <a:p>
-                      <a:pPr algn="ctr"/>
+                    </a:p>
+                    <a:p>
+                      <a:pPr algn="l" rtl="0"/>
                       <a:endParaRPr lang="en-US" sz="1100" dirty="0">
                         <a:solidFill>
                           <a:schemeClr val="tx1"/>
@@ -13015,129 +11576,15 @@
               </a:spcBef>
             </a:pPr>
             <a:r>
-              <a:rPr sz="1200" b="1" spc="-15" dirty="0">
+              <a:rPr lang="es-ES" sz="1200" b="1">
                 <a:solidFill>
                   <a:srgbClr val="FFFFFF"/>
                 </a:solidFill>
                 <a:latin typeface="Adobe Clean"/>
                 <a:cs typeface="Adobe Clean"/>
               </a:rPr>
-              <a:t>U</a:t>
+              <a:t>Experiencia sin igual</a:t>
             </a:r>
-            <a:r>
-              <a:rPr sz="1200" b="1" spc="-20" dirty="0">
-                <a:solidFill>
-                  <a:srgbClr val="FFFFFF"/>
-                </a:solidFill>
-                <a:latin typeface="Adobe Clean"/>
-                <a:cs typeface="Adobe Clean"/>
-              </a:rPr>
-              <a:t>n</a:t>
-            </a:r>
-            <a:r>
-              <a:rPr sz="1200" b="1" spc="-25" dirty="0">
-                <a:solidFill>
-                  <a:srgbClr val="FFFFFF"/>
-                </a:solidFill>
-                <a:latin typeface="Adobe Clean"/>
-                <a:cs typeface="Adobe Clean"/>
-              </a:rPr>
-              <a:t>p</a:t>
-            </a:r>
-            <a:r>
-              <a:rPr sz="1200" b="1" spc="-15" dirty="0">
-                <a:solidFill>
-                  <a:srgbClr val="FFFFFF"/>
-                </a:solidFill>
-                <a:latin typeface="Adobe Clean"/>
-                <a:cs typeface="Adobe Clean"/>
-              </a:rPr>
-              <a:t>a</a:t>
-            </a:r>
-            <a:r>
-              <a:rPr sz="1200" b="1" spc="-25" dirty="0">
-                <a:solidFill>
-                  <a:srgbClr val="FFFFFF"/>
-                </a:solidFill>
-                <a:latin typeface="Adobe Clean"/>
-                <a:cs typeface="Adobe Clean"/>
-              </a:rPr>
-              <a:t>r</a:t>
-            </a:r>
-            <a:r>
-              <a:rPr sz="1200" b="1" spc="-15" dirty="0">
-                <a:solidFill>
-                  <a:srgbClr val="FFFFFF"/>
-                </a:solidFill>
-                <a:latin typeface="Adobe Clean"/>
-                <a:cs typeface="Adobe Clean"/>
-              </a:rPr>
-              <a:t>a</a:t>
-            </a:r>
-            <a:r>
-              <a:rPr sz="1200" b="1" spc="-30" dirty="0">
-                <a:solidFill>
-                  <a:srgbClr val="FFFFFF"/>
-                </a:solidFill>
-                <a:latin typeface="Adobe Clean"/>
-                <a:cs typeface="Adobe Clean"/>
-              </a:rPr>
-              <a:t>ll</a:t>
-            </a:r>
-            <a:r>
-              <a:rPr sz="1200" b="1" spc="-25" dirty="0">
-                <a:solidFill>
-                  <a:srgbClr val="FFFFFF"/>
-                </a:solidFill>
-                <a:latin typeface="Adobe Clean"/>
-                <a:cs typeface="Adobe Clean"/>
-              </a:rPr>
-              <a:t>e</a:t>
-            </a:r>
-            <a:r>
-              <a:rPr sz="1200" b="1" spc="-30" dirty="0">
-                <a:solidFill>
-                  <a:srgbClr val="FFFFFF"/>
-                </a:solidFill>
-                <a:latin typeface="Adobe Clean"/>
-                <a:cs typeface="Adobe Clean"/>
-              </a:rPr>
-              <a:t>l</a:t>
-            </a:r>
-            <a:r>
-              <a:rPr sz="1200" b="1" spc="-25" dirty="0">
-                <a:solidFill>
-                  <a:srgbClr val="FFFFFF"/>
-                </a:solidFill>
-                <a:latin typeface="Adobe Clean"/>
-                <a:cs typeface="Adobe Clean"/>
-              </a:rPr>
-              <a:t>e</a:t>
-            </a:r>
-            <a:r>
-              <a:rPr sz="1200" b="1" dirty="0">
-                <a:solidFill>
-                  <a:srgbClr val="FFFFFF"/>
-                </a:solidFill>
-                <a:latin typeface="Adobe Clean"/>
-                <a:cs typeface="Adobe Clean"/>
-              </a:rPr>
-              <a:t>d  </a:t>
-            </a:r>
-            <a:r>
-              <a:rPr sz="1200" b="1" spc="-25" dirty="0">
-                <a:solidFill>
-                  <a:srgbClr val="FFFFFF"/>
-                </a:solidFill>
-                <a:latin typeface="Adobe Clean"/>
-                <a:cs typeface="Adobe Clean"/>
-              </a:rPr>
-              <a:t>Expertise</a:t>
-            </a:r>
-            <a:endParaRPr sz="1200" dirty="0">
-              <a:latin typeface="Adobe Clean"/>
-              <a:cs typeface="Adobe Clean"/>
-            </a:endParaRPr>
           </a:p>
         </p:txBody>
       </p:sp>
@@ -13177,19 +11624,15 @@
               </a:spcBef>
             </a:pPr>
             <a:r>
-              <a:rPr lang="en-US" sz="1200" b="1" spc="-15" dirty="0">
+              <a:rPr lang="es-ES" sz="1200" b="1">
                 <a:solidFill>
                   <a:srgbClr val="FFFFFF"/>
                 </a:solidFill>
                 <a:latin typeface="Adobe Clean"/>
                 <a:cs typeface="Adobe Clean"/>
               </a:rPr>
-              <a:t>Accelerated Support</a:t>
+              <a:t>Asistencia ágil</a:t>
             </a:r>
-            <a:endParaRPr sz="1200" dirty="0">
-              <a:latin typeface="Adobe Clean"/>
-              <a:cs typeface="Adobe Clean"/>
-            </a:endParaRPr>
           </a:p>
         </p:txBody>
       </p:sp>
@@ -13207,8 +11650,8 @@
         </p:nvSpPr>
         <p:spPr>
           <a:xfrm>
-            <a:off x="6624119" y="8543943"/>
-            <a:ext cx="510540" cy="385445"/>
+            <a:off x="6477000" y="8543943"/>
+            <a:ext cx="810895" cy="385445"/>
           </a:xfrm>
           <a:prstGeom prst="rect">
             <a:avLst/>
@@ -13220,7 +11663,7 @@
           </a:bodyPr>
           <a:lstStyle/>
           <a:p>
-            <a:pPr marL="50800" marR="5080" indent="-51435">
+            <a:pPr marL="50800" marR="5080" indent="-51435" algn="ctr">
               <a:lnSpc>
                 <a:spcPts val="1390"/>
               </a:lnSpc>
@@ -13229,109 +11672,15 @@
               </a:spcBef>
             </a:pPr>
             <a:r>
-              <a:rPr sz="1200" b="1" spc="-50" dirty="0">
+              <a:rPr lang="es-ES" sz="1200" b="1" dirty="0">
                 <a:solidFill>
                   <a:srgbClr val="FFFFFF"/>
                 </a:solidFill>
                 <a:latin typeface="Adobe Clean"/>
                 <a:cs typeface="Adobe Clean"/>
               </a:rPr>
-              <a:t>S</a:t>
+              <a:t>Asesoría estratégica</a:t>
             </a:r>
-            <a:r>
-              <a:rPr sz="1200" b="1" spc="-20" dirty="0">
-                <a:solidFill>
-                  <a:srgbClr val="FFFFFF"/>
-                </a:solidFill>
-                <a:latin typeface="Adobe Clean"/>
-                <a:cs typeface="Adobe Clean"/>
-              </a:rPr>
-              <a:t>t</a:t>
-            </a:r>
-            <a:r>
-              <a:rPr sz="1200" b="1" spc="-75" dirty="0">
-                <a:solidFill>
-                  <a:srgbClr val="FFFFFF"/>
-                </a:solidFill>
-                <a:latin typeface="Adobe Clean"/>
-                <a:cs typeface="Adobe Clean"/>
-              </a:rPr>
-              <a:t>r</a:t>
-            </a:r>
-            <a:r>
-              <a:rPr sz="1200" b="1" spc="-90" dirty="0">
-                <a:solidFill>
-                  <a:srgbClr val="FFFFFF"/>
-                </a:solidFill>
-                <a:latin typeface="Adobe Clean"/>
-                <a:cs typeface="Adobe Clean"/>
-              </a:rPr>
-              <a:t>a</a:t>
-            </a:r>
-            <a:r>
-              <a:rPr sz="1200" b="1" spc="-55" dirty="0">
-                <a:solidFill>
-                  <a:srgbClr val="FFFFFF"/>
-                </a:solidFill>
-                <a:latin typeface="Adobe Clean"/>
-                <a:cs typeface="Adobe Clean"/>
-              </a:rPr>
-              <a:t>t</a:t>
-            </a:r>
-            <a:r>
-              <a:rPr sz="1200" b="1" spc="-100" dirty="0">
-                <a:solidFill>
-                  <a:srgbClr val="FFFFFF"/>
-                </a:solidFill>
-                <a:latin typeface="Adobe Clean"/>
-                <a:cs typeface="Adobe Clean"/>
-              </a:rPr>
-              <a:t>e</a:t>
-            </a:r>
-            <a:r>
-              <a:rPr sz="1200" b="1" spc="-80" dirty="0">
-                <a:solidFill>
-                  <a:srgbClr val="FFFFFF"/>
-                </a:solidFill>
-                <a:latin typeface="Adobe Clean"/>
-                <a:cs typeface="Adobe Clean"/>
-              </a:rPr>
-              <a:t>g</a:t>
-            </a:r>
-            <a:r>
-              <a:rPr sz="1200" b="1" spc="-35" dirty="0">
-                <a:solidFill>
-                  <a:srgbClr val="FFFFFF"/>
-                </a:solidFill>
-                <a:latin typeface="Adobe Clean"/>
-                <a:cs typeface="Adobe Clean"/>
-              </a:rPr>
-              <a:t>i</a:t>
-            </a:r>
-            <a:r>
-              <a:rPr sz="1200" b="1" dirty="0">
-                <a:solidFill>
-                  <a:srgbClr val="FFFFFF"/>
-                </a:solidFill>
-                <a:latin typeface="Adobe Clean"/>
-                <a:cs typeface="Adobe Clean"/>
-              </a:rPr>
-              <a:t>c  </a:t>
-            </a:r>
-            <a:r>
-              <a:rPr sz="1200" b="1" spc="-45" dirty="0">
-                <a:solidFill>
-                  <a:srgbClr val="FFFFFF"/>
-                </a:solidFill>
-                <a:latin typeface="Adobe Clean"/>
-                <a:cs typeface="Adobe Clean"/>
-              </a:rPr>
-              <a:t>Advice</a:t>
-            </a:r>
-            <a:endParaRPr sz="1200" dirty="0">
-              <a:latin typeface="Adobe Clean"/>
-              <a:cs typeface="Adobe Clean"/>
-            </a:endParaRPr>
           </a:p>
         </p:txBody>
       </p:sp>
@@ -13350,14 +11699,14 @@
           <p:nvPr>
             <p:extLst>
               <p:ext uri="{D42A27DB-BD31-4B8C-83A1-F6EECF244321}">
-                <p14:modId xmlns:p14="http://schemas.microsoft.com/office/powerpoint/2010/main" val="1366573891"/>
+                <p14:modId xmlns:p14="http://schemas.microsoft.com/office/powerpoint/2010/main" val="3777494027"/>
               </p:ext>
             </p:extLst>
           </p:nvPr>
         </p:nvGraphicFramePr>
         <p:xfrm>
           <a:off x="194236" y="1059345"/>
-          <a:ext cx="7368291" cy="2931160"/>
+          <a:ext cx="7368291" cy="3388360"/>
         </p:xfrm>
         <a:graphic>
           <a:graphicData uri="http://schemas.openxmlformats.org/drawingml/2006/table">
@@ -13388,7 +11737,7 @@
                     <a:lstStyle/>
                     <a:p>
                       <a:r>
-                        <a:rPr lang="en-US" sz="1100" b="0" dirty="0">
+                        <a:rPr lang="es-ES" sz="1100" b="0">
                           <a:solidFill>
                             <a:schemeClr val="tx1"/>
                           </a:solidFill>
@@ -13399,14 +11748,6 @@
                         </a:rPr>
                         <a:t>Experience League</a:t>
                       </a:r>
-                      <a:endParaRPr lang="en-US" sz="1100" b="0" dirty="0">
-                        <a:solidFill>
-                          <a:schemeClr val="tx1"/>
-                        </a:solidFill>
-                        <a:latin typeface="Adobe Clean" panose="020B0503020404020204" pitchFamily="34" charset="0"/>
-                        <a:ea typeface="+mn-ea"/>
-                        <a:cs typeface="+mn-cs"/>
-                      </a:endParaRPr>
                     </a:p>
                   </a:txBody>
                   <a:tcPr marL="47625" marR="47625" marT="0" marB="0" anchor="ctr">
@@ -13480,7 +11821,7 @@
                         <a:defRPr/>
                       </a:pPr>
                       <a:r>
-                        <a:rPr lang="en-US" sz="1000" b="0" kern="1200" dirty="0">
+                        <a:rPr lang="es-ES" sz="1000" b="0" dirty="0" err="1">
                           <a:solidFill>
                             <a:srgbClr val="000000"/>
                           </a:solidFill>
@@ -13488,7 +11829,102 @@
                           <a:ea typeface="+mn-ea"/>
                           <a:cs typeface="+mn-cs"/>
                         </a:rPr>
-                        <a:t>Experience League is how Adobe helps businesses achieve the value they expect from their Adobe investment. It’s the unified place where customers can learn, connect, and grow along a personalized path to success that includes self-help tutorials, product documentation, instructor-led training, community and technical support. </a:t>
+                        <a:t>Experience</a:t>
+                      </a:r>
+                      <a:r>
+                        <a:rPr lang="es-ES" sz="1000" b="0" dirty="0">
+                          <a:solidFill>
+                            <a:srgbClr val="000000"/>
+                          </a:solidFill>
+                          <a:latin typeface="Adobe Clean Light" panose="020B0303020404020204" pitchFamily="34" charset="0"/>
+                          <a:ea typeface="+mn-ea"/>
+                          <a:cs typeface="+mn-cs"/>
+                        </a:rPr>
+                        <a:t> League permite a Adobe ayudar a las empresas a alcanzar el valor que esperan de su inversión en Adobe. Es el lugar unificado </a:t>
+                      </a:r>
+                      <a:br>
+                        <a:rPr lang="sk-SK" sz="1000" b="0" dirty="0">
+                          <a:solidFill>
+                            <a:srgbClr val="000000"/>
+                          </a:solidFill>
+                          <a:latin typeface="Adobe Clean Light" panose="020B0303020404020204" pitchFamily="34" charset="0"/>
+                          <a:ea typeface="+mn-ea"/>
+                          <a:cs typeface="+mn-cs"/>
+                        </a:rPr>
+                      </a:br>
+                      <a:r>
+                        <a:rPr lang="es-ES" sz="1000" b="0" dirty="0">
+                          <a:solidFill>
+                            <a:srgbClr val="000000"/>
+                          </a:solidFill>
+                          <a:latin typeface="Adobe Clean Light" panose="020B0303020404020204" pitchFamily="34" charset="0"/>
+                          <a:ea typeface="+mn-ea"/>
+                          <a:cs typeface="+mn-cs"/>
+                        </a:rPr>
+                        <a:t>en el que los clientes pueden aprender, dialogar y crecer siguiendo </a:t>
+                      </a:r>
+                      <a:br>
+                        <a:rPr lang="sk-SK" sz="1000" b="0" dirty="0">
+                          <a:solidFill>
+                            <a:srgbClr val="000000"/>
+                          </a:solidFill>
+                          <a:latin typeface="Adobe Clean Light" panose="020B0303020404020204" pitchFamily="34" charset="0"/>
+                          <a:ea typeface="+mn-ea"/>
+                          <a:cs typeface="+mn-cs"/>
+                        </a:rPr>
+                      </a:br>
+                      <a:r>
+                        <a:rPr lang="es-ES" sz="1000" b="0" dirty="0">
+                          <a:solidFill>
+                            <a:srgbClr val="000000"/>
+                          </a:solidFill>
+                          <a:latin typeface="Adobe Clean Light" panose="020B0303020404020204" pitchFamily="34" charset="0"/>
+                          <a:ea typeface="+mn-ea"/>
+                          <a:cs typeface="+mn-cs"/>
+                        </a:rPr>
+                        <a:t>un camino personalizado hacia el éxito que incluye tutoriales </a:t>
+                      </a:r>
+                      <a:br>
+                        <a:rPr lang="sk-SK" sz="1000" b="0" dirty="0">
+                          <a:solidFill>
+                            <a:srgbClr val="000000"/>
+                          </a:solidFill>
+                          <a:latin typeface="Adobe Clean Light" panose="020B0303020404020204" pitchFamily="34" charset="0"/>
+                          <a:ea typeface="+mn-ea"/>
+                          <a:cs typeface="+mn-cs"/>
+                        </a:rPr>
+                      </a:br>
+                      <a:r>
+                        <a:rPr lang="es-ES" sz="1000" b="0" dirty="0">
+                          <a:solidFill>
+                            <a:srgbClr val="000000"/>
+                          </a:solidFill>
+                          <a:latin typeface="Adobe Clean Light" panose="020B0303020404020204" pitchFamily="34" charset="0"/>
+                          <a:ea typeface="+mn-ea"/>
+                          <a:cs typeface="+mn-cs"/>
+                        </a:rPr>
+                        <a:t>de autoayuda, documentación de productos, formación dirigida </a:t>
+                      </a:r>
+                      <a:br>
+                        <a:rPr lang="sk-SK" sz="1000" b="0" dirty="0">
+                          <a:solidFill>
+                            <a:srgbClr val="000000"/>
+                          </a:solidFill>
+                          <a:latin typeface="Adobe Clean Light" panose="020B0303020404020204" pitchFamily="34" charset="0"/>
+                          <a:ea typeface="+mn-ea"/>
+                          <a:cs typeface="+mn-cs"/>
+                        </a:rPr>
+                      </a:br>
+                      <a:r>
+                        <a:rPr lang="es-ES" sz="1000" b="0" dirty="0">
+                          <a:solidFill>
+                            <a:srgbClr val="000000"/>
+                          </a:solidFill>
+                          <a:latin typeface="Adobe Clean Light" panose="020B0303020404020204" pitchFamily="34" charset="0"/>
+                          <a:ea typeface="+mn-ea"/>
+                          <a:cs typeface="+mn-cs"/>
+                        </a:rPr>
+                        <a:t>por instructores, y asistencia técnica y comunitaria. </a:t>
                       </a:r>
                     </a:p>
                   </a:txBody>
@@ -13570,39 +12006,28 @@
                         <a:defRPr/>
                       </a:pPr>
                       <a:r>
-                        <a:rPr lang="en-US" sz="1100" dirty="0">
+                        <a:rPr lang="es-ES" sz="1100">
                           <a:solidFill>
                             <a:schemeClr val="dk1"/>
                           </a:solidFill>
-                          <a:effectLst/>
                           <a:latin typeface="Adobe Clean" panose="020B0503020404020204" pitchFamily="34" charset="0"/>
                           <a:ea typeface="+mn-ea"/>
                           <a:cs typeface="+mn-cs"/>
                           <a:hlinkClick r:id="rId8"/>
                         </a:rPr>
-                        <a:t>Training</a:t>
+                        <a:t>Formación</a:t>
                       </a:r>
                       <a:r>
-                        <a:rPr lang="en-US" sz="1100" dirty="0">
+                        <a:rPr lang="es-ES" sz="1100">
                           <a:solidFill>
                             <a:schemeClr val="dk1"/>
                           </a:solidFill>
-                          <a:effectLst/>
                           <a:latin typeface="Adobe Clean" panose="020B0503020404020204" pitchFamily="34" charset="0"/>
                           <a:ea typeface="+mn-ea"/>
                           <a:cs typeface="+mn-cs"/>
                         </a:rPr>
                         <a:t> </a:t>
                       </a:r>
-                      <a:endParaRPr lang="en-US" sz="1100" dirty="0">
-                        <a:solidFill>
-                          <a:schemeClr val="tx1"/>
-                        </a:solidFill>
-                        <a:effectLst/>
-                        <a:latin typeface="Adobe Clean" panose="020B0503020404020204" pitchFamily="34" charset="0"/>
-                        <a:ea typeface="+mn-ea"/>
-                        <a:cs typeface="+mn-cs"/>
-                      </a:endParaRPr>
                     </a:p>
                   </a:txBody>
                   <a:tcPr anchor="ctr">
@@ -13676,7 +12101,7 @@
                         <a:defRPr/>
                       </a:pPr>
                       <a:r>
-                        <a:rPr lang="en-US" sz="1000" kern="1200" dirty="0">
+                        <a:rPr lang="es-ES" sz="1000" dirty="0">
                           <a:solidFill>
                             <a:srgbClr val="000000"/>
                           </a:solidFill>
@@ -13684,7 +12109,73 @@
                           <a:ea typeface="+mn-ea"/>
                           <a:cs typeface="+mn-cs"/>
                         </a:rPr>
-                        <a:t>Adobe Digital Learning Services courses are accessible from Experience League. Learning courses integrate both on-demand and instructor-led lessons.  Here you can accrue skills that have recognized market value and position them to drive success in your organizations.</a:t>
+                        <a:t>Puede acceder a los cursos de Adobe Digital </a:t>
+                      </a:r>
+                      <a:r>
+                        <a:rPr lang="es-ES" sz="1000" dirty="0" err="1">
+                          <a:solidFill>
+                            <a:srgbClr val="000000"/>
+                          </a:solidFill>
+                          <a:latin typeface="Adobe Clean Light" panose="020B0303020404020204" pitchFamily="34" charset="0"/>
+                          <a:ea typeface="+mn-ea"/>
+                          <a:cs typeface="+mn-cs"/>
+                        </a:rPr>
+                        <a:t>Learning</a:t>
+                      </a:r>
+                      <a:r>
+                        <a:rPr lang="es-ES" sz="1000" dirty="0">
+                          <a:solidFill>
+                            <a:srgbClr val="000000"/>
+                          </a:solidFill>
+                          <a:latin typeface="Adobe Clean Light" panose="020B0303020404020204" pitchFamily="34" charset="0"/>
+                          <a:ea typeface="+mn-ea"/>
+                          <a:cs typeface="+mn-cs"/>
+                        </a:rPr>
+                        <a:t> </a:t>
+                      </a:r>
+                      <a:r>
+                        <a:rPr lang="es-ES" sz="1000" dirty="0" err="1">
+                          <a:solidFill>
+                            <a:srgbClr val="000000"/>
+                          </a:solidFill>
+                          <a:latin typeface="Adobe Clean Light" panose="020B0303020404020204" pitchFamily="34" charset="0"/>
+                          <a:ea typeface="+mn-ea"/>
+                          <a:cs typeface="+mn-cs"/>
+                        </a:rPr>
+                        <a:t>Services</a:t>
+                      </a:r>
+                      <a:r>
+                        <a:rPr lang="es-ES" sz="1000" dirty="0">
+                          <a:solidFill>
+                            <a:srgbClr val="000000"/>
+                          </a:solidFill>
+                          <a:latin typeface="Adobe Clean Light" panose="020B0303020404020204" pitchFamily="34" charset="0"/>
+                          <a:ea typeface="+mn-ea"/>
+                          <a:cs typeface="+mn-cs"/>
+                        </a:rPr>
+                        <a:t> desde </a:t>
+                      </a:r>
+                      <a:r>
+                        <a:rPr lang="es-ES" sz="1000" dirty="0" err="1">
+                          <a:solidFill>
+                            <a:srgbClr val="000000"/>
+                          </a:solidFill>
+                          <a:latin typeface="Adobe Clean Light" panose="020B0303020404020204" pitchFamily="34" charset="0"/>
+                          <a:ea typeface="+mn-ea"/>
+                          <a:cs typeface="+mn-cs"/>
+                        </a:rPr>
+                        <a:t>Experience</a:t>
+                      </a:r>
+                      <a:r>
+                        <a:rPr lang="es-ES" sz="1000" dirty="0">
+                          <a:solidFill>
+                            <a:srgbClr val="000000"/>
+                          </a:solidFill>
+                          <a:latin typeface="Adobe Clean Light" panose="020B0303020404020204" pitchFamily="34" charset="0"/>
+                          <a:ea typeface="+mn-ea"/>
+                          <a:cs typeface="+mn-cs"/>
+                        </a:rPr>
+                        <a:t> League. Los cursos de formación incluyen desde lecciones bajo demanda hasta lecciones impartidas por instructores. Aquí puede aprender habilidades con valor de mercado reconocido para impulsar el éxito en su organización.</a:t>
                       </a:r>
                     </a:p>
                   </a:txBody>
@@ -13766,27 +12257,17 @@
                         <a:defRPr/>
                       </a:pPr>
                       <a:r>
-                        <a:rPr lang="en-US" sz="1100" dirty="0">
+                        <a:rPr lang="es-ES" sz="1100">
                           <a:solidFill>
                             <a:schemeClr val="tx1"/>
                           </a:solidFill>
-                          <a:effectLst/>
                           <a:latin typeface="Adobe Clean" panose="020B0503020404020204" pitchFamily="34" charset="0"/>
                           <a:ea typeface="+mn-ea"/>
                           <a:cs typeface="+mn-cs"/>
                           <a:hlinkClick r:id="rId9"/>
                         </a:rPr>
-                        <a:t>Production Issues &amp; System Outages</a:t>
+                        <a:t>Problemas de producción e interrupciones del sistema</a:t>
                       </a:r>
-                      <a:endParaRPr lang="en-US" sz="1100" dirty="0">
-                        <a:solidFill>
-                          <a:schemeClr val="tx1"/>
-                        </a:solidFill>
-                        <a:effectLst/>
-                        <a:latin typeface="Adobe Clean" panose="020B0503020404020204" pitchFamily="34" charset="0"/>
-                        <a:ea typeface="+mn-ea"/>
-                        <a:cs typeface="+mn-cs"/>
-                      </a:endParaRPr>
                     </a:p>
                   </a:txBody>
                   <a:tcPr anchor="ctr">
@@ -13860,7 +12341,7 @@
                         <a:defRPr/>
                       </a:pPr>
                       <a:r>
-                        <a:rPr lang="en-US" sz="1000" kern="1200" dirty="0">
+                        <a:rPr lang="es-ES" sz="1000">
                           <a:solidFill>
                             <a:srgbClr val="000000"/>
                           </a:solidFill>
@@ -13868,7 +12349,7 @@
                           <a:ea typeface="+mn-ea"/>
                           <a:cs typeface="+mn-cs"/>
                         </a:rPr>
-                        <a:t>Status.adobe.com conveys the health information of all Adobe products and services that are deployed in multi-tenant environments. Customers can choose their subscription preferences to get email notifications whenever Adobe creates, updates or resolves a product event. This can include scheduled maintenance or service issues of varying levels of severity. </a:t>
+                        <a:t>Status.adobe.com transmite la información de estado de todos los productos y servicios de Adobe implementados en entornos de varios inquilinos. Los clientes pueden elegir sus preferencias de suscripción para recibir notificaciones por correo electrónico cada vez que Adobe cree, actualice o resuelva un evento de producto. Esto puede incluir problemas de mantenimiento o servicio programados de diversos niveles de gravedad. </a:t>
                       </a:r>
                     </a:p>
                   </a:txBody>
@@ -13950,27 +12431,17 @@
                         <a:defRPr/>
                       </a:pPr>
                       <a:r>
-                        <a:rPr lang="en-US" sz="1100" dirty="0">
+                        <a:rPr lang="es-ES" sz="1100">
                           <a:solidFill>
                             <a:schemeClr val="tx1"/>
                           </a:solidFill>
-                          <a:effectLst/>
                           <a:latin typeface="Adobe Clean" panose="020B0503020404020204" pitchFamily="34" charset="0"/>
                           <a:ea typeface="+mn-ea"/>
                           <a:cs typeface="+mn-cs"/>
                           <a:hlinkClick r:id="rId10"/>
                         </a:rPr>
-                        <a:t>Terms and Conditions</a:t>
+                        <a:t>Términos y condiciones</a:t>
                       </a:r>
-                      <a:endParaRPr lang="en-US" sz="1100" dirty="0">
-                        <a:solidFill>
-                          <a:schemeClr val="tx1"/>
-                        </a:solidFill>
-                        <a:effectLst/>
-                        <a:latin typeface="Adobe Clean" panose="020B0503020404020204" pitchFamily="34" charset="0"/>
-                        <a:ea typeface="+mn-ea"/>
-                        <a:cs typeface="+mn-cs"/>
-                      </a:endParaRPr>
                     </a:p>
                   </a:txBody>
                   <a:tcPr anchor="ctr">
@@ -14027,7 +12498,7 @@
                     <a:lstStyle/>
                     <a:p>
                       <a:r>
-                        <a:rPr lang="en-US" sz="1000" kern="1200" dirty="0">
+                        <a:rPr lang="es-ES" sz="1000" dirty="0">
                           <a:solidFill>
                             <a:srgbClr val="000000"/>
                           </a:solidFill>
@@ -14035,7 +12506,7 @@
                           <a:ea typeface="+mn-ea"/>
                           <a:cs typeface="+mn-cs"/>
                         </a:rPr>
-                        <a:t>Terms and conditions detailing Support Services offerings.</a:t>
+                        <a:t>Términos y condiciones de las ofertas de los servicios de soporte</a:t>
                       </a:r>
                     </a:p>
                   </a:txBody>
@@ -14806,21 +13277,6 @@
 </file>
 
 <file path=customXml/item1.xml><?xml version="1.0" encoding="utf-8"?>
-<?mso-contentType ?>
-<FormTemplates xmlns="http://schemas.microsoft.com/sharepoint/v3/contenttype/forms">
-  <Display>DocumentLibraryForm</Display>
-  <Edit>DocumentLibraryForm</Edit>
-  <New>DocumentLibraryForm</New>
-</FormTemplates>
-</file>
-
-<file path=customXml/item2.xml><?xml version="1.0" encoding="utf-8"?>
-<p:properties xmlns:p="http://schemas.microsoft.com/office/2006/metadata/properties" xmlns:xsi="http://www.w3.org/2001/XMLSchema-instance" xmlns:pc="http://schemas.microsoft.com/office/infopath/2007/PartnerControls">
-  <documentManagement/>
-</p:properties>
-</file>
-
-<file path=customXml/item3.xml><?xml version="1.0" encoding="utf-8"?>
 <ct:contentTypeSchema xmlns:ct="http://schemas.microsoft.com/office/2006/metadata/contentType" xmlns:ma="http://schemas.microsoft.com/office/2006/metadata/properties/metaAttributes" ct:_="" ma:_="" ma:contentTypeName="Document" ma:contentTypeID="0x010100E783BF6876BCC646A459363AF21A7736" ma:contentTypeVersion="10" ma:contentTypeDescription="Create a new document." ma:contentTypeScope="" ma:versionID="c4ffda7f4f415767600769e454c2ea87">
   <xsd:schema xmlns:xsd="http://www.w3.org/2001/XMLSchema" xmlns:xs="http://www.w3.org/2001/XMLSchema" xmlns:p="http://schemas.microsoft.com/office/2006/metadata/properties" xmlns:ns2="8a053bff-88be-49e4-9a87-e748e18b8b62" xmlns:ns3="6c8368ec-3776-49b5-a5bb-90648cf9530f" targetNamespace="http://schemas.microsoft.com/office/2006/metadata/properties" ma:root="true" ma:fieldsID="df3ec33bccc23e23bce7bc897fad43d1" ns2:_="" ns3:_="">
     <xsd:import namespace="8a053bff-88be-49e4-9a87-e748e18b8b62"/>
@@ -15025,32 +13481,22 @@
 </ct:contentTypeSchema>
 </file>
 
-<file path=customXml/itemProps1.xml><?xml version="1.0" encoding="utf-8"?>
-<ds:datastoreItem xmlns:ds="http://schemas.openxmlformats.org/officeDocument/2006/customXml" ds:itemID="{AC92E7FA-19A2-4675-9C77-2C92D8A268D1}">
-  <ds:schemaRefs>
-    <ds:schemaRef ds:uri="http://schemas.microsoft.com/sharepoint/v3/contenttype/forms"/>
-  </ds:schemaRefs>
-</ds:datastoreItem>
+<file path=customXml/item2.xml><?xml version="1.0" encoding="utf-8"?>
+<p:properties xmlns:p="http://schemas.microsoft.com/office/2006/metadata/properties" xmlns:xsi="http://www.w3.org/2001/XMLSchema-instance" xmlns:pc="http://schemas.microsoft.com/office/infopath/2007/PartnerControls">
+  <documentManagement/>
+</p:properties>
 </file>
 
-<file path=customXml/itemProps2.xml><?xml version="1.0" encoding="utf-8"?>
-<ds:datastoreItem xmlns:ds="http://schemas.openxmlformats.org/officeDocument/2006/customXml" ds:itemID="{8D12BD98-169B-4BEE-86DF-4C9641DF23C4}">
-  <ds:schemaRefs>
-    <ds:schemaRef ds:uri="http://schemas.microsoft.com/office/2006/documentManagement/types"/>
-    <ds:schemaRef ds:uri="http://schemas.microsoft.com/office/2006/metadata/properties"/>
-    <ds:schemaRef ds:uri="http://www.w3.org/XML/1998/namespace"/>
-    <ds:schemaRef ds:uri="http://purl.org/dc/terms/"/>
-    <ds:schemaRef ds:uri="http://purl.org/dc/elements/1.1/"/>
-    <ds:schemaRef ds:uri="http://schemas.microsoft.com/office/infopath/2007/PartnerControls"/>
-    <ds:schemaRef ds:uri="http://schemas.openxmlformats.org/package/2006/metadata/core-properties"/>
-    <ds:schemaRef ds:uri="8a053bff-88be-49e4-9a87-e748e18b8b62"/>
-    <ds:schemaRef ds:uri="6c8368ec-3776-49b5-a5bb-90648cf9530f"/>
-    <ds:schemaRef ds:uri="http://purl.org/dc/dcmitype/"/>
-  </ds:schemaRefs>
-</ds:datastoreItem>
+<file path=customXml/item3.xml><?xml version="1.0" encoding="utf-8"?>
+<?mso-contentType ?>
+<FormTemplates xmlns="http://schemas.microsoft.com/sharepoint/v3/contenttype/forms">
+  <Display>DocumentLibraryForm</Display>
+  <Edit>DocumentLibraryForm</Edit>
+  <New>DocumentLibraryForm</New>
+</FormTemplates>
 </file>
 
-<file path=customXml/itemProps3.xml><?xml version="1.0" encoding="utf-8"?>
+<file path=customXml/itemProps1.xml><?xml version="1.0" encoding="utf-8"?>
 <ds:datastoreItem xmlns:ds="http://schemas.openxmlformats.org/officeDocument/2006/customXml" ds:itemID="{34863498-7BB7-4F09-9F4A-B99E97FDB0EB}">
   <ds:schemaRefs>
     <ds:schemaRef ds:uri="http://schemas.microsoft.com/office/2006/metadata/contentType"/>
@@ -15067,4 +13513,21 @@
     <ds:schemaRef ds:uri="http://schemas.microsoft.com/internal/obd"/>
   </ds:schemaRefs>
 </ds:datastoreItem>
+</file>
+
+<file path=customXml/itemProps2.xml><?xml version="1.0" encoding="utf-8"?>
+<ds:datastoreItem xmlns:ds="http://schemas.openxmlformats.org/officeDocument/2006/customXml" ds:itemID="{8D12BD98-169B-4BEE-86DF-4C9641DF23C4}">
+  <ds:schemaRefs>
+    <ds:schemaRef ds:uri="http://schemas.microsoft.com/office/2006/metadata/properties"/>
+    <ds:schemaRef ds:uri="http://schemas.microsoft.com/office/infopath/2007/PartnerControls"/>
+  </ds:schemaRefs>
+</ds:datastoreItem>
+</file>
+
+<file path=customXml/itemProps3.xml><?xml version="1.0" encoding="utf-8"?>
+<ds:datastoreItem xmlns:ds="http://schemas.openxmlformats.org/officeDocument/2006/customXml" ds:itemID="{AC92E7FA-19A2-4675-9C77-2C92D8A268D1}">
+  <ds:schemaRefs>
+    <ds:schemaRef ds:uri="http://schemas.microsoft.com/sharepoint/v3/contenttype/forms"/>
+  </ds:schemaRefs>
+</ds:datastoreItem>
 </file>
--- a/help/data-sheets/assets/OnlineSupportDatasheet.pptx
+++ b/help/data-sheets/assets/OnlineSupportDatasheet.pptx
@@ -131,13 +131,193 @@
 <file path=ppt/revisionInfo.xml><?xml version="1.0" encoding="utf-8"?>
 <p1510:revInfo xmlns:a="http://schemas.openxmlformats.org/drawingml/2006/main" xmlns:r="http://schemas.openxmlformats.org/officeDocument/2006/relationships" xmlns:p1510="http://schemas.microsoft.com/office/powerpoint/2015/10/main">
   <p1510:revLst>
-    <p1510:client id="{5343DD59-8FB2-7AAD-1875-255EDB54B98D}" v="367" dt="2021-09-22T18:47:16.489"/>
+    <p1510:client id="{096F7488-A26A-D845-83B0-BE2FC48D1AFD}" v="1" dt="2021-10-13T19:37:08.512"/>
   </p1510:revLst>
 </p1510:revInfo>
 </file>
 
 <file path=ppt/changesInfos/changesInfo1.xml><?xml version="1.0" encoding="utf-8"?>
 <pc:chgInfo xmlns:a="http://schemas.openxmlformats.org/drawingml/2006/main" xmlns:r="http://schemas.openxmlformats.org/officeDocument/2006/relationships" xmlns:ac="http://schemas.microsoft.com/office/drawing/2013/main/command" xmlns:pc="http://schemas.microsoft.com/office/powerpoint/2013/main/command">
+  <pc:docChgLst>
+    <pc:chgData name="Lauren Schutte" userId="6e08b2d3-447a-4d66-86be-444d50df187f" providerId="ADAL" clId="{096F7488-A26A-D845-83B0-BE2FC48D1AFD}"/>
+    <pc:docChg chg="modSld">
+      <pc:chgData name="Lauren Schutte" userId="6e08b2d3-447a-4d66-86be-444d50df187f" providerId="ADAL" clId="{096F7488-A26A-D845-83B0-BE2FC48D1AFD}" dt="2021-10-13T19:38:26.139" v="4" actId="20577"/>
+      <pc:docMkLst>
+        <pc:docMk/>
+      </pc:docMkLst>
+      <pc:sldChg chg="modSp mod">
+        <pc:chgData name="Lauren Schutte" userId="6e08b2d3-447a-4d66-86be-444d50df187f" providerId="ADAL" clId="{096F7488-A26A-D845-83B0-BE2FC48D1AFD}" dt="2021-10-13T19:37:16.686" v="2" actId="242"/>
+        <pc:sldMkLst>
+          <pc:docMk/>
+          <pc:sldMk cId="0" sldId="256"/>
+        </pc:sldMkLst>
+        <pc:graphicFrameChg chg="mod modGraphic">
+          <ac:chgData name="Lauren Schutte" userId="6e08b2d3-447a-4d66-86be-444d50df187f" providerId="ADAL" clId="{096F7488-A26A-D845-83B0-BE2FC48D1AFD}" dt="2021-10-13T19:37:16.686" v="2" actId="242"/>
+          <ac:graphicFrameMkLst>
+            <pc:docMk/>
+            <pc:sldMk cId="0" sldId="256"/>
+            <ac:graphicFrameMk id="9" creationId="{00000000-0000-0000-0000-000000000000}"/>
+          </ac:graphicFrameMkLst>
+        </pc:graphicFrameChg>
+      </pc:sldChg>
+      <pc:sldChg chg="modSp mod">
+        <pc:chgData name="Lauren Schutte" userId="6e08b2d3-447a-4d66-86be-444d50df187f" providerId="ADAL" clId="{096F7488-A26A-D845-83B0-BE2FC48D1AFD}" dt="2021-10-13T19:38:11.810" v="3" actId="20577"/>
+        <pc:sldMkLst>
+          <pc:docMk/>
+          <pc:sldMk cId="0" sldId="257"/>
+        </pc:sldMkLst>
+        <pc:spChg chg="mod">
+          <ac:chgData name="Lauren Schutte" userId="6e08b2d3-447a-4d66-86be-444d50df187f" providerId="ADAL" clId="{096F7488-A26A-D845-83B0-BE2FC48D1AFD}" dt="2021-10-13T19:38:11.810" v="3" actId="20577"/>
+          <ac:spMkLst>
+            <pc:docMk/>
+            <pc:sldMk cId="0" sldId="257"/>
+            <ac:spMk id="39" creationId="{00000000-0000-0000-0000-000000000000}"/>
+          </ac:spMkLst>
+        </pc:spChg>
+      </pc:sldChg>
+      <pc:sldChg chg="modSp mod">
+        <pc:chgData name="Lauren Schutte" userId="6e08b2d3-447a-4d66-86be-444d50df187f" providerId="ADAL" clId="{096F7488-A26A-D845-83B0-BE2FC48D1AFD}" dt="2021-10-13T19:38:26.139" v="4" actId="20577"/>
+        <pc:sldMkLst>
+          <pc:docMk/>
+          <pc:sldMk cId="799510854" sldId="260"/>
+        </pc:sldMkLst>
+        <pc:graphicFrameChg chg="modGraphic">
+          <ac:chgData name="Lauren Schutte" userId="6e08b2d3-447a-4d66-86be-444d50df187f" providerId="ADAL" clId="{096F7488-A26A-D845-83B0-BE2FC48D1AFD}" dt="2021-10-13T19:38:26.139" v="4" actId="20577"/>
+          <ac:graphicFrameMkLst>
+            <pc:docMk/>
+            <pc:sldMk cId="799510854" sldId="260"/>
+            <ac:graphicFrameMk id="111" creationId="{D8653CEC-4213-DE40-9BAF-D1E3318FF89C}"/>
+          </ac:graphicFrameMkLst>
+        </pc:graphicFrameChg>
+      </pc:sldChg>
+    </pc:docChg>
+  </pc:docChgLst>
+  <pc:docChgLst>
+    <pc:chgData name="Akilah Johnson" userId="S::akjohnso@adobe.com::2fa3aa60-0c9c-4d06-bae2-795983241227" providerId="AD" clId="Web-{57A486D7-8267-4044-450E-B1D42691F1A4}"/>
+    <pc:docChg chg="modSld">
+      <pc:chgData name="Akilah Johnson" userId="S::akjohnso@adobe.com::2fa3aa60-0c9c-4d06-bae2-795983241227" providerId="AD" clId="Web-{57A486D7-8267-4044-450E-B1D42691F1A4}" dt="2021-10-12T15:47:55.091" v="2" actId="20577"/>
+      <pc:docMkLst>
+        <pc:docMk/>
+      </pc:docMkLst>
+      <pc:sldChg chg="modSp">
+        <pc:chgData name="Akilah Johnson" userId="S::akjohnso@adobe.com::2fa3aa60-0c9c-4d06-bae2-795983241227" providerId="AD" clId="Web-{57A486D7-8267-4044-450E-B1D42691F1A4}" dt="2021-10-12T15:47:55.091" v="2" actId="20577"/>
+        <pc:sldMkLst>
+          <pc:docMk/>
+          <pc:sldMk cId="0" sldId="256"/>
+        </pc:sldMkLst>
+        <pc:spChg chg="mod">
+          <ac:chgData name="Akilah Johnson" userId="S::akjohnso@adobe.com::2fa3aa60-0c9c-4d06-bae2-795983241227" providerId="AD" clId="Web-{57A486D7-8267-4044-450E-B1D42691F1A4}" dt="2021-10-12T15:47:55.091" v="2" actId="20577"/>
+          <ac:spMkLst>
+            <pc:docMk/>
+            <pc:sldMk cId="0" sldId="256"/>
+            <ac:spMk id="5" creationId="{00000000-0000-0000-0000-000000000000}"/>
+          </ac:spMkLst>
+        </pc:spChg>
+      </pc:sldChg>
+    </pc:docChg>
+  </pc:docChgLst>
+  <pc:docChgLst>
+    <pc:chgData name="Akilah Johnson" userId="S::akjohnso@adobe.com::2fa3aa60-0c9c-4d06-bae2-795983241227" providerId="AD" clId="Web-{CF46E89E-48FC-BA32-13C5-654DDA452FDC}"/>
+    <pc:docChg chg="modSld">
+      <pc:chgData name="Akilah Johnson" userId="S::akjohnso@adobe.com::2fa3aa60-0c9c-4d06-bae2-795983241227" providerId="AD" clId="Web-{CF46E89E-48FC-BA32-13C5-654DDA452FDC}" dt="2021-10-12T17:00:50.675" v="21" actId="20577"/>
+      <pc:docMkLst>
+        <pc:docMk/>
+      </pc:docMkLst>
+      <pc:sldChg chg="modSp">
+        <pc:chgData name="Akilah Johnson" userId="S::akjohnso@adobe.com::2fa3aa60-0c9c-4d06-bae2-795983241227" providerId="AD" clId="Web-{CF46E89E-48FC-BA32-13C5-654DDA452FDC}" dt="2021-10-12T16:58:10.550" v="6" actId="20577"/>
+        <pc:sldMkLst>
+          <pc:docMk/>
+          <pc:sldMk cId="0" sldId="256"/>
+        </pc:sldMkLst>
+        <pc:spChg chg="mod">
+          <ac:chgData name="Akilah Johnson" userId="S::akjohnso@adobe.com::2fa3aa60-0c9c-4d06-bae2-795983241227" providerId="AD" clId="Web-{CF46E89E-48FC-BA32-13C5-654DDA452FDC}" dt="2021-10-12T16:58:10.550" v="6" actId="20577"/>
+          <ac:spMkLst>
+            <pc:docMk/>
+            <pc:sldMk cId="0" sldId="256"/>
+            <ac:spMk id="2" creationId="{00000000-0000-0000-0000-000000000000}"/>
+          </ac:spMkLst>
+        </pc:spChg>
+        <pc:graphicFrameChg chg="mod modGraphic">
+          <ac:chgData name="Akilah Johnson" userId="S::akjohnso@adobe.com::2fa3aa60-0c9c-4d06-bae2-795983241227" providerId="AD" clId="Web-{CF46E89E-48FC-BA32-13C5-654DDA452FDC}" dt="2021-10-12T16:57:07.113" v="1"/>
+          <ac:graphicFrameMkLst>
+            <pc:docMk/>
+            <pc:sldMk cId="0" sldId="256"/>
+            <ac:graphicFrameMk id="8" creationId="{00000000-0000-0000-0000-000000000000}"/>
+          </ac:graphicFrameMkLst>
+        </pc:graphicFrameChg>
+      </pc:sldChg>
+      <pc:sldChg chg="modSp">
+        <pc:chgData name="Akilah Johnson" userId="S::akjohnso@adobe.com::2fa3aa60-0c9c-4d06-bae2-795983241227" providerId="AD" clId="Web-{CF46E89E-48FC-BA32-13C5-654DDA452FDC}" dt="2021-10-12T16:59:59.628" v="14" actId="20577"/>
+        <pc:sldMkLst>
+          <pc:docMk/>
+          <pc:sldMk cId="0" sldId="257"/>
+        </pc:sldMkLst>
+        <pc:spChg chg="mod">
+          <ac:chgData name="Akilah Johnson" userId="S::akjohnso@adobe.com::2fa3aa60-0c9c-4d06-bae2-795983241227" providerId="AD" clId="Web-{CF46E89E-48FC-BA32-13C5-654DDA452FDC}" dt="2021-10-12T16:59:21.300" v="12" actId="20577"/>
+          <ac:spMkLst>
+            <pc:docMk/>
+            <pc:sldMk cId="0" sldId="257"/>
+            <ac:spMk id="39" creationId="{00000000-0000-0000-0000-000000000000}"/>
+          </ac:spMkLst>
+        </pc:spChg>
+        <pc:spChg chg="mod">
+          <ac:chgData name="Akilah Johnson" userId="S::akjohnso@adobe.com::2fa3aa60-0c9c-4d06-bae2-795983241227" providerId="AD" clId="Web-{CF46E89E-48FC-BA32-13C5-654DDA452FDC}" dt="2021-10-12T16:59:59.628" v="14" actId="20577"/>
+          <ac:spMkLst>
+            <pc:docMk/>
+            <pc:sldMk cId="0" sldId="257"/>
+            <ac:spMk id="46" creationId="{00000000-0000-0000-0000-000000000000}"/>
+          </ac:spMkLst>
+        </pc:spChg>
+      </pc:sldChg>
+      <pc:sldChg chg="modSp">
+        <pc:chgData name="Akilah Johnson" userId="S::akjohnso@adobe.com::2fa3aa60-0c9c-4d06-bae2-795983241227" providerId="AD" clId="Web-{CF46E89E-48FC-BA32-13C5-654DDA452FDC}" dt="2021-10-12T17:00:50.675" v="21" actId="20577"/>
+        <pc:sldMkLst>
+          <pc:docMk/>
+          <pc:sldMk cId="799510854" sldId="260"/>
+        </pc:sldMkLst>
+        <pc:spChg chg="mod">
+          <ac:chgData name="Akilah Johnson" userId="S::akjohnso@adobe.com::2fa3aa60-0c9c-4d06-bae2-795983241227" providerId="AD" clId="Web-{CF46E89E-48FC-BA32-13C5-654DDA452FDC}" dt="2021-10-12T17:00:50.675" v="21" actId="20577"/>
+          <ac:spMkLst>
+            <pc:docMk/>
+            <pc:sldMk cId="799510854" sldId="260"/>
+            <ac:spMk id="24" creationId="{00000000-0000-0000-0000-000000000000}"/>
+          </ac:spMkLst>
+        </pc:spChg>
+        <pc:spChg chg="mod">
+          <ac:chgData name="Akilah Johnson" userId="S::akjohnso@adobe.com::2fa3aa60-0c9c-4d06-bae2-795983241227" providerId="AD" clId="Web-{CF46E89E-48FC-BA32-13C5-654DDA452FDC}" dt="2021-10-12T17:00:45.784" v="19" actId="20577"/>
+          <ac:spMkLst>
+            <pc:docMk/>
+            <pc:sldMk cId="799510854" sldId="260"/>
+            <ac:spMk id="56" creationId="{00000000-0000-0000-0000-000000000000}"/>
+          </ac:spMkLst>
+        </pc:spChg>
+      </pc:sldChg>
+    </pc:docChg>
+  </pc:docChgLst>
+  <pc:docChgLst>
+    <pc:chgData name="Akilah Johnson" userId="S::akjohnso@adobe.com::2fa3aa60-0c9c-4d06-bae2-795983241227" providerId="AD" clId="Web-{19E88417-C612-7196-8214-73025F75FA84}"/>
+    <pc:docChg chg="modSld">
+      <pc:chgData name="Akilah Johnson" userId="S::akjohnso@adobe.com::2fa3aa60-0c9c-4d06-bae2-795983241227" providerId="AD" clId="Web-{19E88417-C612-7196-8214-73025F75FA84}" dt="2021-10-12T19:15:42.562" v="5" actId="20577"/>
+      <pc:docMkLst>
+        <pc:docMk/>
+      </pc:docMkLst>
+      <pc:sldChg chg="modSp">
+        <pc:chgData name="Akilah Johnson" userId="S::akjohnso@adobe.com::2fa3aa60-0c9c-4d06-bae2-795983241227" providerId="AD" clId="Web-{19E88417-C612-7196-8214-73025F75FA84}" dt="2021-10-12T19:15:42.562" v="5" actId="20577"/>
+        <pc:sldMkLst>
+          <pc:docMk/>
+          <pc:sldMk cId="0" sldId="256"/>
+        </pc:sldMkLst>
+        <pc:spChg chg="mod">
+          <ac:chgData name="Akilah Johnson" userId="S::akjohnso@adobe.com::2fa3aa60-0c9c-4d06-bae2-795983241227" providerId="AD" clId="Web-{19E88417-C612-7196-8214-73025F75FA84}" dt="2021-10-12T19:15:42.562" v="5" actId="20577"/>
+          <ac:spMkLst>
+            <pc:docMk/>
+            <pc:sldMk cId="0" sldId="256"/>
+            <ac:spMk id="13" creationId="{7979C0CC-523E-844A-96DC-75FC662E01AB}"/>
+          </ac:spMkLst>
+        </pc:spChg>
+      </pc:sldChg>
+    </pc:docChg>
+  </pc:docChgLst>
   <pc:docChgLst>
     <pc:chgData name="Akilah Johnson" userId="S::akjohnso@adobe.com::2fa3aa60-0c9c-4d06-bae2-795983241227" providerId="AD" clId="Web-{5343DD59-8FB2-7AAD-1875-255EDB54B98D}"/>
     <pc:docChg chg="modSld">
@@ -255,7 +435,7 @@
           <a:p>
             <a:fld id="{A438815C-EDE5-F947-A55F-7634403F36C4}" type="datetimeFigureOut">
               <a:rPr lang="en-US" smtClean="0"/>
-              <a:t>10/1/2021</a:t>
+              <a:t>11-Nov-21</a:t>
             </a:fld>
             <a:endParaRPr lang="en-US"/>
           </a:p>
@@ -878,7 +1058,7 @@
           <a:p>
             <a:fld id="{1D8BD707-D9CF-40AE-B4C6-C98DA3205C09}" type="datetimeFigureOut">
               <a:rPr lang="en-US"/>
-              <a:t>10/1/2021</a:t>
+              <a:t>11-Nov-21</a:t>
             </a:fld>
             <a:endParaRPr lang="en-US"/>
           </a:p>
@@ -1062,7 +1242,7 @@
           <a:p>
             <a:fld id="{1D8BD707-D9CF-40AE-B4C6-C98DA3205C09}" type="datetimeFigureOut">
               <a:rPr lang="en-US"/>
-              <a:t>10/1/2021</a:t>
+              <a:t>11-Nov-21</a:t>
             </a:fld>
             <a:endParaRPr lang="en-US"/>
           </a:p>
@@ -1364,7 +1544,7 @@
           <a:p>
             <a:fld id="{1D8BD707-D9CF-40AE-B4C6-C98DA3205C09}" type="datetimeFigureOut">
               <a:rPr lang="en-US"/>
-              <a:t>10/1/2021</a:t>
+              <a:t>11-Nov-21</a:t>
             </a:fld>
             <a:endParaRPr lang="en-US"/>
           </a:p>
@@ -1618,29 +1798,26 @@
         </p:nvSpPr>
         <p:spPr>
           <a:xfrm>
-            <a:off x="95250" y="7228840"/>
-            <a:ext cx="2800350" cy="238760"/>
+            <a:off x="95250" y="7010400"/>
+            <a:ext cx="5772150" cy="227626"/>
           </a:xfrm>
           <a:prstGeom prst="rect">
             <a:avLst/>
           </a:prstGeom>
         </p:spPr>
         <p:txBody>
-          <a:bodyPr vert="horz" wrap="square" lIns="0" tIns="12065" rIns="0" bIns="0" rtlCol="0">
+          <a:bodyPr vert="horz" wrap="square" lIns="0" tIns="12065" rIns="0" bIns="0" rtlCol="0" anchor="t">
             <a:spAutoFit/>
           </a:bodyPr>
           <a:lstStyle/>
           <a:p>
             <a:pPr marL="12700">
-              <a:lnSpc>
-                <a:spcPct val="100000"/>
-              </a:lnSpc>
               <a:spcBef>
                 <a:spcPts val="95"/>
               </a:spcBef>
             </a:pPr>
             <a:r>
-              <a:rPr lang="es-ES" sz="1400" b="1" u="heavy">
+              <a:rPr lang="es-ES" sz="1400" b="1" u="heavy" dirty="0">
                 <a:solidFill>
                   <a:srgbClr val="020302"/>
                 </a:solidFill>
@@ -1694,7 +1871,7 @@
         </p:nvSpPr>
         <p:spPr>
           <a:xfrm>
-            <a:off x="136772" y="813361"/>
+            <a:off x="136772" y="649984"/>
             <a:ext cx="6035427" cy="1089529"/>
           </a:xfrm>
           <a:prstGeom prst="rect">
@@ -1702,7 +1879,7 @@
           </a:prstGeom>
         </p:spPr>
         <p:txBody>
-          <a:bodyPr vert="horz" wrap="square" lIns="0" tIns="24130" rIns="0" bIns="0" rtlCol="0">
+          <a:bodyPr vert="horz" wrap="square" lIns="0" tIns="24130" rIns="0" bIns="0" rtlCol="0" anchor="t">
             <a:spAutoFit/>
           </a:bodyPr>
           <a:lstStyle/>
@@ -1728,7 +1905,7 @@
                 <a:solidFill>
                   <a:schemeClr val="bg1"/>
                 </a:solidFill>
-                <a:latin typeface="Adobe Clean Light" panose="020B0303020404020204" pitchFamily="34" charset="0"/>
+                <a:latin typeface="Adobe Clean Light"/>
               </a:rPr>
               <a:t> | Business | Enterprise | Elite</a:t>
             </a:r>
@@ -1747,7 +1924,24 @@
                 </a:solidFill>
                 <a:latin typeface="Adobe Clean SemiLight" panose="020B0403020404020204" pitchFamily="34" charset="0"/>
               </a:rPr>
-              <a:t>Adobe ofrece una amplia variedad de recursos técnicos para ayudar a su negocio, incluidos como parte de su suscripción de licencia de </a:t>
+              <a:t>Adobe ofrece una amplia variedad de recursos técnicos para ayudar a su negocio, incluidos como parte de su suscripción </a:t>
+            </a:r>
+            <a:br>
+              <a:rPr lang="es-ES" sz="900" dirty="0">
+                <a:solidFill>
+                  <a:schemeClr val="bg1"/>
+                </a:solidFill>
+                <a:latin typeface="Adobe Clean SemiLight" panose="020B0403020404020204" pitchFamily="34" charset="0"/>
+              </a:rPr>
+            </a:br>
+            <a:r>
+              <a:rPr lang="es-ES" sz="900" dirty="0">
+                <a:solidFill>
+                  <a:schemeClr val="bg1"/>
+                </a:solidFill>
+                <a:latin typeface="Adobe Clean SemiLight" panose="020B0403020404020204" pitchFamily="34" charset="0"/>
+              </a:rPr>
+              <a:t>de licencia de </a:t>
             </a:r>
             <a:r>
               <a:rPr lang="es-ES" sz="900" dirty="0" err="1">
@@ -1765,14 +1959,23 @@
                 </a:solidFill>
                 <a:latin typeface="Adobe Clean SemiLight" panose="020B0403020404020204" pitchFamily="34" charset="0"/>
               </a:rPr>
-              <a:t> Cloud. El paquete ONLINE incluye acceso a rutas de aprendizaje personalizadas y foros de la comunidad monitorizados a través de Adobe </a:t>
+              <a:t> Cloud.</a:t>
+            </a:r>
+            <a:r>
+              <a:rPr lang="es-ES" sz="900" dirty="0">
+                <a:solidFill>
+                  <a:schemeClr val="bg1"/>
+                </a:solidFill>
+                <a:latin typeface="Adobe Clean SemiLight"/>
+              </a:rPr>
+              <a:t> El paquete ONLINE incluye acceso a rutas de aprendizaje personalizadas y foros de la comunidad monitorizados a través de Adobe </a:t>
             </a:r>
             <a:r>
               <a:rPr lang="es-ES" sz="900" dirty="0" err="1">
                 <a:solidFill>
                   <a:schemeClr val="bg1"/>
                 </a:solidFill>
-                <a:latin typeface="Adobe Clean SemiLight" panose="020B0403020404020204" pitchFamily="34" charset="0"/>
+                <a:latin typeface="Adobe Clean SemiLight"/>
               </a:rPr>
               <a:t>Experience</a:t>
             </a:r>
@@ -1781,16 +1984,16 @@
                 <a:solidFill>
                   <a:schemeClr val="bg1"/>
                 </a:solidFill>
-                <a:latin typeface="Adobe Clean SemiLight" panose="020B0403020404020204" pitchFamily="34" charset="0"/>
+                <a:latin typeface="Adobe Clean SemiLight"/>
               </a:rPr>
-              <a:t> League. Puede disfrutar de la documentación técnica completa y detallada sobre productos y notas de la versión actual publicadas en </a:t>
+              <a:t> League. Puede encontrar documentación técnica completa y detallada sobre productos y notas de la versión actual en </a:t>
             </a:r>
             <a:r>
               <a:rPr lang="es-ES" sz="900" u="sng" dirty="0">
                 <a:solidFill>
                   <a:schemeClr val="bg1"/>
                 </a:solidFill>
-                <a:latin typeface="Adobe Clean SemiLight" panose="020B0403020404020204" pitchFamily="34" charset="0"/>
+                <a:latin typeface="Adobe Clean SemiLight"/>
                 <a:hlinkClick r:id="rId4">
                   <a:extLst>
                     <a:ext uri="{A12FA001-AC4F-418D-AE19-62706E023703}">
@@ -1806,9 +2009,34 @@
                 <a:solidFill>
                   <a:schemeClr val="bg1"/>
                 </a:solidFill>
-                <a:latin typeface="Adobe Clean SemiLight" panose="020B0403020404020204" pitchFamily="34" charset="0"/>
+                <a:latin typeface="Adobe Clean SemiLight"/>
               </a:rPr>
-              <a:t> Nuestro paquete ONLINE también incluye el acceso a nuestros equipos de soporte técnico para problemas de producto de prioridad 1 por vía telefónica para proteger su negocio en los momentos más importantes. Además, podrá registrar solicitudes de prioridad más baja a través del portal de soporte web.</a:t>
+              <a:t>.</a:t>
+            </a:r>
+            <a:r>
+              <a:rPr lang="es-ES" sz="900" u="sng" dirty="0">
+                <a:solidFill>
+                  <a:schemeClr val="bg1"/>
+                </a:solidFill>
+                <a:latin typeface="Adobe Clean SemiLight"/>
+                <a:hlinkClick r:id="rId4">
+                  <a:extLst>
+                    <a:ext uri="{A12FA001-AC4F-418D-AE19-62706E023703}">
+                      <ahyp:hlinkClr xmlns:ahyp="http://schemas.microsoft.com/office/drawing/2018/hyperlinkcolor" val="tx"/>
+                    </a:ext>
+                  </a:extLst>
+                </a:hlinkClick>
+              </a:rPr>
+              <a:t> </a:t>
+            </a:r>
+            <a:r>
+              <a:rPr lang="es-ES" sz="900" dirty="0">
+                <a:solidFill>
+                  <a:schemeClr val="bg1"/>
+                </a:solidFill>
+                <a:latin typeface="Adobe Clean SemiLight"/>
+              </a:rPr>
+              <a:t>Nuestro paquete ONLINE también incluye el acceso a nuestros equipos de soporte técnico para problemas de producto de prioridad 1 por vía telefónica para proteger su negocio en los momentos más importantes. Además, podrá registrar solicitudes de prioridad más baja a través del portal de soporte web.</a:t>
             </a:r>
           </a:p>
         </p:txBody>
@@ -1851,14 +2079,14 @@
           <p:nvPr>
             <p:extLst>
               <p:ext uri="{D42A27DB-BD31-4B8C-83A1-F6EECF244321}">
-                <p14:modId xmlns:p14="http://schemas.microsoft.com/office/powerpoint/2010/main" val="175049833"/>
+                <p14:modId xmlns:p14="http://schemas.microsoft.com/office/powerpoint/2010/main" val="1915036950"/>
               </p:ext>
             </p:extLst>
           </p:nvPr>
         </p:nvGraphicFramePr>
         <p:xfrm>
-          <a:off x="0" y="1938946"/>
-          <a:ext cx="7705343" cy="5220295"/>
+          <a:off x="0" y="2060798"/>
+          <a:ext cx="7736108" cy="4873395"/>
         </p:xfrm>
         <a:graphic>
           <a:graphicData uri="http://schemas.openxmlformats.org/drawingml/2006/table">
@@ -1874,28 +2102,28 @@
                     </a:ext>
                   </a:extLst>
                 </a:gridCol>
-                <a:gridCol w="2703630">
+                <a:gridCol w="3074421">
                   <a:extLst>
                     <a:ext uri="{9D8B030D-6E8A-4147-A177-3AD203B41FA5}">
                       <a16:colId xmlns:a16="http://schemas.microsoft.com/office/drawing/2014/main" val="20001"/>
                     </a:ext>
                   </a:extLst>
                 </a:gridCol>
-                <a:gridCol w="1033741">
+                <a:gridCol w="762000">
                   <a:extLst>
                     <a:ext uri="{9D8B030D-6E8A-4147-A177-3AD203B41FA5}">
                       <a16:colId xmlns:a16="http://schemas.microsoft.com/office/drawing/2014/main" val="20002"/>
                     </a:ext>
                   </a:extLst>
                 </a:gridCol>
-                <a:gridCol w="954222">
+                <a:gridCol w="855172">
                   <a:extLst>
                     <a:ext uri="{9D8B030D-6E8A-4147-A177-3AD203B41FA5}">
                       <a16:colId xmlns:a16="http://schemas.microsoft.com/office/drawing/2014/main" val="20003"/>
                     </a:ext>
                   </a:extLst>
                 </a:gridCol>
-                <a:gridCol w="177515">
+                <a:gridCol w="208280">
                   <a:extLst>
                     <a:ext uri="{9D8B030D-6E8A-4147-A177-3AD203B41FA5}">
                       <a16:colId xmlns:a16="http://schemas.microsoft.com/office/drawing/2014/main" val="4086914696"/>
@@ -1917,7 +2145,7 @@
                   </a:extLst>
                 </a:gridCol>
               </a:tblGrid>
-              <a:tr h="353430">
+              <a:tr h="371981">
                 <a:tc gridSpan="2">
                   <a:txBody>
                     <a:bodyPr/>
@@ -2044,7 +2272,7 @@
                         </a:spcBef>
                       </a:pPr>
                       <a:r>
-                        <a:rPr lang="es-ES" sz="900">
+                        <a:rPr lang="es-ES" sz="900" dirty="0">
                           <a:solidFill>
                             <a:srgbClr val="FFFFFF"/>
                           </a:solidFill>
@@ -2093,7 +2321,7 @@
                         </a:spcBef>
                       </a:pPr>
                       <a:r>
-                        <a:rPr lang="es-ES" sz="900">
+                        <a:rPr lang="es-ES" sz="900" dirty="0">
                           <a:solidFill>
                             <a:srgbClr val="FFFFFF"/>
                           </a:solidFill>
@@ -2177,7 +2405,7 @@
                   </a:ext>
                 </a:extLst>
               </a:tr>
-              <a:tr h="353430">
+              <a:tr h="371981">
                 <a:tc gridSpan="2">
                   <a:txBody>
                     <a:bodyPr/>
@@ -2309,7 +2537,17 @@
                       <a:endParaRPr lang="en-US"/>
                     </a:p>
                   </a:txBody>
-                  <a:tcPr/>
+                  <a:tcPr>
+                    <a:lnT w="76200" cap="flat" cmpd="sng" algn="ctr">
+                      <a:solidFill>
+                        <a:srgbClr val="2E8FFF"/>
+                      </a:solidFill>
+                      <a:prstDash val="solid"/>
+                      <a:round/>
+                      <a:headEnd type="none" w="med" len="med"/>
+                      <a:tailEnd type="none" w="med" len="med"/>
+                    </a:lnT>
+                  </a:tcPr>
                 </a:tc>
                 <a:tc hMerge="1">
                   <a:txBody>
@@ -2319,7 +2557,17 @@
                       <a:endParaRPr/>
                     </a:p>
                   </a:txBody>
-                  <a:tcPr marL="0" marR="0" marT="0" marB="0"/>
+                  <a:tcPr marL="0" marR="0" marT="0" marB="0">
+                    <a:lnT w="76200" cap="flat" cmpd="sng" algn="ctr">
+                      <a:solidFill>
+                        <a:srgbClr val="2E8FFF"/>
+                      </a:solidFill>
+                      <a:prstDash val="solid"/>
+                      <a:round/>
+                      <a:headEnd type="none" w="med" len="med"/>
+                      <a:tailEnd type="none" w="med" len="med"/>
+                    </a:lnT>
+                  </a:tcPr>
                 </a:tc>
                 <a:tc hMerge="1">
                   <a:txBody>
@@ -2337,7 +2585,7 @@
                   </a:ext>
                 </a:extLst>
               </a:tr>
-              <a:tr h="249845">
+              <a:tr h="237689">
                 <a:tc rowSpan="3">
                   <a:txBody>
                     <a:bodyPr/>
@@ -2528,17 +2776,7 @@
                       </a:endParaRPr>
                     </a:p>
                   </a:txBody>
-                  <a:tcPr marL="0" marR="0" marT="59690" marB="0">
-                    <a:lnT w="12700" cap="flat" cmpd="sng" algn="ctr">
-                      <a:solidFill>
-                        <a:srgbClr val="F0F0F0"/>
-                      </a:solidFill>
-                      <a:prstDash val="solid"/>
-                      <a:round/>
-                      <a:headEnd type="none" w="med" len="med"/>
-                      <a:tailEnd type="none" w="med" len="med"/>
-                    </a:lnT>
-                  </a:tcPr>
+                  <a:tcPr marL="0" marR="0" marT="59690" marB="0"/>
                 </a:tc>
                 <a:tc>
                   <a:txBody>
@@ -2556,14 +2794,7 @@
                       </a:endParaRPr>
                     </a:p>
                   </a:txBody>
-                  <a:tcPr marL="0" marR="0" marT="0" marB="0">
-                    <a:lnT w="12700">
-                      <a:solidFill>
-                        <a:srgbClr val="F0F0F0"/>
-                      </a:solidFill>
-                      <a:prstDash val="solid"/>
-                    </a:lnT>
-                  </a:tcPr>
+                  <a:tcPr marL="0" marR="0" marT="0" marB="0"/>
                 </a:tc>
                 <a:tc>
                   <a:txBody>
@@ -2602,7 +2833,7 @@
                   </a:ext>
                 </a:extLst>
               </a:tr>
-              <a:tr h="249845">
+              <a:tr h="237689">
                 <a:tc vMerge="1">
                   <a:txBody>
                     <a:bodyPr/>
@@ -2813,7 +3044,7 @@
                   </a:ext>
                 </a:extLst>
               </a:tr>
-              <a:tr h="249845">
+              <a:tr h="237689">
                 <a:tc vMerge="1">
                   <a:txBody>
                     <a:bodyPr/>
@@ -3015,11 +3246,14 @@
                     </a:p>
                   </a:txBody>
                   <a:tcPr marL="0" marR="0" marT="0" marB="0">
-                    <a:lnB w="12700">
+                    <a:lnB w="12700" cap="flat" cmpd="sng" algn="ctr">
                       <a:solidFill>
                         <a:srgbClr val="F0F0F0"/>
                       </a:solidFill>
                       <a:prstDash val="solid"/>
+                      <a:round/>
+                      <a:headEnd type="none" w="med" len="med"/>
+                      <a:tailEnd type="none" w="med" len="med"/>
                     </a:lnB>
                   </a:tcPr>
                 </a:tc>
@@ -3069,7 +3303,7 @@
                   </a:ext>
                 </a:extLst>
               </a:tr>
-              <a:tr h="249845">
+              <a:tr h="237689">
                 <a:tc rowSpan="12">
                   <a:txBody>
                     <a:bodyPr/>
@@ -3316,11 +3550,14 @@
                     </a:p>
                   </a:txBody>
                   <a:tcPr marL="0" marR="0" marT="67945" marB="0">
-                    <a:lnT w="12700">
+                    <a:lnT w="12700" cap="flat" cmpd="sng" algn="ctr">
                       <a:solidFill>
                         <a:srgbClr val="F0F0F0"/>
                       </a:solidFill>
                       <a:prstDash val="solid"/>
+                      <a:round/>
+                      <a:headEnd type="none" w="med" len="med"/>
+                      <a:tailEnd type="none" w="med" len="med"/>
                     </a:lnT>
                   </a:tcPr>
                 </a:tc>
@@ -3370,7 +3607,7 @@
                   </a:ext>
                 </a:extLst>
               </a:tr>
-              <a:tr h="249845">
+              <a:tr h="237689">
                 <a:tc vMerge="1">
                   <a:txBody>
                     <a:bodyPr/>
@@ -3605,7 +3842,7 @@
                   </a:ext>
                 </a:extLst>
               </a:tr>
-              <a:tr h="249845">
+              <a:tr h="237689">
                 <a:tc vMerge="1">
                   <a:txBody>
                     <a:bodyPr/>
@@ -3840,7 +4077,7 @@
                   </a:ext>
                 </a:extLst>
               </a:tr>
-              <a:tr h="249845">
+              <a:tr h="237689">
                 <a:tc vMerge="1">
                   <a:txBody>
                     <a:bodyPr/>
@@ -4066,7 +4303,7 @@
                   </a:ext>
                 </a:extLst>
               </a:tr>
-              <a:tr h="249845">
+              <a:tr h="237689">
                 <a:tc vMerge="1">
                   <a:txBody>
                     <a:bodyPr/>
@@ -4292,7 +4529,7 @@
                   </a:ext>
                 </a:extLst>
               </a:tr>
-              <a:tr h="249845">
+              <a:tr h="237689">
                 <a:tc vMerge="1">
                   <a:txBody>
                     <a:bodyPr/>
@@ -4506,7 +4743,7 @@
                   </a:ext>
                 </a:extLst>
               </a:tr>
-              <a:tr h="249845">
+              <a:tr h="237689">
                 <a:tc vMerge="1">
                   <a:txBody>
                     <a:bodyPr/>
@@ -4682,7 +4919,7 @@
                   </a:ext>
                 </a:extLst>
               </a:tr>
-              <a:tr h="249845">
+              <a:tr h="237689">
                 <a:tc vMerge="1">
                   <a:txBody>
                     <a:bodyPr/>
@@ -4882,7 +5119,7 @@
                   </a:ext>
                 </a:extLst>
               </a:tr>
-              <a:tr h="249845">
+              <a:tr h="237689">
                 <a:tc vMerge="1">
                   <a:txBody>
                     <a:bodyPr/>
@@ -5087,7 +5324,7 @@
                   </a:ext>
                 </a:extLst>
               </a:tr>
-              <a:tr h="249845">
+              <a:tr h="237689">
                 <a:tc vMerge="1">
                   <a:txBody>
                     <a:bodyPr/>
@@ -5158,7 +5395,7 @@
                           <a:latin typeface="AdobeClean-Light"/>
                           <a:cs typeface="AdobeClean-Light"/>
                         </a:rPr>
-                        <a:t>Revisión, mantenimiento y monitorización del entorno,</a:t>
+                        <a:t>Revisión, mantenimiento y monitorización del entorno</a:t>
                       </a:r>
                     </a:p>
                   </a:txBody>
@@ -5310,7 +5547,7 @@
                   </a:ext>
                 </a:extLst>
               </a:tr>
-              <a:tr h="326432">
+              <a:tr h="343566">
                 <a:tc vMerge="1">
                   <a:txBody>
                     <a:bodyPr/>
@@ -5372,7 +5609,26 @@
                           <a:latin typeface="AdobeClean-Light"/>
                           <a:cs typeface="AdobeClean-Light"/>
                         </a:rPr>
-                        <a:t>Lanzamiento, migración, actualización y revisión de la hoja de ruta del producto</a:t>
+                        <a:t>Lanzamiento, migración, actualización </a:t>
+                      </a:r>
+                      <a:br>
+                        <a:rPr lang="es-ES" sz="900" dirty="0">
+                          <a:solidFill>
+                            <a:srgbClr val="020302"/>
+                          </a:solidFill>
+                          <a:latin typeface="AdobeClean-Light"/>
+                          <a:cs typeface="AdobeClean-Light"/>
+                        </a:rPr>
+                      </a:br>
+                      <a:r>
+                        <a:rPr lang="es-ES" sz="900" dirty="0">
+                          <a:solidFill>
+                            <a:srgbClr val="020302"/>
+                          </a:solidFill>
+                          <a:latin typeface="AdobeClean-Light"/>
+                          <a:cs typeface="AdobeClean-Light"/>
+                        </a:rPr>
+                        <a:t>y revisión de la hoja de ruta del producto</a:t>
                       </a:r>
                     </a:p>
                   </a:txBody>
@@ -5515,7 +5771,7 @@
                   </a:ext>
                 </a:extLst>
               </a:tr>
-              <a:tr h="330113">
+              <a:tr h="264515">
                 <a:tc vMerge="1">
                   <a:txBody>
                     <a:bodyPr/>
@@ -5723,11 +5979,14 @@
                     </a:p>
                   </a:txBody>
                   <a:tcPr marL="0" marR="0" marT="62230" marB="0">
-                    <a:lnB w="12700">
+                    <a:lnB w="12700" cap="flat" cmpd="sng" algn="ctr">
                       <a:solidFill>
                         <a:srgbClr val="F0F0F0"/>
                       </a:solidFill>
                       <a:prstDash val="solid"/>
+                      <a:round/>
+                      <a:headEnd type="none" w="med" len="med"/>
+                      <a:tailEnd type="none" w="med" len="med"/>
                     </a:lnB>
                   </a:tcPr>
                 </a:tc>
@@ -5777,7 +6036,7 @@
                   </a:ext>
                 </a:extLst>
               </a:tr>
-              <a:tr h="249845">
+              <a:tr h="237689">
                 <a:tc rowSpan="2">
                   <a:txBody>
                     <a:bodyPr/>
@@ -5853,54 +6112,14 @@
                         </a:spcBef>
                       </a:pPr>
                       <a:r>
-                        <a:rPr lang="es-ES" sz="900" dirty="0">
+                        <a:rPr lang="es-ES" sz="900">
                           <a:solidFill>
                             <a:srgbClr val="020302"/>
                           </a:solidFill>
                           <a:latin typeface="AdobeClean-Light"/>
                           <a:cs typeface="AdobeClean-Light"/>
                         </a:rPr>
-                        <a:t>Servicios de </a:t>
-                      </a:r>
-                      <a:r>
-                        <a:rPr lang="es-ES" sz="900" dirty="0" err="1">
-                          <a:solidFill>
-                            <a:srgbClr val="020302"/>
-                          </a:solidFill>
-                          <a:latin typeface="AdobeClean-Light"/>
-                          <a:cs typeface="AdobeClean-Light"/>
-                        </a:rPr>
-                        <a:t>Launch</a:t>
-                      </a:r>
-                      <a:r>
-                        <a:rPr lang="es-ES" sz="900" dirty="0">
-                          <a:solidFill>
-                            <a:srgbClr val="020302"/>
-                          </a:solidFill>
-                          <a:latin typeface="AdobeClean-Light"/>
-                          <a:cs typeface="AdobeClean-Light"/>
-                        </a:rPr>
-                        <a:t> </a:t>
-                      </a:r>
-                      <a:r>
-                        <a:rPr lang="es-ES" sz="900" dirty="0" err="1">
-                          <a:solidFill>
-                            <a:srgbClr val="020302"/>
-                          </a:solidFill>
-                          <a:latin typeface="AdobeClean-Light"/>
-                          <a:cs typeface="AdobeClean-Light"/>
-                        </a:rPr>
-                        <a:t>Advisory</a:t>
-                      </a:r>
-                      <a:r>
-                        <a:rPr lang="es-ES" sz="900" dirty="0">
-                          <a:solidFill>
-                            <a:srgbClr val="020302"/>
-                          </a:solidFill>
-                          <a:latin typeface="AdobeClean-Light"/>
-                          <a:cs typeface="AdobeClean-Light"/>
-                        </a:rPr>
-                        <a:t>: primer año de la nueva solución</a:t>
+                        <a:t>Servicios de Launch Advisory: primer año de la nueva solución</a:t>
                       </a:r>
                     </a:p>
                     <a:p>
@@ -5913,7 +6132,7 @@
                         </a:spcBef>
                       </a:pPr>
                       <a:r>
-                        <a:rPr lang="es-ES" sz="900" dirty="0">
+                        <a:rPr lang="es-ES" sz="900">
                           <a:latin typeface="AdobeClean-Light"/>
                           <a:cs typeface="AdobeClean-Light"/>
                         </a:rPr>
@@ -6063,11 +6282,14 @@
                     </a:p>
                   </a:txBody>
                   <a:tcPr marL="0" marR="0" marT="56515" marB="0">
-                    <a:lnT w="12700">
+                    <a:lnT w="12700" cap="flat" cmpd="sng" algn="ctr">
                       <a:solidFill>
                         <a:srgbClr val="F0F0F0"/>
                       </a:solidFill>
                       <a:prstDash val="solid"/>
+                      <a:round/>
+                      <a:headEnd type="none" w="med" len="med"/>
+                      <a:tailEnd type="none" w="med" len="med"/>
                     </a:lnT>
                   </a:tcPr>
                 </a:tc>
@@ -6117,7 +6339,7 @@
                   </a:ext>
                 </a:extLst>
               </a:tr>
-              <a:tr h="292571">
+              <a:tr h="193706">
                 <a:tc vMerge="1">
                   <a:txBody>
                     <a:bodyPr/>
@@ -6382,14 +6604,14 @@
           <p:nvPr>
             <p:extLst>
               <p:ext uri="{D42A27DB-BD31-4B8C-83A1-F6EECF244321}">
-                <p14:modId xmlns:p14="http://schemas.microsoft.com/office/powerpoint/2010/main" val="1242633093"/>
+                <p14:modId xmlns:p14="http://schemas.microsoft.com/office/powerpoint/2010/main" val="2990007209"/>
               </p:ext>
             </p:extLst>
           </p:nvPr>
         </p:nvGraphicFramePr>
         <p:xfrm>
-          <a:off x="33527" y="7483227"/>
-          <a:ext cx="7705343" cy="2243657"/>
+          <a:off x="33527" y="7314233"/>
+          <a:ext cx="7705343" cy="2398045"/>
         </p:xfrm>
         <a:graphic>
           <a:graphicData uri="http://schemas.openxmlformats.org/drawingml/2006/table">
@@ -6534,11 +6756,14 @@
                       </a:solidFill>
                       <a:prstDash val="solid"/>
                     </a:lnT>
-                    <a:lnB w="76200">
+                    <a:lnB w="76200" cap="flat" cmpd="sng" algn="ctr">
                       <a:solidFill>
                         <a:srgbClr val="858585"/>
                       </a:solidFill>
                       <a:prstDash val="solid"/>
+                      <a:round/>
+                      <a:headEnd type="none" w="med" len="med"/>
+                      <a:tailEnd type="none" w="med" len="med"/>
                     </a:lnB>
                     <a:solidFill>
                       <a:srgbClr val="D9D9D9"/>
@@ -6589,11 +6814,14 @@
                       </a:solidFill>
                       <a:prstDash val="solid"/>
                     </a:lnT>
-                    <a:lnB w="76200">
+                    <a:lnB w="76200" cap="flat" cmpd="sng" algn="ctr">
                       <a:solidFill>
                         <a:srgbClr val="ACD2FF"/>
                       </a:solidFill>
                       <a:prstDash val="solid"/>
+                      <a:round/>
+                      <a:headEnd type="none" w="med" len="med"/>
+                      <a:tailEnd type="none" w="med" len="med"/>
                     </a:lnB>
                     <a:solidFill>
                       <a:srgbClr val="7D7D7D"/>
@@ -6644,11 +6872,14 @@
                       </a:solidFill>
                       <a:prstDash val="solid"/>
                     </a:lnT>
-                    <a:lnB w="76200">
+                    <a:lnB w="76200" cap="flat" cmpd="sng" algn="ctr">
                       <a:solidFill>
                         <a:srgbClr val="2E8FFF"/>
                       </a:solidFill>
                       <a:prstDash val="solid"/>
+                      <a:round/>
+                      <a:headEnd type="none" w="med" len="med"/>
+                      <a:tailEnd type="none" w="med" len="med"/>
                     </a:lnB>
                     <a:solidFill>
                       <a:srgbClr val="404040"/>
@@ -6699,11 +6930,14 @@
                       </a:solidFill>
                       <a:prstDash val="solid"/>
                     </a:lnT>
-                    <a:lnB w="76200">
+                    <a:lnB w="76200" cap="flat" cmpd="sng" algn="ctr">
                       <a:solidFill>
                         <a:srgbClr val="0068E1"/>
                       </a:solidFill>
                       <a:prstDash val="solid"/>
+                      <a:round/>
+                      <a:headEnd type="none" w="med" len="med"/>
+                      <a:tailEnd type="none" w="med" len="med"/>
                     </a:lnB>
                     <a:solidFill>
                       <a:srgbClr val="000000"/>
@@ -6716,7 +6950,7 @@
                   </a:ext>
                 </a:extLst>
               </a:tr>
-              <a:tr h="484755">
+              <a:tr h="641049">
                 <a:tc>
                   <a:txBody>
                     <a:bodyPr/>
@@ -6731,7 +6965,7 @@
                         </a:spcBef>
                       </a:pPr>
                       <a:r>
-                        <a:rPr lang="es-ES" sz="900" b="1" dirty="0">
+                        <a:rPr lang="es-ES" sz="850" b="1" dirty="0">
                           <a:solidFill>
                             <a:srgbClr val="020302"/>
                           </a:solidFill>
@@ -6751,13 +6985,30 @@
                         </a:spcBef>
                       </a:pPr>
                       <a:r>
-                        <a:rPr lang="es-ES" sz="800" b="0" i="0" dirty="0">
+                        <a:rPr lang="es-ES" sz="850" b="0" i="0" dirty="0">
                           <a:solidFill>
                             <a:srgbClr val="000000"/>
                           </a:solidFill>
                           <a:latin typeface="Adobe Clean Light" panose="020B0303020404020204" pitchFamily="34" charset="0"/>
                         </a:rPr>
-                        <a:t>Las funciones empresariales de producción del cliente no están activadas o pierden datos o presentan una degradación del servicio significativa, por lo que se requiere atención inmediata para restaurar la funcionalidad y facilidad de uso. </a:t>
+                        <a:t>Las funciones empresariales de producción del cliente no están activadas </a:t>
+                      </a:r>
+                      <a:br>
+                        <a:rPr lang="es-ES" sz="850" b="0" i="0" dirty="0">
+                          <a:solidFill>
+                            <a:srgbClr val="000000"/>
+                          </a:solidFill>
+                          <a:latin typeface="Adobe Clean Light" panose="020B0303020404020204" pitchFamily="34" charset="0"/>
+                        </a:rPr>
+                      </a:br>
+                      <a:r>
+                        <a:rPr lang="es-ES" sz="850" b="0" i="0" dirty="0">
+                          <a:solidFill>
+                            <a:srgbClr val="000000"/>
+                          </a:solidFill>
+                          <a:latin typeface="Adobe Clean Light" panose="020B0303020404020204" pitchFamily="34" charset="0"/>
+                        </a:rPr>
+                        <a:t>o pierden datos o presentan una degradación del servicio significativa, por lo que se requiere atención inmediata para restaurar la funcionalidad y facilidad de uso. </a:t>
                       </a:r>
                     </a:p>
                   </a:txBody>
@@ -6768,11 +7019,14 @@
                       </a:solidFill>
                       <a:prstDash val="solid"/>
                     </a:lnL>
-                    <a:lnR w="3175">
+                    <a:lnR w="3175" cap="flat" cmpd="sng" algn="ctr">
                       <a:solidFill>
                         <a:srgbClr val="B7B8B8"/>
                       </a:solidFill>
                       <a:prstDash val="solid"/>
+                      <a:round/>
+                      <a:headEnd type="none" w="med" len="med"/>
+                      <a:tailEnd type="none" w="med" len="med"/>
                     </a:lnR>
                     <a:lnT w="3175">
                       <a:solidFill>
@@ -6793,27 +7047,19 @@
                     <a:bodyPr/>
                     <a:lstStyle/>
                     <a:p>
-                      <a:pPr marL="0" marR="325120" indent="-3810" algn="ctr">
-                        <a:lnSpc>
-                          <a:spcPct val="100000"/>
-                        </a:lnSpc>
-                        <a:spcBef>
-                          <a:spcPts val="670"/>
-                        </a:spcBef>
-                      </a:pPr>
+                      <a:pPr algn="ctr" fontAlgn="t"/>
                       <a:r>
-                        <a:rPr lang="es-ES" sz="900" dirty="0">
+                        <a:rPr lang="es-ES" sz="850" b="0" i="0" u="none" strike="noStrike" dirty="0">
                           <a:solidFill>
                             <a:srgbClr val="020302"/>
                           </a:solidFill>
-                          <a:latin typeface="AdobeClean-Light"/>
-                          <a:cs typeface="AdobeClean-Light"/>
-                        </a:rPr>
-                        <a:t>24x7 /                1 hora</a:t>
+                          <a:latin typeface="AdobeClean-Light" panose="020B0503020404020204" pitchFamily="34" charset="0"/>
+                        </a:rPr>
+                        <a:t>24x7 / 1 hora</a:t>
                       </a:r>
                     </a:p>
                   </a:txBody>
-                  <a:tcPr marL="0" marR="0" marT="0" marB="0" anchor="ctr">
+                  <a:tcPr marL="9525" marR="9525" marT="9525" marB="0" anchor="ctr">
                     <a:lnL w="3175">
                       <a:solidFill>
                         <a:srgbClr val="B7B8B8"/>
@@ -6845,27 +7091,19 @@
                     <a:bodyPr/>
                     <a:lstStyle/>
                     <a:p>
-                      <a:pPr marL="0" marR="325755" indent="-3810" algn="ctr">
-                        <a:lnSpc>
-                          <a:spcPct val="100000"/>
-                        </a:lnSpc>
-                        <a:spcBef>
-                          <a:spcPts val="670"/>
-                        </a:spcBef>
-                      </a:pPr>
+                      <a:pPr algn="ctr" fontAlgn="t"/>
                       <a:r>
-                        <a:rPr lang="es-ES" sz="900">
+                        <a:rPr lang="es-ES" sz="850" b="0" i="0" u="none" strike="noStrike">
                           <a:solidFill>
                             <a:srgbClr val="020302"/>
                           </a:solidFill>
-                          <a:latin typeface="AdobeClean-Light"/>
-                          <a:cs typeface="AdobeClean-Light"/>
-                        </a:rPr>
-                        <a:t>24x7 /              1 hora</a:t>
+                          <a:latin typeface="AdobeClean-Light" panose="020B0503020404020204" pitchFamily="34" charset="0"/>
+                        </a:rPr>
+                        <a:t>24x7 / 1 hora</a:t>
                       </a:r>
                     </a:p>
                   </a:txBody>
-                  <a:tcPr marL="0" marR="0" marT="0" marB="0" anchor="ctr">
+                  <a:tcPr marL="9525" marR="9525" marT="9525" marB="0" anchor="ctr">
                     <a:lnL w="3175">
                       <a:solidFill>
                         <a:srgbClr val="B7B8B8"/>
@@ -6897,27 +7135,19 @@
                     <a:bodyPr/>
                     <a:lstStyle/>
                     <a:p>
-                      <a:pPr marL="0" marR="258445" indent="115570" algn="ctr">
-                        <a:lnSpc>
-                          <a:spcPct val="100000"/>
-                        </a:lnSpc>
-                        <a:spcBef>
-                          <a:spcPts val="670"/>
-                        </a:spcBef>
-                      </a:pPr>
+                      <a:pPr algn="ctr" fontAlgn="t"/>
                       <a:r>
-                        <a:rPr lang="es-ES" sz="900">
+                        <a:rPr lang="es-ES" sz="850" b="0" i="0" u="none" strike="noStrike">
                           <a:solidFill>
                             <a:srgbClr val="020302"/>
                           </a:solidFill>
-                          <a:latin typeface="AdobeClean-Light"/>
-                          <a:cs typeface="AdobeClean-Light"/>
-                        </a:rPr>
-                        <a:t>24x7 /           30 minutos</a:t>
+                          <a:latin typeface="AdobeClean-Light" panose="020B0503020404020204" pitchFamily="34" charset="0"/>
+                        </a:rPr>
+                        <a:t>24x7 / 30 minutos</a:t>
                       </a:r>
                     </a:p>
                   </a:txBody>
-                  <a:tcPr marL="0" marR="0" marT="0" marB="0" anchor="ctr">
+                  <a:tcPr marL="9525" marR="9525" marT="9525" marB="0" anchor="ctr">
                     <a:lnL w="3175">
                       <a:solidFill>
                         <a:srgbClr val="B7B8B8"/>
@@ -6949,27 +7179,19 @@
                     <a:bodyPr/>
                     <a:lstStyle/>
                     <a:p>
-                      <a:pPr marL="0" marR="271780" indent="103505" algn="ctr">
-                        <a:lnSpc>
-                          <a:spcPct val="100000"/>
-                        </a:lnSpc>
-                        <a:spcBef>
-                          <a:spcPts val="670"/>
-                        </a:spcBef>
-                      </a:pPr>
+                      <a:pPr algn="ctr" fontAlgn="t"/>
                       <a:r>
-                        <a:rPr lang="es-ES" sz="900">
+                        <a:rPr lang="es-ES" sz="850" b="0" i="0" u="none" strike="noStrike">
                           <a:solidFill>
                             <a:srgbClr val="020302"/>
                           </a:solidFill>
-                          <a:latin typeface="AdobeClean-Light"/>
-                          <a:cs typeface="AdobeClean-Light"/>
-                        </a:rPr>
-                        <a:t>24x7 /         15 minutos</a:t>
+                          <a:latin typeface="AdobeClean-Light" panose="020B0503020404020204" pitchFamily="34" charset="0"/>
+                        </a:rPr>
+                        <a:t>24x7 / 15 minutos</a:t>
                       </a:r>
                     </a:p>
                   </a:txBody>
-                  <a:tcPr marL="0" marR="0" marT="0" marB="0" anchor="ctr">
+                  <a:tcPr marL="9525" marR="9525" marT="9525" marB="0" anchor="ctr">
                     <a:lnL w="3175">
                       <a:solidFill>
                         <a:srgbClr val="B7B8B8"/>
@@ -7017,7 +7239,7 @@
                         </a:spcBef>
                       </a:pPr>
                       <a:r>
-                        <a:rPr lang="es-ES" sz="900" b="1" dirty="0">
+                        <a:rPr lang="es-ES" sz="850" b="1" dirty="0">
                           <a:solidFill>
                             <a:srgbClr val="020302"/>
                           </a:solidFill>
@@ -7046,13 +7268,47 @@
                         <a:defRPr/>
                       </a:pPr>
                       <a:r>
-                        <a:rPr lang="es-ES" sz="800" b="0" i="0" dirty="0">
+                        <a:rPr lang="es-ES" sz="850" b="0" i="0" dirty="0">
                           <a:solidFill>
                             <a:srgbClr val="000000"/>
                           </a:solidFill>
                           <a:latin typeface="Adobe Clean Light" panose="020B0303020404020204" pitchFamily="34" charset="0"/>
                         </a:rPr>
-                        <a:t>Las funciones empresariales del cliente presentan una importante degradación del servicio o hay una posible pérdida de datos, o una función clave se está viendo afectada. </a:t>
+                        <a:t>Las funciones empresariales del cliente presentan una importante degradación </a:t>
+                      </a:r>
+                      <a:br>
+                        <a:rPr lang="es-ES" sz="850" b="0" i="0" dirty="0">
+                          <a:solidFill>
+                            <a:srgbClr val="000000"/>
+                          </a:solidFill>
+                          <a:latin typeface="Adobe Clean Light" panose="020B0303020404020204" pitchFamily="34" charset="0"/>
+                        </a:rPr>
+                      </a:br>
+                      <a:r>
+                        <a:rPr lang="es-ES" sz="850" b="0" i="0" dirty="0">
+                          <a:solidFill>
+                            <a:srgbClr val="000000"/>
+                          </a:solidFill>
+                          <a:latin typeface="Adobe Clean Light" panose="020B0303020404020204" pitchFamily="34" charset="0"/>
+                        </a:rPr>
+                        <a:t>del servicio o hay una posible pérdida de datos, o una función clave se está </a:t>
+                      </a:r>
+                      <a:br>
+                        <a:rPr lang="es-ES" sz="850" b="0" i="0" dirty="0">
+                          <a:solidFill>
+                            <a:srgbClr val="000000"/>
+                          </a:solidFill>
+                          <a:latin typeface="Adobe Clean Light" panose="020B0303020404020204" pitchFamily="34" charset="0"/>
+                        </a:rPr>
+                      </a:br>
+                      <a:r>
+                        <a:rPr lang="es-ES" sz="850" b="0" i="0" dirty="0">
+                          <a:solidFill>
+                            <a:srgbClr val="000000"/>
+                          </a:solidFill>
+                          <a:latin typeface="Adobe Clean Light" panose="020B0303020404020204" pitchFamily="34" charset="0"/>
+                        </a:rPr>
+                        <a:t>viendo afectada. </a:t>
                       </a:r>
                     </a:p>
                   </a:txBody>
@@ -7063,11 +7319,14 @@
                       </a:solidFill>
                       <a:prstDash val="solid"/>
                     </a:lnL>
-                    <a:lnR w="3175">
+                    <a:lnR w="3175" cap="flat" cmpd="sng" algn="ctr">
                       <a:solidFill>
                         <a:srgbClr val="B7B8B8"/>
                       </a:solidFill>
                       <a:prstDash val="solid"/>
+                      <a:round/>
+                      <a:headEnd type="none" w="med" len="med"/>
+                      <a:tailEnd type="none" w="med" len="med"/>
                     </a:lnR>
                     <a:lnT w="3175">
                       <a:solidFill>
@@ -7088,117 +7347,36 @@
                     <a:bodyPr/>
                     <a:lstStyle/>
                     <a:p>
-                      <a:pPr marL="0" marR="184785" indent="-193675" algn="ctr">
-                        <a:lnSpc>
-                          <a:spcPct val="100000"/>
-                        </a:lnSpc>
-                        <a:spcBef>
-                          <a:spcPts val="670"/>
-                        </a:spcBef>
-                      </a:pPr>
+                      <a:pPr algn="ctr" fontAlgn="t"/>
                       <a:r>
-                        <a:rPr lang="es-ES" sz="900" dirty="0">
+                        <a:rPr lang="es-ES" sz="850" b="0" i="0" u="none" strike="noStrike" dirty="0">
                           <a:solidFill>
                             <a:srgbClr val="020302"/>
                           </a:solidFill>
-                          <a:latin typeface="AdobeClean-Light"/>
-                          <a:cs typeface="AdobeClean-Light"/>
-                        </a:rPr>
-                        <a:t>Horario de trabajo /  </a:t>
-                      </a:r>
-                      <a:br>
-                        <a:rPr lang="sk-SK" sz="900" dirty="0">
-                          <a:solidFill>
-                            <a:srgbClr val="020302"/>
-                          </a:solidFill>
-                          <a:latin typeface="AdobeClean-Light"/>
-                          <a:cs typeface="AdobeClean-Light"/>
-                        </a:rPr>
-                      </a:br>
-                      <a:r>
-                        <a:rPr lang="es-ES" sz="900" dirty="0">
-                          <a:solidFill>
-                            <a:srgbClr val="020302"/>
-                          </a:solidFill>
-                          <a:latin typeface="AdobeClean-Light"/>
-                          <a:cs typeface="AdobeClean-Light"/>
-                        </a:rPr>
-                        <a:t>4 horas</a:t>
-                      </a:r>
-                    </a:p>
-                  </a:txBody>
-                  <a:tcPr marL="0" marR="0" marT="0" marB="0" anchor="ctr">
-                    <a:lnL w="3175">
-                      <a:solidFill>
-                        <a:srgbClr val="B7B8B8"/>
-                      </a:solidFill>
-                      <a:prstDash val="solid"/>
-                    </a:lnL>
-                    <a:lnR w="3175">
-                      <a:solidFill>
-                        <a:srgbClr val="B7B8B8"/>
-                      </a:solidFill>
-                      <a:prstDash val="solid"/>
-                    </a:lnR>
-                    <a:lnT w="3175">
-                      <a:solidFill>
-                        <a:srgbClr val="B7B8B8"/>
-                      </a:solidFill>
-                      <a:prstDash val="solid"/>
-                    </a:lnT>
-                    <a:lnB w="3175">
-                      <a:solidFill>
-                        <a:srgbClr val="B7B8B8"/>
-                      </a:solidFill>
-                      <a:prstDash val="solid"/>
-                    </a:lnB>
-                  </a:tcPr>
-                </a:tc>
-                <a:tc>
-                  <a:txBody>
-                    <a:bodyPr/>
-                    <a:lstStyle/>
-                    <a:p>
-                      <a:pPr marL="0" marR="184785" indent="-194310" algn="ctr">
-                        <a:lnSpc>
-                          <a:spcPct val="100000"/>
-                        </a:lnSpc>
-                        <a:spcBef>
-                          <a:spcPts val="670"/>
-                        </a:spcBef>
-                      </a:pPr>
-                      <a:r>
-                        <a:rPr lang="es-ES" sz="900" dirty="0">
-                          <a:solidFill>
-                            <a:srgbClr val="020302"/>
-                          </a:solidFill>
-                          <a:latin typeface="AdobeClean-Light"/>
-                          <a:cs typeface="AdobeClean-Light"/>
+                          <a:latin typeface="AdobeClean-Light" panose="020B0503020404020204" pitchFamily="34" charset="0"/>
                         </a:rPr>
                         <a:t>Horario de trabajo / </a:t>
                       </a:r>
                       <a:br>
-                        <a:rPr lang="sk-SK" sz="900" dirty="0">
+                        <a:rPr lang="es-ES" sz="850" b="0" i="0" u="none" strike="noStrike" dirty="0">
                           <a:solidFill>
                             <a:srgbClr val="020302"/>
                           </a:solidFill>
-                          <a:latin typeface="AdobeClean-Light"/>
-                          <a:cs typeface="AdobeClean-Light"/>
+                          <a:latin typeface="AdobeClean-Light" panose="020B0503020404020204" pitchFamily="34" charset="0"/>
                         </a:rPr>
                       </a:br>
                       <a:r>
-                        <a:rPr lang="es-ES" sz="900" dirty="0">
+                        <a:rPr lang="es-ES" sz="850" b="0" i="0" u="none" strike="noStrike" dirty="0">
                           <a:solidFill>
                             <a:srgbClr val="020302"/>
                           </a:solidFill>
-                          <a:latin typeface="AdobeClean-Light"/>
-                          <a:cs typeface="AdobeClean-Light"/>
-                        </a:rPr>
-                        <a:t> 2 horas</a:t>
+                          <a:latin typeface="AdobeClean-Light" panose="020B0503020404020204" pitchFamily="34" charset="0"/>
+                        </a:rPr>
+                        <a:t>4 horas</a:t>
                       </a:r>
                     </a:p>
                   </a:txBody>
-                  <a:tcPr marL="0" marR="0" marT="0" marB="0" anchor="ctr">
+                  <a:tcPr marL="9525" marR="9525" marT="9525" marB="0" anchor="ctr">
                     <a:lnL w="3175">
                       <a:solidFill>
                         <a:srgbClr val="B7B8B8"/>
@@ -7230,27 +7408,36 @@
                     <a:bodyPr/>
                     <a:lstStyle/>
                     <a:p>
-                      <a:pPr marL="0" marR="325755" indent="-5715" algn="ctr">
-                        <a:lnSpc>
-                          <a:spcPct val="100000"/>
-                        </a:lnSpc>
-                        <a:spcBef>
-                          <a:spcPts val="670"/>
-                        </a:spcBef>
-                      </a:pPr>
+                      <a:pPr algn="ctr" fontAlgn="t"/>
                       <a:r>
-                        <a:rPr lang="es-ES" sz="900">
+                        <a:rPr lang="es-ES" sz="850" b="0" i="0" u="none" strike="noStrike" dirty="0">
                           <a:solidFill>
                             <a:srgbClr val="020302"/>
                           </a:solidFill>
-                          <a:latin typeface="AdobeClean-Light"/>
-                          <a:cs typeface="AdobeClean-Light"/>
-                        </a:rPr>
-                        <a:t>24x5 /                1 hora</a:t>
+                          <a:latin typeface="AdobeClean-Light" panose="020B0503020404020204" pitchFamily="34" charset="0"/>
+                        </a:rPr>
+                        <a:t>Horario de trabajo / </a:t>
                       </a:r>
-                    </a:p>
-                  </a:txBody>
-                  <a:tcPr marL="0" marR="0" marT="0" marB="0" anchor="ctr">
+                      <a:br>
+                        <a:rPr lang="es-ES" sz="850" b="0" i="0" u="none" strike="noStrike" dirty="0">
+                          <a:solidFill>
+                            <a:srgbClr val="020302"/>
+                          </a:solidFill>
+                          <a:latin typeface="AdobeClean-Light" panose="020B0503020404020204" pitchFamily="34" charset="0"/>
+                        </a:rPr>
+                      </a:br>
+                      <a:r>
+                        <a:rPr lang="es-ES" sz="850" b="0" i="0" u="none" strike="noStrike" dirty="0">
+                          <a:solidFill>
+                            <a:srgbClr val="020302"/>
+                          </a:solidFill>
+                          <a:latin typeface="AdobeClean-Light" panose="020B0503020404020204" pitchFamily="34" charset="0"/>
+                        </a:rPr>
+                        <a:t>2 horas</a:t>
+                      </a:r>
+                    </a:p>
+                  </a:txBody>
+                  <a:tcPr marL="9525" marR="9525" marT="9525" marB="0" anchor="ctr">
                     <a:lnL w="3175">
                       <a:solidFill>
                         <a:srgbClr val="B7B8B8"/>
@@ -7282,27 +7469,63 @@
                     <a:bodyPr/>
                     <a:lstStyle/>
                     <a:p>
-                      <a:pPr marL="0" marR="259079" indent="111760" algn="ctr">
-                        <a:lnSpc>
-                          <a:spcPct val="100000"/>
-                        </a:lnSpc>
-                        <a:spcBef>
-                          <a:spcPts val="670"/>
-                        </a:spcBef>
-                      </a:pPr>
+                      <a:pPr algn="ctr" fontAlgn="t"/>
                       <a:r>
-                        <a:rPr lang="es-ES" sz="900">
+                        <a:rPr lang="es-ES" sz="850" b="0" i="0" u="none" strike="noStrike">
                           <a:solidFill>
                             <a:srgbClr val="020302"/>
                           </a:solidFill>
-                          <a:latin typeface="AdobeClean-Light"/>
-                          <a:cs typeface="AdobeClean-Light"/>
-                        </a:rPr>
-                        <a:t>24x5 /         30 minutos</a:t>
+                          <a:latin typeface="AdobeClean-Light" panose="020B0503020404020204" pitchFamily="34" charset="0"/>
+                        </a:rPr>
+                        <a:t>24x5 / 1 hora</a:t>
                       </a:r>
                     </a:p>
                   </a:txBody>
-                  <a:tcPr marL="0" marR="0" marT="0" marB="0" anchor="ctr">
+                  <a:tcPr marL="9525" marR="9525" marT="9525" marB="0" anchor="ctr">
+                    <a:lnL w="3175">
+                      <a:solidFill>
+                        <a:srgbClr val="B7B8B8"/>
+                      </a:solidFill>
+                      <a:prstDash val="solid"/>
+                    </a:lnL>
+                    <a:lnR w="3175">
+                      <a:solidFill>
+                        <a:srgbClr val="B7B8B8"/>
+                      </a:solidFill>
+                      <a:prstDash val="solid"/>
+                    </a:lnR>
+                    <a:lnT w="3175">
+                      <a:solidFill>
+                        <a:srgbClr val="B7B8B8"/>
+                      </a:solidFill>
+                      <a:prstDash val="solid"/>
+                    </a:lnT>
+                    <a:lnB w="3175">
+                      <a:solidFill>
+                        <a:srgbClr val="B7B8B8"/>
+                      </a:solidFill>
+                      <a:prstDash val="solid"/>
+                    </a:lnB>
+                  </a:tcPr>
+                </a:tc>
+                <a:tc>
+                  <a:txBody>
+                    <a:bodyPr/>
+                    <a:lstStyle/>
+                    <a:p>
+                      <a:pPr algn="ctr" fontAlgn="t"/>
+                      <a:r>
+                        <a:rPr lang="es-ES" sz="850" b="0" i="0" u="none" strike="noStrike">
+                          <a:solidFill>
+                            <a:srgbClr val="020302"/>
+                          </a:solidFill>
+                          <a:latin typeface="AdobeClean-Light" panose="020B0503020404020204" pitchFamily="34" charset="0"/>
+                        </a:rPr>
+                        <a:t>24x5 / 30 minutos</a:t>
+                      </a:r>
+                    </a:p>
+                  </a:txBody>
+                  <a:tcPr marL="9525" marR="9525" marT="9525" marB="0" anchor="ctr">
                     <a:lnL w="3175">
                       <a:solidFill>
                         <a:srgbClr val="B7B8B8"/>
@@ -7350,7 +7573,7 @@
                         </a:spcBef>
                       </a:pPr>
                       <a:r>
-                        <a:rPr lang="es-ES" sz="900" b="1" dirty="0">
+                        <a:rPr lang="es-ES" sz="850" b="1">
                           <a:solidFill>
                             <a:srgbClr val="020302"/>
                           </a:solidFill>
@@ -7379,7 +7602,7 @@
                         <a:defRPr/>
                       </a:pPr>
                       <a:r>
-                        <a:rPr kumimoji="0" lang="es-ES" sz="800" b="0" i="0" u="none" strike="noStrike" cap="none" normalizeH="0" baseline="0" noProof="0" dirty="0">
+                        <a:rPr kumimoji="0" lang="es-ES" sz="850" b="0" i="0" u="none" strike="noStrike" cap="none" normalizeH="0" baseline="0" noProof="0">
                           <a:ln>
                             <a:noFill/>
                           </a:ln>
@@ -7403,11 +7626,14 @@
                       </a:solidFill>
                       <a:prstDash val="solid"/>
                     </a:lnL>
-                    <a:lnR w="3175">
+                    <a:lnR w="3175" cap="flat" cmpd="sng" algn="ctr">
                       <a:solidFill>
                         <a:srgbClr val="B7B8B8"/>
                       </a:solidFill>
                       <a:prstDash val="solid"/>
+                      <a:round/>
+                      <a:headEnd type="none" w="med" len="med"/>
+                      <a:tailEnd type="none" w="med" len="med"/>
                     </a:lnR>
                     <a:lnT w="3175">
                       <a:solidFill>
@@ -7428,46 +7654,36 @@
                     <a:bodyPr/>
                     <a:lstStyle/>
                     <a:p>
-                      <a:pPr marL="0" marR="184150" indent="-189865" algn="ctr">
-                        <a:lnSpc>
-                          <a:spcPct val="100000"/>
-                        </a:lnSpc>
-                        <a:spcBef>
-                          <a:spcPts val="645"/>
-                        </a:spcBef>
-                      </a:pPr>
+                      <a:pPr algn="ctr" fontAlgn="t"/>
                       <a:r>
-                        <a:rPr lang="es-ES" sz="900" dirty="0">
+                        <a:rPr lang="es-ES" sz="850" b="0" i="0" u="none" strike="noStrike" dirty="0">
                           <a:solidFill>
                             <a:srgbClr val="020302"/>
                           </a:solidFill>
-                          <a:latin typeface="AdobeClean-Light"/>
-                          <a:cs typeface="AdobeClean-Light"/>
+                          <a:latin typeface="AdobeClean-Light" panose="020B0503020404020204" pitchFamily="34" charset="0"/>
                         </a:rPr>
                         <a:t>Horario de trabajo / </a:t>
                       </a:r>
                       <a:br>
-                        <a:rPr lang="sk-SK" sz="900" dirty="0">
+                        <a:rPr lang="es-ES" sz="850" b="0" i="0" u="none" strike="noStrike" dirty="0">
                           <a:solidFill>
                             <a:srgbClr val="020302"/>
                           </a:solidFill>
-                          <a:latin typeface="AdobeClean-Light"/>
-                          <a:cs typeface="AdobeClean-Light"/>
+                          <a:latin typeface="AdobeClean-Light" panose="020B0503020404020204" pitchFamily="34" charset="0"/>
                         </a:rPr>
                       </a:br>
                       <a:r>
-                        <a:rPr lang="es-ES" sz="900" dirty="0">
+                        <a:rPr lang="es-ES" sz="850" b="0" i="0" u="none" strike="noStrike" dirty="0">
                           <a:solidFill>
                             <a:srgbClr val="020302"/>
                           </a:solidFill>
-                          <a:latin typeface="AdobeClean-Light"/>
-                          <a:cs typeface="AdobeClean-Light"/>
+                          <a:latin typeface="AdobeClean-Light" panose="020B0503020404020204" pitchFamily="34" charset="0"/>
                         </a:rPr>
                         <a:t>6 horas</a:t>
                       </a:r>
                     </a:p>
                   </a:txBody>
-                  <a:tcPr marL="0" marR="0" marT="0" marB="0" anchor="ctr">
+                  <a:tcPr marL="9525" marR="9525" marT="9525" marB="0" anchor="ctr">
                     <a:lnL w="3175">
                       <a:solidFill>
                         <a:srgbClr val="B7B8B8"/>
@@ -7499,27 +7715,36 @@
                     <a:bodyPr/>
                     <a:lstStyle/>
                     <a:p>
-                      <a:pPr marL="0" marR="185420" indent="-193675" algn="ctr">
-                        <a:lnSpc>
-                          <a:spcPct val="100000"/>
-                        </a:lnSpc>
-                        <a:spcBef>
-                          <a:spcPts val="645"/>
-                        </a:spcBef>
-                      </a:pPr>
+                      <a:pPr algn="ctr" fontAlgn="t"/>
                       <a:r>
-                        <a:rPr lang="es-ES" sz="900">
+                        <a:rPr lang="es-ES" sz="850" b="0" i="0" u="none" strike="noStrike" dirty="0">
                           <a:solidFill>
                             <a:srgbClr val="020302"/>
                           </a:solidFill>
-                          <a:latin typeface="AdobeClean-Light"/>
-                          <a:cs typeface="AdobeClean-Light"/>
-                        </a:rPr>
-                        <a:t>Horario de trabajo /  4 horas</a:t>
+                          <a:latin typeface="AdobeClean-Light" panose="020B0503020404020204" pitchFamily="34" charset="0"/>
+                        </a:rPr>
+                        <a:t>Horario de trabajo /  </a:t>
                       </a:r>
-                    </a:p>
-                  </a:txBody>
-                  <a:tcPr marL="0" marR="0" marT="0" marB="0" anchor="ctr">
+                      <a:br>
+                        <a:rPr lang="es-ES" sz="850" b="0" i="0" u="none" strike="noStrike" dirty="0">
+                          <a:solidFill>
+                            <a:srgbClr val="020302"/>
+                          </a:solidFill>
+                          <a:latin typeface="AdobeClean-Light" panose="020B0503020404020204" pitchFamily="34" charset="0"/>
+                        </a:rPr>
+                      </a:br>
+                      <a:r>
+                        <a:rPr lang="es-ES" sz="850" b="0" i="0" u="none" strike="noStrike" dirty="0">
+                          <a:solidFill>
+                            <a:srgbClr val="020302"/>
+                          </a:solidFill>
+                          <a:latin typeface="AdobeClean-Light" panose="020B0503020404020204" pitchFamily="34" charset="0"/>
+                        </a:rPr>
+                        <a:t>4 horas</a:t>
+                      </a:r>
+                    </a:p>
+                  </a:txBody>
+                  <a:tcPr marL="9525" marR="9525" marT="9525" marB="0" anchor="ctr">
                     <a:lnL w="3175">
                       <a:solidFill>
                         <a:srgbClr val="B7B8B8"/>
@@ -7551,46 +7776,36 @@
                     <a:bodyPr/>
                     <a:lstStyle/>
                     <a:p>
-                      <a:pPr marL="0" marR="184785" indent="-194310" algn="ctr">
-                        <a:lnSpc>
-                          <a:spcPct val="100000"/>
-                        </a:lnSpc>
-                        <a:spcBef>
-                          <a:spcPts val="645"/>
-                        </a:spcBef>
-                      </a:pPr>
+                      <a:pPr algn="ctr" fontAlgn="t"/>
                       <a:r>
-                        <a:rPr lang="es-ES" sz="900" dirty="0">
+                        <a:rPr lang="es-ES" sz="850" b="0" i="0" u="none" strike="noStrike" dirty="0">
                           <a:solidFill>
                             <a:srgbClr val="020302"/>
                           </a:solidFill>
-                          <a:latin typeface="AdobeClean-Light"/>
-                          <a:cs typeface="AdobeClean-Light"/>
-                        </a:rPr>
-                        <a:t>Horario de trabajo /     </a:t>
+                          <a:latin typeface="AdobeClean-Light" panose="020B0503020404020204" pitchFamily="34" charset="0"/>
+                        </a:rPr>
+                        <a:t>Horario de trabajo / </a:t>
                       </a:r>
                       <a:br>
-                        <a:rPr lang="sk-SK" sz="900" dirty="0">
+                        <a:rPr lang="es-ES" sz="850" b="0" i="0" u="none" strike="noStrike" dirty="0">
                           <a:solidFill>
                             <a:srgbClr val="020302"/>
                           </a:solidFill>
-                          <a:latin typeface="AdobeClean-Light"/>
-                          <a:cs typeface="AdobeClean-Light"/>
+                          <a:latin typeface="AdobeClean-Light" panose="020B0503020404020204" pitchFamily="34" charset="0"/>
                         </a:rPr>
                       </a:br>
                       <a:r>
-                        <a:rPr lang="es-ES" sz="900" dirty="0">
+                        <a:rPr lang="es-ES" sz="850" b="0" i="0" u="none" strike="noStrike" dirty="0">
                           <a:solidFill>
                             <a:srgbClr val="020302"/>
                           </a:solidFill>
-                          <a:latin typeface="AdobeClean-Light"/>
-                          <a:cs typeface="AdobeClean-Light"/>
+                          <a:latin typeface="AdobeClean-Light" panose="020B0503020404020204" pitchFamily="34" charset="0"/>
                         </a:rPr>
                         <a:t>2 horas</a:t>
                       </a:r>
                     </a:p>
                   </a:txBody>
-                  <a:tcPr marL="0" marR="0" marT="0" marB="0" anchor="ctr">
+                  <a:tcPr marL="9525" marR="9525" marT="9525" marB="0" anchor="ctr">
                     <a:lnL w="3175">
                       <a:solidFill>
                         <a:srgbClr val="B7B8B8"/>
@@ -7622,27 +7837,19 @@
                     <a:bodyPr/>
                     <a:lstStyle/>
                     <a:p>
-                      <a:pPr marL="0" marR="326390" indent="-5715" algn="ctr">
-                        <a:lnSpc>
-                          <a:spcPct val="100000"/>
-                        </a:lnSpc>
-                        <a:spcBef>
-                          <a:spcPts val="645"/>
-                        </a:spcBef>
-                      </a:pPr>
+                      <a:pPr algn="ctr" fontAlgn="t"/>
                       <a:r>
-                        <a:rPr lang="es-ES" sz="900" dirty="0">
+                        <a:rPr lang="es-ES" sz="850" b="0" i="0" u="none" strike="noStrike" dirty="0">
                           <a:solidFill>
                             <a:srgbClr val="020302"/>
                           </a:solidFill>
-                          <a:latin typeface="AdobeClean-Light"/>
-                          <a:cs typeface="AdobeClean-Light"/>
-                        </a:rPr>
-                        <a:t>24x5 /              1 hora</a:t>
+                          <a:latin typeface="AdobeClean-Light" panose="020B0503020404020204" pitchFamily="34" charset="0"/>
+                        </a:rPr>
+                        <a:t>24x5 / 1 hora</a:t>
                       </a:r>
                     </a:p>
                   </a:txBody>
-                  <a:tcPr marL="0" marR="0" marT="0" marB="0" anchor="ctr">
+                  <a:tcPr marL="9525" marR="9525" marT="9525" marB="0" anchor="ctr">
                     <a:lnL w="3175">
                       <a:solidFill>
                         <a:srgbClr val="B7B8B8"/>
@@ -7690,7 +7897,7 @@
                         </a:spcBef>
                       </a:pPr>
                       <a:r>
-                        <a:rPr lang="es-ES" sz="900" b="1" dirty="0">
+                        <a:rPr lang="es-ES" sz="850" b="1">
                           <a:solidFill>
                             <a:srgbClr val="020302"/>
                           </a:solidFill>
@@ -7719,7 +7926,7 @@
                         <a:defRPr/>
                       </a:pPr>
                       <a:r>
-                        <a:rPr lang="es-ES" sz="800" b="0" i="0" dirty="0">
+                        <a:rPr lang="es-ES" sz="850" b="0" i="0">
                           <a:solidFill>
                             <a:srgbClr val="000000"/>
                           </a:solidFill>
@@ -7736,11 +7943,14 @@
                       </a:solidFill>
                       <a:prstDash val="solid"/>
                     </a:lnL>
-                    <a:lnR w="3175">
+                    <a:lnR w="3175" cap="flat" cmpd="sng" algn="ctr">
                       <a:solidFill>
                         <a:srgbClr val="B7B8B8"/>
                       </a:solidFill>
                       <a:prstDash val="solid"/>
+                      <a:round/>
+                      <a:headEnd type="none" w="med" len="med"/>
+                      <a:tailEnd type="none" w="med" len="med"/>
                     </a:lnR>
                     <a:lnT w="3175">
                       <a:solidFill>
@@ -7761,27 +7971,36 @@
                     <a:bodyPr/>
                     <a:lstStyle/>
                     <a:p>
-                      <a:pPr marL="0" marR="203200" indent="-193040" algn="ctr">
-                        <a:lnSpc>
-                          <a:spcPct val="100000"/>
-                        </a:lnSpc>
-                        <a:spcBef>
-                          <a:spcPts val="155"/>
-                        </a:spcBef>
-                      </a:pPr>
+                      <a:pPr algn="ctr" fontAlgn="t"/>
                       <a:r>
-                        <a:rPr lang="es-ES" sz="900" dirty="0">
+                        <a:rPr lang="es-ES" sz="850" b="0" i="0" u="none" strike="noStrike" dirty="0">
                           <a:solidFill>
                             <a:srgbClr val="020302"/>
                           </a:solidFill>
-                          <a:latin typeface="AdobeClean-Light"/>
-                          <a:cs typeface="AdobeClean-Light"/>
-                        </a:rPr>
-                        <a:t>Días laborables / 3 días</a:t>
+                          <a:latin typeface="AdobeClean-Light" panose="020B0503020404020204" pitchFamily="34" charset="0"/>
+                        </a:rPr>
+                        <a:t>Días laborables / </a:t>
                       </a:r>
-                    </a:p>
-                  </a:txBody>
-                  <a:tcPr marL="0" marR="0" marT="0" marB="0" anchor="ctr">
+                      <a:br>
+                        <a:rPr lang="es-ES" sz="850" b="0" i="0" u="none" strike="noStrike" dirty="0">
+                          <a:solidFill>
+                            <a:srgbClr val="020302"/>
+                          </a:solidFill>
+                          <a:latin typeface="AdobeClean-Light" panose="020B0503020404020204" pitchFamily="34" charset="0"/>
+                        </a:rPr>
+                      </a:br>
+                      <a:r>
+                        <a:rPr lang="es-ES" sz="850" b="0" i="0" u="none" strike="noStrike" dirty="0">
+                          <a:solidFill>
+                            <a:srgbClr val="020302"/>
+                          </a:solidFill>
+                          <a:latin typeface="AdobeClean-Light" panose="020B0503020404020204" pitchFamily="34" charset="0"/>
+                        </a:rPr>
+                        <a:t>3 días</a:t>
+                      </a:r>
+                    </a:p>
+                  </a:txBody>
+                  <a:tcPr marL="9525" marR="9525" marT="9525" marB="0" anchor="ctr">
                     <a:lnL w="3175">
                       <a:solidFill>
                         <a:srgbClr val="B7B8B8"/>
@@ -7813,27 +8032,19 @@
                     <a:bodyPr/>
                     <a:lstStyle/>
                     <a:p>
-                      <a:pPr marL="0" marR="223520" indent="-202565" algn="ctr">
-                        <a:lnSpc>
-                          <a:spcPct val="100000"/>
-                        </a:lnSpc>
-                        <a:spcBef>
-                          <a:spcPts val="155"/>
-                        </a:spcBef>
-                      </a:pPr>
+                      <a:pPr algn="ctr" fontAlgn="t"/>
                       <a:r>
-                        <a:rPr lang="es-ES" sz="900">
+                        <a:rPr lang="es-ES" sz="850" b="0" i="0" u="none" strike="noStrike">
                           <a:solidFill>
                             <a:srgbClr val="020302"/>
                           </a:solidFill>
-                          <a:latin typeface="AdobeClean-Light"/>
-                          <a:cs typeface="AdobeClean-Light"/>
-                        </a:rPr>
-                        <a:t>Días laborables /     1 día</a:t>
+                          <a:latin typeface="AdobeClean-Light" panose="020B0503020404020204" pitchFamily="34" charset="0"/>
+                        </a:rPr>
+                        <a:t>Día laborables / 1 día</a:t>
                       </a:r>
                     </a:p>
                   </a:txBody>
-                  <a:tcPr marL="0" marR="0" marT="0" marB="0" anchor="ctr">
+                  <a:tcPr marL="9525" marR="9525" marT="9525" marB="0" anchor="ctr">
                     <a:lnL w="3175">
                       <a:solidFill>
                         <a:srgbClr val="B7B8B8"/>
@@ -7865,27 +8076,19 @@
                     <a:bodyPr/>
                     <a:lstStyle/>
                     <a:p>
-                      <a:pPr marL="0" marR="223520" indent="-202565" algn="ctr">
-                        <a:lnSpc>
-                          <a:spcPct val="100000"/>
-                        </a:lnSpc>
-                        <a:spcBef>
-                          <a:spcPts val="155"/>
-                        </a:spcBef>
-                      </a:pPr>
+                      <a:pPr algn="ctr" fontAlgn="t"/>
                       <a:r>
-                        <a:rPr lang="es-ES" sz="900">
+                        <a:rPr lang="es-ES" sz="850" b="0" i="0" u="none" strike="noStrike">
                           <a:solidFill>
                             <a:srgbClr val="020302"/>
                           </a:solidFill>
-                          <a:latin typeface="AdobeClean-Light"/>
-                          <a:cs typeface="AdobeClean-Light"/>
-                        </a:rPr>
-                        <a:t>Días laborables /      1 día</a:t>
+                          <a:latin typeface="AdobeClean-Light" panose="020B0503020404020204" pitchFamily="34" charset="0"/>
+                        </a:rPr>
+                        <a:t>Día laborables / 1 día</a:t>
                       </a:r>
                     </a:p>
                   </a:txBody>
-                  <a:tcPr marL="0" marR="0" marT="0" marB="0" anchor="ctr">
+                  <a:tcPr marL="9525" marR="9525" marT="9525" marB="0" anchor="ctr">
                     <a:lnL w="3175">
                       <a:solidFill>
                         <a:srgbClr val="B7B8B8"/>
@@ -7917,37 +8120,19 @@
                     <a:bodyPr/>
                     <a:lstStyle/>
                     <a:p>
-                      <a:pPr marL="0" marR="223520" indent="-202565" algn="ctr">
-                        <a:lnSpc>
-                          <a:spcPct val="100000"/>
-                        </a:lnSpc>
-                        <a:spcBef>
-                          <a:spcPts val="155"/>
-                        </a:spcBef>
-                      </a:pPr>
+                      <a:pPr algn="ctr" fontAlgn="t"/>
                       <a:r>
-                        <a:rPr lang="sk-SK" sz="900" dirty="0">
+                        <a:rPr lang="es-ES" sz="850" b="0" i="0" u="none" strike="noStrike" dirty="0">
                           <a:solidFill>
                             <a:srgbClr val="020302"/>
                           </a:solidFill>
-                          <a:latin typeface="AdobeClean-Light"/>
-                          <a:cs typeface="AdobeClean-Light"/>
-                        </a:rPr>
-                        <a:t>  </a:t>
+                          <a:latin typeface="AdobeClean-Light" panose="020B0503020404020204" pitchFamily="34" charset="0"/>
+                        </a:rPr>
+                        <a:t>Día laborables / 1 día</a:t>
                       </a:r>
-                      <a:r>
-                        <a:rPr lang="es-ES" sz="900" dirty="0">
-                          <a:solidFill>
-                            <a:srgbClr val="020302"/>
-                          </a:solidFill>
-                          <a:latin typeface="AdobeClean-Light"/>
-                          <a:cs typeface="AdobeClean-Light"/>
-                        </a:rPr>
-                        <a:t>Días laborables /  1 día</a:t>
-                      </a:r>
-                    </a:p>
-                  </a:txBody>
-                  <a:tcPr marL="0" marR="0" marT="0" marB="0" anchor="ctr">
+                    </a:p>
+                  </a:txBody>
+                  <a:tcPr marL="9525" marR="9525" marT="9525" marB="0" anchor="ctr">
                     <a:lnL w="3175">
                       <a:solidFill>
                         <a:srgbClr val="B7B8B8"/>
@@ -8010,7 +8195,7 @@
           </a:prstGeom>
         </p:spPr>
         <p:txBody>
-          <a:bodyPr vert="horz" wrap="square" lIns="0" tIns="12700" rIns="0" bIns="0" rtlCol="0">
+          <a:bodyPr vert="horz" wrap="square" lIns="0" tIns="12700" rIns="0" bIns="0" rtlCol="0" anchor="t">
             <a:spAutoFit/>
           </a:bodyPr>
           <a:lstStyle/>
@@ -8025,9 +8210,9 @@
             </a:pPr>
             <a:r>
               <a:rPr lang="es-ES" sz="2300">
-                <a:latin typeface="Adobe Clean" panose="020B0503020404020204" pitchFamily="34" charset="0"/>
+                <a:latin typeface="Adobe Clean"/>
               </a:rPr>
-              <a:t>OFERTA DE ASISTENCIA DE ADOBE</a:t>
+              <a:t>PLANES DE SOPORTE DE ADOBE</a:t>
             </a:r>
           </a:p>
         </p:txBody>
@@ -8305,7 +8490,7 @@
           </a:prstGeom>
         </p:spPr>
         <p:txBody>
-          <a:bodyPr vert="horz" wrap="square" lIns="0" tIns="35560" rIns="0" bIns="0" rtlCol="0">
+          <a:bodyPr vert="horz" wrap="square" lIns="0" tIns="35560" rIns="0" bIns="0" rtlCol="0" anchor="t">
             <a:spAutoFit/>
           </a:bodyPr>
           <a:lstStyle/>
@@ -8319,7 +8504,7 @@
               </a:spcBef>
             </a:pPr>
             <a:r>
-              <a:rPr lang="es-ES" sz="1000">
+              <a:rPr lang="es-ES" sz="1000" dirty="0">
                 <a:solidFill>
                   <a:srgbClr val="020302"/>
                 </a:solidFill>
@@ -8329,14 +8514,14 @@
               <a:t>El servicio de asistencia al cliente de Adobe ofrece acceso a recursos en línea para documentación, participación con otros expertos y clientes en prácticas recomendadas y series de seminarios web (horario de oficina) para obtener sugerencias y ver trucos para solucionar problemas. También hay varios canales disponibles</a:t>
             </a:r>
             <a:r>
-              <a:rPr lang="es-ES" sz="1000">
+              <a:rPr lang="es-ES" sz="1000" dirty="0">
                 <a:latin typeface="AdobeClean-Light"/>
                 <a:cs typeface="AdobeClean-Light"/>
               </a:rPr>
               <a:t> </a:t>
             </a:r>
             <a:r>
-              <a:rPr lang="es-ES" sz="1000">
+              <a:rPr lang="es-ES" sz="1000" dirty="0">
                 <a:solidFill>
                   <a:srgbClr val="020302"/>
                 </a:solidFill>
@@ -8357,22 +8542,19 @@
         <p:spPr>
           <a:xfrm>
             <a:off x="206585" y="8494028"/>
-            <a:ext cx="3270885" cy="579646"/>
+            <a:ext cx="2917615" cy="579646"/>
           </a:xfrm>
           <a:prstGeom prst="rect">
             <a:avLst/>
           </a:prstGeom>
         </p:spPr>
         <p:txBody>
-          <a:bodyPr vert="horz" wrap="square" lIns="0" tIns="12700" rIns="0" bIns="0" rtlCol="0">
+          <a:bodyPr vert="horz" wrap="square" lIns="0" tIns="12700" rIns="0" bIns="0" rtlCol="0" anchor="t">
             <a:spAutoFit/>
           </a:bodyPr>
           <a:lstStyle/>
           <a:p>
             <a:pPr marL="33020" marR="159385">
-              <a:lnSpc>
-                <a:spcPct val="100000"/>
-              </a:lnSpc>
               <a:spcBef>
                 <a:spcPts val="100"/>
               </a:spcBef>
@@ -8388,26 +8570,7 @@
                 <a:latin typeface="AdobeClean-Light"/>
                 <a:cs typeface="AdobeClean-Light"/>
               </a:rPr>
-              <a:t>Inicie una sesión de chat para obtener respuestas y ayuda </a:t>
-            </a:r>
-            <a:br>
-              <a:rPr lang="sk-SK" sz="900" dirty="0">
-                <a:solidFill>
-                  <a:srgbClr val="020302"/>
-                </a:solidFill>
-                <a:latin typeface="AdobeClean-Light"/>
-                <a:cs typeface="AdobeClean-Light"/>
-              </a:rPr>
-            </a:br>
-            <a:r>
-              <a:rPr lang="es-ES" sz="900" dirty="0">
-                <a:solidFill>
-                  <a:srgbClr val="020302"/>
-                </a:solidFill>
-                <a:latin typeface="AdobeClean-Light"/>
-                <a:cs typeface="AdobeClean-Light"/>
-              </a:rPr>
-              <a:t>con el envío de casos.</a:t>
+              <a:t>Inicie una sesión de chat para obtener respuestas y ayuda con el envío de casos.</a:t>
             </a:r>
           </a:p>
           <a:p>
@@ -8430,7 +8593,26 @@
                 <a:latin typeface="AdobeClean-LightIt"/>
                 <a:cs typeface="AdobeClean-LightIt"/>
               </a:rPr>
-              <a:t>* No todos los productos ofrecen la opción de disfrutar de asistencia mediante chat en directo.  </a:t>
+              <a:t>* No todos los productos ofrecen la opción de disfrutar </a:t>
+            </a:r>
+            <a:br>
+              <a:rPr lang="es-ES" sz="900" i="1" dirty="0">
+                <a:solidFill>
+                  <a:srgbClr val="7A7A7A"/>
+                </a:solidFill>
+                <a:latin typeface="AdobeClean-LightIt"/>
+                <a:cs typeface="AdobeClean-LightIt"/>
+              </a:rPr>
+            </a:br>
+            <a:r>
+              <a:rPr lang="es-ES" sz="900" i="1" dirty="0">
+                <a:solidFill>
+                  <a:srgbClr val="7A7A7A"/>
+                </a:solidFill>
+                <a:latin typeface="AdobeClean-LightIt"/>
+                <a:cs typeface="AdobeClean-LightIt"/>
+              </a:rPr>
+              <a:t>de asistencia mediante chat en directo.  </a:t>
             </a:r>
           </a:p>
         </p:txBody>
@@ -8500,7 +8682,7 @@
               </a:spcBef>
             </a:pPr>
             <a:r>
-              <a:rPr lang="es-ES" sz="1400" b="1">
+              <a:rPr lang="es-ES" sz="1400" b="1" dirty="0">
                 <a:solidFill>
                   <a:srgbClr val="020302"/>
                 </a:solidFill>
@@ -8628,7 +8810,7 @@
         <p:spPr>
           <a:xfrm>
             <a:off x="244599" y="3893151"/>
-            <a:ext cx="3413002" cy="805349"/>
+            <a:ext cx="3413002" cy="651460"/>
           </a:xfrm>
           <a:prstGeom prst="rect">
             <a:avLst/>
@@ -8641,30 +8823,13 @@
           <a:lstStyle/>
           <a:p>
             <a:r>
-              <a:rPr lang="es-ES" sz="1000" dirty="0">
+              <a:rPr lang="es-ES" sz="1000">
                 <a:solidFill>
                   <a:srgbClr val="000000"/>
                 </a:solidFill>
                 <a:latin typeface="Adobe Clean Light" panose="020B0303020404020204" pitchFamily="34" charset="0"/>
               </a:rPr>
-              <a:t>Acceso continuo en línea a una base de datos donde encontrará cada vez más soluciones técnicas, documentación de productos, preguntas frecuentes y mucho más. Hable con profesionales </a:t>
-            </a:r>
-            <a:br>
-              <a:rPr lang="sk-SK" sz="1000" dirty="0">
-                <a:solidFill>
-                  <a:srgbClr val="000000"/>
-                </a:solidFill>
-                <a:latin typeface="Adobe Clean Light" panose="020B0303020404020204" pitchFamily="34" charset="0"/>
-              </a:rPr>
-            </a:br>
-            <a:r>
-              <a:rPr lang="es-ES" sz="1000" dirty="0">
-                <a:solidFill>
-                  <a:srgbClr val="000000"/>
-                </a:solidFill>
-                <a:latin typeface="Adobe Clean Light" panose="020B0303020404020204" pitchFamily="34" charset="0"/>
-              </a:rPr>
-              <a:t>y otros clientes en la Comunidad de Adobe para compartir prácticas recomendadas y lecciones aprendidas.</a:t>
+              <a:t>Acceso continuo en línea a una base de datos donde encontrará cada vez más soluciones técnicas, documentación de productos, preguntas frecuentes y mucho más. Hable con profesionales y otros clientes en la Comunidad de Adobe para compartir prácticas recomendadas y lecciones aprendidas.</a:t>
             </a:r>
           </a:p>
         </p:txBody>
@@ -8861,7 +9026,7 @@
               <a:t> League. </a:t>
             </a:r>
             <a:br>
-              <a:rPr lang="sk-SK" sz="1000" dirty="0">
+              <a:rPr lang="es-ES" sz="1000" dirty="0">
                 <a:solidFill>
                   <a:srgbClr val="000000"/>
                 </a:solidFill>
@@ -8878,7 +9043,7 @@
               <a:t>Los clientes pueden aplicar sus conocimientos de administración </a:t>
             </a:r>
             <a:br>
-              <a:rPr lang="sk-SK" sz="1000" dirty="0">
+              <a:rPr lang="es-ES" sz="1000" dirty="0">
                 <a:solidFill>
                   <a:srgbClr val="000000"/>
                 </a:solidFill>
@@ -9013,7 +9178,7 @@
         <p:spPr>
           <a:xfrm>
             <a:off x="3810000" y="3893151"/>
-            <a:ext cx="3413002" cy="805349"/>
+            <a:ext cx="3276600" cy="805349"/>
           </a:xfrm>
           <a:prstGeom prst="rect">
             <a:avLst/>
@@ -9032,24 +9197,7 @@
                 </a:solidFill>
                 <a:latin typeface="Adobe Clean Light" panose="020B0303020404020204" pitchFamily="34" charset="0"/>
               </a:rPr>
-              <a:t>En el horario de oficina del equipo de asistencia al cliente de Adobe se incluyen sesiones diseñadas para informar y ayudar a los participantes a solucionar problemas, así como para proporcionar consejos y trucos para que los participantes logren el éxito con </a:t>
-            </a:r>
-            <a:br>
-              <a:rPr lang="sk-SK" sz="1000" dirty="0">
-                <a:solidFill>
-                  <a:srgbClr val="000000"/>
-                </a:solidFill>
-                <a:latin typeface="Adobe Clean Light" panose="020B0303020404020204" pitchFamily="34" charset="0"/>
-              </a:rPr>
-            </a:br>
-            <a:r>
-              <a:rPr lang="es-ES" sz="1000" dirty="0">
-                <a:solidFill>
-                  <a:srgbClr val="000000"/>
-                </a:solidFill>
-                <a:latin typeface="Adobe Clean Light" panose="020B0303020404020204" pitchFamily="34" charset="0"/>
-              </a:rPr>
-              <a:t>las soluciones de Adobe.</a:t>
+              <a:t>En el horario de oficina del equipo de asistencia al cliente de Adobe se incluyen sesiones diseñadas para informar y ayudar a los participantes a solucionar problemas, así como para proporcionar consejos y trucos para que los participantes logren el éxito con las soluciones de Adobe.</a:t>
             </a:r>
           </a:p>
         </p:txBody>
@@ -9192,7 +9340,7 @@
               <a:t>Acceso al portal de asistencia de autoayuda en línea previa solicitud para enviar solicitudes de asistencia, revisar el estado de los casos </a:t>
             </a:r>
             <a:br>
-              <a:rPr lang="sk-SK" sz="1000" dirty="0">
+              <a:rPr lang="es-ES" sz="1000" dirty="0">
                 <a:solidFill>
                   <a:srgbClr val="000000"/>
                 </a:solidFill>
@@ -9209,7 +9357,7 @@
               <a:t>y examinar otros recursos, como la base de conocimiento, noticias </a:t>
             </a:r>
             <a:br>
-              <a:rPr lang="sk-SK" sz="1000" dirty="0">
+              <a:rPr lang="es-ES" sz="1000" dirty="0">
                 <a:solidFill>
                   <a:srgbClr val="000000"/>
                 </a:solidFill>
@@ -9445,7 +9593,7 @@
         <p:spPr>
           <a:xfrm>
             <a:off x="3833993" y="8494028"/>
-            <a:ext cx="3413002" cy="651460"/>
+            <a:ext cx="3413002" cy="497572"/>
           </a:xfrm>
           <a:prstGeom prst="rect">
             <a:avLst/>
@@ -9470,18 +9618,7 @@
               <a:rPr lang="es-ES" sz="1000" dirty="0">
                 <a:latin typeface="Adobe Clean Light" panose="020B0303020404020204" pitchFamily="34" charset="0"/>
               </a:rPr>
-              <a:t> pueden enviar problemas a través de todos los canales disponibles (incluido el teléfono en el caso de los problemas P1) y hablar </a:t>
-            </a:r>
-            <a:br>
-              <a:rPr lang="sk-SK" sz="1000" dirty="0">
-                <a:latin typeface="Adobe Clean Light" panose="020B0303020404020204" pitchFamily="34" charset="0"/>
-              </a:rPr>
-            </a:br>
-            <a:r>
-              <a:rPr lang="es-ES" sz="1000" dirty="0">
-                <a:latin typeface="Adobe Clean Light" panose="020B0303020404020204" pitchFamily="34" charset="0"/>
-              </a:rPr>
-              <a:t>con nuestro equipo de asistencia en nombre de su empresa. </a:t>
+              <a:t> pueden enviar problemas a través de todos los canales disponibles (incluido el teléfono en el caso de los problemas P1) y hablar con nuestro equipo de asistencia en nombre de su empresa. </a:t>
             </a:r>
           </a:p>
         </p:txBody>
@@ -9965,14 +10102,14 @@
         <p:spPr>
           <a:xfrm>
             <a:off x="6754821" y="9283729"/>
-            <a:ext cx="930275" cy="662305"/>
+            <a:ext cx="1017579" cy="643125"/>
           </a:xfrm>
           <a:prstGeom prst="rect">
             <a:avLst/>
           </a:prstGeom>
         </p:spPr>
         <p:txBody>
-          <a:bodyPr vert="horz" wrap="square" lIns="0" tIns="12065" rIns="0" bIns="0" rtlCol="0">
+          <a:bodyPr vert="horz" wrap="square" lIns="0" tIns="12065" rIns="0" bIns="0" rtlCol="0" anchor="t">
             <a:spAutoFit/>
           </a:bodyPr>
           <a:lstStyle/>
@@ -9986,7 +10123,7 @@
               </a:spcBef>
             </a:pPr>
             <a:r>
-              <a:rPr lang="es-ES" sz="800">
+              <a:rPr lang="es-ES" sz="800" dirty="0">
                 <a:solidFill>
                   <a:srgbClr val="777879"/>
                 </a:solidFill>
@@ -10003,7 +10140,7 @@
               </a:lnSpc>
             </a:pPr>
             <a:r>
-              <a:rPr lang="es-ES" sz="800">
+              <a:rPr lang="es-ES" sz="800" dirty="0">
                 <a:solidFill>
                   <a:srgbClr val="777879"/>
                 </a:solidFill>
@@ -10020,7 +10157,7 @@
               </a:lnSpc>
             </a:pPr>
             <a:r>
-              <a:rPr lang="es-ES" sz="800">
+              <a:rPr lang="es-ES" sz="800" dirty="0">
                 <a:solidFill>
                   <a:srgbClr val="777879"/>
                 </a:solidFill>
@@ -10040,7 +10177,7 @@
               </a:spcBef>
             </a:pPr>
             <a:r>
-              <a:rPr lang="es-ES" sz="800">
+              <a:rPr lang="es-ES" sz="800" dirty="0">
                 <a:solidFill>
                   <a:srgbClr val="777879"/>
                 </a:solidFill>
@@ -10060,7 +10197,7 @@
               </a:spcBef>
             </a:pPr>
             <a:r>
-              <a:rPr lang="es-ES" sz="800" u="sng">
+              <a:rPr lang="es-ES" sz="800" u="sng" dirty="0">
                 <a:solidFill>
                   <a:srgbClr val="5F5F5F"/>
                 </a:solidFill>
@@ -10228,14 +10365,14 @@
         <p:spPr>
           <a:xfrm>
             <a:off x="75947" y="9437110"/>
-            <a:ext cx="5466715" cy="570865"/>
+            <a:ext cx="5105653" cy="570865"/>
           </a:xfrm>
           <a:prstGeom prst="rect">
             <a:avLst/>
           </a:prstGeom>
         </p:spPr>
         <p:txBody>
-          <a:bodyPr vert="horz" wrap="square" lIns="0" tIns="29845" rIns="0" bIns="0" rtlCol="0">
+          <a:bodyPr vert="horz" wrap="square" lIns="0" tIns="29845" rIns="0" bIns="0" rtlCol="0" anchor="t">
             <a:spAutoFit/>
           </a:bodyPr>
           <a:lstStyle/>
@@ -10415,8 +10552,8 @@
         </p:nvSpPr>
         <p:spPr>
           <a:xfrm>
-            <a:off x="171128" y="5057379"/>
-            <a:ext cx="7144071" cy="755976"/>
+            <a:off x="171129" y="5057379"/>
+            <a:ext cx="7391398" cy="755976"/>
           </a:xfrm>
           <a:prstGeom prst="rect">
             <a:avLst/>
@@ -10457,24 +10594,7 @@
                 </a:solidFill>
                 <a:latin typeface="AdobeClean-Light"/>
               </a:rPr>
-              <a:t>El alcance regional del Soporte de Adobe se establece asignando la dirección de facturación del cliente </a:t>
-            </a:r>
-            <a:br>
-              <a:rPr lang="sk-SK" sz="1000" dirty="0">
-                <a:solidFill>
-                  <a:srgbClr val="1F1F1F"/>
-                </a:solidFill>
-                <a:latin typeface="AdobeClean-Light"/>
-              </a:rPr>
-            </a:br>
-            <a:r>
-              <a:rPr lang="es-ES" sz="1000" dirty="0">
-                <a:solidFill>
-                  <a:srgbClr val="1F1F1F"/>
-                </a:solidFill>
-                <a:latin typeface="AdobeClean-Light"/>
-              </a:rPr>
-              <a:t>(mediante la orden de venta o el documento de compra de Soporte de Adobe) con una de estas regiones:</a:t>
+              <a:t>El alcance regional del Soporte de Adobe se establece asignando la dirección de facturación del cliente (mediante la orden de venta o el documento de compra de Soporte de Adobe) con una de estas regiones:</a:t>
             </a:r>
           </a:p>
         </p:txBody>
@@ -10494,7 +10614,7 @@
           <p:nvPr>
             <p:extLst>
               <p:ext uri="{D42A27DB-BD31-4B8C-83A1-F6EECF244321}">
-                <p14:modId xmlns:p14="http://schemas.microsoft.com/office/powerpoint/2010/main" val="470106434"/>
+                <p14:modId xmlns:p14="http://schemas.microsoft.com/office/powerpoint/2010/main" val="3969178398"/>
               </p:ext>
             </p:extLst>
           </p:nvPr>
@@ -10618,10 +10738,10 @@
                           </a:solidFill>
                           <a:latin typeface="Adobe Clean" panose="020B0503020404020204" pitchFamily="34" charset="0"/>
                         </a:rPr>
-                        <a:t>Europa, Oriente </a:t>
+                        <a:t>Europa, Oriente Medio </a:t>
                       </a:r>
                       <a:br>
-                        <a:rPr lang="sk-SK" sz="1100" dirty="0">
+                        <a:rPr lang="es-ES" sz="1100" dirty="0">
                           <a:solidFill>
                             <a:schemeClr val="tx1"/>
                           </a:solidFill>
@@ -10635,7 +10755,7 @@
                           </a:solidFill>
                           <a:latin typeface="Adobe Clean" panose="020B0503020404020204" pitchFamily="34" charset="0"/>
                         </a:rPr>
-                        <a:t>Medio y África</a:t>
+                        <a:t>y África</a:t>
                       </a:r>
                     </a:p>
                   </a:txBody>
@@ -11651,7 +11771,7 @@
         <p:spPr>
           <a:xfrm>
             <a:off x="6477000" y="8543943"/>
-            <a:ext cx="810895" cy="385445"/>
+            <a:ext cx="804778" cy="385445"/>
           </a:xfrm>
           <a:prstGeom prst="rect">
             <a:avLst/>
@@ -11699,7 +11819,7 @@
           <p:nvPr>
             <p:extLst>
               <p:ext uri="{D42A27DB-BD31-4B8C-83A1-F6EECF244321}">
-                <p14:modId xmlns:p14="http://schemas.microsoft.com/office/powerpoint/2010/main" val="3777494027"/>
+                <p14:modId xmlns:p14="http://schemas.microsoft.com/office/powerpoint/2010/main" val="1441061375"/>
               </p:ext>
             </p:extLst>
           </p:nvPr>
@@ -11843,7 +11963,7 @@
                         <a:t> League permite a Adobe ayudar a las empresas a alcanzar el valor que esperan de su inversión en Adobe. Es el lugar unificado </a:t>
                       </a:r>
                       <a:br>
-                        <a:rPr lang="sk-SK" sz="1000" b="0" dirty="0">
+                        <a:rPr lang="es-ES" sz="1000" b="0" dirty="0">
                           <a:solidFill>
                             <a:srgbClr val="000000"/>
                           </a:solidFill>
@@ -11864,7 +11984,7 @@
                         <a:t>en el que los clientes pueden aprender, dialogar y crecer siguiendo </a:t>
                       </a:r>
                       <a:br>
-                        <a:rPr lang="sk-SK" sz="1000" b="0" dirty="0">
+                        <a:rPr lang="es-ES" sz="1000" b="0" dirty="0">
                           <a:solidFill>
                             <a:srgbClr val="000000"/>
                           </a:solidFill>
@@ -11885,7 +12005,7 @@
                         <a:t>un camino personalizado hacia el éxito que incluye tutoriales </a:t>
                       </a:r>
                       <a:br>
-                        <a:rPr lang="sk-SK" sz="1000" b="0" dirty="0">
+                        <a:rPr lang="es-ES" sz="1000" b="0" dirty="0">
                           <a:solidFill>
                             <a:srgbClr val="000000"/>
                           </a:solidFill>
@@ -11906,7 +12026,7 @@
                         <a:t>de autoayuda, documentación de productos, formación dirigida </a:t>
                       </a:r>
                       <a:br>
-                        <a:rPr lang="sk-SK" sz="1000" b="0" dirty="0">
+                        <a:rPr lang="es-ES" sz="1000" b="0" dirty="0">
                           <a:solidFill>
                             <a:srgbClr val="000000"/>
                           </a:solidFill>
@@ -12101,7 +12221,7 @@
                         <a:defRPr/>
                       </a:pPr>
                       <a:r>
-                        <a:rPr lang="es-ES" sz="1000" dirty="0">
+                        <a:rPr lang="es-ES" sz="1000">
                           <a:solidFill>
                             <a:srgbClr val="000000"/>
                           </a:solidFill>
@@ -12109,73 +12229,7 @@
                           <a:ea typeface="+mn-ea"/>
                           <a:cs typeface="+mn-cs"/>
                         </a:rPr>
-                        <a:t>Puede acceder a los cursos de Adobe Digital </a:t>
-                      </a:r>
-                      <a:r>
-                        <a:rPr lang="es-ES" sz="1000" dirty="0" err="1">
-                          <a:solidFill>
-                            <a:srgbClr val="000000"/>
-                          </a:solidFill>
-                          <a:latin typeface="Adobe Clean Light" panose="020B0303020404020204" pitchFamily="34" charset="0"/>
-                          <a:ea typeface="+mn-ea"/>
-                          <a:cs typeface="+mn-cs"/>
-                        </a:rPr>
-                        <a:t>Learning</a:t>
-                      </a:r>
-                      <a:r>
-                        <a:rPr lang="es-ES" sz="1000" dirty="0">
-                          <a:solidFill>
-                            <a:srgbClr val="000000"/>
-                          </a:solidFill>
-                          <a:latin typeface="Adobe Clean Light" panose="020B0303020404020204" pitchFamily="34" charset="0"/>
-                          <a:ea typeface="+mn-ea"/>
-                          <a:cs typeface="+mn-cs"/>
-                        </a:rPr>
-                        <a:t> </a:t>
-                      </a:r>
-                      <a:r>
-                        <a:rPr lang="es-ES" sz="1000" dirty="0" err="1">
-                          <a:solidFill>
-                            <a:srgbClr val="000000"/>
-                          </a:solidFill>
-                          <a:latin typeface="Adobe Clean Light" panose="020B0303020404020204" pitchFamily="34" charset="0"/>
-                          <a:ea typeface="+mn-ea"/>
-                          <a:cs typeface="+mn-cs"/>
-                        </a:rPr>
-                        <a:t>Services</a:t>
-                      </a:r>
-                      <a:r>
-                        <a:rPr lang="es-ES" sz="1000" dirty="0">
-                          <a:solidFill>
-                            <a:srgbClr val="000000"/>
-                          </a:solidFill>
-                          <a:latin typeface="Adobe Clean Light" panose="020B0303020404020204" pitchFamily="34" charset="0"/>
-                          <a:ea typeface="+mn-ea"/>
-                          <a:cs typeface="+mn-cs"/>
-                        </a:rPr>
-                        <a:t> desde </a:t>
-                      </a:r>
-                      <a:r>
-                        <a:rPr lang="es-ES" sz="1000" dirty="0" err="1">
-                          <a:solidFill>
-                            <a:srgbClr val="000000"/>
-                          </a:solidFill>
-                          <a:latin typeface="Adobe Clean Light" panose="020B0303020404020204" pitchFamily="34" charset="0"/>
-                          <a:ea typeface="+mn-ea"/>
-                          <a:cs typeface="+mn-cs"/>
-                        </a:rPr>
-                        <a:t>Experience</a:t>
-                      </a:r>
-                      <a:r>
-                        <a:rPr lang="es-ES" sz="1000" dirty="0">
-                          <a:solidFill>
-                            <a:srgbClr val="000000"/>
-                          </a:solidFill>
-                          <a:latin typeface="Adobe Clean Light" panose="020B0303020404020204" pitchFamily="34" charset="0"/>
-                          <a:ea typeface="+mn-ea"/>
-                          <a:cs typeface="+mn-cs"/>
-                        </a:rPr>
-                        <a:t> League. Los cursos de formación incluyen desde lecciones bajo demanda hasta lecciones impartidas por instructores. Aquí puede aprender habilidades con valor de mercado reconocido para impulsar el éxito en su organización.</a:t>
+                        <a:t>Puede acceder a los cursos de Adobe Digital Learning Services desde Experience League. Los cursos de formación incluyen desde lecciones bajo demanda hasta lecciones impartidas por instructores.  Aquí puede aprender habilidades con valor de mercado reconocido para impulsar el éxito en su organización.</a:t>
                       </a:r>
                     </a:p>
                   </a:txBody>
@@ -12506,7 +12560,7 @@
                           <a:ea typeface="+mn-ea"/>
                           <a:cs typeface="+mn-cs"/>
                         </a:rPr>
-                        <a:t>Términos y condiciones de las ofertas de los servicios de soporte</a:t>
+                        <a:t>Términos y condiciones de las ofertas de los servicios de soporte.</a:t>
                       </a:r>
                     </a:p>
                   </a:txBody>
@@ -13518,8 +13572,16 @@
 <file path=customXml/itemProps2.xml><?xml version="1.0" encoding="utf-8"?>
 <ds:datastoreItem xmlns:ds="http://schemas.openxmlformats.org/officeDocument/2006/customXml" ds:itemID="{8D12BD98-169B-4BEE-86DF-4C9641DF23C4}">
   <ds:schemaRefs>
+    <ds:schemaRef ds:uri="http://schemas.microsoft.com/office/2006/documentManagement/types"/>
     <ds:schemaRef ds:uri="http://schemas.microsoft.com/office/2006/metadata/properties"/>
+    <ds:schemaRef ds:uri="http://www.w3.org/XML/1998/namespace"/>
+    <ds:schemaRef ds:uri="http://purl.org/dc/terms/"/>
+    <ds:schemaRef ds:uri="http://purl.org/dc/elements/1.1/"/>
     <ds:schemaRef ds:uri="http://schemas.microsoft.com/office/infopath/2007/PartnerControls"/>
+    <ds:schemaRef ds:uri="http://schemas.openxmlformats.org/package/2006/metadata/core-properties"/>
+    <ds:schemaRef ds:uri="8a053bff-88be-49e4-9a87-e748e18b8b62"/>
+    <ds:schemaRef ds:uri="6c8368ec-3776-49b5-a5bb-90648cf9530f"/>
+    <ds:schemaRef ds:uri="http://purl.org/dc/dcmitype/"/>
   </ds:schemaRefs>
 </ds:datastoreItem>
 </file>
